--- a/Weather Patterns.pptx
+++ b/Weather Patterns.pptx
@@ -5,24 +5,28 @@
     <p:sldMasterId id="2147483659" r:id="rId1"/>
   </p:sldMasterIdLst>
   <p:notesMasterIdLst>
-    <p:notesMasterId r:id="rId5"/>
+    <p:notesMasterId r:id="rId9"/>
   </p:notesMasterIdLst>
   <p:sldIdLst>
     <p:sldId id="256" r:id="rId2"/>
     <p:sldId id="257" r:id="rId3"/>
     <p:sldId id="258" r:id="rId4"/>
+    <p:sldId id="259" r:id="rId5"/>
+    <p:sldId id="260" r:id="rId6"/>
+    <p:sldId id="261" r:id="rId7"/>
+    <p:sldId id="262" r:id="rId8"/>
   </p:sldIdLst>
   <p:sldSz cx="9144000" cy="5143500" type="screen16x9"/>
   <p:notesSz cx="6858000" cy="9144000"/>
   <p:embeddedFontLst>
     <p:embeddedFont>
       <p:font typeface="Average" panose="020B0604020202020204" charset="0"/>
-      <p:regular r:id="rId6"/>
+      <p:regular r:id="rId10"/>
     </p:embeddedFont>
     <p:embeddedFont>
       <p:font typeface="Oswald" panose="020B0604020202020204" charset="0"/>
-      <p:regular r:id="rId7"/>
-      <p:bold r:id="rId8"/>
+      <p:regular r:id="rId11"/>
+      <p:bold r:id="rId12"/>
     </p:embeddedFont>
   </p:embeddedFontLst>
   <p:defaultTextStyle>
@@ -983,6 +987,422 @@
       <p:sp>
         <p:nvSpPr>
           <p:cNvPr id="71" name="Google Shape;71;gc50ab1f7be_0_57:notes"/>
+          <p:cNvSpPr txBox="1">
+            <a:spLocks noGrp="1"/>
+          </p:cNvSpPr>
+          <p:nvPr>
+            <p:ph type="body" idx="1"/>
+          </p:nvPr>
+        </p:nvSpPr>
+        <p:spPr>
+          <a:xfrm>
+            <a:off x="685800" y="4343400"/>
+            <a:ext cx="5486400" cy="4114800"/>
+          </a:xfrm>
+          <a:prstGeom prst="rect">
+            <a:avLst/>
+          </a:prstGeom>
+        </p:spPr>
+        <p:txBody>
+          <a:bodyPr spcFirstLastPara="1" wrap="square" lIns="91425" tIns="91425" rIns="91425" bIns="91425" anchor="t" anchorCtr="0">
+            <a:noAutofit/>
+          </a:bodyPr>
+          <a:lstStyle/>
+          <a:p>
+            <a:pPr marL="0" lvl="0" indent="0" algn="l" rtl="0">
+              <a:spcBef>
+                <a:spcPts val="0"/>
+              </a:spcBef>
+              <a:spcAft>
+                <a:spcPts val="0"/>
+              </a:spcAft>
+              <a:buNone/>
+            </a:pPr>
+            <a:endParaRPr/>
+          </a:p>
+        </p:txBody>
+      </p:sp>
+    </p:spTree>
+  </p:cSld>
+  <p:clrMapOvr>
+    <a:masterClrMapping/>
+  </p:clrMapOvr>
+</p:notes>
+</file>
+
+<file path=ppt/notesSlides/notesSlide4.xml><?xml version="1.0" encoding="utf-8"?>
+<p:notes xmlns:a="http://schemas.openxmlformats.org/drawingml/2006/main" xmlns:r="http://schemas.openxmlformats.org/officeDocument/2006/relationships" xmlns:p="http://schemas.openxmlformats.org/presentationml/2006/main" showMasterSp="0" showMasterPhAnim="0">
+  <p:cSld>
+    <p:spTree>
+      <p:nvGrpSpPr>
+        <p:cNvPr id="1" name="Shape 75"/>
+        <p:cNvGrpSpPr/>
+        <p:nvPr/>
+      </p:nvGrpSpPr>
+      <p:grpSpPr>
+        <a:xfrm>
+          <a:off x="0" y="0"/>
+          <a:ext cx="0" cy="0"/>
+          <a:chOff x="0" y="0"/>
+          <a:chExt cx="0" cy="0"/>
+        </a:xfrm>
+      </p:grpSpPr>
+      <p:sp>
+        <p:nvSpPr>
+          <p:cNvPr id="76" name="Google Shape;76;gc50ab1f7be_0_64:notes"/>
+          <p:cNvSpPr>
+            <a:spLocks noGrp="1" noRot="1" noChangeAspect="1"/>
+          </p:cNvSpPr>
+          <p:nvPr>
+            <p:ph type="sldImg" idx="2"/>
+          </p:nvPr>
+        </p:nvSpPr>
+        <p:spPr>
+          <a:xfrm>
+            <a:off x="381300" y="685800"/>
+            <a:ext cx="6096000" cy="3429000"/>
+          </a:xfrm>
+          <a:custGeom>
+            <a:avLst/>
+            <a:gdLst/>
+            <a:ahLst/>
+            <a:cxnLst/>
+            <a:rect l="l" t="t" r="r" b="b"/>
+            <a:pathLst>
+              <a:path w="120000" h="120000" extrusionOk="0">
+                <a:moveTo>
+                  <a:pt x="0" y="0"/>
+                </a:moveTo>
+                <a:lnTo>
+                  <a:pt x="120000" y="0"/>
+                </a:lnTo>
+                <a:lnTo>
+                  <a:pt x="120000" y="120000"/>
+                </a:lnTo>
+                <a:lnTo>
+                  <a:pt x="0" y="120000"/>
+                </a:lnTo>
+                <a:close/>
+              </a:path>
+            </a:pathLst>
+          </a:custGeom>
+        </p:spPr>
+      </p:sp>
+      <p:sp>
+        <p:nvSpPr>
+          <p:cNvPr id="77" name="Google Shape;77;gc50ab1f7be_0_64:notes"/>
+          <p:cNvSpPr txBox="1">
+            <a:spLocks noGrp="1"/>
+          </p:cNvSpPr>
+          <p:nvPr>
+            <p:ph type="body" idx="1"/>
+          </p:nvPr>
+        </p:nvSpPr>
+        <p:spPr>
+          <a:xfrm>
+            <a:off x="685800" y="4343400"/>
+            <a:ext cx="5486400" cy="4114800"/>
+          </a:xfrm>
+          <a:prstGeom prst="rect">
+            <a:avLst/>
+          </a:prstGeom>
+        </p:spPr>
+        <p:txBody>
+          <a:bodyPr spcFirstLastPara="1" wrap="square" lIns="91425" tIns="91425" rIns="91425" bIns="91425" anchor="t" anchorCtr="0">
+            <a:noAutofit/>
+          </a:bodyPr>
+          <a:lstStyle/>
+          <a:p>
+            <a:pPr marL="0" lvl="0" indent="0" algn="l" rtl="0">
+              <a:spcBef>
+                <a:spcPts val="0"/>
+              </a:spcBef>
+              <a:spcAft>
+                <a:spcPts val="0"/>
+              </a:spcAft>
+              <a:buNone/>
+            </a:pPr>
+            <a:endParaRPr/>
+          </a:p>
+        </p:txBody>
+      </p:sp>
+    </p:spTree>
+  </p:cSld>
+  <p:clrMapOvr>
+    <a:masterClrMapping/>
+  </p:clrMapOvr>
+</p:notes>
+</file>
+
+<file path=ppt/notesSlides/notesSlide5.xml><?xml version="1.0" encoding="utf-8"?>
+<p:notes xmlns:a="http://schemas.openxmlformats.org/drawingml/2006/main" xmlns:r="http://schemas.openxmlformats.org/officeDocument/2006/relationships" xmlns:p="http://schemas.openxmlformats.org/presentationml/2006/main" showMasterSp="0" showMasterPhAnim="0">
+  <p:cSld>
+    <p:spTree>
+      <p:nvGrpSpPr>
+        <p:cNvPr id="1" name="Shape 81"/>
+        <p:cNvGrpSpPr/>
+        <p:nvPr/>
+      </p:nvGrpSpPr>
+      <p:grpSpPr>
+        <a:xfrm>
+          <a:off x="0" y="0"/>
+          <a:ext cx="0" cy="0"/>
+          <a:chOff x="0" y="0"/>
+          <a:chExt cx="0" cy="0"/>
+        </a:xfrm>
+      </p:grpSpPr>
+      <p:sp>
+        <p:nvSpPr>
+          <p:cNvPr id="82" name="Google Shape;82;gc50ab1f7be_0_70:notes"/>
+          <p:cNvSpPr>
+            <a:spLocks noGrp="1" noRot="1" noChangeAspect="1"/>
+          </p:cNvSpPr>
+          <p:nvPr>
+            <p:ph type="sldImg" idx="2"/>
+          </p:nvPr>
+        </p:nvSpPr>
+        <p:spPr>
+          <a:xfrm>
+            <a:off x="381300" y="685800"/>
+            <a:ext cx="6096000" cy="3429000"/>
+          </a:xfrm>
+          <a:custGeom>
+            <a:avLst/>
+            <a:gdLst/>
+            <a:ahLst/>
+            <a:cxnLst/>
+            <a:rect l="l" t="t" r="r" b="b"/>
+            <a:pathLst>
+              <a:path w="120000" h="120000" extrusionOk="0">
+                <a:moveTo>
+                  <a:pt x="0" y="0"/>
+                </a:moveTo>
+                <a:lnTo>
+                  <a:pt x="120000" y="0"/>
+                </a:lnTo>
+                <a:lnTo>
+                  <a:pt x="120000" y="120000"/>
+                </a:lnTo>
+                <a:lnTo>
+                  <a:pt x="0" y="120000"/>
+                </a:lnTo>
+                <a:close/>
+              </a:path>
+            </a:pathLst>
+          </a:custGeom>
+        </p:spPr>
+      </p:sp>
+      <p:sp>
+        <p:nvSpPr>
+          <p:cNvPr id="83" name="Google Shape;83;gc50ab1f7be_0_70:notes"/>
+          <p:cNvSpPr txBox="1">
+            <a:spLocks noGrp="1"/>
+          </p:cNvSpPr>
+          <p:nvPr>
+            <p:ph type="body" idx="1"/>
+          </p:nvPr>
+        </p:nvSpPr>
+        <p:spPr>
+          <a:xfrm>
+            <a:off x="685800" y="4343400"/>
+            <a:ext cx="5486400" cy="4114800"/>
+          </a:xfrm>
+          <a:prstGeom prst="rect">
+            <a:avLst/>
+          </a:prstGeom>
+        </p:spPr>
+        <p:txBody>
+          <a:bodyPr spcFirstLastPara="1" wrap="square" lIns="91425" tIns="91425" rIns="91425" bIns="91425" anchor="t" anchorCtr="0">
+            <a:noAutofit/>
+          </a:bodyPr>
+          <a:lstStyle/>
+          <a:p>
+            <a:pPr marL="0" lvl="0" indent="0" algn="l" rtl="0">
+              <a:spcBef>
+                <a:spcPts val="0"/>
+              </a:spcBef>
+              <a:spcAft>
+                <a:spcPts val="0"/>
+              </a:spcAft>
+              <a:buNone/>
+            </a:pPr>
+            <a:endParaRPr/>
+          </a:p>
+        </p:txBody>
+      </p:sp>
+    </p:spTree>
+  </p:cSld>
+  <p:clrMapOvr>
+    <a:masterClrMapping/>
+  </p:clrMapOvr>
+</p:notes>
+</file>
+
+<file path=ppt/notesSlides/notesSlide6.xml><?xml version="1.0" encoding="utf-8"?>
+<p:notes xmlns:a="http://schemas.openxmlformats.org/drawingml/2006/main" xmlns:r="http://schemas.openxmlformats.org/officeDocument/2006/relationships" xmlns:p="http://schemas.openxmlformats.org/presentationml/2006/main" showMasterSp="0" showMasterPhAnim="0">
+  <p:cSld>
+    <p:spTree>
+      <p:nvGrpSpPr>
+        <p:cNvPr id="1" name="Shape 87"/>
+        <p:cNvGrpSpPr/>
+        <p:nvPr/>
+      </p:nvGrpSpPr>
+      <p:grpSpPr>
+        <a:xfrm>
+          <a:off x="0" y="0"/>
+          <a:ext cx="0" cy="0"/>
+          <a:chOff x="0" y="0"/>
+          <a:chExt cx="0" cy="0"/>
+        </a:xfrm>
+      </p:grpSpPr>
+      <p:sp>
+        <p:nvSpPr>
+          <p:cNvPr id="88" name="Google Shape;88;gc50ab1f7be_0_75:notes"/>
+          <p:cNvSpPr>
+            <a:spLocks noGrp="1" noRot="1" noChangeAspect="1"/>
+          </p:cNvSpPr>
+          <p:nvPr>
+            <p:ph type="sldImg" idx="2"/>
+          </p:nvPr>
+        </p:nvSpPr>
+        <p:spPr>
+          <a:xfrm>
+            <a:off x="381300" y="685800"/>
+            <a:ext cx="6096000" cy="3429000"/>
+          </a:xfrm>
+          <a:custGeom>
+            <a:avLst/>
+            <a:gdLst/>
+            <a:ahLst/>
+            <a:cxnLst/>
+            <a:rect l="l" t="t" r="r" b="b"/>
+            <a:pathLst>
+              <a:path w="120000" h="120000" extrusionOk="0">
+                <a:moveTo>
+                  <a:pt x="0" y="0"/>
+                </a:moveTo>
+                <a:lnTo>
+                  <a:pt x="120000" y="0"/>
+                </a:lnTo>
+                <a:lnTo>
+                  <a:pt x="120000" y="120000"/>
+                </a:lnTo>
+                <a:lnTo>
+                  <a:pt x="0" y="120000"/>
+                </a:lnTo>
+                <a:close/>
+              </a:path>
+            </a:pathLst>
+          </a:custGeom>
+        </p:spPr>
+      </p:sp>
+      <p:sp>
+        <p:nvSpPr>
+          <p:cNvPr id="89" name="Google Shape;89;gc50ab1f7be_0_75:notes"/>
+          <p:cNvSpPr txBox="1">
+            <a:spLocks noGrp="1"/>
+          </p:cNvSpPr>
+          <p:nvPr>
+            <p:ph type="body" idx="1"/>
+          </p:nvPr>
+        </p:nvSpPr>
+        <p:spPr>
+          <a:xfrm>
+            <a:off x="685800" y="4343400"/>
+            <a:ext cx="5486400" cy="4114800"/>
+          </a:xfrm>
+          <a:prstGeom prst="rect">
+            <a:avLst/>
+          </a:prstGeom>
+        </p:spPr>
+        <p:txBody>
+          <a:bodyPr spcFirstLastPara="1" wrap="square" lIns="91425" tIns="91425" rIns="91425" bIns="91425" anchor="t" anchorCtr="0">
+            <a:noAutofit/>
+          </a:bodyPr>
+          <a:lstStyle/>
+          <a:p>
+            <a:pPr marL="0" lvl="0" indent="0" algn="l" rtl="0">
+              <a:spcBef>
+                <a:spcPts val="0"/>
+              </a:spcBef>
+              <a:spcAft>
+                <a:spcPts val="0"/>
+              </a:spcAft>
+              <a:buNone/>
+            </a:pPr>
+            <a:endParaRPr/>
+          </a:p>
+        </p:txBody>
+      </p:sp>
+    </p:spTree>
+  </p:cSld>
+  <p:clrMapOvr>
+    <a:masterClrMapping/>
+  </p:clrMapOvr>
+</p:notes>
+</file>
+
+<file path=ppt/notesSlides/notesSlide7.xml><?xml version="1.0" encoding="utf-8"?>
+<p:notes xmlns:a="http://schemas.openxmlformats.org/drawingml/2006/main" xmlns:r="http://schemas.openxmlformats.org/officeDocument/2006/relationships" xmlns:p="http://schemas.openxmlformats.org/presentationml/2006/main" showMasterSp="0" showMasterPhAnim="0">
+  <p:cSld>
+    <p:spTree>
+      <p:nvGrpSpPr>
+        <p:cNvPr id="1" name="Shape 93"/>
+        <p:cNvGrpSpPr/>
+        <p:nvPr/>
+      </p:nvGrpSpPr>
+      <p:grpSpPr>
+        <a:xfrm>
+          <a:off x="0" y="0"/>
+          <a:ext cx="0" cy="0"/>
+          <a:chOff x="0" y="0"/>
+          <a:chExt cx="0" cy="0"/>
+        </a:xfrm>
+      </p:grpSpPr>
+      <p:sp>
+        <p:nvSpPr>
+          <p:cNvPr id="94" name="Google Shape;94;gc50ab1f7be_0_80:notes"/>
+          <p:cNvSpPr>
+            <a:spLocks noGrp="1" noRot="1" noChangeAspect="1"/>
+          </p:cNvSpPr>
+          <p:nvPr>
+            <p:ph type="sldImg" idx="2"/>
+          </p:nvPr>
+        </p:nvSpPr>
+        <p:spPr>
+          <a:xfrm>
+            <a:off x="381300" y="685800"/>
+            <a:ext cx="6096000" cy="3429000"/>
+          </a:xfrm>
+          <a:custGeom>
+            <a:avLst/>
+            <a:gdLst/>
+            <a:ahLst/>
+            <a:cxnLst/>
+            <a:rect l="l" t="t" r="r" b="b"/>
+            <a:pathLst>
+              <a:path w="120000" h="120000" extrusionOk="0">
+                <a:moveTo>
+                  <a:pt x="0" y="0"/>
+                </a:moveTo>
+                <a:lnTo>
+                  <a:pt x="120000" y="0"/>
+                </a:lnTo>
+                <a:lnTo>
+                  <a:pt x="120000" y="120000"/>
+                </a:lnTo>
+                <a:lnTo>
+                  <a:pt x="0" y="120000"/>
+                </a:lnTo>
+                <a:close/>
+              </a:path>
+            </a:pathLst>
+          </a:custGeom>
+        </p:spPr>
+      </p:sp>
+      <p:sp>
+        <p:nvSpPr>
+          <p:cNvPr id="95" name="Google Shape;95;gc50ab1f7be_0_80:notes"/>
           <p:cNvSpPr txBox="1">
             <a:spLocks noGrp="1"/>
           </p:cNvSpPr>
@@ -7009,6 +7429,437 @@
 </p:sld>
 </file>
 
+<file path=ppt/slides/slide4.xml><?xml version="1.0" encoding="utf-8"?>
+<p:sld xmlns:a="http://schemas.openxmlformats.org/drawingml/2006/main" xmlns:r="http://schemas.openxmlformats.org/officeDocument/2006/relationships" xmlns:p="http://schemas.openxmlformats.org/presentationml/2006/main">
+  <p:cSld>
+    <p:spTree>
+      <p:nvGrpSpPr>
+        <p:cNvPr id="1" name="Shape 78"/>
+        <p:cNvGrpSpPr/>
+        <p:nvPr/>
+      </p:nvGrpSpPr>
+      <p:grpSpPr>
+        <a:xfrm>
+          <a:off x="0" y="0"/>
+          <a:ext cx="0" cy="0"/>
+          <a:chOff x="0" y="0"/>
+          <a:chExt cx="0" cy="0"/>
+        </a:xfrm>
+      </p:grpSpPr>
+      <p:sp>
+        <p:nvSpPr>
+          <p:cNvPr id="79" name="Google Shape;79;p16"/>
+          <p:cNvSpPr txBox="1">
+            <a:spLocks noGrp="1"/>
+          </p:cNvSpPr>
+          <p:nvPr>
+            <p:ph type="title"/>
+          </p:nvPr>
+        </p:nvSpPr>
+        <p:spPr>
+          <a:xfrm>
+            <a:off x="311700" y="445025"/>
+            <a:ext cx="8520600" cy="572700"/>
+          </a:xfrm>
+          <a:prstGeom prst="rect">
+            <a:avLst/>
+          </a:prstGeom>
+        </p:spPr>
+        <p:txBody>
+          <a:bodyPr spcFirstLastPara="1" wrap="square" lIns="91425" tIns="91425" rIns="91425" bIns="91425" anchor="t" anchorCtr="0">
+            <a:normAutofit fontScale="90000"/>
+          </a:bodyPr>
+          <a:lstStyle/>
+          <a:p>
+            <a:pPr marL="0" lvl="0" indent="0" algn="l" rtl="0">
+              <a:spcBef>
+                <a:spcPts val="0"/>
+              </a:spcBef>
+              <a:spcAft>
+                <a:spcPts val="0"/>
+              </a:spcAft>
+              <a:buNone/>
+            </a:pPr>
+            <a:r>
+              <a:rPr lang="en"/>
+              <a:t>Machine Learning Pipeline</a:t>
+            </a:r>
+            <a:endParaRPr/>
+          </a:p>
+        </p:txBody>
+      </p:sp>
+      <p:pic>
+        <p:nvPicPr>
+          <p:cNvPr id="80" name="Google Shape;80;p16"/>
+          <p:cNvPicPr preferRelativeResize="0"/>
+          <p:nvPr/>
+        </p:nvPicPr>
+        <p:blipFill>
+          <a:blip r:embed="rId3">
+            <a:alphaModFix/>
+          </a:blip>
+          <a:stretch>
+            <a:fillRect/>
+          </a:stretch>
+        </p:blipFill>
+        <p:spPr>
+          <a:xfrm>
+            <a:off x="1280145" y="1175500"/>
+            <a:ext cx="6245781" cy="3749151"/>
+          </a:xfrm>
+          <a:prstGeom prst="rect">
+            <a:avLst/>
+          </a:prstGeom>
+          <a:noFill/>
+          <a:ln>
+            <a:noFill/>
+          </a:ln>
+        </p:spPr>
+      </p:pic>
+    </p:spTree>
+  </p:cSld>
+  <p:clrMapOvr>
+    <a:masterClrMapping/>
+  </p:clrMapOvr>
+</p:sld>
+</file>
+
+<file path=ppt/slides/slide5.xml><?xml version="1.0" encoding="utf-8"?>
+<p:sld xmlns:a="http://schemas.openxmlformats.org/drawingml/2006/main" xmlns:r="http://schemas.openxmlformats.org/officeDocument/2006/relationships" xmlns:p="http://schemas.openxmlformats.org/presentationml/2006/main">
+  <p:cSld>
+    <p:spTree>
+      <p:nvGrpSpPr>
+        <p:cNvPr id="1" name="Shape 84"/>
+        <p:cNvGrpSpPr/>
+        <p:nvPr/>
+      </p:nvGrpSpPr>
+      <p:grpSpPr>
+        <a:xfrm>
+          <a:off x="0" y="0"/>
+          <a:ext cx="0" cy="0"/>
+          <a:chOff x="0" y="0"/>
+          <a:chExt cx="0" cy="0"/>
+        </a:xfrm>
+      </p:grpSpPr>
+      <p:sp>
+        <p:nvSpPr>
+          <p:cNvPr id="85" name="Google Shape;85;p17"/>
+          <p:cNvSpPr txBox="1">
+            <a:spLocks noGrp="1"/>
+          </p:cNvSpPr>
+          <p:nvPr>
+            <p:ph type="title"/>
+          </p:nvPr>
+        </p:nvSpPr>
+        <p:spPr>
+          <a:xfrm>
+            <a:off x="311700" y="445025"/>
+            <a:ext cx="8520600" cy="572700"/>
+          </a:xfrm>
+          <a:prstGeom prst="rect">
+            <a:avLst/>
+          </a:prstGeom>
+        </p:spPr>
+        <p:txBody>
+          <a:bodyPr spcFirstLastPara="1" wrap="square" lIns="91425" tIns="91425" rIns="91425" bIns="91425" anchor="t" anchorCtr="0">
+            <a:normAutofit fontScale="90000"/>
+          </a:bodyPr>
+          <a:lstStyle/>
+          <a:p>
+            <a:pPr marL="0" lvl="0" indent="0" algn="l" rtl="0">
+              <a:spcBef>
+                <a:spcPts val="0"/>
+              </a:spcBef>
+              <a:spcAft>
+                <a:spcPts val="0"/>
+              </a:spcAft>
+              <a:buNone/>
+            </a:pPr>
+            <a:r>
+              <a:rPr lang="en"/>
+              <a:t>Database Structure</a:t>
+            </a:r>
+            <a:endParaRPr/>
+          </a:p>
+        </p:txBody>
+      </p:sp>
+      <p:sp>
+        <p:nvSpPr>
+          <p:cNvPr id="86" name="Google Shape;86;p17"/>
+          <p:cNvSpPr txBox="1">
+            <a:spLocks noGrp="1"/>
+          </p:cNvSpPr>
+          <p:nvPr>
+            <p:ph type="body" idx="1"/>
+          </p:nvPr>
+        </p:nvSpPr>
+        <p:spPr>
+          <a:xfrm>
+            <a:off x="311700" y="2366650"/>
+            <a:ext cx="8520600" cy="2202300"/>
+          </a:xfrm>
+          <a:prstGeom prst="rect">
+            <a:avLst/>
+          </a:prstGeom>
+        </p:spPr>
+        <p:txBody>
+          <a:bodyPr spcFirstLastPara="1" wrap="square" lIns="91425" tIns="91425" rIns="91425" bIns="91425" anchor="t" anchorCtr="0">
+            <a:normAutofit/>
+          </a:bodyPr>
+          <a:lstStyle/>
+          <a:p>
+            <a:pPr marL="0" lvl="0" indent="0" algn="ctr" rtl="0">
+              <a:spcBef>
+                <a:spcPts val="0"/>
+              </a:spcBef>
+              <a:spcAft>
+                <a:spcPts val="1200"/>
+              </a:spcAft>
+              <a:buNone/>
+            </a:pPr>
+            <a:r>
+              <a:rPr lang="en" b="1" u="sng"/>
+              <a:t>Entity Relationship Diagram</a:t>
+            </a:r>
+            <a:endParaRPr b="1" u="sng"/>
+          </a:p>
+        </p:txBody>
+      </p:sp>
+    </p:spTree>
+  </p:cSld>
+  <p:clrMapOvr>
+    <a:masterClrMapping/>
+  </p:clrMapOvr>
+</p:sld>
+</file>
+
+<file path=ppt/slides/slide6.xml><?xml version="1.0" encoding="utf-8"?>
+<p:sld xmlns:a="http://schemas.openxmlformats.org/drawingml/2006/main" xmlns:r="http://schemas.openxmlformats.org/officeDocument/2006/relationships" xmlns:p="http://schemas.openxmlformats.org/presentationml/2006/main">
+  <p:cSld>
+    <p:spTree>
+      <p:nvGrpSpPr>
+        <p:cNvPr id="1" name="Shape 90"/>
+        <p:cNvGrpSpPr/>
+        <p:nvPr/>
+      </p:nvGrpSpPr>
+      <p:grpSpPr>
+        <a:xfrm>
+          <a:off x="0" y="0"/>
+          <a:ext cx="0" cy="0"/>
+          <a:chOff x="0" y="0"/>
+          <a:chExt cx="0" cy="0"/>
+        </a:xfrm>
+      </p:grpSpPr>
+      <p:sp>
+        <p:nvSpPr>
+          <p:cNvPr id="91" name="Google Shape;91;p18"/>
+          <p:cNvSpPr txBox="1">
+            <a:spLocks noGrp="1"/>
+          </p:cNvSpPr>
+          <p:nvPr>
+            <p:ph type="title"/>
+          </p:nvPr>
+        </p:nvSpPr>
+        <p:spPr>
+          <a:xfrm>
+            <a:off x="311700" y="445025"/>
+            <a:ext cx="8520600" cy="572700"/>
+          </a:xfrm>
+          <a:prstGeom prst="rect">
+            <a:avLst/>
+          </a:prstGeom>
+        </p:spPr>
+        <p:txBody>
+          <a:bodyPr spcFirstLastPara="1" wrap="square" lIns="91425" tIns="91425" rIns="91425" bIns="91425" anchor="t" anchorCtr="0">
+            <a:normAutofit fontScale="90000"/>
+          </a:bodyPr>
+          <a:lstStyle/>
+          <a:p>
+            <a:pPr marL="0" lvl="0" indent="0" algn="l" rtl="0">
+              <a:spcBef>
+                <a:spcPts val="0"/>
+              </a:spcBef>
+              <a:spcAft>
+                <a:spcPts val="0"/>
+              </a:spcAft>
+              <a:buNone/>
+            </a:pPr>
+            <a:r>
+              <a:rPr lang="en"/>
+              <a:t>Data Analysis</a:t>
+            </a:r>
+            <a:endParaRPr/>
+          </a:p>
+        </p:txBody>
+      </p:sp>
+      <p:sp>
+        <p:nvSpPr>
+          <p:cNvPr id="92" name="Google Shape;92;p18"/>
+          <p:cNvSpPr txBox="1">
+            <a:spLocks noGrp="1"/>
+          </p:cNvSpPr>
+          <p:nvPr>
+            <p:ph type="body" idx="1"/>
+          </p:nvPr>
+        </p:nvSpPr>
+        <p:spPr>
+          <a:xfrm>
+            <a:off x="311700" y="1152475"/>
+            <a:ext cx="8520600" cy="3416400"/>
+          </a:xfrm>
+          <a:prstGeom prst="rect">
+            <a:avLst/>
+          </a:prstGeom>
+        </p:spPr>
+        <p:txBody>
+          <a:bodyPr spcFirstLastPara="1" wrap="square" lIns="91425" tIns="91425" rIns="91425" bIns="91425" anchor="t" anchorCtr="0">
+            <a:normAutofit/>
+          </a:bodyPr>
+          <a:lstStyle/>
+          <a:p>
+            <a:pPr marL="457200" lvl="0" indent="-342900" algn="l" rtl="0">
+              <a:spcBef>
+                <a:spcPts val="0"/>
+              </a:spcBef>
+              <a:spcAft>
+                <a:spcPts val="0"/>
+              </a:spcAft>
+              <a:buSzPts val="1800"/>
+              <a:buChar char="-"/>
+            </a:pPr>
+            <a:r>
+              <a:rPr lang="en"/>
+              <a:t>Visualize the Data</a:t>
+            </a:r>
+            <a:endParaRPr/>
+          </a:p>
+          <a:p>
+            <a:pPr marL="0" lvl="0" indent="0" algn="l" rtl="0">
+              <a:spcBef>
+                <a:spcPts val="1200"/>
+              </a:spcBef>
+              <a:spcAft>
+                <a:spcPts val="1200"/>
+              </a:spcAft>
+              <a:buNone/>
+            </a:pPr>
+            <a:r>
+              <a:rPr lang="en" b="1" u="sng"/>
+              <a:t>Tableau Dashboard</a:t>
+            </a:r>
+            <a:endParaRPr b="1" u="sng"/>
+          </a:p>
+        </p:txBody>
+      </p:sp>
+    </p:spTree>
+  </p:cSld>
+  <p:clrMapOvr>
+    <a:masterClrMapping/>
+  </p:clrMapOvr>
+</p:sld>
+</file>
+
+<file path=ppt/slides/slide7.xml><?xml version="1.0" encoding="utf-8"?>
+<p:sld xmlns:a="http://schemas.openxmlformats.org/drawingml/2006/main" xmlns:r="http://schemas.openxmlformats.org/officeDocument/2006/relationships" xmlns:p="http://schemas.openxmlformats.org/presentationml/2006/main">
+  <p:cSld>
+    <p:spTree>
+      <p:nvGrpSpPr>
+        <p:cNvPr id="1" name="Shape 96"/>
+        <p:cNvGrpSpPr/>
+        <p:nvPr/>
+      </p:nvGrpSpPr>
+      <p:grpSpPr>
+        <a:xfrm>
+          <a:off x="0" y="0"/>
+          <a:ext cx="0" cy="0"/>
+          <a:chOff x="0" y="0"/>
+          <a:chExt cx="0" cy="0"/>
+        </a:xfrm>
+      </p:grpSpPr>
+      <p:sp>
+        <p:nvSpPr>
+          <p:cNvPr id="97" name="Google Shape;97;p19"/>
+          <p:cNvSpPr txBox="1">
+            <a:spLocks noGrp="1"/>
+          </p:cNvSpPr>
+          <p:nvPr>
+            <p:ph type="title"/>
+          </p:nvPr>
+        </p:nvSpPr>
+        <p:spPr>
+          <a:xfrm>
+            <a:off x="311700" y="445025"/>
+            <a:ext cx="8520600" cy="572700"/>
+          </a:xfrm>
+          <a:prstGeom prst="rect">
+            <a:avLst/>
+          </a:prstGeom>
+        </p:spPr>
+        <p:txBody>
+          <a:bodyPr spcFirstLastPara="1" wrap="square" lIns="91425" tIns="91425" rIns="91425" bIns="91425" anchor="t" anchorCtr="0">
+            <a:normAutofit fontScale="90000"/>
+          </a:bodyPr>
+          <a:lstStyle/>
+          <a:p>
+            <a:pPr marL="0" lvl="0" indent="0" algn="l" rtl="0">
+              <a:spcBef>
+                <a:spcPts val="0"/>
+              </a:spcBef>
+              <a:spcAft>
+                <a:spcPts val="0"/>
+              </a:spcAft>
+              <a:buNone/>
+            </a:pPr>
+            <a:endParaRPr/>
+          </a:p>
+        </p:txBody>
+      </p:sp>
+      <p:sp>
+        <p:nvSpPr>
+          <p:cNvPr id="98" name="Google Shape;98;p19"/>
+          <p:cNvSpPr txBox="1">
+            <a:spLocks noGrp="1"/>
+          </p:cNvSpPr>
+          <p:nvPr>
+            <p:ph type="body" idx="1"/>
+          </p:nvPr>
+        </p:nvSpPr>
+        <p:spPr>
+          <a:xfrm>
+            <a:off x="311700" y="1152475"/>
+            <a:ext cx="8520600" cy="3416400"/>
+          </a:xfrm>
+          <a:prstGeom prst="rect">
+            <a:avLst/>
+          </a:prstGeom>
+        </p:spPr>
+        <p:txBody>
+          <a:bodyPr spcFirstLastPara="1" wrap="square" lIns="91425" tIns="91425" rIns="91425" bIns="91425" anchor="t" anchorCtr="0">
+            <a:normAutofit/>
+          </a:bodyPr>
+          <a:lstStyle/>
+          <a:p>
+            <a:pPr marL="0" lvl="0" indent="0" algn="l" rtl="0">
+              <a:spcBef>
+                <a:spcPts val="0"/>
+              </a:spcBef>
+              <a:spcAft>
+                <a:spcPts val="1200"/>
+              </a:spcAft>
+              <a:buNone/>
+            </a:pPr>
+            <a:endParaRPr/>
+          </a:p>
+        </p:txBody>
+      </p:sp>
+    </p:spTree>
+  </p:cSld>
+  <p:clrMapOvr>
+    <a:masterClrMapping/>
+  </p:clrMapOvr>
+</p:sld>
+</file>
+
 <file path=ppt/theme/theme1.xml><?xml version="1.0" encoding="utf-8"?>
 <a:theme xmlns:a="http://schemas.openxmlformats.org/drawingml/2006/main" name="Slate">
   <a:themeElements>

--- a/Weather Patterns.pptx
+++ b/Weather Patterns.pptx
@@ -6874,7 +6874,7 @@
             </a:pPr>
             <a:r>
               <a:rPr lang="en"/>
-              <a:t>John Bates | Brittany Woodward | Danielle Duce | Lakenia Manago</a:t>
+              <a:t>John Bates | Brittany Woolard | Danielle Duce | Lakenia Manago</a:t>
             </a:r>
             <a:endParaRPr/>
           </a:p>

--- a/Weather Patterns.pptx
+++ b/Weather Patterns.pptx
@@ -1,36 +1,41 @@
 
 <file path=ppt/presentation.xml><?xml version="1.0" encoding="utf-8"?>
-<p:presentation xmlns:a="http://schemas.openxmlformats.org/drawingml/2006/main" xmlns:r="http://schemas.openxmlformats.org/officeDocument/2006/relationships" xmlns:p="http://schemas.openxmlformats.org/presentationml/2006/main" strictFirstAndLastChars="0" embedTrueTypeFonts="1" saveSubsetFonts="1" autoCompressPictures="0">
+<p:presentation xmlns:a="http://schemas.openxmlformats.org/drawingml/2006/main" xmlns:r="http://schemas.openxmlformats.org/officeDocument/2006/relationships" xmlns:mc="http://schemas.openxmlformats.org/markup-compatibility/2006" xmlns:mv="urn:schemas-microsoft-com:mac:vml" xmlns:p="http://schemas.openxmlformats.org/presentationml/2006/main" xmlns:c="http://schemas.openxmlformats.org/drawingml/2006/chart" xmlns:dgm="http://schemas.openxmlformats.org/drawingml/2006/diagram" xmlns:o="urn:schemas-microsoft-com:office:office" xmlns:v="urn:schemas-microsoft-com:vml" xmlns:pvml="urn:schemas-microsoft-com:office:powerpoint" xmlns:com="http://schemas.openxmlformats.org/drawingml/2006/compatibility" xmlns:p14="http://schemas.microsoft.com/office/powerpoint/2010/main" xmlns:p15="http://schemas.microsoft.com/office/powerpoint/2012/main" xmlns:ahyp="http://schemas.microsoft.com/office/drawing/2018/hyperlinkcolor" autoCompressPictures="0" embedTrueTypeFonts="1" strictFirstAndLastChars="0" saveSubsetFonts="1">
   <p:sldMasterIdLst>
-    <p:sldMasterId id="2147483659" r:id="rId1"/>
+    <p:sldMasterId id="2147483659" r:id="rId4"/>
   </p:sldMasterIdLst>
   <p:notesMasterIdLst>
-    <p:notesMasterId r:id="rId9"/>
+    <p:notesMasterId r:id="rId5"/>
   </p:notesMasterIdLst>
   <p:sldIdLst>
-    <p:sldId id="256" r:id="rId2"/>
-    <p:sldId id="257" r:id="rId3"/>
-    <p:sldId id="258" r:id="rId4"/>
-    <p:sldId id="259" r:id="rId5"/>
-    <p:sldId id="260" r:id="rId6"/>
-    <p:sldId id="261" r:id="rId7"/>
-    <p:sldId id="262" r:id="rId8"/>
+    <p:sldId id="256" r:id="rId6"/>
+    <p:sldId id="257" r:id="rId7"/>
+    <p:sldId id="258" r:id="rId8"/>
+    <p:sldId id="259" r:id="rId9"/>
+    <p:sldId id="260" r:id="rId10"/>
+    <p:sldId id="261" r:id="rId11"/>
+    <p:sldId id="262" r:id="rId12"/>
+    <p:sldId id="263" r:id="rId13"/>
+    <p:sldId id="264" r:id="rId14"/>
+    <p:sldId id="265" r:id="rId15"/>
+    <p:sldId id="266" r:id="rId16"/>
+    <p:sldId id="267" r:id="rId17"/>
   </p:sldIdLst>
-  <p:sldSz cx="9144000" cy="5143500" type="screen16x9"/>
+  <p:sldSz cy="5143500" cx="9144000"/>
   <p:notesSz cx="6858000" cy="9144000"/>
   <p:embeddedFontLst>
     <p:embeddedFont>
-      <p:font typeface="Average" panose="020B0604020202020204" charset="0"/>
-      <p:regular r:id="rId10"/>
+      <p:font typeface="Average"/>
+      <p:regular r:id="rId18"/>
     </p:embeddedFont>
     <p:embeddedFont>
-      <p:font typeface="Oswald" panose="020B0604020202020204" charset="0"/>
-      <p:regular r:id="rId11"/>
-      <p:bold r:id="rId12"/>
+      <p:font typeface="Oswald"/>
+      <p:regular r:id="rId19"/>
+      <p:bold r:id="rId20"/>
     </p:embeddedFont>
   </p:embeddedFontLst>
   <p:defaultTextStyle>
-    <a:defPPr marR="0" lvl="0" algn="l" rtl="0">
+    <a:defPPr lvl="0" marR="0" rtl="0" algn="l">
       <a:lnSpc>
         <a:spcPct val="100000"/>
       </a:lnSpc>
@@ -41,7 +46,7 @@
         <a:spcPts val="0"/>
       </a:spcAft>
     </a:defPPr>
-    <a:lvl1pPr marR="0" lvl="0" algn="l" rtl="0">
+    <a:lvl1pPr lvl="0" marR="0" rtl="0" algn="l">
       <a:lnSpc>
         <a:spcPct val="100000"/>
       </a:lnSpc>
@@ -55,7 +60,7 @@
         <a:srgbClr val="000000"/>
       </a:buClr>
       <a:buFont typeface="Arial"/>
-      <a:defRPr sz="1400" b="0" i="0" u="none" strike="noStrike" cap="none">
+      <a:defRPr b="0" i="0" sz="1400" u="none" cap="none" strike="noStrike">
         <a:solidFill>
           <a:srgbClr val="000000"/>
         </a:solidFill>
@@ -65,7 +70,7 @@
         <a:sym typeface="Arial"/>
       </a:defRPr>
     </a:lvl1pPr>
-    <a:lvl2pPr marR="0" lvl="1" algn="l" rtl="0">
+    <a:lvl2pPr lvl="1" marR="0" rtl="0" algn="l">
       <a:lnSpc>
         <a:spcPct val="100000"/>
       </a:lnSpc>
@@ -79,7 +84,7 @@
         <a:srgbClr val="000000"/>
       </a:buClr>
       <a:buFont typeface="Arial"/>
-      <a:defRPr sz="1400" b="0" i="0" u="none" strike="noStrike" cap="none">
+      <a:defRPr b="0" i="0" sz="1400" u="none" cap="none" strike="noStrike">
         <a:solidFill>
           <a:srgbClr val="000000"/>
         </a:solidFill>
@@ -89,7 +94,7 @@
         <a:sym typeface="Arial"/>
       </a:defRPr>
     </a:lvl2pPr>
-    <a:lvl3pPr marR="0" lvl="2" algn="l" rtl="0">
+    <a:lvl3pPr lvl="2" marR="0" rtl="0" algn="l">
       <a:lnSpc>
         <a:spcPct val="100000"/>
       </a:lnSpc>
@@ -103,7 +108,7 @@
         <a:srgbClr val="000000"/>
       </a:buClr>
       <a:buFont typeface="Arial"/>
-      <a:defRPr sz="1400" b="0" i="0" u="none" strike="noStrike" cap="none">
+      <a:defRPr b="0" i="0" sz="1400" u="none" cap="none" strike="noStrike">
         <a:solidFill>
           <a:srgbClr val="000000"/>
         </a:solidFill>
@@ -113,7 +118,7 @@
         <a:sym typeface="Arial"/>
       </a:defRPr>
     </a:lvl3pPr>
-    <a:lvl4pPr marR="0" lvl="3" algn="l" rtl="0">
+    <a:lvl4pPr lvl="3" marR="0" rtl="0" algn="l">
       <a:lnSpc>
         <a:spcPct val="100000"/>
       </a:lnSpc>
@@ -127,7 +132,7 @@
         <a:srgbClr val="000000"/>
       </a:buClr>
       <a:buFont typeface="Arial"/>
-      <a:defRPr sz="1400" b="0" i="0" u="none" strike="noStrike" cap="none">
+      <a:defRPr b="0" i="0" sz="1400" u="none" cap="none" strike="noStrike">
         <a:solidFill>
           <a:srgbClr val="000000"/>
         </a:solidFill>
@@ -137,7 +142,7 @@
         <a:sym typeface="Arial"/>
       </a:defRPr>
     </a:lvl4pPr>
-    <a:lvl5pPr marR="0" lvl="4" algn="l" rtl="0">
+    <a:lvl5pPr lvl="4" marR="0" rtl="0" algn="l">
       <a:lnSpc>
         <a:spcPct val="100000"/>
       </a:lnSpc>
@@ -151,7 +156,7 @@
         <a:srgbClr val="000000"/>
       </a:buClr>
       <a:buFont typeface="Arial"/>
-      <a:defRPr sz="1400" b="0" i="0" u="none" strike="noStrike" cap="none">
+      <a:defRPr b="0" i="0" sz="1400" u="none" cap="none" strike="noStrike">
         <a:solidFill>
           <a:srgbClr val="000000"/>
         </a:solidFill>
@@ -161,7 +166,7 @@
         <a:sym typeface="Arial"/>
       </a:defRPr>
     </a:lvl5pPr>
-    <a:lvl6pPr marR="0" lvl="5" algn="l" rtl="0">
+    <a:lvl6pPr lvl="5" marR="0" rtl="0" algn="l">
       <a:lnSpc>
         <a:spcPct val="100000"/>
       </a:lnSpc>
@@ -175,7 +180,7 @@
         <a:srgbClr val="000000"/>
       </a:buClr>
       <a:buFont typeface="Arial"/>
-      <a:defRPr sz="1400" b="0" i="0" u="none" strike="noStrike" cap="none">
+      <a:defRPr b="0" i="0" sz="1400" u="none" cap="none" strike="noStrike">
         <a:solidFill>
           <a:srgbClr val="000000"/>
         </a:solidFill>
@@ -185,7 +190,7 @@
         <a:sym typeface="Arial"/>
       </a:defRPr>
     </a:lvl6pPr>
-    <a:lvl7pPr marR="0" lvl="6" algn="l" rtl="0">
+    <a:lvl7pPr lvl="6" marR="0" rtl="0" algn="l">
       <a:lnSpc>
         <a:spcPct val="100000"/>
       </a:lnSpc>
@@ -199,7 +204,7 @@
         <a:srgbClr val="000000"/>
       </a:buClr>
       <a:buFont typeface="Arial"/>
-      <a:defRPr sz="1400" b="0" i="0" u="none" strike="noStrike" cap="none">
+      <a:defRPr b="0" i="0" sz="1400" u="none" cap="none" strike="noStrike">
         <a:solidFill>
           <a:srgbClr val="000000"/>
         </a:solidFill>
@@ -209,7 +214,7 @@
         <a:sym typeface="Arial"/>
       </a:defRPr>
     </a:lvl7pPr>
-    <a:lvl8pPr marR="0" lvl="7" algn="l" rtl="0">
+    <a:lvl8pPr lvl="7" marR="0" rtl="0" algn="l">
       <a:lnSpc>
         <a:spcPct val="100000"/>
       </a:lnSpc>
@@ -223,7 +228,7 @@
         <a:srgbClr val="000000"/>
       </a:buClr>
       <a:buFont typeface="Arial"/>
-      <a:defRPr sz="1400" b="0" i="0" u="none" strike="noStrike" cap="none">
+      <a:defRPr b="0" i="0" sz="1400" u="none" cap="none" strike="noStrike">
         <a:solidFill>
           <a:srgbClr val="000000"/>
         </a:solidFill>
@@ -233,7 +238,7 @@
         <a:sym typeface="Arial"/>
       </a:defRPr>
     </a:lvl8pPr>
-    <a:lvl9pPr marR="0" lvl="8" algn="l" rtl="0">
+    <a:lvl9pPr lvl="8" marR="0" rtl="0" algn="l">
       <a:lnSpc>
         <a:spcPct val="100000"/>
       </a:lnSpc>
@@ -247,7 +252,7 @@
         <a:srgbClr val="000000"/>
       </a:buClr>
       <a:buFont typeface="Arial"/>
-      <a:defRPr sz="1400" b="0" i="0" u="none" strike="noStrike" cap="none">
+      <a:defRPr b="0" i="0" sz="1400" u="none" cap="none" strike="noStrike">
         <a:solidFill>
           <a:srgbClr val="000000"/>
         </a:solidFill>
@@ -260,7 +265,7 @@
   </p:defaultTextStyle>
   <p:extLst>
     <p:ext uri="{EFAFB233-063F-42B5-8137-9DF3F51BA10A}">
-      <p15:sldGuideLst xmlns:p15="http://schemas.microsoft.com/office/powerpoint/2012/main">
+      <p15:sldGuideLst>
         <p15:guide id="1" orient="horz" pos="1620">
           <p15:clr>
             <a:srgbClr val="A4A3A4"/>
@@ -278,16 +283,11 @@
 </file>
 
 <file path=ppt/notesMasters/notesMaster1.xml><?xml version="1.0" encoding="utf-8"?>
-<p:notesMaster xmlns:a="http://schemas.openxmlformats.org/drawingml/2006/main" xmlns:r="http://schemas.openxmlformats.org/officeDocument/2006/relationships" xmlns:p="http://schemas.openxmlformats.org/presentationml/2006/main">
+<p:notesMaster xmlns:a="http://schemas.openxmlformats.org/drawingml/2006/main" xmlns:r="http://schemas.openxmlformats.org/officeDocument/2006/relationships" xmlns:mc="http://schemas.openxmlformats.org/markup-compatibility/2006" xmlns:mv="urn:schemas-microsoft-com:mac:vml" xmlns:p="http://schemas.openxmlformats.org/presentationml/2006/main" xmlns:c="http://schemas.openxmlformats.org/drawingml/2006/chart" xmlns:dgm="http://schemas.openxmlformats.org/drawingml/2006/diagram" xmlns:o="urn:schemas-microsoft-com:office:office" xmlns:v="urn:schemas-microsoft-com:vml" xmlns:pvml="urn:schemas-microsoft-com:office:powerpoint" xmlns:com="http://schemas.openxmlformats.org/drawingml/2006/compatibility" xmlns:p14="http://schemas.microsoft.com/office/powerpoint/2010/main" xmlns:p15="http://schemas.microsoft.com/office/powerpoint/2012/main" xmlns:ahyp="http://schemas.microsoft.com/office/drawing/2018/hyperlinkcolor">
   <p:cSld>
-    <p:bg>
-      <p:bgRef idx="1001">
-        <a:schemeClr val="bg1"/>
-      </p:bgRef>
-    </p:bg>
     <p:spTree>
       <p:nvGrpSpPr>
-        <p:cNvPr id="1" name="Shape 2"/>
+        <p:cNvPr id="2" name="Shape 2"/>
         <p:cNvGrpSpPr/>
         <p:nvPr/>
       </p:nvGrpSpPr>
@@ -302,11 +302,9 @@
       <p:sp>
         <p:nvSpPr>
           <p:cNvPr id="3" name="Google Shape;3;n"/>
-          <p:cNvSpPr>
-            <a:spLocks noGrp="1" noRot="1" noChangeAspect="1"/>
-          </p:cNvSpPr>
+          <p:cNvSpPr/>
           <p:nvPr>
-            <p:ph type="sldImg" idx="2"/>
+            <p:ph idx="2" type="sldImg"/>
           </p:nvPr>
         </p:nvSpPr>
         <p:spPr>
@@ -315,13 +313,9 @@
             <a:ext cx="6096075" cy="3429000"/>
           </a:xfrm>
           <a:custGeom>
-            <a:avLst/>
-            <a:gdLst/>
-            <a:ahLst/>
-            <a:cxnLst/>
-            <a:rect l="l" t="t" r="r" b="b"/>
+            <a:rect b="b" l="l" r="r" t="t"/>
             <a:pathLst>
-              <a:path w="120000" h="120000" extrusionOk="0">
+              <a:path extrusionOk="0" h="120000" w="120000">
                 <a:moveTo>
                   <a:pt x="0" y="0"/>
                 </a:moveTo>
@@ -339,25 +333,23 @@
             </a:pathLst>
           </a:custGeom>
           <a:noFill/>
-          <a:ln w="9525" cap="flat" cmpd="sng">
+          <a:ln cap="flat" cmpd="sng" w="9525">
             <a:solidFill>
               <a:srgbClr val="000000"/>
             </a:solidFill>
             <a:prstDash val="solid"/>
             <a:round/>
-            <a:headEnd type="none" w="sm" len="sm"/>
-            <a:tailEnd type="none" w="sm" len="sm"/>
+            <a:headEnd len="sm" w="sm" type="none"/>
+            <a:tailEnd len="sm" w="sm" type="none"/>
           </a:ln>
         </p:spPr>
       </p:sp>
       <p:sp>
         <p:nvSpPr>
           <p:cNvPr id="4" name="Google Shape;4;n"/>
-          <p:cNvSpPr txBox="1">
-            <a:spLocks noGrp="1"/>
-          </p:cNvSpPr>
+          <p:cNvSpPr txBox="1"/>
           <p:nvPr>
-            <p:ph type="body" idx="1"/>
+            <p:ph idx="1" type="body"/>
           </p:nvPr>
         </p:nvSpPr>
         <p:spPr>
@@ -374,11 +366,11 @@
           </a:ln>
         </p:spPr>
         <p:txBody>
-          <a:bodyPr spcFirstLastPara="1" wrap="square" lIns="91425" tIns="91425" rIns="91425" bIns="91425" anchor="t" anchorCtr="0">
+          <a:bodyPr anchorCtr="0" anchor="t" bIns="91425" lIns="91425" spcFirstLastPara="1" rIns="91425" wrap="square" tIns="91425">
             <a:noAutofit/>
           </a:bodyPr>
           <a:lstStyle>
-            <a:lvl1pPr marL="457200" lvl="0" indent="-298450">
+            <a:lvl1pPr indent="-298450" lvl="0" marL="457200">
               <a:spcBef>
                 <a:spcPts val="0"/>
               </a:spcBef>
@@ -389,7 +381,7 @@
               <a:buChar char="●"/>
               <a:defRPr sz="1100"/>
             </a:lvl1pPr>
-            <a:lvl2pPr marL="914400" lvl="1" indent="-298450">
+            <a:lvl2pPr indent="-298450" lvl="1" marL="914400">
               <a:spcBef>
                 <a:spcPts val="0"/>
               </a:spcBef>
@@ -400,7 +392,7 @@
               <a:buChar char="○"/>
               <a:defRPr sz="1100"/>
             </a:lvl2pPr>
-            <a:lvl3pPr marL="1371600" lvl="2" indent="-298450">
+            <a:lvl3pPr indent="-298450" lvl="2" marL="1371600">
               <a:spcBef>
                 <a:spcPts val="0"/>
               </a:spcBef>
@@ -411,7 +403,7 @@
               <a:buChar char="■"/>
               <a:defRPr sz="1100"/>
             </a:lvl3pPr>
-            <a:lvl4pPr marL="1828800" lvl="3" indent="-298450">
+            <a:lvl4pPr indent="-298450" lvl="3" marL="1828800">
               <a:spcBef>
                 <a:spcPts val="0"/>
               </a:spcBef>
@@ -422,7 +414,7 @@
               <a:buChar char="●"/>
               <a:defRPr sz="1100"/>
             </a:lvl4pPr>
-            <a:lvl5pPr marL="2286000" lvl="4" indent="-298450">
+            <a:lvl5pPr indent="-298450" lvl="4" marL="2286000">
               <a:spcBef>
                 <a:spcPts val="0"/>
               </a:spcBef>
@@ -433,7 +425,7 @@
               <a:buChar char="○"/>
               <a:defRPr sz="1100"/>
             </a:lvl5pPr>
-            <a:lvl6pPr marL="2743200" lvl="5" indent="-298450">
+            <a:lvl6pPr indent="-298450" lvl="5" marL="2743200">
               <a:spcBef>
                 <a:spcPts val="0"/>
               </a:spcBef>
@@ -444,7 +436,7 @@
               <a:buChar char="■"/>
               <a:defRPr sz="1100"/>
             </a:lvl6pPr>
-            <a:lvl7pPr marL="3200400" lvl="6" indent="-298450">
+            <a:lvl7pPr indent="-298450" lvl="6" marL="3200400">
               <a:spcBef>
                 <a:spcPts val="0"/>
               </a:spcBef>
@@ -455,7 +447,7 @@
               <a:buChar char="●"/>
               <a:defRPr sz="1100"/>
             </a:lvl7pPr>
-            <a:lvl8pPr marL="3657600" lvl="7" indent="-298450">
+            <a:lvl8pPr indent="-298450" lvl="7" marL="3657600">
               <a:spcBef>
                 <a:spcPts val="0"/>
               </a:spcBef>
@@ -466,7 +458,7 @@
               <a:buChar char="○"/>
               <a:defRPr sz="1100"/>
             </a:lvl8pPr>
-            <a:lvl9pPr marL="4114800" lvl="8" indent="-298450">
+            <a:lvl9pPr indent="-298450" lvl="8" marL="4114800">
               <a:spcBef>
                 <a:spcPts val="0"/>
               </a:spcBef>
@@ -478,16 +470,14 @@
               <a:defRPr sz="1100"/>
             </a:lvl9pPr>
           </a:lstStyle>
-          <a:p>
-            <a:endParaRPr/>
-          </a:p>
+          <a:p/>
         </p:txBody>
       </p:sp>
     </p:spTree>
   </p:cSld>
-  <p:clrMap bg1="lt1" tx1="dk1" bg2="dk2" tx2="lt2" accent1="accent1" accent2="accent2" accent3="accent3" accent4="accent4" accent5="accent5" accent6="accent6" hlink="hlink" folHlink="folHlink"/>
+  <p:clrMap accent1="accent1" accent2="accent2" accent3="accent3" accent4="accent4" accent5="accent5" accent6="accent6" bg1="lt1" bg2="dk2" tx1="dk1" tx2="lt2" folHlink="folHlink" hlink="hlink"/>
   <p:notesStyle>
-    <a:defPPr marR="0" lvl="0" algn="l" rtl="0">
+    <a:defPPr lvl="0" marR="0" rtl="0" algn="l">
       <a:lnSpc>
         <a:spcPct val="100000"/>
       </a:lnSpc>
@@ -498,7 +488,7 @@
         <a:spcPts val="0"/>
       </a:spcAft>
     </a:defPPr>
-    <a:lvl1pPr marR="0" lvl="0" algn="l" rtl="0">
+    <a:lvl1pPr lvl="0" marR="0" rtl="0" algn="l">
       <a:lnSpc>
         <a:spcPct val="100000"/>
       </a:lnSpc>
@@ -512,7 +502,7 @@
         <a:srgbClr val="000000"/>
       </a:buClr>
       <a:buFont typeface="Arial"/>
-      <a:defRPr sz="1400" b="0" i="0" u="none" strike="noStrike" cap="none">
+      <a:defRPr b="0" i="0" sz="1400" u="none" cap="none" strike="noStrike">
         <a:solidFill>
           <a:srgbClr val="000000"/>
         </a:solidFill>
@@ -522,7 +512,7 @@
         <a:sym typeface="Arial"/>
       </a:defRPr>
     </a:lvl1pPr>
-    <a:lvl2pPr marR="0" lvl="1" algn="l" rtl="0">
+    <a:lvl2pPr lvl="1" marR="0" rtl="0" algn="l">
       <a:lnSpc>
         <a:spcPct val="100000"/>
       </a:lnSpc>
@@ -536,7 +526,7 @@
         <a:srgbClr val="000000"/>
       </a:buClr>
       <a:buFont typeface="Arial"/>
-      <a:defRPr sz="1400" b="0" i="0" u="none" strike="noStrike" cap="none">
+      <a:defRPr b="0" i="0" sz="1400" u="none" cap="none" strike="noStrike">
         <a:solidFill>
           <a:srgbClr val="000000"/>
         </a:solidFill>
@@ -546,7 +536,7 @@
         <a:sym typeface="Arial"/>
       </a:defRPr>
     </a:lvl2pPr>
-    <a:lvl3pPr marR="0" lvl="2" algn="l" rtl="0">
+    <a:lvl3pPr lvl="2" marR="0" rtl="0" algn="l">
       <a:lnSpc>
         <a:spcPct val="100000"/>
       </a:lnSpc>
@@ -560,7 +550,7 @@
         <a:srgbClr val="000000"/>
       </a:buClr>
       <a:buFont typeface="Arial"/>
-      <a:defRPr sz="1400" b="0" i="0" u="none" strike="noStrike" cap="none">
+      <a:defRPr b="0" i="0" sz="1400" u="none" cap="none" strike="noStrike">
         <a:solidFill>
           <a:srgbClr val="000000"/>
         </a:solidFill>
@@ -570,7 +560,7 @@
         <a:sym typeface="Arial"/>
       </a:defRPr>
     </a:lvl3pPr>
-    <a:lvl4pPr marR="0" lvl="3" algn="l" rtl="0">
+    <a:lvl4pPr lvl="3" marR="0" rtl="0" algn="l">
       <a:lnSpc>
         <a:spcPct val="100000"/>
       </a:lnSpc>
@@ -584,7 +574,7 @@
         <a:srgbClr val="000000"/>
       </a:buClr>
       <a:buFont typeface="Arial"/>
-      <a:defRPr sz="1400" b="0" i="0" u="none" strike="noStrike" cap="none">
+      <a:defRPr b="0" i="0" sz="1400" u="none" cap="none" strike="noStrike">
         <a:solidFill>
           <a:srgbClr val="000000"/>
         </a:solidFill>
@@ -594,7 +584,7 @@
         <a:sym typeface="Arial"/>
       </a:defRPr>
     </a:lvl4pPr>
-    <a:lvl5pPr marR="0" lvl="4" algn="l" rtl="0">
+    <a:lvl5pPr lvl="4" marR="0" rtl="0" algn="l">
       <a:lnSpc>
         <a:spcPct val="100000"/>
       </a:lnSpc>
@@ -608,7 +598,7 @@
         <a:srgbClr val="000000"/>
       </a:buClr>
       <a:buFont typeface="Arial"/>
-      <a:defRPr sz="1400" b="0" i="0" u="none" strike="noStrike" cap="none">
+      <a:defRPr b="0" i="0" sz="1400" u="none" cap="none" strike="noStrike">
         <a:solidFill>
           <a:srgbClr val="000000"/>
         </a:solidFill>
@@ -618,7 +608,7 @@
         <a:sym typeface="Arial"/>
       </a:defRPr>
     </a:lvl5pPr>
-    <a:lvl6pPr marR="0" lvl="5" algn="l" rtl="0">
+    <a:lvl6pPr lvl="5" marR="0" rtl="0" algn="l">
       <a:lnSpc>
         <a:spcPct val="100000"/>
       </a:lnSpc>
@@ -632,7 +622,7 @@
         <a:srgbClr val="000000"/>
       </a:buClr>
       <a:buFont typeface="Arial"/>
-      <a:defRPr sz="1400" b="0" i="0" u="none" strike="noStrike" cap="none">
+      <a:defRPr b="0" i="0" sz="1400" u="none" cap="none" strike="noStrike">
         <a:solidFill>
           <a:srgbClr val="000000"/>
         </a:solidFill>
@@ -642,7 +632,7 @@
         <a:sym typeface="Arial"/>
       </a:defRPr>
     </a:lvl6pPr>
-    <a:lvl7pPr marR="0" lvl="6" algn="l" rtl="0">
+    <a:lvl7pPr lvl="6" marR="0" rtl="0" algn="l">
       <a:lnSpc>
         <a:spcPct val="100000"/>
       </a:lnSpc>
@@ -656,7 +646,7 @@
         <a:srgbClr val="000000"/>
       </a:buClr>
       <a:buFont typeface="Arial"/>
-      <a:defRPr sz="1400" b="0" i="0" u="none" strike="noStrike" cap="none">
+      <a:defRPr b="0" i="0" sz="1400" u="none" cap="none" strike="noStrike">
         <a:solidFill>
           <a:srgbClr val="000000"/>
         </a:solidFill>
@@ -666,7 +656,7 @@
         <a:sym typeface="Arial"/>
       </a:defRPr>
     </a:lvl7pPr>
-    <a:lvl8pPr marR="0" lvl="7" algn="l" rtl="0">
+    <a:lvl8pPr lvl="7" marR="0" rtl="0" algn="l">
       <a:lnSpc>
         <a:spcPct val="100000"/>
       </a:lnSpc>
@@ -680,7 +670,7 @@
         <a:srgbClr val="000000"/>
       </a:buClr>
       <a:buFont typeface="Arial"/>
-      <a:defRPr sz="1400" b="0" i="0" u="none" strike="noStrike" cap="none">
+      <a:defRPr b="0" i="0" sz="1400" u="none" cap="none" strike="noStrike">
         <a:solidFill>
           <a:srgbClr val="000000"/>
         </a:solidFill>
@@ -690,7 +680,7 @@
         <a:sym typeface="Arial"/>
       </a:defRPr>
     </a:lvl8pPr>
-    <a:lvl9pPr marR="0" lvl="8" algn="l" rtl="0">
+    <a:lvl9pPr lvl="8" marR="0" rtl="0" algn="l">
       <a:lnSpc>
         <a:spcPct val="100000"/>
       </a:lnSpc>
@@ -704,7 +694,7 @@
         <a:srgbClr val="000000"/>
       </a:buClr>
       <a:buFont typeface="Arial"/>
-      <a:defRPr sz="1400" b="0" i="0" u="none" strike="noStrike" cap="none">
+      <a:defRPr b="0" i="0" sz="1400" u="none" cap="none" strike="noStrike">
         <a:solidFill>
           <a:srgbClr val="000000"/>
         </a:solidFill>
@@ -719,11 +709,11 @@
 </file>
 
 <file path=ppt/notesSlides/notesSlide1.xml><?xml version="1.0" encoding="utf-8"?>
-<p:notes xmlns:a="http://schemas.openxmlformats.org/drawingml/2006/main" xmlns:r="http://schemas.openxmlformats.org/officeDocument/2006/relationships" xmlns:p="http://schemas.openxmlformats.org/presentationml/2006/main" showMasterSp="0" showMasterPhAnim="0">
+<p:notes xmlns:a="http://schemas.openxmlformats.org/drawingml/2006/main" xmlns:r="http://schemas.openxmlformats.org/officeDocument/2006/relationships" xmlns:mc="http://schemas.openxmlformats.org/markup-compatibility/2006" xmlns:mv="urn:schemas-microsoft-com:mac:vml" xmlns:p="http://schemas.openxmlformats.org/presentationml/2006/main" xmlns:c="http://schemas.openxmlformats.org/drawingml/2006/chart" xmlns:dgm="http://schemas.openxmlformats.org/drawingml/2006/diagram" xmlns:o="urn:schemas-microsoft-com:office:office" xmlns:v="urn:schemas-microsoft-com:vml" xmlns:pvml="urn:schemas-microsoft-com:office:powerpoint" xmlns:com="http://schemas.openxmlformats.org/drawingml/2006/compatibility" xmlns:p14="http://schemas.microsoft.com/office/powerpoint/2010/main" xmlns:p15="http://schemas.microsoft.com/office/powerpoint/2012/main" xmlns:ahyp="http://schemas.microsoft.com/office/drawing/2018/hyperlinkcolor" showMasterPhAnim="0" showMasterSp="0">
   <p:cSld>
     <p:spTree>
       <p:nvGrpSpPr>
-        <p:cNvPr id="1" name="Shape 55"/>
+        <p:cNvPr id="55" name="Shape 55"/>
         <p:cNvGrpSpPr/>
         <p:nvPr/>
       </p:nvGrpSpPr>
@@ -738,11 +728,9 @@
       <p:sp>
         <p:nvSpPr>
           <p:cNvPr id="56" name="Google Shape;56;p:notes"/>
-          <p:cNvSpPr>
-            <a:spLocks noGrp="1" noRot="1" noChangeAspect="1"/>
-          </p:cNvSpPr>
+          <p:cNvSpPr/>
           <p:nvPr>
-            <p:ph type="sldImg" idx="2"/>
+            <p:ph idx="2" type="sldImg"/>
           </p:nvPr>
         </p:nvSpPr>
         <p:spPr>
@@ -751,13 +739,9 @@
             <a:ext cx="6096075" cy="3429000"/>
           </a:xfrm>
           <a:custGeom>
-            <a:avLst/>
-            <a:gdLst/>
-            <a:ahLst/>
-            <a:cxnLst/>
-            <a:rect l="l" t="t" r="r" b="b"/>
+            <a:rect b="b" l="l" r="r" t="t"/>
             <a:pathLst>
-              <a:path w="120000" h="120000" extrusionOk="0">
+              <a:path extrusionOk="0" h="120000" w="120000">
                 <a:moveTo>
                   <a:pt x="0" y="0"/>
                 </a:moveTo>
@@ -779,11 +763,9 @@
       <p:sp>
         <p:nvSpPr>
           <p:cNvPr id="57" name="Google Shape;57;p:notes"/>
-          <p:cNvSpPr txBox="1">
-            <a:spLocks noGrp="1"/>
-          </p:cNvSpPr>
+          <p:cNvSpPr txBox="1"/>
           <p:nvPr>
-            <p:ph type="body" idx="1"/>
+            <p:ph idx="1" type="body"/>
           </p:nvPr>
         </p:nvSpPr>
         <p:spPr>
@@ -796,12 +778,12 @@
           </a:prstGeom>
         </p:spPr>
         <p:txBody>
-          <a:bodyPr spcFirstLastPara="1" wrap="square" lIns="91425" tIns="91425" rIns="91425" bIns="91425" anchor="t" anchorCtr="0">
+          <a:bodyPr anchorCtr="0" anchor="t" bIns="91425" lIns="91425" spcFirstLastPara="1" rIns="91425" wrap="square" tIns="91425">
             <a:noAutofit/>
           </a:bodyPr>
           <a:lstStyle/>
           <a:p>
-            <a:pPr marL="0" lvl="0" indent="0" algn="l" rtl="0">
+            <a:pPr indent="0" lvl="0" marL="0" rtl="0" algn="l">
               <a:spcBef>
                 <a:spcPts val="0"/>
               </a:spcBef>
@@ -810,6 +792,335 @@
               </a:spcAft>
               <a:buNone/>
             </a:pPr>
+            <a:r>
+              <a:t/>
+            </a:r>
+            <a:endParaRPr/>
+          </a:p>
+        </p:txBody>
+      </p:sp>
+    </p:spTree>
+  </p:cSld>
+  <p:clrMapOvr>
+    <a:masterClrMapping/>
+  </p:clrMapOvr>
+</p:notes>
+</file>
+
+<file path=ppt/notesSlides/notesSlide10.xml><?xml version="1.0" encoding="utf-8"?>
+<p:notes xmlns:a="http://schemas.openxmlformats.org/drawingml/2006/main" xmlns:r="http://schemas.openxmlformats.org/officeDocument/2006/relationships" xmlns:mc="http://schemas.openxmlformats.org/markup-compatibility/2006" xmlns:mv="urn:schemas-microsoft-com:mac:vml" xmlns:p="http://schemas.openxmlformats.org/presentationml/2006/main" xmlns:c="http://schemas.openxmlformats.org/drawingml/2006/chart" xmlns:dgm="http://schemas.openxmlformats.org/drawingml/2006/diagram" xmlns:o="urn:schemas-microsoft-com:office:office" xmlns:v="urn:schemas-microsoft-com:vml" xmlns:pvml="urn:schemas-microsoft-com:office:powerpoint" xmlns:com="http://schemas.openxmlformats.org/drawingml/2006/compatibility" xmlns:p14="http://schemas.microsoft.com/office/powerpoint/2010/main" xmlns:p15="http://schemas.microsoft.com/office/powerpoint/2012/main" xmlns:ahyp="http://schemas.microsoft.com/office/drawing/2018/hyperlinkcolor" showMasterPhAnim="0" showMasterSp="0">
+  <p:cSld>
+    <p:spTree>
+      <p:nvGrpSpPr>
+        <p:cNvPr id="114" name="Shape 114"/>
+        <p:cNvGrpSpPr/>
+        <p:nvPr/>
+      </p:nvGrpSpPr>
+      <p:grpSpPr>
+        <a:xfrm>
+          <a:off x="0" y="0"/>
+          <a:ext cx="0" cy="0"/>
+          <a:chOff x="0" y="0"/>
+          <a:chExt cx="0" cy="0"/>
+        </a:xfrm>
+      </p:grpSpPr>
+      <p:sp>
+        <p:nvSpPr>
+          <p:cNvPr id="115" name="Google Shape;115;gc78378ac2d_0_7:notes"/>
+          <p:cNvSpPr/>
+          <p:nvPr>
+            <p:ph idx="2" type="sldImg"/>
+          </p:nvPr>
+        </p:nvSpPr>
+        <p:spPr>
+          <a:xfrm>
+            <a:off x="381300" y="685800"/>
+            <a:ext cx="6096000" cy="3429000"/>
+          </a:xfrm>
+          <a:custGeom>
+            <a:rect b="b" l="l" r="r" t="t"/>
+            <a:pathLst>
+              <a:path extrusionOk="0" h="120000" w="120000">
+                <a:moveTo>
+                  <a:pt x="0" y="0"/>
+                </a:moveTo>
+                <a:lnTo>
+                  <a:pt x="120000" y="0"/>
+                </a:lnTo>
+                <a:lnTo>
+                  <a:pt x="120000" y="120000"/>
+                </a:lnTo>
+                <a:lnTo>
+                  <a:pt x="0" y="120000"/>
+                </a:lnTo>
+                <a:close/>
+              </a:path>
+            </a:pathLst>
+          </a:custGeom>
+        </p:spPr>
+      </p:sp>
+      <p:sp>
+        <p:nvSpPr>
+          <p:cNvPr id="116" name="Google Shape;116;gc78378ac2d_0_7:notes"/>
+          <p:cNvSpPr txBox="1"/>
+          <p:nvPr>
+            <p:ph idx="1" type="body"/>
+          </p:nvPr>
+        </p:nvSpPr>
+        <p:spPr>
+          <a:xfrm>
+            <a:off x="685800" y="4343400"/>
+            <a:ext cx="5486400" cy="4114800"/>
+          </a:xfrm>
+          <a:prstGeom prst="rect">
+            <a:avLst/>
+          </a:prstGeom>
+        </p:spPr>
+        <p:txBody>
+          <a:bodyPr anchorCtr="0" anchor="t" bIns="91425" lIns="91425" spcFirstLastPara="1" rIns="91425" wrap="square" tIns="91425">
+            <a:noAutofit/>
+          </a:bodyPr>
+          <a:lstStyle/>
+          <a:p>
+            <a:pPr indent="0" lvl="0" marL="0" rtl="0" algn="l">
+              <a:spcBef>
+                <a:spcPts val="0"/>
+              </a:spcBef>
+              <a:spcAft>
+                <a:spcPts val="0"/>
+              </a:spcAft>
+              <a:buClr>
+                <a:schemeClr val="dk1"/>
+              </a:buClr>
+              <a:buSzPts val="1100"/>
+              <a:buFont typeface="Arial"/>
+              <a:buNone/>
+            </a:pPr>
+            <a:r>
+              <a:rPr lang="en" sz="1250">
+                <a:solidFill>
+                  <a:schemeClr val="dk1"/>
+                </a:solidFill>
+              </a:rPr>
+              <a:t>Based on the Logistic Regression Learning Model we have an accuracy score of 70%. For this machine learning model we used sklearn.preprocessing.</a:t>
+            </a:r>
+            <a:endParaRPr sz="1250">
+              <a:solidFill>
+                <a:schemeClr val="dk1"/>
+              </a:solidFill>
+            </a:endParaRPr>
+          </a:p>
+          <a:p>
+            <a:pPr indent="0" lvl="0" marL="0" rtl="0" algn="l">
+              <a:spcBef>
+                <a:spcPts val="0"/>
+              </a:spcBef>
+              <a:spcAft>
+                <a:spcPts val="0"/>
+              </a:spcAft>
+              <a:buNone/>
+            </a:pPr>
+            <a:r>
+              <a:t/>
+            </a:r>
+            <a:endParaRPr/>
+          </a:p>
+        </p:txBody>
+      </p:sp>
+    </p:spTree>
+  </p:cSld>
+  <p:clrMapOvr>
+    <a:masterClrMapping/>
+  </p:clrMapOvr>
+</p:notes>
+</file>
+
+<file path=ppt/notesSlides/notesSlide11.xml><?xml version="1.0" encoding="utf-8"?>
+<p:notes xmlns:a="http://schemas.openxmlformats.org/drawingml/2006/main" xmlns:r="http://schemas.openxmlformats.org/officeDocument/2006/relationships" xmlns:mc="http://schemas.openxmlformats.org/markup-compatibility/2006" xmlns:mv="urn:schemas-microsoft-com:mac:vml" xmlns:p="http://schemas.openxmlformats.org/presentationml/2006/main" xmlns:c="http://schemas.openxmlformats.org/drawingml/2006/chart" xmlns:dgm="http://schemas.openxmlformats.org/drawingml/2006/diagram" xmlns:o="urn:schemas-microsoft-com:office:office" xmlns:v="urn:schemas-microsoft-com:vml" xmlns:pvml="urn:schemas-microsoft-com:office:powerpoint" xmlns:com="http://schemas.openxmlformats.org/drawingml/2006/compatibility" xmlns:p14="http://schemas.microsoft.com/office/powerpoint/2010/main" xmlns:p15="http://schemas.microsoft.com/office/powerpoint/2012/main" xmlns:ahyp="http://schemas.microsoft.com/office/drawing/2018/hyperlinkcolor" showMasterPhAnim="0" showMasterSp="0">
+  <p:cSld>
+    <p:spTree>
+      <p:nvGrpSpPr>
+        <p:cNvPr id="121" name="Shape 121"/>
+        <p:cNvGrpSpPr/>
+        <p:nvPr/>
+      </p:nvGrpSpPr>
+      <p:grpSpPr>
+        <a:xfrm>
+          <a:off x="0" y="0"/>
+          <a:ext cx="0" cy="0"/>
+          <a:chOff x="0" y="0"/>
+          <a:chExt cx="0" cy="0"/>
+        </a:xfrm>
+      </p:grpSpPr>
+      <p:sp>
+        <p:nvSpPr>
+          <p:cNvPr id="122" name="Google Shape;122;gc78378ac2d_0_14:notes"/>
+          <p:cNvSpPr/>
+          <p:nvPr>
+            <p:ph idx="2" type="sldImg"/>
+          </p:nvPr>
+        </p:nvSpPr>
+        <p:spPr>
+          <a:xfrm>
+            <a:off x="381300" y="685800"/>
+            <a:ext cx="6096000" cy="3429000"/>
+          </a:xfrm>
+          <a:custGeom>
+            <a:rect b="b" l="l" r="r" t="t"/>
+            <a:pathLst>
+              <a:path extrusionOk="0" h="120000" w="120000">
+                <a:moveTo>
+                  <a:pt x="0" y="0"/>
+                </a:moveTo>
+                <a:lnTo>
+                  <a:pt x="120000" y="0"/>
+                </a:lnTo>
+                <a:lnTo>
+                  <a:pt x="120000" y="120000"/>
+                </a:lnTo>
+                <a:lnTo>
+                  <a:pt x="0" y="120000"/>
+                </a:lnTo>
+                <a:close/>
+              </a:path>
+            </a:pathLst>
+          </a:custGeom>
+        </p:spPr>
+      </p:sp>
+      <p:sp>
+        <p:nvSpPr>
+          <p:cNvPr id="123" name="Google Shape;123;gc78378ac2d_0_14:notes"/>
+          <p:cNvSpPr txBox="1"/>
+          <p:nvPr>
+            <p:ph idx="1" type="body"/>
+          </p:nvPr>
+        </p:nvSpPr>
+        <p:spPr>
+          <a:xfrm>
+            <a:off x="685800" y="4343400"/>
+            <a:ext cx="5486400" cy="4114800"/>
+          </a:xfrm>
+          <a:prstGeom prst="rect">
+            <a:avLst/>
+          </a:prstGeom>
+        </p:spPr>
+        <p:txBody>
+          <a:bodyPr anchorCtr="0" anchor="t" bIns="91425" lIns="91425" spcFirstLastPara="1" rIns="91425" wrap="square" tIns="91425">
+            <a:noAutofit/>
+          </a:bodyPr>
+          <a:lstStyle/>
+          <a:p>
+            <a:pPr indent="0" lvl="0" marL="0" rtl="0" algn="l">
+              <a:spcBef>
+                <a:spcPts val="0"/>
+              </a:spcBef>
+              <a:spcAft>
+                <a:spcPts val="0"/>
+              </a:spcAft>
+              <a:buNone/>
+            </a:pPr>
+            <a:r>
+              <a:t/>
+            </a:r>
+            <a:endParaRPr/>
+          </a:p>
+        </p:txBody>
+      </p:sp>
+    </p:spTree>
+  </p:cSld>
+  <p:clrMapOvr>
+    <a:masterClrMapping/>
+  </p:clrMapOvr>
+</p:notes>
+</file>
+
+<file path=ppt/notesSlides/notesSlide12.xml><?xml version="1.0" encoding="utf-8"?>
+<p:notes xmlns:a="http://schemas.openxmlformats.org/drawingml/2006/main" xmlns:r="http://schemas.openxmlformats.org/officeDocument/2006/relationships" xmlns:mc="http://schemas.openxmlformats.org/markup-compatibility/2006" xmlns:mv="urn:schemas-microsoft-com:mac:vml" xmlns:p="http://schemas.openxmlformats.org/presentationml/2006/main" xmlns:c="http://schemas.openxmlformats.org/drawingml/2006/chart" xmlns:dgm="http://schemas.openxmlformats.org/drawingml/2006/diagram" xmlns:o="urn:schemas-microsoft-com:office:office" xmlns:v="urn:schemas-microsoft-com:vml" xmlns:pvml="urn:schemas-microsoft-com:office:powerpoint" xmlns:com="http://schemas.openxmlformats.org/drawingml/2006/compatibility" xmlns:p14="http://schemas.microsoft.com/office/powerpoint/2010/main" xmlns:p15="http://schemas.microsoft.com/office/powerpoint/2012/main" xmlns:ahyp="http://schemas.microsoft.com/office/drawing/2018/hyperlinkcolor" showMasterPhAnim="0" showMasterSp="0">
+  <p:cSld>
+    <p:spTree>
+      <p:nvGrpSpPr>
+        <p:cNvPr id="127" name="Shape 127"/>
+        <p:cNvGrpSpPr/>
+        <p:nvPr/>
+      </p:nvGrpSpPr>
+      <p:grpSpPr>
+        <a:xfrm>
+          <a:off x="0" y="0"/>
+          <a:ext cx="0" cy="0"/>
+          <a:chOff x="0" y="0"/>
+          <a:chExt cx="0" cy="0"/>
+        </a:xfrm>
+      </p:grpSpPr>
+      <p:sp>
+        <p:nvSpPr>
+          <p:cNvPr id="128" name="Google Shape;128;gc78378ac2d_0_19:notes"/>
+          <p:cNvSpPr/>
+          <p:nvPr>
+            <p:ph idx="2" type="sldImg"/>
+          </p:nvPr>
+        </p:nvSpPr>
+        <p:spPr>
+          <a:xfrm>
+            <a:off x="381300" y="685800"/>
+            <a:ext cx="6096000" cy="3429000"/>
+          </a:xfrm>
+          <a:custGeom>
+            <a:rect b="b" l="l" r="r" t="t"/>
+            <a:pathLst>
+              <a:path extrusionOk="0" h="120000" w="120000">
+                <a:moveTo>
+                  <a:pt x="0" y="0"/>
+                </a:moveTo>
+                <a:lnTo>
+                  <a:pt x="120000" y="0"/>
+                </a:lnTo>
+                <a:lnTo>
+                  <a:pt x="120000" y="120000"/>
+                </a:lnTo>
+                <a:lnTo>
+                  <a:pt x="0" y="120000"/>
+                </a:lnTo>
+                <a:close/>
+              </a:path>
+            </a:pathLst>
+          </a:custGeom>
+        </p:spPr>
+      </p:sp>
+      <p:sp>
+        <p:nvSpPr>
+          <p:cNvPr id="129" name="Google Shape;129;gc78378ac2d_0_19:notes"/>
+          <p:cNvSpPr txBox="1"/>
+          <p:nvPr>
+            <p:ph idx="1" type="body"/>
+          </p:nvPr>
+        </p:nvSpPr>
+        <p:spPr>
+          <a:xfrm>
+            <a:off x="685800" y="4343400"/>
+            <a:ext cx="5486400" cy="4114800"/>
+          </a:xfrm>
+          <a:prstGeom prst="rect">
+            <a:avLst/>
+          </a:prstGeom>
+        </p:spPr>
+        <p:txBody>
+          <a:bodyPr anchorCtr="0" anchor="t" bIns="91425" lIns="91425" spcFirstLastPara="1" rIns="91425" wrap="square" tIns="91425">
+            <a:noAutofit/>
+          </a:bodyPr>
+          <a:lstStyle/>
+          <a:p>
+            <a:pPr indent="0" lvl="0" marL="0" rtl="0" algn="l">
+              <a:spcBef>
+                <a:spcPts val="0"/>
+              </a:spcBef>
+              <a:spcAft>
+                <a:spcPts val="0"/>
+              </a:spcAft>
+              <a:buNone/>
+            </a:pPr>
+            <a:r>
+              <a:t/>
+            </a:r>
             <a:endParaRPr/>
           </a:p>
         </p:txBody>
@@ -823,11 +1134,11 @@
 </file>
 
 <file path=ppt/notesSlides/notesSlide2.xml><?xml version="1.0" encoding="utf-8"?>
-<p:notes xmlns:a="http://schemas.openxmlformats.org/drawingml/2006/main" xmlns:r="http://schemas.openxmlformats.org/officeDocument/2006/relationships" xmlns:p="http://schemas.openxmlformats.org/presentationml/2006/main" showMasterSp="0" showMasterPhAnim="0">
+<p:notes xmlns:a="http://schemas.openxmlformats.org/drawingml/2006/main" xmlns:r="http://schemas.openxmlformats.org/officeDocument/2006/relationships" xmlns:mc="http://schemas.openxmlformats.org/markup-compatibility/2006" xmlns:mv="urn:schemas-microsoft-com:mac:vml" xmlns:p="http://schemas.openxmlformats.org/presentationml/2006/main" xmlns:c="http://schemas.openxmlformats.org/drawingml/2006/chart" xmlns:dgm="http://schemas.openxmlformats.org/drawingml/2006/diagram" xmlns:o="urn:schemas-microsoft-com:office:office" xmlns:v="urn:schemas-microsoft-com:vml" xmlns:pvml="urn:schemas-microsoft-com:office:powerpoint" xmlns:com="http://schemas.openxmlformats.org/drawingml/2006/compatibility" xmlns:p14="http://schemas.microsoft.com/office/powerpoint/2010/main" xmlns:p15="http://schemas.microsoft.com/office/powerpoint/2012/main" xmlns:ahyp="http://schemas.microsoft.com/office/drawing/2018/hyperlinkcolor" showMasterPhAnim="0" showMasterSp="0">
   <p:cSld>
     <p:spTree>
       <p:nvGrpSpPr>
-        <p:cNvPr id="1" name="Shape 62"/>
+        <p:cNvPr id="62" name="Shape 62"/>
         <p:cNvGrpSpPr/>
         <p:nvPr/>
       </p:nvGrpSpPr>
@@ -842,11 +1153,9 @@
       <p:sp>
         <p:nvSpPr>
           <p:cNvPr id="63" name="Google Shape;63;gc50ab1f7be_0_51:notes"/>
-          <p:cNvSpPr>
-            <a:spLocks noGrp="1" noRot="1" noChangeAspect="1"/>
-          </p:cNvSpPr>
+          <p:cNvSpPr/>
           <p:nvPr>
-            <p:ph type="sldImg" idx="2"/>
+            <p:ph idx="2" type="sldImg"/>
           </p:nvPr>
         </p:nvSpPr>
         <p:spPr>
@@ -855,13 +1164,9 @@
             <a:ext cx="6096000" cy="3429000"/>
           </a:xfrm>
           <a:custGeom>
-            <a:avLst/>
-            <a:gdLst/>
-            <a:ahLst/>
-            <a:cxnLst/>
-            <a:rect l="l" t="t" r="r" b="b"/>
+            <a:rect b="b" l="l" r="r" t="t"/>
             <a:pathLst>
-              <a:path w="120000" h="120000" extrusionOk="0">
+              <a:path extrusionOk="0" h="120000" w="120000">
                 <a:moveTo>
                   <a:pt x="0" y="0"/>
                 </a:moveTo>
@@ -883,11 +1188,9 @@
       <p:sp>
         <p:nvSpPr>
           <p:cNvPr id="64" name="Google Shape;64;gc50ab1f7be_0_51:notes"/>
-          <p:cNvSpPr txBox="1">
-            <a:spLocks noGrp="1"/>
-          </p:cNvSpPr>
+          <p:cNvSpPr txBox="1"/>
           <p:nvPr>
-            <p:ph type="body" idx="1"/>
+            <p:ph idx="1" type="body"/>
           </p:nvPr>
         </p:nvSpPr>
         <p:spPr>
@@ -900,12 +1203,12 @@
           </a:prstGeom>
         </p:spPr>
         <p:txBody>
-          <a:bodyPr spcFirstLastPara="1" wrap="square" lIns="91425" tIns="91425" rIns="91425" bIns="91425" anchor="t" anchorCtr="0">
+          <a:bodyPr anchorCtr="0" anchor="t" bIns="91425" lIns="91425" spcFirstLastPara="1" rIns="91425" wrap="square" tIns="91425">
             <a:noAutofit/>
           </a:bodyPr>
           <a:lstStyle/>
           <a:p>
-            <a:pPr marL="0" lvl="0" indent="0" algn="l" rtl="0">
+            <a:pPr indent="0" lvl="0" marL="0" rtl="0" algn="l">
               <a:spcBef>
                 <a:spcPts val="0"/>
               </a:spcBef>
@@ -914,6 +1217,9 @@
               </a:spcAft>
               <a:buNone/>
             </a:pPr>
+            <a:r>
+              <a:t/>
+            </a:r>
             <a:endParaRPr/>
           </a:p>
         </p:txBody>
@@ -927,11 +1233,11 @@
 </file>
 
 <file path=ppt/notesSlides/notesSlide3.xml><?xml version="1.0" encoding="utf-8"?>
-<p:notes xmlns:a="http://schemas.openxmlformats.org/drawingml/2006/main" xmlns:r="http://schemas.openxmlformats.org/officeDocument/2006/relationships" xmlns:p="http://schemas.openxmlformats.org/presentationml/2006/main" showMasterSp="0" showMasterPhAnim="0">
+<p:notes xmlns:a="http://schemas.openxmlformats.org/drawingml/2006/main" xmlns:r="http://schemas.openxmlformats.org/officeDocument/2006/relationships" xmlns:mc="http://schemas.openxmlformats.org/markup-compatibility/2006" xmlns:mv="urn:schemas-microsoft-com:mac:vml" xmlns:p="http://schemas.openxmlformats.org/presentationml/2006/main" xmlns:c="http://schemas.openxmlformats.org/drawingml/2006/chart" xmlns:dgm="http://schemas.openxmlformats.org/drawingml/2006/diagram" xmlns:o="urn:schemas-microsoft-com:office:office" xmlns:v="urn:schemas-microsoft-com:vml" xmlns:pvml="urn:schemas-microsoft-com:office:powerpoint" xmlns:com="http://schemas.openxmlformats.org/drawingml/2006/compatibility" xmlns:p14="http://schemas.microsoft.com/office/powerpoint/2010/main" xmlns:p15="http://schemas.microsoft.com/office/powerpoint/2012/main" xmlns:ahyp="http://schemas.microsoft.com/office/drawing/2018/hyperlinkcolor" showMasterPhAnim="0" showMasterSp="0">
   <p:cSld>
     <p:spTree>
       <p:nvGrpSpPr>
-        <p:cNvPr id="1" name="Shape 69"/>
+        <p:cNvPr id="69" name="Shape 69"/>
         <p:cNvGrpSpPr/>
         <p:nvPr/>
       </p:nvGrpSpPr>
@@ -946,11 +1252,9 @@
       <p:sp>
         <p:nvSpPr>
           <p:cNvPr id="70" name="Google Shape;70;gc50ab1f7be_0_57:notes"/>
-          <p:cNvSpPr>
-            <a:spLocks noGrp="1" noRot="1" noChangeAspect="1"/>
-          </p:cNvSpPr>
+          <p:cNvSpPr/>
           <p:nvPr>
-            <p:ph type="sldImg" idx="2"/>
+            <p:ph idx="2" type="sldImg"/>
           </p:nvPr>
         </p:nvSpPr>
         <p:spPr>
@@ -959,13 +1263,9 @@
             <a:ext cx="6096000" cy="3429000"/>
           </a:xfrm>
           <a:custGeom>
-            <a:avLst/>
-            <a:gdLst/>
-            <a:ahLst/>
-            <a:cxnLst/>
-            <a:rect l="l" t="t" r="r" b="b"/>
+            <a:rect b="b" l="l" r="r" t="t"/>
             <a:pathLst>
-              <a:path w="120000" h="120000" extrusionOk="0">
+              <a:path extrusionOk="0" h="120000" w="120000">
                 <a:moveTo>
                   <a:pt x="0" y="0"/>
                 </a:moveTo>
@@ -987,11 +1287,9 @@
       <p:sp>
         <p:nvSpPr>
           <p:cNvPr id="71" name="Google Shape;71;gc50ab1f7be_0_57:notes"/>
-          <p:cNvSpPr txBox="1">
-            <a:spLocks noGrp="1"/>
-          </p:cNvSpPr>
+          <p:cNvSpPr txBox="1"/>
           <p:nvPr>
-            <p:ph type="body" idx="1"/>
+            <p:ph idx="1" type="body"/>
           </p:nvPr>
         </p:nvSpPr>
         <p:spPr>
@@ -1004,12 +1302,12 @@
           </a:prstGeom>
         </p:spPr>
         <p:txBody>
-          <a:bodyPr spcFirstLastPara="1" wrap="square" lIns="91425" tIns="91425" rIns="91425" bIns="91425" anchor="t" anchorCtr="0">
+          <a:bodyPr anchorCtr="0" anchor="t" bIns="91425" lIns="91425" spcFirstLastPara="1" rIns="91425" wrap="square" tIns="91425">
             <a:noAutofit/>
           </a:bodyPr>
           <a:lstStyle/>
           <a:p>
-            <a:pPr marL="0" lvl="0" indent="0" algn="l" rtl="0">
+            <a:pPr indent="0" lvl="0" marL="0" rtl="0" algn="l">
               <a:spcBef>
                 <a:spcPts val="0"/>
               </a:spcBef>
@@ -1018,6 +1316,9 @@
               </a:spcAft>
               <a:buNone/>
             </a:pPr>
+            <a:r>
+              <a:t/>
+            </a:r>
             <a:endParaRPr/>
           </a:p>
         </p:txBody>
@@ -1031,11 +1332,11 @@
 </file>
 
 <file path=ppt/notesSlides/notesSlide4.xml><?xml version="1.0" encoding="utf-8"?>
-<p:notes xmlns:a="http://schemas.openxmlformats.org/drawingml/2006/main" xmlns:r="http://schemas.openxmlformats.org/officeDocument/2006/relationships" xmlns:p="http://schemas.openxmlformats.org/presentationml/2006/main" showMasterSp="0" showMasterPhAnim="0">
+<p:notes xmlns:a="http://schemas.openxmlformats.org/drawingml/2006/main" xmlns:r="http://schemas.openxmlformats.org/officeDocument/2006/relationships" xmlns:mc="http://schemas.openxmlformats.org/markup-compatibility/2006" xmlns:mv="urn:schemas-microsoft-com:mac:vml" xmlns:p="http://schemas.openxmlformats.org/presentationml/2006/main" xmlns:c="http://schemas.openxmlformats.org/drawingml/2006/chart" xmlns:dgm="http://schemas.openxmlformats.org/drawingml/2006/diagram" xmlns:o="urn:schemas-microsoft-com:office:office" xmlns:v="urn:schemas-microsoft-com:vml" xmlns:pvml="urn:schemas-microsoft-com:office:powerpoint" xmlns:com="http://schemas.openxmlformats.org/drawingml/2006/compatibility" xmlns:p14="http://schemas.microsoft.com/office/powerpoint/2010/main" xmlns:p15="http://schemas.microsoft.com/office/powerpoint/2012/main" xmlns:ahyp="http://schemas.microsoft.com/office/drawing/2018/hyperlinkcolor" showMasterPhAnim="0" showMasterSp="0">
   <p:cSld>
     <p:spTree>
       <p:nvGrpSpPr>
-        <p:cNvPr id="1" name="Shape 75"/>
+        <p:cNvPr id="75" name="Shape 75"/>
         <p:cNvGrpSpPr/>
         <p:nvPr/>
       </p:nvGrpSpPr>
@@ -1050,11 +1351,9 @@
       <p:sp>
         <p:nvSpPr>
           <p:cNvPr id="76" name="Google Shape;76;gc50ab1f7be_0_64:notes"/>
-          <p:cNvSpPr>
-            <a:spLocks noGrp="1" noRot="1" noChangeAspect="1"/>
-          </p:cNvSpPr>
+          <p:cNvSpPr/>
           <p:nvPr>
-            <p:ph type="sldImg" idx="2"/>
+            <p:ph idx="2" type="sldImg"/>
           </p:nvPr>
         </p:nvSpPr>
         <p:spPr>
@@ -1063,13 +1362,9 @@
             <a:ext cx="6096000" cy="3429000"/>
           </a:xfrm>
           <a:custGeom>
-            <a:avLst/>
-            <a:gdLst/>
-            <a:ahLst/>
-            <a:cxnLst/>
-            <a:rect l="l" t="t" r="r" b="b"/>
+            <a:rect b="b" l="l" r="r" t="t"/>
             <a:pathLst>
-              <a:path w="120000" h="120000" extrusionOk="0">
+              <a:path extrusionOk="0" h="120000" w="120000">
                 <a:moveTo>
                   <a:pt x="0" y="0"/>
                 </a:moveTo>
@@ -1091,11 +1386,9 @@
       <p:sp>
         <p:nvSpPr>
           <p:cNvPr id="77" name="Google Shape;77;gc50ab1f7be_0_64:notes"/>
-          <p:cNvSpPr txBox="1">
-            <a:spLocks noGrp="1"/>
-          </p:cNvSpPr>
+          <p:cNvSpPr txBox="1"/>
           <p:nvPr>
-            <p:ph type="body" idx="1"/>
+            <p:ph idx="1" type="body"/>
           </p:nvPr>
         </p:nvSpPr>
         <p:spPr>
@@ -1108,12 +1401,12 @@
           </a:prstGeom>
         </p:spPr>
         <p:txBody>
-          <a:bodyPr spcFirstLastPara="1" wrap="square" lIns="91425" tIns="91425" rIns="91425" bIns="91425" anchor="t" anchorCtr="0">
+          <a:bodyPr anchorCtr="0" anchor="t" bIns="91425" lIns="91425" spcFirstLastPara="1" rIns="91425" wrap="square" tIns="91425">
             <a:noAutofit/>
           </a:bodyPr>
           <a:lstStyle/>
           <a:p>
-            <a:pPr marL="0" lvl="0" indent="0" algn="l" rtl="0">
+            <a:pPr indent="0" lvl="0" marL="0" rtl="0" algn="l">
               <a:spcBef>
                 <a:spcPts val="0"/>
               </a:spcBef>
@@ -1122,6 +1415,9 @@
               </a:spcAft>
               <a:buNone/>
             </a:pPr>
+            <a:r>
+              <a:t/>
+            </a:r>
             <a:endParaRPr/>
           </a:p>
         </p:txBody>
@@ -1135,11 +1431,11 @@
 </file>
 
 <file path=ppt/notesSlides/notesSlide5.xml><?xml version="1.0" encoding="utf-8"?>
-<p:notes xmlns:a="http://schemas.openxmlformats.org/drawingml/2006/main" xmlns:r="http://schemas.openxmlformats.org/officeDocument/2006/relationships" xmlns:p="http://schemas.openxmlformats.org/presentationml/2006/main" showMasterSp="0" showMasterPhAnim="0">
+<p:notes xmlns:a="http://schemas.openxmlformats.org/drawingml/2006/main" xmlns:r="http://schemas.openxmlformats.org/officeDocument/2006/relationships" xmlns:mc="http://schemas.openxmlformats.org/markup-compatibility/2006" xmlns:mv="urn:schemas-microsoft-com:mac:vml" xmlns:p="http://schemas.openxmlformats.org/presentationml/2006/main" xmlns:c="http://schemas.openxmlformats.org/drawingml/2006/chart" xmlns:dgm="http://schemas.openxmlformats.org/drawingml/2006/diagram" xmlns:o="urn:schemas-microsoft-com:office:office" xmlns:v="urn:schemas-microsoft-com:vml" xmlns:pvml="urn:schemas-microsoft-com:office:powerpoint" xmlns:com="http://schemas.openxmlformats.org/drawingml/2006/compatibility" xmlns:p14="http://schemas.microsoft.com/office/powerpoint/2010/main" xmlns:p15="http://schemas.microsoft.com/office/powerpoint/2012/main" xmlns:ahyp="http://schemas.microsoft.com/office/drawing/2018/hyperlinkcolor" showMasterPhAnim="0" showMasterSp="0">
   <p:cSld>
     <p:spTree>
       <p:nvGrpSpPr>
-        <p:cNvPr id="1" name="Shape 81"/>
+        <p:cNvPr id="81" name="Shape 81"/>
         <p:cNvGrpSpPr/>
         <p:nvPr/>
       </p:nvGrpSpPr>
@@ -1154,11 +1450,9 @@
       <p:sp>
         <p:nvSpPr>
           <p:cNvPr id="82" name="Google Shape;82;gc50ab1f7be_0_70:notes"/>
-          <p:cNvSpPr>
-            <a:spLocks noGrp="1" noRot="1" noChangeAspect="1"/>
-          </p:cNvSpPr>
+          <p:cNvSpPr/>
           <p:nvPr>
-            <p:ph type="sldImg" idx="2"/>
+            <p:ph idx="2" type="sldImg"/>
           </p:nvPr>
         </p:nvSpPr>
         <p:spPr>
@@ -1167,13 +1461,9 @@
             <a:ext cx="6096000" cy="3429000"/>
           </a:xfrm>
           <a:custGeom>
-            <a:avLst/>
-            <a:gdLst/>
-            <a:ahLst/>
-            <a:cxnLst/>
-            <a:rect l="l" t="t" r="r" b="b"/>
+            <a:rect b="b" l="l" r="r" t="t"/>
             <a:pathLst>
-              <a:path w="120000" h="120000" extrusionOk="0">
+              <a:path extrusionOk="0" h="120000" w="120000">
                 <a:moveTo>
                   <a:pt x="0" y="0"/>
                 </a:moveTo>
@@ -1195,11 +1485,9 @@
       <p:sp>
         <p:nvSpPr>
           <p:cNvPr id="83" name="Google Shape;83;gc50ab1f7be_0_70:notes"/>
-          <p:cNvSpPr txBox="1">
-            <a:spLocks noGrp="1"/>
-          </p:cNvSpPr>
+          <p:cNvSpPr txBox="1"/>
           <p:nvPr>
-            <p:ph type="body" idx="1"/>
+            <p:ph idx="1" type="body"/>
           </p:nvPr>
         </p:nvSpPr>
         <p:spPr>
@@ -1212,12 +1500,12 @@
           </a:prstGeom>
         </p:spPr>
         <p:txBody>
-          <a:bodyPr spcFirstLastPara="1" wrap="square" lIns="91425" tIns="91425" rIns="91425" bIns="91425" anchor="t" anchorCtr="0">
+          <a:bodyPr anchorCtr="0" anchor="t" bIns="91425" lIns="91425" spcFirstLastPara="1" rIns="91425" wrap="square" tIns="91425">
             <a:noAutofit/>
           </a:bodyPr>
           <a:lstStyle/>
           <a:p>
-            <a:pPr marL="0" lvl="0" indent="0" algn="l" rtl="0">
+            <a:pPr indent="0" lvl="0" marL="0" rtl="0" algn="l">
               <a:spcBef>
                 <a:spcPts val="0"/>
               </a:spcBef>
@@ -1226,6 +1514,9 @@
               </a:spcAft>
               <a:buNone/>
             </a:pPr>
+            <a:r>
+              <a:t/>
+            </a:r>
             <a:endParaRPr/>
           </a:p>
         </p:txBody>
@@ -1239,11 +1530,11 @@
 </file>
 
 <file path=ppt/notesSlides/notesSlide6.xml><?xml version="1.0" encoding="utf-8"?>
-<p:notes xmlns:a="http://schemas.openxmlformats.org/drawingml/2006/main" xmlns:r="http://schemas.openxmlformats.org/officeDocument/2006/relationships" xmlns:p="http://schemas.openxmlformats.org/presentationml/2006/main" showMasterSp="0" showMasterPhAnim="0">
+<p:notes xmlns:a="http://schemas.openxmlformats.org/drawingml/2006/main" xmlns:r="http://schemas.openxmlformats.org/officeDocument/2006/relationships" xmlns:mc="http://schemas.openxmlformats.org/markup-compatibility/2006" xmlns:mv="urn:schemas-microsoft-com:mac:vml" xmlns:p="http://schemas.openxmlformats.org/presentationml/2006/main" xmlns:c="http://schemas.openxmlformats.org/drawingml/2006/chart" xmlns:dgm="http://schemas.openxmlformats.org/drawingml/2006/diagram" xmlns:o="urn:schemas-microsoft-com:office:office" xmlns:v="urn:schemas-microsoft-com:vml" xmlns:pvml="urn:schemas-microsoft-com:office:powerpoint" xmlns:com="http://schemas.openxmlformats.org/drawingml/2006/compatibility" xmlns:p14="http://schemas.microsoft.com/office/powerpoint/2010/main" xmlns:p15="http://schemas.microsoft.com/office/powerpoint/2012/main" xmlns:ahyp="http://schemas.microsoft.com/office/drawing/2018/hyperlinkcolor" showMasterPhAnim="0" showMasterSp="0">
   <p:cSld>
     <p:spTree>
       <p:nvGrpSpPr>
-        <p:cNvPr id="1" name="Shape 87"/>
+        <p:cNvPr id="87" name="Shape 87"/>
         <p:cNvGrpSpPr/>
         <p:nvPr/>
       </p:nvGrpSpPr>
@@ -1258,11 +1549,9 @@
       <p:sp>
         <p:nvSpPr>
           <p:cNvPr id="88" name="Google Shape;88;gc50ab1f7be_0_75:notes"/>
-          <p:cNvSpPr>
-            <a:spLocks noGrp="1" noRot="1" noChangeAspect="1"/>
-          </p:cNvSpPr>
+          <p:cNvSpPr/>
           <p:nvPr>
-            <p:ph type="sldImg" idx="2"/>
+            <p:ph idx="2" type="sldImg"/>
           </p:nvPr>
         </p:nvSpPr>
         <p:spPr>
@@ -1271,13 +1560,9 @@
             <a:ext cx="6096000" cy="3429000"/>
           </a:xfrm>
           <a:custGeom>
-            <a:avLst/>
-            <a:gdLst/>
-            <a:ahLst/>
-            <a:cxnLst/>
-            <a:rect l="l" t="t" r="r" b="b"/>
+            <a:rect b="b" l="l" r="r" t="t"/>
             <a:pathLst>
-              <a:path w="120000" h="120000" extrusionOk="0">
+              <a:path extrusionOk="0" h="120000" w="120000">
                 <a:moveTo>
                   <a:pt x="0" y="0"/>
                 </a:moveTo>
@@ -1299,11 +1584,9 @@
       <p:sp>
         <p:nvSpPr>
           <p:cNvPr id="89" name="Google Shape;89;gc50ab1f7be_0_75:notes"/>
-          <p:cNvSpPr txBox="1">
-            <a:spLocks noGrp="1"/>
-          </p:cNvSpPr>
+          <p:cNvSpPr txBox="1"/>
           <p:nvPr>
-            <p:ph type="body" idx="1"/>
+            <p:ph idx="1" type="body"/>
           </p:nvPr>
         </p:nvSpPr>
         <p:spPr>
@@ -1316,12 +1599,12 @@
           </a:prstGeom>
         </p:spPr>
         <p:txBody>
-          <a:bodyPr spcFirstLastPara="1" wrap="square" lIns="91425" tIns="91425" rIns="91425" bIns="91425" anchor="t" anchorCtr="0">
+          <a:bodyPr anchorCtr="0" anchor="t" bIns="91425" lIns="91425" spcFirstLastPara="1" rIns="91425" wrap="square" tIns="91425">
             <a:noAutofit/>
           </a:bodyPr>
           <a:lstStyle/>
           <a:p>
-            <a:pPr marL="0" lvl="0" indent="0" algn="l" rtl="0">
+            <a:pPr indent="0" lvl="0" marL="0" rtl="0" algn="l">
               <a:spcBef>
                 <a:spcPts val="0"/>
               </a:spcBef>
@@ -1330,6 +1613,15 @@
               </a:spcAft>
               <a:buNone/>
             </a:pPr>
+            <a:r>
+              <a:rPr lang="en" u="sng">
+                <a:solidFill>
+                  <a:schemeClr val="hlink"/>
+                </a:solidFill>
+                <a:hlinkClick r:id="rId2"/>
+              </a:rPr>
+              <a:t>Final_Project_Visuals - Danielle Duce | Tableau Public</a:t>
+            </a:r>
             <a:endParaRPr/>
           </a:p>
         </p:txBody>
@@ -1343,11 +1635,11 @@
 </file>
 
 <file path=ppt/notesSlides/notesSlide7.xml><?xml version="1.0" encoding="utf-8"?>
-<p:notes xmlns:a="http://schemas.openxmlformats.org/drawingml/2006/main" xmlns:r="http://schemas.openxmlformats.org/officeDocument/2006/relationships" xmlns:p="http://schemas.openxmlformats.org/presentationml/2006/main" showMasterSp="0" showMasterPhAnim="0">
+<p:notes xmlns:a="http://schemas.openxmlformats.org/drawingml/2006/main" xmlns:r="http://schemas.openxmlformats.org/officeDocument/2006/relationships" xmlns:mc="http://schemas.openxmlformats.org/markup-compatibility/2006" xmlns:mv="urn:schemas-microsoft-com:mac:vml" xmlns:p="http://schemas.openxmlformats.org/presentationml/2006/main" xmlns:c="http://schemas.openxmlformats.org/drawingml/2006/chart" xmlns:dgm="http://schemas.openxmlformats.org/drawingml/2006/diagram" xmlns:o="urn:schemas-microsoft-com:office:office" xmlns:v="urn:schemas-microsoft-com:vml" xmlns:pvml="urn:schemas-microsoft-com:office:powerpoint" xmlns:com="http://schemas.openxmlformats.org/drawingml/2006/compatibility" xmlns:p14="http://schemas.microsoft.com/office/powerpoint/2010/main" xmlns:p15="http://schemas.microsoft.com/office/powerpoint/2012/main" xmlns:ahyp="http://schemas.microsoft.com/office/drawing/2018/hyperlinkcolor" showMasterPhAnim="0" showMasterSp="0">
   <p:cSld>
     <p:spTree>
       <p:nvGrpSpPr>
-        <p:cNvPr id="1" name="Shape 93"/>
+        <p:cNvPr id="93" name="Shape 93"/>
         <p:cNvGrpSpPr/>
         <p:nvPr/>
       </p:nvGrpSpPr>
@@ -1362,11 +1654,9 @@
       <p:sp>
         <p:nvSpPr>
           <p:cNvPr id="94" name="Google Shape;94;gc50ab1f7be_0_80:notes"/>
-          <p:cNvSpPr>
-            <a:spLocks noGrp="1" noRot="1" noChangeAspect="1"/>
-          </p:cNvSpPr>
+          <p:cNvSpPr/>
           <p:nvPr>
-            <p:ph type="sldImg" idx="2"/>
+            <p:ph idx="2" type="sldImg"/>
           </p:nvPr>
         </p:nvSpPr>
         <p:spPr>
@@ -1375,13 +1665,9 @@
             <a:ext cx="6096000" cy="3429000"/>
           </a:xfrm>
           <a:custGeom>
-            <a:avLst/>
-            <a:gdLst/>
-            <a:ahLst/>
-            <a:cxnLst/>
-            <a:rect l="l" t="t" r="r" b="b"/>
+            <a:rect b="b" l="l" r="r" t="t"/>
             <a:pathLst>
-              <a:path w="120000" h="120000" extrusionOk="0">
+              <a:path extrusionOk="0" h="120000" w="120000">
                 <a:moveTo>
                   <a:pt x="0" y="0"/>
                 </a:moveTo>
@@ -1403,11 +1689,9 @@
       <p:sp>
         <p:nvSpPr>
           <p:cNvPr id="95" name="Google Shape;95;gc50ab1f7be_0_80:notes"/>
-          <p:cNvSpPr txBox="1">
-            <a:spLocks noGrp="1"/>
-          </p:cNvSpPr>
+          <p:cNvSpPr txBox="1"/>
           <p:nvPr>
-            <p:ph type="body" idx="1"/>
+            <p:ph idx="1" type="body"/>
           </p:nvPr>
         </p:nvSpPr>
         <p:spPr>
@@ -1420,12 +1704,12 @@
           </a:prstGeom>
         </p:spPr>
         <p:txBody>
-          <a:bodyPr spcFirstLastPara="1" wrap="square" lIns="91425" tIns="91425" rIns="91425" bIns="91425" anchor="t" anchorCtr="0">
+          <a:bodyPr anchorCtr="0" anchor="t" bIns="91425" lIns="91425" spcFirstLastPara="1" rIns="91425" wrap="square" tIns="91425">
             <a:noAutofit/>
           </a:bodyPr>
           <a:lstStyle/>
           <a:p>
-            <a:pPr marL="0" lvl="0" indent="0" algn="l" rtl="0">
+            <a:pPr indent="0" lvl="0" marL="0" rtl="0" algn="l">
               <a:spcBef>
                 <a:spcPts val="0"/>
               </a:spcBef>
@@ -1434,6 +1718,335 @@
               </a:spcAft>
               <a:buNone/>
             </a:pPr>
+            <a:r>
+              <a:rPr lang="en"/>
+              <a:t>Process to find the Geohash for storms</a:t>
+            </a:r>
+            <a:endParaRPr/>
+          </a:p>
+        </p:txBody>
+      </p:sp>
+    </p:spTree>
+  </p:cSld>
+  <p:clrMapOvr>
+    <a:masterClrMapping/>
+  </p:clrMapOvr>
+</p:notes>
+</file>
+
+<file path=ppt/notesSlides/notesSlide8.xml><?xml version="1.0" encoding="utf-8"?>
+<p:notes xmlns:a="http://schemas.openxmlformats.org/drawingml/2006/main" xmlns:r="http://schemas.openxmlformats.org/officeDocument/2006/relationships" xmlns:mc="http://schemas.openxmlformats.org/markup-compatibility/2006" xmlns:mv="urn:schemas-microsoft-com:mac:vml" xmlns:p="http://schemas.openxmlformats.org/presentationml/2006/main" xmlns:c="http://schemas.openxmlformats.org/drawingml/2006/chart" xmlns:dgm="http://schemas.openxmlformats.org/drawingml/2006/diagram" xmlns:o="urn:schemas-microsoft-com:office:office" xmlns:v="urn:schemas-microsoft-com:vml" xmlns:pvml="urn:schemas-microsoft-com:office:powerpoint" xmlns:com="http://schemas.openxmlformats.org/drawingml/2006/compatibility" xmlns:p14="http://schemas.microsoft.com/office/powerpoint/2010/main" xmlns:p15="http://schemas.microsoft.com/office/powerpoint/2012/main" xmlns:ahyp="http://schemas.microsoft.com/office/drawing/2018/hyperlinkcolor" showMasterPhAnim="0" showMasterSp="0">
+  <p:cSld>
+    <p:spTree>
+      <p:nvGrpSpPr>
+        <p:cNvPr id="100" name="Shape 100"/>
+        <p:cNvGrpSpPr/>
+        <p:nvPr/>
+      </p:nvGrpSpPr>
+      <p:grpSpPr>
+        <a:xfrm>
+          <a:off x="0" y="0"/>
+          <a:ext cx="0" cy="0"/>
+          <a:chOff x="0" y="0"/>
+          <a:chExt cx="0" cy="0"/>
+        </a:xfrm>
+      </p:grpSpPr>
+      <p:sp>
+        <p:nvSpPr>
+          <p:cNvPr id="101" name="Google Shape;101;gc75491cc2b_0_2:notes"/>
+          <p:cNvSpPr/>
+          <p:nvPr>
+            <p:ph idx="2" type="sldImg"/>
+          </p:nvPr>
+        </p:nvSpPr>
+        <p:spPr>
+          <a:xfrm>
+            <a:off x="381300" y="685800"/>
+            <a:ext cx="6096000" cy="3429000"/>
+          </a:xfrm>
+          <a:custGeom>
+            <a:rect b="b" l="l" r="r" t="t"/>
+            <a:pathLst>
+              <a:path extrusionOk="0" h="120000" w="120000">
+                <a:moveTo>
+                  <a:pt x="0" y="0"/>
+                </a:moveTo>
+                <a:lnTo>
+                  <a:pt x="120000" y="0"/>
+                </a:lnTo>
+                <a:lnTo>
+                  <a:pt x="120000" y="120000"/>
+                </a:lnTo>
+                <a:lnTo>
+                  <a:pt x="0" y="120000"/>
+                </a:lnTo>
+                <a:close/>
+              </a:path>
+            </a:pathLst>
+          </a:custGeom>
+        </p:spPr>
+      </p:sp>
+      <p:sp>
+        <p:nvSpPr>
+          <p:cNvPr id="102" name="Google Shape;102;gc75491cc2b_0_2:notes"/>
+          <p:cNvSpPr txBox="1"/>
+          <p:nvPr>
+            <p:ph idx="1" type="body"/>
+          </p:nvPr>
+        </p:nvSpPr>
+        <p:spPr>
+          <a:xfrm>
+            <a:off x="685800" y="4343400"/>
+            <a:ext cx="5486400" cy="4114800"/>
+          </a:xfrm>
+          <a:prstGeom prst="rect">
+            <a:avLst/>
+          </a:prstGeom>
+        </p:spPr>
+        <p:txBody>
+          <a:bodyPr anchorCtr="0" anchor="t" bIns="91425" lIns="91425" spcFirstLastPara="1" rIns="91425" wrap="square" tIns="91425">
+            <a:noAutofit/>
+          </a:bodyPr>
+          <a:lstStyle/>
+          <a:p>
+            <a:pPr indent="0" lvl="0" marL="0" rtl="0" algn="l">
+              <a:spcBef>
+                <a:spcPts val="0"/>
+              </a:spcBef>
+              <a:spcAft>
+                <a:spcPts val="0"/>
+              </a:spcAft>
+              <a:buClr>
+                <a:schemeClr val="dk1"/>
+              </a:buClr>
+              <a:buSzPts val="1100"/>
+              <a:buFont typeface="Arial"/>
+              <a:buNone/>
+            </a:pPr>
+            <a:r>
+              <a:rPr lang="en" sz="1250">
+                <a:solidFill>
+                  <a:schemeClr val="dk1"/>
+                </a:solidFill>
+              </a:rPr>
+              <a:t>Set value of “Strike_Target” to 1 if exists in “fl_storms” table.  Note, a 1 in the</a:t>
+            </a:r>
+            <a:endParaRPr sz="1250">
+              <a:solidFill>
+                <a:schemeClr val="dk1"/>
+              </a:solidFill>
+            </a:endParaRPr>
+          </a:p>
+          <a:p>
+            <a:pPr indent="0" lvl="0" marL="0" rtl="0" algn="l">
+              <a:spcBef>
+                <a:spcPts val="0"/>
+              </a:spcBef>
+              <a:spcAft>
+                <a:spcPts val="0"/>
+              </a:spcAft>
+              <a:buClr>
+                <a:schemeClr val="dk1"/>
+              </a:buClr>
+              <a:buSzPts val="1100"/>
+              <a:buFont typeface="Arial"/>
+              <a:buNone/>
+            </a:pPr>
+            <a:r>
+              <a:rPr lang="en" sz="1250">
+                <a:solidFill>
+                  <a:schemeClr val="dk1"/>
+                </a:solidFill>
+              </a:rPr>
+              <a:t>Strike_Target column indicates a storm strike in the target area</a:t>
+            </a:r>
+            <a:endParaRPr sz="1250">
+              <a:solidFill>
+                <a:schemeClr val="dk1"/>
+              </a:solidFill>
+            </a:endParaRPr>
+          </a:p>
+          <a:p>
+            <a:pPr indent="0" lvl="0" marL="0" rtl="0" algn="l">
+              <a:spcBef>
+                <a:spcPts val="0"/>
+              </a:spcBef>
+              <a:spcAft>
+                <a:spcPts val="0"/>
+              </a:spcAft>
+              <a:buNone/>
+            </a:pPr>
+            <a:r>
+              <a:t/>
+            </a:r>
+            <a:endParaRPr/>
+          </a:p>
+        </p:txBody>
+      </p:sp>
+    </p:spTree>
+  </p:cSld>
+  <p:clrMapOvr>
+    <a:masterClrMapping/>
+  </p:clrMapOvr>
+</p:notes>
+</file>
+
+<file path=ppt/notesSlides/notesSlide9.xml><?xml version="1.0" encoding="utf-8"?>
+<p:notes xmlns:a="http://schemas.openxmlformats.org/drawingml/2006/main" xmlns:r="http://schemas.openxmlformats.org/officeDocument/2006/relationships" xmlns:mc="http://schemas.openxmlformats.org/markup-compatibility/2006" xmlns:mv="urn:schemas-microsoft-com:mac:vml" xmlns:p="http://schemas.openxmlformats.org/presentationml/2006/main" xmlns:c="http://schemas.openxmlformats.org/drawingml/2006/chart" xmlns:dgm="http://schemas.openxmlformats.org/drawingml/2006/diagram" xmlns:o="urn:schemas-microsoft-com:office:office" xmlns:v="urn:schemas-microsoft-com:vml" xmlns:pvml="urn:schemas-microsoft-com:office:powerpoint" xmlns:com="http://schemas.openxmlformats.org/drawingml/2006/compatibility" xmlns:p14="http://schemas.microsoft.com/office/powerpoint/2010/main" xmlns:p15="http://schemas.microsoft.com/office/powerpoint/2012/main" xmlns:ahyp="http://schemas.microsoft.com/office/drawing/2018/hyperlinkcolor" showMasterPhAnim="0" showMasterSp="0">
+  <p:cSld>
+    <p:spTree>
+      <p:nvGrpSpPr>
+        <p:cNvPr id="107" name="Shape 107"/>
+        <p:cNvGrpSpPr/>
+        <p:nvPr/>
+      </p:nvGrpSpPr>
+      <p:grpSpPr>
+        <a:xfrm>
+          <a:off x="0" y="0"/>
+          <a:ext cx="0" cy="0"/>
+          <a:chOff x="0" y="0"/>
+          <a:chExt cx="0" cy="0"/>
+        </a:xfrm>
+      </p:grpSpPr>
+      <p:sp>
+        <p:nvSpPr>
+          <p:cNvPr id="108" name="Google Shape;108;gc78378ac2d_0_0:notes"/>
+          <p:cNvSpPr/>
+          <p:nvPr>
+            <p:ph idx="2" type="sldImg"/>
+          </p:nvPr>
+        </p:nvSpPr>
+        <p:spPr>
+          <a:xfrm>
+            <a:off x="381300" y="685800"/>
+            <a:ext cx="6096000" cy="3429000"/>
+          </a:xfrm>
+          <a:custGeom>
+            <a:rect b="b" l="l" r="r" t="t"/>
+            <a:pathLst>
+              <a:path extrusionOk="0" h="120000" w="120000">
+                <a:moveTo>
+                  <a:pt x="0" y="0"/>
+                </a:moveTo>
+                <a:lnTo>
+                  <a:pt x="120000" y="0"/>
+                </a:lnTo>
+                <a:lnTo>
+                  <a:pt x="120000" y="120000"/>
+                </a:lnTo>
+                <a:lnTo>
+                  <a:pt x="0" y="120000"/>
+                </a:lnTo>
+                <a:close/>
+              </a:path>
+            </a:pathLst>
+          </a:custGeom>
+        </p:spPr>
+      </p:sp>
+      <p:sp>
+        <p:nvSpPr>
+          <p:cNvPr id="109" name="Google Shape;109;gc78378ac2d_0_0:notes"/>
+          <p:cNvSpPr txBox="1"/>
+          <p:nvPr>
+            <p:ph idx="1" type="body"/>
+          </p:nvPr>
+        </p:nvSpPr>
+        <p:spPr>
+          <a:xfrm>
+            <a:off x="685800" y="4343400"/>
+            <a:ext cx="5486400" cy="4114800"/>
+          </a:xfrm>
+          <a:prstGeom prst="rect">
+            <a:avLst/>
+          </a:prstGeom>
+        </p:spPr>
+        <p:txBody>
+          <a:bodyPr anchorCtr="0" anchor="t" bIns="91425" lIns="91425" spcFirstLastPara="1" rIns="91425" wrap="square" tIns="91425">
+            <a:noAutofit/>
+          </a:bodyPr>
+          <a:lstStyle/>
+          <a:p>
+            <a:pPr indent="0" lvl="0" marL="0" rtl="0" algn="l">
+              <a:spcBef>
+                <a:spcPts val="0"/>
+              </a:spcBef>
+              <a:spcAft>
+                <a:spcPts val="0"/>
+              </a:spcAft>
+              <a:buClr>
+                <a:schemeClr val="dk1"/>
+              </a:buClr>
+              <a:buSzPts val="1100"/>
+              <a:buFont typeface="Arial"/>
+              <a:buNone/>
+            </a:pPr>
+            <a:r>
+              <a:rPr lang="en" sz="1250">
+                <a:solidFill>
+                  <a:schemeClr val="dk1"/>
+                </a:solidFill>
+              </a:rPr>
+              <a:t>Based on the Logistic Regression Learning Model we have an </a:t>
+            </a:r>
+            <a:r>
+              <a:rPr lang="en" sz="1250">
+                <a:solidFill>
+                  <a:schemeClr val="dk1"/>
+                </a:solidFill>
+              </a:rPr>
+              <a:t>accuracy</a:t>
+            </a:r>
+            <a:r>
+              <a:rPr lang="en" sz="1250">
+                <a:solidFill>
+                  <a:schemeClr val="dk1"/>
+                </a:solidFill>
+              </a:rPr>
+              <a:t> score of 70%. For this </a:t>
+            </a:r>
+            <a:r>
+              <a:rPr lang="en" sz="1250">
+                <a:solidFill>
+                  <a:schemeClr val="dk1"/>
+                </a:solidFill>
+              </a:rPr>
+              <a:t>machine</a:t>
+            </a:r>
+            <a:r>
+              <a:rPr lang="en" sz="1250">
+                <a:solidFill>
+                  <a:schemeClr val="dk1"/>
+                </a:solidFill>
+              </a:rPr>
+              <a:t> </a:t>
+            </a:r>
+            <a:r>
+              <a:rPr lang="en" sz="1250">
+                <a:solidFill>
+                  <a:schemeClr val="dk1"/>
+                </a:solidFill>
+              </a:rPr>
+              <a:t>learning model we used sklearn.preprocessing.</a:t>
+            </a:r>
+            <a:endParaRPr sz="1250">
+              <a:solidFill>
+                <a:schemeClr val="dk1"/>
+              </a:solidFill>
+            </a:endParaRPr>
+          </a:p>
+          <a:p>
+            <a:pPr indent="0" lvl="0" marL="0" rtl="0" algn="l">
+              <a:spcBef>
+                <a:spcPts val="0"/>
+              </a:spcBef>
+              <a:spcAft>
+                <a:spcPts val="0"/>
+              </a:spcAft>
+              <a:buNone/>
+            </a:pPr>
+            <a:r>
+              <a:t/>
+            </a:r>
             <a:endParaRPr/>
           </a:p>
         </p:txBody>
@@ -1447,11 +2060,11 @@
 </file>
 
 <file path=ppt/slideLayouts/slideLayout1.xml><?xml version="1.0" encoding="utf-8"?>
-<p:sldLayout xmlns:a="http://schemas.openxmlformats.org/drawingml/2006/main" xmlns:r="http://schemas.openxmlformats.org/officeDocument/2006/relationships" xmlns:p="http://schemas.openxmlformats.org/presentationml/2006/main" matchingName="Title slide" type="title">
+<p:sldLayout xmlns:a="http://schemas.openxmlformats.org/drawingml/2006/main" xmlns:r="http://schemas.openxmlformats.org/officeDocument/2006/relationships" xmlns:mc="http://schemas.openxmlformats.org/markup-compatibility/2006" xmlns:mv="urn:schemas-microsoft-com:mac:vml" xmlns:p="http://schemas.openxmlformats.org/presentationml/2006/main" xmlns:c="http://schemas.openxmlformats.org/drawingml/2006/chart" xmlns:dgm="http://schemas.openxmlformats.org/drawingml/2006/diagram" xmlns:o="urn:schemas-microsoft-com:office:office" xmlns:v="urn:schemas-microsoft-com:vml" xmlns:pvml="urn:schemas-microsoft-com:office:powerpoint" xmlns:com="http://schemas.openxmlformats.org/drawingml/2006/compatibility" xmlns:p14="http://schemas.microsoft.com/office/powerpoint/2010/main" xmlns:p15="http://schemas.microsoft.com/office/powerpoint/2012/main" xmlns:ahyp="http://schemas.microsoft.com/office/drawing/2018/hyperlinkcolor" matchingName="Title slide" type="title">
   <p:cSld name="TITLE">
     <p:spTree>
       <p:nvGrpSpPr>
-        <p:cNvPr id="1" name="Shape 9"/>
+        <p:cNvPr id="9" name="Shape 9"/>
         <p:cNvGrpSpPr/>
         <p:nvPr/>
       </p:nvGrpSpPr>
@@ -1499,12 +2112,12 @@
             </a:ln>
           </p:spPr>
           <p:txBody>
-            <a:bodyPr spcFirstLastPara="1" wrap="square" lIns="91425" tIns="91425" rIns="91425" bIns="91425" anchor="ctr" anchorCtr="0">
+            <a:bodyPr anchorCtr="0" anchor="ctr" bIns="91425" lIns="91425" spcFirstLastPara="1" rIns="91425" wrap="square" tIns="91425">
               <a:noAutofit/>
             </a:bodyPr>
             <a:lstStyle/>
             <a:p>
-              <a:pPr marL="0" lvl="0" indent="0" algn="l" rtl="0">
+              <a:pPr indent="0" lvl="0" marL="0" rtl="0" algn="l">
                 <a:spcBef>
                   <a:spcPts val="0"/>
                 </a:spcBef>
@@ -1513,6 +2126,9 @@
                 </a:spcAft>
                 <a:buNone/>
               </a:pPr>
+              <a:r>
+                <a:t/>
+              </a:r>
               <a:endParaRPr/>
             </a:p>
           </p:txBody>
@@ -1539,12 +2155,12 @@
             </a:ln>
           </p:spPr>
           <p:txBody>
-            <a:bodyPr spcFirstLastPara="1" wrap="square" lIns="91425" tIns="91425" rIns="91425" bIns="91425" anchor="ctr" anchorCtr="0">
+            <a:bodyPr anchorCtr="0" anchor="ctr" bIns="91425" lIns="91425" spcFirstLastPara="1" rIns="91425" wrap="square" tIns="91425">
               <a:noAutofit/>
             </a:bodyPr>
             <a:lstStyle/>
             <a:p>
-              <a:pPr marL="0" lvl="0" indent="0" algn="l" rtl="0">
+              <a:pPr indent="0" lvl="0" marL="0" rtl="0" algn="l">
                 <a:spcBef>
                   <a:spcPts val="0"/>
                 </a:spcBef>
@@ -1553,6 +2169,9 @@
                 </a:spcAft>
                 <a:buNone/>
               </a:pPr>
+              <a:r>
+                <a:t/>
+              </a:r>
               <a:endParaRPr/>
             </a:p>
           </p:txBody>
@@ -1579,12 +2198,12 @@
             </a:ln>
           </p:spPr>
           <p:txBody>
-            <a:bodyPr spcFirstLastPara="1" wrap="square" lIns="91425" tIns="91425" rIns="91425" bIns="91425" anchor="ctr" anchorCtr="0">
+            <a:bodyPr anchorCtr="0" anchor="ctr" bIns="91425" lIns="91425" spcFirstLastPara="1" rIns="91425" wrap="square" tIns="91425">
               <a:noAutofit/>
             </a:bodyPr>
             <a:lstStyle/>
             <a:p>
-              <a:pPr marL="0" lvl="0" indent="0" algn="l" rtl="0">
+              <a:pPr indent="0" lvl="0" marL="0" rtl="0" algn="l">
                 <a:spcBef>
                   <a:spcPts val="0"/>
                 </a:spcBef>
@@ -1593,6 +2212,9 @@
                 </a:spcAft>
                 <a:buNone/>
               </a:pPr>
+              <a:r>
+                <a:t/>
+              </a:r>
               <a:endParaRPr/>
             </a:p>
           </p:txBody>
@@ -1601,9 +2223,7 @@
       <p:sp>
         <p:nvSpPr>
           <p:cNvPr id="14" name="Google Shape;14;p2"/>
-          <p:cNvSpPr txBox="1">
-            <a:spLocks noGrp="1"/>
-          </p:cNvSpPr>
+          <p:cNvSpPr txBox="1"/>
           <p:nvPr>
             <p:ph type="ctrTitle"/>
           </p:nvPr>
@@ -1618,7 +2238,7 @@
           </a:prstGeom>
         </p:spPr>
         <p:txBody>
-          <a:bodyPr spcFirstLastPara="1" wrap="square" lIns="91425" tIns="91425" rIns="91425" bIns="91425" anchor="b" anchorCtr="0">
+          <a:bodyPr anchorCtr="0" anchor="b" bIns="91425" lIns="91425" spcFirstLastPara="1" rIns="91425" wrap="square" tIns="91425">
             <a:normAutofit/>
           </a:bodyPr>
           <a:lstStyle>
@@ -1722,19 +2342,15 @@
               <a:defRPr sz="4800"/>
             </a:lvl9pPr>
           </a:lstStyle>
-          <a:p>
-            <a:endParaRPr/>
-          </a:p>
+          <a:p/>
         </p:txBody>
       </p:sp>
       <p:sp>
         <p:nvSpPr>
           <p:cNvPr id="15" name="Google Shape;15;p2"/>
-          <p:cNvSpPr txBox="1">
-            <a:spLocks noGrp="1"/>
-          </p:cNvSpPr>
+          <p:cNvSpPr txBox="1"/>
           <p:nvPr>
-            <p:ph type="subTitle" idx="1"/>
+            <p:ph idx="1" type="subTitle"/>
           </p:nvPr>
         </p:nvSpPr>
         <p:spPr>
@@ -1747,7 +2363,7 @@
           </a:prstGeom>
         </p:spPr>
         <p:txBody>
-          <a:bodyPr spcFirstLastPara="1" wrap="square" lIns="91425" tIns="91425" rIns="91425" bIns="91425" anchor="t" anchorCtr="0">
+          <a:bodyPr anchorCtr="0" anchor="t" bIns="91425" lIns="91425" spcFirstLastPara="1" rIns="91425" wrap="square" tIns="91425">
             <a:normAutofit/>
           </a:bodyPr>
           <a:lstStyle>
@@ -1878,19 +2494,15 @@
               <a:defRPr sz="2100"/>
             </a:lvl9pPr>
           </a:lstStyle>
-          <a:p>
-            <a:endParaRPr/>
-          </a:p>
+          <a:p/>
         </p:txBody>
       </p:sp>
       <p:sp>
         <p:nvSpPr>
           <p:cNvPr id="16" name="Google Shape;16;p2"/>
-          <p:cNvSpPr txBox="1">
-            <a:spLocks noGrp="1"/>
-          </p:cNvSpPr>
+          <p:cNvSpPr txBox="1"/>
           <p:nvPr>
-            <p:ph type="sldNum" idx="12"/>
+            <p:ph idx="12" type="sldNum"/>
           </p:nvPr>
         </p:nvSpPr>
         <p:spPr>
@@ -1903,7 +2515,7 @@
           </a:prstGeom>
         </p:spPr>
         <p:txBody>
-          <a:bodyPr spcFirstLastPara="1" wrap="square" lIns="91425" tIns="91425" rIns="91425" bIns="91425" anchor="ctr" anchorCtr="0">
+          <a:bodyPr anchorCtr="0" anchor="ctr" bIns="91425" lIns="91425" spcFirstLastPara="1" rIns="91425" wrap="square" tIns="91425">
             <a:normAutofit/>
           </a:bodyPr>
           <a:lstStyle>
@@ -1945,7 +2557,7 @@
             </a:lvl9pPr>
           </a:lstStyle>
           <a:p>
-            <a:pPr marL="0" lvl="0" indent="0" algn="r" rtl="0">
+            <a:pPr indent="0" lvl="0" marL="0" rtl="0" algn="r">
               <a:spcBef>
                 <a:spcPts val="0"/>
               </a:spcBef>
@@ -1971,11 +2583,11 @@
 </file>
 
 <file path=ppt/slideLayouts/slideLayout10.xml><?xml version="1.0" encoding="utf-8"?>
-<p:sldLayout xmlns:a="http://schemas.openxmlformats.org/drawingml/2006/main" xmlns:r="http://schemas.openxmlformats.org/officeDocument/2006/relationships" xmlns:p="http://schemas.openxmlformats.org/presentationml/2006/main" matchingName="Big number">
+<p:sldLayout xmlns:a="http://schemas.openxmlformats.org/drawingml/2006/main" xmlns:r="http://schemas.openxmlformats.org/officeDocument/2006/relationships" xmlns:mc="http://schemas.openxmlformats.org/markup-compatibility/2006" xmlns:mv="urn:schemas-microsoft-com:mac:vml" xmlns:p="http://schemas.openxmlformats.org/presentationml/2006/main" xmlns:c="http://schemas.openxmlformats.org/drawingml/2006/chart" xmlns:dgm="http://schemas.openxmlformats.org/drawingml/2006/diagram" xmlns:o="urn:schemas-microsoft-com:office:office" xmlns:v="urn:schemas-microsoft-com:vml" xmlns:pvml="urn:schemas-microsoft-com:office:powerpoint" xmlns:com="http://schemas.openxmlformats.org/drawingml/2006/compatibility" xmlns:p14="http://schemas.microsoft.com/office/powerpoint/2010/main" xmlns:p15="http://schemas.microsoft.com/office/powerpoint/2012/main" xmlns:ahyp="http://schemas.microsoft.com/office/drawing/2018/hyperlinkcolor" matchingName="Big number">
   <p:cSld name="BIG_NUMBER">
     <p:spTree>
       <p:nvGrpSpPr>
-        <p:cNvPr id="1" name="Shape 49"/>
+        <p:cNvPr id="49" name="Shape 49"/>
         <p:cNvGrpSpPr/>
         <p:nvPr/>
       </p:nvGrpSpPr>
@@ -1990,11 +2602,9 @@
       <p:sp>
         <p:nvSpPr>
           <p:cNvPr id="50" name="Google Shape;50;p11"/>
-          <p:cNvSpPr txBox="1">
-            <a:spLocks noGrp="1"/>
-          </p:cNvSpPr>
+          <p:cNvSpPr txBox="1"/>
           <p:nvPr>
-            <p:ph type="title" hasCustomPrompt="1"/>
+            <p:ph hasCustomPrompt="1" type="title"/>
           </p:nvPr>
         </p:nvSpPr>
         <p:spPr>
@@ -2007,7 +2617,7 @@
           </a:prstGeom>
         </p:spPr>
         <p:txBody>
-          <a:bodyPr spcFirstLastPara="1" wrap="square" lIns="91425" tIns="91425" rIns="91425" bIns="91425" anchor="b" anchorCtr="0">
+          <a:bodyPr anchorCtr="0" anchor="b" bIns="91425" lIns="91425" spcFirstLastPara="1" rIns="91425" wrap="square" tIns="91425">
             <a:normAutofit/>
           </a:bodyPr>
           <a:lstStyle>
@@ -2121,11 +2731,9 @@
       <p:sp>
         <p:nvSpPr>
           <p:cNvPr id="51" name="Google Shape;51;p11"/>
-          <p:cNvSpPr txBox="1">
-            <a:spLocks noGrp="1"/>
-          </p:cNvSpPr>
+          <p:cNvSpPr txBox="1"/>
           <p:nvPr>
-            <p:ph type="body" idx="1"/>
+            <p:ph idx="1" type="body"/>
           </p:nvPr>
         </p:nvSpPr>
         <p:spPr>
@@ -2138,11 +2746,11 @@
           </a:prstGeom>
         </p:spPr>
         <p:txBody>
-          <a:bodyPr spcFirstLastPara="1" wrap="square" lIns="91425" tIns="91425" rIns="91425" bIns="91425" anchor="t" anchorCtr="0">
+          <a:bodyPr anchorCtr="0" anchor="t" bIns="91425" lIns="91425" spcFirstLastPara="1" rIns="91425" wrap="square" tIns="91425">
             <a:normAutofit/>
           </a:bodyPr>
           <a:lstStyle>
-            <a:lvl1pPr marL="457200" lvl="0" indent="-342900" algn="ctr">
+            <a:lvl1pPr indent="-342900" lvl="0" marL="457200" algn="ctr">
               <a:spcBef>
                 <a:spcPts val="0"/>
               </a:spcBef>
@@ -2153,7 +2761,7 @@
               <a:buChar char="●"/>
               <a:defRPr/>
             </a:lvl1pPr>
-            <a:lvl2pPr marL="914400" lvl="1" indent="-317500" algn="ctr">
+            <a:lvl2pPr indent="-317500" lvl="1" marL="914400" algn="ctr">
               <a:spcBef>
                 <a:spcPts val="0"/>
               </a:spcBef>
@@ -2164,7 +2772,7 @@
               <a:buChar char="○"/>
               <a:defRPr/>
             </a:lvl2pPr>
-            <a:lvl3pPr marL="1371600" lvl="2" indent="-317500" algn="ctr">
+            <a:lvl3pPr indent="-317500" lvl="2" marL="1371600" algn="ctr">
               <a:spcBef>
                 <a:spcPts val="0"/>
               </a:spcBef>
@@ -2175,7 +2783,7 @@
               <a:buChar char="■"/>
               <a:defRPr/>
             </a:lvl3pPr>
-            <a:lvl4pPr marL="1828800" lvl="3" indent="-317500" algn="ctr">
+            <a:lvl4pPr indent="-317500" lvl="3" marL="1828800" algn="ctr">
               <a:spcBef>
                 <a:spcPts val="0"/>
               </a:spcBef>
@@ -2186,7 +2794,7 @@
               <a:buChar char="●"/>
               <a:defRPr/>
             </a:lvl4pPr>
-            <a:lvl5pPr marL="2286000" lvl="4" indent="-317500" algn="ctr">
+            <a:lvl5pPr indent="-317500" lvl="4" marL="2286000" algn="ctr">
               <a:spcBef>
                 <a:spcPts val="0"/>
               </a:spcBef>
@@ -2197,7 +2805,7 @@
               <a:buChar char="○"/>
               <a:defRPr/>
             </a:lvl5pPr>
-            <a:lvl6pPr marL="2743200" lvl="5" indent="-317500" algn="ctr">
+            <a:lvl6pPr indent="-317500" lvl="5" marL="2743200" algn="ctr">
               <a:spcBef>
                 <a:spcPts val="0"/>
               </a:spcBef>
@@ -2208,7 +2816,7 @@
               <a:buChar char="■"/>
               <a:defRPr/>
             </a:lvl6pPr>
-            <a:lvl7pPr marL="3200400" lvl="6" indent="-317500" algn="ctr">
+            <a:lvl7pPr indent="-317500" lvl="6" marL="3200400" algn="ctr">
               <a:spcBef>
                 <a:spcPts val="0"/>
               </a:spcBef>
@@ -2219,7 +2827,7 @@
               <a:buChar char="●"/>
               <a:defRPr/>
             </a:lvl7pPr>
-            <a:lvl8pPr marL="3657600" lvl="7" indent="-317500" algn="ctr">
+            <a:lvl8pPr indent="-317500" lvl="7" marL="3657600" algn="ctr">
               <a:spcBef>
                 <a:spcPts val="0"/>
               </a:spcBef>
@@ -2230,7 +2838,7 @@
               <a:buChar char="○"/>
               <a:defRPr/>
             </a:lvl8pPr>
-            <a:lvl9pPr marL="4114800" lvl="8" indent="-317500" algn="ctr">
+            <a:lvl9pPr indent="-317500" lvl="8" marL="4114800" algn="ctr">
               <a:spcBef>
                 <a:spcPts val="0"/>
               </a:spcBef>
@@ -2242,19 +2850,15 @@
               <a:defRPr/>
             </a:lvl9pPr>
           </a:lstStyle>
-          <a:p>
-            <a:endParaRPr/>
-          </a:p>
+          <a:p/>
         </p:txBody>
       </p:sp>
       <p:sp>
         <p:nvSpPr>
           <p:cNvPr id="52" name="Google Shape;52;p11"/>
-          <p:cNvSpPr txBox="1">
-            <a:spLocks noGrp="1"/>
-          </p:cNvSpPr>
+          <p:cNvSpPr txBox="1"/>
           <p:nvPr>
-            <p:ph type="sldNum" idx="12"/>
+            <p:ph idx="12" type="sldNum"/>
           </p:nvPr>
         </p:nvSpPr>
         <p:spPr>
@@ -2267,7 +2871,7 @@
           </a:prstGeom>
         </p:spPr>
         <p:txBody>
-          <a:bodyPr spcFirstLastPara="1" wrap="square" lIns="91425" tIns="91425" rIns="91425" bIns="91425" anchor="ctr" anchorCtr="0">
+          <a:bodyPr anchorCtr="0" anchor="ctr" bIns="91425" lIns="91425" spcFirstLastPara="1" rIns="91425" wrap="square" tIns="91425">
             <a:normAutofit/>
           </a:bodyPr>
           <a:lstStyle>
@@ -2309,7 +2913,7 @@
             </a:lvl9pPr>
           </a:lstStyle>
           <a:p>
-            <a:pPr marL="0" lvl="0" indent="0" algn="r" rtl="0">
+            <a:pPr indent="0" lvl="0" marL="0" rtl="0" algn="r">
               <a:spcBef>
                 <a:spcPts val="0"/>
               </a:spcBef>
@@ -2335,11 +2939,11 @@
 </file>
 
 <file path=ppt/slideLayouts/slideLayout11.xml><?xml version="1.0" encoding="utf-8"?>
-<p:sldLayout xmlns:a="http://schemas.openxmlformats.org/drawingml/2006/main" xmlns:r="http://schemas.openxmlformats.org/officeDocument/2006/relationships" xmlns:p="http://schemas.openxmlformats.org/presentationml/2006/main" matchingName="Blank" type="blank">
+<p:sldLayout xmlns:a="http://schemas.openxmlformats.org/drawingml/2006/main" xmlns:r="http://schemas.openxmlformats.org/officeDocument/2006/relationships" xmlns:mc="http://schemas.openxmlformats.org/markup-compatibility/2006" xmlns:mv="urn:schemas-microsoft-com:mac:vml" xmlns:p="http://schemas.openxmlformats.org/presentationml/2006/main" xmlns:c="http://schemas.openxmlformats.org/drawingml/2006/chart" xmlns:dgm="http://schemas.openxmlformats.org/drawingml/2006/diagram" xmlns:o="urn:schemas-microsoft-com:office:office" xmlns:v="urn:schemas-microsoft-com:vml" xmlns:pvml="urn:schemas-microsoft-com:office:powerpoint" xmlns:com="http://schemas.openxmlformats.org/drawingml/2006/compatibility" xmlns:p14="http://schemas.microsoft.com/office/powerpoint/2010/main" xmlns:p15="http://schemas.microsoft.com/office/powerpoint/2012/main" xmlns:ahyp="http://schemas.microsoft.com/office/drawing/2018/hyperlinkcolor" matchingName="Blank" type="blank">
   <p:cSld name="BLANK">
     <p:spTree>
       <p:nvGrpSpPr>
-        <p:cNvPr id="1" name="Shape 53"/>
+        <p:cNvPr id="53" name="Shape 53"/>
         <p:cNvGrpSpPr/>
         <p:nvPr/>
       </p:nvGrpSpPr>
@@ -2354,11 +2958,9 @@
       <p:sp>
         <p:nvSpPr>
           <p:cNvPr id="54" name="Google Shape;54;p12"/>
-          <p:cNvSpPr txBox="1">
-            <a:spLocks noGrp="1"/>
-          </p:cNvSpPr>
+          <p:cNvSpPr txBox="1"/>
           <p:nvPr>
-            <p:ph type="sldNum" idx="12"/>
+            <p:ph idx="12" type="sldNum"/>
           </p:nvPr>
         </p:nvSpPr>
         <p:spPr>
@@ -2371,7 +2973,7 @@
           </a:prstGeom>
         </p:spPr>
         <p:txBody>
-          <a:bodyPr spcFirstLastPara="1" wrap="square" lIns="91425" tIns="91425" rIns="91425" bIns="91425" anchor="ctr" anchorCtr="0">
+          <a:bodyPr anchorCtr="0" anchor="ctr" bIns="91425" lIns="91425" spcFirstLastPara="1" rIns="91425" wrap="square" tIns="91425">
             <a:normAutofit/>
           </a:bodyPr>
           <a:lstStyle>
@@ -2413,7 +3015,7 @@
             </a:lvl9pPr>
           </a:lstStyle>
           <a:p>
-            <a:pPr marL="0" lvl="0" indent="0" algn="r" rtl="0">
+            <a:pPr indent="0" lvl="0" marL="0" rtl="0" algn="r">
               <a:spcBef>
                 <a:spcPts val="0"/>
               </a:spcBef>
@@ -2439,11 +3041,11 @@
 </file>
 
 <file path=ppt/slideLayouts/slideLayout2.xml><?xml version="1.0" encoding="utf-8"?>
-<p:sldLayout xmlns:a="http://schemas.openxmlformats.org/drawingml/2006/main" xmlns:r="http://schemas.openxmlformats.org/officeDocument/2006/relationships" xmlns:p="http://schemas.openxmlformats.org/presentationml/2006/main" matchingName="Section header" type="secHead">
+<p:sldLayout xmlns:a="http://schemas.openxmlformats.org/drawingml/2006/main" xmlns:r="http://schemas.openxmlformats.org/officeDocument/2006/relationships" xmlns:mc="http://schemas.openxmlformats.org/markup-compatibility/2006" xmlns:mv="urn:schemas-microsoft-com:mac:vml" xmlns:p="http://schemas.openxmlformats.org/presentationml/2006/main" xmlns:c="http://schemas.openxmlformats.org/drawingml/2006/chart" xmlns:dgm="http://schemas.openxmlformats.org/drawingml/2006/diagram" xmlns:o="urn:schemas-microsoft-com:office:office" xmlns:v="urn:schemas-microsoft-com:vml" xmlns:pvml="urn:schemas-microsoft-com:office:powerpoint" xmlns:com="http://schemas.openxmlformats.org/drawingml/2006/compatibility" xmlns:p14="http://schemas.microsoft.com/office/powerpoint/2010/main" xmlns:p15="http://schemas.microsoft.com/office/powerpoint/2012/main" xmlns:ahyp="http://schemas.microsoft.com/office/drawing/2018/hyperlinkcolor" matchingName="Section header" type="secHead">
   <p:cSld name="SECTION_HEADER">
     <p:spTree>
       <p:nvGrpSpPr>
-        <p:cNvPr id="1" name="Shape 17"/>
+        <p:cNvPr id="17" name="Shape 17"/>
         <p:cNvGrpSpPr/>
         <p:nvPr/>
       </p:nvGrpSpPr>
@@ -2458,9 +3060,7 @@
       <p:sp>
         <p:nvSpPr>
           <p:cNvPr id="18" name="Google Shape;18;p3"/>
-          <p:cNvSpPr txBox="1">
-            <a:spLocks noGrp="1"/>
-          </p:cNvSpPr>
+          <p:cNvSpPr txBox="1"/>
           <p:nvPr>
             <p:ph type="title"/>
           </p:nvPr>
@@ -2475,7 +3075,7 @@
           </a:prstGeom>
         </p:spPr>
         <p:txBody>
-          <a:bodyPr spcFirstLastPara="1" wrap="square" lIns="91425" tIns="91425" rIns="91425" bIns="91425" anchor="ctr" anchorCtr="0">
+          <a:bodyPr anchorCtr="0" anchor="ctr" bIns="91425" lIns="91425" spcFirstLastPara="1" rIns="91425" wrap="square" tIns="91425">
             <a:normAutofit/>
           </a:bodyPr>
           <a:lstStyle>
@@ -2579,19 +3179,15 @@
               <a:defRPr sz="3600"/>
             </a:lvl9pPr>
           </a:lstStyle>
-          <a:p>
-            <a:endParaRPr/>
-          </a:p>
+          <a:p/>
         </p:txBody>
       </p:sp>
       <p:sp>
         <p:nvSpPr>
           <p:cNvPr id="19" name="Google Shape;19;p3"/>
-          <p:cNvSpPr txBox="1">
-            <a:spLocks noGrp="1"/>
-          </p:cNvSpPr>
+          <p:cNvSpPr txBox="1"/>
           <p:nvPr>
-            <p:ph type="sldNum" idx="12"/>
+            <p:ph idx="12" type="sldNum"/>
           </p:nvPr>
         </p:nvSpPr>
         <p:spPr>
@@ -2604,7 +3200,7 @@
           </a:prstGeom>
         </p:spPr>
         <p:txBody>
-          <a:bodyPr spcFirstLastPara="1" wrap="square" lIns="91425" tIns="91425" rIns="91425" bIns="91425" anchor="ctr" anchorCtr="0">
+          <a:bodyPr anchorCtr="0" anchor="ctr" bIns="91425" lIns="91425" spcFirstLastPara="1" rIns="91425" wrap="square" tIns="91425">
             <a:normAutofit/>
           </a:bodyPr>
           <a:lstStyle>
@@ -2646,7 +3242,7 @@
             </a:lvl9pPr>
           </a:lstStyle>
           <a:p>
-            <a:pPr marL="0" lvl="0" indent="0" algn="r" rtl="0">
+            <a:pPr indent="0" lvl="0" marL="0" rtl="0" algn="r">
               <a:spcBef>
                 <a:spcPts val="0"/>
               </a:spcBef>
@@ -2672,11 +3268,11 @@
 </file>
 
 <file path=ppt/slideLayouts/slideLayout3.xml><?xml version="1.0" encoding="utf-8"?>
-<p:sldLayout xmlns:a="http://schemas.openxmlformats.org/drawingml/2006/main" xmlns:r="http://schemas.openxmlformats.org/officeDocument/2006/relationships" xmlns:p="http://schemas.openxmlformats.org/presentationml/2006/main" matchingName="Title and body" type="tx">
+<p:sldLayout xmlns:a="http://schemas.openxmlformats.org/drawingml/2006/main" xmlns:r="http://schemas.openxmlformats.org/officeDocument/2006/relationships" xmlns:mc="http://schemas.openxmlformats.org/markup-compatibility/2006" xmlns:mv="urn:schemas-microsoft-com:mac:vml" xmlns:p="http://schemas.openxmlformats.org/presentationml/2006/main" xmlns:c="http://schemas.openxmlformats.org/drawingml/2006/chart" xmlns:dgm="http://schemas.openxmlformats.org/drawingml/2006/diagram" xmlns:o="urn:schemas-microsoft-com:office:office" xmlns:v="urn:schemas-microsoft-com:vml" xmlns:pvml="urn:schemas-microsoft-com:office:powerpoint" xmlns:com="http://schemas.openxmlformats.org/drawingml/2006/compatibility" xmlns:p14="http://schemas.microsoft.com/office/powerpoint/2010/main" xmlns:p15="http://schemas.microsoft.com/office/powerpoint/2012/main" xmlns:ahyp="http://schemas.microsoft.com/office/drawing/2018/hyperlinkcolor" matchingName="Title and body" type="tx">
   <p:cSld name="TITLE_AND_BODY">
     <p:spTree>
       <p:nvGrpSpPr>
-        <p:cNvPr id="1" name="Shape 20"/>
+        <p:cNvPr id="20" name="Shape 20"/>
         <p:cNvGrpSpPr/>
         <p:nvPr/>
       </p:nvGrpSpPr>
@@ -2691,9 +3287,7 @@
       <p:sp>
         <p:nvSpPr>
           <p:cNvPr id="21" name="Google Shape;21;p4"/>
-          <p:cNvSpPr txBox="1">
-            <a:spLocks noGrp="1"/>
-          </p:cNvSpPr>
+          <p:cNvSpPr txBox="1"/>
           <p:nvPr>
             <p:ph type="title"/>
           </p:nvPr>
@@ -2708,7 +3302,7 @@
           </a:prstGeom>
         </p:spPr>
         <p:txBody>
-          <a:bodyPr spcFirstLastPara="1" wrap="square" lIns="91425" tIns="91425" rIns="91425" bIns="91425" anchor="t" anchorCtr="0">
+          <a:bodyPr anchorCtr="0" anchor="t" bIns="91425" lIns="91425" spcFirstLastPara="1" rIns="91425" wrap="square" tIns="91425">
             <a:normAutofit/>
           </a:bodyPr>
           <a:lstStyle>
@@ -2812,19 +3406,15 @@
               <a:defRPr/>
             </a:lvl9pPr>
           </a:lstStyle>
-          <a:p>
-            <a:endParaRPr/>
-          </a:p>
+          <a:p/>
         </p:txBody>
       </p:sp>
       <p:sp>
         <p:nvSpPr>
           <p:cNvPr id="22" name="Google Shape;22;p4"/>
-          <p:cNvSpPr txBox="1">
-            <a:spLocks noGrp="1"/>
-          </p:cNvSpPr>
+          <p:cNvSpPr txBox="1"/>
           <p:nvPr>
-            <p:ph type="body" idx="1"/>
+            <p:ph idx="1" type="body"/>
           </p:nvPr>
         </p:nvSpPr>
         <p:spPr>
@@ -2837,11 +3427,11 @@
           </a:prstGeom>
         </p:spPr>
         <p:txBody>
-          <a:bodyPr spcFirstLastPara="1" wrap="square" lIns="91425" tIns="91425" rIns="91425" bIns="91425" anchor="t" anchorCtr="0">
+          <a:bodyPr anchorCtr="0" anchor="t" bIns="91425" lIns="91425" spcFirstLastPara="1" rIns="91425" wrap="square" tIns="91425">
             <a:normAutofit/>
           </a:bodyPr>
           <a:lstStyle>
-            <a:lvl1pPr marL="457200" lvl="0" indent="-342900">
+            <a:lvl1pPr indent="-342900" lvl="0" marL="457200">
               <a:spcBef>
                 <a:spcPts val="0"/>
               </a:spcBef>
@@ -2852,7 +3442,7 @@
               <a:buChar char="●"/>
               <a:defRPr/>
             </a:lvl1pPr>
-            <a:lvl2pPr marL="914400" lvl="1" indent="-317500">
+            <a:lvl2pPr indent="-317500" lvl="1" marL="914400">
               <a:spcBef>
                 <a:spcPts val="0"/>
               </a:spcBef>
@@ -2863,7 +3453,7 @@
               <a:buChar char="○"/>
               <a:defRPr/>
             </a:lvl2pPr>
-            <a:lvl3pPr marL="1371600" lvl="2" indent="-317500">
+            <a:lvl3pPr indent="-317500" lvl="2" marL="1371600">
               <a:spcBef>
                 <a:spcPts val="0"/>
               </a:spcBef>
@@ -2874,7 +3464,7 @@
               <a:buChar char="■"/>
               <a:defRPr/>
             </a:lvl3pPr>
-            <a:lvl4pPr marL="1828800" lvl="3" indent="-317500">
+            <a:lvl4pPr indent="-317500" lvl="3" marL="1828800">
               <a:spcBef>
                 <a:spcPts val="0"/>
               </a:spcBef>
@@ -2885,7 +3475,7 @@
               <a:buChar char="●"/>
               <a:defRPr/>
             </a:lvl4pPr>
-            <a:lvl5pPr marL="2286000" lvl="4" indent="-317500">
+            <a:lvl5pPr indent="-317500" lvl="4" marL="2286000">
               <a:spcBef>
                 <a:spcPts val="0"/>
               </a:spcBef>
@@ -2896,7 +3486,7 @@
               <a:buChar char="○"/>
               <a:defRPr/>
             </a:lvl5pPr>
-            <a:lvl6pPr marL="2743200" lvl="5" indent="-317500">
+            <a:lvl6pPr indent="-317500" lvl="5" marL="2743200">
               <a:spcBef>
                 <a:spcPts val="0"/>
               </a:spcBef>
@@ -2907,7 +3497,7 @@
               <a:buChar char="■"/>
               <a:defRPr/>
             </a:lvl6pPr>
-            <a:lvl7pPr marL="3200400" lvl="6" indent="-317500">
+            <a:lvl7pPr indent="-317500" lvl="6" marL="3200400">
               <a:spcBef>
                 <a:spcPts val="0"/>
               </a:spcBef>
@@ -2918,7 +3508,7 @@
               <a:buChar char="●"/>
               <a:defRPr/>
             </a:lvl7pPr>
-            <a:lvl8pPr marL="3657600" lvl="7" indent="-317500">
+            <a:lvl8pPr indent="-317500" lvl="7" marL="3657600">
               <a:spcBef>
                 <a:spcPts val="0"/>
               </a:spcBef>
@@ -2929,7 +3519,7 @@
               <a:buChar char="○"/>
               <a:defRPr/>
             </a:lvl8pPr>
-            <a:lvl9pPr marL="4114800" lvl="8" indent="-317500">
+            <a:lvl9pPr indent="-317500" lvl="8" marL="4114800">
               <a:spcBef>
                 <a:spcPts val="0"/>
               </a:spcBef>
@@ -2941,19 +3531,15 @@
               <a:defRPr/>
             </a:lvl9pPr>
           </a:lstStyle>
-          <a:p>
-            <a:endParaRPr/>
-          </a:p>
+          <a:p/>
         </p:txBody>
       </p:sp>
       <p:sp>
         <p:nvSpPr>
           <p:cNvPr id="23" name="Google Shape;23;p4"/>
-          <p:cNvSpPr txBox="1">
-            <a:spLocks noGrp="1"/>
-          </p:cNvSpPr>
+          <p:cNvSpPr txBox="1"/>
           <p:nvPr>
-            <p:ph type="sldNum" idx="12"/>
+            <p:ph idx="12" type="sldNum"/>
           </p:nvPr>
         </p:nvSpPr>
         <p:spPr>
@@ -2966,7 +3552,7 @@
           </a:prstGeom>
         </p:spPr>
         <p:txBody>
-          <a:bodyPr spcFirstLastPara="1" wrap="square" lIns="91425" tIns="91425" rIns="91425" bIns="91425" anchor="ctr" anchorCtr="0">
+          <a:bodyPr anchorCtr="0" anchor="ctr" bIns="91425" lIns="91425" spcFirstLastPara="1" rIns="91425" wrap="square" tIns="91425">
             <a:normAutofit/>
           </a:bodyPr>
           <a:lstStyle>
@@ -3008,7 +3594,7 @@
             </a:lvl9pPr>
           </a:lstStyle>
           <a:p>
-            <a:pPr marL="0" lvl="0" indent="0" algn="r" rtl="0">
+            <a:pPr indent="0" lvl="0" marL="0" rtl="0" algn="r">
               <a:spcBef>
                 <a:spcPts val="0"/>
               </a:spcBef>
@@ -3034,11 +3620,11 @@
 </file>
 
 <file path=ppt/slideLayouts/slideLayout4.xml><?xml version="1.0" encoding="utf-8"?>
-<p:sldLayout xmlns:a="http://schemas.openxmlformats.org/drawingml/2006/main" xmlns:r="http://schemas.openxmlformats.org/officeDocument/2006/relationships" xmlns:p="http://schemas.openxmlformats.org/presentationml/2006/main" matchingName="Title and two columns" type="twoColTx">
+<p:sldLayout xmlns:a="http://schemas.openxmlformats.org/drawingml/2006/main" xmlns:r="http://schemas.openxmlformats.org/officeDocument/2006/relationships" xmlns:mc="http://schemas.openxmlformats.org/markup-compatibility/2006" xmlns:mv="urn:schemas-microsoft-com:mac:vml" xmlns:p="http://schemas.openxmlformats.org/presentationml/2006/main" xmlns:c="http://schemas.openxmlformats.org/drawingml/2006/chart" xmlns:dgm="http://schemas.openxmlformats.org/drawingml/2006/diagram" xmlns:o="urn:schemas-microsoft-com:office:office" xmlns:v="urn:schemas-microsoft-com:vml" xmlns:pvml="urn:schemas-microsoft-com:office:powerpoint" xmlns:com="http://schemas.openxmlformats.org/drawingml/2006/compatibility" xmlns:p14="http://schemas.microsoft.com/office/powerpoint/2010/main" xmlns:p15="http://schemas.microsoft.com/office/powerpoint/2012/main" xmlns:ahyp="http://schemas.microsoft.com/office/drawing/2018/hyperlinkcolor" matchingName="Title and two columns" type="twoColTx">
   <p:cSld name="TITLE_AND_TWO_COLUMNS">
     <p:spTree>
       <p:nvGrpSpPr>
-        <p:cNvPr id="1" name="Shape 24"/>
+        <p:cNvPr id="24" name="Shape 24"/>
         <p:cNvGrpSpPr/>
         <p:nvPr/>
       </p:nvGrpSpPr>
@@ -3053,9 +3639,7 @@
       <p:sp>
         <p:nvSpPr>
           <p:cNvPr id="25" name="Google Shape;25;p5"/>
-          <p:cNvSpPr txBox="1">
-            <a:spLocks noGrp="1"/>
-          </p:cNvSpPr>
+          <p:cNvSpPr txBox="1"/>
           <p:nvPr>
             <p:ph type="title"/>
           </p:nvPr>
@@ -3070,7 +3654,7 @@
           </a:prstGeom>
         </p:spPr>
         <p:txBody>
-          <a:bodyPr spcFirstLastPara="1" wrap="square" lIns="91425" tIns="91425" rIns="91425" bIns="91425" anchor="t" anchorCtr="0">
+          <a:bodyPr anchorCtr="0" anchor="t" bIns="91425" lIns="91425" spcFirstLastPara="1" rIns="91425" wrap="square" tIns="91425">
             <a:normAutofit/>
           </a:bodyPr>
           <a:lstStyle>
@@ -3174,19 +3758,15 @@
               <a:defRPr/>
             </a:lvl9pPr>
           </a:lstStyle>
-          <a:p>
-            <a:endParaRPr/>
-          </a:p>
+          <a:p/>
         </p:txBody>
       </p:sp>
       <p:sp>
         <p:nvSpPr>
           <p:cNvPr id="26" name="Google Shape;26;p5"/>
-          <p:cNvSpPr txBox="1">
-            <a:spLocks noGrp="1"/>
-          </p:cNvSpPr>
+          <p:cNvSpPr txBox="1"/>
           <p:nvPr>
-            <p:ph type="body" idx="1"/>
+            <p:ph idx="1" type="body"/>
           </p:nvPr>
         </p:nvSpPr>
         <p:spPr>
@@ -3199,11 +3779,11 @@
           </a:prstGeom>
         </p:spPr>
         <p:txBody>
-          <a:bodyPr spcFirstLastPara="1" wrap="square" lIns="91425" tIns="91425" rIns="91425" bIns="91425" anchor="t" anchorCtr="0">
+          <a:bodyPr anchorCtr="0" anchor="t" bIns="91425" lIns="91425" spcFirstLastPara="1" rIns="91425" wrap="square" tIns="91425">
             <a:normAutofit/>
           </a:bodyPr>
           <a:lstStyle>
-            <a:lvl1pPr marL="457200" lvl="0" indent="-317500">
+            <a:lvl1pPr indent="-317500" lvl="0" marL="457200">
               <a:spcBef>
                 <a:spcPts val="0"/>
               </a:spcBef>
@@ -3214,7 +3794,7 @@
               <a:buChar char="●"/>
               <a:defRPr sz="1400"/>
             </a:lvl1pPr>
-            <a:lvl2pPr marL="914400" lvl="1" indent="-304800">
+            <a:lvl2pPr indent="-304800" lvl="1" marL="914400">
               <a:spcBef>
                 <a:spcPts val="0"/>
               </a:spcBef>
@@ -3225,7 +3805,7 @@
               <a:buChar char="○"/>
               <a:defRPr sz="1200"/>
             </a:lvl2pPr>
-            <a:lvl3pPr marL="1371600" lvl="2" indent="-304800">
+            <a:lvl3pPr indent="-304800" lvl="2" marL="1371600">
               <a:spcBef>
                 <a:spcPts val="0"/>
               </a:spcBef>
@@ -3236,7 +3816,7 @@
               <a:buChar char="■"/>
               <a:defRPr sz="1200"/>
             </a:lvl3pPr>
-            <a:lvl4pPr marL="1828800" lvl="3" indent="-304800">
+            <a:lvl4pPr indent="-304800" lvl="3" marL="1828800">
               <a:spcBef>
                 <a:spcPts val="0"/>
               </a:spcBef>
@@ -3247,7 +3827,7 @@
               <a:buChar char="●"/>
               <a:defRPr sz="1200"/>
             </a:lvl4pPr>
-            <a:lvl5pPr marL="2286000" lvl="4" indent="-304800">
+            <a:lvl5pPr indent="-304800" lvl="4" marL="2286000">
               <a:spcBef>
                 <a:spcPts val="0"/>
               </a:spcBef>
@@ -3258,7 +3838,7 @@
               <a:buChar char="○"/>
               <a:defRPr sz="1200"/>
             </a:lvl5pPr>
-            <a:lvl6pPr marL="2743200" lvl="5" indent="-304800">
+            <a:lvl6pPr indent="-304800" lvl="5" marL="2743200">
               <a:spcBef>
                 <a:spcPts val="0"/>
               </a:spcBef>
@@ -3269,7 +3849,7 @@
               <a:buChar char="■"/>
               <a:defRPr sz="1200"/>
             </a:lvl6pPr>
-            <a:lvl7pPr marL="3200400" lvl="6" indent="-304800">
+            <a:lvl7pPr indent="-304800" lvl="6" marL="3200400">
               <a:spcBef>
                 <a:spcPts val="0"/>
               </a:spcBef>
@@ -3280,7 +3860,7 @@
               <a:buChar char="●"/>
               <a:defRPr sz="1200"/>
             </a:lvl7pPr>
-            <a:lvl8pPr marL="3657600" lvl="7" indent="-304800">
+            <a:lvl8pPr indent="-304800" lvl="7" marL="3657600">
               <a:spcBef>
                 <a:spcPts val="0"/>
               </a:spcBef>
@@ -3291,7 +3871,7 @@
               <a:buChar char="○"/>
               <a:defRPr sz="1200"/>
             </a:lvl8pPr>
-            <a:lvl9pPr marL="4114800" lvl="8" indent="-304800">
+            <a:lvl9pPr indent="-304800" lvl="8" marL="4114800">
               <a:spcBef>
                 <a:spcPts val="0"/>
               </a:spcBef>
@@ -3303,19 +3883,15 @@
               <a:defRPr sz="1200"/>
             </a:lvl9pPr>
           </a:lstStyle>
-          <a:p>
-            <a:endParaRPr/>
-          </a:p>
+          <a:p/>
         </p:txBody>
       </p:sp>
       <p:sp>
         <p:nvSpPr>
           <p:cNvPr id="27" name="Google Shape;27;p5"/>
-          <p:cNvSpPr txBox="1">
-            <a:spLocks noGrp="1"/>
-          </p:cNvSpPr>
+          <p:cNvSpPr txBox="1"/>
           <p:nvPr>
-            <p:ph type="body" idx="2"/>
+            <p:ph idx="2" type="body"/>
           </p:nvPr>
         </p:nvSpPr>
         <p:spPr>
@@ -3328,11 +3904,11 @@
           </a:prstGeom>
         </p:spPr>
         <p:txBody>
-          <a:bodyPr spcFirstLastPara="1" wrap="square" lIns="91425" tIns="91425" rIns="91425" bIns="91425" anchor="t" anchorCtr="0">
+          <a:bodyPr anchorCtr="0" anchor="t" bIns="91425" lIns="91425" spcFirstLastPara="1" rIns="91425" wrap="square" tIns="91425">
             <a:normAutofit/>
           </a:bodyPr>
           <a:lstStyle>
-            <a:lvl1pPr marL="457200" lvl="0" indent="-317500">
+            <a:lvl1pPr indent="-317500" lvl="0" marL="457200">
               <a:spcBef>
                 <a:spcPts val="0"/>
               </a:spcBef>
@@ -3343,7 +3919,7 @@
               <a:buChar char="●"/>
               <a:defRPr sz="1400"/>
             </a:lvl1pPr>
-            <a:lvl2pPr marL="914400" lvl="1" indent="-304800">
+            <a:lvl2pPr indent="-304800" lvl="1" marL="914400">
               <a:spcBef>
                 <a:spcPts val="0"/>
               </a:spcBef>
@@ -3354,7 +3930,7 @@
               <a:buChar char="○"/>
               <a:defRPr sz="1200"/>
             </a:lvl2pPr>
-            <a:lvl3pPr marL="1371600" lvl="2" indent="-304800">
+            <a:lvl3pPr indent="-304800" lvl="2" marL="1371600">
               <a:spcBef>
                 <a:spcPts val="0"/>
               </a:spcBef>
@@ -3365,7 +3941,7 @@
               <a:buChar char="■"/>
               <a:defRPr sz="1200"/>
             </a:lvl3pPr>
-            <a:lvl4pPr marL="1828800" lvl="3" indent="-304800">
+            <a:lvl4pPr indent="-304800" lvl="3" marL="1828800">
               <a:spcBef>
                 <a:spcPts val="0"/>
               </a:spcBef>
@@ -3376,7 +3952,7 @@
               <a:buChar char="●"/>
               <a:defRPr sz="1200"/>
             </a:lvl4pPr>
-            <a:lvl5pPr marL="2286000" lvl="4" indent="-304800">
+            <a:lvl5pPr indent="-304800" lvl="4" marL="2286000">
               <a:spcBef>
                 <a:spcPts val="0"/>
               </a:spcBef>
@@ -3387,7 +3963,7 @@
               <a:buChar char="○"/>
               <a:defRPr sz="1200"/>
             </a:lvl5pPr>
-            <a:lvl6pPr marL="2743200" lvl="5" indent="-304800">
+            <a:lvl6pPr indent="-304800" lvl="5" marL="2743200">
               <a:spcBef>
                 <a:spcPts val="0"/>
               </a:spcBef>
@@ -3398,7 +3974,7 @@
               <a:buChar char="■"/>
               <a:defRPr sz="1200"/>
             </a:lvl6pPr>
-            <a:lvl7pPr marL="3200400" lvl="6" indent="-304800">
+            <a:lvl7pPr indent="-304800" lvl="6" marL="3200400">
               <a:spcBef>
                 <a:spcPts val="0"/>
               </a:spcBef>
@@ -3409,7 +3985,7 @@
               <a:buChar char="●"/>
               <a:defRPr sz="1200"/>
             </a:lvl7pPr>
-            <a:lvl8pPr marL="3657600" lvl="7" indent="-304800">
+            <a:lvl8pPr indent="-304800" lvl="7" marL="3657600">
               <a:spcBef>
                 <a:spcPts val="0"/>
               </a:spcBef>
@@ -3420,7 +3996,7 @@
               <a:buChar char="○"/>
               <a:defRPr sz="1200"/>
             </a:lvl8pPr>
-            <a:lvl9pPr marL="4114800" lvl="8" indent="-304800">
+            <a:lvl9pPr indent="-304800" lvl="8" marL="4114800">
               <a:spcBef>
                 <a:spcPts val="0"/>
               </a:spcBef>
@@ -3432,19 +4008,15 @@
               <a:defRPr sz="1200"/>
             </a:lvl9pPr>
           </a:lstStyle>
-          <a:p>
-            <a:endParaRPr/>
-          </a:p>
+          <a:p/>
         </p:txBody>
       </p:sp>
       <p:sp>
         <p:nvSpPr>
           <p:cNvPr id="28" name="Google Shape;28;p5"/>
-          <p:cNvSpPr txBox="1">
-            <a:spLocks noGrp="1"/>
-          </p:cNvSpPr>
+          <p:cNvSpPr txBox="1"/>
           <p:nvPr>
-            <p:ph type="sldNum" idx="12"/>
+            <p:ph idx="12" type="sldNum"/>
           </p:nvPr>
         </p:nvSpPr>
         <p:spPr>
@@ -3457,7 +4029,7 @@
           </a:prstGeom>
         </p:spPr>
         <p:txBody>
-          <a:bodyPr spcFirstLastPara="1" wrap="square" lIns="91425" tIns="91425" rIns="91425" bIns="91425" anchor="ctr" anchorCtr="0">
+          <a:bodyPr anchorCtr="0" anchor="ctr" bIns="91425" lIns="91425" spcFirstLastPara="1" rIns="91425" wrap="square" tIns="91425">
             <a:normAutofit/>
           </a:bodyPr>
           <a:lstStyle>
@@ -3499,7 +4071,7 @@
             </a:lvl9pPr>
           </a:lstStyle>
           <a:p>
-            <a:pPr marL="0" lvl="0" indent="0" algn="r" rtl="0">
+            <a:pPr indent="0" lvl="0" marL="0" rtl="0" algn="r">
               <a:spcBef>
                 <a:spcPts val="0"/>
               </a:spcBef>
@@ -3525,11 +4097,11 @@
 </file>
 
 <file path=ppt/slideLayouts/slideLayout5.xml><?xml version="1.0" encoding="utf-8"?>
-<p:sldLayout xmlns:a="http://schemas.openxmlformats.org/drawingml/2006/main" xmlns:r="http://schemas.openxmlformats.org/officeDocument/2006/relationships" xmlns:p="http://schemas.openxmlformats.org/presentationml/2006/main" matchingName="Title only" type="titleOnly">
+<p:sldLayout xmlns:a="http://schemas.openxmlformats.org/drawingml/2006/main" xmlns:r="http://schemas.openxmlformats.org/officeDocument/2006/relationships" xmlns:mc="http://schemas.openxmlformats.org/markup-compatibility/2006" xmlns:mv="urn:schemas-microsoft-com:mac:vml" xmlns:p="http://schemas.openxmlformats.org/presentationml/2006/main" xmlns:c="http://schemas.openxmlformats.org/drawingml/2006/chart" xmlns:dgm="http://schemas.openxmlformats.org/drawingml/2006/diagram" xmlns:o="urn:schemas-microsoft-com:office:office" xmlns:v="urn:schemas-microsoft-com:vml" xmlns:pvml="urn:schemas-microsoft-com:office:powerpoint" xmlns:com="http://schemas.openxmlformats.org/drawingml/2006/compatibility" xmlns:p14="http://schemas.microsoft.com/office/powerpoint/2010/main" xmlns:p15="http://schemas.microsoft.com/office/powerpoint/2012/main" xmlns:ahyp="http://schemas.microsoft.com/office/drawing/2018/hyperlinkcolor" matchingName="Title only" type="titleOnly">
   <p:cSld name="TITLE_ONLY">
     <p:spTree>
       <p:nvGrpSpPr>
-        <p:cNvPr id="1" name="Shape 29"/>
+        <p:cNvPr id="29" name="Shape 29"/>
         <p:cNvGrpSpPr/>
         <p:nvPr/>
       </p:nvGrpSpPr>
@@ -3544,9 +4116,7 @@
       <p:sp>
         <p:nvSpPr>
           <p:cNvPr id="30" name="Google Shape;30;p6"/>
-          <p:cNvSpPr txBox="1">
-            <a:spLocks noGrp="1"/>
-          </p:cNvSpPr>
+          <p:cNvSpPr txBox="1"/>
           <p:nvPr>
             <p:ph type="title"/>
           </p:nvPr>
@@ -3561,7 +4131,7 @@
           </a:prstGeom>
         </p:spPr>
         <p:txBody>
-          <a:bodyPr spcFirstLastPara="1" wrap="square" lIns="91425" tIns="91425" rIns="91425" bIns="91425" anchor="t" anchorCtr="0">
+          <a:bodyPr anchorCtr="0" anchor="t" bIns="91425" lIns="91425" spcFirstLastPara="1" rIns="91425" wrap="square" tIns="91425">
             <a:normAutofit/>
           </a:bodyPr>
           <a:lstStyle>
@@ -3665,19 +4235,15 @@
               <a:defRPr/>
             </a:lvl9pPr>
           </a:lstStyle>
-          <a:p>
-            <a:endParaRPr/>
-          </a:p>
+          <a:p/>
         </p:txBody>
       </p:sp>
       <p:sp>
         <p:nvSpPr>
           <p:cNvPr id="31" name="Google Shape;31;p6"/>
-          <p:cNvSpPr txBox="1">
-            <a:spLocks noGrp="1"/>
-          </p:cNvSpPr>
+          <p:cNvSpPr txBox="1"/>
           <p:nvPr>
-            <p:ph type="sldNum" idx="12"/>
+            <p:ph idx="12" type="sldNum"/>
           </p:nvPr>
         </p:nvSpPr>
         <p:spPr>
@@ -3690,7 +4256,7 @@
           </a:prstGeom>
         </p:spPr>
         <p:txBody>
-          <a:bodyPr spcFirstLastPara="1" wrap="square" lIns="91425" tIns="91425" rIns="91425" bIns="91425" anchor="ctr" anchorCtr="0">
+          <a:bodyPr anchorCtr="0" anchor="ctr" bIns="91425" lIns="91425" spcFirstLastPara="1" rIns="91425" wrap="square" tIns="91425">
             <a:normAutofit/>
           </a:bodyPr>
           <a:lstStyle>
@@ -3732,7 +4298,7 @@
             </a:lvl9pPr>
           </a:lstStyle>
           <a:p>
-            <a:pPr marL="0" lvl="0" indent="0" algn="r" rtl="0">
+            <a:pPr indent="0" lvl="0" marL="0" rtl="0" algn="r">
               <a:spcBef>
                 <a:spcPts val="0"/>
               </a:spcBef>
@@ -3758,11 +4324,11 @@
 </file>
 
 <file path=ppt/slideLayouts/slideLayout6.xml><?xml version="1.0" encoding="utf-8"?>
-<p:sldLayout xmlns:a="http://schemas.openxmlformats.org/drawingml/2006/main" xmlns:r="http://schemas.openxmlformats.org/officeDocument/2006/relationships" xmlns:p="http://schemas.openxmlformats.org/presentationml/2006/main" matchingName="One column text">
+<p:sldLayout xmlns:a="http://schemas.openxmlformats.org/drawingml/2006/main" xmlns:r="http://schemas.openxmlformats.org/officeDocument/2006/relationships" xmlns:mc="http://schemas.openxmlformats.org/markup-compatibility/2006" xmlns:mv="urn:schemas-microsoft-com:mac:vml" xmlns:p="http://schemas.openxmlformats.org/presentationml/2006/main" xmlns:c="http://schemas.openxmlformats.org/drawingml/2006/chart" xmlns:dgm="http://schemas.openxmlformats.org/drawingml/2006/diagram" xmlns:o="urn:schemas-microsoft-com:office:office" xmlns:v="urn:schemas-microsoft-com:vml" xmlns:pvml="urn:schemas-microsoft-com:office:powerpoint" xmlns:com="http://schemas.openxmlformats.org/drawingml/2006/compatibility" xmlns:p14="http://schemas.microsoft.com/office/powerpoint/2010/main" xmlns:p15="http://schemas.microsoft.com/office/powerpoint/2012/main" xmlns:ahyp="http://schemas.microsoft.com/office/drawing/2018/hyperlinkcolor" matchingName="One column text">
   <p:cSld name="ONE_COLUMN_TEXT">
     <p:spTree>
       <p:nvGrpSpPr>
-        <p:cNvPr id="1" name="Shape 32"/>
+        <p:cNvPr id="32" name="Shape 32"/>
         <p:cNvGrpSpPr/>
         <p:nvPr/>
       </p:nvGrpSpPr>
@@ -3777,9 +4343,7 @@
       <p:sp>
         <p:nvSpPr>
           <p:cNvPr id="33" name="Google Shape;33;p7"/>
-          <p:cNvSpPr txBox="1">
-            <a:spLocks noGrp="1"/>
-          </p:cNvSpPr>
+          <p:cNvSpPr txBox="1"/>
           <p:nvPr>
             <p:ph type="title"/>
           </p:nvPr>
@@ -3794,7 +4358,7 @@
           </a:prstGeom>
         </p:spPr>
         <p:txBody>
-          <a:bodyPr spcFirstLastPara="1" wrap="square" lIns="91425" tIns="91425" rIns="91425" bIns="91425" anchor="b" anchorCtr="0">
+          <a:bodyPr anchorCtr="0" anchor="b" bIns="91425" lIns="91425" spcFirstLastPara="1" rIns="91425" wrap="square" tIns="91425">
             <a:normAutofit/>
           </a:bodyPr>
           <a:lstStyle>
@@ -3898,19 +4462,15 @@
               <a:defRPr sz="2400"/>
             </a:lvl9pPr>
           </a:lstStyle>
-          <a:p>
-            <a:endParaRPr/>
-          </a:p>
+          <a:p/>
         </p:txBody>
       </p:sp>
       <p:sp>
         <p:nvSpPr>
           <p:cNvPr id="34" name="Google Shape;34;p7"/>
-          <p:cNvSpPr txBox="1">
-            <a:spLocks noGrp="1"/>
-          </p:cNvSpPr>
+          <p:cNvSpPr txBox="1"/>
           <p:nvPr>
-            <p:ph type="body" idx="1"/>
+            <p:ph idx="1" type="body"/>
           </p:nvPr>
         </p:nvSpPr>
         <p:spPr>
@@ -3923,11 +4483,11 @@
           </a:prstGeom>
         </p:spPr>
         <p:txBody>
-          <a:bodyPr spcFirstLastPara="1" wrap="square" lIns="91425" tIns="91425" rIns="91425" bIns="91425" anchor="t" anchorCtr="0">
+          <a:bodyPr anchorCtr="0" anchor="t" bIns="91425" lIns="91425" spcFirstLastPara="1" rIns="91425" wrap="square" tIns="91425">
             <a:normAutofit/>
           </a:bodyPr>
           <a:lstStyle>
-            <a:lvl1pPr marL="457200" lvl="0" indent="-304800">
+            <a:lvl1pPr indent="-304800" lvl="0" marL="457200">
               <a:spcBef>
                 <a:spcPts val="0"/>
               </a:spcBef>
@@ -3938,7 +4498,7 @@
               <a:buChar char="●"/>
               <a:defRPr sz="1200"/>
             </a:lvl1pPr>
-            <a:lvl2pPr marL="914400" lvl="1" indent="-304800">
+            <a:lvl2pPr indent="-304800" lvl="1" marL="914400">
               <a:spcBef>
                 <a:spcPts val="0"/>
               </a:spcBef>
@@ -3949,7 +4509,7 @@
               <a:buChar char="○"/>
               <a:defRPr sz="1200"/>
             </a:lvl2pPr>
-            <a:lvl3pPr marL="1371600" lvl="2" indent="-304800">
+            <a:lvl3pPr indent="-304800" lvl="2" marL="1371600">
               <a:spcBef>
                 <a:spcPts val="0"/>
               </a:spcBef>
@@ -3960,7 +4520,7 @@
               <a:buChar char="■"/>
               <a:defRPr sz="1200"/>
             </a:lvl3pPr>
-            <a:lvl4pPr marL="1828800" lvl="3" indent="-304800">
+            <a:lvl4pPr indent="-304800" lvl="3" marL="1828800">
               <a:spcBef>
                 <a:spcPts val="0"/>
               </a:spcBef>
@@ -3971,7 +4531,7 @@
               <a:buChar char="●"/>
               <a:defRPr sz="1200"/>
             </a:lvl4pPr>
-            <a:lvl5pPr marL="2286000" lvl="4" indent="-304800">
+            <a:lvl5pPr indent="-304800" lvl="4" marL="2286000">
               <a:spcBef>
                 <a:spcPts val="0"/>
               </a:spcBef>
@@ -3982,7 +4542,7 @@
               <a:buChar char="○"/>
               <a:defRPr sz="1200"/>
             </a:lvl5pPr>
-            <a:lvl6pPr marL="2743200" lvl="5" indent="-304800">
+            <a:lvl6pPr indent="-304800" lvl="5" marL="2743200">
               <a:spcBef>
                 <a:spcPts val="0"/>
               </a:spcBef>
@@ -3993,7 +4553,7 @@
               <a:buChar char="■"/>
               <a:defRPr sz="1200"/>
             </a:lvl6pPr>
-            <a:lvl7pPr marL="3200400" lvl="6" indent="-304800">
+            <a:lvl7pPr indent="-304800" lvl="6" marL="3200400">
               <a:spcBef>
                 <a:spcPts val="0"/>
               </a:spcBef>
@@ -4004,7 +4564,7 @@
               <a:buChar char="●"/>
               <a:defRPr sz="1200"/>
             </a:lvl7pPr>
-            <a:lvl8pPr marL="3657600" lvl="7" indent="-304800">
+            <a:lvl8pPr indent="-304800" lvl="7" marL="3657600">
               <a:spcBef>
                 <a:spcPts val="0"/>
               </a:spcBef>
@@ -4015,7 +4575,7 @@
               <a:buChar char="○"/>
               <a:defRPr sz="1200"/>
             </a:lvl8pPr>
-            <a:lvl9pPr marL="4114800" lvl="8" indent="-304800">
+            <a:lvl9pPr indent="-304800" lvl="8" marL="4114800">
               <a:spcBef>
                 <a:spcPts val="0"/>
               </a:spcBef>
@@ -4027,19 +4587,15 @@
               <a:defRPr sz="1200"/>
             </a:lvl9pPr>
           </a:lstStyle>
-          <a:p>
-            <a:endParaRPr/>
-          </a:p>
+          <a:p/>
         </p:txBody>
       </p:sp>
       <p:sp>
         <p:nvSpPr>
           <p:cNvPr id="35" name="Google Shape;35;p7"/>
-          <p:cNvSpPr txBox="1">
-            <a:spLocks noGrp="1"/>
-          </p:cNvSpPr>
+          <p:cNvSpPr txBox="1"/>
           <p:nvPr>
-            <p:ph type="sldNum" idx="12"/>
+            <p:ph idx="12" type="sldNum"/>
           </p:nvPr>
         </p:nvSpPr>
         <p:spPr>
@@ -4052,7 +4608,7 @@
           </a:prstGeom>
         </p:spPr>
         <p:txBody>
-          <a:bodyPr spcFirstLastPara="1" wrap="square" lIns="91425" tIns="91425" rIns="91425" bIns="91425" anchor="ctr" anchorCtr="0">
+          <a:bodyPr anchorCtr="0" anchor="ctr" bIns="91425" lIns="91425" spcFirstLastPara="1" rIns="91425" wrap="square" tIns="91425">
             <a:normAutofit/>
           </a:bodyPr>
           <a:lstStyle>
@@ -4094,7 +4650,7 @@
             </a:lvl9pPr>
           </a:lstStyle>
           <a:p>
-            <a:pPr marL="0" lvl="0" indent="0" algn="r" rtl="0">
+            <a:pPr indent="0" lvl="0" marL="0" rtl="0" algn="r">
               <a:spcBef>
                 <a:spcPts val="0"/>
               </a:spcBef>
@@ -4120,19 +4676,18 @@
 </file>
 
 <file path=ppt/slideLayouts/slideLayout7.xml><?xml version="1.0" encoding="utf-8"?>
-<p:sldLayout xmlns:a="http://schemas.openxmlformats.org/drawingml/2006/main" xmlns:r="http://schemas.openxmlformats.org/officeDocument/2006/relationships" xmlns:p="http://schemas.openxmlformats.org/presentationml/2006/main" matchingName="Main point">
+<p:sldLayout xmlns:a="http://schemas.openxmlformats.org/drawingml/2006/main" xmlns:r="http://schemas.openxmlformats.org/officeDocument/2006/relationships" xmlns:mc="http://schemas.openxmlformats.org/markup-compatibility/2006" xmlns:mv="urn:schemas-microsoft-com:mac:vml" xmlns:p="http://schemas.openxmlformats.org/presentationml/2006/main" xmlns:c="http://schemas.openxmlformats.org/drawingml/2006/chart" xmlns:dgm="http://schemas.openxmlformats.org/drawingml/2006/diagram" xmlns:o="urn:schemas-microsoft-com:office:office" xmlns:v="urn:schemas-microsoft-com:vml" xmlns:pvml="urn:schemas-microsoft-com:office:powerpoint" xmlns:com="http://schemas.openxmlformats.org/drawingml/2006/compatibility" xmlns:p14="http://schemas.microsoft.com/office/powerpoint/2010/main" xmlns:p15="http://schemas.microsoft.com/office/powerpoint/2012/main" xmlns:ahyp="http://schemas.microsoft.com/office/drawing/2018/hyperlinkcolor" matchingName="Main point">
   <p:cSld name="MAIN_POINT">
     <p:bg>
       <p:bgPr>
         <a:solidFill>
           <a:schemeClr val="lt2"/>
         </a:solidFill>
-        <a:effectLst/>
       </p:bgPr>
     </p:bg>
     <p:spTree>
       <p:nvGrpSpPr>
-        <p:cNvPr id="1" name="Shape 36"/>
+        <p:cNvPr id="36" name="Shape 36"/>
         <p:cNvGrpSpPr/>
         <p:nvPr/>
       </p:nvGrpSpPr>
@@ -4147,9 +4702,7 @@
       <p:sp>
         <p:nvSpPr>
           <p:cNvPr id="37" name="Google Shape;37;p8"/>
-          <p:cNvSpPr txBox="1">
-            <a:spLocks noGrp="1"/>
-          </p:cNvSpPr>
+          <p:cNvSpPr txBox="1"/>
           <p:nvPr>
             <p:ph type="title"/>
           </p:nvPr>
@@ -4164,7 +4717,7 @@
           </a:prstGeom>
         </p:spPr>
         <p:txBody>
-          <a:bodyPr spcFirstLastPara="1" wrap="square" lIns="91425" tIns="91425" rIns="91425" bIns="91425" anchor="ctr" anchorCtr="0">
+          <a:bodyPr anchorCtr="0" anchor="ctr" bIns="91425" lIns="91425" spcFirstLastPara="1" rIns="91425" wrap="square" tIns="91425">
             <a:normAutofit/>
           </a:bodyPr>
           <a:lstStyle>
@@ -4331,19 +4884,15 @@
               </a:defRPr>
             </a:lvl9pPr>
           </a:lstStyle>
-          <a:p>
-            <a:endParaRPr/>
-          </a:p>
+          <a:p/>
         </p:txBody>
       </p:sp>
       <p:sp>
         <p:nvSpPr>
           <p:cNvPr id="38" name="Google Shape;38;p8"/>
-          <p:cNvSpPr txBox="1">
-            <a:spLocks noGrp="1"/>
-          </p:cNvSpPr>
+          <p:cNvSpPr txBox="1"/>
           <p:nvPr>
-            <p:ph type="sldNum" idx="12"/>
+            <p:ph idx="12" type="sldNum"/>
           </p:nvPr>
         </p:nvSpPr>
         <p:spPr>
@@ -4356,7 +4905,7 @@
           </a:prstGeom>
         </p:spPr>
         <p:txBody>
-          <a:bodyPr spcFirstLastPara="1" wrap="square" lIns="91425" tIns="91425" rIns="91425" bIns="91425" anchor="ctr" anchorCtr="0">
+          <a:bodyPr anchorCtr="0" anchor="ctr" bIns="91425" lIns="91425" spcFirstLastPara="1" rIns="91425" wrap="square" tIns="91425">
             <a:normAutofit/>
           </a:bodyPr>
           <a:lstStyle>
@@ -4434,7 +4983,7 @@
             </a:lvl9pPr>
           </a:lstStyle>
           <a:p>
-            <a:pPr marL="0" lvl="0" indent="0" algn="r" rtl="0">
+            <a:pPr indent="0" lvl="0" marL="0" rtl="0" algn="r">
               <a:spcBef>
                 <a:spcPts val="0"/>
               </a:spcBef>
@@ -4460,11 +5009,11 @@
 </file>
 
 <file path=ppt/slideLayouts/slideLayout8.xml><?xml version="1.0" encoding="utf-8"?>
-<p:sldLayout xmlns:a="http://schemas.openxmlformats.org/drawingml/2006/main" xmlns:r="http://schemas.openxmlformats.org/officeDocument/2006/relationships" xmlns:p="http://schemas.openxmlformats.org/presentationml/2006/main" matchingName="Section title and description">
+<p:sldLayout xmlns:a="http://schemas.openxmlformats.org/drawingml/2006/main" xmlns:r="http://schemas.openxmlformats.org/officeDocument/2006/relationships" xmlns:mc="http://schemas.openxmlformats.org/markup-compatibility/2006" xmlns:mv="urn:schemas-microsoft-com:mac:vml" xmlns:p="http://schemas.openxmlformats.org/presentationml/2006/main" xmlns:c="http://schemas.openxmlformats.org/drawingml/2006/chart" xmlns:dgm="http://schemas.openxmlformats.org/drawingml/2006/diagram" xmlns:o="urn:schemas-microsoft-com:office:office" xmlns:v="urn:schemas-microsoft-com:vml" xmlns:pvml="urn:schemas-microsoft-com:office:powerpoint" xmlns:com="http://schemas.openxmlformats.org/drawingml/2006/compatibility" xmlns:p14="http://schemas.microsoft.com/office/powerpoint/2010/main" xmlns:p15="http://schemas.microsoft.com/office/powerpoint/2012/main" xmlns:ahyp="http://schemas.microsoft.com/office/drawing/2018/hyperlinkcolor" matchingName="Section title and description">
   <p:cSld name="SECTION_TITLE_AND_DESCRIPTION">
     <p:spTree>
       <p:nvGrpSpPr>
-        <p:cNvPr id="1" name="Shape 39"/>
+        <p:cNvPr id="39" name="Shape 39"/>
         <p:cNvGrpSpPr/>
         <p:nvPr/>
       </p:nvGrpSpPr>
@@ -4498,12 +5047,12 @@
           </a:ln>
         </p:spPr>
         <p:txBody>
-          <a:bodyPr spcFirstLastPara="1" wrap="square" lIns="91425" tIns="91425" rIns="91425" bIns="91425" anchor="ctr" anchorCtr="0">
+          <a:bodyPr anchorCtr="0" anchor="ctr" bIns="91425" lIns="91425" spcFirstLastPara="1" rIns="91425" wrap="square" tIns="91425">
             <a:noAutofit/>
           </a:bodyPr>
           <a:lstStyle/>
           <a:p>
-            <a:pPr marL="0" lvl="0" indent="0" algn="l" rtl="0">
+            <a:pPr indent="0" lvl="0" marL="0" rtl="0" algn="l">
               <a:spcBef>
                 <a:spcPts val="0"/>
               </a:spcBef>
@@ -4512,6 +5061,9 @@
               </a:spcAft>
               <a:buNone/>
             </a:pPr>
+            <a:r>
+              <a:t/>
+            </a:r>
             <a:endParaRPr/>
           </a:p>
         </p:txBody>
@@ -4531,23 +5083,21 @@
             <a:avLst/>
           </a:prstGeom>
           <a:noFill/>
-          <a:ln w="19050" cap="flat" cmpd="sng">
+          <a:ln cap="flat" cmpd="sng" w="19050">
             <a:solidFill>
               <a:schemeClr val="lt1"/>
             </a:solidFill>
             <a:prstDash val="solid"/>
             <a:round/>
-            <a:headEnd type="none" w="sm" len="sm"/>
-            <a:tailEnd type="none" w="sm" len="sm"/>
+            <a:headEnd len="sm" w="sm" type="none"/>
+            <a:tailEnd len="sm" w="sm" type="none"/>
           </a:ln>
         </p:spPr>
       </p:cxnSp>
       <p:sp>
         <p:nvSpPr>
           <p:cNvPr id="42" name="Google Shape;42;p9"/>
-          <p:cNvSpPr txBox="1">
-            <a:spLocks noGrp="1"/>
-          </p:cNvSpPr>
+          <p:cNvSpPr txBox="1"/>
           <p:nvPr>
             <p:ph type="title"/>
           </p:nvPr>
@@ -4562,7 +5112,7 @@
           </a:prstGeom>
         </p:spPr>
         <p:txBody>
-          <a:bodyPr spcFirstLastPara="1" wrap="square" lIns="91425" tIns="91425" rIns="91425" bIns="91425" anchor="b" anchorCtr="0">
+          <a:bodyPr anchorCtr="0" anchor="b" bIns="91425" lIns="91425" spcFirstLastPara="1" rIns="91425" wrap="square" tIns="91425">
             <a:normAutofit/>
           </a:bodyPr>
           <a:lstStyle>
@@ -4666,19 +5216,15 @@
               <a:defRPr sz="4200"/>
             </a:lvl9pPr>
           </a:lstStyle>
-          <a:p>
-            <a:endParaRPr/>
-          </a:p>
+          <a:p/>
         </p:txBody>
       </p:sp>
       <p:sp>
         <p:nvSpPr>
           <p:cNvPr id="43" name="Google Shape;43;p9"/>
-          <p:cNvSpPr txBox="1">
-            <a:spLocks noGrp="1"/>
-          </p:cNvSpPr>
+          <p:cNvSpPr txBox="1"/>
           <p:nvPr>
-            <p:ph type="subTitle" idx="1"/>
+            <p:ph idx="1" type="subTitle"/>
           </p:nvPr>
         </p:nvSpPr>
         <p:spPr>
@@ -4691,7 +5237,7 @@
           </a:prstGeom>
         </p:spPr>
         <p:txBody>
-          <a:bodyPr spcFirstLastPara="1" wrap="square" lIns="91425" tIns="91425" rIns="91425" bIns="91425" anchor="t" anchorCtr="0">
+          <a:bodyPr anchorCtr="0" anchor="t" bIns="91425" lIns="91425" spcFirstLastPara="1" rIns="91425" wrap="square" tIns="91425">
             <a:normAutofit/>
           </a:bodyPr>
           <a:lstStyle>
@@ -4885,19 +5431,15 @@
               </a:defRPr>
             </a:lvl9pPr>
           </a:lstStyle>
-          <a:p>
-            <a:endParaRPr/>
-          </a:p>
+          <a:p/>
         </p:txBody>
       </p:sp>
       <p:sp>
         <p:nvSpPr>
           <p:cNvPr id="44" name="Google Shape;44;p9"/>
-          <p:cNvSpPr txBox="1">
-            <a:spLocks noGrp="1"/>
-          </p:cNvSpPr>
+          <p:cNvSpPr txBox="1"/>
           <p:nvPr>
-            <p:ph type="body" idx="2"/>
+            <p:ph idx="2" type="body"/>
           </p:nvPr>
         </p:nvSpPr>
         <p:spPr>
@@ -4910,11 +5452,11 @@
           </a:prstGeom>
         </p:spPr>
         <p:txBody>
-          <a:bodyPr spcFirstLastPara="1" wrap="square" lIns="91425" tIns="91425" rIns="91425" bIns="91425" anchor="ctr" anchorCtr="0">
+          <a:bodyPr anchorCtr="0" anchor="ctr" bIns="91425" lIns="91425" spcFirstLastPara="1" rIns="91425" wrap="square" tIns="91425">
             <a:normAutofit/>
           </a:bodyPr>
           <a:lstStyle>
-            <a:lvl1pPr marL="457200" lvl="0" indent="-342900">
+            <a:lvl1pPr indent="-342900" lvl="0" marL="457200">
               <a:spcBef>
                 <a:spcPts val="0"/>
               </a:spcBef>
@@ -4932,7 +5474,7 @@
                 </a:solidFill>
               </a:defRPr>
             </a:lvl1pPr>
-            <a:lvl2pPr marL="914400" lvl="1" indent="-317500">
+            <a:lvl2pPr indent="-317500" lvl="1" marL="914400">
               <a:spcBef>
                 <a:spcPts val="0"/>
               </a:spcBef>
@@ -4950,7 +5492,7 @@
                 </a:solidFill>
               </a:defRPr>
             </a:lvl2pPr>
-            <a:lvl3pPr marL="1371600" lvl="2" indent="-317500">
+            <a:lvl3pPr indent="-317500" lvl="2" marL="1371600">
               <a:spcBef>
                 <a:spcPts val="0"/>
               </a:spcBef>
@@ -4968,7 +5510,7 @@
                 </a:solidFill>
               </a:defRPr>
             </a:lvl3pPr>
-            <a:lvl4pPr marL="1828800" lvl="3" indent="-317500">
+            <a:lvl4pPr indent="-317500" lvl="3" marL="1828800">
               <a:spcBef>
                 <a:spcPts val="0"/>
               </a:spcBef>
@@ -4986,7 +5528,7 @@
                 </a:solidFill>
               </a:defRPr>
             </a:lvl4pPr>
-            <a:lvl5pPr marL="2286000" lvl="4" indent="-317500">
+            <a:lvl5pPr indent="-317500" lvl="4" marL="2286000">
               <a:spcBef>
                 <a:spcPts val="0"/>
               </a:spcBef>
@@ -5004,7 +5546,7 @@
                 </a:solidFill>
               </a:defRPr>
             </a:lvl5pPr>
-            <a:lvl6pPr marL="2743200" lvl="5" indent="-317500">
+            <a:lvl6pPr indent="-317500" lvl="5" marL="2743200">
               <a:spcBef>
                 <a:spcPts val="0"/>
               </a:spcBef>
@@ -5022,7 +5564,7 @@
                 </a:solidFill>
               </a:defRPr>
             </a:lvl6pPr>
-            <a:lvl7pPr marL="3200400" lvl="6" indent="-317500">
+            <a:lvl7pPr indent="-317500" lvl="6" marL="3200400">
               <a:spcBef>
                 <a:spcPts val="0"/>
               </a:spcBef>
@@ -5040,7 +5582,7 @@
                 </a:solidFill>
               </a:defRPr>
             </a:lvl7pPr>
-            <a:lvl8pPr marL="3657600" lvl="7" indent="-317500">
+            <a:lvl8pPr indent="-317500" lvl="7" marL="3657600">
               <a:spcBef>
                 <a:spcPts val="0"/>
               </a:spcBef>
@@ -5058,7 +5600,7 @@
                 </a:solidFill>
               </a:defRPr>
             </a:lvl8pPr>
-            <a:lvl9pPr marL="4114800" lvl="8" indent="-317500">
+            <a:lvl9pPr indent="-317500" lvl="8" marL="4114800">
               <a:spcBef>
                 <a:spcPts val="0"/>
               </a:spcBef>
@@ -5077,19 +5619,15 @@
               </a:defRPr>
             </a:lvl9pPr>
           </a:lstStyle>
-          <a:p>
-            <a:endParaRPr/>
-          </a:p>
+          <a:p/>
         </p:txBody>
       </p:sp>
       <p:sp>
         <p:nvSpPr>
           <p:cNvPr id="45" name="Google Shape;45;p9"/>
-          <p:cNvSpPr txBox="1">
-            <a:spLocks noGrp="1"/>
-          </p:cNvSpPr>
+          <p:cNvSpPr txBox="1"/>
           <p:nvPr>
-            <p:ph type="sldNum" idx="12"/>
+            <p:ph idx="12" type="sldNum"/>
           </p:nvPr>
         </p:nvSpPr>
         <p:spPr>
@@ -5102,7 +5640,7 @@
           </a:prstGeom>
         </p:spPr>
         <p:txBody>
-          <a:bodyPr spcFirstLastPara="1" wrap="square" lIns="91425" tIns="91425" rIns="91425" bIns="91425" anchor="ctr" anchorCtr="0">
+          <a:bodyPr anchorCtr="0" anchor="ctr" bIns="91425" lIns="91425" spcFirstLastPara="1" rIns="91425" wrap="square" tIns="91425">
             <a:normAutofit/>
           </a:bodyPr>
           <a:lstStyle>
@@ -5180,7 +5718,7 @@
             </a:lvl9pPr>
           </a:lstStyle>
           <a:p>
-            <a:pPr marL="0" lvl="0" indent="0" algn="r" rtl="0">
+            <a:pPr indent="0" lvl="0" marL="0" rtl="0" algn="r">
               <a:spcBef>
                 <a:spcPts val="0"/>
               </a:spcBef>
@@ -5206,11 +5744,11 @@
 </file>
 
 <file path=ppt/slideLayouts/slideLayout9.xml><?xml version="1.0" encoding="utf-8"?>
-<p:sldLayout xmlns:a="http://schemas.openxmlformats.org/drawingml/2006/main" xmlns:r="http://schemas.openxmlformats.org/officeDocument/2006/relationships" xmlns:p="http://schemas.openxmlformats.org/presentationml/2006/main" matchingName="Caption">
+<p:sldLayout xmlns:a="http://schemas.openxmlformats.org/drawingml/2006/main" xmlns:r="http://schemas.openxmlformats.org/officeDocument/2006/relationships" xmlns:mc="http://schemas.openxmlformats.org/markup-compatibility/2006" xmlns:mv="urn:schemas-microsoft-com:mac:vml" xmlns:p="http://schemas.openxmlformats.org/presentationml/2006/main" xmlns:c="http://schemas.openxmlformats.org/drawingml/2006/chart" xmlns:dgm="http://schemas.openxmlformats.org/drawingml/2006/diagram" xmlns:o="urn:schemas-microsoft-com:office:office" xmlns:v="urn:schemas-microsoft-com:vml" xmlns:pvml="urn:schemas-microsoft-com:office:powerpoint" xmlns:com="http://schemas.openxmlformats.org/drawingml/2006/compatibility" xmlns:p14="http://schemas.microsoft.com/office/powerpoint/2010/main" xmlns:p15="http://schemas.microsoft.com/office/powerpoint/2012/main" xmlns:ahyp="http://schemas.microsoft.com/office/drawing/2018/hyperlinkcolor" matchingName="Caption">
   <p:cSld name="CAPTION_ONLY">
     <p:spTree>
       <p:nvGrpSpPr>
-        <p:cNvPr id="1" name="Shape 46"/>
+        <p:cNvPr id="46" name="Shape 46"/>
         <p:cNvGrpSpPr/>
         <p:nvPr/>
       </p:nvGrpSpPr>
@@ -5225,11 +5763,9 @@
       <p:sp>
         <p:nvSpPr>
           <p:cNvPr id="47" name="Google Shape;47;p10"/>
-          <p:cNvSpPr txBox="1">
-            <a:spLocks noGrp="1"/>
-          </p:cNvSpPr>
+          <p:cNvSpPr txBox="1"/>
           <p:nvPr>
-            <p:ph type="body" idx="1"/>
+            <p:ph idx="1" type="body"/>
           </p:nvPr>
         </p:nvSpPr>
         <p:spPr>
@@ -5242,11 +5778,11 @@
           </a:prstGeom>
         </p:spPr>
         <p:txBody>
-          <a:bodyPr spcFirstLastPara="1" wrap="square" lIns="91425" tIns="91425" rIns="91425" bIns="91425" anchor="ctr" anchorCtr="0">
+          <a:bodyPr anchorCtr="0" anchor="ctr" bIns="91425" lIns="91425" spcFirstLastPara="1" rIns="91425" wrap="square" tIns="91425">
             <a:normAutofit/>
           </a:bodyPr>
           <a:lstStyle>
-            <a:lvl1pPr marL="457200" lvl="0" indent="-228600">
+            <a:lvl1pPr indent="-228600" lvl="0" marL="457200">
               <a:lnSpc>
                 <a:spcPct val="100000"/>
               </a:lnSpc>
@@ -5273,19 +5809,15 @@
               </a:defRPr>
             </a:lvl1pPr>
           </a:lstStyle>
-          <a:p>
-            <a:endParaRPr/>
-          </a:p>
+          <a:p/>
         </p:txBody>
       </p:sp>
       <p:sp>
         <p:nvSpPr>
           <p:cNvPr id="48" name="Google Shape;48;p10"/>
-          <p:cNvSpPr txBox="1">
-            <a:spLocks noGrp="1"/>
-          </p:cNvSpPr>
+          <p:cNvSpPr txBox="1"/>
           <p:nvPr>
-            <p:ph type="sldNum" idx="12"/>
+            <p:ph idx="12" type="sldNum"/>
           </p:nvPr>
         </p:nvSpPr>
         <p:spPr>
@@ -5298,7 +5830,7 @@
           </a:prstGeom>
         </p:spPr>
         <p:txBody>
-          <a:bodyPr spcFirstLastPara="1" wrap="square" lIns="91425" tIns="91425" rIns="91425" bIns="91425" anchor="ctr" anchorCtr="0">
+          <a:bodyPr anchorCtr="0" anchor="ctr" bIns="91425" lIns="91425" spcFirstLastPara="1" rIns="91425" wrap="square" tIns="91425">
             <a:normAutofit/>
           </a:bodyPr>
           <a:lstStyle>
@@ -5340,7 +5872,7 @@
             </a:lvl9pPr>
           </a:lstStyle>
           <a:p>
-            <a:pPr marL="0" lvl="0" indent="0" algn="r" rtl="0">
+            <a:pPr indent="0" lvl="0" marL="0" rtl="0" algn="r">
               <a:spcBef>
                 <a:spcPts val="0"/>
               </a:spcBef>
@@ -5366,19 +5898,18 @@
 </file>
 
 <file path=ppt/slideMasters/slideMaster1.xml><?xml version="1.0" encoding="utf-8"?>
-<p:sldMaster xmlns:a="http://schemas.openxmlformats.org/drawingml/2006/main" xmlns:r="http://schemas.openxmlformats.org/officeDocument/2006/relationships" xmlns:p="http://schemas.openxmlformats.org/presentationml/2006/main">
+<p:sldMaster xmlns:a="http://schemas.openxmlformats.org/drawingml/2006/main" xmlns:r="http://schemas.openxmlformats.org/officeDocument/2006/relationships" xmlns:mc="http://schemas.openxmlformats.org/markup-compatibility/2006" xmlns:mv="urn:schemas-microsoft-com:mac:vml" xmlns:p="http://schemas.openxmlformats.org/presentationml/2006/main" xmlns:c="http://schemas.openxmlformats.org/drawingml/2006/chart" xmlns:dgm="http://schemas.openxmlformats.org/drawingml/2006/diagram" xmlns:o="urn:schemas-microsoft-com:office:office" xmlns:v="urn:schemas-microsoft-com:vml" xmlns:pvml="urn:schemas-microsoft-com:office:powerpoint" xmlns:com="http://schemas.openxmlformats.org/drawingml/2006/compatibility" xmlns:p14="http://schemas.microsoft.com/office/powerpoint/2010/main" xmlns:p15="http://schemas.microsoft.com/office/powerpoint/2012/main" xmlns:ahyp="http://schemas.microsoft.com/office/drawing/2018/hyperlinkcolor">
   <p:cSld name="slate">
     <p:bg>
       <p:bgPr>
         <a:solidFill>
           <a:schemeClr val="lt1"/>
         </a:solidFill>
-        <a:effectLst/>
       </p:bgPr>
     </p:bg>
     <p:spTree>
       <p:nvGrpSpPr>
-        <p:cNvPr id="1" name="Shape 5"/>
+        <p:cNvPr id="5" name="Shape 5"/>
         <p:cNvGrpSpPr/>
         <p:nvPr/>
       </p:nvGrpSpPr>
@@ -5393,9 +5924,7 @@
       <p:sp>
         <p:nvSpPr>
           <p:cNvPr id="6" name="Google Shape;6;p1"/>
-          <p:cNvSpPr txBox="1">
-            <a:spLocks noGrp="1"/>
-          </p:cNvSpPr>
+          <p:cNvSpPr txBox="1"/>
           <p:nvPr>
             <p:ph type="title"/>
           </p:nvPr>
@@ -5414,7 +5943,7 @@
           </a:ln>
         </p:spPr>
         <p:txBody>
-          <a:bodyPr spcFirstLastPara="1" wrap="square" lIns="91425" tIns="91425" rIns="91425" bIns="91425" anchor="t" anchorCtr="0">
+          <a:bodyPr anchorCtr="0" anchor="t" bIns="91425" lIns="91425" spcFirstLastPara="1" rIns="91425" wrap="square" tIns="91425">
             <a:normAutofit/>
           </a:bodyPr>
           <a:lstStyle>
@@ -5626,19 +6155,15 @@
               </a:defRPr>
             </a:lvl9pPr>
           </a:lstStyle>
-          <a:p>
-            <a:endParaRPr/>
-          </a:p>
+          <a:p/>
         </p:txBody>
       </p:sp>
       <p:sp>
         <p:nvSpPr>
           <p:cNvPr id="7" name="Google Shape;7;p1"/>
-          <p:cNvSpPr txBox="1">
-            <a:spLocks noGrp="1"/>
-          </p:cNvSpPr>
+          <p:cNvSpPr txBox="1"/>
           <p:nvPr>
-            <p:ph type="body" idx="1"/>
+            <p:ph idx="1" type="body"/>
           </p:nvPr>
         </p:nvSpPr>
         <p:spPr>
@@ -5655,11 +6180,11 @@
           </a:ln>
         </p:spPr>
         <p:txBody>
-          <a:bodyPr spcFirstLastPara="1" wrap="square" lIns="91425" tIns="91425" rIns="91425" bIns="91425" anchor="t" anchorCtr="0">
+          <a:bodyPr anchorCtr="0" anchor="t" bIns="91425" lIns="91425" spcFirstLastPara="1" rIns="91425" wrap="square" tIns="91425">
             <a:normAutofit/>
           </a:bodyPr>
           <a:lstStyle>
-            <a:lvl1pPr marL="457200" lvl="0" indent="-342900">
+            <a:lvl1pPr indent="-342900" lvl="0" marL="457200">
               <a:lnSpc>
                 <a:spcPct val="115000"/>
               </a:lnSpc>
@@ -5685,7 +6210,7 @@
                 <a:sym typeface="Average"/>
               </a:defRPr>
             </a:lvl1pPr>
-            <a:lvl2pPr marL="914400" lvl="1" indent="-317500">
+            <a:lvl2pPr indent="-317500" lvl="1" marL="914400">
               <a:lnSpc>
                 <a:spcPct val="115000"/>
               </a:lnSpc>
@@ -5711,7 +6236,7 @@
                 <a:sym typeface="Average"/>
               </a:defRPr>
             </a:lvl2pPr>
-            <a:lvl3pPr marL="1371600" lvl="2" indent="-317500">
+            <a:lvl3pPr indent="-317500" lvl="2" marL="1371600">
               <a:lnSpc>
                 <a:spcPct val="115000"/>
               </a:lnSpc>
@@ -5737,7 +6262,7 @@
                 <a:sym typeface="Average"/>
               </a:defRPr>
             </a:lvl3pPr>
-            <a:lvl4pPr marL="1828800" lvl="3" indent="-317500">
+            <a:lvl4pPr indent="-317500" lvl="3" marL="1828800">
               <a:lnSpc>
                 <a:spcPct val="115000"/>
               </a:lnSpc>
@@ -5763,7 +6288,7 @@
                 <a:sym typeface="Average"/>
               </a:defRPr>
             </a:lvl4pPr>
-            <a:lvl5pPr marL="2286000" lvl="4" indent="-317500">
+            <a:lvl5pPr indent="-317500" lvl="4" marL="2286000">
               <a:lnSpc>
                 <a:spcPct val="115000"/>
               </a:lnSpc>
@@ -5789,7 +6314,7 @@
                 <a:sym typeface="Average"/>
               </a:defRPr>
             </a:lvl5pPr>
-            <a:lvl6pPr marL="2743200" lvl="5" indent="-317500">
+            <a:lvl6pPr indent="-317500" lvl="5" marL="2743200">
               <a:lnSpc>
                 <a:spcPct val="115000"/>
               </a:lnSpc>
@@ -5815,7 +6340,7 @@
                 <a:sym typeface="Average"/>
               </a:defRPr>
             </a:lvl6pPr>
-            <a:lvl7pPr marL="3200400" lvl="6" indent="-317500">
+            <a:lvl7pPr indent="-317500" lvl="6" marL="3200400">
               <a:lnSpc>
                 <a:spcPct val="115000"/>
               </a:lnSpc>
@@ -5841,7 +6366,7 @@
                 <a:sym typeface="Average"/>
               </a:defRPr>
             </a:lvl7pPr>
-            <a:lvl8pPr marL="3657600" lvl="7" indent="-317500">
+            <a:lvl8pPr indent="-317500" lvl="7" marL="3657600">
               <a:lnSpc>
                 <a:spcPct val="115000"/>
               </a:lnSpc>
@@ -5867,7 +6392,7 @@
                 <a:sym typeface="Average"/>
               </a:defRPr>
             </a:lvl8pPr>
-            <a:lvl9pPr marL="4114800" lvl="8" indent="-317500">
+            <a:lvl9pPr indent="-317500" lvl="8" marL="4114800">
               <a:lnSpc>
                 <a:spcPct val="115000"/>
               </a:lnSpc>
@@ -5894,19 +6419,15 @@
               </a:defRPr>
             </a:lvl9pPr>
           </a:lstStyle>
-          <a:p>
-            <a:endParaRPr/>
-          </a:p>
+          <a:p/>
         </p:txBody>
       </p:sp>
       <p:sp>
         <p:nvSpPr>
           <p:cNvPr id="8" name="Google Shape;8;p1"/>
-          <p:cNvSpPr txBox="1">
-            <a:spLocks noGrp="1"/>
-          </p:cNvSpPr>
+          <p:cNvSpPr txBox="1"/>
           <p:nvPr>
-            <p:ph type="sldNum" idx="12"/>
+            <p:ph idx="12" type="sldNum"/>
           </p:nvPr>
         </p:nvSpPr>
         <p:spPr>
@@ -5923,7 +6444,7 @@
           </a:ln>
         </p:spPr>
         <p:txBody>
-          <a:bodyPr spcFirstLastPara="1" wrap="square" lIns="91425" tIns="91425" rIns="91425" bIns="91425" anchor="ctr" anchorCtr="0">
+          <a:bodyPr anchorCtr="0" anchor="ctr" bIns="91425" lIns="91425" spcFirstLastPara="1" rIns="91425" wrap="square" tIns="91425">
             <a:normAutofit/>
           </a:bodyPr>
           <a:lstStyle>
@@ -6037,7 +6558,7 @@
             </a:lvl9pPr>
           </a:lstStyle>
           <a:p>
-            <a:pPr marL="0" lvl="0" indent="0" algn="r" rtl="0">
+            <a:pPr indent="0" lvl="0" marL="0" rtl="0" algn="r">
               <a:spcBef>
                 <a:spcPts val="0"/>
               </a:spcBef>
@@ -6056,7 +6577,7 @@
       </p:sp>
     </p:spTree>
   </p:cSld>
-  <p:clrMap bg1="lt1" tx1="dk1" bg2="dk2" tx2="lt2" accent1="accent1" accent2="accent2" accent3="accent3" accent4="accent4" accent5="accent5" accent6="accent6" hlink="hlink" folHlink="folHlink"/>
+  <p:clrMap accent1="accent1" accent2="accent2" accent3="accent3" accent4="accent4" accent5="accent5" accent6="accent6" bg1="lt1" bg2="dk2" tx1="dk1" tx2="lt2" folHlink="folHlink" hlink="hlink"/>
   <p:sldLayoutIdLst>
     <p:sldLayoutId id="2147483648" r:id="rId1"/>
     <p:sldLayoutId id="2147483649" r:id="rId2"/>
@@ -6070,10 +6591,10 @@
     <p:sldLayoutId id="2147483657" r:id="rId10"/>
     <p:sldLayoutId id="2147483658" r:id="rId11"/>
   </p:sldLayoutIdLst>
-  <p:hf sldNum="0" hdr="0" ftr="0" dt="0"/>
+  <p:hf dt="0" ftr="0" hdr="0" sldNum="0"/>
   <p:txStyles>
     <p:titleStyle>
-      <a:defPPr marR="0" lvl="0" algn="l" rtl="0">
+      <a:defPPr lvl="0" marR="0" rtl="0" algn="l">
         <a:lnSpc>
           <a:spcPct val="100000"/>
         </a:lnSpc>
@@ -6084,7 +6605,7 @@
           <a:spcPts val="0"/>
         </a:spcAft>
       </a:defPPr>
-      <a:lvl1pPr marR="0" lvl="0" algn="l" rtl="0">
+      <a:lvl1pPr lvl="0" marR="0" rtl="0" algn="l">
         <a:lnSpc>
           <a:spcPct val="100000"/>
         </a:lnSpc>
@@ -6098,7 +6619,7 @@
           <a:srgbClr val="000000"/>
         </a:buClr>
         <a:buFont typeface="Arial"/>
-        <a:defRPr sz="1400" b="0" i="0" u="none" strike="noStrike" cap="none">
+        <a:defRPr b="0" i="0" sz="1400" u="none" cap="none" strike="noStrike">
           <a:solidFill>
             <a:srgbClr val="000000"/>
           </a:solidFill>
@@ -6108,7 +6629,7 @@
           <a:sym typeface="Arial"/>
         </a:defRPr>
       </a:lvl1pPr>
-      <a:lvl2pPr marR="0" lvl="1" algn="l" rtl="0">
+      <a:lvl2pPr lvl="1" marR="0" rtl="0" algn="l">
         <a:lnSpc>
           <a:spcPct val="100000"/>
         </a:lnSpc>
@@ -6122,7 +6643,7 @@
           <a:srgbClr val="000000"/>
         </a:buClr>
         <a:buFont typeface="Arial"/>
-        <a:defRPr sz="1400" b="0" i="0" u="none" strike="noStrike" cap="none">
+        <a:defRPr b="0" i="0" sz="1400" u="none" cap="none" strike="noStrike">
           <a:solidFill>
             <a:srgbClr val="000000"/>
           </a:solidFill>
@@ -6132,7 +6653,7 @@
           <a:sym typeface="Arial"/>
         </a:defRPr>
       </a:lvl2pPr>
-      <a:lvl3pPr marR="0" lvl="2" algn="l" rtl="0">
+      <a:lvl3pPr lvl="2" marR="0" rtl="0" algn="l">
         <a:lnSpc>
           <a:spcPct val="100000"/>
         </a:lnSpc>
@@ -6146,7 +6667,7 @@
           <a:srgbClr val="000000"/>
         </a:buClr>
         <a:buFont typeface="Arial"/>
-        <a:defRPr sz="1400" b="0" i="0" u="none" strike="noStrike" cap="none">
+        <a:defRPr b="0" i="0" sz="1400" u="none" cap="none" strike="noStrike">
           <a:solidFill>
             <a:srgbClr val="000000"/>
           </a:solidFill>
@@ -6156,7 +6677,7 @@
           <a:sym typeface="Arial"/>
         </a:defRPr>
       </a:lvl3pPr>
-      <a:lvl4pPr marR="0" lvl="3" algn="l" rtl="0">
+      <a:lvl4pPr lvl="3" marR="0" rtl="0" algn="l">
         <a:lnSpc>
           <a:spcPct val="100000"/>
         </a:lnSpc>
@@ -6170,7 +6691,7 @@
           <a:srgbClr val="000000"/>
         </a:buClr>
         <a:buFont typeface="Arial"/>
-        <a:defRPr sz="1400" b="0" i="0" u="none" strike="noStrike" cap="none">
+        <a:defRPr b="0" i="0" sz="1400" u="none" cap="none" strike="noStrike">
           <a:solidFill>
             <a:srgbClr val="000000"/>
           </a:solidFill>
@@ -6180,7 +6701,7 @@
           <a:sym typeface="Arial"/>
         </a:defRPr>
       </a:lvl4pPr>
-      <a:lvl5pPr marR="0" lvl="4" algn="l" rtl="0">
+      <a:lvl5pPr lvl="4" marR="0" rtl="0" algn="l">
         <a:lnSpc>
           <a:spcPct val="100000"/>
         </a:lnSpc>
@@ -6194,7 +6715,7 @@
           <a:srgbClr val="000000"/>
         </a:buClr>
         <a:buFont typeface="Arial"/>
-        <a:defRPr sz="1400" b="0" i="0" u="none" strike="noStrike" cap="none">
+        <a:defRPr b="0" i="0" sz="1400" u="none" cap="none" strike="noStrike">
           <a:solidFill>
             <a:srgbClr val="000000"/>
           </a:solidFill>
@@ -6204,7 +6725,7 @@
           <a:sym typeface="Arial"/>
         </a:defRPr>
       </a:lvl5pPr>
-      <a:lvl6pPr marR="0" lvl="5" algn="l" rtl="0">
+      <a:lvl6pPr lvl="5" marR="0" rtl="0" algn="l">
         <a:lnSpc>
           <a:spcPct val="100000"/>
         </a:lnSpc>
@@ -6218,7 +6739,7 @@
           <a:srgbClr val="000000"/>
         </a:buClr>
         <a:buFont typeface="Arial"/>
-        <a:defRPr sz="1400" b="0" i="0" u="none" strike="noStrike" cap="none">
+        <a:defRPr b="0" i="0" sz="1400" u="none" cap="none" strike="noStrike">
           <a:solidFill>
             <a:srgbClr val="000000"/>
           </a:solidFill>
@@ -6228,7 +6749,7 @@
           <a:sym typeface="Arial"/>
         </a:defRPr>
       </a:lvl6pPr>
-      <a:lvl7pPr marR="0" lvl="6" algn="l" rtl="0">
+      <a:lvl7pPr lvl="6" marR="0" rtl="0" algn="l">
         <a:lnSpc>
           <a:spcPct val="100000"/>
         </a:lnSpc>
@@ -6242,7 +6763,7 @@
           <a:srgbClr val="000000"/>
         </a:buClr>
         <a:buFont typeface="Arial"/>
-        <a:defRPr sz="1400" b="0" i="0" u="none" strike="noStrike" cap="none">
+        <a:defRPr b="0" i="0" sz="1400" u="none" cap="none" strike="noStrike">
           <a:solidFill>
             <a:srgbClr val="000000"/>
           </a:solidFill>
@@ -6252,7 +6773,7 @@
           <a:sym typeface="Arial"/>
         </a:defRPr>
       </a:lvl7pPr>
-      <a:lvl8pPr marR="0" lvl="7" algn="l" rtl="0">
+      <a:lvl8pPr lvl="7" marR="0" rtl="0" algn="l">
         <a:lnSpc>
           <a:spcPct val="100000"/>
         </a:lnSpc>
@@ -6266,7 +6787,7 @@
           <a:srgbClr val="000000"/>
         </a:buClr>
         <a:buFont typeface="Arial"/>
-        <a:defRPr sz="1400" b="0" i="0" u="none" strike="noStrike" cap="none">
+        <a:defRPr b="0" i="0" sz="1400" u="none" cap="none" strike="noStrike">
           <a:solidFill>
             <a:srgbClr val="000000"/>
           </a:solidFill>
@@ -6276,7 +6797,7 @@
           <a:sym typeface="Arial"/>
         </a:defRPr>
       </a:lvl8pPr>
-      <a:lvl9pPr marR="0" lvl="8" algn="l" rtl="0">
+      <a:lvl9pPr lvl="8" marR="0" rtl="0" algn="l">
         <a:lnSpc>
           <a:spcPct val="100000"/>
         </a:lnSpc>
@@ -6290,7 +6811,7 @@
           <a:srgbClr val="000000"/>
         </a:buClr>
         <a:buFont typeface="Arial"/>
-        <a:defRPr sz="1400" b="0" i="0" u="none" strike="noStrike" cap="none">
+        <a:defRPr b="0" i="0" sz="1400" u="none" cap="none" strike="noStrike">
           <a:solidFill>
             <a:srgbClr val="000000"/>
           </a:solidFill>
@@ -6302,7 +6823,7 @@
       </a:lvl9pPr>
     </p:titleStyle>
     <p:bodyStyle>
-      <a:defPPr marR="0" lvl="0" algn="l" rtl="0">
+      <a:defPPr lvl="0" marR="0" rtl="0" algn="l">
         <a:lnSpc>
           <a:spcPct val="100000"/>
         </a:lnSpc>
@@ -6313,7 +6834,7 @@
           <a:spcPts val="0"/>
         </a:spcAft>
       </a:defPPr>
-      <a:lvl1pPr marR="0" lvl="0" algn="l" rtl="0">
+      <a:lvl1pPr lvl="0" marR="0" rtl="0" algn="l">
         <a:lnSpc>
           <a:spcPct val="100000"/>
         </a:lnSpc>
@@ -6327,7 +6848,7 @@
           <a:srgbClr val="000000"/>
         </a:buClr>
         <a:buFont typeface="Arial"/>
-        <a:defRPr sz="1400" b="0" i="0" u="none" strike="noStrike" cap="none">
+        <a:defRPr b="0" i="0" sz="1400" u="none" cap="none" strike="noStrike">
           <a:solidFill>
             <a:srgbClr val="000000"/>
           </a:solidFill>
@@ -6337,7 +6858,7 @@
           <a:sym typeface="Arial"/>
         </a:defRPr>
       </a:lvl1pPr>
-      <a:lvl2pPr marR="0" lvl="1" algn="l" rtl="0">
+      <a:lvl2pPr lvl="1" marR="0" rtl="0" algn="l">
         <a:lnSpc>
           <a:spcPct val="100000"/>
         </a:lnSpc>
@@ -6351,7 +6872,7 @@
           <a:srgbClr val="000000"/>
         </a:buClr>
         <a:buFont typeface="Arial"/>
-        <a:defRPr sz="1400" b="0" i="0" u="none" strike="noStrike" cap="none">
+        <a:defRPr b="0" i="0" sz="1400" u="none" cap="none" strike="noStrike">
           <a:solidFill>
             <a:srgbClr val="000000"/>
           </a:solidFill>
@@ -6361,7 +6882,7 @@
           <a:sym typeface="Arial"/>
         </a:defRPr>
       </a:lvl2pPr>
-      <a:lvl3pPr marR="0" lvl="2" algn="l" rtl="0">
+      <a:lvl3pPr lvl="2" marR="0" rtl="0" algn="l">
         <a:lnSpc>
           <a:spcPct val="100000"/>
         </a:lnSpc>
@@ -6375,7 +6896,7 @@
           <a:srgbClr val="000000"/>
         </a:buClr>
         <a:buFont typeface="Arial"/>
-        <a:defRPr sz="1400" b="0" i="0" u="none" strike="noStrike" cap="none">
+        <a:defRPr b="0" i="0" sz="1400" u="none" cap="none" strike="noStrike">
           <a:solidFill>
             <a:srgbClr val="000000"/>
           </a:solidFill>
@@ -6385,7 +6906,7 @@
           <a:sym typeface="Arial"/>
         </a:defRPr>
       </a:lvl3pPr>
-      <a:lvl4pPr marR="0" lvl="3" algn="l" rtl="0">
+      <a:lvl4pPr lvl="3" marR="0" rtl="0" algn="l">
         <a:lnSpc>
           <a:spcPct val="100000"/>
         </a:lnSpc>
@@ -6399,7 +6920,7 @@
           <a:srgbClr val="000000"/>
         </a:buClr>
         <a:buFont typeface="Arial"/>
-        <a:defRPr sz="1400" b="0" i="0" u="none" strike="noStrike" cap="none">
+        <a:defRPr b="0" i="0" sz="1400" u="none" cap="none" strike="noStrike">
           <a:solidFill>
             <a:srgbClr val="000000"/>
           </a:solidFill>
@@ -6409,7 +6930,7 @@
           <a:sym typeface="Arial"/>
         </a:defRPr>
       </a:lvl4pPr>
-      <a:lvl5pPr marR="0" lvl="4" algn="l" rtl="0">
+      <a:lvl5pPr lvl="4" marR="0" rtl="0" algn="l">
         <a:lnSpc>
           <a:spcPct val="100000"/>
         </a:lnSpc>
@@ -6423,7 +6944,7 @@
           <a:srgbClr val="000000"/>
         </a:buClr>
         <a:buFont typeface="Arial"/>
-        <a:defRPr sz="1400" b="0" i="0" u="none" strike="noStrike" cap="none">
+        <a:defRPr b="0" i="0" sz="1400" u="none" cap="none" strike="noStrike">
           <a:solidFill>
             <a:srgbClr val="000000"/>
           </a:solidFill>
@@ -6433,7 +6954,7 @@
           <a:sym typeface="Arial"/>
         </a:defRPr>
       </a:lvl5pPr>
-      <a:lvl6pPr marR="0" lvl="5" algn="l" rtl="0">
+      <a:lvl6pPr lvl="5" marR="0" rtl="0" algn="l">
         <a:lnSpc>
           <a:spcPct val="100000"/>
         </a:lnSpc>
@@ -6447,7 +6968,7 @@
           <a:srgbClr val="000000"/>
         </a:buClr>
         <a:buFont typeface="Arial"/>
-        <a:defRPr sz="1400" b="0" i="0" u="none" strike="noStrike" cap="none">
+        <a:defRPr b="0" i="0" sz="1400" u="none" cap="none" strike="noStrike">
           <a:solidFill>
             <a:srgbClr val="000000"/>
           </a:solidFill>
@@ -6457,7 +6978,7 @@
           <a:sym typeface="Arial"/>
         </a:defRPr>
       </a:lvl6pPr>
-      <a:lvl7pPr marR="0" lvl="6" algn="l" rtl="0">
+      <a:lvl7pPr lvl="6" marR="0" rtl="0" algn="l">
         <a:lnSpc>
           <a:spcPct val="100000"/>
         </a:lnSpc>
@@ -6471,7 +6992,7 @@
           <a:srgbClr val="000000"/>
         </a:buClr>
         <a:buFont typeface="Arial"/>
-        <a:defRPr sz="1400" b="0" i="0" u="none" strike="noStrike" cap="none">
+        <a:defRPr b="0" i="0" sz="1400" u="none" cap="none" strike="noStrike">
           <a:solidFill>
             <a:srgbClr val="000000"/>
           </a:solidFill>
@@ -6481,7 +7002,7 @@
           <a:sym typeface="Arial"/>
         </a:defRPr>
       </a:lvl7pPr>
-      <a:lvl8pPr marR="0" lvl="7" algn="l" rtl="0">
+      <a:lvl8pPr lvl="7" marR="0" rtl="0" algn="l">
         <a:lnSpc>
           <a:spcPct val="100000"/>
         </a:lnSpc>
@@ -6495,7 +7016,7 @@
           <a:srgbClr val="000000"/>
         </a:buClr>
         <a:buFont typeface="Arial"/>
-        <a:defRPr sz="1400" b="0" i="0" u="none" strike="noStrike" cap="none">
+        <a:defRPr b="0" i="0" sz="1400" u="none" cap="none" strike="noStrike">
           <a:solidFill>
             <a:srgbClr val="000000"/>
           </a:solidFill>
@@ -6505,7 +7026,7 @@
           <a:sym typeface="Arial"/>
         </a:defRPr>
       </a:lvl8pPr>
-      <a:lvl9pPr marR="0" lvl="8" algn="l" rtl="0">
+      <a:lvl9pPr lvl="8" marR="0" rtl="0" algn="l">
         <a:lnSpc>
           <a:spcPct val="100000"/>
         </a:lnSpc>
@@ -6519,7 +7040,7 @@
           <a:srgbClr val="000000"/>
         </a:buClr>
         <a:buFont typeface="Arial"/>
-        <a:defRPr sz="1400" b="0" i="0" u="none" strike="noStrike" cap="none">
+        <a:defRPr b="0" i="0" sz="1400" u="none" cap="none" strike="noStrike">
           <a:solidFill>
             <a:srgbClr val="000000"/>
           </a:solidFill>
@@ -6531,7 +7052,7 @@
       </a:lvl9pPr>
     </p:bodyStyle>
     <p:otherStyle>
-      <a:defPPr marR="0" lvl="0" algn="l" rtl="0">
+      <a:defPPr lvl="0" marR="0" rtl="0" algn="l">
         <a:lnSpc>
           <a:spcPct val="100000"/>
         </a:lnSpc>
@@ -6542,7 +7063,7 @@
           <a:spcPts val="0"/>
         </a:spcAft>
       </a:defPPr>
-      <a:lvl1pPr marR="0" lvl="0" algn="l" rtl="0">
+      <a:lvl1pPr lvl="0" marR="0" rtl="0" algn="l">
         <a:lnSpc>
           <a:spcPct val="100000"/>
         </a:lnSpc>
@@ -6556,7 +7077,7 @@
           <a:srgbClr val="000000"/>
         </a:buClr>
         <a:buFont typeface="Arial"/>
-        <a:defRPr sz="1400" b="0" i="0" u="none" strike="noStrike" cap="none">
+        <a:defRPr b="0" i="0" sz="1400" u="none" cap="none" strike="noStrike">
           <a:solidFill>
             <a:srgbClr val="000000"/>
           </a:solidFill>
@@ -6566,7 +7087,7 @@
           <a:sym typeface="Arial"/>
         </a:defRPr>
       </a:lvl1pPr>
-      <a:lvl2pPr marR="0" lvl="1" algn="l" rtl="0">
+      <a:lvl2pPr lvl="1" marR="0" rtl="0" algn="l">
         <a:lnSpc>
           <a:spcPct val="100000"/>
         </a:lnSpc>
@@ -6580,7 +7101,7 @@
           <a:srgbClr val="000000"/>
         </a:buClr>
         <a:buFont typeface="Arial"/>
-        <a:defRPr sz="1400" b="0" i="0" u="none" strike="noStrike" cap="none">
+        <a:defRPr b="0" i="0" sz="1400" u="none" cap="none" strike="noStrike">
           <a:solidFill>
             <a:srgbClr val="000000"/>
           </a:solidFill>
@@ -6590,7 +7111,7 @@
           <a:sym typeface="Arial"/>
         </a:defRPr>
       </a:lvl2pPr>
-      <a:lvl3pPr marR="0" lvl="2" algn="l" rtl="0">
+      <a:lvl3pPr lvl="2" marR="0" rtl="0" algn="l">
         <a:lnSpc>
           <a:spcPct val="100000"/>
         </a:lnSpc>
@@ -6604,7 +7125,7 @@
           <a:srgbClr val="000000"/>
         </a:buClr>
         <a:buFont typeface="Arial"/>
-        <a:defRPr sz="1400" b="0" i="0" u="none" strike="noStrike" cap="none">
+        <a:defRPr b="0" i="0" sz="1400" u="none" cap="none" strike="noStrike">
           <a:solidFill>
             <a:srgbClr val="000000"/>
           </a:solidFill>
@@ -6614,7 +7135,7 @@
           <a:sym typeface="Arial"/>
         </a:defRPr>
       </a:lvl3pPr>
-      <a:lvl4pPr marR="0" lvl="3" algn="l" rtl="0">
+      <a:lvl4pPr lvl="3" marR="0" rtl="0" algn="l">
         <a:lnSpc>
           <a:spcPct val="100000"/>
         </a:lnSpc>
@@ -6628,7 +7149,7 @@
           <a:srgbClr val="000000"/>
         </a:buClr>
         <a:buFont typeface="Arial"/>
-        <a:defRPr sz="1400" b="0" i="0" u="none" strike="noStrike" cap="none">
+        <a:defRPr b="0" i="0" sz="1400" u="none" cap="none" strike="noStrike">
           <a:solidFill>
             <a:srgbClr val="000000"/>
           </a:solidFill>
@@ -6638,7 +7159,7 @@
           <a:sym typeface="Arial"/>
         </a:defRPr>
       </a:lvl4pPr>
-      <a:lvl5pPr marR="0" lvl="4" algn="l" rtl="0">
+      <a:lvl5pPr lvl="4" marR="0" rtl="0" algn="l">
         <a:lnSpc>
           <a:spcPct val="100000"/>
         </a:lnSpc>
@@ -6652,7 +7173,7 @@
           <a:srgbClr val="000000"/>
         </a:buClr>
         <a:buFont typeface="Arial"/>
-        <a:defRPr sz="1400" b="0" i="0" u="none" strike="noStrike" cap="none">
+        <a:defRPr b="0" i="0" sz="1400" u="none" cap="none" strike="noStrike">
           <a:solidFill>
             <a:srgbClr val="000000"/>
           </a:solidFill>
@@ -6662,7 +7183,7 @@
           <a:sym typeface="Arial"/>
         </a:defRPr>
       </a:lvl5pPr>
-      <a:lvl6pPr marR="0" lvl="5" algn="l" rtl="0">
+      <a:lvl6pPr lvl="5" marR="0" rtl="0" algn="l">
         <a:lnSpc>
           <a:spcPct val="100000"/>
         </a:lnSpc>
@@ -6676,7 +7197,7 @@
           <a:srgbClr val="000000"/>
         </a:buClr>
         <a:buFont typeface="Arial"/>
-        <a:defRPr sz="1400" b="0" i="0" u="none" strike="noStrike" cap="none">
+        <a:defRPr b="0" i="0" sz="1400" u="none" cap="none" strike="noStrike">
           <a:solidFill>
             <a:srgbClr val="000000"/>
           </a:solidFill>
@@ -6686,7 +7207,7 @@
           <a:sym typeface="Arial"/>
         </a:defRPr>
       </a:lvl6pPr>
-      <a:lvl7pPr marR="0" lvl="6" algn="l" rtl="0">
+      <a:lvl7pPr lvl="6" marR="0" rtl="0" algn="l">
         <a:lnSpc>
           <a:spcPct val="100000"/>
         </a:lnSpc>
@@ -6700,7 +7221,7 @@
           <a:srgbClr val="000000"/>
         </a:buClr>
         <a:buFont typeface="Arial"/>
-        <a:defRPr sz="1400" b="0" i="0" u="none" strike="noStrike" cap="none">
+        <a:defRPr b="0" i="0" sz="1400" u="none" cap="none" strike="noStrike">
           <a:solidFill>
             <a:srgbClr val="000000"/>
           </a:solidFill>
@@ -6710,7 +7231,7 @@
           <a:sym typeface="Arial"/>
         </a:defRPr>
       </a:lvl7pPr>
-      <a:lvl8pPr marR="0" lvl="7" algn="l" rtl="0">
+      <a:lvl8pPr lvl="7" marR="0" rtl="0" algn="l">
         <a:lnSpc>
           <a:spcPct val="100000"/>
         </a:lnSpc>
@@ -6724,7 +7245,7 @@
           <a:srgbClr val="000000"/>
         </a:buClr>
         <a:buFont typeface="Arial"/>
-        <a:defRPr sz="1400" b="0" i="0" u="none" strike="noStrike" cap="none">
+        <a:defRPr b="0" i="0" sz="1400" u="none" cap="none" strike="noStrike">
           <a:solidFill>
             <a:srgbClr val="000000"/>
           </a:solidFill>
@@ -6734,7 +7255,7 @@
           <a:sym typeface="Arial"/>
         </a:defRPr>
       </a:lvl8pPr>
-      <a:lvl9pPr marR="0" lvl="8" algn="l" rtl="0">
+      <a:lvl9pPr lvl="8" marR="0" rtl="0" algn="l">
         <a:lnSpc>
           <a:spcPct val="100000"/>
         </a:lnSpc>
@@ -6748,7 +7269,7 @@
           <a:srgbClr val="000000"/>
         </a:buClr>
         <a:buFont typeface="Arial"/>
-        <a:defRPr sz="1400" b="0" i="0" u="none" strike="noStrike" cap="none">
+        <a:defRPr b="0" i="0" sz="1400" u="none" cap="none" strike="noStrike">
           <a:solidFill>
             <a:srgbClr val="000000"/>
           </a:solidFill>
@@ -6764,11 +7285,11 @@
 </file>
 
 <file path=ppt/slides/slide1.xml><?xml version="1.0" encoding="utf-8"?>
-<p:sld xmlns:a="http://schemas.openxmlformats.org/drawingml/2006/main" xmlns:r="http://schemas.openxmlformats.org/officeDocument/2006/relationships" xmlns:p="http://schemas.openxmlformats.org/presentationml/2006/main">
+<p:sld xmlns:a="http://schemas.openxmlformats.org/drawingml/2006/main" xmlns:r="http://schemas.openxmlformats.org/officeDocument/2006/relationships" xmlns:mc="http://schemas.openxmlformats.org/markup-compatibility/2006" xmlns:mv="urn:schemas-microsoft-com:mac:vml" xmlns:p="http://schemas.openxmlformats.org/presentationml/2006/main" xmlns:c="http://schemas.openxmlformats.org/drawingml/2006/chart" xmlns:dgm="http://schemas.openxmlformats.org/drawingml/2006/diagram" xmlns:o="urn:schemas-microsoft-com:office:office" xmlns:v="urn:schemas-microsoft-com:vml" xmlns:pvml="urn:schemas-microsoft-com:office:powerpoint" xmlns:com="http://schemas.openxmlformats.org/drawingml/2006/compatibility" xmlns:p14="http://schemas.microsoft.com/office/powerpoint/2010/main" xmlns:p15="http://schemas.microsoft.com/office/powerpoint/2012/main" xmlns:ahyp="http://schemas.microsoft.com/office/drawing/2018/hyperlinkcolor">
   <p:cSld>
     <p:spTree>
       <p:nvGrpSpPr>
-        <p:cNvPr id="1" name="Shape 58"/>
+        <p:cNvPr id="58" name="Shape 58"/>
         <p:cNvGrpSpPr/>
         <p:nvPr/>
       </p:nvGrpSpPr>
@@ -6783,9 +7304,7 @@
       <p:sp>
         <p:nvSpPr>
           <p:cNvPr id="59" name="Google Shape;59;p13"/>
-          <p:cNvSpPr txBox="1">
-            <a:spLocks noGrp="1"/>
-          </p:cNvSpPr>
+          <p:cNvSpPr txBox="1"/>
           <p:nvPr>
             <p:ph type="ctrTitle"/>
           </p:nvPr>
@@ -6800,12 +7319,12 @@
           </a:prstGeom>
         </p:spPr>
         <p:txBody>
-          <a:bodyPr spcFirstLastPara="1" wrap="square" lIns="91425" tIns="91425" rIns="91425" bIns="91425" anchor="b" anchorCtr="0">
+          <a:bodyPr anchorCtr="0" anchor="b" bIns="91425" lIns="91425" spcFirstLastPara="1" rIns="91425" wrap="square" tIns="91425">
             <a:normAutofit/>
           </a:bodyPr>
           <a:lstStyle/>
           <a:p>
-            <a:pPr marL="0" lvl="0" indent="0" algn="ctr" rtl="0">
+            <a:pPr indent="0" lvl="0" marL="0" rtl="0" algn="ctr">
               <a:spcBef>
                 <a:spcPts val="0"/>
               </a:spcBef>
@@ -6825,11 +7344,9 @@
       <p:sp>
         <p:nvSpPr>
           <p:cNvPr id="60" name="Google Shape;60;p13"/>
-          <p:cNvSpPr txBox="1">
-            <a:spLocks noGrp="1"/>
-          </p:cNvSpPr>
+          <p:cNvSpPr txBox="1"/>
           <p:nvPr>
-            <p:ph type="subTitle" idx="1"/>
+            <p:ph idx="1" type="subTitle"/>
           </p:nvPr>
         </p:nvSpPr>
         <p:spPr>
@@ -6842,12 +7359,12 @@
           </a:prstGeom>
         </p:spPr>
         <p:txBody>
-          <a:bodyPr spcFirstLastPara="1" wrap="square" lIns="91425" tIns="91425" rIns="91425" bIns="91425" anchor="t" anchorCtr="0">
+          <a:bodyPr anchorCtr="0" anchor="t" bIns="91425" lIns="91425" spcFirstLastPara="1" rIns="91425" wrap="square" tIns="91425">
             <a:normAutofit lnSpcReduction="10000"/>
           </a:bodyPr>
           <a:lstStyle/>
           <a:p>
-            <a:pPr marL="0" lvl="0" indent="0" algn="ctr" rtl="0">
+            <a:pPr indent="0" lvl="0" marL="0" rtl="0" algn="ctr">
               <a:spcBef>
                 <a:spcPts val="0"/>
               </a:spcBef>
@@ -6863,7 +7380,7 @@
             <a:endParaRPr/>
           </a:p>
           <a:p>
-            <a:pPr marL="0" lvl="0" indent="0" algn="ctr" rtl="0">
+            <a:pPr indent="0" lvl="0" marL="0" rtl="0" algn="ctr">
               <a:spcBef>
                 <a:spcPts val="0"/>
               </a:spcBef>
@@ -6913,13 +7430,13 @@
   <p:clrMapOvr>
     <a:masterClrMapping/>
   </p:clrMapOvr>
-  <mc:AlternateContent xmlns:mc="http://schemas.openxmlformats.org/markup-compatibility/2006" xmlns:p14="http://schemas.microsoft.com/office/powerpoint/2010/main">
+  <mc:AlternateContent>
     <mc:Choice Requires="p14">
-      <p:transition spd="slow">
+      <p:transition spd="slow" p14:dur="1000">
         <p14:flip dir="l"/>
       </p:transition>
     </mc:Choice>
-    <mc:Fallback xmlns:ahyp="http://schemas.microsoft.com/office/drawing/2018/hyperlinkcolor" xmlns:p15="http://schemas.microsoft.com/office/powerpoint/2012/main" xmlns:com="http://schemas.openxmlformats.org/drawingml/2006/compatibility" xmlns:pvml="urn:schemas-microsoft-com:office:powerpoint" xmlns:v="urn:schemas-microsoft-com:vml" xmlns:o="urn:schemas-microsoft-com:office:office" xmlns:dgm="http://schemas.openxmlformats.org/drawingml/2006/diagram" xmlns:c="http://schemas.openxmlformats.org/drawingml/2006/chart" xmlns:mv="urn:schemas-microsoft-com:mac:vml" xmlns="">
+    <mc:Fallback>
       <p:transition spd="slow">
         <p:fade/>
       </p:transition>
@@ -6928,32 +7445,32 @@
   <p:timing>
     <p:tnLst>
       <p:par>
-        <p:cTn id="1" dur="indefinite" restart="never" nodeType="tmRoot">
+        <p:cTn dur="indefinite" nodeType="tmRoot" restart="never">
           <p:childTnLst>
             <p:seq concurrent="1" nextAc="seek">
-              <p:cTn id="2" dur="indefinite" nodeType="mainSeq">
+              <p:cTn dur="indefinite" id="2" nodeType="mainSeq">
                 <p:childTnLst>
                   <p:par>
-                    <p:cTn id="3" fill="hold">
+                    <p:cTn fill="hold">
                       <p:stCondLst>
                         <p:cond delay="indefinite"/>
                       </p:stCondLst>
                       <p:childTnLst>
                         <p:par>
-                          <p:cTn id="4" fill="hold">
+                          <p:cTn fill="hold">
                             <p:stCondLst>
                               <p:cond delay="0"/>
                             </p:stCondLst>
                             <p:childTnLst>
                               <p:par>
-                                <p:cTn id="5" presetID="10" presetClass="entr" presetSubtype="0" fill="hold" nodeType="clickEffect">
+                                <p:cTn fill="hold" nodeType="clickEffect" presetClass="entr" presetID="10" presetSubtype="0">
                                   <p:stCondLst>
                                     <p:cond delay="0"/>
                                   </p:stCondLst>
                                   <p:childTnLst>
                                     <p:set>
                                       <p:cBhvr>
-                                        <p:cTn id="6" dur="1" fill="hold">
+                                        <p:cTn dur="1" fill="hold">
                                           <p:stCondLst>
                                             <p:cond delay="0"/>
                                           </p:stCondLst>
@@ -6969,9 +7486,9 @@
                                         <p:strVal val="visible"/>
                                       </p:to>
                                     </p:set>
-                                    <p:animEffect transition="in" filter="fade">
+                                    <p:animEffect filter="fade" transition="in">
                                       <p:cBhvr>
-                                        <p:cTn id="7" dur="1000"/>
+                                        <p:cTn dur="1000"/>
                                         <p:tgtEl>
                                           <p:spTgt spid="60"/>
                                         </p:tgtEl>
@@ -6989,14 +7506,14 @@
                 </p:childTnLst>
               </p:cTn>
               <p:prevCondLst>
-                <p:cond evt="onPrev" delay="0">
+                <p:cond evt="onPrev">
                   <p:tgtEl>
                     <p:sldTgt/>
                   </p:tgtEl>
                 </p:cond>
               </p:prevCondLst>
               <p:nextCondLst>
-                <p:cond evt="onNext" delay="0">
+                <p:cond evt="onNext">
                   <p:tgtEl>
                     <p:sldTgt/>
                   </p:tgtEl>
@@ -7011,12 +7528,732 @@
 </p:sld>
 </file>
 
-<file path=ppt/slides/slide2.xml><?xml version="1.0" encoding="utf-8"?>
-<p:sld xmlns:a="http://schemas.openxmlformats.org/drawingml/2006/main" xmlns:r="http://schemas.openxmlformats.org/officeDocument/2006/relationships" xmlns:p="http://schemas.openxmlformats.org/presentationml/2006/main">
+<file path=ppt/slides/slide10.xml><?xml version="1.0" encoding="utf-8"?>
+<p:sld xmlns:a="http://schemas.openxmlformats.org/drawingml/2006/main" xmlns:r="http://schemas.openxmlformats.org/officeDocument/2006/relationships" xmlns:mc="http://schemas.openxmlformats.org/markup-compatibility/2006" xmlns:mv="urn:schemas-microsoft-com:mac:vml" xmlns:p="http://schemas.openxmlformats.org/presentationml/2006/main" xmlns:c="http://schemas.openxmlformats.org/drawingml/2006/chart" xmlns:dgm="http://schemas.openxmlformats.org/drawingml/2006/diagram" xmlns:o="urn:schemas-microsoft-com:office:office" xmlns:v="urn:schemas-microsoft-com:vml" xmlns:pvml="urn:schemas-microsoft-com:office:powerpoint" xmlns:com="http://schemas.openxmlformats.org/drawingml/2006/compatibility" xmlns:p14="http://schemas.microsoft.com/office/powerpoint/2010/main" xmlns:p15="http://schemas.microsoft.com/office/powerpoint/2012/main" xmlns:ahyp="http://schemas.microsoft.com/office/drawing/2018/hyperlinkcolor">
   <p:cSld>
     <p:spTree>
       <p:nvGrpSpPr>
-        <p:cNvPr id="1" name="Shape 65"/>
+        <p:cNvPr id="117" name="Shape 117"/>
+        <p:cNvGrpSpPr/>
+        <p:nvPr/>
+      </p:nvGrpSpPr>
+      <p:grpSpPr>
+        <a:xfrm>
+          <a:off x="0" y="0"/>
+          <a:ext cx="0" cy="0"/>
+          <a:chOff x="0" y="0"/>
+          <a:chExt cx="0" cy="0"/>
+        </a:xfrm>
+      </p:grpSpPr>
+      <p:sp>
+        <p:nvSpPr>
+          <p:cNvPr id="118" name="Google Shape;118;p22"/>
+          <p:cNvSpPr txBox="1"/>
+          <p:nvPr>
+            <p:ph type="title"/>
+          </p:nvPr>
+        </p:nvSpPr>
+        <p:spPr>
+          <a:xfrm>
+            <a:off x="311700" y="445025"/>
+            <a:ext cx="8520600" cy="572700"/>
+          </a:xfrm>
+          <a:prstGeom prst="rect">
+            <a:avLst/>
+          </a:prstGeom>
+        </p:spPr>
+        <p:txBody>
+          <a:bodyPr anchorCtr="0" anchor="t" bIns="91425" lIns="91425" spcFirstLastPara="1" rIns="91425" wrap="square" tIns="91425">
+            <a:normAutofit fontScale="90000"/>
+          </a:bodyPr>
+          <a:lstStyle/>
+          <a:p>
+            <a:pPr indent="0" lvl="0" marL="0" rtl="0" algn="l">
+              <a:spcBef>
+                <a:spcPts val="0"/>
+              </a:spcBef>
+              <a:spcAft>
+                <a:spcPts val="0"/>
+              </a:spcAft>
+              <a:buNone/>
+            </a:pPr>
+            <a:r>
+              <a:rPr lang="en"/>
+              <a:t>Data Analysis</a:t>
+            </a:r>
+            <a:endParaRPr/>
+          </a:p>
+        </p:txBody>
+      </p:sp>
+      <p:sp>
+        <p:nvSpPr>
+          <p:cNvPr id="119" name="Google Shape;119;p22"/>
+          <p:cNvSpPr txBox="1"/>
+          <p:nvPr>
+            <p:ph idx="1" type="body"/>
+          </p:nvPr>
+        </p:nvSpPr>
+        <p:spPr>
+          <a:xfrm>
+            <a:off x="311700" y="1152475"/>
+            <a:ext cx="8520600" cy="3416400"/>
+          </a:xfrm>
+          <a:prstGeom prst="rect">
+            <a:avLst/>
+          </a:prstGeom>
+        </p:spPr>
+        <p:txBody>
+          <a:bodyPr anchorCtr="0" anchor="t" bIns="91425" lIns="91425" spcFirstLastPara="1" rIns="91425" wrap="square" tIns="91425">
+            <a:normAutofit/>
+          </a:bodyPr>
+          <a:lstStyle/>
+          <a:p>
+            <a:pPr indent="0" lvl="0" marL="0" rtl="0" algn="l">
+              <a:spcBef>
+                <a:spcPts val="0"/>
+              </a:spcBef>
+              <a:spcAft>
+                <a:spcPts val="0"/>
+              </a:spcAft>
+              <a:buNone/>
+            </a:pPr>
+            <a:r>
+              <a:rPr lang="en"/>
+              <a:t>Cont’d </a:t>
+            </a:r>
+            <a:r>
+              <a:rPr lang="en"/>
+              <a:t>Lo</a:t>
+            </a:r>
+            <a:r>
+              <a:rPr lang="en"/>
+              <a:t>gistic Regression Model</a:t>
+            </a:r>
+            <a:endParaRPr/>
+          </a:p>
+          <a:p>
+            <a:pPr indent="0" lvl="0" marL="0" rtl="0" algn="l">
+              <a:spcBef>
+                <a:spcPts val="1200"/>
+              </a:spcBef>
+              <a:spcAft>
+                <a:spcPts val="1200"/>
+              </a:spcAft>
+              <a:buNone/>
+            </a:pPr>
+            <a:r>
+              <a:t/>
+            </a:r>
+            <a:endParaRPr/>
+          </a:p>
+        </p:txBody>
+      </p:sp>
+      <p:pic>
+        <p:nvPicPr>
+          <p:cNvPr id="120" name="Google Shape;120;p22"/>
+          <p:cNvPicPr preferRelativeResize="0"/>
+          <p:nvPr/>
+        </p:nvPicPr>
+        <p:blipFill>
+          <a:blip r:embed="rId3">
+            <a:alphaModFix/>
+          </a:blip>
+          <a:stretch>
+            <a:fillRect/>
+          </a:stretch>
+        </p:blipFill>
+        <p:spPr>
+          <a:xfrm>
+            <a:off x="1544402" y="1854302"/>
+            <a:ext cx="5712050" cy="2525450"/>
+          </a:xfrm>
+          <a:prstGeom prst="rect">
+            <a:avLst/>
+          </a:prstGeom>
+          <a:noFill/>
+          <a:ln>
+            <a:noFill/>
+          </a:ln>
+        </p:spPr>
+      </p:pic>
+    </p:spTree>
+  </p:cSld>
+  <p:clrMapOvr>
+    <a:masterClrMapping/>
+  </p:clrMapOvr>
+</p:sld>
+</file>
+
+<file path=ppt/slides/slide11.xml><?xml version="1.0" encoding="utf-8"?>
+<p:sld xmlns:a="http://schemas.openxmlformats.org/drawingml/2006/main" xmlns:r="http://schemas.openxmlformats.org/officeDocument/2006/relationships" xmlns:mc="http://schemas.openxmlformats.org/markup-compatibility/2006" xmlns:mv="urn:schemas-microsoft-com:mac:vml" xmlns:p="http://schemas.openxmlformats.org/presentationml/2006/main" xmlns:c="http://schemas.openxmlformats.org/drawingml/2006/chart" xmlns:dgm="http://schemas.openxmlformats.org/drawingml/2006/diagram" xmlns:o="urn:schemas-microsoft-com:office:office" xmlns:v="urn:schemas-microsoft-com:vml" xmlns:pvml="urn:schemas-microsoft-com:office:powerpoint" xmlns:com="http://schemas.openxmlformats.org/drawingml/2006/compatibility" xmlns:p14="http://schemas.microsoft.com/office/powerpoint/2010/main" xmlns:p15="http://schemas.microsoft.com/office/powerpoint/2012/main" xmlns:ahyp="http://schemas.microsoft.com/office/drawing/2018/hyperlinkcolor">
+  <p:cSld>
+    <p:spTree>
+      <p:nvGrpSpPr>
+        <p:cNvPr id="124" name="Shape 124"/>
+        <p:cNvGrpSpPr/>
+        <p:nvPr/>
+      </p:nvGrpSpPr>
+      <p:grpSpPr>
+        <a:xfrm>
+          <a:off x="0" y="0"/>
+          <a:ext cx="0" cy="0"/>
+          <a:chOff x="0" y="0"/>
+          <a:chExt cx="0" cy="0"/>
+        </a:xfrm>
+      </p:grpSpPr>
+      <p:sp>
+        <p:nvSpPr>
+          <p:cNvPr id="125" name="Google Shape;125;p23"/>
+          <p:cNvSpPr txBox="1"/>
+          <p:nvPr>
+            <p:ph type="title"/>
+          </p:nvPr>
+        </p:nvSpPr>
+        <p:spPr>
+          <a:xfrm>
+            <a:off x="311700" y="445025"/>
+            <a:ext cx="8520600" cy="572700"/>
+          </a:xfrm>
+          <a:prstGeom prst="rect">
+            <a:avLst/>
+          </a:prstGeom>
+        </p:spPr>
+        <p:txBody>
+          <a:bodyPr anchorCtr="0" anchor="t" bIns="91425" lIns="91425" spcFirstLastPara="1" rIns="91425" wrap="square" tIns="91425">
+            <a:normAutofit fontScale="90000"/>
+          </a:bodyPr>
+          <a:lstStyle/>
+          <a:p>
+            <a:pPr indent="0" lvl="0" marL="0" rtl="0" algn="l">
+              <a:spcBef>
+                <a:spcPts val="0"/>
+              </a:spcBef>
+              <a:spcAft>
+                <a:spcPts val="0"/>
+              </a:spcAft>
+              <a:buNone/>
+            </a:pPr>
+            <a:r>
+              <a:rPr lang="en"/>
+              <a:t>Tools Used</a:t>
+            </a:r>
+            <a:endParaRPr/>
+          </a:p>
+        </p:txBody>
+      </p:sp>
+      <p:sp>
+        <p:nvSpPr>
+          <p:cNvPr id="126" name="Google Shape;126;p23"/>
+          <p:cNvSpPr txBox="1"/>
+          <p:nvPr>
+            <p:ph idx="1" type="body"/>
+          </p:nvPr>
+        </p:nvSpPr>
+        <p:spPr>
+          <a:xfrm>
+            <a:off x="311700" y="1152475"/>
+            <a:ext cx="8520600" cy="3416400"/>
+          </a:xfrm>
+          <a:prstGeom prst="rect">
+            <a:avLst/>
+          </a:prstGeom>
+        </p:spPr>
+        <p:txBody>
+          <a:bodyPr anchorCtr="0" anchor="t" bIns="91425" lIns="91425" spcFirstLastPara="1" rIns="91425" wrap="square" tIns="91425">
+            <a:normAutofit fontScale="25000" lnSpcReduction="10000"/>
+          </a:bodyPr>
+          <a:lstStyle/>
+          <a:p>
+            <a:pPr indent="-305593" lvl="0" marL="457200" rtl="0" algn="l">
+              <a:spcBef>
+                <a:spcPts val="0"/>
+              </a:spcBef>
+              <a:spcAft>
+                <a:spcPts val="0"/>
+              </a:spcAft>
+              <a:buClr>
+                <a:srgbClr val="EFEFEF"/>
+              </a:buClr>
+              <a:buSzPct val="100000"/>
+              <a:buChar char="-"/>
+            </a:pPr>
+            <a:r>
+              <a:rPr lang="en" sz="4850">
+                <a:solidFill>
+                  <a:srgbClr val="EFEFEF"/>
+                </a:solidFill>
+              </a:rPr>
+              <a:t>Creating Database</a:t>
+            </a:r>
+            <a:endParaRPr sz="4850">
+              <a:solidFill>
+                <a:srgbClr val="EFEFEF"/>
+              </a:solidFill>
+            </a:endParaRPr>
+          </a:p>
+          <a:p>
+            <a:pPr indent="-305593" lvl="1" marL="914400" rtl="0" algn="l">
+              <a:spcBef>
+                <a:spcPts val="0"/>
+              </a:spcBef>
+              <a:spcAft>
+                <a:spcPts val="0"/>
+              </a:spcAft>
+              <a:buClr>
+                <a:srgbClr val="EFEFEF"/>
+              </a:buClr>
+              <a:buSzPct val="100000"/>
+              <a:buChar char="-"/>
+            </a:pPr>
+            <a:r>
+              <a:rPr lang="en" sz="4850">
+                <a:solidFill>
+                  <a:srgbClr val="EFEFEF"/>
+                </a:solidFill>
+              </a:rPr>
+              <a:t>PostgresSQL</a:t>
+            </a:r>
+            <a:endParaRPr sz="4850">
+              <a:solidFill>
+                <a:srgbClr val="EFEFEF"/>
+              </a:solidFill>
+            </a:endParaRPr>
+          </a:p>
+          <a:p>
+            <a:pPr indent="-305593" lvl="1" marL="914400" rtl="0" algn="l">
+              <a:spcBef>
+                <a:spcPts val="0"/>
+              </a:spcBef>
+              <a:spcAft>
+                <a:spcPts val="0"/>
+              </a:spcAft>
+              <a:buClr>
+                <a:srgbClr val="EFEFEF"/>
+              </a:buClr>
+              <a:buSzPct val="100000"/>
+              <a:buChar char="-"/>
+            </a:pPr>
+            <a:r>
+              <a:rPr lang="en" sz="4850">
+                <a:solidFill>
+                  <a:srgbClr val="EFEFEF"/>
+                </a:solidFill>
+              </a:rPr>
+              <a:t>CSV</a:t>
+            </a:r>
+            <a:endParaRPr sz="4850">
+              <a:solidFill>
+                <a:srgbClr val="EFEFEF"/>
+              </a:solidFill>
+            </a:endParaRPr>
+          </a:p>
+          <a:p>
+            <a:pPr indent="0" lvl="0" marL="57150" rtl="0" algn="l">
+              <a:spcBef>
+                <a:spcPts val="1200"/>
+              </a:spcBef>
+              <a:spcAft>
+                <a:spcPts val="0"/>
+              </a:spcAft>
+              <a:buNone/>
+            </a:pPr>
+            <a:r>
+              <a:rPr lang="en" sz="4850">
+                <a:solidFill>
+                  <a:srgbClr val="EFEFEF"/>
+                </a:solidFill>
+              </a:rPr>
+              <a:t>   -  Connecting to Database</a:t>
+            </a:r>
+            <a:endParaRPr sz="4850">
+              <a:solidFill>
+                <a:srgbClr val="EFEFEF"/>
+              </a:solidFill>
+            </a:endParaRPr>
+          </a:p>
+          <a:p>
+            <a:pPr indent="0" lvl="0" marL="457200" rtl="0" algn="l">
+              <a:spcBef>
+                <a:spcPts val="1200"/>
+              </a:spcBef>
+              <a:spcAft>
+                <a:spcPts val="0"/>
+              </a:spcAft>
+              <a:buNone/>
+            </a:pPr>
+            <a:r>
+              <a:rPr lang="en" sz="4850"/>
+              <a:t>   - </a:t>
+            </a:r>
+            <a:r>
+              <a:rPr lang="en" sz="4850">
+                <a:solidFill>
+                  <a:schemeClr val="dk1"/>
+                </a:solidFill>
+              </a:rPr>
+              <a:t>SQLAlchemy, Psycopg2 module</a:t>
+            </a:r>
+            <a:endParaRPr sz="4850">
+              <a:solidFill>
+                <a:schemeClr val="dk1"/>
+              </a:solidFill>
+            </a:endParaRPr>
+          </a:p>
+          <a:p>
+            <a:pPr indent="-305593" lvl="0" marL="457200" rtl="0" algn="l">
+              <a:spcBef>
+                <a:spcPts val="1200"/>
+              </a:spcBef>
+              <a:spcAft>
+                <a:spcPts val="0"/>
+              </a:spcAft>
+              <a:buClr>
+                <a:schemeClr val="dk1"/>
+              </a:buClr>
+              <a:buSzPct val="100000"/>
+              <a:buFont typeface="Average"/>
+              <a:buChar char="-"/>
+            </a:pPr>
+            <a:r>
+              <a:rPr lang="en" sz="4850">
+                <a:solidFill>
+                  <a:schemeClr val="dk1"/>
+                </a:solidFill>
+              </a:rPr>
+              <a:t>Analyzing Data</a:t>
+            </a:r>
+            <a:endParaRPr sz="4850">
+              <a:solidFill>
+                <a:schemeClr val="dk1"/>
+              </a:solidFill>
+            </a:endParaRPr>
+          </a:p>
+          <a:p>
+            <a:pPr indent="-305593" lvl="1" marL="914400" rtl="0" algn="l">
+              <a:spcBef>
+                <a:spcPts val="0"/>
+              </a:spcBef>
+              <a:spcAft>
+                <a:spcPts val="0"/>
+              </a:spcAft>
+              <a:buClr>
+                <a:schemeClr val="dk1"/>
+              </a:buClr>
+              <a:buSzPct val="100000"/>
+              <a:buFont typeface="Average"/>
+              <a:buChar char="-"/>
+            </a:pPr>
+            <a:r>
+              <a:rPr lang="en" sz="4850">
+                <a:solidFill>
+                  <a:schemeClr val="dk1"/>
+                </a:solidFill>
+              </a:rPr>
+              <a:t>Pandas</a:t>
+            </a:r>
+            <a:endParaRPr sz="4850">
+              <a:solidFill>
+                <a:schemeClr val="dk1"/>
+              </a:solidFill>
+            </a:endParaRPr>
+          </a:p>
+          <a:p>
+            <a:pPr indent="-305593" lvl="0" marL="457200" rtl="0" algn="l">
+              <a:spcBef>
+                <a:spcPts val="0"/>
+              </a:spcBef>
+              <a:spcAft>
+                <a:spcPts val="0"/>
+              </a:spcAft>
+              <a:buClr>
+                <a:schemeClr val="dk1"/>
+              </a:buClr>
+              <a:buSzPct val="100000"/>
+              <a:buFont typeface="Average"/>
+              <a:buChar char="-"/>
+            </a:pPr>
+            <a:r>
+              <a:rPr lang="en" sz="4850">
+                <a:solidFill>
+                  <a:schemeClr val="dk1"/>
+                </a:solidFill>
+              </a:rPr>
+              <a:t>Machine Learning</a:t>
+            </a:r>
+            <a:endParaRPr sz="4850">
+              <a:solidFill>
+                <a:schemeClr val="dk1"/>
+              </a:solidFill>
+            </a:endParaRPr>
+          </a:p>
+          <a:p>
+            <a:pPr indent="-305593" lvl="1" marL="914400" rtl="0" algn="l">
+              <a:spcBef>
+                <a:spcPts val="0"/>
+              </a:spcBef>
+              <a:spcAft>
+                <a:spcPts val="0"/>
+              </a:spcAft>
+              <a:buClr>
+                <a:schemeClr val="dk1"/>
+              </a:buClr>
+              <a:buSzPct val="100000"/>
+              <a:buFont typeface="Average"/>
+              <a:buChar char="-"/>
+            </a:pPr>
+            <a:r>
+              <a:rPr lang="en" sz="4850">
+                <a:solidFill>
+                  <a:schemeClr val="dk1"/>
+                </a:solidFill>
+              </a:rPr>
+              <a:t>sklearn.preprocessing</a:t>
+            </a:r>
+            <a:endParaRPr sz="4850">
+              <a:solidFill>
+                <a:schemeClr val="dk1"/>
+              </a:solidFill>
+            </a:endParaRPr>
+          </a:p>
+          <a:p>
+            <a:pPr indent="-305593" lvl="0" marL="457200" rtl="0" algn="l">
+              <a:spcBef>
+                <a:spcPts val="0"/>
+              </a:spcBef>
+              <a:spcAft>
+                <a:spcPts val="0"/>
+              </a:spcAft>
+              <a:buClr>
+                <a:schemeClr val="dk1"/>
+              </a:buClr>
+              <a:buSzPct val="100000"/>
+              <a:buFont typeface="Average"/>
+              <a:buChar char="-"/>
+            </a:pPr>
+            <a:r>
+              <a:rPr lang="en" sz="4850">
+                <a:solidFill>
+                  <a:schemeClr val="dk1"/>
+                </a:solidFill>
+              </a:rPr>
+              <a:t>Dashboard</a:t>
+            </a:r>
+            <a:endParaRPr sz="4850">
+              <a:solidFill>
+                <a:schemeClr val="dk1"/>
+              </a:solidFill>
+            </a:endParaRPr>
+          </a:p>
+          <a:p>
+            <a:pPr indent="-305593" lvl="1" marL="914400" rtl="0" algn="l">
+              <a:spcBef>
+                <a:spcPts val="0"/>
+              </a:spcBef>
+              <a:spcAft>
+                <a:spcPts val="0"/>
+              </a:spcAft>
+              <a:buClr>
+                <a:schemeClr val="dk1"/>
+              </a:buClr>
+              <a:buSzPct val="100000"/>
+              <a:buFont typeface="Average"/>
+              <a:buChar char="-"/>
+            </a:pPr>
+            <a:r>
+              <a:rPr lang="en" sz="4850">
+                <a:solidFill>
+                  <a:schemeClr val="dk1"/>
+                </a:solidFill>
+              </a:rPr>
+              <a:t>Tableau</a:t>
+            </a:r>
+            <a:endParaRPr sz="4850">
+              <a:solidFill>
+                <a:schemeClr val="dk1"/>
+              </a:solidFill>
+            </a:endParaRPr>
+          </a:p>
+          <a:p>
+            <a:pPr indent="0" lvl="0" marL="914400" rtl="0" algn="l">
+              <a:spcBef>
+                <a:spcPts val="1200"/>
+              </a:spcBef>
+              <a:spcAft>
+                <a:spcPts val="0"/>
+              </a:spcAft>
+              <a:buNone/>
+            </a:pPr>
+            <a:r>
+              <a:t/>
+            </a:r>
+            <a:endParaRPr sz="4850">
+              <a:solidFill>
+                <a:schemeClr val="dk1"/>
+              </a:solidFill>
+            </a:endParaRPr>
+          </a:p>
+          <a:p>
+            <a:pPr indent="0" lvl="0" marL="0" rtl="0" algn="l">
+              <a:spcBef>
+                <a:spcPts val="1200"/>
+              </a:spcBef>
+              <a:spcAft>
+                <a:spcPts val="1200"/>
+              </a:spcAft>
+              <a:buNone/>
+            </a:pPr>
+            <a:r>
+              <a:t/>
+            </a:r>
+            <a:endParaRPr/>
+          </a:p>
+        </p:txBody>
+      </p:sp>
+    </p:spTree>
+  </p:cSld>
+  <p:clrMapOvr>
+    <a:masterClrMapping/>
+  </p:clrMapOvr>
+</p:sld>
+</file>
+
+<file path=ppt/slides/slide12.xml><?xml version="1.0" encoding="utf-8"?>
+<p:sld xmlns:a="http://schemas.openxmlformats.org/drawingml/2006/main" xmlns:r="http://schemas.openxmlformats.org/officeDocument/2006/relationships" xmlns:mc="http://schemas.openxmlformats.org/markup-compatibility/2006" xmlns:mv="urn:schemas-microsoft-com:mac:vml" xmlns:p="http://schemas.openxmlformats.org/presentationml/2006/main" xmlns:c="http://schemas.openxmlformats.org/drawingml/2006/chart" xmlns:dgm="http://schemas.openxmlformats.org/drawingml/2006/diagram" xmlns:o="urn:schemas-microsoft-com:office:office" xmlns:v="urn:schemas-microsoft-com:vml" xmlns:pvml="urn:schemas-microsoft-com:office:powerpoint" xmlns:com="http://schemas.openxmlformats.org/drawingml/2006/compatibility" xmlns:p14="http://schemas.microsoft.com/office/powerpoint/2010/main" xmlns:p15="http://schemas.microsoft.com/office/powerpoint/2012/main" xmlns:ahyp="http://schemas.microsoft.com/office/drawing/2018/hyperlinkcolor">
+  <p:cSld>
+    <p:spTree>
+      <p:nvGrpSpPr>
+        <p:cNvPr id="130" name="Shape 130"/>
+        <p:cNvGrpSpPr/>
+        <p:nvPr/>
+      </p:nvGrpSpPr>
+      <p:grpSpPr>
+        <a:xfrm>
+          <a:off x="0" y="0"/>
+          <a:ext cx="0" cy="0"/>
+          <a:chOff x="0" y="0"/>
+          <a:chExt cx="0" cy="0"/>
+        </a:xfrm>
+      </p:grpSpPr>
+      <p:sp>
+        <p:nvSpPr>
+          <p:cNvPr id="131" name="Google Shape;131;p24"/>
+          <p:cNvSpPr txBox="1"/>
+          <p:nvPr>
+            <p:ph type="title"/>
+          </p:nvPr>
+        </p:nvSpPr>
+        <p:spPr>
+          <a:xfrm>
+            <a:off x="311700" y="445025"/>
+            <a:ext cx="8520600" cy="572700"/>
+          </a:xfrm>
+          <a:prstGeom prst="rect">
+            <a:avLst/>
+          </a:prstGeom>
+        </p:spPr>
+        <p:txBody>
+          <a:bodyPr anchorCtr="0" anchor="t" bIns="91425" lIns="91425" spcFirstLastPara="1" rIns="91425" wrap="square" tIns="91425">
+            <a:normAutofit fontScale="90000"/>
+          </a:bodyPr>
+          <a:lstStyle/>
+          <a:p>
+            <a:pPr indent="0" lvl="0" marL="0" rtl="0" algn="l">
+              <a:spcBef>
+                <a:spcPts val="0"/>
+              </a:spcBef>
+              <a:spcAft>
+                <a:spcPts val="0"/>
+              </a:spcAft>
+              <a:buNone/>
+            </a:pPr>
+            <a:r>
+              <a:rPr lang="en"/>
+              <a:t>Recommendations for Future Analysis</a:t>
+            </a:r>
+            <a:endParaRPr/>
+          </a:p>
+        </p:txBody>
+      </p:sp>
+      <p:sp>
+        <p:nvSpPr>
+          <p:cNvPr id="132" name="Google Shape;132;p24"/>
+          <p:cNvSpPr txBox="1"/>
+          <p:nvPr>
+            <p:ph idx="1" type="body"/>
+          </p:nvPr>
+        </p:nvSpPr>
+        <p:spPr>
+          <a:xfrm>
+            <a:off x="311700" y="1152475"/>
+            <a:ext cx="8520600" cy="3416400"/>
+          </a:xfrm>
+          <a:prstGeom prst="rect">
+            <a:avLst/>
+          </a:prstGeom>
+        </p:spPr>
+        <p:txBody>
+          <a:bodyPr anchorCtr="0" anchor="t" bIns="91425" lIns="91425" spcFirstLastPara="1" rIns="91425" wrap="square" tIns="91425">
+            <a:normAutofit/>
+          </a:bodyPr>
+          <a:lstStyle/>
+          <a:p>
+            <a:pPr indent="-342900" lvl="0" marL="457200" rtl="0" algn="l">
+              <a:spcBef>
+                <a:spcPts val="0"/>
+              </a:spcBef>
+              <a:spcAft>
+                <a:spcPts val="0"/>
+              </a:spcAft>
+              <a:buSzPts val="1800"/>
+              <a:buChar char="-"/>
+            </a:pPr>
+            <a:r>
+              <a:rPr lang="en"/>
+              <a:t>Explore other feature for correlation</a:t>
+            </a:r>
+            <a:endParaRPr/>
+          </a:p>
+          <a:p>
+            <a:pPr indent="-342900" lvl="0" marL="457200" rtl="0" algn="l">
+              <a:spcBef>
+                <a:spcPts val="0"/>
+              </a:spcBef>
+              <a:spcAft>
+                <a:spcPts val="0"/>
+              </a:spcAft>
+              <a:buSzPts val="1800"/>
+              <a:buChar char="-"/>
+            </a:pPr>
+            <a:r>
+              <a:rPr lang="en"/>
+              <a:t>Make other analysis based on the </a:t>
+            </a:r>
+            <a:r>
+              <a:rPr lang="en"/>
+              <a:t>severity</a:t>
+            </a:r>
+            <a:r>
+              <a:rPr lang="en"/>
+              <a:t> of the storm</a:t>
+            </a:r>
+            <a:endParaRPr/>
+          </a:p>
+        </p:txBody>
+      </p:sp>
+    </p:spTree>
+  </p:cSld>
+  <p:clrMapOvr>
+    <a:masterClrMapping/>
+  </p:clrMapOvr>
+</p:sld>
+</file>
+
+<file path=ppt/slides/slide2.xml><?xml version="1.0" encoding="utf-8"?>
+<p:sld xmlns:a="http://schemas.openxmlformats.org/drawingml/2006/main" xmlns:r="http://schemas.openxmlformats.org/officeDocument/2006/relationships" xmlns:mc="http://schemas.openxmlformats.org/markup-compatibility/2006" xmlns:mv="urn:schemas-microsoft-com:mac:vml" xmlns:p="http://schemas.openxmlformats.org/presentationml/2006/main" xmlns:c="http://schemas.openxmlformats.org/drawingml/2006/chart" xmlns:dgm="http://schemas.openxmlformats.org/drawingml/2006/diagram" xmlns:o="urn:schemas-microsoft-com:office:office" xmlns:v="urn:schemas-microsoft-com:vml" xmlns:pvml="urn:schemas-microsoft-com:office:powerpoint" xmlns:com="http://schemas.openxmlformats.org/drawingml/2006/compatibility" xmlns:p14="http://schemas.microsoft.com/office/powerpoint/2010/main" xmlns:p15="http://schemas.microsoft.com/office/powerpoint/2012/main" xmlns:ahyp="http://schemas.microsoft.com/office/drawing/2018/hyperlinkcolor">
+  <p:cSld>
+    <p:spTree>
+      <p:nvGrpSpPr>
+        <p:cNvPr id="65" name="Shape 65"/>
         <p:cNvGrpSpPr/>
         <p:nvPr/>
       </p:nvGrpSpPr>
@@ -7031,9 +8268,7 @@
       <p:sp>
         <p:nvSpPr>
           <p:cNvPr id="66" name="Google Shape;66;p14"/>
-          <p:cNvSpPr txBox="1">
-            <a:spLocks noGrp="1"/>
-          </p:cNvSpPr>
+          <p:cNvSpPr txBox="1"/>
           <p:nvPr>
             <p:ph type="title"/>
           </p:nvPr>
@@ -7048,12 +8283,12 @@
           </a:prstGeom>
         </p:spPr>
         <p:txBody>
-          <a:bodyPr spcFirstLastPara="1" wrap="square" lIns="91425" tIns="91425" rIns="91425" bIns="91425" anchor="t" anchorCtr="0">
+          <a:bodyPr anchorCtr="0" anchor="t" bIns="91425" lIns="91425" spcFirstLastPara="1" rIns="91425" wrap="square" tIns="91425">
             <a:spAutoFit/>
           </a:bodyPr>
           <a:lstStyle/>
           <a:p>
-            <a:pPr marL="0" lvl="0" indent="0" algn="l" rtl="0">
+            <a:pPr indent="0" lvl="0" marL="0" rtl="0" algn="l">
               <a:spcBef>
                 <a:spcPts val="0"/>
               </a:spcBef>
@@ -7073,11 +8308,9 @@
       <p:sp>
         <p:nvSpPr>
           <p:cNvPr id="67" name="Google Shape;67;p14"/>
-          <p:cNvSpPr txBox="1">
-            <a:spLocks noGrp="1"/>
-          </p:cNvSpPr>
+          <p:cNvSpPr txBox="1"/>
           <p:nvPr>
-            <p:ph type="body" idx="1"/>
+            <p:ph idx="1" type="body"/>
           </p:nvPr>
         </p:nvSpPr>
         <p:spPr>
@@ -7090,12 +8323,12 @@
           </a:prstGeom>
         </p:spPr>
         <p:txBody>
-          <a:bodyPr spcFirstLastPara="1" wrap="square" lIns="91425" tIns="91425" rIns="91425" bIns="91425" anchor="t" anchorCtr="0">
+          <a:bodyPr anchorCtr="0" anchor="t" bIns="91425" lIns="91425" spcFirstLastPara="1" rIns="91425" wrap="square" tIns="91425">
             <a:normAutofit/>
           </a:bodyPr>
           <a:lstStyle/>
           <a:p>
-            <a:pPr marL="457200" lvl="0" indent="-342900" algn="l" rtl="0">
+            <a:pPr indent="-342900" lvl="0" marL="457200" rtl="0" algn="l">
               <a:spcBef>
                 <a:spcPts val="0"/>
               </a:spcBef>
@@ -7107,12 +8340,28 @@
             </a:pPr>
             <a:r>
               <a:rPr lang="en"/>
-              <a:t>Analyze weather patterns among the east coast</a:t>
+              <a:t>Analyze </a:t>
+            </a:r>
+            <a:r>
+              <a:rPr lang="en"/>
+              <a:t>weather</a:t>
+            </a:r>
+            <a:r>
+              <a:rPr lang="en"/>
+              <a:t> </a:t>
+            </a:r>
+            <a:r>
+              <a:rPr lang="en"/>
+              <a:t>patterns</a:t>
+            </a:r>
+            <a:r>
+              <a:rPr lang="en"/>
+              <a:t> among the east coast</a:t>
             </a:r>
             <a:endParaRPr/>
           </a:p>
           <a:p>
-            <a:pPr marL="457200" lvl="0" indent="-342900" algn="l" rtl="0">
+            <a:pPr indent="-342900" lvl="0" marL="457200" rtl="0" algn="l">
               <a:spcBef>
                 <a:spcPts val="0"/>
               </a:spcBef>
@@ -7129,7 +8378,7 @@
             <a:endParaRPr/>
           </a:p>
           <a:p>
-            <a:pPr marL="457200" lvl="0" indent="-342900" algn="l" rtl="0">
+            <a:pPr indent="-342900" lvl="0" marL="457200" rtl="0" algn="l">
               <a:spcBef>
                 <a:spcPts val="0"/>
               </a:spcBef>
@@ -7180,13 +8429,13 @@
   <p:clrMapOvr>
     <a:masterClrMapping/>
   </p:clrMapOvr>
-  <mc:AlternateContent xmlns:mc="http://schemas.openxmlformats.org/markup-compatibility/2006" xmlns:p14="http://schemas.microsoft.com/office/powerpoint/2010/main">
+  <mc:AlternateContent>
     <mc:Choice Requires="p14">
-      <p:transition spd="slow">
+      <p:transition spd="slow" p14:dur="1000">
         <p14:flip dir="l"/>
       </p:transition>
     </mc:Choice>
-    <mc:Fallback xmlns:ahyp="http://schemas.microsoft.com/office/drawing/2018/hyperlinkcolor" xmlns:p15="http://schemas.microsoft.com/office/powerpoint/2012/main" xmlns:com="http://schemas.openxmlformats.org/drawingml/2006/compatibility" xmlns:pvml="urn:schemas-microsoft-com:office:powerpoint" xmlns:v="urn:schemas-microsoft-com:vml" xmlns:o="urn:schemas-microsoft-com:office:office" xmlns:dgm="http://schemas.openxmlformats.org/drawingml/2006/diagram" xmlns:c="http://schemas.openxmlformats.org/drawingml/2006/chart" xmlns:mv="urn:schemas-microsoft-com:mac:vml" xmlns="">
+    <mc:Fallback>
       <p:transition spd="slow">
         <p:fade/>
       </p:transition>
@@ -7195,32 +8444,32 @@
   <p:timing>
     <p:tnLst>
       <p:par>
-        <p:cTn id="1" dur="indefinite" restart="never" nodeType="tmRoot">
+        <p:cTn dur="indefinite" nodeType="tmRoot" restart="never">
           <p:childTnLst>
             <p:seq concurrent="1" nextAc="seek">
-              <p:cTn id="2" dur="indefinite" nodeType="mainSeq">
+              <p:cTn dur="indefinite" id="2" nodeType="mainSeq">
                 <p:childTnLst>
                   <p:par>
-                    <p:cTn id="3" fill="hold">
+                    <p:cTn fill="hold">
                       <p:stCondLst>
                         <p:cond delay="indefinite"/>
                       </p:stCondLst>
                       <p:childTnLst>
                         <p:par>
-                          <p:cTn id="4" fill="hold">
+                          <p:cTn fill="hold">
                             <p:stCondLst>
                               <p:cond delay="0"/>
                             </p:stCondLst>
                             <p:childTnLst>
                               <p:par>
-                                <p:cTn id="5" presetID="10" presetClass="entr" presetSubtype="0" fill="hold" nodeType="clickEffect">
+                                <p:cTn fill="hold" nodeType="clickEffect" presetClass="entr" presetID="10" presetSubtype="0">
                                   <p:stCondLst>
                                     <p:cond delay="0"/>
                                   </p:stCondLst>
                                   <p:childTnLst>
                                     <p:set>
                                       <p:cBhvr>
-                                        <p:cTn id="6" dur="1" fill="hold">
+                                        <p:cTn dur="1" fill="hold">
                                           <p:stCondLst>
                                             <p:cond delay="0"/>
                                           </p:stCondLst>
@@ -7236,9 +8485,9 @@
                                         <p:strVal val="visible"/>
                                       </p:to>
                                     </p:set>
-                                    <p:animEffect transition="in" filter="fade">
+                                    <p:animEffect filter="fade" transition="in">
                                       <p:cBhvr>
-                                        <p:cTn id="7" dur="1000"/>
+                                        <p:cTn dur="1000"/>
                                         <p:tgtEl>
                                           <p:spTgt spid="67"/>
                                         </p:tgtEl>
@@ -7256,14 +8505,14 @@
                 </p:childTnLst>
               </p:cTn>
               <p:prevCondLst>
-                <p:cond evt="onPrev" delay="0">
+                <p:cond evt="onPrev">
                   <p:tgtEl>
                     <p:sldTgt/>
                   </p:tgtEl>
                 </p:cond>
               </p:prevCondLst>
               <p:nextCondLst>
-                <p:cond evt="onNext" delay="0">
+                <p:cond evt="onNext">
                   <p:tgtEl>
                     <p:sldTgt/>
                   </p:tgtEl>
@@ -7279,11 +8528,11 @@
 </file>
 
 <file path=ppt/slides/slide3.xml><?xml version="1.0" encoding="utf-8"?>
-<p:sld xmlns:a="http://schemas.openxmlformats.org/drawingml/2006/main" xmlns:r="http://schemas.openxmlformats.org/officeDocument/2006/relationships" xmlns:p="http://schemas.openxmlformats.org/presentationml/2006/main">
+<p:sld xmlns:a="http://schemas.openxmlformats.org/drawingml/2006/main" xmlns:r="http://schemas.openxmlformats.org/officeDocument/2006/relationships" xmlns:mc="http://schemas.openxmlformats.org/markup-compatibility/2006" xmlns:mv="urn:schemas-microsoft-com:mac:vml" xmlns:p="http://schemas.openxmlformats.org/presentationml/2006/main" xmlns:c="http://schemas.openxmlformats.org/drawingml/2006/chart" xmlns:dgm="http://schemas.openxmlformats.org/drawingml/2006/diagram" xmlns:o="urn:schemas-microsoft-com:office:office" xmlns:v="urn:schemas-microsoft-com:vml" xmlns:pvml="urn:schemas-microsoft-com:office:powerpoint" xmlns:com="http://schemas.openxmlformats.org/drawingml/2006/compatibility" xmlns:p14="http://schemas.microsoft.com/office/powerpoint/2010/main" xmlns:p15="http://schemas.microsoft.com/office/powerpoint/2012/main" xmlns:ahyp="http://schemas.microsoft.com/office/drawing/2018/hyperlinkcolor">
   <p:cSld>
     <p:spTree>
       <p:nvGrpSpPr>
-        <p:cNvPr id="1" name="Shape 72"/>
+        <p:cNvPr id="72" name="Shape 72"/>
         <p:cNvGrpSpPr/>
         <p:nvPr/>
       </p:nvGrpSpPr>
@@ -7298,9 +8547,7 @@
       <p:sp>
         <p:nvSpPr>
           <p:cNvPr id="73" name="Google Shape;73;p15"/>
-          <p:cNvSpPr txBox="1">
-            <a:spLocks noGrp="1"/>
-          </p:cNvSpPr>
+          <p:cNvSpPr txBox="1"/>
           <p:nvPr>
             <p:ph type="title"/>
           </p:nvPr>
@@ -7315,12 +8562,12 @@
           </a:prstGeom>
         </p:spPr>
         <p:txBody>
-          <a:bodyPr spcFirstLastPara="1" wrap="square" lIns="91425" tIns="91425" rIns="91425" bIns="91425" anchor="t" anchorCtr="0">
+          <a:bodyPr anchorCtr="0" anchor="t" bIns="91425" lIns="91425" spcFirstLastPara="1" rIns="91425" wrap="square" tIns="91425">
             <a:normAutofit fontScale="90000"/>
           </a:bodyPr>
           <a:lstStyle/>
           <a:p>
-            <a:pPr marL="0" lvl="0" indent="0" algn="l" rtl="0">
+            <a:pPr indent="0" lvl="0" marL="0" rtl="0" algn="l">
               <a:spcBef>
                 <a:spcPts val="0"/>
               </a:spcBef>
@@ -7340,11 +8587,9 @@
       <p:sp>
         <p:nvSpPr>
           <p:cNvPr id="74" name="Google Shape;74;p15"/>
-          <p:cNvSpPr txBox="1">
-            <a:spLocks noGrp="1"/>
-          </p:cNvSpPr>
+          <p:cNvSpPr txBox="1"/>
           <p:nvPr>
-            <p:ph type="body" idx="1"/>
+            <p:ph idx="1" type="body"/>
           </p:nvPr>
         </p:nvSpPr>
         <p:spPr>
@@ -7357,12 +8602,12 @@
           </a:prstGeom>
         </p:spPr>
         <p:txBody>
-          <a:bodyPr spcFirstLastPara="1" wrap="square" lIns="91425" tIns="91425" rIns="91425" bIns="91425" anchor="t" anchorCtr="0">
+          <a:bodyPr anchorCtr="0" anchor="t" bIns="91425" lIns="91425" spcFirstLastPara="1" rIns="91425" wrap="square" tIns="91425">
             <a:normAutofit/>
           </a:bodyPr>
           <a:lstStyle/>
           <a:p>
-            <a:pPr marL="457200" lvl="0" indent="0" algn="l" rtl="0">
+            <a:pPr indent="0" lvl="0" marL="457200" rtl="0" algn="l">
               <a:spcBef>
                 <a:spcPts val="0"/>
               </a:spcBef>
@@ -7371,10 +8616,13 @@
               </a:spcAft>
               <a:buNone/>
             </a:pPr>
+            <a:r>
+              <a:t/>
+            </a:r>
             <a:endParaRPr sz="2100"/>
           </a:p>
           <a:p>
-            <a:pPr marL="457200" lvl="0" indent="-361950" algn="l" rtl="0">
+            <a:pPr indent="-361950" lvl="0" marL="457200" rtl="0" algn="l">
               <a:spcBef>
                 <a:spcPts val="1200"/>
               </a:spcBef>
@@ -7391,7 +8639,7 @@
             <a:endParaRPr sz="2100"/>
           </a:p>
           <a:p>
-            <a:pPr marL="457200" lvl="0" indent="0" algn="l" rtl="0">
+            <a:pPr indent="0" lvl="0" marL="457200" rtl="0" algn="l">
               <a:spcBef>
                 <a:spcPts val="1200"/>
               </a:spcBef>
@@ -7400,10 +8648,13 @@
               </a:spcAft>
               <a:buNone/>
             </a:pPr>
+            <a:r>
+              <a:t/>
+            </a:r>
             <a:endParaRPr sz="2100"/>
           </a:p>
           <a:p>
-            <a:pPr marL="457200" lvl="0" indent="-361950" algn="l" rtl="0">
+            <a:pPr indent="-361950" lvl="0" marL="457200" rtl="0" algn="l">
               <a:spcBef>
                 <a:spcPts val="1200"/>
               </a:spcBef>
@@ -7430,11 +8681,11 @@
 </file>
 
 <file path=ppt/slides/slide4.xml><?xml version="1.0" encoding="utf-8"?>
-<p:sld xmlns:a="http://schemas.openxmlformats.org/drawingml/2006/main" xmlns:r="http://schemas.openxmlformats.org/officeDocument/2006/relationships" xmlns:p="http://schemas.openxmlformats.org/presentationml/2006/main">
+<p:sld xmlns:a="http://schemas.openxmlformats.org/drawingml/2006/main" xmlns:r="http://schemas.openxmlformats.org/officeDocument/2006/relationships" xmlns:mc="http://schemas.openxmlformats.org/markup-compatibility/2006" xmlns:mv="urn:schemas-microsoft-com:mac:vml" xmlns:p="http://schemas.openxmlformats.org/presentationml/2006/main" xmlns:c="http://schemas.openxmlformats.org/drawingml/2006/chart" xmlns:dgm="http://schemas.openxmlformats.org/drawingml/2006/diagram" xmlns:o="urn:schemas-microsoft-com:office:office" xmlns:v="urn:schemas-microsoft-com:vml" xmlns:pvml="urn:schemas-microsoft-com:office:powerpoint" xmlns:com="http://schemas.openxmlformats.org/drawingml/2006/compatibility" xmlns:p14="http://schemas.microsoft.com/office/powerpoint/2010/main" xmlns:p15="http://schemas.microsoft.com/office/powerpoint/2012/main" xmlns:ahyp="http://schemas.microsoft.com/office/drawing/2018/hyperlinkcolor">
   <p:cSld>
     <p:spTree>
       <p:nvGrpSpPr>
-        <p:cNvPr id="1" name="Shape 78"/>
+        <p:cNvPr id="78" name="Shape 78"/>
         <p:cNvGrpSpPr/>
         <p:nvPr/>
       </p:nvGrpSpPr>
@@ -7449,9 +8700,7 @@
       <p:sp>
         <p:nvSpPr>
           <p:cNvPr id="79" name="Google Shape;79;p16"/>
-          <p:cNvSpPr txBox="1">
-            <a:spLocks noGrp="1"/>
-          </p:cNvSpPr>
+          <p:cNvSpPr txBox="1"/>
           <p:nvPr>
             <p:ph type="title"/>
           </p:nvPr>
@@ -7466,12 +8715,12 @@
           </a:prstGeom>
         </p:spPr>
         <p:txBody>
-          <a:bodyPr spcFirstLastPara="1" wrap="square" lIns="91425" tIns="91425" rIns="91425" bIns="91425" anchor="t" anchorCtr="0">
+          <a:bodyPr anchorCtr="0" anchor="t" bIns="91425" lIns="91425" spcFirstLastPara="1" rIns="91425" wrap="square" tIns="91425">
             <a:normAutofit fontScale="90000"/>
           </a:bodyPr>
           <a:lstStyle/>
           <a:p>
-            <a:pPr marL="0" lvl="0" indent="0" algn="l" rtl="0">
+            <a:pPr indent="0" lvl="0" marL="0" rtl="0" algn="l">
               <a:spcBef>
                 <a:spcPts val="0"/>
               </a:spcBef>
@@ -7525,11 +8774,11 @@
 </file>
 
 <file path=ppt/slides/slide5.xml><?xml version="1.0" encoding="utf-8"?>
-<p:sld xmlns:a="http://schemas.openxmlformats.org/drawingml/2006/main" xmlns:r="http://schemas.openxmlformats.org/officeDocument/2006/relationships" xmlns:p="http://schemas.openxmlformats.org/presentationml/2006/main">
+<p:sld xmlns:a="http://schemas.openxmlformats.org/drawingml/2006/main" xmlns:r="http://schemas.openxmlformats.org/officeDocument/2006/relationships" xmlns:mc="http://schemas.openxmlformats.org/markup-compatibility/2006" xmlns:mv="urn:schemas-microsoft-com:mac:vml" xmlns:p="http://schemas.openxmlformats.org/presentationml/2006/main" xmlns:c="http://schemas.openxmlformats.org/drawingml/2006/chart" xmlns:dgm="http://schemas.openxmlformats.org/drawingml/2006/diagram" xmlns:o="urn:schemas-microsoft-com:office:office" xmlns:v="urn:schemas-microsoft-com:vml" xmlns:pvml="urn:schemas-microsoft-com:office:powerpoint" xmlns:com="http://schemas.openxmlformats.org/drawingml/2006/compatibility" xmlns:p14="http://schemas.microsoft.com/office/powerpoint/2010/main" xmlns:p15="http://schemas.microsoft.com/office/powerpoint/2012/main" xmlns:ahyp="http://schemas.microsoft.com/office/drawing/2018/hyperlinkcolor">
   <p:cSld>
     <p:spTree>
       <p:nvGrpSpPr>
-        <p:cNvPr id="1" name="Shape 84"/>
+        <p:cNvPr id="84" name="Shape 84"/>
         <p:cNvGrpSpPr/>
         <p:nvPr/>
       </p:nvGrpSpPr>
@@ -7544,9 +8793,7 @@
       <p:sp>
         <p:nvSpPr>
           <p:cNvPr id="85" name="Google Shape;85;p17"/>
-          <p:cNvSpPr txBox="1">
-            <a:spLocks noGrp="1"/>
-          </p:cNvSpPr>
+          <p:cNvSpPr txBox="1"/>
           <p:nvPr>
             <p:ph type="title"/>
           </p:nvPr>
@@ -7561,12 +8808,12 @@
           </a:prstGeom>
         </p:spPr>
         <p:txBody>
-          <a:bodyPr spcFirstLastPara="1" wrap="square" lIns="91425" tIns="91425" rIns="91425" bIns="91425" anchor="t" anchorCtr="0">
+          <a:bodyPr anchorCtr="0" anchor="t" bIns="91425" lIns="91425" spcFirstLastPara="1" rIns="91425" wrap="square" tIns="91425">
             <a:normAutofit fontScale="90000"/>
           </a:bodyPr>
           <a:lstStyle/>
           <a:p>
-            <a:pPr marL="0" lvl="0" indent="0" algn="l" rtl="0">
+            <a:pPr indent="0" lvl="0" marL="0" rtl="0" algn="l">
               <a:spcBef>
                 <a:spcPts val="0"/>
               </a:spcBef>
@@ -7586,11 +8833,9 @@
       <p:sp>
         <p:nvSpPr>
           <p:cNvPr id="86" name="Google Shape;86;p17"/>
-          <p:cNvSpPr txBox="1">
-            <a:spLocks noGrp="1"/>
-          </p:cNvSpPr>
+          <p:cNvSpPr txBox="1"/>
           <p:nvPr>
-            <p:ph type="body" idx="1"/>
+            <p:ph idx="1" type="body"/>
           </p:nvPr>
         </p:nvSpPr>
         <p:spPr>
@@ -7603,12 +8848,12 @@
           </a:prstGeom>
         </p:spPr>
         <p:txBody>
-          <a:bodyPr spcFirstLastPara="1" wrap="square" lIns="91425" tIns="91425" rIns="91425" bIns="91425" anchor="t" anchorCtr="0">
+          <a:bodyPr anchorCtr="0" anchor="t" bIns="91425" lIns="91425" spcFirstLastPara="1" rIns="91425" wrap="square" tIns="91425">
             <a:normAutofit/>
           </a:bodyPr>
           <a:lstStyle/>
           <a:p>
-            <a:pPr marL="0" lvl="0" indent="0" algn="ctr" rtl="0">
+            <a:pPr indent="0" lvl="0" marL="0" rtl="0" algn="ctr">
               <a:spcBef>
                 <a:spcPts val="0"/>
               </a:spcBef>
@@ -7618,10 +8863,25 @@
               <a:buNone/>
             </a:pPr>
             <a:r>
-              <a:rPr lang="en" b="1" u="sng"/>
+              <a:rPr b="1" lang="en" u="sng">
+                <a:solidFill>
+                  <a:srgbClr val="EFEFEF"/>
+                </a:solidFill>
+                <a:hlinkClick r:id="rId3">
+                  <a:extLst>
+                    <a:ext uri="{A12FA001-AC4F-418D-AE19-62706E023703}">
+                      <ahyp:hlinkClr val="tx"/>
+                    </a:ext>
+                  </a:extLst>
+                </a:hlinkClick>
+              </a:rPr>
               <a:t>Entity Relationship Diagram</a:t>
             </a:r>
-            <a:endParaRPr b="1" u="sng"/>
+            <a:endParaRPr b="1" u="sng">
+              <a:solidFill>
+                <a:srgbClr val="EFEFEF"/>
+              </a:solidFill>
+            </a:endParaRPr>
           </a:p>
         </p:txBody>
       </p:sp>
@@ -7634,11 +8894,11 @@
 </file>
 
 <file path=ppt/slides/slide6.xml><?xml version="1.0" encoding="utf-8"?>
-<p:sld xmlns:a="http://schemas.openxmlformats.org/drawingml/2006/main" xmlns:r="http://schemas.openxmlformats.org/officeDocument/2006/relationships" xmlns:p="http://schemas.openxmlformats.org/presentationml/2006/main">
+<p:sld xmlns:a="http://schemas.openxmlformats.org/drawingml/2006/main" xmlns:r="http://schemas.openxmlformats.org/officeDocument/2006/relationships" xmlns:mc="http://schemas.openxmlformats.org/markup-compatibility/2006" xmlns:mv="urn:schemas-microsoft-com:mac:vml" xmlns:p="http://schemas.openxmlformats.org/presentationml/2006/main" xmlns:c="http://schemas.openxmlformats.org/drawingml/2006/chart" xmlns:dgm="http://schemas.openxmlformats.org/drawingml/2006/diagram" xmlns:o="urn:schemas-microsoft-com:office:office" xmlns:v="urn:schemas-microsoft-com:vml" xmlns:pvml="urn:schemas-microsoft-com:office:powerpoint" xmlns:com="http://schemas.openxmlformats.org/drawingml/2006/compatibility" xmlns:p14="http://schemas.microsoft.com/office/powerpoint/2010/main" xmlns:p15="http://schemas.microsoft.com/office/powerpoint/2012/main" xmlns:ahyp="http://schemas.microsoft.com/office/drawing/2018/hyperlinkcolor">
   <p:cSld>
     <p:spTree>
       <p:nvGrpSpPr>
-        <p:cNvPr id="1" name="Shape 90"/>
+        <p:cNvPr id="90" name="Shape 90"/>
         <p:cNvGrpSpPr/>
         <p:nvPr/>
       </p:nvGrpSpPr>
@@ -7653,9 +8913,7 @@
       <p:sp>
         <p:nvSpPr>
           <p:cNvPr id="91" name="Google Shape;91;p18"/>
-          <p:cNvSpPr txBox="1">
-            <a:spLocks noGrp="1"/>
-          </p:cNvSpPr>
+          <p:cNvSpPr txBox="1"/>
           <p:nvPr>
             <p:ph type="title"/>
           </p:nvPr>
@@ -7670,12 +8928,12 @@
           </a:prstGeom>
         </p:spPr>
         <p:txBody>
-          <a:bodyPr spcFirstLastPara="1" wrap="square" lIns="91425" tIns="91425" rIns="91425" bIns="91425" anchor="t" anchorCtr="0">
+          <a:bodyPr anchorCtr="0" anchor="t" bIns="91425" lIns="91425" spcFirstLastPara="1" rIns="91425" wrap="square" tIns="91425">
             <a:normAutofit fontScale="90000"/>
           </a:bodyPr>
           <a:lstStyle/>
           <a:p>
-            <a:pPr marL="0" lvl="0" indent="0" algn="l" rtl="0">
+            <a:pPr indent="0" lvl="0" marL="0" rtl="0" algn="l">
               <a:spcBef>
                 <a:spcPts val="0"/>
               </a:spcBef>
@@ -7695,11 +8953,9 @@
       <p:sp>
         <p:nvSpPr>
           <p:cNvPr id="92" name="Google Shape;92;p18"/>
-          <p:cNvSpPr txBox="1">
-            <a:spLocks noGrp="1"/>
-          </p:cNvSpPr>
+          <p:cNvSpPr txBox="1"/>
           <p:nvPr>
-            <p:ph type="body" idx="1"/>
+            <p:ph idx="1" type="body"/>
           </p:nvPr>
         </p:nvSpPr>
         <p:spPr>
@@ -7712,12 +8968,12 @@
           </a:prstGeom>
         </p:spPr>
         <p:txBody>
-          <a:bodyPr spcFirstLastPara="1" wrap="square" lIns="91425" tIns="91425" rIns="91425" bIns="91425" anchor="t" anchorCtr="0">
+          <a:bodyPr anchorCtr="0" anchor="t" bIns="91425" lIns="91425" spcFirstLastPara="1" rIns="91425" wrap="square" tIns="91425">
             <a:normAutofit/>
           </a:bodyPr>
           <a:lstStyle/>
           <a:p>
-            <a:pPr marL="457200" lvl="0" indent="-342900" algn="l" rtl="0">
+            <a:pPr indent="-342900" lvl="0" marL="457200" rtl="0" algn="l">
               <a:spcBef>
                 <a:spcPts val="0"/>
               </a:spcBef>
@@ -7734,7 +8990,7 @@
             <a:endParaRPr/>
           </a:p>
           <a:p>
-            <a:pPr marL="0" lvl="0" indent="0" algn="l" rtl="0">
+            <a:pPr indent="0" lvl="0" marL="0" rtl="0" algn="ctr">
               <a:spcBef>
                 <a:spcPts val="1200"/>
               </a:spcBef>
@@ -7744,10 +9000,25 @@
               <a:buNone/>
             </a:pPr>
             <a:r>
-              <a:rPr lang="en" b="1" u="sng"/>
+              <a:rPr b="1" lang="en" u="sng">
+                <a:solidFill>
+                  <a:srgbClr val="EFEFEF"/>
+                </a:solidFill>
+                <a:hlinkClick r:id="rId3">
+                  <a:extLst>
+                    <a:ext uri="{A12FA001-AC4F-418D-AE19-62706E023703}">
+                      <ahyp:hlinkClr val="tx"/>
+                    </a:ext>
+                  </a:extLst>
+                </a:hlinkClick>
+              </a:rPr>
               <a:t>Tableau Dashboard</a:t>
             </a:r>
-            <a:endParaRPr b="1" u="sng"/>
+            <a:endParaRPr b="1" u="sng">
+              <a:solidFill>
+                <a:srgbClr val="EFEFEF"/>
+              </a:solidFill>
+            </a:endParaRPr>
           </a:p>
         </p:txBody>
       </p:sp>
@@ -7760,11 +9031,11 @@
 </file>
 
 <file path=ppt/slides/slide7.xml><?xml version="1.0" encoding="utf-8"?>
-<p:sld xmlns:a="http://schemas.openxmlformats.org/drawingml/2006/main" xmlns:r="http://schemas.openxmlformats.org/officeDocument/2006/relationships" xmlns:p="http://schemas.openxmlformats.org/presentationml/2006/main">
+<p:sld xmlns:a="http://schemas.openxmlformats.org/drawingml/2006/main" xmlns:r="http://schemas.openxmlformats.org/officeDocument/2006/relationships" xmlns:mc="http://schemas.openxmlformats.org/markup-compatibility/2006" xmlns:mv="urn:schemas-microsoft-com:mac:vml" xmlns:p="http://schemas.openxmlformats.org/presentationml/2006/main" xmlns:c="http://schemas.openxmlformats.org/drawingml/2006/chart" xmlns:dgm="http://schemas.openxmlformats.org/drawingml/2006/diagram" xmlns:o="urn:schemas-microsoft-com:office:office" xmlns:v="urn:schemas-microsoft-com:vml" xmlns:pvml="urn:schemas-microsoft-com:office:powerpoint" xmlns:com="http://schemas.openxmlformats.org/drawingml/2006/compatibility" xmlns:p14="http://schemas.microsoft.com/office/powerpoint/2010/main" xmlns:p15="http://schemas.microsoft.com/office/powerpoint/2012/main" xmlns:ahyp="http://schemas.microsoft.com/office/drawing/2018/hyperlinkcolor">
   <p:cSld>
     <p:spTree>
       <p:nvGrpSpPr>
-        <p:cNvPr id="1" name="Shape 96"/>
+        <p:cNvPr id="96" name="Shape 96"/>
         <p:cNvGrpSpPr/>
         <p:nvPr/>
       </p:nvGrpSpPr>
@@ -7779,9 +9050,7 @@
       <p:sp>
         <p:nvSpPr>
           <p:cNvPr id="97" name="Google Shape;97;p19"/>
-          <p:cNvSpPr txBox="1">
-            <a:spLocks noGrp="1"/>
-          </p:cNvSpPr>
+          <p:cNvSpPr txBox="1"/>
           <p:nvPr>
             <p:ph type="title"/>
           </p:nvPr>
@@ -7796,12 +9065,12 @@
           </a:prstGeom>
         </p:spPr>
         <p:txBody>
-          <a:bodyPr spcFirstLastPara="1" wrap="square" lIns="91425" tIns="91425" rIns="91425" bIns="91425" anchor="t" anchorCtr="0">
+          <a:bodyPr anchorCtr="0" anchor="t" bIns="91425" lIns="91425" spcFirstLastPara="1" rIns="91425" wrap="square" tIns="91425">
             <a:normAutofit fontScale="90000"/>
           </a:bodyPr>
           <a:lstStyle/>
           <a:p>
-            <a:pPr marL="0" lvl="0" indent="0" algn="l" rtl="0">
+            <a:pPr indent="0" lvl="0" marL="0" rtl="0" algn="l">
               <a:spcBef>
                 <a:spcPts val="0"/>
               </a:spcBef>
@@ -7810,6 +9079,10 @@
               </a:spcAft>
               <a:buNone/>
             </a:pPr>
+            <a:r>
+              <a:rPr lang="en"/>
+              <a:t>Data Analysis</a:t>
+            </a:r>
             <a:endParaRPr/>
           </a:p>
         </p:txBody>
@@ -7817,11 +9090,9 @@
       <p:sp>
         <p:nvSpPr>
           <p:cNvPr id="98" name="Google Shape;98;p19"/>
-          <p:cNvSpPr txBox="1">
-            <a:spLocks noGrp="1"/>
-          </p:cNvSpPr>
+          <p:cNvSpPr txBox="1"/>
           <p:nvPr>
-            <p:ph type="body" idx="1"/>
+            <p:ph idx="1" type="body"/>
           </p:nvPr>
         </p:nvSpPr>
         <p:spPr>
@@ -7834,24 +9105,367 @@
           </a:prstGeom>
         </p:spPr>
         <p:txBody>
-          <a:bodyPr spcFirstLastPara="1" wrap="square" lIns="91425" tIns="91425" rIns="91425" bIns="91425" anchor="t" anchorCtr="0">
+          <a:bodyPr anchorCtr="0" anchor="t" bIns="91425" lIns="91425" spcFirstLastPara="1" rIns="91425" wrap="square" tIns="91425">
             <a:normAutofit/>
           </a:bodyPr>
           <a:lstStyle/>
           <a:p>
-            <a:pPr marL="0" lvl="0" indent="0" algn="l" rtl="0">
-              <a:spcBef>
-                <a:spcPts val="0"/>
-              </a:spcBef>
-              <a:spcAft>
+            <a:pPr indent="0" lvl="0" marL="0" rtl="0" algn="l">
+              <a:spcBef>
+                <a:spcPts val="0"/>
+              </a:spcBef>
+              <a:spcAft>
+                <a:spcPts val="0"/>
+              </a:spcAft>
+              <a:buNone/>
+            </a:pPr>
+            <a:r>
+              <a:rPr lang="en"/>
+              <a:t>Finding the geohash</a:t>
+            </a:r>
+            <a:endParaRPr/>
+          </a:p>
+          <a:p>
+            <a:pPr indent="0" lvl="0" marL="0" rtl="0" algn="l">
+              <a:spcBef>
                 <a:spcPts val="1200"/>
+              </a:spcBef>
+              <a:spcAft>
+                <a:spcPts val="1200"/>
               </a:spcAft>
               <a:buNone/>
             </a:pPr>
+            <a:r>
+              <a:t/>
+            </a:r>
             <a:endParaRPr/>
           </a:p>
         </p:txBody>
       </p:sp>
+      <p:pic>
+        <p:nvPicPr>
+          <p:cNvPr id="99" name="Google Shape;99;p19"/>
+          <p:cNvPicPr preferRelativeResize="0"/>
+          <p:nvPr/>
+        </p:nvPicPr>
+        <p:blipFill>
+          <a:blip r:embed="rId3">
+            <a:alphaModFix/>
+          </a:blip>
+          <a:stretch>
+            <a:fillRect/>
+          </a:stretch>
+        </p:blipFill>
+        <p:spPr>
+          <a:xfrm>
+            <a:off x="1371600" y="2152650"/>
+            <a:ext cx="6400800" cy="838200"/>
+          </a:xfrm>
+          <a:prstGeom prst="rect">
+            <a:avLst/>
+          </a:prstGeom>
+          <a:noFill/>
+          <a:ln>
+            <a:noFill/>
+          </a:ln>
+        </p:spPr>
+      </p:pic>
+    </p:spTree>
+  </p:cSld>
+  <p:clrMapOvr>
+    <a:masterClrMapping/>
+  </p:clrMapOvr>
+</p:sld>
+</file>
+
+<file path=ppt/slides/slide8.xml><?xml version="1.0" encoding="utf-8"?>
+<p:sld xmlns:a="http://schemas.openxmlformats.org/drawingml/2006/main" xmlns:r="http://schemas.openxmlformats.org/officeDocument/2006/relationships" xmlns:mc="http://schemas.openxmlformats.org/markup-compatibility/2006" xmlns:mv="urn:schemas-microsoft-com:mac:vml" xmlns:p="http://schemas.openxmlformats.org/presentationml/2006/main" xmlns:c="http://schemas.openxmlformats.org/drawingml/2006/chart" xmlns:dgm="http://schemas.openxmlformats.org/drawingml/2006/diagram" xmlns:o="urn:schemas-microsoft-com:office:office" xmlns:v="urn:schemas-microsoft-com:vml" xmlns:pvml="urn:schemas-microsoft-com:office:powerpoint" xmlns:com="http://schemas.openxmlformats.org/drawingml/2006/compatibility" xmlns:p14="http://schemas.microsoft.com/office/powerpoint/2010/main" xmlns:p15="http://schemas.microsoft.com/office/powerpoint/2012/main" xmlns:ahyp="http://schemas.microsoft.com/office/drawing/2018/hyperlinkcolor">
+  <p:cSld>
+    <p:spTree>
+      <p:nvGrpSpPr>
+        <p:cNvPr id="103" name="Shape 103"/>
+        <p:cNvGrpSpPr/>
+        <p:nvPr/>
+      </p:nvGrpSpPr>
+      <p:grpSpPr>
+        <a:xfrm>
+          <a:off x="0" y="0"/>
+          <a:ext cx="0" cy="0"/>
+          <a:chOff x="0" y="0"/>
+          <a:chExt cx="0" cy="0"/>
+        </a:xfrm>
+      </p:grpSpPr>
+      <p:sp>
+        <p:nvSpPr>
+          <p:cNvPr id="104" name="Google Shape;104;p20"/>
+          <p:cNvSpPr txBox="1"/>
+          <p:nvPr>
+            <p:ph type="title"/>
+          </p:nvPr>
+        </p:nvSpPr>
+        <p:spPr>
+          <a:xfrm>
+            <a:off x="311700" y="445025"/>
+            <a:ext cx="8520600" cy="572700"/>
+          </a:xfrm>
+          <a:prstGeom prst="rect">
+            <a:avLst/>
+          </a:prstGeom>
+        </p:spPr>
+        <p:txBody>
+          <a:bodyPr anchorCtr="0" anchor="t" bIns="91425" lIns="91425" spcFirstLastPara="1" rIns="91425" wrap="square" tIns="91425">
+            <a:normAutofit fontScale="90000"/>
+          </a:bodyPr>
+          <a:lstStyle/>
+          <a:p>
+            <a:pPr indent="0" lvl="0" marL="0" rtl="0" algn="l">
+              <a:spcBef>
+                <a:spcPts val="0"/>
+              </a:spcBef>
+              <a:spcAft>
+                <a:spcPts val="0"/>
+              </a:spcAft>
+              <a:buNone/>
+            </a:pPr>
+            <a:r>
+              <a:rPr lang="en"/>
+              <a:t>Data Analysis</a:t>
+            </a:r>
+            <a:endParaRPr/>
+          </a:p>
+        </p:txBody>
+      </p:sp>
+      <p:sp>
+        <p:nvSpPr>
+          <p:cNvPr id="105" name="Google Shape;105;p20"/>
+          <p:cNvSpPr txBox="1"/>
+          <p:nvPr>
+            <p:ph idx="1" type="body"/>
+          </p:nvPr>
+        </p:nvSpPr>
+        <p:spPr>
+          <a:xfrm>
+            <a:off x="311700" y="1152475"/>
+            <a:ext cx="8520600" cy="3416400"/>
+          </a:xfrm>
+          <a:prstGeom prst="rect">
+            <a:avLst/>
+          </a:prstGeom>
+        </p:spPr>
+        <p:txBody>
+          <a:bodyPr anchorCtr="0" anchor="t" bIns="91425" lIns="91425" spcFirstLastPara="1" rIns="91425" wrap="square" tIns="91425">
+            <a:normAutofit/>
+          </a:bodyPr>
+          <a:lstStyle/>
+          <a:p>
+            <a:pPr indent="0" lvl="0" marL="0" rtl="0" algn="l">
+              <a:spcBef>
+                <a:spcPts val="0"/>
+              </a:spcBef>
+              <a:spcAft>
+                <a:spcPts val="0"/>
+              </a:spcAft>
+              <a:buNone/>
+            </a:pPr>
+            <a:r>
+              <a:rPr lang="en"/>
+              <a:t>Strike Target</a:t>
+            </a:r>
+            <a:endParaRPr/>
+          </a:p>
+          <a:p>
+            <a:pPr indent="0" lvl="0" marL="0" rtl="0" algn="l">
+              <a:spcBef>
+                <a:spcPts val="1200"/>
+              </a:spcBef>
+              <a:spcAft>
+                <a:spcPts val="1200"/>
+              </a:spcAft>
+              <a:buNone/>
+            </a:pPr>
+            <a:r>
+              <a:t/>
+            </a:r>
+            <a:endParaRPr/>
+          </a:p>
+        </p:txBody>
+      </p:sp>
+      <p:pic>
+        <p:nvPicPr>
+          <p:cNvPr id="106" name="Google Shape;106;p20"/>
+          <p:cNvPicPr preferRelativeResize="0"/>
+          <p:nvPr/>
+        </p:nvPicPr>
+        <p:blipFill>
+          <a:blip r:embed="rId3">
+            <a:alphaModFix/>
+          </a:blip>
+          <a:stretch>
+            <a:fillRect/>
+          </a:stretch>
+        </p:blipFill>
+        <p:spPr>
+          <a:xfrm>
+            <a:off x="311700" y="1765450"/>
+            <a:ext cx="8832299" cy="1557630"/>
+          </a:xfrm>
+          <a:prstGeom prst="rect">
+            <a:avLst/>
+          </a:prstGeom>
+          <a:noFill/>
+          <a:ln>
+            <a:noFill/>
+          </a:ln>
+        </p:spPr>
+      </p:pic>
+    </p:spTree>
+  </p:cSld>
+  <p:clrMapOvr>
+    <a:masterClrMapping/>
+  </p:clrMapOvr>
+</p:sld>
+</file>
+
+<file path=ppt/slides/slide9.xml><?xml version="1.0" encoding="utf-8"?>
+<p:sld xmlns:a="http://schemas.openxmlformats.org/drawingml/2006/main" xmlns:r="http://schemas.openxmlformats.org/officeDocument/2006/relationships" xmlns:mc="http://schemas.openxmlformats.org/markup-compatibility/2006" xmlns:mv="urn:schemas-microsoft-com:mac:vml" xmlns:p="http://schemas.openxmlformats.org/presentationml/2006/main" xmlns:c="http://schemas.openxmlformats.org/drawingml/2006/chart" xmlns:dgm="http://schemas.openxmlformats.org/drawingml/2006/diagram" xmlns:o="urn:schemas-microsoft-com:office:office" xmlns:v="urn:schemas-microsoft-com:vml" xmlns:pvml="urn:schemas-microsoft-com:office:powerpoint" xmlns:com="http://schemas.openxmlformats.org/drawingml/2006/compatibility" xmlns:p14="http://schemas.microsoft.com/office/powerpoint/2010/main" xmlns:p15="http://schemas.microsoft.com/office/powerpoint/2012/main" xmlns:ahyp="http://schemas.microsoft.com/office/drawing/2018/hyperlinkcolor">
+  <p:cSld>
+    <p:spTree>
+      <p:nvGrpSpPr>
+        <p:cNvPr id="110" name="Shape 110"/>
+        <p:cNvGrpSpPr/>
+        <p:nvPr/>
+      </p:nvGrpSpPr>
+      <p:grpSpPr>
+        <a:xfrm>
+          <a:off x="0" y="0"/>
+          <a:ext cx="0" cy="0"/>
+          <a:chOff x="0" y="0"/>
+          <a:chExt cx="0" cy="0"/>
+        </a:xfrm>
+      </p:grpSpPr>
+      <p:sp>
+        <p:nvSpPr>
+          <p:cNvPr id="111" name="Google Shape;111;p21"/>
+          <p:cNvSpPr txBox="1"/>
+          <p:nvPr>
+            <p:ph type="title"/>
+          </p:nvPr>
+        </p:nvSpPr>
+        <p:spPr>
+          <a:xfrm>
+            <a:off x="311700" y="445025"/>
+            <a:ext cx="8520600" cy="572700"/>
+          </a:xfrm>
+          <a:prstGeom prst="rect">
+            <a:avLst/>
+          </a:prstGeom>
+        </p:spPr>
+        <p:txBody>
+          <a:bodyPr anchorCtr="0" anchor="t" bIns="91425" lIns="91425" spcFirstLastPara="1" rIns="91425" wrap="square" tIns="91425">
+            <a:normAutofit fontScale="90000"/>
+          </a:bodyPr>
+          <a:lstStyle/>
+          <a:p>
+            <a:pPr indent="0" lvl="0" marL="0" rtl="0" algn="l">
+              <a:spcBef>
+                <a:spcPts val="0"/>
+              </a:spcBef>
+              <a:spcAft>
+                <a:spcPts val="0"/>
+              </a:spcAft>
+              <a:buNone/>
+            </a:pPr>
+            <a:r>
+              <a:rPr lang="en"/>
+              <a:t>Data Analysis</a:t>
+            </a:r>
+            <a:endParaRPr/>
+          </a:p>
+        </p:txBody>
+      </p:sp>
+      <p:sp>
+        <p:nvSpPr>
+          <p:cNvPr id="112" name="Google Shape;112;p21"/>
+          <p:cNvSpPr txBox="1"/>
+          <p:nvPr>
+            <p:ph idx="1" type="body"/>
+          </p:nvPr>
+        </p:nvSpPr>
+        <p:spPr>
+          <a:xfrm>
+            <a:off x="311700" y="1152475"/>
+            <a:ext cx="8520600" cy="3416400"/>
+          </a:xfrm>
+          <a:prstGeom prst="rect">
+            <a:avLst/>
+          </a:prstGeom>
+        </p:spPr>
+        <p:txBody>
+          <a:bodyPr anchorCtr="0" anchor="t" bIns="91425" lIns="91425" spcFirstLastPara="1" rIns="91425" wrap="square" tIns="91425">
+            <a:normAutofit/>
+          </a:bodyPr>
+          <a:lstStyle/>
+          <a:p>
+            <a:pPr indent="0" lvl="0" marL="0" rtl="0" algn="l">
+              <a:spcBef>
+                <a:spcPts val="0"/>
+              </a:spcBef>
+              <a:spcAft>
+                <a:spcPts val="0"/>
+              </a:spcAft>
+              <a:buNone/>
+            </a:pPr>
+            <a:r>
+              <a:rPr lang="en"/>
+              <a:t>Logistic Regression Model</a:t>
+            </a:r>
+            <a:endParaRPr/>
+          </a:p>
+          <a:p>
+            <a:pPr indent="0" lvl="0" marL="0" rtl="0" algn="l">
+              <a:spcBef>
+                <a:spcPts val="1200"/>
+              </a:spcBef>
+              <a:spcAft>
+                <a:spcPts val="1200"/>
+              </a:spcAft>
+              <a:buNone/>
+            </a:pPr>
+            <a:r>
+              <a:t/>
+            </a:r>
+            <a:endParaRPr/>
+          </a:p>
+        </p:txBody>
+      </p:sp>
+      <p:pic>
+        <p:nvPicPr>
+          <p:cNvPr id="113" name="Google Shape;113;p21"/>
+          <p:cNvPicPr preferRelativeResize="0"/>
+          <p:nvPr/>
+        </p:nvPicPr>
+        <p:blipFill>
+          <a:blip r:embed="rId3">
+            <a:alphaModFix/>
+          </a:blip>
+          <a:stretch>
+            <a:fillRect/>
+          </a:stretch>
+        </p:blipFill>
+        <p:spPr>
+          <a:xfrm>
+            <a:off x="1786125" y="2200275"/>
+            <a:ext cx="5546375" cy="1144500"/>
+          </a:xfrm>
+          <a:prstGeom prst="rect">
+            <a:avLst/>
+          </a:prstGeom>
+          <a:noFill/>
+          <a:ln>
+            <a:noFill/>
+          </a:ln>
+        </p:spPr>
+      </p:pic>
     </p:spTree>
   </p:cSld>
   <p:clrMapOvr>
@@ -7861,7 +9475,7 @@
 </file>
 
 <file path=ppt/theme/theme1.xml><?xml version="1.0" encoding="utf-8"?>
-<a:theme xmlns:a="http://schemas.openxmlformats.org/drawingml/2006/main" name="Slate">
+<a:theme xmlns:a="http://schemas.openxmlformats.org/drawingml/2006/main" xmlns:r="http://schemas.openxmlformats.org/officeDocument/2006/relationships" name="Slate">
   <a:themeElements>
     <a:clrScheme name="Slate">
       <a:dk1>
@@ -8136,13 +9750,11 @@
       </a:bgFillStyleLst>
     </a:fmtScheme>
   </a:themeElements>
-  <a:objectDefaults/>
-  <a:extraClrSchemeLst/>
 </a:theme>
 </file>
 
 <file path=ppt/theme/theme2.xml><?xml version="1.0" encoding="utf-8"?>
-<a:theme xmlns:a="http://schemas.openxmlformats.org/drawingml/2006/main">
+<a:theme xmlns:a="http://schemas.openxmlformats.org/drawingml/2006/main" xmlns:r="http://schemas.openxmlformats.org/officeDocument/2006/relationships">
   <a:themeElements>
     <a:clrScheme name="Default">
       <a:dk1>
@@ -8417,7 +10029,5 @@
       </a:bgFillStyleLst>
     </a:fmtScheme>
   </a:themeElements>
-  <a:objectDefaults/>
-  <a:extraClrSchemeLst/>
 </a:theme>
 </file>
--- a/Weather Patterns.pptx
+++ b/Weather Patterns.pptx
@@ -1,41 +1,43 @@
 
 <file path=ppt/presentation.xml><?xml version="1.0" encoding="utf-8"?>
-<p:presentation xmlns:a="http://schemas.openxmlformats.org/drawingml/2006/main" xmlns:r="http://schemas.openxmlformats.org/officeDocument/2006/relationships" xmlns:mc="http://schemas.openxmlformats.org/markup-compatibility/2006" xmlns:mv="urn:schemas-microsoft-com:mac:vml" xmlns:p="http://schemas.openxmlformats.org/presentationml/2006/main" xmlns:c="http://schemas.openxmlformats.org/drawingml/2006/chart" xmlns:dgm="http://schemas.openxmlformats.org/drawingml/2006/diagram" xmlns:o="urn:schemas-microsoft-com:office:office" xmlns:v="urn:schemas-microsoft-com:vml" xmlns:pvml="urn:schemas-microsoft-com:office:powerpoint" xmlns:com="http://schemas.openxmlformats.org/drawingml/2006/compatibility" xmlns:p14="http://schemas.microsoft.com/office/powerpoint/2010/main" xmlns:p15="http://schemas.microsoft.com/office/powerpoint/2012/main" xmlns:ahyp="http://schemas.microsoft.com/office/drawing/2018/hyperlinkcolor" autoCompressPictures="0" embedTrueTypeFonts="1" strictFirstAndLastChars="0" saveSubsetFonts="1">
+<p:presentation xmlns:a="http://schemas.openxmlformats.org/drawingml/2006/main" xmlns:r="http://schemas.openxmlformats.org/officeDocument/2006/relationships" xmlns:p="http://schemas.openxmlformats.org/presentationml/2006/main" strictFirstAndLastChars="0" embedTrueTypeFonts="1" saveSubsetFonts="1" autoCompressPictures="0">
   <p:sldMasterIdLst>
-    <p:sldMasterId id="2147483659" r:id="rId4"/>
+    <p:sldMasterId id="2147483659" r:id="rId1"/>
   </p:sldMasterIdLst>
   <p:notesMasterIdLst>
-    <p:notesMasterId r:id="rId5"/>
+    <p:notesMasterId r:id="rId16"/>
   </p:notesMasterIdLst>
   <p:sldIdLst>
-    <p:sldId id="256" r:id="rId6"/>
-    <p:sldId id="257" r:id="rId7"/>
-    <p:sldId id="258" r:id="rId8"/>
-    <p:sldId id="259" r:id="rId9"/>
-    <p:sldId id="260" r:id="rId10"/>
-    <p:sldId id="261" r:id="rId11"/>
-    <p:sldId id="262" r:id="rId12"/>
-    <p:sldId id="263" r:id="rId13"/>
-    <p:sldId id="264" r:id="rId14"/>
-    <p:sldId id="265" r:id="rId15"/>
-    <p:sldId id="266" r:id="rId16"/>
-    <p:sldId id="267" r:id="rId17"/>
+    <p:sldId id="256" r:id="rId2"/>
+    <p:sldId id="257" r:id="rId3"/>
+    <p:sldId id="258" r:id="rId4"/>
+    <p:sldId id="259" r:id="rId5"/>
+    <p:sldId id="260" r:id="rId6"/>
+    <p:sldId id="261" r:id="rId7"/>
+    <p:sldId id="262" r:id="rId8"/>
+    <p:sldId id="263" r:id="rId9"/>
+    <p:sldId id="264" r:id="rId10"/>
+    <p:sldId id="265" r:id="rId11"/>
+    <p:sldId id="266" r:id="rId12"/>
+    <p:sldId id="267" r:id="rId13"/>
+    <p:sldId id="268" r:id="rId14"/>
+    <p:sldId id="269" r:id="rId15"/>
   </p:sldIdLst>
-  <p:sldSz cy="5143500" cx="9144000"/>
+  <p:sldSz cx="9144000" cy="5143500" type="screen16x9"/>
   <p:notesSz cx="6858000" cy="9144000"/>
   <p:embeddedFontLst>
     <p:embeddedFont>
-      <p:font typeface="Average"/>
-      <p:regular r:id="rId18"/>
+      <p:font typeface="Average" panose="020B0604020202020204" charset="0"/>
+      <p:regular r:id="rId17"/>
     </p:embeddedFont>
     <p:embeddedFont>
-      <p:font typeface="Oswald"/>
-      <p:regular r:id="rId19"/>
-      <p:bold r:id="rId20"/>
+      <p:font typeface="Oswald" panose="020B0604020202020204" charset="0"/>
+      <p:regular r:id="rId18"/>
+      <p:bold r:id="rId19"/>
     </p:embeddedFont>
   </p:embeddedFontLst>
   <p:defaultTextStyle>
-    <a:defPPr lvl="0" marR="0" rtl="0" algn="l">
+    <a:defPPr marR="0" lvl="0" algn="l" rtl="0">
       <a:lnSpc>
         <a:spcPct val="100000"/>
       </a:lnSpc>
@@ -46,7 +48,7 @@
         <a:spcPts val="0"/>
       </a:spcAft>
     </a:defPPr>
-    <a:lvl1pPr lvl="0" marR="0" rtl="0" algn="l">
+    <a:lvl1pPr marR="0" lvl="0" algn="l" rtl="0">
       <a:lnSpc>
         <a:spcPct val="100000"/>
       </a:lnSpc>
@@ -60,7 +62,7 @@
         <a:srgbClr val="000000"/>
       </a:buClr>
       <a:buFont typeface="Arial"/>
-      <a:defRPr b="0" i="0" sz="1400" u="none" cap="none" strike="noStrike">
+      <a:defRPr sz="1400" b="0" i="0" u="none" strike="noStrike" cap="none">
         <a:solidFill>
           <a:srgbClr val="000000"/>
         </a:solidFill>
@@ -70,7 +72,7 @@
         <a:sym typeface="Arial"/>
       </a:defRPr>
     </a:lvl1pPr>
-    <a:lvl2pPr lvl="1" marR="0" rtl="0" algn="l">
+    <a:lvl2pPr marR="0" lvl="1" algn="l" rtl="0">
       <a:lnSpc>
         <a:spcPct val="100000"/>
       </a:lnSpc>
@@ -84,7 +86,7 @@
         <a:srgbClr val="000000"/>
       </a:buClr>
       <a:buFont typeface="Arial"/>
-      <a:defRPr b="0" i="0" sz="1400" u="none" cap="none" strike="noStrike">
+      <a:defRPr sz="1400" b="0" i="0" u="none" strike="noStrike" cap="none">
         <a:solidFill>
           <a:srgbClr val="000000"/>
         </a:solidFill>
@@ -94,7 +96,7 @@
         <a:sym typeface="Arial"/>
       </a:defRPr>
     </a:lvl2pPr>
-    <a:lvl3pPr lvl="2" marR="0" rtl="0" algn="l">
+    <a:lvl3pPr marR="0" lvl="2" algn="l" rtl="0">
       <a:lnSpc>
         <a:spcPct val="100000"/>
       </a:lnSpc>
@@ -108,7 +110,7 @@
         <a:srgbClr val="000000"/>
       </a:buClr>
       <a:buFont typeface="Arial"/>
-      <a:defRPr b="0" i="0" sz="1400" u="none" cap="none" strike="noStrike">
+      <a:defRPr sz="1400" b="0" i="0" u="none" strike="noStrike" cap="none">
         <a:solidFill>
           <a:srgbClr val="000000"/>
         </a:solidFill>
@@ -118,7 +120,7 @@
         <a:sym typeface="Arial"/>
       </a:defRPr>
     </a:lvl3pPr>
-    <a:lvl4pPr lvl="3" marR="0" rtl="0" algn="l">
+    <a:lvl4pPr marR="0" lvl="3" algn="l" rtl="0">
       <a:lnSpc>
         <a:spcPct val="100000"/>
       </a:lnSpc>
@@ -132,7 +134,7 @@
         <a:srgbClr val="000000"/>
       </a:buClr>
       <a:buFont typeface="Arial"/>
-      <a:defRPr b="0" i="0" sz="1400" u="none" cap="none" strike="noStrike">
+      <a:defRPr sz="1400" b="0" i="0" u="none" strike="noStrike" cap="none">
         <a:solidFill>
           <a:srgbClr val="000000"/>
         </a:solidFill>
@@ -142,7 +144,7 @@
         <a:sym typeface="Arial"/>
       </a:defRPr>
     </a:lvl4pPr>
-    <a:lvl5pPr lvl="4" marR="0" rtl="0" algn="l">
+    <a:lvl5pPr marR="0" lvl="4" algn="l" rtl="0">
       <a:lnSpc>
         <a:spcPct val="100000"/>
       </a:lnSpc>
@@ -156,7 +158,7 @@
         <a:srgbClr val="000000"/>
       </a:buClr>
       <a:buFont typeface="Arial"/>
-      <a:defRPr b="0" i="0" sz="1400" u="none" cap="none" strike="noStrike">
+      <a:defRPr sz="1400" b="0" i="0" u="none" strike="noStrike" cap="none">
         <a:solidFill>
           <a:srgbClr val="000000"/>
         </a:solidFill>
@@ -166,7 +168,7 @@
         <a:sym typeface="Arial"/>
       </a:defRPr>
     </a:lvl5pPr>
-    <a:lvl6pPr lvl="5" marR="0" rtl="0" algn="l">
+    <a:lvl6pPr marR="0" lvl="5" algn="l" rtl="0">
       <a:lnSpc>
         <a:spcPct val="100000"/>
       </a:lnSpc>
@@ -180,7 +182,7 @@
         <a:srgbClr val="000000"/>
       </a:buClr>
       <a:buFont typeface="Arial"/>
-      <a:defRPr b="0" i="0" sz="1400" u="none" cap="none" strike="noStrike">
+      <a:defRPr sz="1400" b="0" i="0" u="none" strike="noStrike" cap="none">
         <a:solidFill>
           <a:srgbClr val="000000"/>
         </a:solidFill>
@@ -190,7 +192,7 @@
         <a:sym typeface="Arial"/>
       </a:defRPr>
     </a:lvl6pPr>
-    <a:lvl7pPr lvl="6" marR="0" rtl="0" algn="l">
+    <a:lvl7pPr marR="0" lvl="6" algn="l" rtl="0">
       <a:lnSpc>
         <a:spcPct val="100000"/>
       </a:lnSpc>
@@ -204,7 +206,7 @@
         <a:srgbClr val="000000"/>
       </a:buClr>
       <a:buFont typeface="Arial"/>
-      <a:defRPr b="0" i="0" sz="1400" u="none" cap="none" strike="noStrike">
+      <a:defRPr sz="1400" b="0" i="0" u="none" strike="noStrike" cap="none">
         <a:solidFill>
           <a:srgbClr val="000000"/>
         </a:solidFill>
@@ -214,7 +216,7 @@
         <a:sym typeface="Arial"/>
       </a:defRPr>
     </a:lvl7pPr>
-    <a:lvl8pPr lvl="7" marR="0" rtl="0" algn="l">
+    <a:lvl8pPr marR="0" lvl="7" algn="l" rtl="0">
       <a:lnSpc>
         <a:spcPct val="100000"/>
       </a:lnSpc>
@@ -228,7 +230,7 @@
         <a:srgbClr val="000000"/>
       </a:buClr>
       <a:buFont typeface="Arial"/>
-      <a:defRPr b="0" i="0" sz="1400" u="none" cap="none" strike="noStrike">
+      <a:defRPr sz="1400" b="0" i="0" u="none" strike="noStrike" cap="none">
         <a:solidFill>
           <a:srgbClr val="000000"/>
         </a:solidFill>
@@ -238,7 +240,7 @@
         <a:sym typeface="Arial"/>
       </a:defRPr>
     </a:lvl8pPr>
-    <a:lvl9pPr lvl="8" marR="0" rtl="0" algn="l">
+    <a:lvl9pPr marR="0" lvl="8" algn="l" rtl="0">
       <a:lnSpc>
         <a:spcPct val="100000"/>
       </a:lnSpc>
@@ -252,7 +254,7 @@
         <a:srgbClr val="000000"/>
       </a:buClr>
       <a:buFont typeface="Arial"/>
-      <a:defRPr b="0" i="0" sz="1400" u="none" cap="none" strike="noStrike">
+      <a:defRPr sz="1400" b="0" i="0" u="none" strike="noStrike" cap="none">
         <a:solidFill>
           <a:srgbClr val="000000"/>
         </a:solidFill>
@@ -265,7 +267,7 @@
   </p:defaultTextStyle>
   <p:extLst>
     <p:ext uri="{EFAFB233-063F-42B5-8137-9DF3F51BA10A}">
-      <p15:sldGuideLst>
+      <p15:sldGuideLst xmlns:p15="http://schemas.microsoft.com/office/powerpoint/2012/main">
         <p15:guide id="1" orient="horz" pos="1620">
           <p15:clr>
             <a:srgbClr val="A4A3A4"/>
@@ -283,11 +285,16 @@
 </file>
 
 <file path=ppt/notesMasters/notesMaster1.xml><?xml version="1.0" encoding="utf-8"?>
-<p:notesMaster xmlns:a="http://schemas.openxmlformats.org/drawingml/2006/main" xmlns:r="http://schemas.openxmlformats.org/officeDocument/2006/relationships" xmlns:mc="http://schemas.openxmlformats.org/markup-compatibility/2006" xmlns:mv="urn:schemas-microsoft-com:mac:vml" xmlns:p="http://schemas.openxmlformats.org/presentationml/2006/main" xmlns:c="http://schemas.openxmlformats.org/drawingml/2006/chart" xmlns:dgm="http://schemas.openxmlformats.org/drawingml/2006/diagram" xmlns:o="urn:schemas-microsoft-com:office:office" xmlns:v="urn:schemas-microsoft-com:vml" xmlns:pvml="urn:schemas-microsoft-com:office:powerpoint" xmlns:com="http://schemas.openxmlformats.org/drawingml/2006/compatibility" xmlns:p14="http://schemas.microsoft.com/office/powerpoint/2010/main" xmlns:p15="http://schemas.microsoft.com/office/powerpoint/2012/main" xmlns:ahyp="http://schemas.microsoft.com/office/drawing/2018/hyperlinkcolor">
+<p:notesMaster xmlns:a="http://schemas.openxmlformats.org/drawingml/2006/main" xmlns:r="http://schemas.openxmlformats.org/officeDocument/2006/relationships" xmlns:p="http://schemas.openxmlformats.org/presentationml/2006/main">
   <p:cSld>
+    <p:bg>
+      <p:bgRef idx="1001">
+        <a:schemeClr val="bg1"/>
+      </p:bgRef>
+    </p:bg>
     <p:spTree>
       <p:nvGrpSpPr>
-        <p:cNvPr id="2" name="Shape 2"/>
+        <p:cNvPr id="1" name="Shape 2"/>
         <p:cNvGrpSpPr/>
         <p:nvPr/>
       </p:nvGrpSpPr>
@@ -302,9 +309,11 @@
       <p:sp>
         <p:nvSpPr>
           <p:cNvPr id="3" name="Google Shape;3;n"/>
-          <p:cNvSpPr/>
+          <p:cNvSpPr>
+            <a:spLocks noGrp="1" noRot="1" noChangeAspect="1"/>
+          </p:cNvSpPr>
           <p:nvPr>
-            <p:ph idx="2" type="sldImg"/>
+            <p:ph type="sldImg" idx="2"/>
           </p:nvPr>
         </p:nvSpPr>
         <p:spPr>
@@ -313,9 +322,13 @@
             <a:ext cx="6096075" cy="3429000"/>
           </a:xfrm>
           <a:custGeom>
-            <a:rect b="b" l="l" r="r" t="t"/>
+            <a:avLst/>
+            <a:gdLst/>
+            <a:ahLst/>
+            <a:cxnLst/>
+            <a:rect l="l" t="t" r="r" b="b"/>
             <a:pathLst>
-              <a:path extrusionOk="0" h="120000" w="120000">
+              <a:path w="120000" h="120000" extrusionOk="0">
                 <a:moveTo>
                   <a:pt x="0" y="0"/>
                 </a:moveTo>
@@ -333,23 +346,25 @@
             </a:pathLst>
           </a:custGeom>
           <a:noFill/>
-          <a:ln cap="flat" cmpd="sng" w="9525">
+          <a:ln w="9525" cap="flat" cmpd="sng">
             <a:solidFill>
               <a:srgbClr val="000000"/>
             </a:solidFill>
             <a:prstDash val="solid"/>
             <a:round/>
-            <a:headEnd len="sm" w="sm" type="none"/>
-            <a:tailEnd len="sm" w="sm" type="none"/>
+            <a:headEnd type="none" w="sm" len="sm"/>
+            <a:tailEnd type="none" w="sm" len="sm"/>
           </a:ln>
         </p:spPr>
       </p:sp>
       <p:sp>
         <p:nvSpPr>
           <p:cNvPr id="4" name="Google Shape;4;n"/>
-          <p:cNvSpPr txBox="1"/>
+          <p:cNvSpPr txBox="1">
+            <a:spLocks noGrp="1"/>
+          </p:cNvSpPr>
           <p:nvPr>
-            <p:ph idx="1" type="body"/>
+            <p:ph type="body" idx="1"/>
           </p:nvPr>
         </p:nvSpPr>
         <p:spPr>
@@ -366,11 +381,11 @@
           </a:ln>
         </p:spPr>
         <p:txBody>
-          <a:bodyPr anchorCtr="0" anchor="t" bIns="91425" lIns="91425" spcFirstLastPara="1" rIns="91425" wrap="square" tIns="91425">
+          <a:bodyPr spcFirstLastPara="1" wrap="square" lIns="91425" tIns="91425" rIns="91425" bIns="91425" anchor="t" anchorCtr="0">
             <a:noAutofit/>
           </a:bodyPr>
           <a:lstStyle>
-            <a:lvl1pPr indent="-298450" lvl="0" marL="457200">
+            <a:lvl1pPr marL="457200" lvl="0" indent="-298450">
               <a:spcBef>
                 <a:spcPts val="0"/>
               </a:spcBef>
@@ -381,7 +396,7 @@
               <a:buChar char="●"/>
               <a:defRPr sz="1100"/>
             </a:lvl1pPr>
-            <a:lvl2pPr indent="-298450" lvl="1" marL="914400">
+            <a:lvl2pPr marL="914400" lvl="1" indent="-298450">
               <a:spcBef>
                 <a:spcPts val="0"/>
               </a:spcBef>
@@ -392,7 +407,7 @@
               <a:buChar char="○"/>
               <a:defRPr sz="1100"/>
             </a:lvl2pPr>
-            <a:lvl3pPr indent="-298450" lvl="2" marL="1371600">
+            <a:lvl3pPr marL="1371600" lvl="2" indent="-298450">
               <a:spcBef>
                 <a:spcPts val="0"/>
               </a:spcBef>
@@ -403,7 +418,7 @@
               <a:buChar char="■"/>
               <a:defRPr sz="1100"/>
             </a:lvl3pPr>
-            <a:lvl4pPr indent="-298450" lvl="3" marL="1828800">
+            <a:lvl4pPr marL="1828800" lvl="3" indent="-298450">
               <a:spcBef>
                 <a:spcPts val="0"/>
               </a:spcBef>
@@ -414,7 +429,7 @@
               <a:buChar char="●"/>
               <a:defRPr sz="1100"/>
             </a:lvl4pPr>
-            <a:lvl5pPr indent="-298450" lvl="4" marL="2286000">
+            <a:lvl5pPr marL="2286000" lvl="4" indent="-298450">
               <a:spcBef>
                 <a:spcPts val="0"/>
               </a:spcBef>
@@ -425,7 +440,7 @@
               <a:buChar char="○"/>
               <a:defRPr sz="1100"/>
             </a:lvl5pPr>
-            <a:lvl6pPr indent="-298450" lvl="5" marL="2743200">
+            <a:lvl6pPr marL="2743200" lvl="5" indent="-298450">
               <a:spcBef>
                 <a:spcPts val="0"/>
               </a:spcBef>
@@ -436,7 +451,7 @@
               <a:buChar char="■"/>
               <a:defRPr sz="1100"/>
             </a:lvl6pPr>
-            <a:lvl7pPr indent="-298450" lvl="6" marL="3200400">
+            <a:lvl7pPr marL="3200400" lvl="6" indent="-298450">
               <a:spcBef>
                 <a:spcPts val="0"/>
               </a:spcBef>
@@ -447,7 +462,7 @@
               <a:buChar char="●"/>
               <a:defRPr sz="1100"/>
             </a:lvl7pPr>
-            <a:lvl8pPr indent="-298450" lvl="7" marL="3657600">
+            <a:lvl8pPr marL="3657600" lvl="7" indent="-298450">
               <a:spcBef>
                 <a:spcPts val="0"/>
               </a:spcBef>
@@ -458,7 +473,7 @@
               <a:buChar char="○"/>
               <a:defRPr sz="1100"/>
             </a:lvl8pPr>
-            <a:lvl9pPr indent="-298450" lvl="8" marL="4114800">
+            <a:lvl9pPr marL="4114800" lvl="8" indent="-298450">
               <a:spcBef>
                 <a:spcPts val="0"/>
               </a:spcBef>
@@ -470,14 +485,16 @@
               <a:defRPr sz="1100"/>
             </a:lvl9pPr>
           </a:lstStyle>
-          <a:p/>
+          <a:p>
+            <a:endParaRPr/>
+          </a:p>
         </p:txBody>
       </p:sp>
     </p:spTree>
   </p:cSld>
-  <p:clrMap accent1="accent1" accent2="accent2" accent3="accent3" accent4="accent4" accent5="accent5" accent6="accent6" bg1="lt1" bg2="dk2" tx1="dk1" tx2="lt2" folHlink="folHlink" hlink="hlink"/>
+  <p:clrMap bg1="lt1" tx1="dk1" bg2="dk2" tx2="lt2" accent1="accent1" accent2="accent2" accent3="accent3" accent4="accent4" accent5="accent5" accent6="accent6" hlink="hlink" folHlink="folHlink"/>
   <p:notesStyle>
-    <a:defPPr lvl="0" marR="0" rtl="0" algn="l">
+    <a:defPPr marR="0" lvl="0" algn="l" rtl="0">
       <a:lnSpc>
         <a:spcPct val="100000"/>
       </a:lnSpc>
@@ -488,7 +505,7 @@
         <a:spcPts val="0"/>
       </a:spcAft>
     </a:defPPr>
-    <a:lvl1pPr lvl="0" marR="0" rtl="0" algn="l">
+    <a:lvl1pPr marR="0" lvl="0" algn="l" rtl="0">
       <a:lnSpc>
         <a:spcPct val="100000"/>
       </a:lnSpc>
@@ -502,7 +519,7 @@
         <a:srgbClr val="000000"/>
       </a:buClr>
       <a:buFont typeface="Arial"/>
-      <a:defRPr b="0" i="0" sz="1400" u="none" cap="none" strike="noStrike">
+      <a:defRPr sz="1400" b="0" i="0" u="none" strike="noStrike" cap="none">
         <a:solidFill>
           <a:srgbClr val="000000"/>
         </a:solidFill>
@@ -512,7 +529,7 @@
         <a:sym typeface="Arial"/>
       </a:defRPr>
     </a:lvl1pPr>
-    <a:lvl2pPr lvl="1" marR="0" rtl="0" algn="l">
+    <a:lvl2pPr marR="0" lvl="1" algn="l" rtl="0">
       <a:lnSpc>
         <a:spcPct val="100000"/>
       </a:lnSpc>
@@ -526,7 +543,7 @@
         <a:srgbClr val="000000"/>
       </a:buClr>
       <a:buFont typeface="Arial"/>
-      <a:defRPr b="0" i="0" sz="1400" u="none" cap="none" strike="noStrike">
+      <a:defRPr sz="1400" b="0" i="0" u="none" strike="noStrike" cap="none">
         <a:solidFill>
           <a:srgbClr val="000000"/>
         </a:solidFill>
@@ -536,7 +553,7 @@
         <a:sym typeface="Arial"/>
       </a:defRPr>
     </a:lvl2pPr>
-    <a:lvl3pPr lvl="2" marR="0" rtl="0" algn="l">
+    <a:lvl3pPr marR="0" lvl="2" algn="l" rtl="0">
       <a:lnSpc>
         <a:spcPct val="100000"/>
       </a:lnSpc>
@@ -550,7 +567,7 @@
         <a:srgbClr val="000000"/>
       </a:buClr>
       <a:buFont typeface="Arial"/>
-      <a:defRPr b="0" i="0" sz="1400" u="none" cap="none" strike="noStrike">
+      <a:defRPr sz="1400" b="0" i="0" u="none" strike="noStrike" cap="none">
         <a:solidFill>
           <a:srgbClr val="000000"/>
         </a:solidFill>
@@ -560,7 +577,7 @@
         <a:sym typeface="Arial"/>
       </a:defRPr>
     </a:lvl3pPr>
-    <a:lvl4pPr lvl="3" marR="0" rtl="0" algn="l">
+    <a:lvl4pPr marR="0" lvl="3" algn="l" rtl="0">
       <a:lnSpc>
         <a:spcPct val="100000"/>
       </a:lnSpc>
@@ -574,7 +591,7 @@
         <a:srgbClr val="000000"/>
       </a:buClr>
       <a:buFont typeface="Arial"/>
-      <a:defRPr b="0" i="0" sz="1400" u="none" cap="none" strike="noStrike">
+      <a:defRPr sz="1400" b="0" i="0" u="none" strike="noStrike" cap="none">
         <a:solidFill>
           <a:srgbClr val="000000"/>
         </a:solidFill>
@@ -584,7 +601,7 @@
         <a:sym typeface="Arial"/>
       </a:defRPr>
     </a:lvl4pPr>
-    <a:lvl5pPr lvl="4" marR="0" rtl="0" algn="l">
+    <a:lvl5pPr marR="0" lvl="4" algn="l" rtl="0">
       <a:lnSpc>
         <a:spcPct val="100000"/>
       </a:lnSpc>
@@ -598,7 +615,7 @@
         <a:srgbClr val="000000"/>
       </a:buClr>
       <a:buFont typeface="Arial"/>
-      <a:defRPr b="0" i="0" sz="1400" u="none" cap="none" strike="noStrike">
+      <a:defRPr sz="1400" b="0" i="0" u="none" strike="noStrike" cap="none">
         <a:solidFill>
           <a:srgbClr val="000000"/>
         </a:solidFill>
@@ -608,7 +625,7 @@
         <a:sym typeface="Arial"/>
       </a:defRPr>
     </a:lvl5pPr>
-    <a:lvl6pPr lvl="5" marR="0" rtl="0" algn="l">
+    <a:lvl6pPr marR="0" lvl="5" algn="l" rtl="0">
       <a:lnSpc>
         <a:spcPct val="100000"/>
       </a:lnSpc>
@@ -622,7 +639,7 @@
         <a:srgbClr val="000000"/>
       </a:buClr>
       <a:buFont typeface="Arial"/>
-      <a:defRPr b="0" i="0" sz="1400" u="none" cap="none" strike="noStrike">
+      <a:defRPr sz="1400" b="0" i="0" u="none" strike="noStrike" cap="none">
         <a:solidFill>
           <a:srgbClr val="000000"/>
         </a:solidFill>
@@ -632,7 +649,7 @@
         <a:sym typeface="Arial"/>
       </a:defRPr>
     </a:lvl6pPr>
-    <a:lvl7pPr lvl="6" marR="0" rtl="0" algn="l">
+    <a:lvl7pPr marR="0" lvl="6" algn="l" rtl="0">
       <a:lnSpc>
         <a:spcPct val="100000"/>
       </a:lnSpc>
@@ -646,7 +663,7 @@
         <a:srgbClr val="000000"/>
       </a:buClr>
       <a:buFont typeface="Arial"/>
-      <a:defRPr b="0" i="0" sz="1400" u="none" cap="none" strike="noStrike">
+      <a:defRPr sz="1400" b="0" i="0" u="none" strike="noStrike" cap="none">
         <a:solidFill>
           <a:srgbClr val="000000"/>
         </a:solidFill>
@@ -656,7 +673,7 @@
         <a:sym typeface="Arial"/>
       </a:defRPr>
     </a:lvl7pPr>
-    <a:lvl8pPr lvl="7" marR="0" rtl="0" algn="l">
+    <a:lvl8pPr marR="0" lvl="7" algn="l" rtl="0">
       <a:lnSpc>
         <a:spcPct val="100000"/>
       </a:lnSpc>
@@ -670,7 +687,7 @@
         <a:srgbClr val="000000"/>
       </a:buClr>
       <a:buFont typeface="Arial"/>
-      <a:defRPr b="0" i="0" sz="1400" u="none" cap="none" strike="noStrike">
+      <a:defRPr sz="1400" b="0" i="0" u="none" strike="noStrike" cap="none">
         <a:solidFill>
           <a:srgbClr val="000000"/>
         </a:solidFill>
@@ -680,7 +697,7 @@
         <a:sym typeface="Arial"/>
       </a:defRPr>
     </a:lvl8pPr>
-    <a:lvl9pPr lvl="8" marR="0" rtl="0" algn="l">
+    <a:lvl9pPr marR="0" lvl="8" algn="l" rtl="0">
       <a:lnSpc>
         <a:spcPct val="100000"/>
       </a:lnSpc>
@@ -694,7 +711,7 @@
         <a:srgbClr val="000000"/>
       </a:buClr>
       <a:buFont typeface="Arial"/>
-      <a:defRPr b="0" i="0" sz="1400" u="none" cap="none" strike="noStrike">
+      <a:defRPr sz="1400" b="0" i="0" u="none" strike="noStrike" cap="none">
         <a:solidFill>
           <a:srgbClr val="000000"/>
         </a:solidFill>
@@ -709,11 +726,11 @@
 </file>
 
 <file path=ppt/notesSlides/notesSlide1.xml><?xml version="1.0" encoding="utf-8"?>
-<p:notes xmlns:a="http://schemas.openxmlformats.org/drawingml/2006/main" xmlns:r="http://schemas.openxmlformats.org/officeDocument/2006/relationships" xmlns:mc="http://schemas.openxmlformats.org/markup-compatibility/2006" xmlns:mv="urn:schemas-microsoft-com:mac:vml" xmlns:p="http://schemas.openxmlformats.org/presentationml/2006/main" xmlns:c="http://schemas.openxmlformats.org/drawingml/2006/chart" xmlns:dgm="http://schemas.openxmlformats.org/drawingml/2006/diagram" xmlns:o="urn:schemas-microsoft-com:office:office" xmlns:v="urn:schemas-microsoft-com:vml" xmlns:pvml="urn:schemas-microsoft-com:office:powerpoint" xmlns:com="http://schemas.openxmlformats.org/drawingml/2006/compatibility" xmlns:p14="http://schemas.microsoft.com/office/powerpoint/2010/main" xmlns:p15="http://schemas.microsoft.com/office/powerpoint/2012/main" xmlns:ahyp="http://schemas.microsoft.com/office/drawing/2018/hyperlinkcolor" showMasterPhAnim="0" showMasterSp="0">
+<p:notes xmlns:a="http://schemas.openxmlformats.org/drawingml/2006/main" xmlns:r="http://schemas.openxmlformats.org/officeDocument/2006/relationships" xmlns:p="http://schemas.openxmlformats.org/presentationml/2006/main" showMasterSp="0" showMasterPhAnim="0">
   <p:cSld>
     <p:spTree>
       <p:nvGrpSpPr>
-        <p:cNvPr id="55" name="Shape 55"/>
+        <p:cNvPr id="1" name="Shape 55"/>
         <p:cNvGrpSpPr/>
         <p:nvPr/>
       </p:nvGrpSpPr>
@@ -728,9 +745,11 @@
       <p:sp>
         <p:nvSpPr>
           <p:cNvPr id="56" name="Google Shape;56;p:notes"/>
-          <p:cNvSpPr/>
+          <p:cNvSpPr>
+            <a:spLocks noGrp="1" noRot="1" noChangeAspect="1"/>
+          </p:cNvSpPr>
           <p:nvPr>
-            <p:ph idx="2" type="sldImg"/>
+            <p:ph type="sldImg" idx="2"/>
           </p:nvPr>
         </p:nvSpPr>
         <p:spPr>
@@ -739,9 +758,13 @@
             <a:ext cx="6096075" cy="3429000"/>
           </a:xfrm>
           <a:custGeom>
-            <a:rect b="b" l="l" r="r" t="t"/>
+            <a:avLst/>
+            <a:gdLst/>
+            <a:ahLst/>
+            <a:cxnLst/>
+            <a:rect l="l" t="t" r="r" b="b"/>
             <a:pathLst>
-              <a:path extrusionOk="0" h="120000" w="120000">
+              <a:path w="120000" h="120000" extrusionOk="0">
                 <a:moveTo>
                   <a:pt x="0" y="0"/>
                 </a:moveTo>
@@ -763,9 +786,11 @@
       <p:sp>
         <p:nvSpPr>
           <p:cNvPr id="57" name="Google Shape;57;p:notes"/>
-          <p:cNvSpPr txBox="1"/>
+          <p:cNvSpPr txBox="1">
+            <a:spLocks noGrp="1"/>
+          </p:cNvSpPr>
           <p:nvPr>
-            <p:ph idx="1" type="body"/>
+            <p:ph type="body" idx="1"/>
           </p:nvPr>
         </p:nvSpPr>
         <p:spPr>
@@ -778,12 +803,12 @@
           </a:prstGeom>
         </p:spPr>
         <p:txBody>
-          <a:bodyPr anchorCtr="0" anchor="t" bIns="91425" lIns="91425" spcFirstLastPara="1" rIns="91425" wrap="square" tIns="91425">
+          <a:bodyPr spcFirstLastPara="1" wrap="square" lIns="91425" tIns="91425" rIns="91425" bIns="91425" anchor="t" anchorCtr="0">
             <a:noAutofit/>
           </a:bodyPr>
           <a:lstStyle/>
           <a:p>
-            <a:pPr indent="0" lvl="0" marL="0" rtl="0" algn="l">
+            <a:pPr marL="0" lvl="0" indent="0" algn="l" rtl="0">
               <a:spcBef>
                 <a:spcPts val="0"/>
               </a:spcBef>
@@ -792,9 +817,6 @@
               </a:spcAft>
               <a:buNone/>
             </a:pPr>
-            <a:r>
-              <a:t/>
-            </a:r>
             <a:endParaRPr/>
           </a:p>
         </p:txBody>
@@ -808,11 +830,11 @@
 </file>
 
 <file path=ppt/notesSlides/notesSlide10.xml><?xml version="1.0" encoding="utf-8"?>
-<p:notes xmlns:a="http://schemas.openxmlformats.org/drawingml/2006/main" xmlns:r="http://schemas.openxmlformats.org/officeDocument/2006/relationships" xmlns:mc="http://schemas.openxmlformats.org/markup-compatibility/2006" xmlns:mv="urn:schemas-microsoft-com:mac:vml" xmlns:p="http://schemas.openxmlformats.org/presentationml/2006/main" xmlns:c="http://schemas.openxmlformats.org/drawingml/2006/chart" xmlns:dgm="http://schemas.openxmlformats.org/drawingml/2006/diagram" xmlns:o="urn:schemas-microsoft-com:office:office" xmlns:v="urn:schemas-microsoft-com:vml" xmlns:pvml="urn:schemas-microsoft-com:office:powerpoint" xmlns:com="http://schemas.openxmlformats.org/drawingml/2006/compatibility" xmlns:p14="http://schemas.microsoft.com/office/powerpoint/2010/main" xmlns:p15="http://schemas.microsoft.com/office/powerpoint/2012/main" xmlns:ahyp="http://schemas.microsoft.com/office/drawing/2018/hyperlinkcolor" showMasterPhAnim="0" showMasterSp="0">
+<p:notes xmlns:a="http://schemas.openxmlformats.org/drawingml/2006/main" xmlns:r="http://schemas.openxmlformats.org/officeDocument/2006/relationships" xmlns:p="http://schemas.openxmlformats.org/presentationml/2006/main" showMasterSp="0" showMasterPhAnim="0">
   <p:cSld>
     <p:spTree>
       <p:nvGrpSpPr>
-        <p:cNvPr id="114" name="Shape 114"/>
+        <p:cNvPr id="1" name="Shape 117"/>
         <p:cNvGrpSpPr/>
         <p:nvPr/>
       </p:nvGrpSpPr>
@@ -826,10 +848,12 @@
       </p:grpSpPr>
       <p:sp>
         <p:nvSpPr>
-          <p:cNvPr id="115" name="Google Shape;115;gc78378ac2d_0_7:notes"/>
-          <p:cNvSpPr/>
+          <p:cNvPr id="118" name="Google Shape;118;gc75491cc2b_0_2:notes"/>
+          <p:cNvSpPr>
+            <a:spLocks noGrp="1" noRot="1" noChangeAspect="1"/>
+          </p:cNvSpPr>
           <p:nvPr>
-            <p:ph idx="2" type="sldImg"/>
+            <p:ph type="sldImg" idx="2"/>
           </p:nvPr>
         </p:nvSpPr>
         <p:spPr>
@@ -838,9 +862,13 @@
             <a:ext cx="6096000" cy="3429000"/>
           </a:xfrm>
           <a:custGeom>
-            <a:rect b="b" l="l" r="r" t="t"/>
+            <a:avLst/>
+            <a:gdLst/>
+            <a:ahLst/>
+            <a:cxnLst/>
+            <a:rect l="l" t="t" r="r" b="b"/>
             <a:pathLst>
-              <a:path extrusionOk="0" h="120000" w="120000">
+              <a:path w="120000" h="120000" extrusionOk="0">
                 <a:moveTo>
                   <a:pt x="0" y="0"/>
                 </a:moveTo>
@@ -861,10 +889,12 @@
       </p:sp>
       <p:sp>
         <p:nvSpPr>
-          <p:cNvPr id="116" name="Google Shape;116;gc78378ac2d_0_7:notes"/>
-          <p:cNvSpPr txBox="1"/>
+          <p:cNvPr id="119" name="Google Shape;119;gc75491cc2b_0_2:notes"/>
+          <p:cNvSpPr txBox="1">
+            <a:spLocks noGrp="1"/>
+          </p:cNvSpPr>
           <p:nvPr>
-            <p:ph idx="1" type="body"/>
+            <p:ph type="body" idx="1"/>
           </p:nvPr>
         </p:nvSpPr>
         <p:spPr>
@@ -877,12 +907,12 @@
           </a:prstGeom>
         </p:spPr>
         <p:txBody>
-          <a:bodyPr anchorCtr="0" anchor="t" bIns="91425" lIns="91425" spcFirstLastPara="1" rIns="91425" wrap="square" tIns="91425">
+          <a:bodyPr spcFirstLastPara="1" wrap="square" lIns="91425" tIns="91425" rIns="91425" bIns="91425" anchor="t" anchorCtr="0">
             <a:noAutofit/>
           </a:bodyPr>
           <a:lstStyle/>
           <a:p>
-            <a:pPr indent="0" lvl="0" marL="0" rtl="0" algn="l">
+            <a:pPr marL="0" lvl="0" indent="0" algn="l" rtl="0">
               <a:spcBef>
                 <a:spcPts val="0"/>
               </a:spcBef>
@@ -902,7 +932,7 @@
                   <a:schemeClr val="dk1"/>
                 </a:solidFill>
               </a:rPr>
-              <a:t>Based on the Logistic Regression Learning Model we have an accuracy score of 70%. For this machine learning model we used sklearn.preprocessing.</a:t>
+              <a:t>Set value of “Strike_Target” to 1 if exists in “fl_storms” table.  Note, a 1 in the</a:t>
             </a:r>
             <a:endParaRPr sz="1250">
               <a:solidFill>
@@ -911,18 +941,44 @@
             </a:endParaRPr>
           </a:p>
           <a:p>
-            <a:pPr indent="0" lvl="0" marL="0" rtl="0" algn="l">
-              <a:spcBef>
-                <a:spcPts val="0"/>
-              </a:spcBef>
-              <a:spcAft>
-                <a:spcPts val="0"/>
-              </a:spcAft>
+            <a:pPr marL="0" lvl="0" indent="0" algn="l" rtl="0">
+              <a:spcBef>
+                <a:spcPts val="0"/>
+              </a:spcBef>
+              <a:spcAft>
+                <a:spcPts val="0"/>
+              </a:spcAft>
+              <a:buClr>
+                <a:schemeClr val="dk1"/>
+              </a:buClr>
+              <a:buSzPts val="1100"/>
+              <a:buFont typeface="Arial"/>
               <a:buNone/>
             </a:pPr>
             <a:r>
-              <a:t/>
+              <a:rPr lang="en" sz="1250">
+                <a:solidFill>
+                  <a:schemeClr val="dk1"/>
+                </a:solidFill>
+              </a:rPr>
+              <a:t>Strike_Target column indicates a storm strike in the target area</a:t>
             </a:r>
+            <a:endParaRPr sz="1250">
+              <a:solidFill>
+                <a:schemeClr val="dk1"/>
+              </a:solidFill>
+            </a:endParaRPr>
+          </a:p>
+          <a:p>
+            <a:pPr marL="0" lvl="0" indent="0" algn="l" rtl="0">
+              <a:spcBef>
+                <a:spcPts val="0"/>
+              </a:spcBef>
+              <a:spcAft>
+                <a:spcPts val="0"/>
+              </a:spcAft>
+              <a:buNone/>
+            </a:pPr>
             <a:endParaRPr/>
           </a:p>
         </p:txBody>
@@ -936,11 +992,11 @@
 </file>
 
 <file path=ppt/notesSlides/notesSlide11.xml><?xml version="1.0" encoding="utf-8"?>
-<p:notes xmlns:a="http://schemas.openxmlformats.org/drawingml/2006/main" xmlns:r="http://schemas.openxmlformats.org/officeDocument/2006/relationships" xmlns:mc="http://schemas.openxmlformats.org/markup-compatibility/2006" xmlns:mv="urn:schemas-microsoft-com:mac:vml" xmlns:p="http://schemas.openxmlformats.org/presentationml/2006/main" xmlns:c="http://schemas.openxmlformats.org/drawingml/2006/chart" xmlns:dgm="http://schemas.openxmlformats.org/drawingml/2006/diagram" xmlns:o="urn:schemas-microsoft-com:office:office" xmlns:v="urn:schemas-microsoft-com:vml" xmlns:pvml="urn:schemas-microsoft-com:office:powerpoint" xmlns:com="http://schemas.openxmlformats.org/drawingml/2006/compatibility" xmlns:p14="http://schemas.microsoft.com/office/powerpoint/2010/main" xmlns:p15="http://schemas.microsoft.com/office/powerpoint/2012/main" xmlns:ahyp="http://schemas.microsoft.com/office/drawing/2018/hyperlinkcolor" showMasterPhAnim="0" showMasterSp="0">
+<p:notes xmlns:a="http://schemas.openxmlformats.org/drawingml/2006/main" xmlns:r="http://schemas.openxmlformats.org/officeDocument/2006/relationships" xmlns:p="http://schemas.openxmlformats.org/presentationml/2006/main" showMasterSp="0" showMasterPhAnim="0">
   <p:cSld>
     <p:spTree>
       <p:nvGrpSpPr>
-        <p:cNvPr id="121" name="Shape 121"/>
+        <p:cNvPr id="1" name="Shape 124"/>
         <p:cNvGrpSpPr/>
         <p:nvPr/>
       </p:nvGrpSpPr>
@@ -954,10 +1010,12 @@
       </p:grpSpPr>
       <p:sp>
         <p:nvSpPr>
-          <p:cNvPr id="122" name="Google Shape;122;gc78378ac2d_0_14:notes"/>
-          <p:cNvSpPr/>
+          <p:cNvPr id="125" name="Google Shape;125;gc78378ac2d_0_0:notes"/>
+          <p:cNvSpPr>
+            <a:spLocks noGrp="1" noRot="1" noChangeAspect="1"/>
+          </p:cNvSpPr>
           <p:nvPr>
-            <p:ph idx="2" type="sldImg"/>
+            <p:ph type="sldImg" idx="2"/>
           </p:nvPr>
         </p:nvSpPr>
         <p:spPr>
@@ -966,9 +1024,13 @@
             <a:ext cx="6096000" cy="3429000"/>
           </a:xfrm>
           <a:custGeom>
-            <a:rect b="b" l="l" r="r" t="t"/>
+            <a:avLst/>
+            <a:gdLst/>
+            <a:ahLst/>
+            <a:cxnLst/>
+            <a:rect l="l" t="t" r="r" b="b"/>
             <a:pathLst>
-              <a:path extrusionOk="0" h="120000" w="120000">
+              <a:path w="120000" h="120000" extrusionOk="0">
                 <a:moveTo>
                   <a:pt x="0" y="0"/>
                 </a:moveTo>
@@ -989,10 +1051,12 @@
       </p:sp>
       <p:sp>
         <p:nvSpPr>
-          <p:cNvPr id="123" name="Google Shape;123;gc78378ac2d_0_14:notes"/>
-          <p:cNvSpPr txBox="1"/>
+          <p:cNvPr id="126" name="Google Shape;126;gc78378ac2d_0_0:notes"/>
+          <p:cNvSpPr txBox="1">
+            <a:spLocks noGrp="1"/>
+          </p:cNvSpPr>
           <p:nvPr>
-            <p:ph idx="1" type="body"/>
+            <p:ph type="body" idx="1"/>
           </p:nvPr>
         </p:nvSpPr>
         <p:spPr>
@@ -1005,23 +1069,49 @@
           </a:prstGeom>
         </p:spPr>
         <p:txBody>
-          <a:bodyPr anchorCtr="0" anchor="t" bIns="91425" lIns="91425" spcFirstLastPara="1" rIns="91425" wrap="square" tIns="91425">
+          <a:bodyPr spcFirstLastPara="1" wrap="square" lIns="91425" tIns="91425" rIns="91425" bIns="91425" anchor="t" anchorCtr="0">
             <a:noAutofit/>
           </a:bodyPr>
           <a:lstStyle/>
           <a:p>
-            <a:pPr indent="0" lvl="0" marL="0" rtl="0" algn="l">
-              <a:spcBef>
-                <a:spcPts val="0"/>
-              </a:spcBef>
-              <a:spcAft>
-                <a:spcPts val="0"/>
-              </a:spcAft>
+            <a:pPr marL="0" lvl="0" indent="0" algn="l" rtl="0">
+              <a:spcBef>
+                <a:spcPts val="0"/>
+              </a:spcBef>
+              <a:spcAft>
+                <a:spcPts val="0"/>
+              </a:spcAft>
+              <a:buClr>
+                <a:schemeClr val="dk1"/>
+              </a:buClr>
+              <a:buSzPts val="1100"/>
+              <a:buFont typeface="Arial"/>
               <a:buNone/>
             </a:pPr>
             <a:r>
-              <a:t/>
+              <a:rPr lang="en" sz="1250">
+                <a:solidFill>
+                  <a:schemeClr val="dk1"/>
+                </a:solidFill>
+              </a:rPr>
+              <a:t>Based on the Logistic Regression Learning Model we have an accuracy score of 70%. For this machine learning model we used sklearn.preprocessing.</a:t>
             </a:r>
+            <a:endParaRPr sz="1250">
+              <a:solidFill>
+                <a:schemeClr val="dk1"/>
+              </a:solidFill>
+            </a:endParaRPr>
+          </a:p>
+          <a:p>
+            <a:pPr marL="0" lvl="0" indent="0" algn="l" rtl="0">
+              <a:spcBef>
+                <a:spcPts val="0"/>
+              </a:spcBef>
+              <a:spcAft>
+                <a:spcPts val="0"/>
+              </a:spcAft>
+              <a:buNone/>
+            </a:pPr>
             <a:endParaRPr/>
           </a:p>
         </p:txBody>
@@ -1035,11 +1125,11 @@
 </file>
 
 <file path=ppt/notesSlides/notesSlide12.xml><?xml version="1.0" encoding="utf-8"?>
-<p:notes xmlns:a="http://schemas.openxmlformats.org/drawingml/2006/main" xmlns:r="http://schemas.openxmlformats.org/officeDocument/2006/relationships" xmlns:mc="http://schemas.openxmlformats.org/markup-compatibility/2006" xmlns:mv="urn:schemas-microsoft-com:mac:vml" xmlns:p="http://schemas.openxmlformats.org/presentationml/2006/main" xmlns:c="http://schemas.openxmlformats.org/drawingml/2006/chart" xmlns:dgm="http://schemas.openxmlformats.org/drawingml/2006/diagram" xmlns:o="urn:schemas-microsoft-com:office:office" xmlns:v="urn:schemas-microsoft-com:vml" xmlns:pvml="urn:schemas-microsoft-com:office:powerpoint" xmlns:com="http://schemas.openxmlformats.org/drawingml/2006/compatibility" xmlns:p14="http://schemas.microsoft.com/office/powerpoint/2010/main" xmlns:p15="http://schemas.microsoft.com/office/powerpoint/2012/main" xmlns:ahyp="http://schemas.microsoft.com/office/drawing/2018/hyperlinkcolor" showMasterPhAnim="0" showMasterSp="0">
+<p:notes xmlns:a="http://schemas.openxmlformats.org/drawingml/2006/main" xmlns:r="http://schemas.openxmlformats.org/officeDocument/2006/relationships" xmlns:p="http://schemas.openxmlformats.org/presentationml/2006/main" showMasterSp="0" showMasterPhAnim="0">
   <p:cSld>
     <p:spTree>
       <p:nvGrpSpPr>
-        <p:cNvPr id="127" name="Shape 127"/>
+        <p:cNvPr id="1" name="Shape 131"/>
         <p:cNvGrpSpPr/>
         <p:nvPr/>
       </p:nvGrpSpPr>
@@ -1053,10 +1143,12 @@
       </p:grpSpPr>
       <p:sp>
         <p:nvSpPr>
-          <p:cNvPr id="128" name="Google Shape;128;gc78378ac2d_0_19:notes"/>
-          <p:cNvSpPr/>
+          <p:cNvPr id="132" name="Google Shape;132;gc78378ac2d_0_7:notes"/>
+          <p:cNvSpPr>
+            <a:spLocks noGrp="1" noRot="1" noChangeAspect="1"/>
+          </p:cNvSpPr>
           <p:nvPr>
-            <p:ph idx="2" type="sldImg"/>
+            <p:ph type="sldImg" idx="2"/>
           </p:nvPr>
         </p:nvSpPr>
         <p:spPr>
@@ -1065,9 +1157,13 @@
             <a:ext cx="6096000" cy="3429000"/>
           </a:xfrm>
           <a:custGeom>
-            <a:rect b="b" l="l" r="r" t="t"/>
+            <a:avLst/>
+            <a:gdLst/>
+            <a:ahLst/>
+            <a:cxnLst/>
+            <a:rect l="l" t="t" r="r" b="b"/>
             <a:pathLst>
-              <a:path extrusionOk="0" h="120000" w="120000">
+              <a:path w="120000" h="120000" extrusionOk="0">
                 <a:moveTo>
                   <a:pt x="0" y="0"/>
                 </a:moveTo>
@@ -1088,10 +1184,12 @@
       </p:sp>
       <p:sp>
         <p:nvSpPr>
-          <p:cNvPr id="129" name="Google Shape;129;gc78378ac2d_0_19:notes"/>
-          <p:cNvSpPr txBox="1"/>
+          <p:cNvPr id="133" name="Google Shape;133;gc78378ac2d_0_7:notes"/>
+          <p:cNvSpPr txBox="1">
+            <a:spLocks noGrp="1"/>
+          </p:cNvSpPr>
           <p:nvPr>
-            <p:ph idx="1" type="body"/>
+            <p:ph type="body" idx="1"/>
           </p:nvPr>
         </p:nvSpPr>
         <p:spPr>
@@ -1104,23 +1202,257 @@
           </a:prstGeom>
         </p:spPr>
         <p:txBody>
-          <a:bodyPr anchorCtr="0" anchor="t" bIns="91425" lIns="91425" spcFirstLastPara="1" rIns="91425" wrap="square" tIns="91425">
+          <a:bodyPr spcFirstLastPara="1" wrap="square" lIns="91425" tIns="91425" rIns="91425" bIns="91425" anchor="t" anchorCtr="0">
             <a:noAutofit/>
           </a:bodyPr>
           <a:lstStyle/>
           <a:p>
-            <a:pPr indent="0" lvl="0" marL="0" rtl="0" algn="l">
-              <a:spcBef>
-                <a:spcPts val="0"/>
-              </a:spcBef>
-              <a:spcAft>
-                <a:spcPts val="0"/>
-              </a:spcAft>
+            <a:pPr marL="0" lvl="0" indent="0" algn="l" rtl="0">
+              <a:spcBef>
+                <a:spcPts val="0"/>
+              </a:spcBef>
+              <a:spcAft>
+                <a:spcPts val="0"/>
+              </a:spcAft>
+              <a:buClr>
+                <a:schemeClr val="dk1"/>
+              </a:buClr>
+              <a:buSzPts val="1100"/>
+              <a:buFont typeface="Arial"/>
               <a:buNone/>
             </a:pPr>
             <a:r>
-              <a:t/>
+              <a:rPr lang="en" sz="1250">
+                <a:solidFill>
+                  <a:schemeClr val="dk1"/>
+                </a:solidFill>
+              </a:rPr>
+              <a:t>Based on the Logistic Regression Learning Model we have an accuracy score of 70%. For this machine learning model we used sklearn.metric.</a:t>
             </a:r>
+            <a:endParaRPr sz="1250">
+              <a:solidFill>
+                <a:schemeClr val="dk1"/>
+              </a:solidFill>
+            </a:endParaRPr>
+          </a:p>
+          <a:p>
+            <a:pPr marL="0" lvl="0" indent="0" algn="l" rtl="0">
+              <a:spcBef>
+                <a:spcPts val="0"/>
+              </a:spcBef>
+              <a:spcAft>
+                <a:spcPts val="0"/>
+              </a:spcAft>
+              <a:buNone/>
+            </a:pPr>
+            <a:endParaRPr/>
+          </a:p>
+        </p:txBody>
+      </p:sp>
+    </p:spTree>
+  </p:cSld>
+  <p:clrMapOvr>
+    <a:masterClrMapping/>
+  </p:clrMapOvr>
+</p:notes>
+</file>
+
+<file path=ppt/notesSlides/notesSlide13.xml><?xml version="1.0" encoding="utf-8"?>
+<p:notes xmlns:a="http://schemas.openxmlformats.org/drawingml/2006/main" xmlns:r="http://schemas.openxmlformats.org/officeDocument/2006/relationships" xmlns:p="http://schemas.openxmlformats.org/presentationml/2006/main" showMasterSp="0" showMasterPhAnim="0">
+  <p:cSld>
+    <p:spTree>
+      <p:nvGrpSpPr>
+        <p:cNvPr id="1" name="Shape 138"/>
+        <p:cNvGrpSpPr/>
+        <p:nvPr/>
+      </p:nvGrpSpPr>
+      <p:grpSpPr>
+        <a:xfrm>
+          <a:off x="0" y="0"/>
+          <a:ext cx="0" cy="0"/>
+          <a:chOff x="0" y="0"/>
+          <a:chExt cx="0" cy="0"/>
+        </a:xfrm>
+      </p:grpSpPr>
+      <p:sp>
+        <p:nvSpPr>
+          <p:cNvPr id="139" name="Google Shape;139;gc78378ac2d_0_14:notes"/>
+          <p:cNvSpPr>
+            <a:spLocks noGrp="1" noRot="1" noChangeAspect="1"/>
+          </p:cNvSpPr>
+          <p:nvPr>
+            <p:ph type="sldImg" idx="2"/>
+          </p:nvPr>
+        </p:nvSpPr>
+        <p:spPr>
+          <a:xfrm>
+            <a:off x="381300" y="685800"/>
+            <a:ext cx="6096000" cy="3429000"/>
+          </a:xfrm>
+          <a:custGeom>
+            <a:avLst/>
+            <a:gdLst/>
+            <a:ahLst/>
+            <a:cxnLst/>
+            <a:rect l="l" t="t" r="r" b="b"/>
+            <a:pathLst>
+              <a:path w="120000" h="120000" extrusionOk="0">
+                <a:moveTo>
+                  <a:pt x="0" y="0"/>
+                </a:moveTo>
+                <a:lnTo>
+                  <a:pt x="120000" y="0"/>
+                </a:lnTo>
+                <a:lnTo>
+                  <a:pt x="120000" y="120000"/>
+                </a:lnTo>
+                <a:lnTo>
+                  <a:pt x="0" y="120000"/>
+                </a:lnTo>
+                <a:close/>
+              </a:path>
+            </a:pathLst>
+          </a:custGeom>
+        </p:spPr>
+      </p:sp>
+      <p:sp>
+        <p:nvSpPr>
+          <p:cNvPr id="140" name="Google Shape;140;gc78378ac2d_0_14:notes"/>
+          <p:cNvSpPr txBox="1">
+            <a:spLocks noGrp="1"/>
+          </p:cNvSpPr>
+          <p:nvPr>
+            <p:ph type="body" idx="1"/>
+          </p:nvPr>
+        </p:nvSpPr>
+        <p:spPr>
+          <a:xfrm>
+            <a:off x="685800" y="4343400"/>
+            <a:ext cx="5486400" cy="4114800"/>
+          </a:xfrm>
+          <a:prstGeom prst="rect">
+            <a:avLst/>
+          </a:prstGeom>
+        </p:spPr>
+        <p:txBody>
+          <a:bodyPr spcFirstLastPara="1" wrap="square" lIns="91425" tIns="91425" rIns="91425" bIns="91425" anchor="t" anchorCtr="0">
+            <a:noAutofit/>
+          </a:bodyPr>
+          <a:lstStyle/>
+          <a:p>
+            <a:pPr marL="0" lvl="0" indent="0" algn="l" rtl="0">
+              <a:spcBef>
+                <a:spcPts val="0"/>
+              </a:spcBef>
+              <a:spcAft>
+                <a:spcPts val="0"/>
+              </a:spcAft>
+              <a:buNone/>
+            </a:pPr>
+            <a:endParaRPr/>
+          </a:p>
+        </p:txBody>
+      </p:sp>
+    </p:spTree>
+  </p:cSld>
+  <p:clrMapOvr>
+    <a:masterClrMapping/>
+  </p:clrMapOvr>
+</p:notes>
+</file>
+
+<file path=ppt/notesSlides/notesSlide14.xml><?xml version="1.0" encoding="utf-8"?>
+<p:notes xmlns:a="http://schemas.openxmlformats.org/drawingml/2006/main" xmlns:r="http://schemas.openxmlformats.org/officeDocument/2006/relationships" xmlns:p="http://schemas.openxmlformats.org/presentationml/2006/main" showMasterSp="0" showMasterPhAnim="0">
+  <p:cSld>
+    <p:spTree>
+      <p:nvGrpSpPr>
+        <p:cNvPr id="1" name="Shape 144"/>
+        <p:cNvGrpSpPr/>
+        <p:nvPr/>
+      </p:nvGrpSpPr>
+      <p:grpSpPr>
+        <a:xfrm>
+          <a:off x="0" y="0"/>
+          <a:ext cx="0" cy="0"/>
+          <a:chOff x="0" y="0"/>
+          <a:chExt cx="0" cy="0"/>
+        </a:xfrm>
+      </p:grpSpPr>
+      <p:sp>
+        <p:nvSpPr>
+          <p:cNvPr id="145" name="Google Shape;145;gc78378ac2d_0_19:notes"/>
+          <p:cNvSpPr>
+            <a:spLocks noGrp="1" noRot="1" noChangeAspect="1"/>
+          </p:cNvSpPr>
+          <p:nvPr>
+            <p:ph type="sldImg" idx="2"/>
+          </p:nvPr>
+        </p:nvSpPr>
+        <p:spPr>
+          <a:xfrm>
+            <a:off x="381300" y="685800"/>
+            <a:ext cx="6096000" cy="3429000"/>
+          </a:xfrm>
+          <a:custGeom>
+            <a:avLst/>
+            <a:gdLst/>
+            <a:ahLst/>
+            <a:cxnLst/>
+            <a:rect l="l" t="t" r="r" b="b"/>
+            <a:pathLst>
+              <a:path w="120000" h="120000" extrusionOk="0">
+                <a:moveTo>
+                  <a:pt x="0" y="0"/>
+                </a:moveTo>
+                <a:lnTo>
+                  <a:pt x="120000" y="0"/>
+                </a:lnTo>
+                <a:lnTo>
+                  <a:pt x="120000" y="120000"/>
+                </a:lnTo>
+                <a:lnTo>
+                  <a:pt x="0" y="120000"/>
+                </a:lnTo>
+                <a:close/>
+              </a:path>
+            </a:pathLst>
+          </a:custGeom>
+        </p:spPr>
+      </p:sp>
+      <p:sp>
+        <p:nvSpPr>
+          <p:cNvPr id="146" name="Google Shape;146;gc78378ac2d_0_19:notes"/>
+          <p:cNvSpPr txBox="1">
+            <a:spLocks noGrp="1"/>
+          </p:cNvSpPr>
+          <p:nvPr>
+            <p:ph type="body" idx="1"/>
+          </p:nvPr>
+        </p:nvSpPr>
+        <p:spPr>
+          <a:xfrm>
+            <a:off x="685800" y="4343400"/>
+            <a:ext cx="5486400" cy="4114800"/>
+          </a:xfrm>
+          <a:prstGeom prst="rect">
+            <a:avLst/>
+          </a:prstGeom>
+        </p:spPr>
+        <p:txBody>
+          <a:bodyPr spcFirstLastPara="1" wrap="square" lIns="91425" tIns="91425" rIns="91425" bIns="91425" anchor="t" anchorCtr="0">
+            <a:noAutofit/>
+          </a:bodyPr>
+          <a:lstStyle/>
+          <a:p>
+            <a:pPr marL="0" lvl="0" indent="0" algn="l" rtl="0">
+              <a:spcBef>
+                <a:spcPts val="0"/>
+              </a:spcBef>
+              <a:spcAft>
+                <a:spcPts val="0"/>
+              </a:spcAft>
+              <a:buNone/>
+            </a:pPr>
             <a:endParaRPr/>
           </a:p>
         </p:txBody>
@@ -1134,11 +1466,11 @@
 </file>
 
 <file path=ppt/notesSlides/notesSlide2.xml><?xml version="1.0" encoding="utf-8"?>
-<p:notes xmlns:a="http://schemas.openxmlformats.org/drawingml/2006/main" xmlns:r="http://schemas.openxmlformats.org/officeDocument/2006/relationships" xmlns:mc="http://schemas.openxmlformats.org/markup-compatibility/2006" xmlns:mv="urn:schemas-microsoft-com:mac:vml" xmlns:p="http://schemas.openxmlformats.org/presentationml/2006/main" xmlns:c="http://schemas.openxmlformats.org/drawingml/2006/chart" xmlns:dgm="http://schemas.openxmlformats.org/drawingml/2006/diagram" xmlns:o="urn:schemas-microsoft-com:office:office" xmlns:v="urn:schemas-microsoft-com:vml" xmlns:pvml="urn:schemas-microsoft-com:office:powerpoint" xmlns:com="http://schemas.openxmlformats.org/drawingml/2006/compatibility" xmlns:p14="http://schemas.microsoft.com/office/powerpoint/2010/main" xmlns:p15="http://schemas.microsoft.com/office/powerpoint/2012/main" xmlns:ahyp="http://schemas.microsoft.com/office/drawing/2018/hyperlinkcolor" showMasterPhAnim="0" showMasterSp="0">
+<p:notes xmlns:a="http://schemas.openxmlformats.org/drawingml/2006/main" xmlns:r="http://schemas.openxmlformats.org/officeDocument/2006/relationships" xmlns:p="http://schemas.openxmlformats.org/presentationml/2006/main" showMasterSp="0" showMasterPhAnim="0">
   <p:cSld>
     <p:spTree>
       <p:nvGrpSpPr>
-        <p:cNvPr id="62" name="Shape 62"/>
+        <p:cNvPr id="1" name="Shape 62"/>
         <p:cNvGrpSpPr/>
         <p:nvPr/>
       </p:nvGrpSpPr>
@@ -1153,9 +1485,11 @@
       <p:sp>
         <p:nvSpPr>
           <p:cNvPr id="63" name="Google Shape;63;gc50ab1f7be_0_51:notes"/>
-          <p:cNvSpPr/>
+          <p:cNvSpPr>
+            <a:spLocks noGrp="1" noRot="1" noChangeAspect="1"/>
+          </p:cNvSpPr>
           <p:nvPr>
-            <p:ph idx="2" type="sldImg"/>
+            <p:ph type="sldImg" idx="2"/>
           </p:nvPr>
         </p:nvSpPr>
         <p:spPr>
@@ -1164,9 +1498,13 @@
             <a:ext cx="6096000" cy="3429000"/>
           </a:xfrm>
           <a:custGeom>
-            <a:rect b="b" l="l" r="r" t="t"/>
+            <a:avLst/>
+            <a:gdLst/>
+            <a:ahLst/>
+            <a:cxnLst/>
+            <a:rect l="l" t="t" r="r" b="b"/>
             <a:pathLst>
-              <a:path extrusionOk="0" h="120000" w="120000">
+              <a:path w="120000" h="120000" extrusionOk="0">
                 <a:moveTo>
                   <a:pt x="0" y="0"/>
                 </a:moveTo>
@@ -1188,9 +1526,11 @@
       <p:sp>
         <p:nvSpPr>
           <p:cNvPr id="64" name="Google Shape;64;gc50ab1f7be_0_51:notes"/>
-          <p:cNvSpPr txBox="1"/>
+          <p:cNvSpPr txBox="1">
+            <a:spLocks noGrp="1"/>
+          </p:cNvSpPr>
           <p:nvPr>
-            <p:ph idx="1" type="body"/>
+            <p:ph type="body" idx="1"/>
           </p:nvPr>
         </p:nvSpPr>
         <p:spPr>
@@ -1203,12 +1543,12 @@
           </a:prstGeom>
         </p:spPr>
         <p:txBody>
-          <a:bodyPr anchorCtr="0" anchor="t" bIns="91425" lIns="91425" spcFirstLastPara="1" rIns="91425" wrap="square" tIns="91425">
+          <a:bodyPr spcFirstLastPara="1" wrap="square" lIns="91425" tIns="91425" rIns="91425" bIns="91425" anchor="t" anchorCtr="0">
             <a:noAutofit/>
           </a:bodyPr>
           <a:lstStyle/>
           <a:p>
-            <a:pPr indent="0" lvl="0" marL="0" rtl="0" algn="l">
+            <a:pPr marL="0" lvl="0" indent="0" algn="l" rtl="0">
               <a:spcBef>
                 <a:spcPts val="0"/>
               </a:spcBef>
@@ -1217,9 +1557,6 @@
               </a:spcAft>
               <a:buNone/>
             </a:pPr>
-            <a:r>
-              <a:t/>
-            </a:r>
             <a:endParaRPr/>
           </a:p>
         </p:txBody>
@@ -1233,11 +1570,11 @@
 </file>
 
 <file path=ppt/notesSlides/notesSlide3.xml><?xml version="1.0" encoding="utf-8"?>
-<p:notes xmlns:a="http://schemas.openxmlformats.org/drawingml/2006/main" xmlns:r="http://schemas.openxmlformats.org/officeDocument/2006/relationships" xmlns:mc="http://schemas.openxmlformats.org/markup-compatibility/2006" xmlns:mv="urn:schemas-microsoft-com:mac:vml" xmlns:p="http://schemas.openxmlformats.org/presentationml/2006/main" xmlns:c="http://schemas.openxmlformats.org/drawingml/2006/chart" xmlns:dgm="http://schemas.openxmlformats.org/drawingml/2006/diagram" xmlns:o="urn:schemas-microsoft-com:office:office" xmlns:v="urn:schemas-microsoft-com:vml" xmlns:pvml="urn:schemas-microsoft-com:office:powerpoint" xmlns:com="http://schemas.openxmlformats.org/drawingml/2006/compatibility" xmlns:p14="http://schemas.microsoft.com/office/powerpoint/2010/main" xmlns:p15="http://schemas.microsoft.com/office/powerpoint/2012/main" xmlns:ahyp="http://schemas.microsoft.com/office/drawing/2018/hyperlinkcolor" showMasterPhAnim="0" showMasterSp="0">
+<p:notes xmlns:a="http://schemas.openxmlformats.org/drawingml/2006/main" xmlns:r="http://schemas.openxmlformats.org/officeDocument/2006/relationships" xmlns:p="http://schemas.openxmlformats.org/presentationml/2006/main" showMasterSp="0" showMasterPhAnim="0">
   <p:cSld>
     <p:spTree>
       <p:nvGrpSpPr>
-        <p:cNvPr id="69" name="Shape 69"/>
+        <p:cNvPr id="1" name="Shape 69"/>
         <p:cNvGrpSpPr/>
         <p:nvPr/>
       </p:nvGrpSpPr>
@@ -1252,9 +1589,11 @@
       <p:sp>
         <p:nvSpPr>
           <p:cNvPr id="70" name="Google Shape;70;gc50ab1f7be_0_57:notes"/>
-          <p:cNvSpPr/>
+          <p:cNvSpPr>
+            <a:spLocks noGrp="1" noRot="1" noChangeAspect="1"/>
+          </p:cNvSpPr>
           <p:nvPr>
-            <p:ph idx="2" type="sldImg"/>
+            <p:ph type="sldImg" idx="2"/>
           </p:nvPr>
         </p:nvSpPr>
         <p:spPr>
@@ -1263,9 +1602,13 @@
             <a:ext cx="6096000" cy="3429000"/>
           </a:xfrm>
           <a:custGeom>
-            <a:rect b="b" l="l" r="r" t="t"/>
+            <a:avLst/>
+            <a:gdLst/>
+            <a:ahLst/>
+            <a:cxnLst/>
+            <a:rect l="l" t="t" r="r" b="b"/>
             <a:pathLst>
-              <a:path extrusionOk="0" h="120000" w="120000">
+              <a:path w="120000" h="120000" extrusionOk="0">
                 <a:moveTo>
                   <a:pt x="0" y="0"/>
                 </a:moveTo>
@@ -1287,9 +1630,11 @@
       <p:sp>
         <p:nvSpPr>
           <p:cNvPr id="71" name="Google Shape;71;gc50ab1f7be_0_57:notes"/>
-          <p:cNvSpPr txBox="1"/>
+          <p:cNvSpPr txBox="1">
+            <a:spLocks noGrp="1"/>
+          </p:cNvSpPr>
           <p:nvPr>
-            <p:ph idx="1" type="body"/>
+            <p:ph type="body" idx="1"/>
           </p:nvPr>
         </p:nvSpPr>
         <p:spPr>
@@ -1302,12 +1647,12 @@
           </a:prstGeom>
         </p:spPr>
         <p:txBody>
-          <a:bodyPr anchorCtr="0" anchor="t" bIns="91425" lIns="91425" spcFirstLastPara="1" rIns="91425" wrap="square" tIns="91425">
+          <a:bodyPr spcFirstLastPara="1" wrap="square" lIns="91425" tIns="91425" rIns="91425" bIns="91425" anchor="t" anchorCtr="0">
             <a:noAutofit/>
           </a:bodyPr>
           <a:lstStyle/>
           <a:p>
-            <a:pPr indent="0" lvl="0" marL="0" rtl="0" algn="l">
+            <a:pPr marL="0" lvl="0" indent="0" algn="l" rtl="0">
               <a:spcBef>
                 <a:spcPts val="0"/>
               </a:spcBef>
@@ -1316,9 +1661,6 @@
               </a:spcAft>
               <a:buNone/>
             </a:pPr>
-            <a:r>
-              <a:t/>
-            </a:r>
             <a:endParaRPr/>
           </a:p>
         </p:txBody>
@@ -1332,11 +1674,11 @@
 </file>
 
 <file path=ppt/notesSlides/notesSlide4.xml><?xml version="1.0" encoding="utf-8"?>
-<p:notes xmlns:a="http://schemas.openxmlformats.org/drawingml/2006/main" xmlns:r="http://schemas.openxmlformats.org/officeDocument/2006/relationships" xmlns:mc="http://schemas.openxmlformats.org/markup-compatibility/2006" xmlns:mv="urn:schemas-microsoft-com:mac:vml" xmlns:p="http://schemas.openxmlformats.org/presentationml/2006/main" xmlns:c="http://schemas.openxmlformats.org/drawingml/2006/chart" xmlns:dgm="http://schemas.openxmlformats.org/drawingml/2006/diagram" xmlns:o="urn:schemas-microsoft-com:office:office" xmlns:v="urn:schemas-microsoft-com:vml" xmlns:pvml="urn:schemas-microsoft-com:office:powerpoint" xmlns:com="http://schemas.openxmlformats.org/drawingml/2006/compatibility" xmlns:p14="http://schemas.microsoft.com/office/powerpoint/2010/main" xmlns:p15="http://schemas.microsoft.com/office/powerpoint/2012/main" xmlns:ahyp="http://schemas.microsoft.com/office/drawing/2018/hyperlinkcolor" showMasterPhAnim="0" showMasterSp="0">
+<p:notes xmlns:a="http://schemas.openxmlformats.org/drawingml/2006/main" xmlns:r="http://schemas.openxmlformats.org/officeDocument/2006/relationships" xmlns:p="http://schemas.openxmlformats.org/presentationml/2006/main" showMasterSp="0" showMasterPhAnim="0">
   <p:cSld>
     <p:spTree>
       <p:nvGrpSpPr>
-        <p:cNvPr id="75" name="Shape 75"/>
+        <p:cNvPr id="1" name="Shape 75"/>
         <p:cNvGrpSpPr/>
         <p:nvPr/>
       </p:nvGrpSpPr>
@@ -1351,9 +1693,11 @@
       <p:sp>
         <p:nvSpPr>
           <p:cNvPr id="76" name="Google Shape;76;gc50ab1f7be_0_64:notes"/>
-          <p:cNvSpPr/>
+          <p:cNvSpPr>
+            <a:spLocks noGrp="1" noRot="1" noChangeAspect="1"/>
+          </p:cNvSpPr>
           <p:nvPr>
-            <p:ph idx="2" type="sldImg"/>
+            <p:ph type="sldImg" idx="2"/>
           </p:nvPr>
         </p:nvSpPr>
         <p:spPr>
@@ -1362,9 +1706,13 @@
             <a:ext cx="6096000" cy="3429000"/>
           </a:xfrm>
           <a:custGeom>
-            <a:rect b="b" l="l" r="r" t="t"/>
+            <a:avLst/>
+            <a:gdLst/>
+            <a:ahLst/>
+            <a:cxnLst/>
+            <a:rect l="l" t="t" r="r" b="b"/>
             <a:pathLst>
-              <a:path extrusionOk="0" h="120000" w="120000">
+              <a:path w="120000" h="120000" extrusionOk="0">
                 <a:moveTo>
                   <a:pt x="0" y="0"/>
                 </a:moveTo>
@@ -1386,9 +1734,11 @@
       <p:sp>
         <p:nvSpPr>
           <p:cNvPr id="77" name="Google Shape;77;gc50ab1f7be_0_64:notes"/>
-          <p:cNvSpPr txBox="1"/>
+          <p:cNvSpPr txBox="1">
+            <a:spLocks noGrp="1"/>
+          </p:cNvSpPr>
           <p:nvPr>
-            <p:ph idx="1" type="body"/>
+            <p:ph type="body" idx="1"/>
           </p:nvPr>
         </p:nvSpPr>
         <p:spPr>
@@ -1401,12 +1751,12 @@
           </a:prstGeom>
         </p:spPr>
         <p:txBody>
-          <a:bodyPr anchorCtr="0" anchor="t" bIns="91425" lIns="91425" spcFirstLastPara="1" rIns="91425" wrap="square" tIns="91425">
+          <a:bodyPr spcFirstLastPara="1" wrap="square" lIns="91425" tIns="91425" rIns="91425" bIns="91425" anchor="t" anchorCtr="0">
             <a:noAutofit/>
           </a:bodyPr>
           <a:lstStyle/>
           <a:p>
-            <a:pPr indent="0" lvl="0" marL="0" rtl="0" algn="l">
+            <a:pPr marL="0" lvl="0" indent="0" algn="l" rtl="0">
               <a:spcBef>
                 <a:spcPts val="0"/>
               </a:spcBef>
@@ -1415,9 +1765,6 @@
               </a:spcAft>
               <a:buNone/>
             </a:pPr>
-            <a:r>
-              <a:t/>
-            </a:r>
             <a:endParaRPr/>
           </a:p>
         </p:txBody>
@@ -1431,11 +1778,11 @@
 </file>
 
 <file path=ppt/notesSlides/notesSlide5.xml><?xml version="1.0" encoding="utf-8"?>
-<p:notes xmlns:a="http://schemas.openxmlformats.org/drawingml/2006/main" xmlns:r="http://schemas.openxmlformats.org/officeDocument/2006/relationships" xmlns:mc="http://schemas.openxmlformats.org/markup-compatibility/2006" xmlns:mv="urn:schemas-microsoft-com:mac:vml" xmlns:p="http://schemas.openxmlformats.org/presentationml/2006/main" xmlns:c="http://schemas.openxmlformats.org/drawingml/2006/chart" xmlns:dgm="http://schemas.openxmlformats.org/drawingml/2006/diagram" xmlns:o="urn:schemas-microsoft-com:office:office" xmlns:v="urn:schemas-microsoft-com:vml" xmlns:pvml="urn:schemas-microsoft-com:office:powerpoint" xmlns:com="http://schemas.openxmlformats.org/drawingml/2006/compatibility" xmlns:p14="http://schemas.microsoft.com/office/powerpoint/2010/main" xmlns:p15="http://schemas.microsoft.com/office/powerpoint/2012/main" xmlns:ahyp="http://schemas.microsoft.com/office/drawing/2018/hyperlinkcolor" showMasterPhAnim="0" showMasterSp="0">
+<p:notes xmlns:a="http://schemas.openxmlformats.org/drawingml/2006/main" xmlns:r="http://schemas.openxmlformats.org/officeDocument/2006/relationships" xmlns:p="http://schemas.openxmlformats.org/presentationml/2006/main" showMasterSp="0" showMasterPhAnim="0">
   <p:cSld>
     <p:spTree>
       <p:nvGrpSpPr>
-        <p:cNvPr id="81" name="Shape 81"/>
+        <p:cNvPr id="1" name="Shape 81"/>
         <p:cNvGrpSpPr/>
         <p:nvPr/>
       </p:nvGrpSpPr>
@@ -1450,9 +1797,11 @@
       <p:sp>
         <p:nvSpPr>
           <p:cNvPr id="82" name="Google Shape;82;gc50ab1f7be_0_70:notes"/>
-          <p:cNvSpPr/>
+          <p:cNvSpPr>
+            <a:spLocks noGrp="1" noRot="1" noChangeAspect="1"/>
+          </p:cNvSpPr>
           <p:nvPr>
-            <p:ph idx="2" type="sldImg"/>
+            <p:ph type="sldImg" idx="2"/>
           </p:nvPr>
         </p:nvSpPr>
         <p:spPr>
@@ -1461,9 +1810,13 @@
             <a:ext cx="6096000" cy="3429000"/>
           </a:xfrm>
           <a:custGeom>
-            <a:rect b="b" l="l" r="r" t="t"/>
+            <a:avLst/>
+            <a:gdLst/>
+            <a:ahLst/>
+            <a:cxnLst/>
+            <a:rect l="l" t="t" r="r" b="b"/>
             <a:pathLst>
-              <a:path extrusionOk="0" h="120000" w="120000">
+              <a:path w="120000" h="120000" extrusionOk="0">
                 <a:moveTo>
                   <a:pt x="0" y="0"/>
                 </a:moveTo>
@@ -1485,9 +1838,11 @@
       <p:sp>
         <p:nvSpPr>
           <p:cNvPr id="83" name="Google Shape;83;gc50ab1f7be_0_70:notes"/>
-          <p:cNvSpPr txBox="1"/>
+          <p:cNvSpPr txBox="1">
+            <a:spLocks noGrp="1"/>
+          </p:cNvSpPr>
           <p:nvPr>
-            <p:ph idx="1" type="body"/>
+            <p:ph type="body" idx="1"/>
           </p:nvPr>
         </p:nvSpPr>
         <p:spPr>
@@ -1500,12 +1855,12 @@
           </a:prstGeom>
         </p:spPr>
         <p:txBody>
-          <a:bodyPr anchorCtr="0" anchor="t" bIns="91425" lIns="91425" spcFirstLastPara="1" rIns="91425" wrap="square" tIns="91425">
+          <a:bodyPr spcFirstLastPara="1" wrap="square" lIns="91425" tIns="91425" rIns="91425" bIns="91425" anchor="t" anchorCtr="0">
             <a:noAutofit/>
           </a:bodyPr>
           <a:lstStyle/>
           <a:p>
-            <a:pPr indent="0" lvl="0" marL="0" rtl="0" algn="l">
+            <a:pPr marL="0" lvl="0" indent="0" algn="l" rtl="0">
               <a:spcBef>
                 <a:spcPts val="0"/>
               </a:spcBef>
@@ -1514,9 +1869,6 @@
               </a:spcAft>
               <a:buNone/>
             </a:pPr>
-            <a:r>
-              <a:t/>
-            </a:r>
             <a:endParaRPr/>
           </a:p>
         </p:txBody>
@@ -1530,11 +1882,11 @@
 </file>
 
 <file path=ppt/notesSlides/notesSlide6.xml><?xml version="1.0" encoding="utf-8"?>
-<p:notes xmlns:a="http://schemas.openxmlformats.org/drawingml/2006/main" xmlns:r="http://schemas.openxmlformats.org/officeDocument/2006/relationships" xmlns:mc="http://schemas.openxmlformats.org/markup-compatibility/2006" xmlns:mv="urn:schemas-microsoft-com:mac:vml" xmlns:p="http://schemas.openxmlformats.org/presentationml/2006/main" xmlns:c="http://schemas.openxmlformats.org/drawingml/2006/chart" xmlns:dgm="http://schemas.openxmlformats.org/drawingml/2006/diagram" xmlns:o="urn:schemas-microsoft-com:office:office" xmlns:v="urn:schemas-microsoft-com:vml" xmlns:pvml="urn:schemas-microsoft-com:office:powerpoint" xmlns:com="http://schemas.openxmlformats.org/drawingml/2006/compatibility" xmlns:p14="http://schemas.microsoft.com/office/powerpoint/2010/main" xmlns:p15="http://schemas.microsoft.com/office/powerpoint/2012/main" xmlns:ahyp="http://schemas.microsoft.com/office/drawing/2018/hyperlinkcolor" showMasterPhAnim="0" showMasterSp="0">
+<p:notes xmlns:a="http://schemas.openxmlformats.org/drawingml/2006/main" xmlns:r="http://schemas.openxmlformats.org/officeDocument/2006/relationships" xmlns:p="http://schemas.openxmlformats.org/presentationml/2006/main" showMasterSp="0" showMasterPhAnim="0">
   <p:cSld>
     <p:spTree>
       <p:nvGrpSpPr>
-        <p:cNvPr id="87" name="Shape 87"/>
+        <p:cNvPr id="1" name="Shape 88"/>
         <p:cNvGrpSpPr/>
         <p:nvPr/>
       </p:nvGrpSpPr>
@@ -1548,10 +1900,12 @@
       </p:grpSpPr>
       <p:sp>
         <p:nvSpPr>
-          <p:cNvPr id="88" name="Google Shape;88;gc50ab1f7be_0_75:notes"/>
-          <p:cNvSpPr/>
+          <p:cNvPr id="89" name="Google Shape;89;gc7903f94fe_0_6:notes"/>
+          <p:cNvSpPr>
+            <a:spLocks noGrp="1" noRot="1" noChangeAspect="1"/>
+          </p:cNvSpPr>
           <p:nvPr>
-            <p:ph idx="2" type="sldImg"/>
+            <p:ph type="sldImg" idx="2"/>
           </p:nvPr>
         </p:nvSpPr>
         <p:spPr>
@@ -1560,9 +1914,13 @@
             <a:ext cx="6096000" cy="3429000"/>
           </a:xfrm>
           <a:custGeom>
-            <a:rect b="b" l="l" r="r" t="t"/>
+            <a:avLst/>
+            <a:gdLst/>
+            <a:ahLst/>
+            <a:cxnLst/>
+            <a:rect l="l" t="t" r="r" b="b"/>
             <a:pathLst>
-              <a:path extrusionOk="0" h="120000" w="120000">
+              <a:path w="120000" h="120000" extrusionOk="0">
                 <a:moveTo>
                   <a:pt x="0" y="0"/>
                 </a:moveTo>
@@ -1583,10 +1941,12 @@
       </p:sp>
       <p:sp>
         <p:nvSpPr>
-          <p:cNvPr id="89" name="Google Shape;89;gc50ab1f7be_0_75:notes"/>
-          <p:cNvSpPr txBox="1"/>
+          <p:cNvPr id="90" name="Google Shape;90;gc7903f94fe_0_6:notes"/>
+          <p:cNvSpPr txBox="1">
+            <a:spLocks noGrp="1"/>
+          </p:cNvSpPr>
           <p:nvPr>
-            <p:ph idx="1" type="body"/>
+            <p:ph type="body" idx="1"/>
           </p:nvPr>
         </p:nvSpPr>
         <p:spPr>
@@ -1599,12 +1959,12 @@
           </a:prstGeom>
         </p:spPr>
         <p:txBody>
-          <a:bodyPr anchorCtr="0" anchor="t" bIns="91425" lIns="91425" spcFirstLastPara="1" rIns="91425" wrap="square" tIns="91425">
+          <a:bodyPr spcFirstLastPara="1" wrap="square" lIns="91425" tIns="91425" rIns="91425" bIns="91425" anchor="t" anchorCtr="0">
             <a:noAutofit/>
           </a:bodyPr>
           <a:lstStyle/>
           <a:p>
-            <a:pPr indent="0" lvl="0" marL="0" rtl="0" algn="l">
+            <a:pPr marL="0" lvl="0" indent="0" algn="l" rtl="0">
               <a:spcBef>
                 <a:spcPts val="0"/>
               </a:spcBef>
@@ -1613,15 +1973,6 @@
               </a:spcAft>
               <a:buNone/>
             </a:pPr>
-            <a:r>
-              <a:rPr lang="en" u="sng">
-                <a:solidFill>
-                  <a:schemeClr val="hlink"/>
-                </a:solidFill>
-                <a:hlinkClick r:id="rId2"/>
-              </a:rPr>
-              <a:t>Final_Project_Visuals - Danielle Duce | Tableau Public</a:t>
-            </a:r>
             <a:endParaRPr/>
           </a:p>
         </p:txBody>
@@ -1635,11 +1986,11 @@
 </file>
 
 <file path=ppt/notesSlides/notesSlide7.xml><?xml version="1.0" encoding="utf-8"?>
-<p:notes xmlns:a="http://schemas.openxmlformats.org/drawingml/2006/main" xmlns:r="http://schemas.openxmlformats.org/officeDocument/2006/relationships" xmlns:mc="http://schemas.openxmlformats.org/markup-compatibility/2006" xmlns:mv="urn:schemas-microsoft-com:mac:vml" xmlns:p="http://schemas.openxmlformats.org/presentationml/2006/main" xmlns:c="http://schemas.openxmlformats.org/drawingml/2006/chart" xmlns:dgm="http://schemas.openxmlformats.org/drawingml/2006/diagram" xmlns:o="urn:schemas-microsoft-com:office:office" xmlns:v="urn:schemas-microsoft-com:vml" xmlns:pvml="urn:schemas-microsoft-com:office:powerpoint" xmlns:com="http://schemas.openxmlformats.org/drawingml/2006/compatibility" xmlns:p14="http://schemas.microsoft.com/office/powerpoint/2010/main" xmlns:p15="http://schemas.microsoft.com/office/powerpoint/2012/main" xmlns:ahyp="http://schemas.microsoft.com/office/drawing/2018/hyperlinkcolor" showMasterPhAnim="0" showMasterSp="0">
+<p:notes xmlns:a="http://schemas.openxmlformats.org/drawingml/2006/main" xmlns:r="http://schemas.openxmlformats.org/officeDocument/2006/relationships" xmlns:p="http://schemas.openxmlformats.org/presentationml/2006/main" showMasterSp="0" showMasterPhAnim="0">
   <p:cSld>
     <p:spTree>
       <p:nvGrpSpPr>
-        <p:cNvPr id="93" name="Shape 93"/>
+        <p:cNvPr id="1" name="Shape 96"/>
         <p:cNvGrpSpPr/>
         <p:nvPr/>
       </p:nvGrpSpPr>
@@ -1653,10 +2004,12 @@
       </p:grpSpPr>
       <p:sp>
         <p:nvSpPr>
-          <p:cNvPr id="94" name="Google Shape;94;gc50ab1f7be_0_80:notes"/>
-          <p:cNvSpPr/>
+          <p:cNvPr id="97" name="Google Shape;97;gc7903f94fe_0_15:notes"/>
+          <p:cNvSpPr>
+            <a:spLocks noGrp="1" noRot="1" noChangeAspect="1"/>
+          </p:cNvSpPr>
           <p:nvPr>
-            <p:ph idx="2" type="sldImg"/>
+            <p:ph type="sldImg" idx="2"/>
           </p:nvPr>
         </p:nvSpPr>
         <p:spPr>
@@ -1665,9 +2018,13 @@
             <a:ext cx="6096000" cy="3429000"/>
           </a:xfrm>
           <a:custGeom>
-            <a:rect b="b" l="l" r="r" t="t"/>
+            <a:avLst/>
+            <a:gdLst/>
+            <a:ahLst/>
+            <a:cxnLst/>
+            <a:rect l="l" t="t" r="r" b="b"/>
             <a:pathLst>
-              <a:path extrusionOk="0" h="120000" w="120000">
+              <a:path w="120000" h="120000" extrusionOk="0">
                 <a:moveTo>
                   <a:pt x="0" y="0"/>
                 </a:moveTo>
@@ -1688,10 +2045,12 @@
       </p:sp>
       <p:sp>
         <p:nvSpPr>
-          <p:cNvPr id="95" name="Google Shape;95;gc50ab1f7be_0_80:notes"/>
-          <p:cNvSpPr txBox="1"/>
+          <p:cNvPr id="98" name="Google Shape;98;gc7903f94fe_0_15:notes"/>
+          <p:cNvSpPr txBox="1">
+            <a:spLocks noGrp="1"/>
+          </p:cNvSpPr>
           <p:nvPr>
-            <p:ph idx="1" type="body"/>
+            <p:ph type="body" idx="1"/>
           </p:nvPr>
         </p:nvSpPr>
         <p:spPr>
@@ -1704,12 +2063,12 @@
           </a:prstGeom>
         </p:spPr>
         <p:txBody>
-          <a:bodyPr anchorCtr="0" anchor="t" bIns="91425" lIns="91425" spcFirstLastPara="1" rIns="91425" wrap="square" tIns="91425">
+          <a:bodyPr spcFirstLastPara="1" wrap="square" lIns="91425" tIns="91425" rIns="91425" bIns="91425" anchor="t" anchorCtr="0">
             <a:noAutofit/>
           </a:bodyPr>
           <a:lstStyle/>
           <a:p>
-            <a:pPr indent="0" lvl="0" marL="0" rtl="0" algn="l">
+            <a:pPr marL="0" lvl="0" indent="0" algn="l" rtl="0">
               <a:spcBef>
                 <a:spcPts val="0"/>
               </a:spcBef>
@@ -1718,10 +2077,6 @@
               </a:spcAft>
               <a:buNone/>
             </a:pPr>
-            <a:r>
-              <a:rPr lang="en"/>
-              <a:t>Process to find the Geohash for storms</a:t>
-            </a:r>
             <a:endParaRPr/>
           </a:p>
         </p:txBody>
@@ -1735,11 +2090,11 @@
 </file>
 
 <file path=ppt/notesSlides/notesSlide8.xml><?xml version="1.0" encoding="utf-8"?>
-<p:notes xmlns:a="http://schemas.openxmlformats.org/drawingml/2006/main" xmlns:r="http://schemas.openxmlformats.org/officeDocument/2006/relationships" xmlns:mc="http://schemas.openxmlformats.org/markup-compatibility/2006" xmlns:mv="urn:schemas-microsoft-com:mac:vml" xmlns:p="http://schemas.openxmlformats.org/presentationml/2006/main" xmlns:c="http://schemas.openxmlformats.org/drawingml/2006/chart" xmlns:dgm="http://schemas.openxmlformats.org/drawingml/2006/diagram" xmlns:o="urn:schemas-microsoft-com:office:office" xmlns:v="urn:schemas-microsoft-com:vml" xmlns:pvml="urn:schemas-microsoft-com:office:powerpoint" xmlns:com="http://schemas.openxmlformats.org/drawingml/2006/compatibility" xmlns:p14="http://schemas.microsoft.com/office/powerpoint/2010/main" xmlns:p15="http://schemas.microsoft.com/office/powerpoint/2012/main" xmlns:ahyp="http://schemas.microsoft.com/office/drawing/2018/hyperlinkcolor" showMasterPhAnim="0" showMasterSp="0">
+<p:notes xmlns:a="http://schemas.openxmlformats.org/drawingml/2006/main" xmlns:r="http://schemas.openxmlformats.org/officeDocument/2006/relationships" xmlns:p="http://schemas.openxmlformats.org/presentationml/2006/main" showMasterSp="0" showMasterPhAnim="0">
   <p:cSld>
     <p:spTree>
       <p:nvGrpSpPr>
-        <p:cNvPr id="100" name="Shape 100"/>
+        <p:cNvPr id="1" name="Shape 104"/>
         <p:cNvGrpSpPr/>
         <p:nvPr/>
       </p:nvGrpSpPr>
@@ -1753,10 +2108,12 @@
       </p:grpSpPr>
       <p:sp>
         <p:nvSpPr>
-          <p:cNvPr id="101" name="Google Shape;101;gc75491cc2b_0_2:notes"/>
-          <p:cNvSpPr/>
+          <p:cNvPr id="105" name="Google Shape;105;gc7903f94fe_0_0:notes"/>
+          <p:cNvSpPr>
+            <a:spLocks noGrp="1" noRot="1" noChangeAspect="1"/>
+          </p:cNvSpPr>
           <p:nvPr>
-            <p:ph idx="2" type="sldImg"/>
+            <p:ph type="sldImg" idx="2"/>
           </p:nvPr>
         </p:nvSpPr>
         <p:spPr>
@@ -1765,9 +2122,13 @@
             <a:ext cx="6096000" cy="3429000"/>
           </a:xfrm>
           <a:custGeom>
-            <a:rect b="b" l="l" r="r" t="t"/>
+            <a:avLst/>
+            <a:gdLst/>
+            <a:ahLst/>
+            <a:cxnLst/>
+            <a:rect l="l" t="t" r="r" b="b"/>
             <a:pathLst>
-              <a:path extrusionOk="0" h="120000" w="120000">
+              <a:path w="120000" h="120000" extrusionOk="0">
                 <a:moveTo>
                   <a:pt x="0" y="0"/>
                 </a:moveTo>
@@ -1788,10 +2149,12 @@
       </p:sp>
       <p:sp>
         <p:nvSpPr>
-          <p:cNvPr id="102" name="Google Shape;102;gc75491cc2b_0_2:notes"/>
-          <p:cNvSpPr txBox="1"/>
+          <p:cNvPr id="106" name="Google Shape;106;gc7903f94fe_0_0:notes"/>
+          <p:cNvSpPr txBox="1">
+            <a:spLocks noGrp="1"/>
+          </p:cNvSpPr>
           <p:nvPr>
-            <p:ph idx="1" type="body"/>
+            <p:ph type="body" idx="1"/>
           </p:nvPr>
         </p:nvSpPr>
         <p:spPr>
@@ -1804,81 +2167,20 @@
           </a:prstGeom>
         </p:spPr>
         <p:txBody>
-          <a:bodyPr anchorCtr="0" anchor="t" bIns="91425" lIns="91425" spcFirstLastPara="1" rIns="91425" wrap="square" tIns="91425">
+          <a:bodyPr spcFirstLastPara="1" wrap="square" lIns="91425" tIns="91425" rIns="91425" bIns="91425" anchor="t" anchorCtr="0">
             <a:noAutofit/>
           </a:bodyPr>
           <a:lstStyle/>
           <a:p>
-            <a:pPr indent="0" lvl="0" marL="0" rtl="0" algn="l">
-              <a:spcBef>
-                <a:spcPts val="0"/>
-              </a:spcBef>
-              <a:spcAft>
-                <a:spcPts val="0"/>
-              </a:spcAft>
-              <a:buClr>
-                <a:schemeClr val="dk1"/>
-              </a:buClr>
-              <a:buSzPts val="1100"/>
-              <a:buFont typeface="Arial"/>
+            <a:pPr marL="0" lvl="0" indent="0" algn="l" rtl="0">
+              <a:spcBef>
+                <a:spcPts val="0"/>
+              </a:spcBef>
+              <a:spcAft>
+                <a:spcPts val="0"/>
+              </a:spcAft>
               <a:buNone/>
             </a:pPr>
-            <a:r>
-              <a:rPr lang="en" sz="1250">
-                <a:solidFill>
-                  <a:schemeClr val="dk1"/>
-                </a:solidFill>
-              </a:rPr>
-              <a:t>Set value of “Strike_Target” to 1 if exists in “fl_storms” table.  Note, a 1 in the</a:t>
-            </a:r>
-            <a:endParaRPr sz="1250">
-              <a:solidFill>
-                <a:schemeClr val="dk1"/>
-              </a:solidFill>
-            </a:endParaRPr>
-          </a:p>
-          <a:p>
-            <a:pPr indent="0" lvl="0" marL="0" rtl="0" algn="l">
-              <a:spcBef>
-                <a:spcPts val="0"/>
-              </a:spcBef>
-              <a:spcAft>
-                <a:spcPts val="0"/>
-              </a:spcAft>
-              <a:buClr>
-                <a:schemeClr val="dk1"/>
-              </a:buClr>
-              <a:buSzPts val="1100"/>
-              <a:buFont typeface="Arial"/>
-              <a:buNone/>
-            </a:pPr>
-            <a:r>
-              <a:rPr lang="en" sz="1250">
-                <a:solidFill>
-                  <a:schemeClr val="dk1"/>
-                </a:solidFill>
-              </a:rPr>
-              <a:t>Strike_Target column indicates a storm strike in the target area</a:t>
-            </a:r>
-            <a:endParaRPr sz="1250">
-              <a:solidFill>
-                <a:schemeClr val="dk1"/>
-              </a:solidFill>
-            </a:endParaRPr>
-          </a:p>
-          <a:p>
-            <a:pPr indent="0" lvl="0" marL="0" rtl="0" algn="l">
-              <a:spcBef>
-                <a:spcPts val="0"/>
-              </a:spcBef>
-              <a:spcAft>
-                <a:spcPts val="0"/>
-              </a:spcAft>
-              <a:buNone/>
-            </a:pPr>
-            <a:r>
-              <a:t/>
-            </a:r>
             <a:endParaRPr/>
           </a:p>
         </p:txBody>
@@ -1892,11 +2194,11 @@
 </file>
 
 <file path=ppt/notesSlides/notesSlide9.xml><?xml version="1.0" encoding="utf-8"?>
-<p:notes xmlns:a="http://schemas.openxmlformats.org/drawingml/2006/main" xmlns:r="http://schemas.openxmlformats.org/officeDocument/2006/relationships" xmlns:mc="http://schemas.openxmlformats.org/markup-compatibility/2006" xmlns:mv="urn:schemas-microsoft-com:mac:vml" xmlns:p="http://schemas.openxmlformats.org/presentationml/2006/main" xmlns:c="http://schemas.openxmlformats.org/drawingml/2006/chart" xmlns:dgm="http://schemas.openxmlformats.org/drawingml/2006/diagram" xmlns:o="urn:schemas-microsoft-com:office:office" xmlns:v="urn:schemas-microsoft-com:vml" xmlns:pvml="urn:schemas-microsoft-com:office:powerpoint" xmlns:com="http://schemas.openxmlformats.org/drawingml/2006/compatibility" xmlns:p14="http://schemas.microsoft.com/office/powerpoint/2010/main" xmlns:p15="http://schemas.microsoft.com/office/powerpoint/2012/main" xmlns:ahyp="http://schemas.microsoft.com/office/drawing/2018/hyperlinkcolor" showMasterPhAnim="0" showMasterSp="0">
+<p:notes xmlns:a="http://schemas.openxmlformats.org/drawingml/2006/main" xmlns:r="http://schemas.openxmlformats.org/officeDocument/2006/relationships" xmlns:p="http://schemas.openxmlformats.org/presentationml/2006/main" showMasterSp="0" showMasterPhAnim="0">
   <p:cSld>
     <p:spTree>
       <p:nvGrpSpPr>
-        <p:cNvPr id="107" name="Shape 107"/>
+        <p:cNvPr id="1" name="Shape 110"/>
         <p:cNvGrpSpPr/>
         <p:nvPr/>
       </p:nvGrpSpPr>
@@ -1910,10 +2212,12 @@
       </p:grpSpPr>
       <p:sp>
         <p:nvSpPr>
-          <p:cNvPr id="108" name="Google Shape;108;gc78378ac2d_0_0:notes"/>
-          <p:cNvSpPr/>
+          <p:cNvPr id="111" name="Google Shape;111;gc50ab1f7be_0_75:notes"/>
+          <p:cNvSpPr>
+            <a:spLocks noGrp="1" noRot="1" noChangeAspect="1"/>
+          </p:cNvSpPr>
           <p:nvPr>
-            <p:ph idx="2" type="sldImg"/>
+            <p:ph type="sldImg" idx="2"/>
           </p:nvPr>
         </p:nvSpPr>
         <p:spPr>
@@ -1922,9 +2226,13 @@
             <a:ext cx="6096000" cy="3429000"/>
           </a:xfrm>
           <a:custGeom>
-            <a:rect b="b" l="l" r="r" t="t"/>
+            <a:avLst/>
+            <a:gdLst/>
+            <a:ahLst/>
+            <a:cxnLst/>
+            <a:rect l="l" t="t" r="r" b="b"/>
             <a:pathLst>
-              <a:path extrusionOk="0" h="120000" w="120000">
+              <a:path w="120000" h="120000" extrusionOk="0">
                 <a:moveTo>
                   <a:pt x="0" y="0"/>
                 </a:moveTo>
@@ -1945,10 +2253,12 @@
       </p:sp>
       <p:sp>
         <p:nvSpPr>
-          <p:cNvPr id="109" name="Google Shape;109;gc78378ac2d_0_0:notes"/>
-          <p:cNvSpPr txBox="1"/>
+          <p:cNvPr id="112" name="Google Shape;112;gc50ab1f7be_0_75:notes"/>
+          <p:cNvSpPr txBox="1">
+            <a:spLocks noGrp="1"/>
+          </p:cNvSpPr>
           <p:nvPr>
-            <p:ph idx="1" type="body"/>
+            <p:ph type="body" idx="1"/>
           </p:nvPr>
         </p:nvSpPr>
         <p:spPr>
@@ -1961,91 +2271,28 @@
           </a:prstGeom>
         </p:spPr>
         <p:txBody>
-          <a:bodyPr anchorCtr="0" anchor="t" bIns="91425" lIns="91425" spcFirstLastPara="1" rIns="91425" wrap="square" tIns="91425">
+          <a:bodyPr spcFirstLastPara="1" wrap="square" lIns="91425" tIns="91425" rIns="91425" bIns="91425" anchor="t" anchorCtr="0">
             <a:noAutofit/>
           </a:bodyPr>
           <a:lstStyle/>
           <a:p>
-            <a:pPr indent="0" lvl="0" marL="0" rtl="0" algn="l">
-              <a:spcBef>
-                <a:spcPts val="0"/>
-              </a:spcBef>
-              <a:spcAft>
-                <a:spcPts val="0"/>
-              </a:spcAft>
-              <a:buClr>
-                <a:schemeClr val="dk1"/>
-              </a:buClr>
-              <a:buSzPts val="1100"/>
-              <a:buFont typeface="Arial"/>
+            <a:pPr marL="0" lvl="0" indent="0" algn="l" rtl="0">
+              <a:spcBef>
+                <a:spcPts val="0"/>
+              </a:spcBef>
+              <a:spcAft>
+                <a:spcPts val="0"/>
+              </a:spcAft>
               <a:buNone/>
             </a:pPr>
             <a:r>
-              <a:rPr lang="en" sz="1250">
+              <a:rPr lang="en" u="sng">
                 <a:solidFill>
-                  <a:schemeClr val="dk1"/>
+                  <a:schemeClr val="hlink"/>
                 </a:solidFill>
+                <a:hlinkClick r:id="rId3"/>
               </a:rPr>
-              <a:t>Based on the Logistic Regression Learning Model we have an </a:t>
-            </a:r>
-            <a:r>
-              <a:rPr lang="en" sz="1250">
-                <a:solidFill>
-                  <a:schemeClr val="dk1"/>
-                </a:solidFill>
-              </a:rPr>
-              <a:t>accuracy</a:t>
-            </a:r>
-            <a:r>
-              <a:rPr lang="en" sz="1250">
-                <a:solidFill>
-                  <a:schemeClr val="dk1"/>
-                </a:solidFill>
-              </a:rPr>
-              <a:t> score of 70%. For this </a:t>
-            </a:r>
-            <a:r>
-              <a:rPr lang="en" sz="1250">
-                <a:solidFill>
-                  <a:schemeClr val="dk1"/>
-                </a:solidFill>
-              </a:rPr>
-              <a:t>machine</a:t>
-            </a:r>
-            <a:r>
-              <a:rPr lang="en" sz="1250">
-                <a:solidFill>
-                  <a:schemeClr val="dk1"/>
-                </a:solidFill>
-              </a:rPr>
-              <a:t> </a:t>
-            </a:r>
-            <a:r>
-              <a:rPr lang="en" sz="1250">
-                <a:solidFill>
-                  <a:schemeClr val="dk1"/>
-                </a:solidFill>
-              </a:rPr>
-              <a:t>learning model we used sklearn.preprocessing.</a:t>
-            </a:r>
-            <a:endParaRPr sz="1250">
-              <a:solidFill>
-                <a:schemeClr val="dk1"/>
-              </a:solidFill>
-            </a:endParaRPr>
-          </a:p>
-          <a:p>
-            <a:pPr indent="0" lvl="0" marL="0" rtl="0" algn="l">
-              <a:spcBef>
-                <a:spcPts val="0"/>
-              </a:spcBef>
-              <a:spcAft>
-                <a:spcPts val="0"/>
-              </a:spcAft>
-              <a:buNone/>
-            </a:pPr>
-            <a:r>
-              <a:t/>
+              <a:t>Storm Strike Dashboard Link</a:t>
             </a:r>
             <a:endParaRPr/>
           </a:p>
@@ -2060,11 +2307,11 @@
 </file>
 
 <file path=ppt/slideLayouts/slideLayout1.xml><?xml version="1.0" encoding="utf-8"?>
-<p:sldLayout xmlns:a="http://schemas.openxmlformats.org/drawingml/2006/main" xmlns:r="http://schemas.openxmlformats.org/officeDocument/2006/relationships" xmlns:mc="http://schemas.openxmlformats.org/markup-compatibility/2006" xmlns:mv="urn:schemas-microsoft-com:mac:vml" xmlns:p="http://schemas.openxmlformats.org/presentationml/2006/main" xmlns:c="http://schemas.openxmlformats.org/drawingml/2006/chart" xmlns:dgm="http://schemas.openxmlformats.org/drawingml/2006/diagram" xmlns:o="urn:schemas-microsoft-com:office:office" xmlns:v="urn:schemas-microsoft-com:vml" xmlns:pvml="urn:schemas-microsoft-com:office:powerpoint" xmlns:com="http://schemas.openxmlformats.org/drawingml/2006/compatibility" xmlns:p14="http://schemas.microsoft.com/office/powerpoint/2010/main" xmlns:p15="http://schemas.microsoft.com/office/powerpoint/2012/main" xmlns:ahyp="http://schemas.microsoft.com/office/drawing/2018/hyperlinkcolor" matchingName="Title slide" type="title">
+<p:sldLayout xmlns:a="http://schemas.openxmlformats.org/drawingml/2006/main" xmlns:r="http://schemas.openxmlformats.org/officeDocument/2006/relationships" xmlns:p="http://schemas.openxmlformats.org/presentationml/2006/main" matchingName="Title slide" type="title">
   <p:cSld name="TITLE">
     <p:spTree>
       <p:nvGrpSpPr>
-        <p:cNvPr id="9" name="Shape 9"/>
+        <p:cNvPr id="1" name="Shape 9"/>
         <p:cNvGrpSpPr/>
         <p:nvPr/>
       </p:nvGrpSpPr>
@@ -2112,12 +2359,12 @@
             </a:ln>
           </p:spPr>
           <p:txBody>
-            <a:bodyPr anchorCtr="0" anchor="ctr" bIns="91425" lIns="91425" spcFirstLastPara="1" rIns="91425" wrap="square" tIns="91425">
+            <a:bodyPr spcFirstLastPara="1" wrap="square" lIns="91425" tIns="91425" rIns="91425" bIns="91425" anchor="ctr" anchorCtr="0">
               <a:noAutofit/>
             </a:bodyPr>
             <a:lstStyle/>
             <a:p>
-              <a:pPr indent="0" lvl="0" marL="0" rtl="0" algn="l">
+              <a:pPr marL="0" lvl="0" indent="0" algn="l" rtl="0">
                 <a:spcBef>
                   <a:spcPts val="0"/>
                 </a:spcBef>
@@ -2126,9 +2373,6 @@
                 </a:spcAft>
                 <a:buNone/>
               </a:pPr>
-              <a:r>
-                <a:t/>
-              </a:r>
               <a:endParaRPr/>
             </a:p>
           </p:txBody>
@@ -2155,12 +2399,12 @@
             </a:ln>
           </p:spPr>
           <p:txBody>
-            <a:bodyPr anchorCtr="0" anchor="ctr" bIns="91425" lIns="91425" spcFirstLastPara="1" rIns="91425" wrap="square" tIns="91425">
+            <a:bodyPr spcFirstLastPara="1" wrap="square" lIns="91425" tIns="91425" rIns="91425" bIns="91425" anchor="ctr" anchorCtr="0">
               <a:noAutofit/>
             </a:bodyPr>
             <a:lstStyle/>
             <a:p>
-              <a:pPr indent="0" lvl="0" marL="0" rtl="0" algn="l">
+              <a:pPr marL="0" lvl="0" indent="0" algn="l" rtl="0">
                 <a:spcBef>
                   <a:spcPts val="0"/>
                 </a:spcBef>
@@ -2169,9 +2413,6 @@
                 </a:spcAft>
                 <a:buNone/>
               </a:pPr>
-              <a:r>
-                <a:t/>
-              </a:r>
               <a:endParaRPr/>
             </a:p>
           </p:txBody>
@@ -2198,12 +2439,12 @@
             </a:ln>
           </p:spPr>
           <p:txBody>
-            <a:bodyPr anchorCtr="0" anchor="ctr" bIns="91425" lIns="91425" spcFirstLastPara="1" rIns="91425" wrap="square" tIns="91425">
+            <a:bodyPr spcFirstLastPara="1" wrap="square" lIns="91425" tIns="91425" rIns="91425" bIns="91425" anchor="ctr" anchorCtr="0">
               <a:noAutofit/>
             </a:bodyPr>
             <a:lstStyle/>
             <a:p>
-              <a:pPr indent="0" lvl="0" marL="0" rtl="0" algn="l">
+              <a:pPr marL="0" lvl="0" indent="0" algn="l" rtl="0">
                 <a:spcBef>
                   <a:spcPts val="0"/>
                 </a:spcBef>
@@ -2212,9 +2453,6 @@
                 </a:spcAft>
                 <a:buNone/>
               </a:pPr>
-              <a:r>
-                <a:t/>
-              </a:r>
               <a:endParaRPr/>
             </a:p>
           </p:txBody>
@@ -2223,7 +2461,9 @@
       <p:sp>
         <p:nvSpPr>
           <p:cNvPr id="14" name="Google Shape;14;p2"/>
-          <p:cNvSpPr txBox="1"/>
+          <p:cNvSpPr txBox="1">
+            <a:spLocks noGrp="1"/>
+          </p:cNvSpPr>
           <p:nvPr>
             <p:ph type="ctrTitle"/>
           </p:nvPr>
@@ -2238,7 +2478,7 @@
           </a:prstGeom>
         </p:spPr>
         <p:txBody>
-          <a:bodyPr anchorCtr="0" anchor="b" bIns="91425" lIns="91425" spcFirstLastPara="1" rIns="91425" wrap="square" tIns="91425">
+          <a:bodyPr spcFirstLastPara="1" wrap="square" lIns="91425" tIns="91425" rIns="91425" bIns="91425" anchor="b" anchorCtr="0">
             <a:normAutofit/>
           </a:bodyPr>
           <a:lstStyle>
@@ -2342,15 +2582,19 @@
               <a:defRPr sz="4800"/>
             </a:lvl9pPr>
           </a:lstStyle>
-          <a:p/>
+          <a:p>
+            <a:endParaRPr/>
+          </a:p>
         </p:txBody>
       </p:sp>
       <p:sp>
         <p:nvSpPr>
           <p:cNvPr id="15" name="Google Shape;15;p2"/>
-          <p:cNvSpPr txBox="1"/>
+          <p:cNvSpPr txBox="1">
+            <a:spLocks noGrp="1"/>
+          </p:cNvSpPr>
           <p:nvPr>
-            <p:ph idx="1" type="subTitle"/>
+            <p:ph type="subTitle" idx="1"/>
           </p:nvPr>
         </p:nvSpPr>
         <p:spPr>
@@ -2363,7 +2607,7 @@
           </a:prstGeom>
         </p:spPr>
         <p:txBody>
-          <a:bodyPr anchorCtr="0" anchor="t" bIns="91425" lIns="91425" spcFirstLastPara="1" rIns="91425" wrap="square" tIns="91425">
+          <a:bodyPr spcFirstLastPara="1" wrap="square" lIns="91425" tIns="91425" rIns="91425" bIns="91425" anchor="t" anchorCtr="0">
             <a:normAutofit/>
           </a:bodyPr>
           <a:lstStyle>
@@ -2494,15 +2738,19 @@
               <a:defRPr sz="2100"/>
             </a:lvl9pPr>
           </a:lstStyle>
-          <a:p/>
+          <a:p>
+            <a:endParaRPr/>
+          </a:p>
         </p:txBody>
       </p:sp>
       <p:sp>
         <p:nvSpPr>
           <p:cNvPr id="16" name="Google Shape;16;p2"/>
-          <p:cNvSpPr txBox="1"/>
+          <p:cNvSpPr txBox="1">
+            <a:spLocks noGrp="1"/>
+          </p:cNvSpPr>
           <p:nvPr>
-            <p:ph idx="12" type="sldNum"/>
+            <p:ph type="sldNum" idx="12"/>
           </p:nvPr>
         </p:nvSpPr>
         <p:spPr>
@@ -2515,7 +2763,7 @@
           </a:prstGeom>
         </p:spPr>
         <p:txBody>
-          <a:bodyPr anchorCtr="0" anchor="ctr" bIns="91425" lIns="91425" spcFirstLastPara="1" rIns="91425" wrap="square" tIns="91425">
+          <a:bodyPr spcFirstLastPara="1" wrap="square" lIns="91425" tIns="91425" rIns="91425" bIns="91425" anchor="ctr" anchorCtr="0">
             <a:normAutofit/>
           </a:bodyPr>
           <a:lstStyle>
@@ -2557,7 +2805,7 @@
             </a:lvl9pPr>
           </a:lstStyle>
           <a:p>
-            <a:pPr indent="0" lvl="0" marL="0" rtl="0" algn="r">
+            <a:pPr marL="0" lvl="0" indent="0" algn="r" rtl="0">
               <a:spcBef>
                 <a:spcPts val="0"/>
               </a:spcBef>
@@ -2583,11 +2831,11 @@
 </file>
 
 <file path=ppt/slideLayouts/slideLayout10.xml><?xml version="1.0" encoding="utf-8"?>
-<p:sldLayout xmlns:a="http://schemas.openxmlformats.org/drawingml/2006/main" xmlns:r="http://schemas.openxmlformats.org/officeDocument/2006/relationships" xmlns:mc="http://schemas.openxmlformats.org/markup-compatibility/2006" xmlns:mv="urn:schemas-microsoft-com:mac:vml" xmlns:p="http://schemas.openxmlformats.org/presentationml/2006/main" xmlns:c="http://schemas.openxmlformats.org/drawingml/2006/chart" xmlns:dgm="http://schemas.openxmlformats.org/drawingml/2006/diagram" xmlns:o="urn:schemas-microsoft-com:office:office" xmlns:v="urn:schemas-microsoft-com:vml" xmlns:pvml="urn:schemas-microsoft-com:office:powerpoint" xmlns:com="http://schemas.openxmlformats.org/drawingml/2006/compatibility" xmlns:p14="http://schemas.microsoft.com/office/powerpoint/2010/main" xmlns:p15="http://schemas.microsoft.com/office/powerpoint/2012/main" xmlns:ahyp="http://schemas.microsoft.com/office/drawing/2018/hyperlinkcolor" matchingName="Big number">
+<p:sldLayout xmlns:a="http://schemas.openxmlformats.org/drawingml/2006/main" xmlns:r="http://schemas.openxmlformats.org/officeDocument/2006/relationships" xmlns:p="http://schemas.openxmlformats.org/presentationml/2006/main" matchingName="Big number">
   <p:cSld name="BIG_NUMBER">
     <p:spTree>
       <p:nvGrpSpPr>
-        <p:cNvPr id="49" name="Shape 49"/>
+        <p:cNvPr id="1" name="Shape 49"/>
         <p:cNvGrpSpPr/>
         <p:nvPr/>
       </p:nvGrpSpPr>
@@ -2602,9 +2850,11 @@
       <p:sp>
         <p:nvSpPr>
           <p:cNvPr id="50" name="Google Shape;50;p11"/>
-          <p:cNvSpPr txBox="1"/>
+          <p:cNvSpPr txBox="1">
+            <a:spLocks noGrp="1"/>
+          </p:cNvSpPr>
           <p:nvPr>
-            <p:ph hasCustomPrompt="1" type="title"/>
+            <p:ph type="title" hasCustomPrompt="1"/>
           </p:nvPr>
         </p:nvSpPr>
         <p:spPr>
@@ -2617,7 +2867,7 @@
           </a:prstGeom>
         </p:spPr>
         <p:txBody>
-          <a:bodyPr anchorCtr="0" anchor="b" bIns="91425" lIns="91425" spcFirstLastPara="1" rIns="91425" wrap="square" tIns="91425">
+          <a:bodyPr spcFirstLastPara="1" wrap="square" lIns="91425" tIns="91425" rIns="91425" bIns="91425" anchor="b" anchorCtr="0">
             <a:normAutofit/>
           </a:bodyPr>
           <a:lstStyle>
@@ -2731,9 +2981,11 @@
       <p:sp>
         <p:nvSpPr>
           <p:cNvPr id="51" name="Google Shape;51;p11"/>
-          <p:cNvSpPr txBox="1"/>
+          <p:cNvSpPr txBox="1">
+            <a:spLocks noGrp="1"/>
+          </p:cNvSpPr>
           <p:nvPr>
-            <p:ph idx="1" type="body"/>
+            <p:ph type="body" idx="1"/>
           </p:nvPr>
         </p:nvSpPr>
         <p:spPr>
@@ -2746,11 +2998,11 @@
           </a:prstGeom>
         </p:spPr>
         <p:txBody>
-          <a:bodyPr anchorCtr="0" anchor="t" bIns="91425" lIns="91425" spcFirstLastPara="1" rIns="91425" wrap="square" tIns="91425">
+          <a:bodyPr spcFirstLastPara="1" wrap="square" lIns="91425" tIns="91425" rIns="91425" bIns="91425" anchor="t" anchorCtr="0">
             <a:normAutofit/>
           </a:bodyPr>
           <a:lstStyle>
-            <a:lvl1pPr indent="-342900" lvl="0" marL="457200" algn="ctr">
+            <a:lvl1pPr marL="457200" lvl="0" indent="-342900" algn="ctr">
               <a:spcBef>
                 <a:spcPts val="0"/>
               </a:spcBef>
@@ -2761,7 +3013,7 @@
               <a:buChar char="●"/>
               <a:defRPr/>
             </a:lvl1pPr>
-            <a:lvl2pPr indent="-317500" lvl="1" marL="914400" algn="ctr">
+            <a:lvl2pPr marL="914400" lvl="1" indent="-317500" algn="ctr">
               <a:spcBef>
                 <a:spcPts val="0"/>
               </a:spcBef>
@@ -2772,7 +3024,7 @@
               <a:buChar char="○"/>
               <a:defRPr/>
             </a:lvl2pPr>
-            <a:lvl3pPr indent="-317500" lvl="2" marL="1371600" algn="ctr">
+            <a:lvl3pPr marL="1371600" lvl="2" indent="-317500" algn="ctr">
               <a:spcBef>
                 <a:spcPts val="0"/>
               </a:spcBef>
@@ -2783,7 +3035,7 @@
               <a:buChar char="■"/>
               <a:defRPr/>
             </a:lvl3pPr>
-            <a:lvl4pPr indent="-317500" lvl="3" marL="1828800" algn="ctr">
+            <a:lvl4pPr marL="1828800" lvl="3" indent="-317500" algn="ctr">
               <a:spcBef>
                 <a:spcPts val="0"/>
               </a:spcBef>
@@ -2794,7 +3046,7 @@
               <a:buChar char="●"/>
               <a:defRPr/>
             </a:lvl4pPr>
-            <a:lvl5pPr indent="-317500" lvl="4" marL="2286000" algn="ctr">
+            <a:lvl5pPr marL="2286000" lvl="4" indent="-317500" algn="ctr">
               <a:spcBef>
                 <a:spcPts val="0"/>
               </a:spcBef>
@@ -2805,7 +3057,7 @@
               <a:buChar char="○"/>
               <a:defRPr/>
             </a:lvl5pPr>
-            <a:lvl6pPr indent="-317500" lvl="5" marL="2743200" algn="ctr">
+            <a:lvl6pPr marL="2743200" lvl="5" indent="-317500" algn="ctr">
               <a:spcBef>
                 <a:spcPts val="0"/>
               </a:spcBef>
@@ -2816,7 +3068,7 @@
               <a:buChar char="■"/>
               <a:defRPr/>
             </a:lvl6pPr>
-            <a:lvl7pPr indent="-317500" lvl="6" marL="3200400" algn="ctr">
+            <a:lvl7pPr marL="3200400" lvl="6" indent="-317500" algn="ctr">
               <a:spcBef>
                 <a:spcPts val="0"/>
               </a:spcBef>
@@ -2827,7 +3079,7 @@
               <a:buChar char="●"/>
               <a:defRPr/>
             </a:lvl7pPr>
-            <a:lvl8pPr indent="-317500" lvl="7" marL="3657600" algn="ctr">
+            <a:lvl8pPr marL="3657600" lvl="7" indent="-317500" algn="ctr">
               <a:spcBef>
                 <a:spcPts val="0"/>
               </a:spcBef>
@@ -2838,7 +3090,7 @@
               <a:buChar char="○"/>
               <a:defRPr/>
             </a:lvl8pPr>
-            <a:lvl9pPr indent="-317500" lvl="8" marL="4114800" algn="ctr">
+            <a:lvl9pPr marL="4114800" lvl="8" indent="-317500" algn="ctr">
               <a:spcBef>
                 <a:spcPts val="0"/>
               </a:spcBef>
@@ -2850,15 +3102,19 @@
               <a:defRPr/>
             </a:lvl9pPr>
           </a:lstStyle>
-          <a:p/>
+          <a:p>
+            <a:endParaRPr/>
+          </a:p>
         </p:txBody>
       </p:sp>
       <p:sp>
         <p:nvSpPr>
           <p:cNvPr id="52" name="Google Shape;52;p11"/>
-          <p:cNvSpPr txBox="1"/>
+          <p:cNvSpPr txBox="1">
+            <a:spLocks noGrp="1"/>
+          </p:cNvSpPr>
           <p:nvPr>
-            <p:ph idx="12" type="sldNum"/>
+            <p:ph type="sldNum" idx="12"/>
           </p:nvPr>
         </p:nvSpPr>
         <p:spPr>
@@ -2871,7 +3127,7 @@
           </a:prstGeom>
         </p:spPr>
         <p:txBody>
-          <a:bodyPr anchorCtr="0" anchor="ctr" bIns="91425" lIns="91425" spcFirstLastPara="1" rIns="91425" wrap="square" tIns="91425">
+          <a:bodyPr spcFirstLastPara="1" wrap="square" lIns="91425" tIns="91425" rIns="91425" bIns="91425" anchor="ctr" anchorCtr="0">
             <a:normAutofit/>
           </a:bodyPr>
           <a:lstStyle>
@@ -2913,7 +3169,7 @@
             </a:lvl9pPr>
           </a:lstStyle>
           <a:p>
-            <a:pPr indent="0" lvl="0" marL="0" rtl="0" algn="r">
+            <a:pPr marL="0" lvl="0" indent="0" algn="r" rtl="0">
               <a:spcBef>
                 <a:spcPts val="0"/>
               </a:spcBef>
@@ -2939,11 +3195,11 @@
 </file>
 
 <file path=ppt/slideLayouts/slideLayout11.xml><?xml version="1.0" encoding="utf-8"?>
-<p:sldLayout xmlns:a="http://schemas.openxmlformats.org/drawingml/2006/main" xmlns:r="http://schemas.openxmlformats.org/officeDocument/2006/relationships" xmlns:mc="http://schemas.openxmlformats.org/markup-compatibility/2006" xmlns:mv="urn:schemas-microsoft-com:mac:vml" xmlns:p="http://schemas.openxmlformats.org/presentationml/2006/main" xmlns:c="http://schemas.openxmlformats.org/drawingml/2006/chart" xmlns:dgm="http://schemas.openxmlformats.org/drawingml/2006/diagram" xmlns:o="urn:schemas-microsoft-com:office:office" xmlns:v="urn:schemas-microsoft-com:vml" xmlns:pvml="urn:schemas-microsoft-com:office:powerpoint" xmlns:com="http://schemas.openxmlformats.org/drawingml/2006/compatibility" xmlns:p14="http://schemas.microsoft.com/office/powerpoint/2010/main" xmlns:p15="http://schemas.microsoft.com/office/powerpoint/2012/main" xmlns:ahyp="http://schemas.microsoft.com/office/drawing/2018/hyperlinkcolor" matchingName="Blank" type="blank">
+<p:sldLayout xmlns:a="http://schemas.openxmlformats.org/drawingml/2006/main" xmlns:r="http://schemas.openxmlformats.org/officeDocument/2006/relationships" xmlns:p="http://schemas.openxmlformats.org/presentationml/2006/main" matchingName="Blank" type="blank">
   <p:cSld name="BLANK">
     <p:spTree>
       <p:nvGrpSpPr>
-        <p:cNvPr id="53" name="Shape 53"/>
+        <p:cNvPr id="1" name="Shape 53"/>
         <p:cNvGrpSpPr/>
         <p:nvPr/>
       </p:nvGrpSpPr>
@@ -2958,9 +3214,11 @@
       <p:sp>
         <p:nvSpPr>
           <p:cNvPr id="54" name="Google Shape;54;p12"/>
-          <p:cNvSpPr txBox="1"/>
+          <p:cNvSpPr txBox="1">
+            <a:spLocks noGrp="1"/>
+          </p:cNvSpPr>
           <p:nvPr>
-            <p:ph idx="12" type="sldNum"/>
+            <p:ph type="sldNum" idx="12"/>
           </p:nvPr>
         </p:nvSpPr>
         <p:spPr>
@@ -2973,7 +3231,7 @@
           </a:prstGeom>
         </p:spPr>
         <p:txBody>
-          <a:bodyPr anchorCtr="0" anchor="ctr" bIns="91425" lIns="91425" spcFirstLastPara="1" rIns="91425" wrap="square" tIns="91425">
+          <a:bodyPr spcFirstLastPara="1" wrap="square" lIns="91425" tIns="91425" rIns="91425" bIns="91425" anchor="ctr" anchorCtr="0">
             <a:normAutofit/>
           </a:bodyPr>
           <a:lstStyle>
@@ -3015,7 +3273,7 @@
             </a:lvl9pPr>
           </a:lstStyle>
           <a:p>
-            <a:pPr indent="0" lvl="0" marL="0" rtl="0" algn="r">
+            <a:pPr marL="0" lvl="0" indent="0" algn="r" rtl="0">
               <a:spcBef>
                 <a:spcPts val="0"/>
               </a:spcBef>
@@ -3041,11 +3299,11 @@
 </file>
 
 <file path=ppt/slideLayouts/slideLayout2.xml><?xml version="1.0" encoding="utf-8"?>
-<p:sldLayout xmlns:a="http://schemas.openxmlformats.org/drawingml/2006/main" xmlns:r="http://schemas.openxmlformats.org/officeDocument/2006/relationships" xmlns:mc="http://schemas.openxmlformats.org/markup-compatibility/2006" xmlns:mv="urn:schemas-microsoft-com:mac:vml" xmlns:p="http://schemas.openxmlformats.org/presentationml/2006/main" xmlns:c="http://schemas.openxmlformats.org/drawingml/2006/chart" xmlns:dgm="http://schemas.openxmlformats.org/drawingml/2006/diagram" xmlns:o="urn:schemas-microsoft-com:office:office" xmlns:v="urn:schemas-microsoft-com:vml" xmlns:pvml="urn:schemas-microsoft-com:office:powerpoint" xmlns:com="http://schemas.openxmlformats.org/drawingml/2006/compatibility" xmlns:p14="http://schemas.microsoft.com/office/powerpoint/2010/main" xmlns:p15="http://schemas.microsoft.com/office/powerpoint/2012/main" xmlns:ahyp="http://schemas.microsoft.com/office/drawing/2018/hyperlinkcolor" matchingName="Section header" type="secHead">
+<p:sldLayout xmlns:a="http://schemas.openxmlformats.org/drawingml/2006/main" xmlns:r="http://schemas.openxmlformats.org/officeDocument/2006/relationships" xmlns:p="http://schemas.openxmlformats.org/presentationml/2006/main" matchingName="Section header" type="secHead">
   <p:cSld name="SECTION_HEADER">
     <p:spTree>
       <p:nvGrpSpPr>
-        <p:cNvPr id="17" name="Shape 17"/>
+        <p:cNvPr id="1" name="Shape 17"/>
         <p:cNvGrpSpPr/>
         <p:nvPr/>
       </p:nvGrpSpPr>
@@ -3060,7 +3318,9 @@
       <p:sp>
         <p:nvSpPr>
           <p:cNvPr id="18" name="Google Shape;18;p3"/>
-          <p:cNvSpPr txBox="1"/>
+          <p:cNvSpPr txBox="1">
+            <a:spLocks noGrp="1"/>
+          </p:cNvSpPr>
           <p:nvPr>
             <p:ph type="title"/>
           </p:nvPr>
@@ -3075,7 +3335,7 @@
           </a:prstGeom>
         </p:spPr>
         <p:txBody>
-          <a:bodyPr anchorCtr="0" anchor="ctr" bIns="91425" lIns="91425" spcFirstLastPara="1" rIns="91425" wrap="square" tIns="91425">
+          <a:bodyPr spcFirstLastPara="1" wrap="square" lIns="91425" tIns="91425" rIns="91425" bIns="91425" anchor="ctr" anchorCtr="0">
             <a:normAutofit/>
           </a:bodyPr>
           <a:lstStyle>
@@ -3179,15 +3439,19 @@
               <a:defRPr sz="3600"/>
             </a:lvl9pPr>
           </a:lstStyle>
-          <a:p/>
+          <a:p>
+            <a:endParaRPr/>
+          </a:p>
         </p:txBody>
       </p:sp>
       <p:sp>
         <p:nvSpPr>
           <p:cNvPr id="19" name="Google Shape;19;p3"/>
-          <p:cNvSpPr txBox="1"/>
+          <p:cNvSpPr txBox="1">
+            <a:spLocks noGrp="1"/>
+          </p:cNvSpPr>
           <p:nvPr>
-            <p:ph idx="12" type="sldNum"/>
+            <p:ph type="sldNum" idx="12"/>
           </p:nvPr>
         </p:nvSpPr>
         <p:spPr>
@@ -3200,7 +3464,7 @@
           </a:prstGeom>
         </p:spPr>
         <p:txBody>
-          <a:bodyPr anchorCtr="0" anchor="ctr" bIns="91425" lIns="91425" spcFirstLastPara="1" rIns="91425" wrap="square" tIns="91425">
+          <a:bodyPr spcFirstLastPara="1" wrap="square" lIns="91425" tIns="91425" rIns="91425" bIns="91425" anchor="ctr" anchorCtr="0">
             <a:normAutofit/>
           </a:bodyPr>
           <a:lstStyle>
@@ -3242,7 +3506,7 @@
             </a:lvl9pPr>
           </a:lstStyle>
           <a:p>
-            <a:pPr indent="0" lvl="0" marL="0" rtl="0" algn="r">
+            <a:pPr marL="0" lvl="0" indent="0" algn="r" rtl="0">
               <a:spcBef>
                 <a:spcPts val="0"/>
               </a:spcBef>
@@ -3268,11 +3532,11 @@
 </file>
 
 <file path=ppt/slideLayouts/slideLayout3.xml><?xml version="1.0" encoding="utf-8"?>
-<p:sldLayout xmlns:a="http://schemas.openxmlformats.org/drawingml/2006/main" xmlns:r="http://schemas.openxmlformats.org/officeDocument/2006/relationships" xmlns:mc="http://schemas.openxmlformats.org/markup-compatibility/2006" xmlns:mv="urn:schemas-microsoft-com:mac:vml" xmlns:p="http://schemas.openxmlformats.org/presentationml/2006/main" xmlns:c="http://schemas.openxmlformats.org/drawingml/2006/chart" xmlns:dgm="http://schemas.openxmlformats.org/drawingml/2006/diagram" xmlns:o="urn:schemas-microsoft-com:office:office" xmlns:v="urn:schemas-microsoft-com:vml" xmlns:pvml="urn:schemas-microsoft-com:office:powerpoint" xmlns:com="http://schemas.openxmlformats.org/drawingml/2006/compatibility" xmlns:p14="http://schemas.microsoft.com/office/powerpoint/2010/main" xmlns:p15="http://schemas.microsoft.com/office/powerpoint/2012/main" xmlns:ahyp="http://schemas.microsoft.com/office/drawing/2018/hyperlinkcolor" matchingName="Title and body" type="tx">
+<p:sldLayout xmlns:a="http://schemas.openxmlformats.org/drawingml/2006/main" xmlns:r="http://schemas.openxmlformats.org/officeDocument/2006/relationships" xmlns:p="http://schemas.openxmlformats.org/presentationml/2006/main" matchingName="Title and body" type="tx">
   <p:cSld name="TITLE_AND_BODY">
     <p:spTree>
       <p:nvGrpSpPr>
-        <p:cNvPr id="20" name="Shape 20"/>
+        <p:cNvPr id="1" name="Shape 20"/>
         <p:cNvGrpSpPr/>
         <p:nvPr/>
       </p:nvGrpSpPr>
@@ -3287,7 +3551,9 @@
       <p:sp>
         <p:nvSpPr>
           <p:cNvPr id="21" name="Google Shape;21;p4"/>
-          <p:cNvSpPr txBox="1"/>
+          <p:cNvSpPr txBox="1">
+            <a:spLocks noGrp="1"/>
+          </p:cNvSpPr>
           <p:nvPr>
             <p:ph type="title"/>
           </p:nvPr>
@@ -3302,7 +3568,7 @@
           </a:prstGeom>
         </p:spPr>
         <p:txBody>
-          <a:bodyPr anchorCtr="0" anchor="t" bIns="91425" lIns="91425" spcFirstLastPara="1" rIns="91425" wrap="square" tIns="91425">
+          <a:bodyPr spcFirstLastPara="1" wrap="square" lIns="91425" tIns="91425" rIns="91425" bIns="91425" anchor="t" anchorCtr="0">
             <a:normAutofit/>
           </a:bodyPr>
           <a:lstStyle>
@@ -3406,15 +3672,19 @@
               <a:defRPr/>
             </a:lvl9pPr>
           </a:lstStyle>
-          <a:p/>
+          <a:p>
+            <a:endParaRPr/>
+          </a:p>
         </p:txBody>
       </p:sp>
       <p:sp>
         <p:nvSpPr>
           <p:cNvPr id="22" name="Google Shape;22;p4"/>
-          <p:cNvSpPr txBox="1"/>
+          <p:cNvSpPr txBox="1">
+            <a:spLocks noGrp="1"/>
+          </p:cNvSpPr>
           <p:nvPr>
-            <p:ph idx="1" type="body"/>
+            <p:ph type="body" idx="1"/>
           </p:nvPr>
         </p:nvSpPr>
         <p:spPr>
@@ -3427,11 +3697,11 @@
           </a:prstGeom>
         </p:spPr>
         <p:txBody>
-          <a:bodyPr anchorCtr="0" anchor="t" bIns="91425" lIns="91425" spcFirstLastPara="1" rIns="91425" wrap="square" tIns="91425">
+          <a:bodyPr spcFirstLastPara="1" wrap="square" lIns="91425" tIns="91425" rIns="91425" bIns="91425" anchor="t" anchorCtr="0">
             <a:normAutofit/>
           </a:bodyPr>
           <a:lstStyle>
-            <a:lvl1pPr indent="-342900" lvl="0" marL="457200">
+            <a:lvl1pPr marL="457200" lvl="0" indent="-342900">
               <a:spcBef>
                 <a:spcPts val="0"/>
               </a:spcBef>
@@ -3442,7 +3712,7 @@
               <a:buChar char="●"/>
               <a:defRPr/>
             </a:lvl1pPr>
-            <a:lvl2pPr indent="-317500" lvl="1" marL="914400">
+            <a:lvl2pPr marL="914400" lvl="1" indent="-317500">
               <a:spcBef>
                 <a:spcPts val="0"/>
               </a:spcBef>
@@ -3453,7 +3723,7 @@
               <a:buChar char="○"/>
               <a:defRPr/>
             </a:lvl2pPr>
-            <a:lvl3pPr indent="-317500" lvl="2" marL="1371600">
+            <a:lvl3pPr marL="1371600" lvl="2" indent="-317500">
               <a:spcBef>
                 <a:spcPts val="0"/>
               </a:spcBef>
@@ -3464,7 +3734,7 @@
               <a:buChar char="■"/>
               <a:defRPr/>
             </a:lvl3pPr>
-            <a:lvl4pPr indent="-317500" lvl="3" marL="1828800">
+            <a:lvl4pPr marL="1828800" lvl="3" indent="-317500">
               <a:spcBef>
                 <a:spcPts val="0"/>
               </a:spcBef>
@@ -3475,7 +3745,7 @@
               <a:buChar char="●"/>
               <a:defRPr/>
             </a:lvl4pPr>
-            <a:lvl5pPr indent="-317500" lvl="4" marL="2286000">
+            <a:lvl5pPr marL="2286000" lvl="4" indent="-317500">
               <a:spcBef>
                 <a:spcPts val="0"/>
               </a:spcBef>
@@ -3486,7 +3756,7 @@
               <a:buChar char="○"/>
               <a:defRPr/>
             </a:lvl5pPr>
-            <a:lvl6pPr indent="-317500" lvl="5" marL="2743200">
+            <a:lvl6pPr marL="2743200" lvl="5" indent="-317500">
               <a:spcBef>
                 <a:spcPts val="0"/>
               </a:spcBef>
@@ -3497,7 +3767,7 @@
               <a:buChar char="■"/>
               <a:defRPr/>
             </a:lvl6pPr>
-            <a:lvl7pPr indent="-317500" lvl="6" marL="3200400">
+            <a:lvl7pPr marL="3200400" lvl="6" indent="-317500">
               <a:spcBef>
                 <a:spcPts val="0"/>
               </a:spcBef>
@@ -3508,7 +3778,7 @@
               <a:buChar char="●"/>
               <a:defRPr/>
             </a:lvl7pPr>
-            <a:lvl8pPr indent="-317500" lvl="7" marL="3657600">
+            <a:lvl8pPr marL="3657600" lvl="7" indent="-317500">
               <a:spcBef>
                 <a:spcPts val="0"/>
               </a:spcBef>
@@ -3519,7 +3789,7 @@
               <a:buChar char="○"/>
               <a:defRPr/>
             </a:lvl8pPr>
-            <a:lvl9pPr indent="-317500" lvl="8" marL="4114800">
+            <a:lvl9pPr marL="4114800" lvl="8" indent="-317500">
               <a:spcBef>
                 <a:spcPts val="0"/>
               </a:spcBef>
@@ -3531,15 +3801,19 @@
               <a:defRPr/>
             </a:lvl9pPr>
           </a:lstStyle>
-          <a:p/>
+          <a:p>
+            <a:endParaRPr/>
+          </a:p>
         </p:txBody>
       </p:sp>
       <p:sp>
         <p:nvSpPr>
           <p:cNvPr id="23" name="Google Shape;23;p4"/>
-          <p:cNvSpPr txBox="1"/>
+          <p:cNvSpPr txBox="1">
+            <a:spLocks noGrp="1"/>
+          </p:cNvSpPr>
           <p:nvPr>
-            <p:ph idx="12" type="sldNum"/>
+            <p:ph type="sldNum" idx="12"/>
           </p:nvPr>
         </p:nvSpPr>
         <p:spPr>
@@ -3552,7 +3826,7 @@
           </a:prstGeom>
         </p:spPr>
         <p:txBody>
-          <a:bodyPr anchorCtr="0" anchor="ctr" bIns="91425" lIns="91425" spcFirstLastPara="1" rIns="91425" wrap="square" tIns="91425">
+          <a:bodyPr spcFirstLastPara="1" wrap="square" lIns="91425" tIns="91425" rIns="91425" bIns="91425" anchor="ctr" anchorCtr="0">
             <a:normAutofit/>
           </a:bodyPr>
           <a:lstStyle>
@@ -3594,7 +3868,7 @@
             </a:lvl9pPr>
           </a:lstStyle>
           <a:p>
-            <a:pPr indent="0" lvl="0" marL="0" rtl="0" algn="r">
+            <a:pPr marL="0" lvl="0" indent="0" algn="r" rtl="0">
               <a:spcBef>
                 <a:spcPts val="0"/>
               </a:spcBef>
@@ -3620,11 +3894,11 @@
 </file>
 
 <file path=ppt/slideLayouts/slideLayout4.xml><?xml version="1.0" encoding="utf-8"?>
-<p:sldLayout xmlns:a="http://schemas.openxmlformats.org/drawingml/2006/main" xmlns:r="http://schemas.openxmlformats.org/officeDocument/2006/relationships" xmlns:mc="http://schemas.openxmlformats.org/markup-compatibility/2006" xmlns:mv="urn:schemas-microsoft-com:mac:vml" xmlns:p="http://schemas.openxmlformats.org/presentationml/2006/main" xmlns:c="http://schemas.openxmlformats.org/drawingml/2006/chart" xmlns:dgm="http://schemas.openxmlformats.org/drawingml/2006/diagram" xmlns:o="urn:schemas-microsoft-com:office:office" xmlns:v="urn:schemas-microsoft-com:vml" xmlns:pvml="urn:schemas-microsoft-com:office:powerpoint" xmlns:com="http://schemas.openxmlformats.org/drawingml/2006/compatibility" xmlns:p14="http://schemas.microsoft.com/office/powerpoint/2010/main" xmlns:p15="http://schemas.microsoft.com/office/powerpoint/2012/main" xmlns:ahyp="http://schemas.microsoft.com/office/drawing/2018/hyperlinkcolor" matchingName="Title and two columns" type="twoColTx">
+<p:sldLayout xmlns:a="http://schemas.openxmlformats.org/drawingml/2006/main" xmlns:r="http://schemas.openxmlformats.org/officeDocument/2006/relationships" xmlns:p="http://schemas.openxmlformats.org/presentationml/2006/main" matchingName="Title and two columns" type="twoColTx">
   <p:cSld name="TITLE_AND_TWO_COLUMNS">
     <p:spTree>
       <p:nvGrpSpPr>
-        <p:cNvPr id="24" name="Shape 24"/>
+        <p:cNvPr id="1" name="Shape 24"/>
         <p:cNvGrpSpPr/>
         <p:nvPr/>
       </p:nvGrpSpPr>
@@ -3639,7 +3913,9 @@
       <p:sp>
         <p:nvSpPr>
           <p:cNvPr id="25" name="Google Shape;25;p5"/>
-          <p:cNvSpPr txBox="1"/>
+          <p:cNvSpPr txBox="1">
+            <a:spLocks noGrp="1"/>
+          </p:cNvSpPr>
           <p:nvPr>
             <p:ph type="title"/>
           </p:nvPr>
@@ -3654,7 +3930,7 @@
           </a:prstGeom>
         </p:spPr>
         <p:txBody>
-          <a:bodyPr anchorCtr="0" anchor="t" bIns="91425" lIns="91425" spcFirstLastPara="1" rIns="91425" wrap="square" tIns="91425">
+          <a:bodyPr spcFirstLastPara="1" wrap="square" lIns="91425" tIns="91425" rIns="91425" bIns="91425" anchor="t" anchorCtr="0">
             <a:normAutofit/>
           </a:bodyPr>
           <a:lstStyle>
@@ -3758,15 +4034,19 @@
               <a:defRPr/>
             </a:lvl9pPr>
           </a:lstStyle>
-          <a:p/>
+          <a:p>
+            <a:endParaRPr/>
+          </a:p>
         </p:txBody>
       </p:sp>
       <p:sp>
         <p:nvSpPr>
           <p:cNvPr id="26" name="Google Shape;26;p5"/>
-          <p:cNvSpPr txBox="1"/>
+          <p:cNvSpPr txBox="1">
+            <a:spLocks noGrp="1"/>
+          </p:cNvSpPr>
           <p:nvPr>
-            <p:ph idx="1" type="body"/>
+            <p:ph type="body" idx="1"/>
           </p:nvPr>
         </p:nvSpPr>
         <p:spPr>
@@ -3779,11 +4059,11 @@
           </a:prstGeom>
         </p:spPr>
         <p:txBody>
-          <a:bodyPr anchorCtr="0" anchor="t" bIns="91425" lIns="91425" spcFirstLastPara="1" rIns="91425" wrap="square" tIns="91425">
+          <a:bodyPr spcFirstLastPara="1" wrap="square" lIns="91425" tIns="91425" rIns="91425" bIns="91425" anchor="t" anchorCtr="0">
             <a:normAutofit/>
           </a:bodyPr>
           <a:lstStyle>
-            <a:lvl1pPr indent="-317500" lvl="0" marL="457200">
+            <a:lvl1pPr marL="457200" lvl="0" indent="-317500">
               <a:spcBef>
                 <a:spcPts val="0"/>
               </a:spcBef>
@@ -3794,7 +4074,7 @@
               <a:buChar char="●"/>
               <a:defRPr sz="1400"/>
             </a:lvl1pPr>
-            <a:lvl2pPr indent="-304800" lvl="1" marL="914400">
+            <a:lvl2pPr marL="914400" lvl="1" indent="-304800">
               <a:spcBef>
                 <a:spcPts val="0"/>
               </a:spcBef>
@@ -3805,7 +4085,7 @@
               <a:buChar char="○"/>
               <a:defRPr sz="1200"/>
             </a:lvl2pPr>
-            <a:lvl3pPr indent="-304800" lvl="2" marL="1371600">
+            <a:lvl3pPr marL="1371600" lvl="2" indent="-304800">
               <a:spcBef>
                 <a:spcPts val="0"/>
               </a:spcBef>
@@ -3816,7 +4096,7 @@
               <a:buChar char="■"/>
               <a:defRPr sz="1200"/>
             </a:lvl3pPr>
-            <a:lvl4pPr indent="-304800" lvl="3" marL="1828800">
+            <a:lvl4pPr marL="1828800" lvl="3" indent="-304800">
               <a:spcBef>
                 <a:spcPts val="0"/>
               </a:spcBef>
@@ -3827,7 +4107,7 @@
               <a:buChar char="●"/>
               <a:defRPr sz="1200"/>
             </a:lvl4pPr>
-            <a:lvl5pPr indent="-304800" lvl="4" marL="2286000">
+            <a:lvl5pPr marL="2286000" lvl="4" indent="-304800">
               <a:spcBef>
                 <a:spcPts val="0"/>
               </a:spcBef>
@@ -3838,7 +4118,7 @@
               <a:buChar char="○"/>
               <a:defRPr sz="1200"/>
             </a:lvl5pPr>
-            <a:lvl6pPr indent="-304800" lvl="5" marL="2743200">
+            <a:lvl6pPr marL="2743200" lvl="5" indent="-304800">
               <a:spcBef>
                 <a:spcPts val="0"/>
               </a:spcBef>
@@ -3849,7 +4129,7 @@
               <a:buChar char="■"/>
               <a:defRPr sz="1200"/>
             </a:lvl6pPr>
-            <a:lvl7pPr indent="-304800" lvl="6" marL="3200400">
+            <a:lvl7pPr marL="3200400" lvl="6" indent="-304800">
               <a:spcBef>
                 <a:spcPts val="0"/>
               </a:spcBef>
@@ -3860,7 +4140,7 @@
               <a:buChar char="●"/>
               <a:defRPr sz="1200"/>
             </a:lvl7pPr>
-            <a:lvl8pPr indent="-304800" lvl="7" marL="3657600">
+            <a:lvl8pPr marL="3657600" lvl="7" indent="-304800">
               <a:spcBef>
                 <a:spcPts val="0"/>
               </a:spcBef>
@@ -3871,7 +4151,7 @@
               <a:buChar char="○"/>
               <a:defRPr sz="1200"/>
             </a:lvl8pPr>
-            <a:lvl9pPr indent="-304800" lvl="8" marL="4114800">
+            <a:lvl9pPr marL="4114800" lvl="8" indent="-304800">
               <a:spcBef>
                 <a:spcPts val="0"/>
               </a:spcBef>
@@ -3883,15 +4163,19 @@
               <a:defRPr sz="1200"/>
             </a:lvl9pPr>
           </a:lstStyle>
-          <a:p/>
+          <a:p>
+            <a:endParaRPr/>
+          </a:p>
         </p:txBody>
       </p:sp>
       <p:sp>
         <p:nvSpPr>
           <p:cNvPr id="27" name="Google Shape;27;p5"/>
-          <p:cNvSpPr txBox="1"/>
+          <p:cNvSpPr txBox="1">
+            <a:spLocks noGrp="1"/>
+          </p:cNvSpPr>
           <p:nvPr>
-            <p:ph idx="2" type="body"/>
+            <p:ph type="body" idx="2"/>
           </p:nvPr>
         </p:nvSpPr>
         <p:spPr>
@@ -3904,11 +4188,11 @@
           </a:prstGeom>
         </p:spPr>
         <p:txBody>
-          <a:bodyPr anchorCtr="0" anchor="t" bIns="91425" lIns="91425" spcFirstLastPara="1" rIns="91425" wrap="square" tIns="91425">
+          <a:bodyPr spcFirstLastPara="1" wrap="square" lIns="91425" tIns="91425" rIns="91425" bIns="91425" anchor="t" anchorCtr="0">
             <a:normAutofit/>
           </a:bodyPr>
           <a:lstStyle>
-            <a:lvl1pPr indent="-317500" lvl="0" marL="457200">
+            <a:lvl1pPr marL="457200" lvl="0" indent="-317500">
               <a:spcBef>
                 <a:spcPts val="0"/>
               </a:spcBef>
@@ -3919,7 +4203,7 @@
               <a:buChar char="●"/>
               <a:defRPr sz="1400"/>
             </a:lvl1pPr>
-            <a:lvl2pPr indent="-304800" lvl="1" marL="914400">
+            <a:lvl2pPr marL="914400" lvl="1" indent="-304800">
               <a:spcBef>
                 <a:spcPts val="0"/>
               </a:spcBef>
@@ -3930,7 +4214,7 @@
               <a:buChar char="○"/>
               <a:defRPr sz="1200"/>
             </a:lvl2pPr>
-            <a:lvl3pPr indent="-304800" lvl="2" marL="1371600">
+            <a:lvl3pPr marL="1371600" lvl="2" indent="-304800">
               <a:spcBef>
                 <a:spcPts val="0"/>
               </a:spcBef>
@@ -3941,7 +4225,7 @@
               <a:buChar char="■"/>
               <a:defRPr sz="1200"/>
             </a:lvl3pPr>
-            <a:lvl4pPr indent="-304800" lvl="3" marL="1828800">
+            <a:lvl4pPr marL="1828800" lvl="3" indent="-304800">
               <a:spcBef>
                 <a:spcPts val="0"/>
               </a:spcBef>
@@ -3952,7 +4236,7 @@
               <a:buChar char="●"/>
               <a:defRPr sz="1200"/>
             </a:lvl4pPr>
-            <a:lvl5pPr indent="-304800" lvl="4" marL="2286000">
+            <a:lvl5pPr marL="2286000" lvl="4" indent="-304800">
               <a:spcBef>
                 <a:spcPts val="0"/>
               </a:spcBef>
@@ -3963,7 +4247,7 @@
               <a:buChar char="○"/>
               <a:defRPr sz="1200"/>
             </a:lvl5pPr>
-            <a:lvl6pPr indent="-304800" lvl="5" marL="2743200">
+            <a:lvl6pPr marL="2743200" lvl="5" indent="-304800">
               <a:spcBef>
                 <a:spcPts val="0"/>
               </a:spcBef>
@@ -3974,7 +4258,7 @@
               <a:buChar char="■"/>
               <a:defRPr sz="1200"/>
             </a:lvl6pPr>
-            <a:lvl7pPr indent="-304800" lvl="6" marL="3200400">
+            <a:lvl7pPr marL="3200400" lvl="6" indent="-304800">
               <a:spcBef>
                 <a:spcPts val="0"/>
               </a:spcBef>
@@ -3985,7 +4269,7 @@
               <a:buChar char="●"/>
               <a:defRPr sz="1200"/>
             </a:lvl7pPr>
-            <a:lvl8pPr indent="-304800" lvl="7" marL="3657600">
+            <a:lvl8pPr marL="3657600" lvl="7" indent="-304800">
               <a:spcBef>
                 <a:spcPts val="0"/>
               </a:spcBef>
@@ -3996,7 +4280,7 @@
               <a:buChar char="○"/>
               <a:defRPr sz="1200"/>
             </a:lvl8pPr>
-            <a:lvl9pPr indent="-304800" lvl="8" marL="4114800">
+            <a:lvl9pPr marL="4114800" lvl="8" indent="-304800">
               <a:spcBef>
                 <a:spcPts val="0"/>
               </a:spcBef>
@@ -4008,15 +4292,19 @@
               <a:defRPr sz="1200"/>
             </a:lvl9pPr>
           </a:lstStyle>
-          <a:p/>
+          <a:p>
+            <a:endParaRPr/>
+          </a:p>
         </p:txBody>
       </p:sp>
       <p:sp>
         <p:nvSpPr>
           <p:cNvPr id="28" name="Google Shape;28;p5"/>
-          <p:cNvSpPr txBox="1"/>
+          <p:cNvSpPr txBox="1">
+            <a:spLocks noGrp="1"/>
+          </p:cNvSpPr>
           <p:nvPr>
-            <p:ph idx="12" type="sldNum"/>
+            <p:ph type="sldNum" idx="12"/>
           </p:nvPr>
         </p:nvSpPr>
         <p:spPr>
@@ -4029,7 +4317,7 @@
           </a:prstGeom>
         </p:spPr>
         <p:txBody>
-          <a:bodyPr anchorCtr="0" anchor="ctr" bIns="91425" lIns="91425" spcFirstLastPara="1" rIns="91425" wrap="square" tIns="91425">
+          <a:bodyPr spcFirstLastPara="1" wrap="square" lIns="91425" tIns="91425" rIns="91425" bIns="91425" anchor="ctr" anchorCtr="0">
             <a:normAutofit/>
           </a:bodyPr>
           <a:lstStyle>
@@ -4071,7 +4359,7 @@
             </a:lvl9pPr>
           </a:lstStyle>
           <a:p>
-            <a:pPr indent="0" lvl="0" marL="0" rtl="0" algn="r">
+            <a:pPr marL="0" lvl="0" indent="0" algn="r" rtl="0">
               <a:spcBef>
                 <a:spcPts val="0"/>
               </a:spcBef>
@@ -4097,11 +4385,11 @@
 </file>
 
 <file path=ppt/slideLayouts/slideLayout5.xml><?xml version="1.0" encoding="utf-8"?>
-<p:sldLayout xmlns:a="http://schemas.openxmlformats.org/drawingml/2006/main" xmlns:r="http://schemas.openxmlformats.org/officeDocument/2006/relationships" xmlns:mc="http://schemas.openxmlformats.org/markup-compatibility/2006" xmlns:mv="urn:schemas-microsoft-com:mac:vml" xmlns:p="http://schemas.openxmlformats.org/presentationml/2006/main" xmlns:c="http://schemas.openxmlformats.org/drawingml/2006/chart" xmlns:dgm="http://schemas.openxmlformats.org/drawingml/2006/diagram" xmlns:o="urn:schemas-microsoft-com:office:office" xmlns:v="urn:schemas-microsoft-com:vml" xmlns:pvml="urn:schemas-microsoft-com:office:powerpoint" xmlns:com="http://schemas.openxmlformats.org/drawingml/2006/compatibility" xmlns:p14="http://schemas.microsoft.com/office/powerpoint/2010/main" xmlns:p15="http://schemas.microsoft.com/office/powerpoint/2012/main" xmlns:ahyp="http://schemas.microsoft.com/office/drawing/2018/hyperlinkcolor" matchingName="Title only" type="titleOnly">
+<p:sldLayout xmlns:a="http://schemas.openxmlformats.org/drawingml/2006/main" xmlns:r="http://schemas.openxmlformats.org/officeDocument/2006/relationships" xmlns:p="http://schemas.openxmlformats.org/presentationml/2006/main" matchingName="Title only" type="titleOnly">
   <p:cSld name="TITLE_ONLY">
     <p:spTree>
       <p:nvGrpSpPr>
-        <p:cNvPr id="29" name="Shape 29"/>
+        <p:cNvPr id="1" name="Shape 29"/>
         <p:cNvGrpSpPr/>
         <p:nvPr/>
       </p:nvGrpSpPr>
@@ -4116,7 +4404,9 @@
       <p:sp>
         <p:nvSpPr>
           <p:cNvPr id="30" name="Google Shape;30;p6"/>
-          <p:cNvSpPr txBox="1"/>
+          <p:cNvSpPr txBox="1">
+            <a:spLocks noGrp="1"/>
+          </p:cNvSpPr>
           <p:nvPr>
             <p:ph type="title"/>
           </p:nvPr>
@@ -4131,7 +4421,7 @@
           </a:prstGeom>
         </p:spPr>
         <p:txBody>
-          <a:bodyPr anchorCtr="0" anchor="t" bIns="91425" lIns="91425" spcFirstLastPara="1" rIns="91425" wrap="square" tIns="91425">
+          <a:bodyPr spcFirstLastPara="1" wrap="square" lIns="91425" tIns="91425" rIns="91425" bIns="91425" anchor="t" anchorCtr="0">
             <a:normAutofit/>
           </a:bodyPr>
           <a:lstStyle>
@@ -4235,15 +4525,19 @@
               <a:defRPr/>
             </a:lvl9pPr>
           </a:lstStyle>
-          <a:p/>
+          <a:p>
+            <a:endParaRPr/>
+          </a:p>
         </p:txBody>
       </p:sp>
       <p:sp>
         <p:nvSpPr>
           <p:cNvPr id="31" name="Google Shape;31;p6"/>
-          <p:cNvSpPr txBox="1"/>
+          <p:cNvSpPr txBox="1">
+            <a:spLocks noGrp="1"/>
+          </p:cNvSpPr>
           <p:nvPr>
-            <p:ph idx="12" type="sldNum"/>
+            <p:ph type="sldNum" idx="12"/>
           </p:nvPr>
         </p:nvSpPr>
         <p:spPr>
@@ -4256,7 +4550,7 @@
           </a:prstGeom>
         </p:spPr>
         <p:txBody>
-          <a:bodyPr anchorCtr="0" anchor="ctr" bIns="91425" lIns="91425" spcFirstLastPara="1" rIns="91425" wrap="square" tIns="91425">
+          <a:bodyPr spcFirstLastPara="1" wrap="square" lIns="91425" tIns="91425" rIns="91425" bIns="91425" anchor="ctr" anchorCtr="0">
             <a:normAutofit/>
           </a:bodyPr>
           <a:lstStyle>
@@ -4298,7 +4592,7 @@
             </a:lvl9pPr>
           </a:lstStyle>
           <a:p>
-            <a:pPr indent="0" lvl="0" marL="0" rtl="0" algn="r">
+            <a:pPr marL="0" lvl="0" indent="0" algn="r" rtl="0">
               <a:spcBef>
                 <a:spcPts val="0"/>
               </a:spcBef>
@@ -4324,11 +4618,11 @@
 </file>
 
 <file path=ppt/slideLayouts/slideLayout6.xml><?xml version="1.0" encoding="utf-8"?>
-<p:sldLayout xmlns:a="http://schemas.openxmlformats.org/drawingml/2006/main" xmlns:r="http://schemas.openxmlformats.org/officeDocument/2006/relationships" xmlns:mc="http://schemas.openxmlformats.org/markup-compatibility/2006" xmlns:mv="urn:schemas-microsoft-com:mac:vml" xmlns:p="http://schemas.openxmlformats.org/presentationml/2006/main" xmlns:c="http://schemas.openxmlformats.org/drawingml/2006/chart" xmlns:dgm="http://schemas.openxmlformats.org/drawingml/2006/diagram" xmlns:o="urn:schemas-microsoft-com:office:office" xmlns:v="urn:schemas-microsoft-com:vml" xmlns:pvml="urn:schemas-microsoft-com:office:powerpoint" xmlns:com="http://schemas.openxmlformats.org/drawingml/2006/compatibility" xmlns:p14="http://schemas.microsoft.com/office/powerpoint/2010/main" xmlns:p15="http://schemas.microsoft.com/office/powerpoint/2012/main" xmlns:ahyp="http://schemas.microsoft.com/office/drawing/2018/hyperlinkcolor" matchingName="One column text">
+<p:sldLayout xmlns:a="http://schemas.openxmlformats.org/drawingml/2006/main" xmlns:r="http://schemas.openxmlformats.org/officeDocument/2006/relationships" xmlns:p="http://schemas.openxmlformats.org/presentationml/2006/main" matchingName="One column text">
   <p:cSld name="ONE_COLUMN_TEXT">
     <p:spTree>
       <p:nvGrpSpPr>
-        <p:cNvPr id="32" name="Shape 32"/>
+        <p:cNvPr id="1" name="Shape 32"/>
         <p:cNvGrpSpPr/>
         <p:nvPr/>
       </p:nvGrpSpPr>
@@ -4343,7 +4637,9 @@
       <p:sp>
         <p:nvSpPr>
           <p:cNvPr id="33" name="Google Shape;33;p7"/>
-          <p:cNvSpPr txBox="1"/>
+          <p:cNvSpPr txBox="1">
+            <a:spLocks noGrp="1"/>
+          </p:cNvSpPr>
           <p:nvPr>
             <p:ph type="title"/>
           </p:nvPr>
@@ -4358,7 +4654,7 @@
           </a:prstGeom>
         </p:spPr>
         <p:txBody>
-          <a:bodyPr anchorCtr="0" anchor="b" bIns="91425" lIns="91425" spcFirstLastPara="1" rIns="91425" wrap="square" tIns="91425">
+          <a:bodyPr spcFirstLastPara="1" wrap="square" lIns="91425" tIns="91425" rIns="91425" bIns="91425" anchor="b" anchorCtr="0">
             <a:normAutofit/>
           </a:bodyPr>
           <a:lstStyle>
@@ -4462,15 +4758,19 @@
               <a:defRPr sz="2400"/>
             </a:lvl9pPr>
           </a:lstStyle>
-          <a:p/>
+          <a:p>
+            <a:endParaRPr/>
+          </a:p>
         </p:txBody>
       </p:sp>
       <p:sp>
         <p:nvSpPr>
           <p:cNvPr id="34" name="Google Shape;34;p7"/>
-          <p:cNvSpPr txBox="1"/>
+          <p:cNvSpPr txBox="1">
+            <a:spLocks noGrp="1"/>
+          </p:cNvSpPr>
           <p:nvPr>
-            <p:ph idx="1" type="body"/>
+            <p:ph type="body" idx="1"/>
           </p:nvPr>
         </p:nvSpPr>
         <p:spPr>
@@ -4483,11 +4783,11 @@
           </a:prstGeom>
         </p:spPr>
         <p:txBody>
-          <a:bodyPr anchorCtr="0" anchor="t" bIns="91425" lIns="91425" spcFirstLastPara="1" rIns="91425" wrap="square" tIns="91425">
+          <a:bodyPr spcFirstLastPara="1" wrap="square" lIns="91425" tIns="91425" rIns="91425" bIns="91425" anchor="t" anchorCtr="0">
             <a:normAutofit/>
           </a:bodyPr>
           <a:lstStyle>
-            <a:lvl1pPr indent="-304800" lvl="0" marL="457200">
+            <a:lvl1pPr marL="457200" lvl="0" indent="-304800">
               <a:spcBef>
                 <a:spcPts val="0"/>
               </a:spcBef>
@@ -4498,7 +4798,7 @@
               <a:buChar char="●"/>
               <a:defRPr sz="1200"/>
             </a:lvl1pPr>
-            <a:lvl2pPr indent="-304800" lvl="1" marL="914400">
+            <a:lvl2pPr marL="914400" lvl="1" indent="-304800">
               <a:spcBef>
                 <a:spcPts val="0"/>
               </a:spcBef>
@@ -4509,7 +4809,7 @@
               <a:buChar char="○"/>
               <a:defRPr sz="1200"/>
             </a:lvl2pPr>
-            <a:lvl3pPr indent="-304800" lvl="2" marL="1371600">
+            <a:lvl3pPr marL="1371600" lvl="2" indent="-304800">
               <a:spcBef>
                 <a:spcPts val="0"/>
               </a:spcBef>
@@ -4520,7 +4820,7 @@
               <a:buChar char="■"/>
               <a:defRPr sz="1200"/>
             </a:lvl3pPr>
-            <a:lvl4pPr indent="-304800" lvl="3" marL="1828800">
+            <a:lvl4pPr marL="1828800" lvl="3" indent="-304800">
               <a:spcBef>
                 <a:spcPts val="0"/>
               </a:spcBef>
@@ -4531,7 +4831,7 @@
               <a:buChar char="●"/>
               <a:defRPr sz="1200"/>
             </a:lvl4pPr>
-            <a:lvl5pPr indent="-304800" lvl="4" marL="2286000">
+            <a:lvl5pPr marL="2286000" lvl="4" indent="-304800">
               <a:spcBef>
                 <a:spcPts val="0"/>
               </a:spcBef>
@@ -4542,7 +4842,7 @@
               <a:buChar char="○"/>
               <a:defRPr sz="1200"/>
             </a:lvl5pPr>
-            <a:lvl6pPr indent="-304800" lvl="5" marL="2743200">
+            <a:lvl6pPr marL="2743200" lvl="5" indent="-304800">
               <a:spcBef>
                 <a:spcPts val="0"/>
               </a:spcBef>
@@ -4553,7 +4853,7 @@
               <a:buChar char="■"/>
               <a:defRPr sz="1200"/>
             </a:lvl6pPr>
-            <a:lvl7pPr indent="-304800" lvl="6" marL="3200400">
+            <a:lvl7pPr marL="3200400" lvl="6" indent="-304800">
               <a:spcBef>
                 <a:spcPts val="0"/>
               </a:spcBef>
@@ -4564,7 +4864,7 @@
               <a:buChar char="●"/>
               <a:defRPr sz="1200"/>
             </a:lvl7pPr>
-            <a:lvl8pPr indent="-304800" lvl="7" marL="3657600">
+            <a:lvl8pPr marL="3657600" lvl="7" indent="-304800">
               <a:spcBef>
                 <a:spcPts val="0"/>
               </a:spcBef>
@@ -4575,7 +4875,7 @@
               <a:buChar char="○"/>
               <a:defRPr sz="1200"/>
             </a:lvl8pPr>
-            <a:lvl9pPr indent="-304800" lvl="8" marL="4114800">
+            <a:lvl9pPr marL="4114800" lvl="8" indent="-304800">
               <a:spcBef>
                 <a:spcPts val="0"/>
               </a:spcBef>
@@ -4587,15 +4887,19 @@
               <a:defRPr sz="1200"/>
             </a:lvl9pPr>
           </a:lstStyle>
-          <a:p/>
+          <a:p>
+            <a:endParaRPr/>
+          </a:p>
         </p:txBody>
       </p:sp>
       <p:sp>
         <p:nvSpPr>
           <p:cNvPr id="35" name="Google Shape;35;p7"/>
-          <p:cNvSpPr txBox="1"/>
+          <p:cNvSpPr txBox="1">
+            <a:spLocks noGrp="1"/>
+          </p:cNvSpPr>
           <p:nvPr>
-            <p:ph idx="12" type="sldNum"/>
+            <p:ph type="sldNum" idx="12"/>
           </p:nvPr>
         </p:nvSpPr>
         <p:spPr>
@@ -4608,7 +4912,7 @@
           </a:prstGeom>
         </p:spPr>
         <p:txBody>
-          <a:bodyPr anchorCtr="0" anchor="ctr" bIns="91425" lIns="91425" spcFirstLastPara="1" rIns="91425" wrap="square" tIns="91425">
+          <a:bodyPr spcFirstLastPara="1" wrap="square" lIns="91425" tIns="91425" rIns="91425" bIns="91425" anchor="ctr" anchorCtr="0">
             <a:normAutofit/>
           </a:bodyPr>
           <a:lstStyle>
@@ -4650,7 +4954,7 @@
             </a:lvl9pPr>
           </a:lstStyle>
           <a:p>
-            <a:pPr indent="0" lvl="0" marL="0" rtl="0" algn="r">
+            <a:pPr marL="0" lvl="0" indent="0" algn="r" rtl="0">
               <a:spcBef>
                 <a:spcPts val="0"/>
               </a:spcBef>
@@ -4676,18 +4980,19 @@
 </file>
 
 <file path=ppt/slideLayouts/slideLayout7.xml><?xml version="1.0" encoding="utf-8"?>
-<p:sldLayout xmlns:a="http://schemas.openxmlformats.org/drawingml/2006/main" xmlns:r="http://schemas.openxmlformats.org/officeDocument/2006/relationships" xmlns:mc="http://schemas.openxmlformats.org/markup-compatibility/2006" xmlns:mv="urn:schemas-microsoft-com:mac:vml" xmlns:p="http://schemas.openxmlformats.org/presentationml/2006/main" xmlns:c="http://schemas.openxmlformats.org/drawingml/2006/chart" xmlns:dgm="http://schemas.openxmlformats.org/drawingml/2006/diagram" xmlns:o="urn:schemas-microsoft-com:office:office" xmlns:v="urn:schemas-microsoft-com:vml" xmlns:pvml="urn:schemas-microsoft-com:office:powerpoint" xmlns:com="http://schemas.openxmlformats.org/drawingml/2006/compatibility" xmlns:p14="http://schemas.microsoft.com/office/powerpoint/2010/main" xmlns:p15="http://schemas.microsoft.com/office/powerpoint/2012/main" xmlns:ahyp="http://schemas.microsoft.com/office/drawing/2018/hyperlinkcolor" matchingName="Main point">
+<p:sldLayout xmlns:a="http://schemas.openxmlformats.org/drawingml/2006/main" xmlns:r="http://schemas.openxmlformats.org/officeDocument/2006/relationships" xmlns:p="http://schemas.openxmlformats.org/presentationml/2006/main" matchingName="Main point">
   <p:cSld name="MAIN_POINT">
     <p:bg>
       <p:bgPr>
         <a:solidFill>
           <a:schemeClr val="lt2"/>
         </a:solidFill>
+        <a:effectLst/>
       </p:bgPr>
     </p:bg>
     <p:spTree>
       <p:nvGrpSpPr>
-        <p:cNvPr id="36" name="Shape 36"/>
+        <p:cNvPr id="1" name="Shape 36"/>
         <p:cNvGrpSpPr/>
         <p:nvPr/>
       </p:nvGrpSpPr>
@@ -4702,7 +5007,9 @@
       <p:sp>
         <p:nvSpPr>
           <p:cNvPr id="37" name="Google Shape;37;p8"/>
-          <p:cNvSpPr txBox="1"/>
+          <p:cNvSpPr txBox="1">
+            <a:spLocks noGrp="1"/>
+          </p:cNvSpPr>
           <p:nvPr>
             <p:ph type="title"/>
           </p:nvPr>
@@ -4717,7 +5024,7 @@
           </a:prstGeom>
         </p:spPr>
         <p:txBody>
-          <a:bodyPr anchorCtr="0" anchor="ctr" bIns="91425" lIns="91425" spcFirstLastPara="1" rIns="91425" wrap="square" tIns="91425">
+          <a:bodyPr spcFirstLastPara="1" wrap="square" lIns="91425" tIns="91425" rIns="91425" bIns="91425" anchor="ctr" anchorCtr="0">
             <a:normAutofit/>
           </a:bodyPr>
           <a:lstStyle>
@@ -4884,15 +5191,19 @@
               </a:defRPr>
             </a:lvl9pPr>
           </a:lstStyle>
-          <a:p/>
+          <a:p>
+            <a:endParaRPr/>
+          </a:p>
         </p:txBody>
       </p:sp>
       <p:sp>
         <p:nvSpPr>
           <p:cNvPr id="38" name="Google Shape;38;p8"/>
-          <p:cNvSpPr txBox="1"/>
+          <p:cNvSpPr txBox="1">
+            <a:spLocks noGrp="1"/>
+          </p:cNvSpPr>
           <p:nvPr>
-            <p:ph idx="12" type="sldNum"/>
+            <p:ph type="sldNum" idx="12"/>
           </p:nvPr>
         </p:nvSpPr>
         <p:spPr>
@@ -4905,7 +5216,7 @@
           </a:prstGeom>
         </p:spPr>
         <p:txBody>
-          <a:bodyPr anchorCtr="0" anchor="ctr" bIns="91425" lIns="91425" spcFirstLastPara="1" rIns="91425" wrap="square" tIns="91425">
+          <a:bodyPr spcFirstLastPara="1" wrap="square" lIns="91425" tIns="91425" rIns="91425" bIns="91425" anchor="ctr" anchorCtr="0">
             <a:normAutofit/>
           </a:bodyPr>
           <a:lstStyle>
@@ -4983,7 +5294,7 @@
             </a:lvl9pPr>
           </a:lstStyle>
           <a:p>
-            <a:pPr indent="0" lvl="0" marL="0" rtl="0" algn="r">
+            <a:pPr marL="0" lvl="0" indent="0" algn="r" rtl="0">
               <a:spcBef>
                 <a:spcPts val="0"/>
               </a:spcBef>
@@ -5009,11 +5320,11 @@
 </file>
 
 <file path=ppt/slideLayouts/slideLayout8.xml><?xml version="1.0" encoding="utf-8"?>
-<p:sldLayout xmlns:a="http://schemas.openxmlformats.org/drawingml/2006/main" xmlns:r="http://schemas.openxmlformats.org/officeDocument/2006/relationships" xmlns:mc="http://schemas.openxmlformats.org/markup-compatibility/2006" xmlns:mv="urn:schemas-microsoft-com:mac:vml" xmlns:p="http://schemas.openxmlformats.org/presentationml/2006/main" xmlns:c="http://schemas.openxmlformats.org/drawingml/2006/chart" xmlns:dgm="http://schemas.openxmlformats.org/drawingml/2006/diagram" xmlns:o="urn:schemas-microsoft-com:office:office" xmlns:v="urn:schemas-microsoft-com:vml" xmlns:pvml="urn:schemas-microsoft-com:office:powerpoint" xmlns:com="http://schemas.openxmlformats.org/drawingml/2006/compatibility" xmlns:p14="http://schemas.microsoft.com/office/powerpoint/2010/main" xmlns:p15="http://schemas.microsoft.com/office/powerpoint/2012/main" xmlns:ahyp="http://schemas.microsoft.com/office/drawing/2018/hyperlinkcolor" matchingName="Section title and description">
+<p:sldLayout xmlns:a="http://schemas.openxmlformats.org/drawingml/2006/main" xmlns:r="http://schemas.openxmlformats.org/officeDocument/2006/relationships" xmlns:p="http://schemas.openxmlformats.org/presentationml/2006/main" matchingName="Section title and description">
   <p:cSld name="SECTION_TITLE_AND_DESCRIPTION">
     <p:spTree>
       <p:nvGrpSpPr>
-        <p:cNvPr id="39" name="Shape 39"/>
+        <p:cNvPr id="1" name="Shape 39"/>
         <p:cNvGrpSpPr/>
         <p:nvPr/>
       </p:nvGrpSpPr>
@@ -5047,12 +5358,12 @@
           </a:ln>
         </p:spPr>
         <p:txBody>
-          <a:bodyPr anchorCtr="0" anchor="ctr" bIns="91425" lIns="91425" spcFirstLastPara="1" rIns="91425" wrap="square" tIns="91425">
+          <a:bodyPr spcFirstLastPara="1" wrap="square" lIns="91425" tIns="91425" rIns="91425" bIns="91425" anchor="ctr" anchorCtr="0">
             <a:noAutofit/>
           </a:bodyPr>
           <a:lstStyle/>
           <a:p>
-            <a:pPr indent="0" lvl="0" marL="0" rtl="0" algn="l">
+            <a:pPr marL="0" lvl="0" indent="0" algn="l" rtl="0">
               <a:spcBef>
                 <a:spcPts val="0"/>
               </a:spcBef>
@@ -5061,9 +5372,6 @@
               </a:spcAft>
               <a:buNone/>
             </a:pPr>
-            <a:r>
-              <a:t/>
-            </a:r>
             <a:endParaRPr/>
           </a:p>
         </p:txBody>
@@ -5083,21 +5391,23 @@
             <a:avLst/>
           </a:prstGeom>
           <a:noFill/>
-          <a:ln cap="flat" cmpd="sng" w="19050">
+          <a:ln w="19050" cap="flat" cmpd="sng">
             <a:solidFill>
               <a:schemeClr val="lt1"/>
             </a:solidFill>
             <a:prstDash val="solid"/>
             <a:round/>
-            <a:headEnd len="sm" w="sm" type="none"/>
-            <a:tailEnd len="sm" w="sm" type="none"/>
+            <a:headEnd type="none" w="sm" len="sm"/>
+            <a:tailEnd type="none" w="sm" len="sm"/>
           </a:ln>
         </p:spPr>
       </p:cxnSp>
       <p:sp>
         <p:nvSpPr>
           <p:cNvPr id="42" name="Google Shape;42;p9"/>
-          <p:cNvSpPr txBox="1"/>
+          <p:cNvSpPr txBox="1">
+            <a:spLocks noGrp="1"/>
+          </p:cNvSpPr>
           <p:nvPr>
             <p:ph type="title"/>
           </p:nvPr>
@@ -5112,7 +5422,7 @@
           </a:prstGeom>
         </p:spPr>
         <p:txBody>
-          <a:bodyPr anchorCtr="0" anchor="b" bIns="91425" lIns="91425" spcFirstLastPara="1" rIns="91425" wrap="square" tIns="91425">
+          <a:bodyPr spcFirstLastPara="1" wrap="square" lIns="91425" tIns="91425" rIns="91425" bIns="91425" anchor="b" anchorCtr="0">
             <a:normAutofit/>
           </a:bodyPr>
           <a:lstStyle>
@@ -5216,15 +5526,19 @@
               <a:defRPr sz="4200"/>
             </a:lvl9pPr>
           </a:lstStyle>
-          <a:p/>
+          <a:p>
+            <a:endParaRPr/>
+          </a:p>
         </p:txBody>
       </p:sp>
       <p:sp>
         <p:nvSpPr>
           <p:cNvPr id="43" name="Google Shape;43;p9"/>
-          <p:cNvSpPr txBox="1"/>
+          <p:cNvSpPr txBox="1">
+            <a:spLocks noGrp="1"/>
+          </p:cNvSpPr>
           <p:nvPr>
-            <p:ph idx="1" type="subTitle"/>
+            <p:ph type="subTitle" idx="1"/>
           </p:nvPr>
         </p:nvSpPr>
         <p:spPr>
@@ -5237,7 +5551,7 @@
           </a:prstGeom>
         </p:spPr>
         <p:txBody>
-          <a:bodyPr anchorCtr="0" anchor="t" bIns="91425" lIns="91425" spcFirstLastPara="1" rIns="91425" wrap="square" tIns="91425">
+          <a:bodyPr spcFirstLastPara="1" wrap="square" lIns="91425" tIns="91425" rIns="91425" bIns="91425" anchor="t" anchorCtr="0">
             <a:normAutofit/>
           </a:bodyPr>
           <a:lstStyle>
@@ -5431,15 +5745,19 @@
               </a:defRPr>
             </a:lvl9pPr>
           </a:lstStyle>
-          <a:p/>
+          <a:p>
+            <a:endParaRPr/>
+          </a:p>
         </p:txBody>
       </p:sp>
       <p:sp>
         <p:nvSpPr>
           <p:cNvPr id="44" name="Google Shape;44;p9"/>
-          <p:cNvSpPr txBox="1"/>
+          <p:cNvSpPr txBox="1">
+            <a:spLocks noGrp="1"/>
+          </p:cNvSpPr>
           <p:nvPr>
-            <p:ph idx="2" type="body"/>
+            <p:ph type="body" idx="2"/>
           </p:nvPr>
         </p:nvSpPr>
         <p:spPr>
@@ -5452,11 +5770,11 @@
           </a:prstGeom>
         </p:spPr>
         <p:txBody>
-          <a:bodyPr anchorCtr="0" anchor="ctr" bIns="91425" lIns="91425" spcFirstLastPara="1" rIns="91425" wrap="square" tIns="91425">
+          <a:bodyPr spcFirstLastPara="1" wrap="square" lIns="91425" tIns="91425" rIns="91425" bIns="91425" anchor="ctr" anchorCtr="0">
             <a:normAutofit/>
           </a:bodyPr>
           <a:lstStyle>
-            <a:lvl1pPr indent="-342900" lvl="0" marL="457200">
+            <a:lvl1pPr marL="457200" lvl="0" indent="-342900">
               <a:spcBef>
                 <a:spcPts val="0"/>
               </a:spcBef>
@@ -5474,7 +5792,7 @@
                 </a:solidFill>
               </a:defRPr>
             </a:lvl1pPr>
-            <a:lvl2pPr indent="-317500" lvl="1" marL="914400">
+            <a:lvl2pPr marL="914400" lvl="1" indent="-317500">
               <a:spcBef>
                 <a:spcPts val="0"/>
               </a:spcBef>
@@ -5492,7 +5810,7 @@
                 </a:solidFill>
               </a:defRPr>
             </a:lvl2pPr>
-            <a:lvl3pPr indent="-317500" lvl="2" marL="1371600">
+            <a:lvl3pPr marL="1371600" lvl="2" indent="-317500">
               <a:spcBef>
                 <a:spcPts val="0"/>
               </a:spcBef>
@@ -5510,7 +5828,7 @@
                 </a:solidFill>
               </a:defRPr>
             </a:lvl3pPr>
-            <a:lvl4pPr indent="-317500" lvl="3" marL="1828800">
+            <a:lvl4pPr marL="1828800" lvl="3" indent="-317500">
               <a:spcBef>
                 <a:spcPts val="0"/>
               </a:spcBef>
@@ -5528,7 +5846,7 @@
                 </a:solidFill>
               </a:defRPr>
             </a:lvl4pPr>
-            <a:lvl5pPr indent="-317500" lvl="4" marL="2286000">
+            <a:lvl5pPr marL="2286000" lvl="4" indent="-317500">
               <a:spcBef>
                 <a:spcPts val="0"/>
               </a:spcBef>
@@ -5546,7 +5864,7 @@
                 </a:solidFill>
               </a:defRPr>
             </a:lvl5pPr>
-            <a:lvl6pPr indent="-317500" lvl="5" marL="2743200">
+            <a:lvl6pPr marL="2743200" lvl="5" indent="-317500">
               <a:spcBef>
                 <a:spcPts val="0"/>
               </a:spcBef>
@@ -5564,7 +5882,7 @@
                 </a:solidFill>
               </a:defRPr>
             </a:lvl6pPr>
-            <a:lvl7pPr indent="-317500" lvl="6" marL="3200400">
+            <a:lvl7pPr marL="3200400" lvl="6" indent="-317500">
               <a:spcBef>
                 <a:spcPts val="0"/>
               </a:spcBef>
@@ -5582,7 +5900,7 @@
                 </a:solidFill>
               </a:defRPr>
             </a:lvl7pPr>
-            <a:lvl8pPr indent="-317500" lvl="7" marL="3657600">
+            <a:lvl8pPr marL="3657600" lvl="7" indent="-317500">
               <a:spcBef>
                 <a:spcPts val="0"/>
               </a:spcBef>
@@ -5600,7 +5918,7 @@
                 </a:solidFill>
               </a:defRPr>
             </a:lvl8pPr>
-            <a:lvl9pPr indent="-317500" lvl="8" marL="4114800">
+            <a:lvl9pPr marL="4114800" lvl="8" indent="-317500">
               <a:spcBef>
                 <a:spcPts val="0"/>
               </a:spcBef>
@@ -5619,15 +5937,19 @@
               </a:defRPr>
             </a:lvl9pPr>
           </a:lstStyle>
-          <a:p/>
+          <a:p>
+            <a:endParaRPr/>
+          </a:p>
         </p:txBody>
       </p:sp>
       <p:sp>
         <p:nvSpPr>
           <p:cNvPr id="45" name="Google Shape;45;p9"/>
-          <p:cNvSpPr txBox="1"/>
+          <p:cNvSpPr txBox="1">
+            <a:spLocks noGrp="1"/>
+          </p:cNvSpPr>
           <p:nvPr>
-            <p:ph idx="12" type="sldNum"/>
+            <p:ph type="sldNum" idx="12"/>
           </p:nvPr>
         </p:nvSpPr>
         <p:spPr>
@@ -5640,7 +5962,7 @@
           </a:prstGeom>
         </p:spPr>
         <p:txBody>
-          <a:bodyPr anchorCtr="0" anchor="ctr" bIns="91425" lIns="91425" spcFirstLastPara="1" rIns="91425" wrap="square" tIns="91425">
+          <a:bodyPr spcFirstLastPara="1" wrap="square" lIns="91425" tIns="91425" rIns="91425" bIns="91425" anchor="ctr" anchorCtr="0">
             <a:normAutofit/>
           </a:bodyPr>
           <a:lstStyle>
@@ -5718,7 +6040,7 @@
             </a:lvl9pPr>
           </a:lstStyle>
           <a:p>
-            <a:pPr indent="0" lvl="0" marL="0" rtl="0" algn="r">
+            <a:pPr marL="0" lvl="0" indent="0" algn="r" rtl="0">
               <a:spcBef>
                 <a:spcPts val="0"/>
               </a:spcBef>
@@ -5744,11 +6066,11 @@
 </file>
 
 <file path=ppt/slideLayouts/slideLayout9.xml><?xml version="1.0" encoding="utf-8"?>
-<p:sldLayout xmlns:a="http://schemas.openxmlformats.org/drawingml/2006/main" xmlns:r="http://schemas.openxmlformats.org/officeDocument/2006/relationships" xmlns:mc="http://schemas.openxmlformats.org/markup-compatibility/2006" xmlns:mv="urn:schemas-microsoft-com:mac:vml" xmlns:p="http://schemas.openxmlformats.org/presentationml/2006/main" xmlns:c="http://schemas.openxmlformats.org/drawingml/2006/chart" xmlns:dgm="http://schemas.openxmlformats.org/drawingml/2006/diagram" xmlns:o="urn:schemas-microsoft-com:office:office" xmlns:v="urn:schemas-microsoft-com:vml" xmlns:pvml="urn:schemas-microsoft-com:office:powerpoint" xmlns:com="http://schemas.openxmlformats.org/drawingml/2006/compatibility" xmlns:p14="http://schemas.microsoft.com/office/powerpoint/2010/main" xmlns:p15="http://schemas.microsoft.com/office/powerpoint/2012/main" xmlns:ahyp="http://schemas.microsoft.com/office/drawing/2018/hyperlinkcolor" matchingName="Caption">
+<p:sldLayout xmlns:a="http://schemas.openxmlformats.org/drawingml/2006/main" xmlns:r="http://schemas.openxmlformats.org/officeDocument/2006/relationships" xmlns:p="http://schemas.openxmlformats.org/presentationml/2006/main" matchingName="Caption">
   <p:cSld name="CAPTION_ONLY">
     <p:spTree>
       <p:nvGrpSpPr>
-        <p:cNvPr id="46" name="Shape 46"/>
+        <p:cNvPr id="1" name="Shape 46"/>
         <p:cNvGrpSpPr/>
         <p:nvPr/>
       </p:nvGrpSpPr>
@@ -5763,9 +6085,11 @@
       <p:sp>
         <p:nvSpPr>
           <p:cNvPr id="47" name="Google Shape;47;p10"/>
-          <p:cNvSpPr txBox="1"/>
+          <p:cNvSpPr txBox="1">
+            <a:spLocks noGrp="1"/>
+          </p:cNvSpPr>
           <p:nvPr>
-            <p:ph idx="1" type="body"/>
+            <p:ph type="body" idx="1"/>
           </p:nvPr>
         </p:nvSpPr>
         <p:spPr>
@@ -5778,11 +6102,11 @@
           </a:prstGeom>
         </p:spPr>
         <p:txBody>
-          <a:bodyPr anchorCtr="0" anchor="ctr" bIns="91425" lIns="91425" spcFirstLastPara="1" rIns="91425" wrap="square" tIns="91425">
+          <a:bodyPr spcFirstLastPara="1" wrap="square" lIns="91425" tIns="91425" rIns="91425" bIns="91425" anchor="ctr" anchorCtr="0">
             <a:normAutofit/>
           </a:bodyPr>
           <a:lstStyle>
-            <a:lvl1pPr indent="-228600" lvl="0" marL="457200">
+            <a:lvl1pPr marL="457200" lvl="0" indent="-228600">
               <a:lnSpc>
                 <a:spcPct val="100000"/>
               </a:lnSpc>
@@ -5809,15 +6133,19 @@
               </a:defRPr>
             </a:lvl1pPr>
           </a:lstStyle>
-          <a:p/>
+          <a:p>
+            <a:endParaRPr/>
+          </a:p>
         </p:txBody>
       </p:sp>
       <p:sp>
         <p:nvSpPr>
           <p:cNvPr id="48" name="Google Shape;48;p10"/>
-          <p:cNvSpPr txBox="1"/>
+          <p:cNvSpPr txBox="1">
+            <a:spLocks noGrp="1"/>
+          </p:cNvSpPr>
           <p:nvPr>
-            <p:ph idx="12" type="sldNum"/>
+            <p:ph type="sldNum" idx="12"/>
           </p:nvPr>
         </p:nvSpPr>
         <p:spPr>
@@ -5830,7 +6158,7 @@
           </a:prstGeom>
         </p:spPr>
         <p:txBody>
-          <a:bodyPr anchorCtr="0" anchor="ctr" bIns="91425" lIns="91425" spcFirstLastPara="1" rIns="91425" wrap="square" tIns="91425">
+          <a:bodyPr spcFirstLastPara="1" wrap="square" lIns="91425" tIns="91425" rIns="91425" bIns="91425" anchor="ctr" anchorCtr="0">
             <a:normAutofit/>
           </a:bodyPr>
           <a:lstStyle>
@@ -5872,7 +6200,7 @@
             </a:lvl9pPr>
           </a:lstStyle>
           <a:p>
-            <a:pPr indent="0" lvl="0" marL="0" rtl="0" algn="r">
+            <a:pPr marL="0" lvl="0" indent="0" algn="r" rtl="0">
               <a:spcBef>
                 <a:spcPts val="0"/>
               </a:spcBef>
@@ -5898,18 +6226,19 @@
 </file>
 
 <file path=ppt/slideMasters/slideMaster1.xml><?xml version="1.0" encoding="utf-8"?>
-<p:sldMaster xmlns:a="http://schemas.openxmlformats.org/drawingml/2006/main" xmlns:r="http://schemas.openxmlformats.org/officeDocument/2006/relationships" xmlns:mc="http://schemas.openxmlformats.org/markup-compatibility/2006" xmlns:mv="urn:schemas-microsoft-com:mac:vml" xmlns:p="http://schemas.openxmlformats.org/presentationml/2006/main" xmlns:c="http://schemas.openxmlformats.org/drawingml/2006/chart" xmlns:dgm="http://schemas.openxmlformats.org/drawingml/2006/diagram" xmlns:o="urn:schemas-microsoft-com:office:office" xmlns:v="urn:schemas-microsoft-com:vml" xmlns:pvml="urn:schemas-microsoft-com:office:powerpoint" xmlns:com="http://schemas.openxmlformats.org/drawingml/2006/compatibility" xmlns:p14="http://schemas.microsoft.com/office/powerpoint/2010/main" xmlns:p15="http://schemas.microsoft.com/office/powerpoint/2012/main" xmlns:ahyp="http://schemas.microsoft.com/office/drawing/2018/hyperlinkcolor">
+<p:sldMaster xmlns:a="http://schemas.openxmlformats.org/drawingml/2006/main" xmlns:r="http://schemas.openxmlformats.org/officeDocument/2006/relationships" xmlns:p="http://schemas.openxmlformats.org/presentationml/2006/main">
   <p:cSld name="slate">
     <p:bg>
       <p:bgPr>
         <a:solidFill>
           <a:schemeClr val="lt1"/>
         </a:solidFill>
+        <a:effectLst/>
       </p:bgPr>
     </p:bg>
     <p:spTree>
       <p:nvGrpSpPr>
-        <p:cNvPr id="5" name="Shape 5"/>
+        <p:cNvPr id="1" name="Shape 5"/>
         <p:cNvGrpSpPr/>
         <p:nvPr/>
       </p:nvGrpSpPr>
@@ -5924,7 +6253,9 @@
       <p:sp>
         <p:nvSpPr>
           <p:cNvPr id="6" name="Google Shape;6;p1"/>
-          <p:cNvSpPr txBox="1"/>
+          <p:cNvSpPr txBox="1">
+            <a:spLocks noGrp="1"/>
+          </p:cNvSpPr>
           <p:nvPr>
             <p:ph type="title"/>
           </p:nvPr>
@@ -5943,7 +6274,7 @@
           </a:ln>
         </p:spPr>
         <p:txBody>
-          <a:bodyPr anchorCtr="0" anchor="t" bIns="91425" lIns="91425" spcFirstLastPara="1" rIns="91425" wrap="square" tIns="91425">
+          <a:bodyPr spcFirstLastPara="1" wrap="square" lIns="91425" tIns="91425" rIns="91425" bIns="91425" anchor="t" anchorCtr="0">
             <a:normAutofit/>
           </a:bodyPr>
           <a:lstStyle>
@@ -6155,15 +6486,19 @@
               </a:defRPr>
             </a:lvl9pPr>
           </a:lstStyle>
-          <a:p/>
+          <a:p>
+            <a:endParaRPr/>
+          </a:p>
         </p:txBody>
       </p:sp>
       <p:sp>
         <p:nvSpPr>
           <p:cNvPr id="7" name="Google Shape;7;p1"/>
-          <p:cNvSpPr txBox="1"/>
+          <p:cNvSpPr txBox="1">
+            <a:spLocks noGrp="1"/>
+          </p:cNvSpPr>
           <p:nvPr>
-            <p:ph idx="1" type="body"/>
+            <p:ph type="body" idx="1"/>
           </p:nvPr>
         </p:nvSpPr>
         <p:spPr>
@@ -6180,11 +6515,11 @@
           </a:ln>
         </p:spPr>
         <p:txBody>
-          <a:bodyPr anchorCtr="0" anchor="t" bIns="91425" lIns="91425" spcFirstLastPara="1" rIns="91425" wrap="square" tIns="91425">
+          <a:bodyPr spcFirstLastPara="1" wrap="square" lIns="91425" tIns="91425" rIns="91425" bIns="91425" anchor="t" anchorCtr="0">
             <a:normAutofit/>
           </a:bodyPr>
           <a:lstStyle>
-            <a:lvl1pPr indent="-342900" lvl="0" marL="457200">
+            <a:lvl1pPr marL="457200" lvl="0" indent="-342900">
               <a:lnSpc>
                 <a:spcPct val="115000"/>
               </a:lnSpc>
@@ -6210,7 +6545,7 @@
                 <a:sym typeface="Average"/>
               </a:defRPr>
             </a:lvl1pPr>
-            <a:lvl2pPr indent="-317500" lvl="1" marL="914400">
+            <a:lvl2pPr marL="914400" lvl="1" indent="-317500">
               <a:lnSpc>
                 <a:spcPct val="115000"/>
               </a:lnSpc>
@@ -6236,7 +6571,7 @@
                 <a:sym typeface="Average"/>
               </a:defRPr>
             </a:lvl2pPr>
-            <a:lvl3pPr indent="-317500" lvl="2" marL="1371600">
+            <a:lvl3pPr marL="1371600" lvl="2" indent="-317500">
               <a:lnSpc>
                 <a:spcPct val="115000"/>
               </a:lnSpc>
@@ -6262,7 +6597,7 @@
                 <a:sym typeface="Average"/>
               </a:defRPr>
             </a:lvl3pPr>
-            <a:lvl4pPr indent="-317500" lvl="3" marL="1828800">
+            <a:lvl4pPr marL="1828800" lvl="3" indent="-317500">
               <a:lnSpc>
                 <a:spcPct val="115000"/>
               </a:lnSpc>
@@ -6288,7 +6623,7 @@
                 <a:sym typeface="Average"/>
               </a:defRPr>
             </a:lvl4pPr>
-            <a:lvl5pPr indent="-317500" lvl="4" marL="2286000">
+            <a:lvl5pPr marL="2286000" lvl="4" indent="-317500">
               <a:lnSpc>
                 <a:spcPct val="115000"/>
               </a:lnSpc>
@@ -6314,7 +6649,7 @@
                 <a:sym typeface="Average"/>
               </a:defRPr>
             </a:lvl5pPr>
-            <a:lvl6pPr indent="-317500" lvl="5" marL="2743200">
+            <a:lvl6pPr marL="2743200" lvl="5" indent="-317500">
               <a:lnSpc>
                 <a:spcPct val="115000"/>
               </a:lnSpc>
@@ -6340,7 +6675,7 @@
                 <a:sym typeface="Average"/>
               </a:defRPr>
             </a:lvl6pPr>
-            <a:lvl7pPr indent="-317500" lvl="6" marL="3200400">
+            <a:lvl7pPr marL="3200400" lvl="6" indent="-317500">
               <a:lnSpc>
                 <a:spcPct val="115000"/>
               </a:lnSpc>
@@ -6366,7 +6701,7 @@
                 <a:sym typeface="Average"/>
               </a:defRPr>
             </a:lvl7pPr>
-            <a:lvl8pPr indent="-317500" lvl="7" marL="3657600">
+            <a:lvl8pPr marL="3657600" lvl="7" indent="-317500">
               <a:lnSpc>
                 <a:spcPct val="115000"/>
               </a:lnSpc>
@@ -6392,7 +6727,7 @@
                 <a:sym typeface="Average"/>
               </a:defRPr>
             </a:lvl8pPr>
-            <a:lvl9pPr indent="-317500" lvl="8" marL="4114800">
+            <a:lvl9pPr marL="4114800" lvl="8" indent="-317500">
               <a:lnSpc>
                 <a:spcPct val="115000"/>
               </a:lnSpc>
@@ -6419,15 +6754,19 @@
               </a:defRPr>
             </a:lvl9pPr>
           </a:lstStyle>
-          <a:p/>
+          <a:p>
+            <a:endParaRPr/>
+          </a:p>
         </p:txBody>
       </p:sp>
       <p:sp>
         <p:nvSpPr>
           <p:cNvPr id="8" name="Google Shape;8;p1"/>
-          <p:cNvSpPr txBox="1"/>
+          <p:cNvSpPr txBox="1">
+            <a:spLocks noGrp="1"/>
+          </p:cNvSpPr>
           <p:nvPr>
-            <p:ph idx="12" type="sldNum"/>
+            <p:ph type="sldNum" idx="12"/>
           </p:nvPr>
         </p:nvSpPr>
         <p:spPr>
@@ -6444,7 +6783,7 @@
           </a:ln>
         </p:spPr>
         <p:txBody>
-          <a:bodyPr anchorCtr="0" anchor="ctr" bIns="91425" lIns="91425" spcFirstLastPara="1" rIns="91425" wrap="square" tIns="91425">
+          <a:bodyPr spcFirstLastPara="1" wrap="square" lIns="91425" tIns="91425" rIns="91425" bIns="91425" anchor="ctr" anchorCtr="0">
             <a:normAutofit/>
           </a:bodyPr>
           <a:lstStyle>
@@ -6558,7 +6897,7 @@
             </a:lvl9pPr>
           </a:lstStyle>
           <a:p>
-            <a:pPr indent="0" lvl="0" marL="0" rtl="0" algn="r">
+            <a:pPr marL="0" lvl="0" indent="0" algn="r" rtl="0">
               <a:spcBef>
                 <a:spcPts val="0"/>
               </a:spcBef>
@@ -6577,7 +6916,7 @@
       </p:sp>
     </p:spTree>
   </p:cSld>
-  <p:clrMap accent1="accent1" accent2="accent2" accent3="accent3" accent4="accent4" accent5="accent5" accent6="accent6" bg1="lt1" bg2="dk2" tx1="dk1" tx2="lt2" folHlink="folHlink" hlink="hlink"/>
+  <p:clrMap bg1="lt1" tx1="dk1" bg2="dk2" tx2="lt2" accent1="accent1" accent2="accent2" accent3="accent3" accent4="accent4" accent5="accent5" accent6="accent6" hlink="hlink" folHlink="folHlink"/>
   <p:sldLayoutIdLst>
     <p:sldLayoutId id="2147483648" r:id="rId1"/>
     <p:sldLayoutId id="2147483649" r:id="rId2"/>
@@ -6591,10 +6930,10 @@
     <p:sldLayoutId id="2147483657" r:id="rId10"/>
     <p:sldLayoutId id="2147483658" r:id="rId11"/>
   </p:sldLayoutIdLst>
-  <p:hf dt="0" ftr="0" hdr="0" sldNum="0"/>
+  <p:hf sldNum="0" hdr="0" ftr="0" dt="0"/>
   <p:txStyles>
     <p:titleStyle>
-      <a:defPPr lvl="0" marR="0" rtl="0" algn="l">
+      <a:defPPr marR="0" lvl="0" algn="l" rtl="0">
         <a:lnSpc>
           <a:spcPct val="100000"/>
         </a:lnSpc>
@@ -6605,7 +6944,7 @@
           <a:spcPts val="0"/>
         </a:spcAft>
       </a:defPPr>
-      <a:lvl1pPr lvl="0" marR="0" rtl="0" algn="l">
+      <a:lvl1pPr marR="0" lvl="0" algn="l" rtl="0">
         <a:lnSpc>
           <a:spcPct val="100000"/>
         </a:lnSpc>
@@ -6619,7 +6958,7 @@
           <a:srgbClr val="000000"/>
         </a:buClr>
         <a:buFont typeface="Arial"/>
-        <a:defRPr b="0" i="0" sz="1400" u="none" cap="none" strike="noStrike">
+        <a:defRPr sz="1400" b="0" i="0" u="none" strike="noStrike" cap="none">
           <a:solidFill>
             <a:srgbClr val="000000"/>
           </a:solidFill>
@@ -6629,7 +6968,7 @@
           <a:sym typeface="Arial"/>
         </a:defRPr>
       </a:lvl1pPr>
-      <a:lvl2pPr lvl="1" marR="0" rtl="0" algn="l">
+      <a:lvl2pPr marR="0" lvl="1" algn="l" rtl="0">
         <a:lnSpc>
           <a:spcPct val="100000"/>
         </a:lnSpc>
@@ -6643,7 +6982,7 @@
           <a:srgbClr val="000000"/>
         </a:buClr>
         <a:buFont typeface="Arial"/>
-        <a:defRPr b="0" i="0" sz="1400" u="none" cap="none" strike="noStrike">
+        <a:defRPr sz="1400" b="0" i="0" u="none" strike="noStrike" cap="none">
           <a:solidFill>
             <a:srgbClr val="000000"/>
           </a:solidFill>
@@ -6653,7 +6992,7 @@
           <a:sym typeface="Arial"/>
         </a:defRPr>
       </a:lvl2pPr>
-      <a:lvl3pPr lvl="2" marR="0" rtl="0" algn="l">
+      <a:lvl3pPr marR="0" lvl="2" algn="l" rtl="0">
         <a:lnSpc>
           <a:spcPct val="100000"/>
         </a:lnSpc>
@@ -6667,7 +7006,7 @@
           <a:srgbClr val="000000"/>
         </a:buClr>
         <a:buFont typeface="Arial"/>
-        <a:defRPr b="0" i="0" sz="1400" u="none" cap="none" strike="noStrike">
+        <a:defRPr sz="1400" b="0" i="0" u="none" strike="noStrike" cap="none">
           <a:solidFill>
             <a:srgbClr val="000000"/>
           </a:solidFill>
@@ -6677,7 +7016,7 @@
           <a:sym typeface="Arial"/>
         </a:defRPr>
       </a:lvl3pPr>
-      <a:lvl4pPr lvl="3" marR="0" rtl="0" algn="l">
+      <a:lvl4pPr marR="0" lvl="3" algn="l" rtl="0">
         <a:lnSpc>
           <a:spcPct val="100000"/>
         </a:lnSpc>
@@ -6691,7 +7030,7 @@
           <a:srgbClr val="000000"/>
         </a:buClr>
         <a:buFont typeface="Arial"/>
-        <a:defRPr b="0" i="0" sz="1400" u="none" cap="none" strike="noStrike">
+        <a:defRPr sz="1400" b="0" i="0" u="none" strike="noStrike" cap="none">
           <a:solidFill>
             <a:srgbClr val="000000"/>
           </a:solidFill>
@@ -6701,7 +7040,7 @@
           <a:sym typeface="Arial"/>
         </a:defRPr>
       </a:lvl4pPr>
-      <a:lvl5pPr lvl="4" marR="0" rtl="0" algn="l">
+      <a:lvl5pPr marR="0" lvl="4" algn="l" rtl="0">
         <a:lnSpc>
           <a:spcPct val="100000"/>
         </a:lnSpc>
@@ -6715,7 +7054,7 @@
           <a:srgbClr val="000000"/>
         </a:buClr>
         <a:buFont typeface="Arial"/>
-        <a:defRPr b="0" i="0" sz="1400" u="none" cap="none" strike="noStrike">
+        <a:defRPr sz="1400" b="0" i="0" u="none" strike="noStrike" cap="none">
           <a:solidFill>
             <a:srgbClr val="000000"/>
           </a:solidFill>
@@ -6725,7 +7064,7 @@
           <a:sym typeface="Arial"/>
         </a:defRPr>
       </a:lvl5pPr>
-      <a:lvl6pPr lvl="5" marR="0" rtl="0" algn="l">
+      <a:lvl6pPr marR="0" lvl="5" algn="l" rtl="0">
         <a:lnSpc>
           <a:spcPct val="100000"/>
         </a:lnSpc>
@@ -6739,7 +7078,7 @@
           <a:srgbClr val="000000"/>
         </a:buClr>
         <a:buFont typeface="Arial"/>
-        <a:defRPr b="0" i="0" sz="1400" u="none" cap="none" strike="noStrike">
+        <a:defRPr sz="1400" b="0" i="0" u="none" strike="noStrike" cap="none">
           <a:solidFill>
             <a:srgbClr val="000000"/>
           </a:solidFill>
@@ -6749,7 +7088,7 @@
           <a:sym typeface="Arial"/>
         </a:defRPr>
       </a:lvl6pPr>
-      <a:lvl7pPr lvl="6" marR="0" rtl="0" algn="l">
+      <a:lvl7pPr marR="0" lvl="6" algn="l" rtl="0">
         <a:lnSpc>
           <a:spcPct val="100000"/>
         </a:lnSpc>
@@ -6763,7 +7102,7 @@
           <a:srgbClr val="000000"/>
         </a:buClr>
         <a:buFont typeface="Arial"/>
-        <a:defRPr b="0" i="0" sz="1400" u="none" cap="none" strike="noStrike">
+        <a:defRPr sz="1400" b="0" i="0" u="none" strike="noStrike" cap="none">
           <a:solidFill>
             <a:srgbClr val="000000"/>
           </a:solidFill>
@@ -6773,7 +7112,7 @@
           <a:sym typeface="Arial"/>
         </a:defRPr>
       </a:lvl7pPr>
-      <a:lvl8pPr lvl="7" marR="0" rtl="0" algn="l">
+      <a:lvl8pPr marR="0" lvl="7" algn="l" rtl="0">
         <a:lnSpc>
           <a:spcPct val="100000"/>
         </a:lnSpc>
@@ -6787,7 +7126,7 @@
           <a:srgbClr val="000000"/>
         </a:buClr>
         <a:buFont typeface="Arial"/>
-        <a:defRPr b="0" i="0" sz="1400" u="none" cap="none" strike="noStrike">
+        <a:defRPr sz="1400" b="0" i="0" u="none" strike="noStrike" cap="none">
           <a:solidFill>
             <a:srgbClr val="000000"/>
           </a:solidFill>
@@ -6797,7 +7136,7 @@
           <a:sym typeface="Arial"/>
         </a:defRPr>
       </a:lvl8pPr>
-      <a:lvl9pPr lvl="8" marR="0" rtl="0" algn="l">
+      <a:lvl9pPr marR="0" lvl="8" algn="l" rtl="0">
         <a:lnSpc>
           <a:spcPct val="100000"/>
         </a:lnSpc>
@@ -6811,7 +7150,7 @@
           <a:srgbClr val="000000"/>
         </a:buClr>
         <a:buFont typeface="Arial"/>
-        <a:defRPr b="0" i="0" sz="1400" u="none" cap="none" strike="noStrike">
+        <a:defRPr sz="1400" b="0" i="0" u="none" strike="noStrike" cap="none">
           <a:solidFill>
             <a:srgbClr val="000000"/>
           </a:solidFill>
@@ -6823,7 +7162,7 @@
       </a:lvl9pPr>
     </p:titleStyle>
     <p:bodyStyle>
-      <a:defPPr lvl="0" marR="0" rtl="0" algn="l">
+      <a:defPPr marR="0" lvl="0" algn="l" rtl="0">
         <a:lnSpc>
           <a:spcPct val="100000"/>
         </a:lnSpc>
@@ -6834,7 +7173,7 @@
           <a:spcPts val="0"/>
         </a:spcAft>
       </a:defPPr>
-      <a:lvl1pPr lvl="0" marR="0" rtl="0" algn="l">
+      <a:lvl1pPr marR="0" lvl="0" algn="l" rtl="0">
         <a:lnSpc>
           <a:spcPct val="100000"/>
         </a:lnSpc>
@@ -6848,7 +7187,7 @@
           <a:srgbClr val="000000"/>
         </a:buClr>
         <a:buFont typeface="Arial"/>
-        <a:defRPr b="0" i="0" sz="1400" u="none" cap="none" strike="noStrike">
+        <a:defRPr sz="1400" b="0" i="0" u="none" strike="noStrike" cap="none">
           <a:solidFill>
             <a:srgbClr val="000000"/>
           </a:solidFill>
@@ -6858,7 +7197,7 @@
           <a:sym typeface="Arial"/>
         </a:defRPr>
       </a:lvl1pPr>
-      <a:lvl2pPr lvl="1" marR="0" rtl="0" algn="l">
+      <a:lvl2pPr marR="0" lvl="1" algn="l" rtl="0">
         <a:lnSpc>
           <a:spcPct val="100000"/>
         </a:lnSpc>
@@ -6872,7 +7211,7 @@
           <a:srgbClr val="000000"/>
         </a:buClr>
         <a:buFont typeface="Arial"/>
-        <a:defRPr b="0" i="0" sz="1400" u="none" cap="none" strike="noStrike">
+        <a:defRPr sz="1400" b="0" i="0" u="none" strike="noStrike" cap="none">
           <a:solidFill>
             <a:srgbClr val="000000"/>
           </a:solidFill>
@@ -6882,7 +7221,7 @@
           <a:sym typeface="Arial"/>
         </a:defRPr>
       </a:lvl2pPr>
-      <a:lvl3pPr lvl="2" marR="0" rtl="0" algn="l">
+      <a:lvl3pPr marR="0" lvl="2" algn="l" rtl="0">
         <a:lnSpc>
           <a:spcPct val="100000"/>
         </a:lnSpc>
@@ -6896,7 +7235,7 @@
           <a:srgbClr val="000000"/>
         </a:buClr>
         <a:buFont typeface="Arial"/>
-        <a:defRPr b="0" i="0" sz="1400" u="none" cap="none" strike="noStrike">
+        <a:defRPr sz="1400" b="0" i="0" u="none" strike="noStrike" cap="none">
           <a:solidFill>
             <a:srgbClr val="000000"/>
           </a:solidFill>
@@ -6906,7 +7245,7 @@
           <a:sym typeface="Arial"/>
         </a:defRPr>
       </a:lvl3pPr>
-      <a:lvl4pPr lvl="3" marR="0" rtl="0" algn="l">
+      <a:lvl4pPr marR="0" lvl="3" algn="l" rtl="0">
         <a:lnSpc>
           <a:spcPct val="100000"/>
         </a:lnSpc>
@@ -6920,7 +7259,7 @@
           <a:srgbClr val="000000"/>
         </a:buClr>
         <a:buFont typeface="Arial"/>
-        <a:defRPr b="0" i="0" sz="1400" u="none" cap="none" strike="noStrike">
+        <a:defRPr sz="1400" b="0" i="0" u="none" strike="noStrike" cap="none">
           <a:solidFill>
             <a:srgbClr val="000000"/>
           </a:solidFill>
@@ -6930,7 +7269,7 @@
           <a:sym typeface="Arial"/>
         </a:defRPr>
       </a:lvl4pPr>
-      <a:lvl5pPr lvl="4" marR="0" rtl="0" algn="l">
+      <a:lvl5pPr marR="0" lvl="4" algn="l" rtl="0">
         <a:lnSpc>
           <a:spcPct val="100000"/>
         </a:lnSpc>
@@ -6944,7 +7283,7 @@
           <a:srgbClr val="000000"/>
         </a:buClr>
         <a:buFont typeface="Arial"/>
-        <a:defRPr b="0" i="0" sz="1400" u="none" cap="none" strike="noStrike">
+        <a:defRPr sz="1400" b="0" i="0" u="none" strike="noStrike" cap="none">
           <a:solidFill>
             <a:srgbClr val="000000"/>
           </a:solidFill>
@@ -6954,7 +7293,7 @@
           <a:sym typeface="Arial"/>
         </a:defRPr>
       </a:lvl5pPr>
-      <a:lvl6pPr lvl="5" marR="0" rtl="0" algn="l">
+      <a:lvl6pPr marR="0" lvl="5" algn="l" rtl="0">
         <a:lnSpc>
           <a:spcPct val="100000"/>
         </a:lnSpc>
@@ -6968,7 +7307,7 @@
           <a:srgbClr val="000000"/>
         </a:buClr>
         <a:buFont typeface="Arial"/>
-        <a:defRPr b="0" i="0" sz="1400" u="none" cap="none" strike="noStrike">
+        <a:defRPr sz="1400" b="0" i="0" u="none" strike="noStrike" cap="none">
           <a:solidFill>
             <a:srgbClr val="000000"/>
           </a:solidFill>
@@ -6978,7 +7317,7 @@
           <a:sym typeface="Arial"/>
         </a:defRPr>
       </a:lvl6pPr>
-      <a:lvl7pPr lvl="6" marR="0" rtl="0" algn="l">
+      <a:lvl7pPr marR="0" lvl="6" algn="l" rtl="0">
         <a:lnSpc>
           <a:spcPct val="100000"/>
         </a:lnSpc>
@@ -6992,7 +7331,7 @@
           <a:srgbClr val="000000"/>
         </a:buClr>
         <a:buFont typeface="Arial"/>
-        <a:defRPr b="0" i="0" sz="1400" u="none" cap="none" strike="noStrike">
+        <a:defRPr sz="1400" b="0" i="0" u="none" strike="noStrike" cap="none">
           <a:solidFill>
             <a:srgbClr val="000000"/>
           </a:solidFill>
@@ -7002,7 +7341,7 @@
           <a:sym typeface="Arial"/>
         </a:defRPr>
       </a:lvl7pPr>
-      <a:lvl8pPr lvl="7" marR="0" rtl="0" algn="l">
+      <a:lvl8pPr marR="0" lvl="7" algn="l" rtl="0">
         <a:lnSpc>
           <a:spcPct val="100000"/>
         </a:lnSpc>
@@ -7016,7 +7355,7 @@
           <a:srgbClr val="000000"/>
         </a:buClr>
         <a:buFont typeface="Arial"/>
-        <a:defRPr b="0" i="0" sz="1400" u="none" cap="none" strike="noStrike">
+        <a:defRPr sz="1400" b="0" i="0" u="none" strike="noStrike" cap="none">
           <a:solidFill>
             <a:srgbClr val="000000"/>
           </a:solidFill>
@@ -7026,7 +7365,7 @@
           <a:sym typeface="Arial"/>
         </a:defRPr>
       </a:lvl8pPr>
-      <a:lvl9pPr lvl="8" marR="0" rtl="0" algn="l">
+      <a:lvl9pPr marR="0" lvl="8" algn="l" rtl="0">
         <a:lnSpc>
           <a:spcPct val="100000"/>
         </a:lnSpc>
@@ -7040,7 +7379,7 @@
           <a:srgbClr val="000000"/>
         </a:buClr>
         <a:buFont typeface="Arial"/>
-        <a:defRPr b="0" i="0" sz="1400" u="none" cap="none" strike="noStrike">
+        <a:defRPr sz="1400" b="0" i="0" u="none" strike="noStrike" cap="none">
           <a:solidFill>
             <a:srgbClr val="000000"/>
           </a:solidFill>
@@ -7052,7 +7391,7 @@
       </a:lvl9pPr>
     </p:bodyStyle>
     <p:otherStyle>
-      <a:defPPr lvl="0" marR="0" rtl="0" algn="l">
+      <a:defPPr marR="0" lvl="0" algn="l" rtl="0">
         <a:lnSpc>
           <a:spcPct val="100000"/>
         </a:lnSpc>
@@ -7063,7 +7402,7 @@
           <a:spcPts val="0"/>
         </a:spcAft>
       </a:defPPr>
-      <a:lvl1pPr lvl="0" marR="0" rtl="0" algn="l">
+      <a:lvl1pPr marR="0" lvl="0" algn="l" rtl="0">
         <a:lnSpc>
           <a:spcPct val="100000"/>
         </a:lnSpc>
@@ -7077,7 +7416,7 @@
           <a:srgbClr val="000000"/>
         </a:buClr>
         <a:buFont typeface="Arial"/>
-        <a:defRPr b="0" i="0" sz="1400" u="none" cap="none" strike="noStrike">
+        <a:defRPr sz="1400" b="0" i="0" u="none" strike="noStrike" cap="none">
           <a:solidFill>
             <a:srgbClr val="000000"/>
           </a:solidFill>
@@ -7087,7 +7426,7 @@
           <a:sym typeface="Arial"/>
         </a:defRPr>
       </a:lvl1pPr>
-      <a:lvl2pPr lvl="1" marR="0" rtl="0" algn="l">
+      <a:lvl2pPr marR="0" lvl="1" algn="l" rtl="0">
         <a:lnSpc>
           <a:spcPct val="100000"/>
         </a:lnSpc>
@@ -7101,7 +7440,7 @@
           <a:srgbClr val="000000"/>
         </a:buClr>
         <a:buFont typeface="Arial"/>
-        <a:defRPr b="0" i="0" sz="1400" u="none" cap="none" strike="noStrike">
+        <a:defRPr sz="1400" b="0" i="0" u="none" strike="noStrike" cap="none">
           <a:solidFill>
             <a:srgbClr val="000000"/>
           </a:solidFill>
@@ -7111,7 +7450,7 @@
           <a:sym typeface="Arial"/>
         </a:defRPr>
       </a:lvl2pPr>
-      <a:lvl3pPr lvl="2" marR="0" rtl="0" algn="l">
+      <a:lvl3pPr marR="0" lvl="2" algn="l" rtl="0">
         <a:lnSpc>
           <a:spcPct val="100000"/>
         </a:lnSpc>
@@ -7125,7 +7464,7 @@
           <a:srgbClr val="000000"/>
         </a:buClr>
         <a:buFont typeface="Arial"/>
-        <a:defRPr b="0" i="0" sz="1400" u="none" cap="none" strike="noStrike">
+        <a:defRPr sz="1400" b="0" i="0" u="none" strike="noStrike" cap="none">
           <a:solidFill>
             <a:srgbClr val="000000"/>
           </a:solidFill>
@@ -7135,7 +7474,7 @@
           <a:sym typeface="Arial"/>
         </a:defRPr>
       </a:lvl3pPr>
-      <a:lvl4pPr lvl="3" marR="0" rtl="0" algn="l">
+      <a:lvl4pPr marR="0" lvl="3" algn="l" rtl="0">
         <a:lnSpc>
           <a:spcPct val="100000"/>
         </a:lnSpc>
@@ -7149,7 +7488,7 @@
           <a:srgbClr val="000000"/>
         </a:buClr>
         <a:buFont typeface="Arial"/>
-        <a:defRPr b="0" i="0" sz="1400" u="none" cap="none" strike="noStrike">
+        <a:defRPr sz="1400" b="0" i="0" u="none" strike="noStrike" cap="none">
           <a:solidFill>
             <a:srgbClr val="000000"/>
           </a:solidFill>
@@ -7159,7 +7498,7 @@
           <a:sym typeface="Arial"/>
         </a:defRPr>
       </a:lvl4pPr>
-      <a:lvl5pPr lvl="4" marR="0" rtl="0" algn="l">
+      <a:lvl5pPr marR="0" lvl="4" algn="l" rtl="0">
         <a:lnSpc>
           <a:spcPct val="100000"/>
         </a:lnSpc>
@@ -7173,7 +7512,7 @@
           <a:srgbClr val="000000"/>
         </a:buClr>
         <a:buFont typeface="Arial"/>
-        <a:defRPr b="0" i="0" sz="1400" u="none" cap="none" strike="noStrike">
+        <a:defRPr sz="1400" b="0" i="0" u="none" strike="noStrike" cap="none">
           <a:solidFill>
             <a:srgbClr val="000000"/>
           </a:solidFill>
@@ -7183,7 +7522,7 @@
           <a:sym typeface="Arial"/>
         </a:defRPr>
       </a:lvl5pPr>
-      <a:lvl6pPr lvl="5" marR="0" rtl="0" algn="l">
+      <a:lvl6pPr marR="0" lvl="5" algn="l" rtl="0">
         <a:lnSpc>
           <a:spcPct val="100000"/>
         </a:lnSpc>
@@ -7197,7 +7536,7 @@
           <a:srgbClr val="000000"/>
         </a:buClr>
         <a:buFont typeface="Arial"/>
-        <a:defRPr b="0" i="0" sz="1400" u="none" cap="none" strike="noStrike">
+        <a:defRPr sz="1400" b="0" i="0" u="none" strike="noStrike" cap="none">
           <a:solidFill>
             <a:srgbClr val="000000"/>
           </a:solidFill>
@@ -7207,7 +7546,7 @@
           <a:sym typeface="Arial"/>
         </a:defRPr>
       </a:lvl6pPr>
-      <a:lvl7pPr lvl="6" marR="0" rtl="0" algn="l">
+      <a:lvl7pPr marR="0" lvl="6" algn="l" rtl="0">
         <a:lnSpc>
           <a:spcPct val="100000"/>
         </a:lnSpc>
@@ -7221,7 +7560,7 @@
           <a:srgbClr val="000000"/>
         </a:buClr>
         <a:buFont typeface="Arial"/>
-        <a:defRPr b="0" i="0" sz="1400" u="none" cap="none" strike="noStrike">
+        <a:defRPr sz="1400" b="0" i="0" u="none" strike="noStrike" cap="none">
           <a:solidFill>
             <a:srgbClr val="000000"/>
           </a:solidFill>
@@ -7231,7 +7570,7 @@
           <a:sym typeface="Arial"/>
         </a:defRPr>
       </a:lvl7pPr>
-      <a:lvl8pPr lvl="7" marR="0" rtl="0" algn="l">
+      <a:lvl8pPr marR="0" lvl="7" algn="l" rtl="0">
         <a:lnSpc>
           <a:spcPct val="100000"/>
         </a:lnSpc>
@@ -7245,7 +7584,7 @@
           <a:srgbClr val="000000"/>
         </a:buClr>
         <a:buFont typeface="Arial"/>
-        <a:defRPr b="0" i="0" sz="1400" u="none" cap="none" strike="noStrike">
+        <a:defRPr sz="1400" b="0" i="0" u="none" strike="noStrike" cap="none">
           <a:solidFill>
             <a:srgbClr val="000000"/>
           </a:solidFill>
@@ -7255,7 +7594,7 @@
           <a:sym typeface="Arial"/>
         </a:defRPr>
       </a:lvl8pPr>
-      <a:lvl9pPr lvl="8" marR="0" rtl="0" algn="l">
+      <a:lvl9pPr marR="0" lvl="8" algn="l" rtl="0">
         <a:lnSpc>
           <a:spcPct val="100000"/>
         </a:lnSpc>
@@ -7269,7 +7608,7 @@
           <a:srgbClr val="000000"/>
         </a:buClr>
         <a:buFont typeface="Arial"/>
-        <a:defRPr b="0" i="0" sz="1400" u="none" cap="none" strike="noStrike">
+        <a:defRPr sz="1400" b="0" i="0" u="none" strike="noStrike" cap="none">
           <a:solidFill>
             <a:srgbClr val="000000"/>
           </a:solidFill>
@@ -7285,11 +7624,11 @@
 </file>
 
 <file path=ppt/slides/slide1.xml><?xml version="1.0" encoding="utf-8"?>
-<p:sld xmlns:a="http://schemas.openxmlformats.org/drawingml/2006/main" xmlns:r="http://schemas.openxmlformats.org/officeDocument/2006/relationships" xmlns:mc="http://schemas.openxmlformats.org/markup-compatibility/2006" xmlns:mv="urn:schemas-microsoft-com:mac:vml" xmlns:p="http://schemas.openxmlformats.org/presentationml/2006/main" xmlns:c="http://schemas.openxmlformats.org/drawingml/2006/chart" xmlns:dgm="http://schemas.openxmlformats.org/drawingml/2006/diagram" xmlns:o="urn:schemas-microsoft-com:office:office" xmlns:v="urn:schemas-microsoft-com:vml" xmlns:pvml="urn:schemas-microsoft-com:office:powerpoint" xmlns:com="http://schemas.openxmlformats.org/drawingml/2006/compatibility" xmlns:p14="http://schemas.microsoft.com/office/powerpoint/2010/main" xmlns:p15="http://schemas.microsoft.com/office/powerpoint/2012/main" xmlns:ahyp="http://schemas.microsoft.com/office/drawing/2018/hyperlinkcolor">
+<p:sld xmlns:a="http://schemas.openxmlformats.org/drawingml/2006/main" xmlns:r="http://schemas.openxmlformats.org/officeDocument/2006/relationships" xmlns:p="http://schemas.openxmlformats.org/presentationml/2006/main">
   <p:cSld>
     <p:spTree>
       <p:nvGrpSpPr>
-        <p:cNvPr id="58" name="Shape 58"/>
+        <p:cNvPr id="1" name="Shape 58"/>
         <p:cNvGrpSpPr/>
         <p:nvPr/>
       </p:nvGrpSpPr>
@@ -7304,7 +7643,9 @@
       <p:sp>
         <p:nvSpPr>
           <p:cNvPr id="59" name="Google Shape;59;p13"/>
-          <p:cNvSpPr txBox="1"/>
+          <p:cNvSpPr txBox="1">
+            <a:spLocks noGrp="1"/>
+          </p:cNvSpPr>
           <p:nvPr>
             <p:ph type="ctrTitle"/>
           </p:nvPr>
@@ -7319,12 +7660,12 @@
           </a:prstGeom>
         </p:spPr>
         <p:txBody>
-          <a:bodyPr anchorCtr="0" anchor="b" bIns="91425" lIns="91425" spcFirstLastPara="1" rIns="91425" wrap="square" tIns="91425">
+          <a:bodyPr spcFirstLastPara="1" wrap="square" lIns="91425" tIns="91425" rIns="91425" bIns="91425" anchor="b" anchorCtr="0">
             <a:normAutofit/>
           </a:bodyPr>
           <a:lstStyle/>
           <a:p>
-            <a:pPr indent="0" lvl="0" marL="0" rtl="0" algn="ctr">
+            <a:pPr marL="0" lvl="0" indent="0" algn="ctr" rtl="0">
               <a:spcBef>
                 <a:spcPts val="0"/>
               </a:spcBef>
@@ -7344,9 +7685,11 @@
       <p:sp>
         <p:nvSpPr>
           <p:cNvPr id="60" name="Google Shape;60;p13"/>
-          <p:cNvSpPr txBox="1"/>
+          <p:cNvSpPr txBox="1">
+            <a:spLocks noGrp="1"/>
+          </p:cNvSpPr>
           <p:nvPr>
-            <p:ph idx="1" type="subTitle"/>
+            <p:ph type="subTitle" idx="1"/>
           </p:nvPr>
         </p:nvSpPr>
         <p:spPr>
@@ -7359,12 +7702,12 @@
           </a:prstGeom>
         </p:spPr>
         <p:txBody>
-          <a:bodyPr anchorCtr="0" anchor="t" bIns="91425" lIns="91425" spcFirstLastPara="1" rIns="91425" wrap="square" tIns="91425">
+          <a:bodyPr spcFirstLastPara="1" wrap="square" lIns="91425" tIns="91425" rIns="91425" bIns="91425" anchor="t" anchorCtr="0">
             <a:normAutofit lnSpcReduction="10000"/>
           </a:bodyPr>
           <a:lstStyle/>
           <a:p>
-            <a:pPr indent="0" lvl="0" marL="0" rtl="0" algn="ctr">
+            <a:pPr marL="0" lvl="0" indent="0" algn="ctr" rtl="0">
               <a:spcBef>
                 <a:spcPts val="0"/>
               </a:spcBef>
@@ -7380,7 +7723,7 @@
             <a:endParaRPr/>
           </a:p>
           <a:p>
-            <a:pPr indent="0" lvl="0" marL="0" rtl="0" algn="ctr">
+            <a:pPr marL="0" lvl="0" indent="0" algn="ctr" rtl="0">
               <a:spcBef>
                 <a:spcPts val="0"/>
               </a:spcBef>
@@ -7430,13 +7773,13 @@
   <p:clrMapOvr>
     <a:masterClrMapping/>
   </p:clrMapOvr>
-  <mc:AlternateContent>
+  <mc:AlternateContent xmlns:mc="http://schemas.openxmlformats.org/markup-compatibility/2006" xmlns:p14="http://schemas.microsoft.com/office/powerpoint/2010/main">
     <mc:Choice Requires="p14">
-      <p:transition spd="slow" p14:dur="1000">
+      <p:transition spd="slow">
         <p14:flip dir="l"/>
       </p:transition>
     </mc:Choice>
-    <mc:Fallback>
+    <mc:Fallback xmlns:ahyp="http://schemas.microsoft.com/office/drawing/2018/hyperlinkcolor" xmlns:p15="http://schemas.microsoft.com/office/powerpoint/2012/main" xmlns:com="http://schemas.openxmlformats.org/drawingml/2006/compatibility" xmlns:pvml="urn:schemas-microsoft-com:office:powerpoint" xmlns:v="urn:schemas-microsoft-com:vml" xmlns:o="urn:schemas-microsoft-com:office:office" xmlns:dgm="http://schemas.openxmlformats.org/drawingml/2006/diagram" xmlns:c="http://schemas.openxmlformats.org/drawingml/2006/chart" xmlns:mv="urn:schemas-microsoft-com:mac:vml" xmlns="">
       <p:transition spd="slow">
         <p:fade/>
       </p:transition>
@@ -7445,32 +7788,32 @@
   <p:timing>
     <p:tnLst>
       <p:par>
-        <p:cTn dur="indefinite" nodeType="tmRoot" restart="never">
+        <p:cTn id="1" dur="indefinite" restart="never" nodeType="tmRoot">
           <p:childTnLst>
             <p:seq concurrent="1" nextAc="seek">
-              <p:cTn dur="indefinite" id="2" nodeType="mainSeq">
+              <p:cTn id="2" dur="indefinite" nodeType="mainSeq">
                 <p:childTnLst>
                   <p:par>
-                    <p:cTn fill="hold">
+                    <p:cTn id="3" fill="hold">
                       <p:stCondLst>
                         <p:cond delay="indefinite"/>
                       </p:stCondLst>
                       <p:childTnLst>
                         <p:par>
-                          <p:cTn fill="hold">
+                          <p:cTn id="4" fill="hold">
                             <p:stCondLst>
                               <p:cond delay="0"/>
                             </p:stCondLst>
                             <p:childTnLst>
                               <p:par>
-                                <p:cTn fill="hold" nodeType="clickEffect" presetClass="entr" presetID="10" presetSubtype="0">
+                                <p:cTn id="5" presetID="10" presetClass="entr" presetSubtype="0" fill="hold" nodeType="clickEffect">
                                   <p:stCondLst>
                                     <p:cond delay="0"/>
                                   </p:stCondLst>
                                   <p:childTnLst>
                                     <p:set>
                                       <p:cBhvr>
-                                        <p:cTn dur="1" fill="hold">
+                                        <p:cTn id="6" dur="1" fill="hold">
                                           <p:stCondLst>
                                             <p:cond delay="0"/>
                                           </p:stCondLst>
@@ -7486,9 +7829,9 @@
                                         <p:strVal val="visible"/>
                                       </p:to>
                                     </p:set>
-                                    <p:animEffect filter="fade" transition="in">
+                                    <p:animEffect transition="in" filter="fade">
                                       <p:cBhvr>
-                                        <p:cTn dur="1000"/>
+                                        <p:cTn id="7" dur="1000"/>
                                         <p:tgtEl>
                                           <p:spTgt spid="60"/>
                                         </p:tgtEl>
@@ -7506,14 +7849,14 @@
                 </p:childTnLst>
               </p:cTn>
               <p:prevCondLst>
-                <p:cond evt="onPrev">
+                <p:cond evt="onPrev" delay="0">
                   <p:tgtEl>
                     <p:sldTgt/>
                   </p:tgtEl>
                 </p:cond>
               </p:prevCondLst>
               <p:nextCondLst>
-                <p:cond evt="onNext">
+                <p:cond evt="onNext" delay="0">
                   <p:tgtEl>
                     <p:sldTgt/>
                   </p:tgtEl>
@@ -7529,11 +7872,11 @@
 </file>
 
 <file path=ppt/slides/slide10.xml><?xml version="1.0" encoding="utf-8"?>
-<p:sld xmlns:a="http://schemas.openxmlformats.org/drawingml/2006/main" xmlns:r="http://schemas.openxmlformats.org/officeDocument/2006/relationships" xmlns:mc="http://schemas.openxmlformats.org/markup-compatibility/2006" xmlns:mv="urn:schemas-microsoft-com:mac:vml" xmlns:p="http://schemas.openxmlformats.org/presentationml/2006/main" xmlns:c="http://schemas.openxmlformats.org/drawingml/2006/chart" xmlns:dgm="http://schemas.openxmlformats.org/drawingml/2006/diagram" xmlns:o="urn:schemas-microsoft-com:office:office" xmlns:v="urn:schemas-microsoft-com:vml" xmlns:pvml="urn:schemas-microsoft-com:office:powerpoint" xmlns:com="http://schemas.openxmlformats.org/drawingml/2006/compatibility" xmlns:p14="http://schemas.microsoft.com/office/powerpoint/2010/main" xmlns:p15="http://schemas.microsoft.com/office/powerpoint/2012/main" xmlns:ahyp="http://schemas.microsoft.com/office/drawing/2018/hyperlinkcolor">
+<p:sld xmlns:a="http://schemas.openxmlformats.org/drawingml/2006/main" xmlns:r="http://schemas.openxmlformats.org/officeDocument/2006/relationships" xmlns:p="http://schemas.openxmlformats.org/presentationml/2006/main">
   <p:cSld>
     <p:spTree>
       <p:nvGrpSpPr>
-        <p:cNvPr id="117" name="Shape 117"/>
+        <p:cNvPr id="1" name="Shape 120"/>
         <p:cNvGrpSpPr/>
         <p:nvPr/>
       </p:nvGrpSpPr>
@@ -7547,8 +7890,10 @@
       </p:grpSpPr>
       <p:sp>
         <p:nvSpPr>
-          <p:cNvPr id="118" name="Google Shape;118;p22"/>
-          <p:cNvSpPr txBox="1"/>
+          <p:cNvPr id="121" name="Google Shape;121;p22"/>
+          <p:cNvSpPr txBox="1">
+            <a:spLocks noGrp="1"/>
+          </p:cNvSpPr>
           <p:nvPr>
             <p:ph type="title"/>
           </p:nvPr>
@@ -7563,12 +7908,12 @@
           </a:prstGeom>
         </p:spPr>
         <p:txBody>
-          <a:bodyPr anchorCtr="0" anchor="t" bIns="91425" lIns="91425" spcFirstLastPara="1" rIns="91425" wrap="square" tIns="91425">
+          <a:bodyPr spcFirstLastPara="1" wrap="square" lIns="91425" tIns="91425" rIns="91425" bIns="91425" anchor="t" anchorCtr="0">
             <a:normAutofit fontScale="90000"/>
           </a:bodyPr>
           <a:lstStyle/>
           <a:p>
-            <a:pPr indent="0" lvl="0" marL="0" rtl="0" algn="l">
+            <a:pPr marL="0" lvl="0" indent="0" algn="l" rtl="0">
               <a:spcBef>
                 <a:spcPts val="0"/>
               </a:spcBef>
@@ -7587,10 +7932,12 @@
       </p:sp>
       <p:sp>
         <p:nvSpPr>
-          <p:cNvPr id="119" name="Google Shape;119;p22"/>
-          <p:cNvSpPr txBox="1"/>
+          <p:cNvPr id="122" name="Google Shape;122;p22"/>
+          <p:cNvSpPr txBox="1">
+            <a:spLocks noGrp="1"/>
+          </p:cNvSpPr>
           <p:nvPr>
-            <p:ph idx="1" type="body"/>
+            <p:ph type="body" idx="1"/>
           </p:nvPr>
         </p:nvSpPr>
         <p:spPr>
@@ -7603,12 +7950,12 @@
           </a:prstGeom>
         </p:spPr>
         <p:txBody>
-          <a:bodyPr anchorCtr="0" anchor="t" bIns="91425" lIns="91425" spcFirstLastPara="1" rIns="91425" wrap="square" tIns="91425">
+          <a:bodyPr spcFirstLastPara="1" wrap="square" lIns="91425" tIns="91425" rIns="91425" bIns="91425" anchor="t" anchorCtr="0">
             <a:normAutofit/>
           </a:bodyPr>
           <a:lstStyle/>
           <a:p>
-            <a:pPr indent="0" lvl="0" marL="0" rtl="0" algn="l">
+            <a:pPr marL="0" lvl="0" indent="0" algn="l" rtl="0">
               <a:spcBef>
                 <a:spcPts val="0"/>
               </a:spcBef>
@@ -7619,20 +7966,12 @@
             </a:pPr>
             <a:r>
               <a:rPr lang="en"/>
-              <a:t>Cont’d </a:t>
-            </a:r>
-            <a:r>
-              <a:rPr lang="en"/>
-              <a:t>Lo</a:t>
-            </a:r>
-            <a:r>
-              <a:rPr lang="en"/>
-              <a:t>gistic Regression Model</a:t>
+              <a:t>Strike Target</a:t>
             </a:r>
             <a:endParaRPr/>
           </a:p>
           <a:p>
-            <a:pPr indent="0" lvl="0" marL="0" rtl="0" algn="l">
+            <a:pPr marL="0" lvl="0" indent="0" algn="l" rtl="0">
               <a:spcBef>
                 <a:spcPts val="1200"/>
               </a:spcBef>
@@ -7641,16 +7980,311 @@
               </a:spcAft>
               <a:buNone/>
             </a:pPr>
-            <a:r>
-              <a:t/>
-            </a:r>
             <a:endParaRPr/>
           </a:p>
         </p:txBody>
       </p:sp>
       <p:pic>
         <p:nvPicPr>
-          <p:cNvPr id="120" name="Google Shape;120;p22"/>
+          <p:cNvPr id="123" name="Google Shape;123;p22"/>
+          <p:cNvPicPr preferRelativeResize="0"/>
+          <p:nvPr/>
+        </p:nvPicPr>
+        <p:blipFill>
+          <a:blip r:embed="rId3">
+            <a:alphaModFix/>
+          </a:blip>
+          <a:stretch>
+            <a:fillRect/>
+          </a:stretch>
+        </p:blipFill>
+        <p:spPr>
+          <a:xfrm>
+            <a:off x="311700" y="1765450"/>
+            <a:ext cx="8832299" cy="1557630"/>
+          </a:xfrm>
+          <a:prstGeom prst="rect">
+            <a:avLst/>
+          </a:prstGeom>
+          <a:noFill/>
+          <a:ln>
+            <a:noFill/>
+          </a:ln>
+        </p:spPr>
+      </p:pic>
+    </p:spTree>
+  </p:cSld>
+  <p:clrMapOvr>
+    <a:masterClrMapping/>
+  </p:clrMapOvr>
+</p:sld>
+</file>
+
+<file path=ppt/slides/slide11.xml><?xml version="1.0" encoding="utf-8"?>
+<p:sld xmlns:a="http://schemas.openxmlformats.org/drawingml/2006/main" xmlns:r="http://schemas.openxmlformats.org/officeDocument/2006/relationships" xmlns:p="http://schemas.openxmlformats.org/presentationml/2006/main">
+  <p:cSld>
+    <p:spTree>
+      <p:nvGrpSpPr>
+        <p:cNvPr id="1" name="Shape 127"/>
+        <p:cNvGrpSpPr/>
+        <p:nvPr/>
+      </p:nvGrpSpPr>
+      <p:grpSpPr>
+        <a:xfrm>
+          <a:off x="0" y="0"/>
+          <a:ext cx="0" cy="0"/>
+          <a:chOff x="0" y="0"/>
+          <a:chExt cx="0" cy="0"/>
+        </a:xfrm>
+      </p:grpSpPr>
+      <p:sp>
+        <p:nvSpPr>
+          <p:cNvPr id="128" name="Google Shape;128;p23"/>
+          <p:cNvSpPr txBox="1">
+            <a:spLocks noGrp="1"/>
+          </p:cNvSpPr>
+          <p:nvPr>
+            <p:ph type="title"/>
+          </p:nvPr>
+        </p:nvSpPr>
+        <p:spPr>
+          <a:xfrm>
+            <a:off x="311700" y="445025"/>
+            <a:ext cx="8520600" cy="572700"/>
+          </a:xfrm>
+          <a:prstGeom prst="rect">
+            <a:avLst/>
+          </a:prstGeom>
+        </p:spPr>
+        <p:txBody>
+          <a:bodyPr spcFirstLastPara="1" wrap="square" lIns="91425" tIns="91425" rIns="91425" bIns="91425" anchor="t" anchorCtr="0">
+            <a:normAutofit fontScale="90000"/>
+          </a:bodyPr>
+          <a:lstStyle/>
+          <a:p>
+            <a:pPr marL="0" lvl="0" indent="0" algn="l" rtl="0">
+              <a:spcBef>
+                <a:spcPts val="0"/>
+              </a:spcBef>
+              <a:spcAft>
+                <a:spcPts val="0"/>
+              </a:spcAft>
+              <a:buNone/>
+            </a:pPr>
+            <a:r>
+              <a:rPr lang="en"/>
+              <a:t>Data Analysis</a:t>
+            </a:r>
+            <a:endParaRPr/>
+          </a:p>
+        </p:txBody>
+      </p:sp>
+      <p:sp>
+        <p:nvSpPr>
+          <p:cNvPr id="129" name="Google Shape;129;p23"/>
+          <p:cNvSpPr txBox="1">
+            <a:spLocks noGrp="1"/>
+          </p:cNvSpPr>
+          <p:nvPr>
+            <p:ph type="body" idx="1"/>
+          </p:nvPr>
+        </p:nvSpPr>
+        <p:spPr>
+          <a:xfrm>
+            <a:off x="311700" y="1152475"/>
+            <a:ext cx="8520600" cy="3416400"/>
+          </a:xfrm>
+          <a:prstGeom prst="rect">
+            <a:avLst/>
+          </a:prstGeom>
+        </p:spPr>
+        <p:txBody>
+          <a:bodyPr spcFirstLastPara="1" wrap="square" lIns="91425" tIns="91425" rIns="91425" bIns="91425" anchor="t" anchorCtr="0">
+            <a:normAutofit/>
+          </a:bodyPr>
+          <a:lstStyle/>
+          <a:p>
+            <a:pPr marL="0" lvl="0" indent="0" algn="l" rtl="0">
+              <a:spcBef>
+                <a:spcPts val="0"/>
+              </a:spcBef>
+              <a:spcAft>
+                <a:spcPts val="0"/>
+              </a:spcAft>
+              <a:buNone/>
+            </a:pPr>
+            <a:r>
+              <a:rPr lang="en"/>
+              <a:t>Logistic Regression Model</a:t>
+            </a:r>
+            <a:endParaRPr/>
+          </a:p>
+          <a:p>
+            <a:pPr marL="0" lvl="0" indent="0" algn="l" rtl="0">
+              <a:spcBef>
+                <a:spcPts val="1200"/>
+              </a:spcBef>
+              <a:spcAft>
+                <a:spcPts val="1200"/>
+              </a:spcAft>
+              <a:buNone/>
+            </a:pPr>
+            <a:endParaRPr/>
+          </a:p>
+        </p:txBody>
+      </p:sp>
+      <p:pic>
+        <p:nvPicPr>
+          <p:cNvPr id="130" name="Google Shape;130;p23"/>
+          <p:cNvPicPr preferRelativeResize="0"/>
+          <p:nvPr/>
+        </p:nvPicPr>
+        <p:blipFill>
+          <a:blip r:embed="rId3">
+            <a:alphaModFix/>
+          </a:blip>
+          <a:stretch>
+            <a:fillRect/>
+          </a:stretch>
+        </p:blipFill>
+        <p:spPr>
+          <a:xfrm>
+            <a:off x="1786125" y="2200275"/>
+            <a:ext cx="5546375" cy="1144500"/>
+          </a:xfrm>
+          <a:prstGeom prst="rect">
+            <a:avLst/>
+          </a:prstGeom>
+          <a:noFill/>
+          <a:ln>
+            <a:noFill/>
+          </a:ln>
+        </p:spPr>
+      </p:pic>
+    </p:spTree>
+  </p:cSld>
+  <p:clrMapOvr>
+    <a:masterClrMapping/>
+  </p:clrMapOvr>
+</p:sld>
+</file>
+
+<file path=ppt/slides/slide12.xml><?xml version="1.0" encoding="utf-8"?>
+<p:sld xmlns:a="http://schemas.openxmlformats.org/drawingml/2006/main" xmlns:r="http://schemas.openxmlformats.org/officeDocument/2006/relationships" xmlns:p="http://schemas.openxmlformats.org/presentationml/2006/main">
+  <p:cSld>
+    <p:spTree>
+      <p:nvGrpSpPr>
+        <p:cNvPr id="1" name="Shape 134"/>
+        <p:cNvGrpSpPr/>
+        <p:nvPr/>
+      </p:nvGrpSpPr>
+      <p:grpSpPr>
+        <a:xfrm>
+          <a:off x="0" y="0"/>
+          <a:ext cx="0" cy="0"/>
+          <a:chOff x="0" y="0"/>
+          <a:chExt cx="0" cy="0"/>
+        </a:xfrm>
+      </p:grpSpPr>
+      <p:sp>
+        <p:nvSpPr>
+          <p:cNvPr id="135" name="Google Shape;135;p24"/>
+          <p:cNvSpPr txBox="1">
+            <a:spLocks noGrp="1"/>
+          </p:cNvSpPr>
+          <p:nvPr>
+            <p:ph type="title"/>
+          </p:nvPr>
+        </p:nvSpPr>
+        <p:spPr>
+          <a:xfrm>
+            <a:off x="311700" y="445025"/>
+            <a:ext cx="8520600" cy="572700"/>
+          </a:xfrm>
+          <a:prstGeom prst="rect">
+            <a:avLst/>
+          </a:prstGeom>
+        </p:spPr>
+        <p:txBody>
+          <a:bodyPr spcFirstLastPara="1" wrap="square" lIns="91425" tIns="91425" rIns="91425" bIns="91425" anchor="t" anchorCtr="0">
+            <a:normAutofit fontScale="90000"/>
+          </a:bodyPr>
+          <a:lstStyle/>
+          <a:p>
+            <a:pPr marL="0" lvl="0" indent="0" algn="l" rtl="0">
+              <a:spcBef>
+                <a:spcPts val="0"/>
+              </a:spcBef>
+              <a:spcAft>
+                <a:spcPts val="0"/>
+              </a:spcAft>
+              <a:buNone/>
+            </a:pPr>
+            <a:r>
+              <a:rPr lang="en"/>
+              <a:t>Data Analysis</a:t>
+            </a:r>
+            <a:endParaRPr/>
+          </a:p>
+        </p:txBody>
+      </p:sp>
+      <p:sp>
+        <p:nvSpPr>
+          <p:cNvPr id="136" name="Google Shape;136;p24"/>
+          <p:cNvSpPr txBox="1">
+            <a:spLocks noGrp="1"/>
+          </p:cNvSpPr>
+          <p:nvPr>
+            <p:ph type="body" idx="1"/>
+          </p:nvPr>
+        </p:nvSpPr>
+        <p:spPr>
+          <a:xfrm>
+            <a:off x="311700" y="1152475"/>
+            <a:ext cx="8520600" cy="3416400"/>
+          </a:xfrm>
+          <a:prstGeom prst="rect">
+            <a:avLst/>
+          </a:prstGeom>
+        </p:spPr>
+        <p:txBody>
+          <a:bodyPr spcFirstLastPara="1" wrap="square" lIns="91425" tIns="91425" rIns="91425" bIns="91425" anchor="t" anchorCtr="0">
+            <a:normAutofit/>
+          </a:bodyPr>
+          <a:lstStyle/>
+          <a:p>
+            <a:pPr marL="0" lvl="0" indent="0" algn="l" rtl="0">
+              <a:spcBef>
+                <a:spcPts val="0"/>
+              </a:spcBef>
+              <a:spcAft>
+                <a:spcPts val="0"/>
+              </a:spcAft>
+              <a:buNone/>
+            </a:pPr>
+            <a:r>
+              <a:rPr lang="en"/>
+              <a:t>Cont’d Logistic Regression Model</a:t>
+            </a:r>
+            <a:endParaRPr/>
+          </a:p>
+          <a:p>
+            <a:pPr marL="0" lvl="0" indent="0" algn="l" rtl="0">
+              <a:spcBef>
+                <a:spcPts val="1200"/>
+              </a:spcBef>
+              <a:spcAft>
+                <a:spcPts val="1200"/>
+              </a:spcAft>
+              <a:buNone/>
+            </a:pPr>
+            <a:endParaRPr/>
+          </a:p>
+        </p:txBody>
+      </p:sp>
+      <p:pic>
+        <p:nvPicPr>
+          <p:cNvPr id="137" name="Google Shape;137;p24"/>
           <p:cNvPicPr preferRelativeResize="0"/>
           <p:nvPr/>
         </p:nvPicPr>
@@ -7684,12 +8318,12 @@
 </p:sld>
 </file>
 
-<file path=ppt/slides/slide11.xml><?xml version="1.0" encoding="utf-8"?>
-<p:sld xmlns:a="http://schemas.openxmlformats.org/drawingml/2006/main" xmlns:r="http://schemas.openxmlformats.org/officeDocument/2006/relationships" xmlns:mc="http://schemas.openxmlformats.org/markup-compatibility/2006" xmlns:mv="urn:schemas-microsoft-com:mac:vml" xmlns:p="http://schemas.openxmlformats.org/presentationml/2006/main" xmlns:c="http://schemas.openxmlformats.org/drawingml/2006/chart" xmlns:dgm="http://schemas.openxmlformats.org/drawingml/2006/diagram" xmlns:o="urn:schemas-microsoft-com:office:office" xmlns:v="urn:schemas-microsoft-com:vml" xmlns:pvml="urn:schemas-microsoft-com:office:powerpoint" xmlns:com="http://schemas.openxmlformats.org/drawingml/2006/compatibility" xmlns:p14="http://schemas.microsoft.com/office/powerpoint/2010/main" xmlns:p15="http://schemas.microsoft.com/office/powerpoint/2012/main" xmlns:ahyp="http://schemas.microsoft.com/office/drawing/2018/hyperlinkcolor">
+<file path=ppt/slides/slide13.xml><?xml version="1.0" encoding="utf-8"?>
+<p:sld xmlns:a="http://schemas.openxmlformats.org/drawingml/2006/main" xmlns:r="http://schemas.openxmlformats.org/officeDocument/2006/relationships" xmlns:p="http://schemas.openxmlformats.org/presentationml/2006/main">
   <p:cSld>
     <p:spTree>
       <p:nvGrpSpPr>
-        <p:cNvPr id="124" name="Shape 124"/>
+        <p:cNvPr id="1" name="Shape 141"/>
         <p:cNvGrpSpPr/>
         <p:nvPr/>
       </p:nvGrpSpPr>
@@ -7703,8 +8337,10 @@
       </p:grpSpPr>
       <p:sp>
         <p:nvSpPr>
-          <p:cNvPr id="125" name="Google Shape;125;p23"/>
-          <p:cNvSpPr txBox="1"/>
+          <p:cNvPr id="142" name="Google Shape;142;p25"/>
+          <p:cNvSpPr txBox="1">
+            <a:spLocks noGrp="1"/>
+          </p:cNvSpPr>
           <p:nvPr>
             <p:ph type="title"/>
           </p:nvPr>
@@ -7719,12 +8355,12 @@
           </a:prstGeom>
         </p:spPr>
         <p:txBody>
-          <a:bodyPr anchorCtr="0" anchor="t" bIns="91425" lIns="91425" spcFirstLastPara="1" rIns="91425" wrap="square" tIns="91425">
+          <a:bodyPr spcFirstLastPara="1" wrap="square" lIns="91425" tIns="91425" rIns="91425" bIns="91425" anchor="t" anchorCtr="0">
             <a:normAutofit fontScale="90000"/>
           </a:bodyPr>
           <a:lstStyle/>
           <a:p>
-            <a:pPr indent="0" lvl="0" marL="0" rtl="0" algn="l">
+            <a:pPr marL="0" lvl="0" indent="0" algn="l" rtl="0">
               <a:spcBef>
                 <a:spcPts val="0"/>
               </a:spcBef>
@@ -7743,10 +8379,12 @@
       </p:sp>
       <p:sp>
         <p:nvSpPr>
-          <p:cNvPr id="126" name="Google Shape;126;p23"/>
-          <p:cNvSpPr txBox="1"/>
+          <p:cNvPr id="143" name="Google Shape;143;p25"/>
+          <p:cNvSpPr txBox="1">
+            <a:spLocks noGrp="1"/>
+          </p:cNvSpPr>
           <p:nvPr>
-            <p:ph idx="1" type="body"/>
+            <p:ph type="body" idx="1"/>
           </p:nvPr>
         </p:nvSpPr>
         <p:spPr>
@@ -7759,12 +8397,12 @@
           </a:prstGeom>
         </p:spPr>
         <p:txBody>
-          <a:bodyPr anchorCtr="0" anchor="t" bIns="91425" lIns="91425" spcFirstLastPara="1" rIns="91425" wrap="square" tIns="91425">
-            <a:normAutofit fontScale="25000" lnSpcReduction="10000"/>
+          <a:bodyPr spcFirstLastPara="1" wrap="square" lIns="91425" tIns="91425" rIns="91425" bIns="91425" anchor="t" anchorCtr="0">
+            <a:normAutofit fontScale="25000" lnSpcReduction="20000"/>
           </a:bodyPr>
           <a:lstStyle/>
           <a:p>
-            <a:pPr indent="-305593" lvl="0" marL="457200" rtl="0" algn="l">
+            <a:pPr marL="457200" lvl="0" indent="-305593" algn="l" rtl="0">
               <a:spcBef>
                 <a:spcPts val="0"/>
               </a:spcBef>
@@ -7783,7 +8421,7 @@
                   <a:srgbClr val="EFEFEF"/>
                 </a:solidFill>
               </a:rPr>
-              <a:t>Creating Database</a:t>
+              <a:t>Preprocessing</a:t>
             </a:r>
             <a:endParaRPr sz="4850">
               <a:solidFill>
@@ -7792,7 +8430,153 @@
             </a:endParaRPr>
           </a:p>
           <a:p>
-            <a:pPr indent="-305593" lvl="1" marL="914400" rtl="0" algn="l">
+            <a:pPr marL="914400" lvl="1" indent="-305593" algn="l" rtl="0">
+              <a:spcBef>
+                <a:spcPts val="0"/>
+              </a:spcBef>
+              <a:spcAft>
+                <a:spcPts val="0"/>
+              </a:spcAft>
+              <a:buClr>
+                <a:srgbClr val="EFEFEF"/>
+              </a:buClr>
+              <a:buSzPct val="100000"/>
+              <a:buChar char="-"/>
+            </a:pPr>
+            <a:r>
+              <a:rPr lang="en" sz="4850">
+                <a:solidFill>
+                  <a:srgbClr val="EFEFEF"/>
+                </a:solidFill>
+              </a:rPr>
+              <a:t>Pandas, Numpy, CSV</a:t>
+            </a:r>
+            <a:endParaRPr sz="4850">
+              <a:solidFill>
+                <a:srgbClr val="EFEFEF"/>
+              </a:solidFill>
+            </a:endParaRPr>
+          </a:p>
+          <a:p>
+            <a:pPr marL="914400" lvl="1" indent="-305593" algn="l" rtl="0">
+              <a:spcBef>
+                <a:spcPts val="0"/>
+              </a:spcBef>
+              <a:spcAft>
+                <a:spcPts val="0"/>
+              </a:spcAft>
+              <a:buClr>
+                <a:srgbClr val="EFEFEF"/>
+              </a:buClr>
+              <a:buSzPct val="100000"/>
+              <a:buChar char="-"/>
+            </a:pPr>
+            <a:r>
+              <a:rPr lang="en" sz="4850">
+                <a:solidFill>
+                  <a:srgbClr val="EFEFEF"/>
+                </a:solidFill>
+              </a:rPr>
+              <a:t>Matplotlib, Geopandas</a:t>
+            </a:r>
+            <a:endParaRPr sz="4850">
+              <a:solidFill>
+                <a:srgbClr val="EFEFEF"/>
+              </a:solidFill>
+            </a:endParaRPr>
+          </a:p>
+          <a:p>
+            <a:pPr marL="914400" lvl="1" indent="-305593" algn="l" rtl="0">
+              <a:spcBef>
+                <a:spcPts val="0"/>
+              </a:spcBef>
+              <a:spcAft>
+                <a:spcPts val="0"/>
+              </a:spcAft>
+              <a:buClr>
+                <a:srgbClr val="EFEFEF"/>
+              </a:buClr>
+              <a:buSzPct val="100000"/>
+              <a:buChar char="-"/>
+            </a:pPr>
+            <a:r>
+              <a:rPr lang="en" sz="4850">
+                <a:solidFill>
+                  <a:srgbClr val="EFEFEF"/>
+                </a:solidFill>
+              </a:rPr>
+              <a:t>Seaborn, Contextily</a:t>
+            </a:r>
+            <a:endParaRPr sz="4850">
+              <a:solidFill>
+                <a:srgbClr val="EFEFEF"/>
+              </a:solidFill>
+            </a:endParaRPr>
+          </a:p>
+          <a:p>
+            <a:pPr marL="914400" lvl="1" indent="-305593" algn="l" rtl="0">
+              <a:lnSpc>
+                <a:spcPct val="200000"/>
+              </a:lnSpc>
+              <a:spcBef>
+                <a:spcPts val="0"/>
+              </a:spcBef>
+              <a:spcAft>
+                <a:spcPts val="0"/>
+              </a:spcAft>
+              <a:buClr>
+                <a:srgbClr val="EFEFEF"/>
+              </a:buClr>
+              <a:buSzPct val="100000"/>
+              <a:buChar char="-"/>
+            </a:pPr>
+            <a:r>
+              <a:rPr lang="en" sz="4850">
+                <a:solidFill>
+                  <a:srgbClr val="EFEFEF"/>
+                </a:solidFill>
+              </a:rPr>
+              <a:t>Pygeohash, Polygeohasher</a:t>
+            </a:r>
+            <a:endParaRPr sz="4850">
+              <a:solidFill>
+                <a:srgbClr val="EFEFEF"/>
+              </a:solidFill>
+            </a:endParaRPr>
+          </a:p>
+          <a:p>
+            <a:pPr marL="457200" lvl="0" indent="-305593" algn="l" rtl="0">
+              <a:spcBef>
+                <a:spcPts val="0"/>
+              </a:spcBef>
+              <a:spcAft>
+                <a:spcPts val="0"/>
+              </a:spcAft>
+              <a:buClr>
+                <a:srgbClr val="EFEFEF"/>
+              </a:buClr>
+              <a:buSzPct val="100000"/>
+              <a:buChar char="-"/>
+            </a:pPr>
+            <a:r>
+              <a:rPr lang="en" sz="4850">
+                <a:solidFill>
+                  <a:srgbClr val="EFEFEF"/>
+                </a:solidFill>
+              </a:rPr>
+              <a:t> Creating Database</a:t>
+            </a:r>
+            <a:endParaRPr sz="4850">
+              <a:solidFill>
+                <a:srgbClr val="EFEFEF"/>
+              </a:solidFill>
+            </a:endParaRPr>
+          </a:p>
+          <a:p>
+            <a:pPr marL="914400" lvl="1" indent="-305593" algn="l" rtl="0">
+              <a:lnSpc>
+                <a:spcPct val="200000"/>
+              </a:lnSpc>
               <a:spcBef>
                 <a:spcPts val="0"/>
               </a:spcBef>
@@ -7820,7 +8604,10 @@
             </a:endParaRPr>
           </a:p>
           <a:p>
-            <a:pPr indent="-305593" lvl="1" marL="914400" rtl="0" algn="l">
+            <a:pPr marL="457200" lvl="0" indent="-305593" algn="l" rtl="0">
+              <a:lnSpc>
+                <a:spcPct val="100000"/>
+              </a:lnSpc>
               <a:spcBef>
                 <a:spcPts val="0"/>
               </a:spcBef>
@@ -7839,7 +8626,7 @@
                   <a:srgbClr val="EFEFEF"/>
                 </a:solidFill>
               </a:rPr>
-              <a:t>CSV</a:t>
+              <a:t>   Connecting to Database</a:t>
             </a:r>
             <a:endParaRPr sz="4850">
               <a:solidFill>
@@ -7848,42 +8635,22 @@
             </a:endParaRPr>
           </a:p>
           <a:p>
-            <a:pPr indent="0" lvl="0" marL="57150" rtl="0" algn="l">
-              <a:spcBef>
-                <a:spcPts val="1200"/>
-              </a:spcBef>
-              <a:spcAft>
-                <a:spcPts val="0"/>
-              </a:spcAft>
-              <a:buNone/>
-            </a:pPr>
-            <a:r>
-              <a:rPr lang="en" sz="4850">
-                <a:solidFill>
-                  <a:srgbClr val="EFEFEF"/>
-                </a:solidFill>
-              </a:rPr>
-              <a:t>   -  Connecting to Database</a:t>
-            </a:r>
-            <a:endParaRPr sz="4850">
-              <a:solidFill>
-                <a:srgbClr val="EFEFEF"/>
-              </a:solidFill>
-            </a:endParaRPr>
-          </a:p>
-          <a:p>
-            <a:pPr indent="0" lvl="0" marL="457200" rtl="0" algn="l">
-              <a:spcBef>
-                <a:spcPts val="1200"/>
-              </a:spcBef>
-              <a:spcAft>
-                <a:spcPts val="0"/>
-              </a:spcAft>
-              <a:buNone/>
+            <a:pPr marL="914400" lvl="1" indent="-305593" algn="l" rtl="0">
+              <a:lnSpc>
+                <a:spcPct val="200000"/>
+              </a:lnSpc>
+              <a:spcBef>
+                <a:spcPts val="0"/>
+              </a:spcBef>
+              <a:spcAft>
+                <a:spcPts val="0"/>
+              </a:spcAft>
+              <a:buSzPct val="100000"/>
+              <a:buChar char="-"/>
             </a:pPr>
             <a:r>
               <a:rPr lang="en" sz="4850"/>
-              <a:t>   - </a:t>
+              <a:t>   </a:t>
             </a:r>
             <a:r>
               <a:rPr lang="en" sz="4850">
@@ -7900,65 +8667,7 @@
             </a:endParaRPr>
           </a:p>
           <a:p>
-            <a:pPr indent="-305593" lvl="0" marL="457200" rtl="0" algn="l">
-              <a:spcBef>
-                <a:spcPts val="1200"/>
-              </a:spcBef>
-              <a:spcAft>
-                <a:spcPts val="0"/>
-              </a:spcAft>
-              <a:buClr>
-                <a:schemeClr val="dk1"/>
-              </a:buClr>
-              <a:buSzPct val="100000"/>
-              <a:buFont typeface="Average"/>
-              <a:buChar char="-"/>
-            </a:pPr>
-            <a:r>
-              <a:rPr lang="en" sz="4850">
-                <a:solidFill>
-                  <a:schemeClr val="dk1"/>
-                </a:solidFill>
-              </a:rPr>
-              <a:t>Analyzing Data</a:t>
-            </a:r>
-            <a:endParaRPr sz="4850">
-              <a:solidFill>
-                <a:schemeClr val="dk1"/>
-              </a:solidFill>
-            </a:endParaRPr>
-          </a:p>
-          <a:p>
-            <a:pPr indent="-305593" lvl="1" marL="914400" rtl="0" algn="l">
-              <a:spcBef>
-                <a:spcPts val="0"/>
-              </a:spcBef>
-              <a:spcAft>
-                <a:spcPts val="0"/>
-              </a:spcAft>
-              <a:buClr>
-                <a:schemeClr val="dk1"/>
-              </a:buClr>
-              <a:buSzPct val="100000"/>
-              <a:buFont typeface="Average"/>
-              <a:buChar char="-"/>
-            </a:pPr>
-            <a:r>
-              <a:rPr lang="en" sz="4850">
-                <a:solidFill>
-                  <a:schemeClr val="dk1"/>
-                </a:solidFill>
-              </a:rPr>
-              <a:t>Pandas</a:t>
-            </a:r>
-            <a:endParaRPr sz="4850">
-              <a:solidFill>
-                <a:schemeClr val="dk1"/>
-              </a:solidFill>
-            </a:endParaRPr>
-          </a:p>
-          <a:p>
-            <a:pPr indent="-305593" lvl="0" marL="457200" rtl="0" algn="l">
+            <a:pPr marL="457200" lvl="0" indent="-305593" algn="l" rtl="0">
               <a:spcBef>
                 <a:spcPts val="0"/>
               </a:spcBef>
@@ -7987,7 +8696,7 @@
             </a:endParaRPr>
           </a:p>
           <a:p>
-            <a:pPr indent="-305593" lvl="1" marL="914400" rtl="0" algn="l">
+            <a:pPr marL="914400" lvl="1" indent="-305593" algn="l" rtl="0">
               <a:spcBef>
                 <a:spcPts val="0"/>
               </a:spcBef>
@@ -7998,7 +8707,7 @@
                 <a:schemeClr val="dk1"/>
               </a:buClr>
               <a:buSzPct val="100000"/>
-              <a:buFont typeface="Average"/>
+              <a:buFont typeface="Nunito"/>
               <a:buChar char="-"/>
             </a:pPr>
             <a:r>
@@ -8007,7 +8716,7 @@
                   <a:schemeClr val="dk1"/>
                 </a:solidFill>
               </a:rPr>
-              <a:t>sklearn.preprocessing</a:t>
+              <a:t>Sklearn.preprocessing</a:t>
             </a:r>
             <a:endParaRPr sz="4850">
               <a:solidFill>
@@ -8016,7 +8725,39 @@
             </a:endParaRPr>
           </a:p>
           <a:p>
-            <a:pPr indent="-305593" lvl="0" marL="457200" rtl="0" algn="l">
+            <a:pPr marL="914400" lvl="1" indent="-305593" algn="l" rtl="0">
+              <a:lnSpc>
+                <a:spcPct val="200000"/>
+              </a:lnSpc>
+              <a:spcBef>
+                <a:spcPts val="0"/>
+              </a:spcBef>
+              <a:spcAft>
+                <a:spcPts val="0"/>
+              </a:spcAft>
+              <a:buClr>
+                <a:schemeClr val="dk1"/>
+              </a:buClr>
+              <a:buSzPct val="100000"/>
+              <a:buFont typeface="Nunito"/>
+              <a:buChar char="-"/>
+            </a:pPr>
+            <a:r>
+              <a:rPr lang="en" sz="4850">
+                <a:solidFill>
+                  <a:schemeClr val="dk1"/>
+                </a:solidFill>
+              </a:rPr>
+              <a:t>sklearn.metric</a:t>
+            </a:r>
+            <a:endParaRPr sz="4850">
+              <a:solidFill>
+                <a:schemeClr val="dk1"/>
+              </a:solidFill>
+            </a:endParaRPr>
+          </a:p>
+          <a:p>
+            <a:pPr marL="457200" lvl="0" indent="-305593" algn="l" rtl="0">
               <a:spcBef>
                 <a:spcPts val="0"/>
               </a:spcBef>
@@ -8045,7 +8786,7 @@
             </a:endParaRPr>
           </a:p>
           <a:p>
-            <a:pPr indent="-305593" lvl="1" marL="914400" rtl="0" algn="l">
+            <a:pPr marL="914400" lvl="1" indent="-305593" algn="l" rtl="0">
               <a:spcBef>
                 <a:spcPts val="0"/>
               </a:spcBef>
@@ -8074,7 +8815,7 @@
             </a:endParaRPr>
           </a:p>
           <a:p>
-            <a:pPr indent="0" lvl="0" marL="914400" rtl="0" algn="l">
+            <a:pPr marL="914400" lvl="0" indent="0" algn="l" rtl="0">
               <a:spcBef>
                 <a:spcPts val="1200"/>
               </a:spcBef>
@@ -8083,9 +8824,6 @@
               </a:spcAft>
               <a:buNone/>
             </a:pPr>
-            <a:r>
-              <a:t/>
-            </a:r>
             <a:endParaRPr sz="4850">
               <a:solidFill>
                 <a:schemeClr val="dk1"/>
@@ -8093,7 +8831,7 @@
             </a:endParaRPr>
           </a:p>
           <a:p>
-            <a:pPr indent="0" lvl="0" marL="0" rtl="0" algn="l">
+            <a:pPr marL="0" lvl="0" indent="0" algn="l" rtl="0">
               <a:spcBef>
                 <a:spcPts val="1200"/>
               </a:spcBef>
@@ -8102,9 +8840,6 @@
               </a:spcAft>
               <a:buNone/>
             </a:pPr>
-            <a:r>
-              <a:t/>
-            </a:r>
             <a:endParaRPr/>
           </a:p>
         </p:txBody>
@@ -8117,12 +8852,12 @@
 </p:sld>
 </file>
 
-<file path=ppt/slides/slide12.xml><?xml version="1.0" encoding="utf-8"?>
-<p:sld xmlns:a="http://schemas.openxmlformats.org/drawingml/2006/main" xmlns:r="http://schemas.openxmlformats.org/officeDocument/2006/relationships" xmlns:mc="http://schemas.openxmlformats.org/markup-compatibility/2006" xmlns:mv="urn:schemas-microsoft-com:mac:vml" xmlns:p="http://schemas.openxmlformats.org/presentationml/2006/main" xmlns:c="http://schemas.openxmlformats.org/drawingml/2006/chart" xmlns:dgm="http://schemas.openxmlformats.org/drawingml/2006/diagram" xmlns:o="urn:schemas-microsoft-com:office:office" xmlns:v="urn:schemas-microsoft-com:vml" xmlns:pvml="urn:schemas-microsoft-com:office:powerpoint" xmlns:com="http://schemas.openxmlformats.org/drawingml/2006/compatibility" xmlns:p14="http://schemas.microsoft.com/office/powerpoint/2010/main" xmlns:p15="http://schemas.microsoft.com/office/powerpoint/2012/main" xmlns:ahyp="http://schemas.microsoft.com/office/drawing/2018/hyperlinkcolor">
+<file path=ppt/slides/slide14.xml><?xml version="1.0" encoding="utf-8"?>
+<p:sld xmlns:a="http://schemas.openxmlformats.org/drawingml/2006/main" xmlns:r="http://schemas.openxmlformats.org/officeDocument/2006/relationships" xmlns:p="http://schemas.openxmlformats.org/presentationml/2006/main">
   <p:cSld>
     <p:spTree>
       <p:nvGrpSpPr>
-        <p:cNvPr id="130" name="Shape 130"/>
+        <p:cNvPr id="1" name="Shape 147"/>
         <p:cNvGrpSpPr/>
         <p:nvPr/>
       </p:nvGrpSpPr>
@@ -8136,8 +8871,10 @@
       </p:grpSpPr>
       <p:sp>
         <p:nvSpPr>
-          <p:cNvPr id="131" name="Google Shape;131;p24"/>
-          <p:cNvSpPr txBox="1"/>
+          <p:cNvPr id="148" name="Google Shape;148;p26"/>
+          <p:cNvSpPr txBox="1">
+            <a:spLocks noGrp="1"/>
+          </p:cNvSpPr>
           <p:nvPr>
             <p:ph type="title"/>
           </p:nvPr>
@@ -8152,12 +8889,12 @@
           </a:prstGeom>
         </p:spPr>
         <p:txBody>
-          <a:bodyPr anchorCtr="0" anchor="t" bIns="91425" lIns="91425" spcFirstLastPara="1" rIns="91425" wrap="square" tIns="91425">
+          <a:bodyPr spcFirstLastPara="1" wrap="square" lIns="91425" tIns="91425" rIns="91425" bIns="91425" anchor="t" anchorCtr="0">
             <a:normAutofit fontScale="90000"/>
           </a:bodyPr>
           <a:lstStyle/>
           <a:p>
-            <a:pPr indent="0" lvl="0" marL="0" rtl="0" algn="l">
+            <a:pPr marL="0" lvl="0" indent="0" algn="l" rtl="0">
               <a:spcBef>
                 <a:spcPts val="0"/>
               </a:spcBef>
@@ -8176,10 +8913,12 @@
       </p:sp>
       <p:sp>
         <p:nvSpPr>
-          <p:cNvPr id="132" name="Google Shape;132;p24"/>
-          <p:cNvSpPr txBox="1"/>
+          <p:cNvPr id="149" name="Google Shape;149;p26"/>
+          <p:cNvSpPr txBox="1">
+            <a:spLocks noGrp="1"/>
+          </p:cNvSpPr>
           <p:nvPr>
-            <p:ph idx="1" type="body"/>
+            <p:ph type="body" idx="1"/>
           </p:nvPr>
         </p:nvSpPr>
         <p:spPr>
@@ -8192,12 +8931,12 @@
           </a:prstGeom>
         </p:spPr>
         <p:txBody>
-          <a:bodyPr anchorCtr="0" anchor="t" bIns="91425" lIns="91425" spcFirstLastPara="1" rIns="91425" wrap="square" tIns="91425">
+          <a:bodyPr spcFirstLastPara="1" wrap="square" lIns="91425" tIns="91425" rIns="91425" bIns="91425" anchor="t" anchorCtr="0">
             <a:normAutofit/>
           </a:bodyPr>
           <a:lstStyle/>
           <a:p>
-            <a:pPr indent="-342900" lvl="0" marL="457200" rtl="0" algn="l">
+            <a:pPr marL="457200" lvl="0" indent="-342900" algn="l" rtl="0">
               <a:spcBef>
                 <a:spcPts val="0"/>
               </a:spcBef>
@@ -8209,12 +8948,12 @@
             </a:pPr>
             <a:r>
               <a:rPr lang="en"/>
-              <a:t>Explore other feature for correlation</a:t>
+              <a:t>Explore other features for correlation</a:t>
             </a:r>
             <a:endParaRPr/>
           </a:p>
           <a:p>
-            <a:pPr indent="-342900" lvl="0" marL="457200" rtl="0" algn="l">
+            <a:pPr marL="457200" lvl="0" indent="-342900" algn="l" rtl="0">
               <a:spcBef>
                 <a:spcPts val="0"/>
               </a:spcBef>
@@ -8226,15 +8965,7 @@
             </a:pPr>
             <a:r>
               <a:rPr lang="en"/>
-              <a:t>Make other analysis based on the </a:t>
-            </a:r>
-            <a:r>
-              <a:rPr lang="en"/>
-              <a:t>severity</a:t>
-            </a:r>
-            <a:r>
-              <a:rPr lang="en"/>
-              <a:t> of the storm</a:t>
+              <a:t>Make other analysis based on the severity of the storm</a:t>
             </a:r>
             <a:endParaRPr/>
           </a:p>
@@ -8249,11 +8980,11 @@
 </file>
 
 <file path=ppt/slides/slide2.xml><?xml version="1.0" encoding="utf-8"?>
-<p:sld xmlns:a="http://schemas.openxmlformats.org/drawingml/2006/main" xmlns:r="http://schemas.openxmlformats.org/officeDocument/2006/relationships" xmlns:mc="http://schemas.openxmlformats.org/markup-compatibility/2006" xmlns:mv="urn:schemas-microsoft-com:mac:vml" xmlns:p="http://schemas.openxmlformats.org/presentationml/2006/main" xmlns:c="http://schemas.openxmlformats.org/drawingml/2006/chart" xmlns:dgm="http://schemas.openxmlformats.org/drawingml/2006/diagram" xmlns:o="urn:schemas-microsoft-com:office:office" xmlns:v="urn:schemas-microsoft-com:vml" xmlns:pvml="urn:schemas-microsoft-com:office:powerpoint" xmlns:com="http://schemas.openxmlformats.org/drawingml/2006/compatibility" xmlns:p14="http://schemas.microsoft.com/office/powerpoint/2010/main" xmlns:p15="http://schemas.microsoft.com/office/powerpoint/2012/main" xmlns:ahyp="http://schemas.microsoft.com/office/drawing/2018/hyperlinkcolor">
+<p:sld xmlns:a="http://schemas.openxmlformats.org/drawingml/2006/main" xmlns:r="http://schemas.openxmlformats.org/officeDocument/2006/relationships" xmlns:p="http://schemas.openxmlformats.org/presentationml/2006/main">
   <p:cSld>
     <p:spTree>
       <p:nvGrpSpPr>
-        <p:cNvPr id="65" name="Shape 65"/>
+        <p:cNvPr id="1" name="Shape 65"/>
         <p:cNvGrpSpPr/>
         <p:nvPr/>
       </p:nvGrpSpPr>
@@ -8268,7 +8999,9 @@
       <p:sp>
         <p:nvSpPr>
           <p:cNvPr id="66" name="Google Shape;66;p14"/>
-          <p:cNvSpPr txBox="1"/>
+          <p:cNvSpPr txBox="1">
+            <a:spLocks noGrp="1"/>
+          </p:cNvSpPr>
           <p:nvPr>
             <p:ph type="title"/>
           </p:nvPr>
@@ -8283,12 +9016,12 @@
           </a:prstGeom>
         </p:spPr>
         <p:txBody>
-          <a:bodyPr anchorCtr="0" anchor="t" bIns="91425" lIns="91425" spcFirstLastPara="1" rIns="91425" wrap="square" tIns="91425">
+          <a:bodyPr spcFirstLastPara="1" wrap="square" lIns="91425" tIns="91425" rIns="91425" bIns="91425" anchor="t" anchorCtr="0">
             <a:spAutoFit/>
           </a:bodyPr>
           <a:lstStyle/>
           <a:p>
-            <a:pPr indent="0" lvl="0" marL="0" rtl="0" algn="l">
+            <a:pPr marL="0" lvl="0" indent="0" algn="l" rtl="0">
               <a:spcBef>
                 <a:spcPts val="0"/>
               </a:spcBef>
@@ -8308,27 +9041,29 @@
       <p:sp>
         <p:nvSpPr>
           <p:cNvPr id="67" name="Google Shape;67;p14"/>
-          <p:cNvSpPr txBox="1"/>
+          <p:cNvSpPr txBox="1">
+            <a:spLocks noGrp="1"/>
+          </p:cNvSpPr>
           <p:nvPr>
-            <p:ph idx="1" type="body"/>
+            <p:ph type="body" idx="1"/>
           </p:nvPr>
         </p:nvSpPr>
         <p:spPr>
           <a:xfrm>
             <a:off x="311700" y="2161525"/>
-            <a:ext cx="8264400" cy="1508100"/>
+            <a:ext cx="8264400" cy="2226300"/>
           </a:xfrm>
           <a:prstGeom prst="rect">
             <a:avLst/>
           </a:prstGeom>
         </p:spPr>
         <p:txBody>
-          <a:bodyPr anchorCtr="0" anchor="t" bIns="91425" lIns="91425" spcFirstLastPara="1" rIns="91425" wrap="square" tIns="91425">
+          <a:bodyPr spcFirstLastPara="1" wrap="square" lIns="91425" tIns="91425" rIns="91425" bIns="91425" anchor="t" anchorCtr="0">
             <a:normAutofit/>
           </a:bodyPr>
           <a:lstStyle/>
           <a:p>
-            <a:pPr indent="-342900" lvl="0" marL="457200" rtl="0" algn="l">
+            <a:pPr marL="457200" lvl="0" indent="-342900" algn="l" rtl="0">
               <a:spcBef>
                 <a:spcPts val="0"/>
               </a:spcBef>
@@ -8340,28 +9075,12 @@
             </a:pPr>
             <a:r>
               <a:rPr lang="en"/>
-              <a:t>Analyze </a:t>
-            </a:r>
-            <a:r>
-              <a:rPr lang="en"/>
-              <a:t>weather</a:t>
-            </a:r>
-            <a:r>
-              <a:rPr lang="en"/>
-              <a:t> </a:t>
-            </a:r>
-            <a:r>
-              <a:rPr lang="en"/>
-              <a:t>patterns</a:t>
-            </a:r>
-            <a:r>
-              <a:rPr lang="en"/>
-              <a:t> among the east coast</a:t>
+              <a:t>Analyze weather patterns among the east coast</a:t>
             </a:r>
             <a:endParaRPr/>
           </a:p>
           <a:p>
-            <a:pPr indent="-342900" lvl="0" marL="457200" rtl="0" algn="l">
+            <a:pPr marL="457200" lvl="0" indent="-342900" algn="l" rtl="0">
               <a:spcBef>
                 <a:spcPts val="0"/>
               </a:spcBef>
@@ -8378,7 +9097,7 @@
             <a:endParaRPr/>
           </a:p>
           <a:p>
-            <a:pPr indent="-342900" lvl="0" marL="457200" rtl="0" algn="l">
+            <a:pPr marL="457200" lvl="0" indent="-342900" algn="l" rtl="0">
               <a:spcBef>
                 <a:spcPts val="0"/>
               </a:spcBef>
@@ -8390,7 +9109,24 @@
             </a:pPr>
             <a:r>
               <a:rPr lang="en"/>
-              <a:t>Provide analysis for meteorologist</a:t>
+              <a:t>Determine factors contributing to storm strikes in Florida</a:t>
+            </a:r>
+            <a:endParaRPr/>
+          </a:p>
+          <a:p>
+            <a:pPr marL="457200" lvl="0" indent="-342900" algn="l" rtl="0">
+              <a:spcBef>
+                <a:spcPts val="0"/>
+              </a:spcBef>
+              <a:spcAft>
+                <a:spcPts val="0"/>
+              </a:spcAft>
+              <a:buSzPts val="1800"/>
+              <a:buChar char="-"/>
+            </a:pPr>
+            <a:r>
+              <a:rPr lang="en"/>
+              <a:t>Provide analysis for meteorologists</a:t>
             </a:r>
             <a:endParaRPr/>
           </a:p>
@@ -8429,13 +9165,13 @@
   <p:clrMapOvr>
     <a:masterClrMapping/>
   </p:clrMapOvr>
-  <mc:AlternateContent>
+  <mc:AlternateContent xmlns:mc="http://schemas.openxmlformats.org/markup-compatibility/2006" xmlns:p14="http://schemas.microsoft.com/office/powerpoint/2010/main">
     <mc:Choice Requires="p14">
-      <p:transition spd="slow" p14:dur="1000">
+      <p:transition spd="slow">
         <p14:flip dir="l"/>
       </p:transition>
     </mc:Choice>
-    <mc:Fallback>
+    <mc:Fallback xmlns:ahyp="http://schemas.microsoft.com/office/drawing/2018/hyperlinkcolor" xmlns:p15="http://schemas.microsoft.com/office/powerpoint/2012/main" xmlns:com="http://schemas.openxmlformats.org/drawingml/2006/compatibility" xmlns:pvml="urn:schemas-microsoft-com:office:powerpoint" xmlns:v="urn:schemas-microsoft-com:vml" xmlns:o="urn:schemas-microsoft-com:office:office" xmlns:dgm="http://schemas.openxmlformats.org/drawingml/2006/diagram" xmlns:c="http://schemas.openxmlformats.org/drawingml/2006/chart" xmlns:mv="urn:schemas-microsoft-com:mac:vml" xmlns="">
       <p:transition spd="slow">
         <p:fade/>
       </p:transition>
@@ -8444,32 +9180,32 @@
   <p:timing>
     <p:tnLst>
       <p:par>
-        <p:cTn dur="indefinite" nodeType="tmRoot" restart="never">
+        <p:cTn id="1" dur="indefinite" restart="never" nodeType="tmRoot">
           <p:childTnLst>
             <p:seq concurrent="1" nextAc="seek">
-              <p:cTn dur="indefinite" id="2" nodeType="mainSeq">
+              <p:cTn id="2" dur="indefinite" nodeType="mainSeq">
                 <p:childTnLst>
                   <p:par>
-                    <p:cTn fill="hold">
+                    <p:cTn id="3" fill="hold">
                       <p:stCondLst>
                         <p:cond delay="indefinite"/>
                       </p:stCondLst>
                       <p:childTnLst>
                         <p:par>
-                          <p:cTn fill="hold">
+                          <p:cTn id="4" fill="hold">
                             <p:stCondLst>
                               <p:cond delay="0"/>
                             </p:stCondLst>
                             <p:childTnLst>
                               <p:par>
-                                <p:cTn fill="hold" nodeType="clickEffect" presetClass="entr" presetID="10" presetSubtype="0">
+                                <p:cTn id="5" presetID="10" presetClass="entr" presetSubtype="0" fill="hold" nodeType="clickEffect">
                                   <p:stCondLst>
                                     <p:cond delay="0"/>
                                   </p:stCondLst>
                                   <p:childTnLst>
                                     <p:set>
                                       <p:cBhvr>
-                                        <p:cTn dur="1" fill="hold">
+                                        <p:cTn id="6" dur="1" fill="hold">
                                           <p:stCondLst>
                                             <p:cond delay="0"/>
                                           </p:stCondLst>
@@ -8485,9 +9221,9 @@
                                         <p:strVal val="visible"/>
                                       </p:to>
                                     </p:set>
-                                    <p:animEffect filter="fade" transition="in">
+                                    <p:animEffect transition="in" filter="fade">
                                       <p:cBhvr>
-                                        <p:cTn dur="1000"/>
+                                        <p:cTn id="7" dur="1000"/>
                                         <p:tgtEl>
                                           <p:spTgt spid="67"/>
                                         </p:tgtEl>
@@ -8505,14 +9241,14 @@
                 </p:childTnLst>
               </p:cTn>
               <p:prevCondLst>
-                <p:cond evt="onPrev">
+                <p:cond evt="onPrev" delay="0">
                   <p:tgtEl>
                     <p:sldTgt/>
                   </p:tgtEl>
                 </p:cond>
               </p:prevCondLst>
               <p:nextCondLst>
-                <p:cond evt="onNext">
+                <p:cond evt="onNext" delay="0">
                   <p:tgtEl>
                     <p:sldTgt/>
                   </p:tgtEl>
@@ -8528,11 +9264,11 @@
 </file>
 
 <file path=ppt/slides/slide3.xml><?xml version="1.0" encoding="utf-8"?>
-<p:sld xmlns:a="http://schemas.openxmlformats.org/drawingml/2006/main" xmlns:r="http://schemas.openxmlformats.org/officeDocument/2006/relationships" xmlns:mc="http://schemas.openxmlformats.org/markup-compatibility/2006" xmlns:mv="urn:schemas-microsoft-com:mac:vml" xmlns:p="http://schemas.openxmlformats.org/presentationml/2006/main" xmlns:c="http://schemas.openxmlformats.org/drawingml/2006/chart" xmlns:dgm="http://schemas.openxmlformats.org/drawingml/2006/diagram" xmlns:o="urn:schemas-microsoft-com:office:office" xmlns:v="urn:schemas-microsoft-com:vml" xmlns:pvml="urn:schemas-microsoft-com:office:powerpoint" xmlns:com="http://schemas.openxmlformats.org/drawingml/2006/compatibility" xmlns:p14="http://schemas.microsoft.com/office/powerpoint/2010/main" xmlns:p15="http://schemas.microsoft.com/office/powerpoint/2012/main" xmlns:ahyp="http://schemas.microsoft.com/office/drawing/2018/hyperlinkcolor">
+<p:sld xmlns:a="http://schemas.openxmlformats.org/drawingml/2006/main" xmlns:r="http://schemas.openxmlformats.org/officeDocument/2006/relationships" xmlns:p="http://schemas.openxmlformats.org/presentationml/2006/main">
   <p:cSld>
     <p:spTree>
       <p:nvGrpSpPr>
-        <p:cNvPr id="72" name="Shape 72"/>
+        <p:cNvPr id="1" name="Shape 72"/>
         <p:cNvGrpSpPr/>
         <p:nvPr/>
       </p:nvGrpSpPr>
@@ -8547,7 +9283,9 @@
       <p:sp>
         <p:nvSpPr>
           <p:cNvPr id="73" name="Google Shape;73;p15"/>
-          <p:cNvSpPr txBox="1"/>
+          <p:cNvSpPr txBox="1">
+            <a:spLocks noGrp="1"/>
+          </p:cNvSpPr>
           <p:nvPr>
             <p:ph type="title"/>
           </p:nvPr>
@@ -8562,12 +9300,12 @@
           </a:prstGeom>
         </p:spPr>
         <p:txBody>
-          <a:bodyPr anchorCtr="0" anchor="t" bIns="91425" lIns="91425" spcFirstLastPara="1" rIns="91425" wrap="square" tIns="91425">
+          <a:bodyPr spcFirstLastPara="1" wrap="square" lIns="91425" tIns="91425" rIns="91425" bIns="91425" anchor="t" anchorCtr="0">
             <a:normAutofit fontScale="90000"/>
           </a:bodyPr>
           <a:lstStyle/>
           <a:p>
-            <a:pPr indent="0" lvl="0" marL="0" rtl="0" algn="l">
+            <a:pPr marL="0" lvl="0" indent="0" algn="l" rtl="0">
               <a:spcBef>
                 <a:spcPts val="0"/>
               </a:spcBef>
@@ -8587,9 +9325,11 @@
       <p:sp>
         <p:nvSpPr>
           <p:cNvPr id="74" name="Google Shape;74;p15"/>
-          <p:cNvSpPr txBox="1"/>
+          <p:cNvSpPr txBox="1">
+            <a:spLocks noGrp="1"/>
+          </p:cNvSpPr>
           <p:nvPr>
-            <p:ph idx="1" type="body"/>
+            <p:ph type="body" idx="1"/>
           </p:nvPr>
         </p:nvSpPr>
         <p:spPr>
@@ -8602,29 +9342,14 @@
           </a:prstGeom>
         </p:spPr>
         <p:txBody>
-          <a:bodyPr anchorCtr="0" anchor="t" bIns="91425" lIns="91425" spcFirstLastPara="1" rIns="91425" wrap="square" tIns="91425">
+          <a:bodyPr spcFirstLastPara="1" wrap="square" lIns="91425" tIns="91425" rIns="91425" bIns="91425" anchor="t" anchorCtr="0">
             <a:normAutofit/>
           </a:bodyPr>
           <a:lstStyle/>
           <a:p>
-            <a:pPr indent="0" lvl="0" marL="457200" rtl="0" algn="l">
-              <a:spcBef>
-                <a:spcPts val="0"/>
-              </a:spcBef>
-              <a:spcAft>
-                <a:spcPts val="0"/>
-              </a:spcAft>
-              <a:buNone/>
-            </a:pPr>
-            <a:r>
-              <a:t/>
-            </a:r>
-            <a:endParaRPr sz="2100"/>
-          </a:p>
-          <a:p>
-            <a:pPr indent="-361950" lvl="0" marL="457200" rtl="0" algn="l">
-              <a:spcBef>
-                <a:spcPts val="1200"/>
+            <a:pPr marL="457200" lvl="0" indent="-361950" algn="l" rtl="0">
+              <a:spcBef>
+                <a:spcPts val="0"/>
               </a:spcBef>
               <a:spcAft>
                 <a:spcPts val="0"/>
@@ -8639,24 +9364,9 @@
             <a:endParaRPr sz="2100"/>
           </a:p>
           <a:p>
-            <a:pPr indent="0" lvl="0" marL="457200" rtl="0" algn="l">
-              <a:spcBef>
-                <a:spcPts val="1200"/>
-              </a:spcBef>
-              <a:spcAft>
-                <a:spcPts val="0"/>
-              </a:spcAft>
-              <a:buNone/>
-            </a:pPr>
-            <a:r>
-              <a:t/>
-            </a:r>
-            <a:endParaRPr sz="2100"/>
-          </a:p>
-          <a:p>
-            <a:pPr indent="-361950" lvl="0" marL="457200" rtl="0" algn="l">
-              <a:spcBef>
-                <a:spcPts val="1200"/>
+            <a:pPr marL="914400" lvl="1" indent="-361950" algn="l" rtl="0">
+              <a:spcBef>
+                <a:spcPts val="0"/>
               </a:spcBef>
               <a:spcAft>
                 <a:spcPts val="0"/>
@@ -8666,7 +9376,104 @@
             </a:pPr>
             <a:r>
               <a:rPr lang="en" sz="2100"/>
-              <a:t>Finding the best data the fits what we need</a:t>
+              <a:t>What factors contribute to storm strikes in Florida?</a:t>
+            </a:r>
+            <a:endParaRPr sz="2100"/>
+          </a:p>
+          <a:p>
+            <a:pPr marL="914400" lvl="1" indent="-361950" algn="l" rtl="0">
+              <a:spcBef>
+                <a:spcPts val="0"/>
+              </a:spcBef>
+              <a:spcAft>
+                <a:spcPts val="0"/>
+              </a:spcAft>
+              <a:buSzPts val="2100"/>
+              <a:buChar char="-"/>
+            </a:pPr>
+            <a:r>
+              <a:rPr lang="en" sz="2100"/>
+              <a:t>What weather patterns do we observe with our data?</a:t>
+            </a:r>
+            <a:endParaRPr sz="2100"/>
+          </a:p>
+          <a:p>
+            <a:pPr marL="457200" lvl="0" indent="0" algn="l" rtl="0">
+              <a:spcBef>
+                <a:spcPts val="1200"/>
+              </a:spcBef>
+              <a:spcAft>
+                <a:spcPts val="0"/>
+              </a:spcAft>
+              <a:buNone/>
+            </a:pPr>
+            <a:endParaRPr sz="2100"/>
+          </a:p>
+          <a:p>
+            <a:pPr marL="457200" lvl="0" indent="-361950" algn="l" rtl="0">
+              <a:spcBef>
+                <a:spcPts val="1200"/>
+              </a:spcBef>
+              <a:spcAft>
+                <a:spcPts val="0"/>
+              </a:spcAft>
+              <a:buSzPts val="2100"/>
+              <a:buChar char="-"/>
+            </a:pPr>
+            <a:r>
+              <a:rPr lang="en" sz="2100"/>
+              <a:t>Finding the best data that fits our needs</a:t>
+            </a:r>
+            <a:endParaRPr sz="2100"/>
+          </a:p>
+          <a:p>
+            <a:pPr marL="914400" lvl="1" indent="-361950" algn="l" rtl="0">
+              <a:spcBef>
+                <a:spcPts val="0"/>
+              </a:spcBef>
+              <a:spcAft>
+                <a:spcPts val="0"/>
+              </a:spcAft>
+              <a:buSzPts val="2100"/>
+              <a:buChar char="-"/>
+            </a:pPr>
+            <a:r>
+              <a:rPr lang="en" sz="2100"/>
+              <a:t>How do we filter our data to suit our analysis?</a:t>
+            </a:r>
+            <a:endParaRPr sz="2100"/>
+          </a:p>
+          <a:p>
+            <a:pPr marL="914400" lvl="1" indent="-361950" algn="l" rtl="0">
+              <a:spcBef>
+                <a:spcPts val="0"/>
+              </a:spcBef>
+              <a:spcAft>
+                <a:spcPts val="0"/>
+              </a:spcAft>
+              <a:buSzPts val="2100"/>
+              <a:buChar char="-"/>
+            </a:pPr>
+            <a:r>
+              <a:rPr lang="en" sz="2100"/>
+              <a:t>What database structure can we use to present our findings?</a:t>
+            </a:r>
+            <a:endParaRPr sz="2100"/>
+          </a:p>
+          <a:p>
+            <a:pPr marL="914400" lvl="1" indent="-361950" algn="l" rtl="0">
+              <a:spcBef>
+                <a:spcPts val="0"/>
+              </a:spcBef>
+              <a:spcAft>
+                <a:spcPts val="0"/>
+              </a:spcAft>
+              <a:buSzPts val="2100"/>
+              <a:buChar char="-"/>
+            </a:pPr>
+            <a:r>
+              <a:rPr lang="en" sz="2100"/>
+              <a:t>What are the optimal tools to present our data?</a:t>
             </a:r>
             <a:endParaRPr sz="2100"/>
           </a:p>
@@ -8681,11 +9488,11 @@
 </file>
 
 <file path=ppt/slides/slide4.xml><?xml version="1.0" encoding="utf-8"?>
-<p:sld xmlns:a="http://schemas.openxmlformats.org/drawingml/2006/main" xmlns:r="http://schemas.openxmlformats.org/officeDocument/2006/relationships" xmlns:mc="http://schemas.openxmlformats.org/markup-compatibility/2006" xmlns:mv="urn:schemas-microsoft-com:mac:vml" xmlns:p="http://schemas.openxmlformats.org/presentationml/2006/main" xmlns:c="http://schemas.openxmlformats.org/drawingml/2006/chart" xmlns:dgm="http://schemas.openxmlformats.org/drawingml/2006/diagram" xmlns:o="urn:schemas-microsoft-com:office:office" xmlns:v="urn:schemas-microsoft-com:vml" xmlns:pvml="urn:schemas-microsoft-com:office:powerpoint" xmlns:com="http://schemas.openxmlformats.org/drawingml/2006/compatibility" xmlns:p14="http://schemas.microsoft.com/office/powerpoint/2010/main" xmlns:p15="http://schemas.microsoft.com/office/powerpoint/2012/main" xmlns:ahyp="http://schemas.microsoft.com/office/drawing/2018/hyperlinkcolor">
+<p:sld xmlns:a="http://schemas.openxmlformats.org/drawingml/2006/main" xmlns:r="http://schemas.openxmlformats.org/officeDocument/2006/relationships" xmlns:p="http://schemas.openxmlformats.org/presentationml/2006/main">
   <p:cSld>
     <p:spTree>
       <p:nvGrpSpPr>
-        <p:cNvPr id="78" name="Shape 78"/>
+        <p:cNvPr id="1" name="Shape 78"/>
         <p:cNvGrpSpPr/>
         <p:nvPr/>
       </p:nvGrpSpPr>
@@ -8700,7 +9507,9 @@
       <p:sp>
         <p:nvSpPr>
           <p:cNvPr id="79" name="Google Shape;79;p16"/>
-          <p:cNvSpPr txBox="1"/>
+          <p:cNvSpPr txBox="1">
+            <a:spLocks noGrp="1"/>
+          </p:cNvSpPr>
           <p:nvPr>
             <p:ph type="title"/>
           </p:nvPr>
@@ -8715,12 +9524,12 @@
           </a:prstGeom>
         </p:spPr>
         <p:txBody>
-          <a:bodyPr anchorCtr="0" anchor="t" bIns="91425" lIns="91425" spcFirstLastPara="1" rIns="91425" wrap="square" tIns="91425">
+          <a:bodyPr spcFirstLastPara="1" wrap="square" lIns="91425" tIns="91425" rIns="91425" bIns="91425" anchor="t" anchorCtr="0">
             <a:normAutofit fontScale="90000"/>
           </a:bodyPr>
           <a:lstStyle/>
           <a:p>
-            <a:pPr indent="0" lvl="0" marL="0" rtl="0" algn="l">
+            <a:pPr marL="0" lvl="0" indent="0" algn="l" rtl="0">
               <a:spcBef>
                 <a:spcPts val="0"/>
               </a:spcBef>
@@ -8774,11 +9583,11 @@
 </file>
 
 <file path=ppt/slides/slide5.xml><?xml version="1.0" encoding="utf-8"?>
-<p:sld xmlns:a="http://schemas.openxmlformats.org/drawingml/2006/main" xmlns:r="http://schemas.openxmlformats.org/officeDocument/2006/relationships" xmlns:mc="http://schemas.openxmlformats.org/markup-compatibility/2006" xmlns:mv="urn:schemas-microsoft-com:mac:vml" xmlns:p="http://schemas.openxmlformats.org/presentationml/2006/main" xmlns:c="http://schemas.openxmlformats.org/drawingml/2006/chart" xmlns:dgm="http://schemas.openxmlformats.org/drawingml/2006/diagram" xmlns:o="urn:schemas-microsoft-com:office:office" xmlns:v="urn:schemas-microsoft-com:vml" xmlns:pvml="urn:schemas-microsoft-com:office:powerpoint" xmlns:com="http://schemas.openxmlformats.org/drawingml/2006/compatibility" xmlns:p14="http://schemas.microsoft.com/office/powerpoint/2010/main" xmlns:p15="http://schemas.microsoft.com/office/powerpoint/2012/main" xmlns:ahyp="http://schemas.microsoft.com/office/drawing/2018/hyperlinkcolor">
+<p:sld xmlns:a="http://schemas.openxmlformats.org/drawingml/2006/main" xmlns:r="http://schemas.openxmlformats.org/officeDocument/2006/relationships" xmlns:p="http://schemas.openxmlformats.org/presentationml/2006/main">
   <p:cSld>
     <p:spTree>
       <p:nvGrpSpPr>
-        <p:cNvPr id="84" name="Shape 84"/>
+        <p:cNvPr id="1" name="Shape 84"/>
         <p:cNvGrpSpPr/>
         <p:nvPr/>
       </p:nvGrpSpPr>
@@ -8793,7 +9602,9 @@
       <p:sp>
         <p:nvSpPr>
           <p:cNvPr id="85" name="Google Shape;85;p17"/>
-          <p:cNvSpPr txBox="1"/>
+          <p:cNvSpPr txBox="1">
+            <a:spLocks noGrp="1"/>
+          </p:cNvSpPr>
           <p:nvPr>
             <p:ph type="title"/>
           </p:nvPr>
@@ -8808,12 +9619,12 @@
           </a:prstGeom>
         </p:spPr>
         <p:txBody>
-          <a:bodyPr anchorCtr="0" anchor="t" bIns="91425" lIns="91425" spcFirstLastPara="1" rIns="91425" wrap="square" tIns="91425">
+          <a:bodyPr spcFirstLastPara="1" wrap="square" lIns="91425" tIns="91425" rIns="91425" bIns="91425" anchor="t" anchorCtr="0">
             <a:normAutofit fontScale="90000"/>
           </a:bodyPr>
           <a:lstStyle/>
           <a:p>
-            <a:pPr indent="0" lvl="0" marL="0" rtl="0" algn="l">
+            <a:pPr marL="0" lvl="0" indent="0" algn="l" rtl="0">
               <a:spcBef>
                 <a:spcPts val="0"/>
               </a:spcBef>
@@ -8824,7 +9635,7 @@
             </a:pPr>
             <a:r>
               <a:rPr lang="en"/>
-              <a:t>Database Structure</a:t>
+              <a:t>Data Preprocessing</a:t>
             </a:r>
             <a:endParaRPr/>
           </a:p>
@@ -8833,58 +9644,297 @@
       <p:sp>
         <p:nvSpPr>
           <p:cNvPr id="86" name="Google Shape;86;p17"/>
-          <p:cNvSpPr txBox="1"/>
+          <p:cNvSpPr txBox="1">
+            <a:spLocks noGrp="1"/>
+          </p:cNvSpPr>
           <p:nvPr>
-            <p:ph idx="1" type="body"/>
+            <p:ph type="body" idx="1"/>
           </p:nvPr>
         </p:nvSpPr>
         <p:spPr>
           <a:xfrm>
-            <a:off x="311700" y="2366650"/>
-            <a:ext cx="8520600" cy="2202300"/>
+            <a:off x="311700" y="1223925"/>
+            <a:ext cx="8520600" cy="3682500"/>
           </a:xfrm>
           <a:prstGeom prst="rect">
             <a:avLst/>
           </a:prstGeom>
         </p:spPr>
         <p:txBody>
-          <a:bodyPr anchorCtr="0" anchor="t" bIns="91425" lIns="91425" spcFirstLastPara="1" rIns="91425" wrap="square" tIns="91425">
-            <a:normAutofit/>
+          <a:bodyPr spcFirstLastPara="1" wrap="square" lIns="91425" tIns="91425" rIns="91425" bIns="91425" anchor="t" anchorCtr="0">
+            <a:normAutofit lnSpcReduction="20000"/>
           </a:bodyPr>
           <a:lstStyle/>
           <a:p>
-            <a:pPr indent="0" lvl="0" marL="0" rtl="0" algn="ctr">
-              <a:spcBef>
-                <a:spcPts val="0"/>
-              </a:spcBef>
-              <a:spcAft>
-                <a:spcPts val="1200"/>
+            <a:pPr marL="0" lvl="0" indent="0" algn="l" rtl="0">
+              <a:spcBef>
+                <a:spcPts val="0"/>
+              </a:spcBef>
+              <a:spcAft>
+                <a:spcPts val="0"/>
               </a:spcAft>
               <a:buNone/>
             </a:pPr>
             <a:r>
-              <a:rPr b="1" lang="en" u="sng">
+              <a:rPr lang="en">
                 <a:solidFill>
                   <a:srgbClr val="EFEFEF"/>
                 </a:solidFill>
-                <a:hlinkClick r:id="rId3">
-                  <a:extLst>
-                    <a:ext uri="{A12FA001-AC4F-418D-AE19-62706E023703}">
-                      <ahyp:hlinkClr val="tx"/>
-                    </a:ext>
-                  </a:extLst>
-                </a:hlinkClick>
               </a:rPr>
-              <a:t>Entity Relationship Diagram</a:t>
+              <a:t>Data Sources:</a:t>
             </a:r>
-            <a:endParaRPr b="1" u="sng">
+            <a:endParaRPr>
               <a:solidFill>
                 <a:srgbClr val="EFEFEF"/>
               </a:solidFill>
             </a:endParaRPr>
           </a:p>
+          <a:p>
+            <a:pPr marL="457200" lvl="0" indent="-342900" algn="l" rtl="0">
+              <a:spcBef>
+                <a:spcPts val="1200"/>
+              </a:spcBef>
+              <a:spcAft>
+                <a:spcPts val="0"/>
+              </a:spcAft>
+              <a:buClr>
+                <a:srgbClr val="EFEFEF"/>
+              </a:buClr>
+              <a:buSzPts val="1800"/>
+              <a:buChar char="●"/>
+            </a:pPr>
+            <a:r>
+              <a:rPr lang="en">
+                <a:solidFill>
+                  <a:srgbClr val="EFEFEF"/>
+                </a:solidFill>
+              </a:rPr>
+              <a:t>Storm Events DB from NOAA.gov (CSV file)</a:t>
+            </a:r>
+            <a:endParaRPr>
+              <a:solidFill>
+                <a:srgbClr val="EFEFEF"/>
+              </a:solidFill>
+            </a:endParaRPr>
+          </a:p>
+          <a:p>
+            <a:pPr marL="457200" lvl="0" indent="-342900" algn="l" rtl="0">
+              <a:spcBef>
+                <a:spcPts val="0"/>
+              </a:spcBef>
+              <a:spcAft>
+                <a:spcPts val="0"/>
+              </a:spcAft>
+              <a:buClr>
+                <a:srgbClr val="EFEFEF"/>
+              </a:buClr>
+              <a:buSzPts val="1800"/>
+              <a:buChar char="●"/>
+            </a:pPr>
+            <a:r>
+              <a:rPr lang="en">
+                <a:solidFill>
+                  <a:srgbClr val="EFEFEF"/>
+                </a:solidFill>
+              </a:rPr>
+              <a:t>Geojson of US states from GitHub</a:t>
+            </a:r>
+            <a:endParaRPr>
+              <a:solidFill>
+                <a:srgbClr val="EFEFEF"/>
+              </a:solidFill>
+            </a:endParaRPr>
+          </a:p>
+          <a:p>
+            <a:pPr marL="457200" lvl="0" indent="-342900" algn="l" rtl="0">
+              <a:spcBef>
+                <a:spcPts val="0"/>
+              </a:spcBef>
+              <a:spcAft>
+                <a:spcPts val="0"/>
+              </a:spcAft>
+              <a:buClr>
+                <a:srgbClr val="EFEFEF"/>
+              </a:buClr>
+              <a:buSzPts val="1800"/>
+              <a:buChar char="●"/>
+            </a:pPr>
+            <a:endParaRPr>
+              <a:solidFill>
+                <a:srgbClr val="EFEFEF"/>
+              </a:solidFill>
+            </a:endParaRPr>
+          </a:p>
+          <a:p>
+            <a:pPr marL="0" lvl="0" indent="0" algn="l" rtl="0">
+              <a:spcBef>
+                <a:spcPts val="1200"/>
+              </a:spcBef>
+              <a:spcAft>
+                <a:spcPts val="0"/>
+              </a:spcAft>
+              <a:buNone/>
+            </a:pPr>
+            <a:r>
+              <a:rPr lang="en">
+                <a:solidFill>
+                  <a:srgbClr val="EFEFEF"/>
+                </a:solidFill>
+              </a:rPr>
+              <a:t>Preprocessing steps:</a:t>
+            </a:r>
+            <a:endParaRPr>
+              <a:solidFill>
+                <a:srgbClr val="EFEFEF"/>
+              </a:solidFill>
+            </a:endParaRPr>
+          </a:p>
+          <a:p>
+            <a:pPr marL="457200" lvl="0" indent="-342900" algn="l" rtl="0">
+              <a:spcBef>
+                <a:spcPts val="1200"/>
+              </a:spcBef>
+              <a:spcAft>
+                <a:spcPts val="0"/>
+              </a:spcAft>
+              <a:buClr>
+                <a:srgbClr val="EFEFEF"/>
+              </a:buClr>
+              <a:buSzPts val="1800"/>
+              <a:buChar char="●"/>
+            </a:pPr>
+            <a:r>
+              <a:rPr lang="en">
+                <a:solidFill>
+                  <a:srgbClr val="EFEFEF"/>
+                </a:solidFill>
+              </a:rPr>
+              <a:t>Data files are imported to Pandas dataframes</a:t>
+            </a:r>
+            <a:endParaRPr>
+              <a:solidFill>
+                <a:srgbClr val="EFEFEF"/>
+              </a:solidFill>
+            </a:endParaRPr>
+          </a:p>
+          <a:p>
+            <a:pPr marL="457200" lvl="0" indent="-342900" algn="l" rtl="0">
+              <a:spcBef>
+                <a:spcPts val="0"/>
+              </a:spcBef>
+              <a:spcAft>
+                <a:spcPts val="0"/>
+              </a:spcAft>
+              <a:buClr>
+                <a:srgbClr val="EFEFEF"/>
+              </a:buClr>
+              <a:buSzPts val="1800"/>
+              <a:buChar char="●"/>
+            </a:pPr>
+            <a:r>
+              <a:rPr lang="en">
+                <a:solidFill>
+                  <a:srgbClr val="EFEFEF"/>
+                </a:solidFill>
+              </a:rPr>
+              <a:t>Unnamed storms are dropped from dataframe.</a:t>
+            </a:r>
+            <a:endParaRPr>
+              <a:solidFill>
+                <a:srgbClr val="EFEFEF"/>
+              </a:solidFill>
+            </a:endParaRPr>
+          </a:p>
+          <a:p>
+            <a:pPr marL="457200" lvl="0" indent="-342900" algn="l" rtl="0">
+              <a:spcBef>
+                <a:spcPts val="0"/>
+              </a:spcBef>
+              <a:spcAft>
+                <a:spcPts val="0"/>
+              </a:spcAft>
+              <a:buClr>
+                <a:srgbClr val="EFEFEF"/>
+              </a:buClr>
+              <a:buSzPts val="1800"/>
+              <a:buChar char="●"/>
+            </a:pPr>
+            <a:r>
+              <a:rPr lang="en">
+                <a:solidFill>
+                  <a:srgbClr val="EFEFEF"/>
+                </a:solidFill>
+              </a:rPr>
+              <a:t>Data is mapped in Pandas to view data points.</a:t>
+            </a:r>
+            <a:endParaRPr>
+              <a:solidFill>
+                <a:srgbClr val="EFEFEF"/>
+              </a:solidFill>
+            </a:endParaRPr>
+          </a:p>
+          <a:p>
+            <a:pPr marL="0" lvl="0" indent="0" algn="l" rtl="0">
+              <a:spcBef>
+                <a:spcPts val="1200"/>
+              </a:spcBef>
+              <a:spcAft>
+                <a:spcPts val="0"/>
+              </a:spcAft>
+              <a:buNone/>
+            </a:pPr>
+            <a:endParaRPr>
+              <a:solidFill>
+                <a:srgbClr val="EFEFEF"/>
+              </a:solidFill>
+            </a:endParaRPr>
+          </a:p>
+          <a:p>
+            <a:pPr marL="0" lvl="0" indent="0" algn="l" rtl="0">
+              <a:spcBef>
+                <a:spcPts val="1200"/>
+              </a:spcBef>
+              <a:spcAft>
+                <a:spcPts val="1200"/>
+              </a:spcAft>
+              <a:buNone/>
+            </a:pPr>
+            <a:endParaRPr>
+              <a:solidFill>
+                <a:srgbClr val="EFEFEF"/>
+              </a:solidFill>
+            </a:endParaRPr>
+          </a:p>
         </p:txBody>
       </p:sp>
+      <p:pic>
+        <p:nvPicPr>
+          <p:cNvPr id="87" name="Google Shape;87;p17"/>
+          <p:cNvPicPr preferRelativeResize="0"/>
+          <p:nvPr/>
+        </p:nvPicPr>
+        <p:blipFill>
+          <a:blip r:embed="rId3">
+            <a:alphaModFix/>
+          </a:blip>
+          <a:stretch>
+            <a:fillRect/>
+          </a:stretch>
+        </p:blipFill>
+        <p:spPr>
+          <a:xfrm>
+            <a:off x="5477375" y="1751850"/>
+            <a:ext cx="3447625" cy="1932000"/>
+          </a:xfrm>
+          <a:prstGeom prst="rect">
+            <a:avLst/>
+          </a:prstGeom>
+          <a:noFill/>
+          <a:ln>
+            <a:noFill/>
+          </a:ln>
+        </p:spPr>
+      </p:pic>
     </p:spTree>
   </p:cSld>
   <p:clrMapOvr>
@@ -8894,11 +9944,11 @@
 </file>
 
 <file path=ppt/slides/slide6.xml><?xml version="1.0" encoding="utf-8"?>
-<p:sld xmlns:a="http://schemas.openxmlformats.org/drawingml/2006/main" xmlns:r="http://schemas.openxmlformats.org/officeDocument/2006/relationships" xmlns:mc="http://schemas.openxmlformats.org/markup-compatibility/2006" xmlns:mv="urn:schemas-microsoft-com:mac:vml" xmlns:p="http://schemas.openxmlformats.org/presentationml/2006/main" xmlns:c="http://schemas.openxmlformats.org/drawingml/2006/chart" xmlns:dgm="http://schemas.openxmlformats.org/drawingml/2006/diagram" xmlns:o="urn:schemas-microsoft-com:office:office" xmlns:v="urn:schemas-microsoft-com:vml" xmlns:pvml="urn:schemas-microsoft-com:office:powerpoint" xmlns:com="http://schemas.openxmlformats.org/drawingml/2006/compatibility" xmlns:p14="http://schemas.microsoft.com/office/powerpoint/2010/main" xmlns:p15="http://schemas.microsoft.com/office/powerpoint/2012/main" xmlns:ahyp="http://schemas.microsoft.com/office/drawing/2018/hyperlinkcolor">
+<p:sld xmlns:a="http://schemas.openxmlformats.org/drawingml/2006/main" xmlns:r="http://schemas.openxmlformats.org/officeDocument/2006/relationships" xmlns:p="http://schemas.openxmlformats.org/presentationml/2006/main">
   <p:cSld>
     <p:spTree>
       <p:nvGrpSpPr>
-        <p:cNvPr id="90" name="Shape 90"/>
+        <p:cNvPr id="1" name="Shape 91"/>
         <p:cNvGrpSpPr/>
         <p:nvPr/>
       </p:nvGrpSpPr>
@@ -8912,8 +9962,10 @@
       </p:grpSpPr>
       <p:sp>
         <p:nvSpPr>
-          <p:cNvPr id="91" name="Google Shape;91;p18"/>
-          <p:cNvSpPr txBox="1"/>
+          <p:cNvPr id="92" name="Google Shape;92;p18"/>
+          <p:cNvSpPr txBox="1">
+            <a:spLocks noGrp="1"/>
+          </p:cNvSpPr>
           <p:nvPr>
             <p:ph type="title"/>
           </p:nvPr>
@@ -8928,12 +9980,12 @@
           </a:prstGeom>
         </p:spPr>
         <p:txBody>
-          <a:bodyPr anchorCtr="0" anchor="t" bIns="91425" lIns="91425" spcFirstLastPara="1" rIns="91425" wrap="square" tIns="91425">
+          <a:bodyPr spcFirstLastPara="1" wrap="square" lIns="91425" tIns="91425" rIns="91425" bIns="91425" anchor="t" anchorCtr="0">
             <a:normAutofit fontScale="90000"/>
           </a:bodyPr>
           <a:lstStyle/>
           <a:p>
-            <a:pPr indent="0" lvl="0" marL="0" rtl="0" algn="l">
+            <a:pPr marL="0" lvl="0" indent="0" algn="l" rtl="0">
               <a:spcBef>
                 <a:spcPts val="0"/>
               </a:spcBef>
@@ -8944,7 +9996,7 @@
             </a:pPr>
             <a:r>
               <a:rPr lang="en"/>
-              <a:t>Data Analysis</a:t>
+              <a:t>Data Preprocessing</a:t>
             </a:r>
             <a:endParaRPr/>
           </a:p>
@@ -8952,199 +10004,615 @@
       </p:sp>
       <p:sp>
         <p:nvSpPr>
-          <p:cNvPr id="92" name="Google Shape;92;p18"/>
-          <p:cNvSpPr txBox="1"/>
+          <p:cNvPr id="93" name="Google Shape;93;p18"/>
+          <p:cNvSpPr txBox="1">
+            <a:spLocks noGrp="1"/>
+          </p:cNvSpPr>
           <p:nvPr>
-            <p:ph idx="1" type="body"/>
+            <p:ph type="body" idx="1"/>
           </p:nvPr>
         </p:nvSpPr>
         <p:spPr>
           <a:xfrm>
-            <a:off x="311700" y="1152475"/>
-            <a:ext cx="8520600" cy="3416400"/>
+            <a:off x="259100" y="1100675"/>
+            <a:ext cx="8520600" cy="3787500"/>
           </a:xfrm>
           <a:prstGeom prst="rect">
             <a:avLst/>
           </a:prstGeom>
         </p:spPr>
         <p:txBody>
-          <a:bodyPr anchorCtr="0" anchor="t" bIns="91425" lIns="91425" spcFirstLastPara="1" rIns="91425" wrap="square" tIns="91425">
-            <a:normAutofit/>
+          <a:bodyPr spcFirstLastPara="1" wrap="square" lIns="91425" tIns="91425" rIns="91425" bIns="91425" anchor="t" anchorCtr="0">
+            <a:normAutofit fontScale="77500" lnSpcReduction="20000"/>
           </a:bodyPr>
           <a:lstStyle/>
           <a:p>
-            <a:pPr indent="-342900" lvl="0" marL="457200" rtl="0" algn="l">
-              <a:spcBef>
-                <a:spcPts val="0"/>
-              </a:spcBef>
-              <a:spcAft>
-                <a:spcPts val="0"/>
-              </a:spcAft>
-              <a:buSzPts val="1800"/>
-              <a:buChar char="-"/>
+            <a:pPr marL="0" lvl="0" indent="0" algn="l" rtl="0">
+              <a:spcBef>
+                <a:spcPts val="0"/>
+              </a:spcBef>
+              <a:spcAft>
+                <a:spcPts val="0"/>
+              </a:spcAft>
+              <a:buNone/>
             </a:pPr>
             <a:r>
-              <a:rPr lang="en"/>
-              <a:t>Visualize the Data</a:t>
-            </a:r>
-            <a:endParaRPr/>
-          </a:p>
-          <a:p>
-            <a:pPr indent="0" lvl="0" marL="0" rtl="0" algn="ctr">
-              <a:spcBef>
-                <a:spcPts val="1200"/>
-              </a:spcBef>
-              <a:spcAft>
-                <a:spcPts val="1200"/>
-              </a:spcAft>
-              <a:buNone/>
-            </a:pPr>
-            <a:r>
-              <a:rPr b="1" lang="en" u="sng">
+              <a:rPr lang="en">
                 <a:solidFill>
                   <a:srgbClr val="EFEFEF"/>
                 </a:solidFill>
-                <a:hlinkClick r:id="rId3">
-                  <a:extLst>
-                    <a:ext uri="{A12FA001-AC4F-418D-AE19-62706E023703}">
-                      <ahyp:hlinkClr val="tx"/>
-                    </a:ext>
-                  </a:extLst>
-                </a:hlinkClick>
               </a:rPr>
-              <a:t>Tableau Dashboard</a:t>
+              <a:t>Preprocessing steps (cont.):</a:t>
             </a:r>
-            <a:endParaRPr b="1" u="sng">
+            <a:endParaRPr>
               <a:solidFill>
                 <a:srgbClr val="EFEFEF"/>
               </a:solidFill>
             </a:endParaRPr>
           </a:p>
+          <a:p>
+            <a:pPr marL="457200" lvl="0" indent="-317182" algn="l" rtl="0">
+              <a:spcBef>
+                <a:spcPts val="1200"/>
+              </a:spcBef>
+              <a:spcAft>
+                <a:spcPts val="0"/>
+              </a:spcAft>
+              <a:buClr>
+                <a:srgbClr val="EFEFEF"/>
+              </a:buClr>
+              <a:buSzPct val="100000"/>
+              <a:buChar char="●"/>
+            </a:pPr>
+            <a:r>
+              <a:rPr lang="en">
+                <a:solidFill>
+                  <a:srgbClr val="EFEFEF"/>
+                </a:solidFill>
+              </a:rPr>
+              <a:t>Geohash columns are created for latitude and longitude coordinates.</a:t>
+            </a:r>
+            <a:endParaRPr>
+              <a:solidFill>
+                <a:srgbClr val="EFEFEF"/>
+              </a:solidFill>
+            </a:endParaRPr>
+          </a:p>
+          <a:p>
+            <a:pPr marL="457200" lvl="0" indent="0" algn="l" rtl="0">
+              <a:spcBef>
+                <a:spcPts val="1200"/>
+              </a:spcBef>
+              <a:spcAft>
+                <a:spcPts val="0"/>
+              </a:spcAft>
+              <a:buNone/>
+            </a:pPr>
+            <a:endParaRPr>
+              <a:solidFill>
+                <a:srgbClr val="EFEFEF"/>
+              </a:solidFill>
+            </a:endParaRPr>
+          </a:p>
+          <a:p>
+            <a:pPr marL="0" lvl="0" indent="0" algn="l" rtl="0">
+              <a:spcBef>
+                <a:spcPts val="1200"/>
+              </a:spcBef>
+              <a:spcAft>
+                <a:spcPts val="0"/>
+              </a:spcAft>
+              <a:buNone/>
+            </a:pPr>
+            <a:endParaRPr>
+              <a:solidFill>
+                <a:srgbClr val="EFEFEF"/>
+              </a:solidFill>
+            </a:endParaRPr>
+          </a:p>
+          <a:p>
+            <a:pPr marL="0" lvl="0" indent="0" algn="l" rtl="0">
+              <a:spcBef>
+                <a:spcPts val="1200"/>
+              </a:spcBef>
+              <a:spcAft>
+                <a:spcPts val="0"/>
+              </a:spcAft>
+              <a:buNone/>
+            </a:pPr>
+            <a:endParaRPr>
+              <a:solidFill>
+                <a:srgbClr val="EFEFEF"/>
+              </a:solidFill>
+            </a:endParaRPr>
+          </a:p>
+          <a:p>
+            <a:pPr marL="457200" lvl="0" indent="-317182" algn="l" rtl="0">
+              <a:spcBef>
+                <a:spcPts val="1200"/>
+              </a:spcBef>
+              <a:spcAft>
+                <a:spcPts val="0"/>
+              </a:spcAft>
+              <a:buClr>
+                <a:srgbClr val="EFEFEF"/>
+              </a:buClr>
+              <a:buSzPct val="100000"/>
+              <a:buChar char="●"/>
+            </a:pPr>
+            <a:r>
+              <a:rPr lang="en">
+                <a:solidFill>
+                  <a:srgbClr val="EFEFEF"/>
+                </a:solidFill>
+              </a:rPr>
+              <a:t>Geohash encodes a geographic location into a string of letters and digits.</a:t>
+            </a:r>
+            <a:endParaRPr>
+              <a:solidFill>
+                <a:srgbClr val="EFEFEF"/>
+              </a:solidFill>
+            </a:endParaRPr>
+          </a:p>
+          <a:p>
+            <a:pPr marL="457200" lvl="0" indent="-317182" algn="l" rtl="0">
+              <a:spcBef>
+                <a:spcPts val="0"/>
+              </a:spcBef>
+              <a:spcAft>
+                <a:spcPts val="0"/>
+              </a:spcAft>
+              <a:buClr>
+                <a:srgbClr val="EFEFEF"/>
+              </a:buClr>
+              <a:buSzPct val="100000"/>
+              <a:buChar char="●"/>
+            </a:pPr>
+            <a:r>
+              <a:rPr lang="en">
+                <a:solidFill>
+                  <a:srgbClr val="EFEFEF"/>
+                </a:solidFill>
+              </a:rPr>
+              <a:t>The length of the geohash determines the area covered by the geohash.</a:t>
+            </a:r>
+            <a:endParaRPr>
+              <a:solidFill>
+                <a:srgbClr val="EFEFEF"/>
+              </a:solidFill>
+            </a:endParaRPr>
+          </a:p>
+          <a:p>
+            <a:pPr marL="457200" lvl="0" indent="-317182" algn="l" rtl="0">
+              <a:spcBef>
+                <a:spcPts val="0"/>
+              </a:spcBef>
+              <a:spcAft>
+                <a:spcPts val="0"/>
+              </a:spcAft>
+              <a:buClr>
+                <a:srgbClr val="EFEFEF"/>
+              </a:buClr>
+              <a:buSzPct val="100000"/>
+              <a:buChar char="●"/>
+            </a:pPr>
+            <a:r>
+              <a:rPr lang="en">
+                <a:solidFill>
+                  <a:srgbClr val="EFEFEF"/>
+                </a:solidFill>
+              </a:rPr>
+              <a:t>In our analysis we are using the following geohash lengths.  </a:t>
+            </a:r>
+            <a:endParaRPr>
+              <a:solidFill>
+                <a:srgbClr val="EFEFEF"/>
+              </a:solidFill>
+            </a:endParaRPr>
+          </a:p>
+          <a:p>
+            <a:pPr marL="0" lvl="0" indent="0" algn="l" rtl="0">
+              <a:spcBef>
+                <a:spcPts val="1200"/>
+              </a:spcBef>
+              <a:spcAft>
+                <a:spcPts val="0"/>
+              </a:spcAft>
+              <a:buNone/>
+            </a:pPr>
+            <a:endParaRPr>
+              <a:solidFill>
+                <a:srgbClr val="EFEFEF"/>
+              </a:solidFill>
+            </a:endParaRPr>
+          </a:p>
+          <a:p>
+            <a:pPr marL="0" lvl="0" indent="0" algn="l" rtl="0">
+              <a:spcBef>
+                <a:spcPts val="1200"/>
+              </a:spcBef>
+              <a:spcAft>
+                <a:spcPts val="0"/>
+              </a:spcAft>
+              <a:buNone/>
+            </a:pPr>
+            <a:endParaRPr>
+              <a:solidFill>
+                <a:srgbClr val="EFEFEF"/>
+              </a:solidFill>
+            </a:endParaRPr>
+          </a:p>
+          <a:p>
+            <a:pPr marL="0" lvl="0" indent="0" algn="l" rtl="0">
+              <a:spcBef>
+                <a:spcPts val="1200"/>
+              </a:spcBef>
+              <a:spcAft>
+                <a:spcPts val="1200"/>
+              </a:spcAft>
+              <a:buNone/>
+            </a:pPr>
+            <a:endParaRPr>
+              <a:solidFill>
+                <a:srgbClr val="EFEFEF"/>
+              </a:solidFill>
+            </a:endParaRPr>
+          </a:p>
         </p:txBody>
       </p:sp>
-    </p:spTree>
-  </p:cSld>
-  <p:clrMapOvr>
-    <a:masterClrMapping/>
-  </p:clrMapOvr>
-</p:sld>
-</file>
-
-<file path=ppt/slides/slide7.xml><?xml version="1.0" encoding="utf-8"?>
-<p:sld xmlns:a="http://schemas.openxmlformats.org/drawingml/2006/main" xmlns:r="http://schemas.openxmlformats.org/officeDocument/2006/relationships" xmlns:mc="http://schemas.openxmlformats.org/markup-compatibility/2006" xmlns:mv="urn:schemas-microsoft-com:mac:vml" xmlns:p="http://schemas.openxmlformats.org/presentationml/2006/main" xmlns:c="http://schemas.openxmlformats.org/drawingml/2006/chart" xmlns:dgm="http://schemas.openxmlformats.org/drawingml/2006/diagram" xmlns:o="urn:schemas-microsoft-com:office:office" xmlns:v="urn:schemas-microsoft-com:vml" xmlns:pvml="urn:schemas-microsoft-com:office:powerpoint" xmlns:com="http://schemas.openxmlformats.org/drawingml/2006/compatibility" xmlns:p14="http://schemas.microsoft.com/office/powerpoint/2010/main" xmlns:p15="http://schemas.microsoft.com/office/powerpoint/2012/main" xmlns:ahyp="http://schemas.microsoft.com/office/drawing/2018/hyperlinkcolor">
-  <p:cSld>
-    <p:spTree>
-      <p:nvGrpSpPr>
-        <p:cNvPr id="96" name="Shape 96"/>
-        <p:cNvGrpSpPr/>
-        <p:nvPr/>
-      </p:nvGrpSpPr>
-      <p:grpSpPr>
-        <a:xfrm>
-          <a:off x="0" y="0"/>
-          <a:ext cx="0" cy="0"/>
-          <a:chOff x="0" y="0"/>
-          <a:chExt cx="0" cy="0"/>
-        </a:xfrm>
-      </p:grpSpPr>
-      <p:sp>
-        <p:nvSpPr>
-          <p:cNvPr id="97" name="Google Shape;97;p19"/>
-          <p:cNvSpPr txBox="1"/>
-          <p:nvPr>
-            <p:ph type="title"/>
-          </p:nvPr>
-        </p:nvSpPr>
-        <p:spPr>
-          <a:xfrm>
-            <a:off x="311700" y="445025"/>
-            <a:ext cx="8520600" cy="572700"/>
-          </a:xfrm>
-          <a:prstGeom prst="rect">
-            <a:avLst/>
-          </a:prstGeom>
-        </p:spPr>
-        <p:txBody>
-          <a:bodyPr anchorCtr="0" anchor="t" bIns="91425" lIns="91425" spcFirstLastPara="1" rIns="91425" wrap="square" tIns="91425">
-            <a:normAutofit fontScale="90000"/>
-          </a:bodyPr>
-          <a:lstStyle/>
-          <a:p>
-            <a:pPr indent="0" lvl="0" marL="0" rtl="0" algn="l">
-              <a:spcBef>
-                <a:spcPts val="0"/>
-              </a:spcBef>
-              <a:spcAft>
-                <a:spcPts val="0"/>
-              </a:spcAft>
-              <a:buNone/>
-            </a:pPr>
-            <a:r>
-              <a:rPr lang="en"/>
-              <a:t>Data Analysis</a:t>
-            </a:r>
-            <a:endParaRPr/>
-          </a:p>
-        </p:txBody>
-      </p:sp>
-      <p:sp>
-        <p:nvSpPr>
-          <p:cNvPr id="98" name="Google Shape;98;p19"/>
-          <p:cNvSpPr txBox="1"/>
-          <p:nvPr>
-            <p:ph idx="1" type="body"/>
-          </p:nvPr>
-        </p:nvSpPr>
-        <p:spPr>
-          <a:xfrm>
-            <a:off x="311700" y="1152475"/>
-            <a:ext cx="8520600" cy="3416400"/>
-          </a:xfrm>
-          <a:prstGeom prst="rect">
-            <a:avLst/>
-          </a:prstGeom>
-        </p:spPr>
-        <p:txBody>
-          <a:bodyPr anchorCtr="0" anchor="t" bIns="91425" lIns="91425" spcFirstLastPara="1" rIns="91425" wrap="square" tIns="91425">
-            <a:normAutofit/>
-          </a:bodyPr>
-          <a:lstStyle/>
-          <a:p>
-            <a:pPr indent="0" lvl="0" marL="0" rtl="0" algn="l">
-              <a:spcBef>
-                <a:spcPts val="0"/>
-              </a:spcBef>
-              <a:spcAft>
-                <a:spcPts val="0"/>
-              </a:spcAft>
-              <a:buNone/>
-            </a:pPr>
-            <a:r>
-              <a:rPr lang="en"/>
-              <a:t>Finding the geohash</a:t>
-            </a:r>
-            <a:endParaRPr/>
-          </a:p>
-          <a:p>
-            <a:pPr indent="0" lvl="0" marL="0" rtl="0" algn="l">
-              <a:spcBef>
-                <a:spcPts val="1200"/>
-              </a:spcBef>
-              <a:spcAft>
-                <a:spcPts val="1200"/>
-              </a:spcAft>
-              <a:buNone/>
-            </a:pPr>
-            <a:r>
-              <a:t/>
-            </a:r>
-            <a:endParaRPr/>
-          </a:p>
-        </p:txBody>
-      </p:sp>
+      <p:graphicFrame>
+        <p:nvGraphicFramePr>
+          <p:cNvPr id="94" name="Google Shape;94;p18"/>
+          <p:cNvGraphicFramePr/>
+          <p:nvPr/>
+        </p:nvGraphicFramePr>
+        <p:xfrm>
+          <a:off x="877525" y="3840150"/>
+          <a:ext cx="3000000" cy="3000000"/>
+        </p:xfrm>
+        <a:graphic>
+          <a:graphicData uri="http://schemas.openxmlformats.org/drawingml/2006/table">
+            <a:tbl>
+              <a:tblPr>
+                <a:noFill/>
+                <a:tableStyleId>{49ABD7DB-9301-4F01-932B-7FAD1836E16A}</a:tableStyleId>
+              </a:tblPr>
+              <a:tblGrid>
+                <a:gridCol w="1977350">
+                  <a:extLst>
+                    <a:ext uri="{9D8B030D-6E8A-4147-A177-3AD203B41FA5}">
+                      <a16:colId xmlns:a16="http://schemas.microsoft.com/office/drawing/2014/main" val="20000"/>
+                    </a:ext>
+                  </a:extLst>
+                </a:gridCol>
+                <a:gridCol w="1615300">
+                  <a:extLst>
+                    <a:ext uri="{9D8B030D-6E8A-4147-A177-3AD203B41FA5}">
+                      <a16:colId xmlns:a16="http://schemas.microsoft.com/office/drawing/2014/main" val="20001"/>
+                    </a:ext>
+                  </a:extLst>
+                </a:gridCol>
+                <a:gridCol w="1728525">
+                  <a:extLst>
+                    <a:ext uri="{9D8B030D-6E8A-4147-A177-3AD203B41FA5}">
+                      <a16:colId xmlns:a16="http://schemas.microsoft.com/office/drawing/2014/main" val="20002"/>
+                    </a:ext>
+                  </a:extLst>
+                </a:gridCol>
+              </a:tblGrid>
+              <a:tr h="376650">
+                <a:tc>
+                  <a:txBody>
+                    <a:bodyPr/>
+                    <a:lstStyle/>
+                    <a:p>
+                      <a:pPr marL="0" lvl="0" indent="0" algn="l" rtl="0">
+                        <a:spcBef>
+                          <a:spcPts val="0"/>
+                        </a:spcBef>
+                        <a:spcAft>
+                          <a:spcPts val="0"/>
+                        </a:spcAft>
+                        <a:buNone/>
+                      </a:pPr>
+                      <a:r>
+                        <a:rPr lang="en" sz="1000">
+                          <a:solidFill>
+                            <a:srgbClr val="FFFFFF"/>
+                          </a:solidFill>
+                        </a:rPr>
+                        <a:t>Geohash Level</a:t>
+                      </a:r>
+                      <a:endParaRPr sz="1000">
+                        <a:solidFill>
+                          <a:srgbClr val="FFFFFF"/>
+                        </a:solidFill>
+                      </a:endParaRPr>
+                    </a:p>
+                  </a:txBody>
+                  <a:tcPr marL="91425" marR="91425" marT="91425" marB="91425"/>
+                </a:tc>
+                <a:tc>
+                  <a:txBody>
+                    <a:bodyPr/>
+                    <a:lstStyle/>
+                    <a:p>
+                      <a:pPr marL="0" lvl="0" indent="0" algn="l" rtl="0">
+                        <a:spcBef>
+                          <a:spcPts val="0"/>
+                        </a:spcBef>
+                        <a:spcAft>
+                          <a:spcPts val="0"/>
+                        </a:spcAft>
+                        <a:buNone/>
+                      </a:pPr>
+                      <a:r>
+                        <a:rPr lang="en" sz="1000">
+                          <a:solidFill>
+                            <a:srgbClr val="FFFFFF"/>
+                          </a:solidFill>
+                        </a:rPr>
+                        <a:t>CellWidth</a:t>
+                      </a:r>
+                      <a:endParaRPr sz="1000">
+                        <a:solidFill>
+                          <a:srgbClr val="FFFFFF"/>
+                        </a:solidFill>
+                      </a:endParaRPr>
+                    </a:p>
+                  </a:txBody>
+                  <a:tcPr marL="91425" marR="91425" marT="91425" marB="91425"/>
+                </a:tc>
+                <a:tc>
+                  <a:txBody>
+                    <a:bodyPr/>
+                    <a:lstStyle/>
+                    <a:p>
+                      <a:pPr marL="0" lvl="0" indent="0" algn="l" rtl="0">
+                        <a:spcBef>
+                          <a:spcPts val="0"/>
+                        </a:spcBef>
+                        <a:spcAft>
+                          <a:spcPts val="0"/>
+                        </a:spcAft>
+                        <a:buNone/>
+                      </a:pPr>
+                      <a:r>
+                        <a:rPr lang="en" sz="1000">
+                          <a:solidFill>
+                            <a:srgbClr val="FFFFFF"/>
+                          </a:solidFill>
+                        </a:rPr>
+                        <a:t>Cell Height</a:t>
+                      </a:r>
+                      <a:endParaRPr sz="1000">
+                        <a:solidFill>
+                          <a:srgbClr val="FFFFFF"/>
+                        </a:solidFill>
+                      </a:endParaRPr>
+                    </a:p>
+                  </a:txBody>
+                  <a:tcPr marL="91425" marR="91425" marT="91425" marB="91425"/>
+                </a:tc>
+                <a:extLst>
+                  <a:ext uri="{0D108BD9-81ED-4DB2-BD59-A6C34878D82A}">
+                    <a16:rowId xmlns:a16="http://schemas.microsoft.com/office/drawing/2014/main" val="10000"/>
+                  </a:ext>
+                </a:extLst>
+              </a:tr>
+              <a:tr h="260975">
+                <a:tc>
+                  <a:txBody>
+                    <a:bodyPr/>
+                    <a:lstStyle/>
+                    <a:p>
+                      <a:pPr marL="0" lvl="0" indent="0" algn="r" rtl="0">
+                        <a:lnSpc>
+                          <a:spcPct val="115000"/>
+                        </a:lnSpc>
+                        <a:spcBef>
+                          <a:spcPts val="0"/>
+                        </a:spcBef>
+                        <a:spcAft>
+                          <a:spcPts val="0"/>
+                        </a:spcAft>
+                        <a:buNone/>
+                      </a:pPr>
+                      <a:r>
+                        <a:rPr lang="en" sz="1000">
+                          <a:solidFill>
+                            <a:srgbClr val="FFFFFF"/>
+                          </a:solidFill>
+                        </a:rPr>
+                        <a:t>2</a:t>
+                      </a:r>
+                      <a:endParaRPr sz="1000">
+                        <a:solidFill>
+                          <a:srgbClr val="FFFFFF"/>
+                        </a:solidFill>
+                      </a:endParaRPr>
+                    </a:p>
+                  </a:txBody>
+                  <a:tcPr marL="91425" marR="91425" marT="91425" marB="91425"/>
+                </a:tc>
+                <a:tc>
+                  <a:txBody>
+                    <a:bodyPr/>
+                    <a:lstStyle/>
+                    <a:p>
+                      <a:pPr marL="0" lvl="0" indent="0" algn="l" rtl="0">
+                        <a:spcBef>
+                          <a:spcPts val="0"/>
+                        </a:spcBef>
+                        <a:spcAft>
+                          <a:spcPts val="0"/>
+                        </a:spcAft>
+                        <a:buNone/>
+                      </a:pPr>
+                      <a:r>
+                        <a:rPr lang="en" sz="1000">
+                          <a:solidFill>
+                            <a:srgbClr val="FFFFFF"/>
+                          </a:solidFill>
+                        </a:rPr>
+                        <a:t>1,250 km</a:t>
+                      </a:r>
+                      <a:endParaRPr sz="1000">
+                        <a:solidFill>
+                          <a:srgbClr val="FFFFFF"/>
+                        </a:solidFill>
+                      </a:endParaRPr>
+                    </a:p>
+                  </a:txBody>
+                  <a:tcPr marL="91425" marR="91425" marT="91425" marB="91425"/>
+                </a:tc>
+                <a:tc>
+                  <a:txBody>
+                    <a:bodyPr/>
+                    <a:lstStyle/>
+                    <a:p>
+                      <a:pPr marL="0" lvl="0" indent="0" algn="l" rtl="0">
+                        <a:spcBef>
+                          <a:spcPts val="0"/>
+                        </a:spcBef>
+                        <a:spcAft>
+                          <a:spcPts val="0"/>
+                        </a:spcAft>
+                        <a:buNone/>
+                      </a:pPr>
+                      <a:r>
+                        <a:rPr lang="en" sz="1000">
+                          <a:solidFill>
+                            <a:srgbClr val="FFFFFF"/>
+                          </a:solidFill>
+                        </a:rPr>
+                        <a:t>625 km</a:t>
+                      </a:r>
+                      <a:endParaRPr sz="1000">
+                        <a:solidFill>
+                          <a:srgbClr val="FFFFFF"/>
+                        </a:solidFill>
+                      </a:endParaRPr>
+                    </a:p>
+                  </a:txBody>
+                  <a:tcPr marL="91425" marR="91425" marT="91425" marB="91425"/>
+                </a:tc>
+                <a:extLst>
+                  <a:ext uri="{0D108BD9-81ED-4DB2-BD59-A6C34878D82A}">
+                    <a16:rowId xmlns:a16="http://schemas.microsoft.com/office/drawing/2014/main" val="10001"/>
+                  </a:ext>
+                </a:extLst>
+              </a:tr>
+              <a:tr h="336125">
+                <a:tc>
+                  <a:txBody>
+                    <a:bodyPr/>
+                    <a:lstStyle/>
+                    <a:p>
+                      <a:pPr marL="0" lvl="0" indent="0" algn="r" rtl="0">
+                        <a:lnSpc>
+                          <a:spcPct val="115000"/>
+                        </a:lnSpc>
+                        <a:spcBef>
+                          <a:spcPts val="0"/>
+                        </a:spcBef>
+                        <a:spcAft>
+                          <a:spcPts val="0"/>
+                        </a:spcAft>
+                        <a:buNone/>
+                      </a:pPr>
+                      <a:r>
+                        <a:rPr lang="en" sz="1000">
+                          <a:solidFill>
+                            <a:srgbClr val="FFFFFF"/>
+                          </a:solidFill>
+                        </a:rPr>
+                        <a:t>5</a:t>
+                      </a:r>
+                      <a:endParaRPr sz="1000">
+                        <a:solidFill>
+                          <a:srgbClr val="FFFFFF"/>
+                        </a:solidFill>
+                      </a:endParaRPr>
+                    </a:p>
+                  </a:txBody>
+                  <a:tcPr marL="91425" marR="91425" marT="91425" marB="91425"/>
+                </a:tc>
+                <a:tc>
+                  <a:txBody>
+                    <a:bodyPr/>
+                    <a:lstStyle/>
+                    <a:p>
+                      <a:pPr marL="0" lvl="0" indent="0" algn="l" rtl="0">
+                        <a:spcBef>
+                          <a:spcPts val="0"/>
+                        </a:spcBef>
+                        <a:spcAft>
+                          <a:spcPts val="0"/>
+                        </a:spcAft>
+                        <a:buNone/>
+                      </a:pPr>
+                      <a:r>
+                        <a:rPr lang="en" sz="1000">
+                          <a:solidFill>
+                            <a:srgbClr val="FFFFFF"/>
+                          </a:solidFill>
+                        </a:rPr>
+                        <a:t>4.89 km</a:t>
+                      </a:r>
+                      <a:endParaRPr sz="1000">
+                        <a:solidFill>
+                          <a:srgbClr val="FFFFFF"/>
+                        </a:solidFill>
+                      </a:endParaRPr>
+                    </a:p>
+                  </a:txBody>
+                  <a:tcPr marL="91425" marR="91425" marT="91425" marB="91425"/>
+                </a:tc>
+                <a:tc>
+                  <a:txBody>
+                    <a:bodyPr/>
+                    <a:lstStyle/>
+                    <a:p>
+                      <a:pPr marL="0" lvl="0" indent="0" algn="l" rtl="0">
+                        <a:spcBef>
+                          <a:spcPts val="0"/>
+                        </a:spcBef>
+                        <a:spcAft>
+                          <a:spcPts val="0"/>
+                        </a:spcAft>
+                        <a:buNone/>
+                      </a:pPr>
+                      <a:r>
+                        <a:rPr lang="en" sz="1000">
+                          <a:solidFill>
+                            <a:srgbClr val="FFFFFF"/>
+                          </a:solidFill>
+                        </a:rPr>
+                        <a:t>4.89 km</a:t>
+                      </a:r>
+                      <a:endParaRPr sz="1000">
+                        <a:solidFill>
+                          <a:srgbClr val="FFFFFF"/>
+                        </a:solidFill>
+                      </a:endParaRPr>
+                    </a:p>
+                  </a:txBody>
+                  <a:tcPr marL="91425" marR="91425" marT="91425" marB="91425"/>
+                </a:tc>
+                <a:extLst>
+                  <a:ext uri="{0D108BD9-81ED-4DB2-BD59-A6C34878D82A}">
+                    <a16:rowId xmlns:a16="http://schemas.microsoft.com/office/drawing/2014/main" val="10002"/>
+                  </a:ext>
+                </a:extLst>
+              </a:tr>
+            </a:tbl>
+          </a:graphicData>
+        </a:graphic>
+      </p:graphicFrame>
       <p:pic>
         <p:nvPicPr>
-          <p:cNvPr id="99" name="Google Shape;99;p19"/>
+          <p:cNvPr id="95" name="Google Shape;95;p18"/>
           <p:cNvPicPr preferRelativeResize="0"/>
           <p:nvPr/>
         </p:nvPicPr>
@@ -9158,7 +10626,7 @@
         </p:blipFill>
         <p:spPr>
           <a:xfrm>
-            <a:off x="1371600" y="2152650"/>
+            <a:off x="552600" y="1919725"/>
             <a:ext cx="6400800" cy="838200"/>
           </a:xfrm>
           <a:prstGeom prst="rect">
@@ -9178,12 +10646,12 @@
 </p:sld>
 </file>
 
-<file path=ppt/slides/slide8.xml><?xml version="1.0" encoding="utf-8"?>
-<p:sld xmlns:a="http://schemas.openxmlformats.org/drawingml/2006/main" xmlns:r="http://schemas.openxmlformats.org/officeDocument/2006/relationships" xmlns:mc="http://schemas.openxmlformats.org/markup-compatibility/2006" xmlns:mv="urn:schemas-microsoft-com:mac:vml" xmlns:p="http://schemas.openxmlformats.org/presentationml/2006/main" xmlns:c="http://schemas.openxmlformats.org/drawingml/2006/chart" xmlns:dgm="http://schemas.openxmlformats.org/drawingml/2006/diagram" xmlns:o="urn:schemas-microsoft-com:office:office" xmlns:v="urn:schemas-microsoft-com:vml" xmlns:pvml="urn:schemas-microsoft-com:office:powerpoint" xmlns:com="http://schemas.openxmlformats.org/drawingml/2006/compatibility" xmlns:p14="http://schemas.microsoft.com/office/powerpoint/2010/main" xmlns:p15="http://schemas.microsoft.com/office/powerpoint/2012/main" xmlns:ahyp="http://schemas.microsoft.com/office/drawing/2018/hyperlinkcolor">
+<file path=ppt/slides/slide7.xml><?xml version="1.0" encoding="utf-8"?>
+<p:sld xmlns:a="http://schemas.openxmlformats.org/drawingml/2006/main" xmlns:r="http://schemas.openxmlformats.org/officeDocument/2006/relationships" xmlns:p="http://schemas.openxmlformats.org/presentationml/2006/main">
   <p:cSld>
     <p:spTree>
       <p:nvGrpSpPr>
-        <p:cNvPr id="103" name="Shape 103"/>
+        <p:cNvPr id="1" name="Shape 99"/>
         <p:cNvGrpSpPr/>
         <p:nvPr/>
       </p:nvGrpSpPr>
@@ -9197,8 +10665,10 @@
       </p:grpSpPr>
       <p:sp>
         <p:nvSpPr>
-          <p:cNvPr id="104" name="Google Shape;104;p20"/>
-          <p:cNvSpPr txBox="1"/>
+          <p:cNvPr id="100" name="Google Shape;100;p19"/>
+          <p:cNvSpPr txBox="1">
+            <a:spLocks noGrp="1"/>
+          </p:cNvSpPr>
           <p:nvPr>
             <p:ph type="title"/>
           </p:nvPr>
@@ -9213,12 +10683,12 @@
           </a:prstGeom>
         </p:spPr>
         <p:txBody>
-          <a:bodyPr anchorCtr="0" anchor="t" bIns="91425" lIns="91425" spcFirstLastPara="1" rIns="91425" wrap="square" tIns="91425">
+          <a:bodyPr spcFirstLastPara="1" wrap="square" lIns="91425" tIns="91425" rIns="91425" bIns="91425" anchor="t" anchorCtr="0">
             <a:normAutofit fontScale="90000"/>
           </a:bodyPr>
           <a:lstStyle/>
           <a:p>
-            <a:pPr indent="0" lvl="0" marL="0" rtl="0" algn="l">
+            <a:pPr marL="0" lvl="0" indent="0" algn="l" rtl="0">
               <a:spcBef>
                 <a:spcPts val="0"/>
               </a:spcBef>
@@ -9229,7 +10699,7 @@
             </a:pPr>
             <a:r>
               <a:rPr lang="en"/>
-              <a:t>Data Analysis</a:t>
+              <a:t>Data Preprocessing</a:t>
             </a:r>
             <a:endParaRPr/>
           </a:p>
@@ -9237,28 +10707,30 @@
       </p:sp>
       <p:sp>
         <p:nvSpPr>
-          <p:cNvPr id="105" name="Google Shape;105;p20"/>
-          <p:cNvSpPr txBox="1"/>
+          <p:cNvPr id="101" name="Google Shape;101;p19"/>
+          <p:cNvSpPr txBox="1">
+            <a:spLocks noGrp="1"/>
+          </p:cNvSpPr>
           <p:nvPr>
-            <p:ph idx="1" type="body"/>
+            <p:ph type="body" idx="1"/>
           </p:nvPr>
         </p:nvSpPr>
         <p:spPr>
           <a:xfrm>
-            <a:off x="311700" y="1152475"/>
-            <a:ext cx="8520600" cy="3416400"/>
+            <a:off x="311700" y="1396725"/>
+            <a:ext cx="4835100" cy="3300000"/>
           </a:xfrm>
           <a:prstGeom prst="rect">
             <a:avLst/>
           </a:prstGeom>
         </p:spPr>
         <p:txBody>
-          <a:bodyPr anchorCtr="0" anchor="t" bIns="91425" lIns="91425" spcFirstLastPara="1" rIns="91425" wrap="square" tIns="91425">
-            <a:normAutofit/>
+          <a:bodyPr spcFirstLastPara="1" wrap="square" lIns="91425" tIns="91425" rIns="91425" bIns="91425" anchor="t" anchorCtr="0">
+            <a:normAutofit lnSpcReduction="10000"/>
           </a:bodyPr>
           <a:lstStyle/>
           <a:p>
-            <a:pPr indent="0" lvl="0" marL="0" rtl="0" algn="l">
+            <a:pPr marL="0" lvl="0" indent="0" algn="l" rtl="0">
               <a:spcBef>
                 <a:spcPts val="0"/>
               </a:spcBef>
@@ -9268,31 +10740,168 @@
               <a:buNone/>
             </a:pPr>
             <a:r>
-              <a:rPr lang="en"/>
-              <a:t>Strike Target</a:t>
+              <a:rPr lang="en">
+                <a:solidFill>
+                  <a:srgbClr val="EFEFEF"/>
+                </a:solidFill>
+              </a:rPr>
+              <a:t>Preprocessing steps (cont.):</a:t>
             </a:r>
-            <a:endParaRPr/>
-          </a:p>
-          <a:p>
-            <a:pPr indent="0" lvl="0" marL="0" rtl="0" algn="l">
+            <a:endParaRPr>
+              <a:solidFill>
+                <a:srgbClr val="EFEFEF"/>
+              </a:solidFill>
+            </a:endParaRPr>
+          </a:p>
+          <a:p>
+            <a:pPr marL="457200" lvl="0" indent="-342900" algn="l" rtl="0">
               <a:spcBef>
                 <a:spcPts val="1200"/>
               </a:spcBef>
               <a:spcAft>
-                <a:spcPts val="1200"/>
-              </a:spcAft>
-              <a:buNone/>
+                <a:spcPts val="0"/>
+              </a:spcAft>
+              <a:buClr>
+                <a:srgbClr val="EFEFEF"/>
+              </a:buClr>
+              <a:buSzPts val="1800"/>
+              <a:buChar char="●"/>
             </a:pPr>
             <a:r>
-              <a:t/>
+              <a:rPr lang="en">
+                <a:solidFill>
+                  <a:srgbClr val="EFEFEF"/>
+                </a:solidFill>
+              </a:rPr>
+              <a:t>Dataframe is filtered to the North Atlantic region.</a:t>
             </a:r>
-            <a:endParaRPr/>
+            <a:endParaRPr>
+              <a:solidFill>
+                <a:srgbClr val="EFEFEF"/>
+              </a:solidFill>
+            </a:endParaRPr>
+          </a:p>
+          <a:p>
+            <a:pPr marL="457200" lvl="0" indent="-342900" algn="l" rtl="0">
+              <a:spcBef>
+                <a:spcPts val="0"/>
+              </a:spcBef>
+              <a:spcAft>
+                <a:spcPts val="0"/>
+              </a:spcAft>
+              <a:buClr>
+                <a:srgbClr val="EFEFEF"/>
+              </a:buClr>
+              <a:buSzPts val="1800"/>
+              <a:buChar char="●"/>
+            </a:pPr>
+            <a:r>
+              <a:rPr lang="en">
+                <a:solidFill>
+                  <a:srgbClr val="EFEFEF"/>
+                </a:solidFill>
+              </a:rPr>
+              <a:t>Florida geojson file is imported to Pandas.</a:t>
+            </a:r>
+            <a:endParaRPr>
+              <a:solidFill>
+                <a:srgbClr val="EFEFEF"/>
+              </a:solidFill>
+            </a:endParaRPr>
+          </a:p>
+          <a:p>
+            <a:pPr marL="457200" lvl="0" indent="-342900" algn="l" rtl="0">
+              <a:spcBef>
+                <a:spcPts val="0"/>
+              </a:spcBef>
+              <a:spcAft>
+                <a:spcPts val="0"/>
+              </a:spcAft>
+              <a:buClr>
+                <a:srgbClr val="EFEFEF"/>
+              </a:buClr>
+              <a:buSzPts val="1800"/>
+              <a:buChar char="●"/>
+            </a:pPr>
+            <a:r>
+              <a:rPr lang="en">
+                <a:solidFill>
+                  <a:srgbClr val="EFEFEF"/>
+                </a:solidFill>
+              </a:rPr>
+              <a:t>Florida geohash values are calculated.</a:t>
+            </a:r>
+            <a:endParaRPr>
+              <a:solidFill>
+                <a:srgbClr val="EFEFEF"/>
+              </a:solidFill>
+            </a:endParaRPr>
+          </a:p>
+          <a:p>
+            <a:pPr marL="457200" lvl="0" indent="-342900" algn="l" rtl="0">
+              <a:spcBef>
+                <a:spcPts val="0"/>
+              </a:spcBef>
+              <a:spcAft>
+                <a:spcPts val="0"/>
+              </a:spcAft>
+              <a:buClr>
+                <a:srgbClr val="EFEFEF"/>
+              </a:buClr>
+              <a:buSzPts val="1800"/>
+              <a:buChar char="●"/>
+            </a:pPr>
+            <a:r>
+              <a:rPr lang="en">
+                <a:solidFill>
+                  <a:srgbClr val="EFEFEF"/>
+                </a:solidFill>
+              </a:rPr>
+              <a:t>Dataframes are exported to Postgres for DB processing.</a:t>
+            </a:r>
+            <a:endParaRPr>
+              <a:solidFill>
+                <a:srgbClr val="EFEFEF"/>
+              </a:solidFill>
+            </a:endParaRPr>
+          </a:p>
+          <a:p>
+            <a:pPr marL="0" lvl="0" indent="0" algn="l" rtl="0">
+              <a:spcBef>
+                <a:spcPts val="1200"/>
+              </a:spcBef>
+              <a:spcAft>
+                <a:spcPts val="0"/>
+              </a:spcAft>
+              <a:buNone/>
+            </a:pPr>
+            <a:endParaRPr>
+              <a:solidFill>
+                <a:srgbClr val="EFEFEF"/>
+              </a:solidFill>
+            </a:endParaRPr>
+          </a:p>
+          <a:p>
+            <a:pPr marL="0" lvl="0" indent="0" algn="l" rtl="0">
+              <a:spcBef>
+                <a:spcPts val="1200"/>
+              </a:spcBef>
+              <a:spcAft>
+                <a:spcPts val="1200"/>
+              </a:spcAft>
+              <a:buNone/>
+            </a:pPr>
+            <a:endParaRPr>
+              <a:solidFill>
+                <a:srgbClr val="EFEFEF"/>
+              </a:solidFill>
+            </a:endParaRPr>
           </a:p>
         </p:txBody>
       </p:sp>
       <p:pic>
         <p:nvPicPr>
-          <p:cNvPr id="106" name="Google Shape;106;p20"/>
+          <p:cNvPr id="102" name="Google Shape;102;p19"/>
           <p:cNvPicPr preferRelativeResize="0"/>
           <p:nvPr/>
         </p:nvPicPr>
@@ -9306,8 +10915,36 @@
         </p:blipFill>
         <p:spPr>
           <a:xfrm>
-            <a:off x="311700" y="1765450"/>
-            <a:ext cx="8832299" cy="1557630"/>
+            <a:off x="5492400" y="307250"/>
+            <a:ext cx="3396150" cy="2446000"/>
+          </a:xfrm>
+          <a:prstGeom prst="rect">
+            <a:avLst/>
+          </a:prstGeom>
+          <a:noFill/>
+          <a:ln>
+            <a:noFill/>
+          </a:ln>
+        </p:spPr>
+      </p:pic>
+      <p:pic>
+        <p:nvPicPr>
+          <p:cNvPr id="103" name="Google Shape;103;p19"/>
+          <p:cNvPicPr preferRelativeResize="0"/>
+          <p:nvPr/>
+        </p:nvPicPr>
+        <p:blipFill>
+          <a:blip r:embed="rId4">
+            <a:alphaModFix/>
+          </a:blip>
+          <a:stretch>
+            <a:fillRect/>
+          </a:stretch>
+        </p:blipFill>
+        <p:spPr>
+          <a:xfrm>
+            <a:off x="6200825" y="2928175"/>
+            <a:ext cx="2390284" cy="2085451"/>
           </a:xfrm>
           <a:prstGeom prst="rect">
             <a:avLst/>
@@ -9326,12 +10963,12 @@
 </p:sld>
 </file>
 
-<file path=ppt/slides/slide9.xml><?xml version="1.0" encoding="utf-8"?>
-<p:sld xmlns:a="http://schemas.openxmlformats.org/drawingml/2006/main" xmlns:r="http://schemas.openxmlformats.org/officeDocument/2006/relationships" xmlns:mc="http://schemas.openxmlformats.org/markup-compatibility/2006" xmlns:mv="urn:schemas-microsoft-com:mac:vml" xmlns:p="http://schemas.openxmlformats.org/presentationml/2006/main" xmlns:c="http://schemas.openxmlformats.org/drawingml/2006/chart" xmlns:dgm="http://schemas.openxmlformats.org/drawingml/2006/diagram" xmlns:o="urn:schemas-microsoft-com:office:office" xmlns:v="urn:schemas-microsoft-com:vml" xmlns:pvml="urn:schemas-microsoft-com:office:powerpoint" xmlns:com="http://schemas.openxmlformats.org/drawingml/2006/compatibility" xmlns:p14="http://schemas.microsoft.com/office/powerpoint/2010/main" xmlns:p15="http://schemas.microsoft.com/office/powerpoint/2012/main" xmlns:ahyp="http://schemas.microsoft.com/office/drawing/2018/hyperlinkcolor">
+<file path=ppt/slides/slide8.xml><?xml version="1.0" encoding="utf-8"?>
+<p:sld xmlns:a="http://schemas.openxmlformats.org/drawingml/2006/main" xmlns:r="http://schemas.openxmlformats.org/officeDocument/2006/relationships" xmlns:p="http://schemas.openxmlformats.org/presentationml/2006/main">
   <p:cSld>
     <p:spTree>
       <p:nvGrpSpPr>
-        <p:cNvPr id="110" name="Shape 110"/>
+        <p:cNvPr id="1" name="Shape 107"/>
         <p:cNvGrpSpPr/>
         <p:nvPr/>
       </p:nvGrpSpPr>
@@ -9345,8 +10982,10 @@
       </p:grpSpPr>
       <p:sp>
         <p:nvSpPr>
-          <p:cNvPr id="111" name="Google Shape;111;p21"/>
-          <p:cNvSpPr txBox="1"/>
+          <p:cNvPr id="108" name="Google Shape;108;p20"/>
+          <p:cNvSpPr txBox="1">
+            <a:spLocks noGrp="1"/>
+          </p:cNvSpPr>
           <p:nvPr>
             <p:ph type="title"/>
           </p:nvPr>
@@ -9361,12 +11000,136 @@
           </a:prstGeom>
         </p:spPr>
         <p:txBody>
-          <a:bodyPr anchorCtr="0" anchor="t" bIns="91425" lIns="91425" spcFirstLastPara="1" rIns="91425" wrap="square" tIns="91425">
+          <a:bodyPr spcFirstLastPara="1" wrap="square" lIns="91425" tIns="91425" rIns="91425" bIns="91425" anchor="t" anchorCtr="0">
             <a:normAutofit fontScale="90000"/>
           </a:bodyPr>
           <a:lstStyle/>
           <a:p>
-            <a:pPr indent="0" lvl="0" marL="0" rtl="0" algn="l">
+            <a:pPr marL="0" lvl="0" indent="0" algn="l" rtl="0">
+              <a:spcBef>
+                <a:spcPts val="0"/>
+              </a:spcBef>
+              <a:spcAft>
+                <a:spcPts val="0"/>
+              </a:spcAft>
+              <a:buNone/>
+            </a:pPr>
+            <a:r>
+              <a:rPr lang="en"/>
+              <a:t>Database Structure</a:t>
+            </a:r>
+            <a:endParaRPr/>
+          </a:p>
+        </p:txBody>
+      </p:sp>
+      <p:sp>
+        <p:nvSpPr>
+          <p:cNvPr id="109" name="Google Shape;109;p20"/>
+          <p:cNvSpPr txBox="1">
+            <a:spLocks noGrp="1"/>
+          </p:cNvSpPr>
+          <p:nvPr>
+            <p:ph type="body" idx="1"/>
+          </p:nvPr>
+        </p:nvSpPr>
+        <p:spPr>
+          <a:xfrm>
+            <a:off x="311700" y="2366650"/>
+            <a:ext cx="8520600" cy="2202300"/>
+          </a:xfrm>
+          <a:prstGeom prst="rect">
+            <a:avLst/>
+          </a:prstGeom>
+        </p:spPr>
+        <p:txBody>
+          <a:bodyPr spcFirstLastPara="1" wrap="square" lIns="91425" tIns="91425" rIns="91425" bIns="91425" anchor="t" anchorCtr="0">
+            <a:normAutofit/>
+          </a:bodyPr>
+          <a:lstStyle/>
+          <a:p>
+            <a:pPr marL="0" lvl="0" indent="0" algn="ctr" rtl="0">
+              <a:spcBef>
+                <a:spcPts val="0"/>
+              </a:spcBef>
+              <a:spcAft>
+                <a:spcPts val="1200"/>
+              </a:spcAft>
+              <a:buNone/>
+            </a:pPr>
+            <a:r>
+              <a:rPr lang="en" b="1" u="sng">
+                <a:solidFill>
+                  <a:srgbClr val="EFEFEF"/>
+                </a:solidFill>
+                <a:hlinkClick r:id="rId3">
+                  <a:extLst>
+                    <a:ext uri="{A12FA001-AC4F-418D-AE19-62706E023703}">
+                      <ahyp:hlinkClr xmlns:ahyp="http://schemas.microsoft.com/office/drawing/2018/hyperlinkcolor" val="tx"/>
+                    </a:ext>
+                  </a:extLst>
+                </a:hlinkClick>
+              </a:rPr>
+              <a:t>Entity Relationship Diagram</a:t>
+            </a:r>
+            <a:endParaRPr b="1" u="sng">
+              <a:solidFill>
+                <a:srgbClr val="EFEFEF"/>
+              </a:solidFill>
+            </a:endParaRPr>
+          </a:p>
+        </p:txBody>
+      </p:sp>
+    </p:spTree>
+  </p:cSld>
+  <p:clrMapOvr>
+    <a:masterClrMapping/>
+  </p:clrMapOvr>
+</p:sld>
+</file>
+
+<file path=ppt/slides/slide9.xml><?xml version="1.0" encoding="utf-8"?>
+<p:sld xmlns:a="http://schemas.openxmlformats.org/drawingml/2006/main" xmlns:r="http://schemas.openxmlformats.org/officeDocument/2006/relationships" xmlns:p="http://schemas.openxmlformats.org/presentationml/2006/main">
+  <p:cSld>
+    <p:spTree>
+      <p:nvGrpSpPr>
+        <p:cNvPr id="1" name="Shape 113"/>
+        <p:cNvGrpSpPr/>
+        <p:nvPr/>
+      </p:nvGrpSpPr>
+      <p:grpSpPr>
+        <a:xfrm>
+          <a:off x="0" y="0"/>
+          <a:ext cx="0" cy="0"/>
+          <a:chOff x="0" y="0"/>
+          <a:chExt cx="0" cy="0"/>
+        </a:xfrm>
+      </p:grpSpPr>
+      <p:sp>
+        <p:nvSpPr>
+          <p:cNvPr id="114" name="Google Shape;114;p21"/>
+          <p:cNvSpPr txBox="1">
+            <a:spLocks noGrp="1"/>
+          </p:cNvSpPr>
+          <p:nvPr>
+            <p:ph type="title"/>
+          </p:nvPr>
+        </p:nvSpPr>
+        <p:spPr>
+          <a:xfrm>
+            <a:off x="311700" y="445025"/>
+            <a:ext cx="8520600" cy="572700"/>
+          </a:xfrm>
+          <a:prstGeom prst="rect">
+            <a:avLst/>
+          </a:prstGeom>
+        </p:spPr>
+        <p:txBody>
+          <a:bodyPr spcFirstLastPara="1" wrap="square" lIns="91425" tIns="91425" rIns="91425" bIns="91425" anchor="t" anchorCtr="0">
+            <a:normAutofit fontScale="90000"/>
+          </a:bodyPr>
+          <a:lstStyle/>
+          <a:p>
+            <a:pPr marL="0" lvl="0" indent="0" algn="l" rtl="0">
               <a:spcBef>
                 <a:spcPts val="0"/>
               </a:spcBef>
@@ -9385,15 +11148,17 @@
       </p:sp>
       <p:sp>
         <p:nvSpPr>
-          <p:cNvPr id="112" name="Google Shape;112;p21"/>
-          <p:cNvSpPr txBox="1"/>
+          <p:cNvPr id="115" name="Google Shape;115;p21"/>
+          <p:cNvSpPr txBox="1">
+            <a:spLocks noGrp="1"/>
+          </p:cNvSpPr>
           <p:nvPr>
-            <p:ph idx="1" type="body"/>
+            <p:ph type="body" idx="1"/>
           </p:nvPr>
         </p:nvSpPr>
         <p:spPr>
           <a:xfrm>
-            <a:off x="311700" y="1152475"/>
+            <a:off x="311700" y="1017725"/>
             <a:ext cx="8520600" cy="3416400"/>
           </a:xfrm>
           <a:prstGeom prst="rect">
@@ -9401,28 +11166,29 @@
           </a:prstGeom>
         </p:spPr>
         <p:txBody>
-          <a:bodyPr anchorCtr="0" anchor="t" bIns="91425" lIns="91425" spcFirstLastPara="1" rIns="91425" wrap="square" tIns="91425">
+          <a:bodyPr spcFirstLastPara="1" wrap="square" lIns="91425" tIns="91425" rIns="91425" bIns="91425" anchor="t" anchorCtr="0">
             <a:normAutofit/>
           </a:bodyPr>
           <a:lstStyle/>
           <a:p>
-            <a:pPr indent="0" lvl="0" marL="0" rtl="0" algn="l">
-              <a:spcBef>
-                <a:spcPts val="0"/>
-              </a:spcBef>
-              <a:spcAft>
-                <a:spcPts val="0"/>
-              </a:spcAft>
-              <a:buNone/>
+            <a:pPr marL="457200" lvl="0" indent="-342900" algn="l" rtl="0">
+              <a:spcBef>
+                <a:spcPts val="0"/>
+              </a:spcBef>
+              <a:spcAft>
+                <a:spcPts val="0"/>
+              </a:spcAft>
+              <a:buSzPts val="1800"/>
+              <a:buChar char="-"/>
             </a:pPr>
             <a:r>
               <a:rPr lang="en"/>
-              <a:t>Logistic Regression Model</a:t>
+              <a:t>Visualize the Data</a:t>
             </a:r>
             <a:endParaRPr/>
           </a:p>
           <a:p>
-            <a:pPr indent="0" lvl="0" marL="0" rtl="0" algn="l">
+            <a:pPr marL="0" lvl="0" indent="0" algn="ctr" rtl="0">
               <a:spcBef>
                 <a:spcPts val="1200"/>
               </a:spcBef>
@@ -9432,20 +11198,36 @@
               <a:buNone/>
             </a:pPr>
             <a:r>
-              <a:t/>
+              <a:rPr lang="en" b="1" u="sng">
+                <a:solidFill>
+                  <a:srgbClr val="EFEFEF"/>
+                </a:solidFill>
+                <a:hlinkClick r:id="rId3">
+                  <a:extLst>
+                    <a:ext uri="{A12FA001-AC4F-418D-AE19-62706E023703}">
+                      <ahyp:hlinkClr xmlns:ahyp="http://schemas.microsoft.com/office/drawing/2018/hyperlinkcolor" val="tx"/>
+                    </a:ext>
+                  </a:extLst>
+                </a:hlinkClick>
+              </a:rPr>
+              <a:t>Tableau Dashboard</a:t>
             </a:r>
-            <a:endParaRPr/>
+            <a:endParaRPr b="1" u="sng">
+              <a:solidFill>
+                <a:srgbClr val="EFEFEF"/>
+              </a:solidFill>
+            </a:endParaRPr>
           </a:p>
         </p:txBody>
       </p:sp>
       <p:pic>
         <p:nvPicPr>
-          <p:cNvPr id="113" name="Google Shape;113;p21"/>
+          <p:cNvPr id="116" name="Google Shape;116;p21"/>
           <p:cNvPicPr preferRelativeResize="0"/>
           <p:nvPr/>
         </p:nvPicPr>
         <p:blipFill>
-          <a:blip r:embed="rId3">
+          <a:blip r:embed="rId4">
             <a:alphaModFix/>
           </a:blip>
           <a:stretch>
@@ -9454,8 +11236,8 @@
         </p:blipFill>
         <p:spPr>
           <a:xfrm>
-            <a:off x="1786125" y="2200275"/>
-            <a:ext cx="5546375" cy="1144500"/>
+            <a:off x="1792126" y="1891750"/>
+            <a:ext cx="5931549" cy="3010950"/>
           </a:xfrm>
           <a:prstGeom prst="rect">
             <a:avLst/>
@@ -9475,7 +11257,7 @@
 </file>
 
 <file path=ppt/theme/theme1.xml><?xml version="1.0" encoding="utf-8"?>
-<a:theme xmlns:a="http://schemas.openxmlformats.org/drawingml/2006/main" xmlns:r="http://schemas.openxmlformats.org/officeDocument/2006/relationships" name="Slate">
+<a:theme xmlns:a="http://schemas.openxmlformats.org/drawingml/2006/main" name="Slate">
   <a:themeElements>
     <a:clrScheme name="Slate">
       <a:dk1>
@@ -9750,11 +11532,13 @@
       </a:bgFillStyleLst>
     </a:fmtScheme>
   </a:themeElements>
+  <a:objectDefaults/>
+  <a:extraClrSchemeLst/>
 </a:theme>
 </file>
 
 <file path=ppt/theme/theme2.xml><?xml version="1.0" encoding="utf-8"?>
-<a:theme xmlns:a="http://schemas.openxmlformats.org/drawingml/2006/main" xmlns:r="http://schemas.openxmlformats.org/officeDocument/2006/relationships">
+<a:theme xmlns:a="http://schemas.openxmlformats.org/drawingml/2006/main">
   <a:themeElements>
     <a:clrScheme name="Default">
       <a:dk1>
@@ -10029,5 +11813,7 @@
       </a:bgFillStyleLst>
     </a:fmtScheme>
   </a:themeElements>
+  <a:objectDefaults/>
+  <a:extraClrSchemeLst/>
 </a:theme>
 </file>
--- a/Weather Patterns.pptx
+++ b/Weather Patterns.pptx
@@ -10275,7 +10275,7 @@
             <a:tbl>
               <a:tblPr>
                 <a:noFill/>
-                <a:tableStyleId>{49ABD7DB-9301-4F01-932B-7FAD1836E16A}</a:tableStyleId>
+                <a:tableStyleId>{5943B8F6-AC53-49AD-AE5E-F3EC01EC69DA}</a:tableStyleId>
               </a:tblPr>
               <a:tblGrid>
                 <a:gridCol w="1977350">
@@ -11236,8 +11236,8 @@
         </p:blipFill>
         <p:spPr>
           <a:xfrm>
-            <a:off x="1792126" y="1891750"/>
-            <a:ext cx="5931549" cy="3010950"/>
+            <a:off x="1847850" y="1966151"/>
+            <a:ext cx="5777424" cy="2914100"/>
           </a:xfrm>
           <a:prstGeom prst="rect">
             <a:avLst/>

--- a/Weather Patterns.pptx
+++ b/Weather Patterns.pptx
@@ -10275,7 +10275,7 @@
             <a:tbl>
               <a:tblPr>
                 <a:noFill/>
-                <a:tableStyleId>{5943B8F6-AC53-49AD-AE5E-F3EC01EC69DA}</a:tableStyleId>
+                <a:tableStyleId>{2F9FC517-79E4-4CCD-AFA4-E367639205B0}</a:tableStyleId>
               </a:tblPr>
               <a:tblGrid>
                 <a:gridCol w="1977350">

--- a/Weather Patterns.pptx
+++ b/Weather Patterns.pptx
@@ -5,7 +5,7 @@
     <p:sldMasterId id="2147483659" r:id="rId1"/>
   </p:sldMasterIdLst>
   <p:notesMasterIdLst>
-    <p:notesMasterId r:id="rId16"/>
+    <p:notesMasterId r:id="rId21"/>
   </p:notesMasterIdLst>
   <p:sldIdLst>
     <p:sldId id="256" r:id="rId2"/>
@@ -22,18 +22,23 @@
     <p:sldId id="267" r:id="rId13"/>
     <p:sldId id="268" r:id="rId14"/>
     <p:sldId id="269" r:id="rId15"/>
+    <p:sldId id="270" r:id="rId16"/>
+    <p:sldId id="271" r:id="rId17"/>
+    <p:sldId id="272" r:id="rId18"/>
+    <p:sldId id="273" r:id="rId19"/>
+    <p:sldId id="274" r:id="rId20"/>
   </p:sldIdLst>
   <p:sldSz cx="9144000" cy="5143500" type="screen16x9"/>
   <p:notesSz cx="6858000" cy="9144000"/>
   <p:embeddedFontLst>
     <p:embeddedFont>
       <p:font typeface="Average" panose="020B0604020202020204" charset="0"/>
-      <p:regular r:id="rId17"/>
+      <p:regular r:id="rId22"/>
     </p:embeddedFont>
     <p:embeddedFont>
       <p:font typeface="Oswald" panose="020B0604020202020204" charset="0"/>
-      <p:regular r:id="rId18"/>
-      <p:bold r:id="rId19"/>
+      <p:regular r:id="rId23"/>
+      <p:bold r:id="rId24"/>
     </p:embeddedFont>
   </p:embeddedFontLst>
   <p:defaultTextStyle>
@@ -817,6 +822,10 @@
               </a:spcAft>
               <a:buNone/>
             </a:pPr>
+            <a:r>
+              <a:rPr lang="en"/>
+              <a:t>Lekenia </a:t>
+            </a:r>
             <a:endParaRPr/>
           </a:p>
         </p:txBody>
@@ -834,7 +843,7 @@
   <p:cSld>
     <p:spTree>
       <p:nvGrpSpPr>
-        <p:cNvPr id="1" name="Shape 117"/>
+        <p:cNvPr id="1" name="Shape 118"/>
         <p:cNvGrpSpPr/>
         <p:nvPr/>
       </p:nvGrpSpPr>
@@ -848,7 +857,7 @@
       </p:grpSpPr>
       <p:sp>
         <p:nvSpPr>
-          <p:cNvPr id="118" name="Google Shape;118;gc75491cc2b_0_2:notes"/>
+          <p:cNvPr id="119" name="Google Shape;119;gc75491cc2b_0_2:notes"/>
           <p:cNvSpPr>
             <a:spLocks noGrp="1" noRot="1" noChangeAspect="1"/>
           </p:cNvSpPr>
@@ -889,7 +898,7 @@
       </p:sp>
       <p:sp>
         <p:nvSpPr>
-          <p:cNvPr id="119" name="Google Shape;119;gc75491cc2b_0_2:notes"/>
+          <p:cNvPr id="120" name="Google Shape;120;gc75491cc2b_0_2:notes"/>
           <p:cNvSpPr txBox="1">
             <a:spLocks noGrp="1"/>
           </p:cNvSpPr>
@@ -932,6 +941,56 @@
                   <a:schemeClr val="dk1"/>
                 </a:solidFill>
               </a:rPr>
+              <a:t>John</a:t>
+            </a:r>
+            <a:endParaRPr sz="1250">
+              <a:solidFill>
+                <a:schemeClr val="dk1"/>
+              </a:solidFill>
+            </a:endParaRPr>
+          </a:p>
+          <a:p>
+            <a:pPr marL="0" lvl="0" indent="0" algn="l" rtl="0">
+              <a:spcBef>
+                <a:spcPts val="0"/>
+              </a:spcBef>
+              <a:spcAft>
+                <a:spcPts val="0"/>
+              </a:spcAft>
+              <a:buClr>
+                <a:schemeClr val="dk1"/>
+              </a:buClr>
+              <a:buSzPts val="1100"/>
+              <a:buFont typeface="Arial"/>
+              <a:buNone/>
+            </a:pPr>
+            <a:endParaRPr sz="1250">
+              <a:solidFill>
+                <a:schemeClr val="dk1"/>
+              </a:solidFill>
+            </a:endParaRPr>
+          </a:p>
+          <a:p>
+            <a:pPr marL="0" lvl="0" indent="0" algn="l" rtl="0">
+              <a:spcBef>
+                <a:spcPts val="0"/>
+              </a:spcBef>
+              <a:spcAft>
+                <a:spcPts val="0"/>
+              </a:spcAft>
+              <a:buClr>
+                <a:schemeClr val="dk1"/>
+              </a:buClr>
+              <a:buSzPts val="1100"/>
+              <a:buFont typeface="Arial"/>
+              <a:buNone/>
+            </a:pPr>
+            <a:r>
+              <a:rPr lang="en" sz="1250">
+                <a:solidFill>
+                  <a:schemeClr val="dk1"/>
+                </a:solidFill>
+              </a:rPr>
               <a:t>Set value of “Strike_Target” to 1 if exists in “fl_storms” table.  Note, a 1 in the</a:t>
             </a:r>
             <a:endParaRPr sz="1250">
@@ -979,6 +1038,10 @@
               </a:spcAft>
               <a:buNone/>
             </a:pPr>
+            <a:r>
+              <a:rPr lang="en"/>
+              <a:t>Origin_end_time takes the first and last posting for each storm ID by timestamp.</a:t>
+            </a:r>
             <a:endParaRPr/>
           </a:p>
         </p:txBody>
@@ -996,7 +1059,7 @@
   <p:cSld>
     <p:spTree>
       <p:nvGrpSpPr>
-        <p:cNvPr id="1" name="Shape 124"/>
+        <p:cNvPr id="1" name="Shape 126"/>
         <p:cNvGrpSpPr/>
         <p:nvPr/>
       </p:nvGrpSpPr>
@@ -1010,7 +1073,7 @@
       </p:grpSpPr>
       <p:sp>
         <p:nvSpPr>
-          <p:cNvPr id="125" name="Google Shape;125;gc78378ac2d_0_0:notes"/>
+          <p:cNvPr id="127" name="Google Shape;127;gca5a1e77f0_2_17:notes"/>
           <p:cNvSpPr>
             <a:spLocks noGrp="1" noRot="1" noChangeAspect="1"/>
           </p:cNvSpPr>
@@ -1051,7 +1114,7 @@
       </p:sp>
       <p:sp>
         <p:nvSpPr>
-          <p:cNvPr id="126" name="Google Shape;126;gc78378ac2d_0_0:notes"/>
+          <p:cNvPr id="128" name="Google Shape;128;gca5a1e77f0_2_17:notes"/>
           <p:cNvSpPr txBox="1">
             <a:spLocks noGrp="1"/>
           </p:cNvSpPr>
@@ -1094,7 +1157,7 @@
                   <a:schemeClr val="dk1"/>
                 </a:solidFill>
               </a:rPr>
-              <a:t>Based on the Logistic Regression Learning Model we have an accuracy score of 70%. For this machine learning model we used sklearn.preprocessing.</a:t>
+              <a:t>John</a:t>
             </a:r>
             <a:endParaRPr sz="1250">
               <a:solidFill>
@@ -1110,9 +1173,66 @@
               <a:spcAft>
                 <a:spcPts val="0"/>
               </a:spcAft>
-              <a:buNone/>
-            </a:pPr>
-            <a:endParaRPr/>
+              <a:buClr>
+                <a:schemeClr val="dk1"/>
+              </a:buClr>
+              <a:buSzPts val="1100"/>
+              <a:buFont typeface="Arial"/>
+              <a:buNone/>
+            </a:pPr>
+            <a:endParaRPr sz="1250">
+              <a:solidFill>
+                <a:schemeClr val="dk1"/>
+              </a:solidFill>
+            </a:endParaRPr>
+          </a:p>
+          <a:p>
+            <a:pPr marL="0" lvl="0" indent="0" algn="l" rtl="0">
+              <a:spcBef>
+                <a:spcPts val="0"/>
+              </a:spcBef>
+              <a:spcAft>
+                <a:spcPts val="0"/>
+              </a:spcAft>
+              <a:buNone/>
+            </a:pPr>
+            <a:r>
+              <a:rPr lang="en" sz="1250">
+                <a:solidFill>
+                  <a:schemeClr val="dk1"/>
+                </a:solidFill>
+              </a:rPr>
+              <a:t>Summary tables take the first entry for each storm from NA_storms table based on the origin time.</a:t>
+            </a:r>
+            <a:endParaRPr sz="1250">
+              <a:solidFill>
+                <a:schemeClr val="dk1"/>
+              </a:solidFill>
+            </a:endParaRPr>
+          </a:p>
+          <a:p>
+            <a:pPr marL="0" lvl="0" indent="0" algn="l" rtl="0">
+              <a:spcBef>
+                <a:spcPts val="0"/>
+              </a:spcBef>
+              <a:spcAft>
+                <a:spcPts val="0"/>
+              </a:spcAft>
+              <a:buNone/>
+            </a:pPr>
+            <a:r>
+              <a:rPr lang="en" sz="1250">
+                <a:solidFill>
+                  <a:schemeClr val="dk1"/>
+                </a:solidFill>
+              </a:rPr>
+              <a:t>Summary tables are imported back to pandas and exported to csv files for machine learning and visualization.</a:t>
+            </a:r>
+            <a:endParaRPr sz="1250">
+              <a:solidFill>
+                <a:schemeClr val="dk1"/>
+              </a:solidFill>
+            </a:endParaRPr>
           </a:p>
         </p:txBody>
       </p:sp>
@@ -1129,7 +1249,7 @@
   <p:cSld>
     <p:spTree>
       <p:nvGrpSpPr>
-        <p:cNvPr id="1" name="Shape 131"/>
+        <p:cNvPr id="1" name="Shape 133"/>
         <p:cNvGrpSpPr/>
         <p:nvPr/>
       </p:nvGrpSpPr>
@@ -1143,7 +1263,7 @@
       </p:grpSpPr>
       <p:sp>
         <p:nvSpPr>
-          <p:cNvPr id="132" name="Google Shape;132;gc78378ac2d_0_7:notes"/>
+          <p:cNvPr id="134" name="Google Shape;134;gc50ab1f7be_0_64:notes"/>
           <p:cNvSpPr>
             <a:spLocks noGrp="1" noRot="1" noChangeAspect="1"/>
           </p:cNvSpPr>
@@ -1184,7 +1304,7 @@
       </p:sp>
       <p:sp>
         <p:nvSpPr>
-          <p:cNvPr id="133" name="Google Shape;133;gc78378ac2d_0_7:notes"/>
+          <p:cNvPr id="135" name="Google Shape;135;gc50ab1f7be_0_64:notes"/>
           <p:cNvSpPr txBox="1">
             <a:spLocks noGrp="1"/>
           </p:cNvSpPr>
@@ -1214,37 +1334,12 @@
               <a:spcAft>
                 <a:spcPts val="0"/>
               </a:spcAft>
-              <a:buClr>
-                <a:schemeClr val="dk1"/>
-              </a:buClr>
-              <a:buSzPts val="1100"/>
-              <a:buFont typeface="Arial"/>
               <a:buNone/>
             </a:pPr>
             <a:r>
-              <a:rPr lang="en" sz="1250">
-                <a:solidFill>
-                  <a:schemeClr val="dk1"/>
-                </a:solidFill>
-              </a:rPr>
-              <a:t>Based on the Logistic Regression Learning Model we have an accuracy score of 70%. For this machine learning model we used sklearn.metric.</a:t>
+              <a:rPr lang="en"/>
+              <a:t>Brittany</a:t>
             </a:r>
-            <a:endParaRPr sz="1250">
-              <a:solidFill>
-                <a:schemeClr val="dk1"/>
-              </a:solidFill>
-            </a:endParaRPr>
-          </a:p>
-          <a:p>
-            <a:pPr marL="0" lvl="0" indent="0" algn="l" rtl="0">
-              <a:spcBef>
-                <a:spcPts val="0"/>
-              </a:spcBef>
-              <a:spcAft>
-                <a:spcPts val="0"/>
-              </a:spcAft>
-              <a:buNone/>
-            </a:pPr>
             <a:endParaRPr/>
           </a:p>
         </p:txBody>
@@ -1262,7 +1357,7 @@
   <p:cSld>
     <p:spTree>
       <p:nvGrpSpPr>
-        <p:cNvPr id="1" name="Shape 138"/>
+        <p:cNvPr id="1" name="Shape 139"/>
         <p:cNvGrpSpPr/>
         <p:nvPr/>
       </p:nvGrpSpPr>
@@ -1276,7 +1371,7 @@
       </p:grpSpPr>
       <p:sp>
         <p:nvSpPr>
-          <p:cNvPr id="139" name="Google Shape;139;gc78378ac2d_0_14:notes"/>
+          <p:cNvPr id="140" name="Google Shape;140;gc8f4e2c049_2_0:notes"/>
           <p:cNvSpPr>
             <a:spLocks noGrp="1" noRot="1" noChangeAspect="1"/>
           </p:cNvSpPr>
@@ -1317,7 +1412,7 @@
       </p:sp>
       <p:sp>
         <p:nvSpPr>
-          <p:cNvPr id="140" name="Google Shape;140;gc78378ac2d_0_14:notes"/>
+          <p:cNvPr id="141" name="Google Shape;141;gc8f4e2c049_2_0:notes"/>
           <p:cNvSpPr txBox="1">
             <a:spLocks noGrp="1"/>
           </p:cNvSpPr>
@@ -1347,6 +1442,35 @@
               <a:spcAft>
                 <a:spcPts val="0"/>
               </a:spcAft>
+              <a:buClr>
+                <a:schemeClr val="dk1"/>
+              </a:buClr>
+              <a:buSzPts val="1100"/>
+              <a:buFont typeface="Arial"/>
+              <a:buNone/>
+            </a:pPr>
+            <a:r>
+              <a:rPr lang="en" sz="1250">
+                <a:solidFill>
+                  <a:schemeClr val="dk1"/>
+                </a:solidFill>
+              </a:rPr>
+              <a:t>Brittany</a:t>
+            </a:r>
+            <a:endParaRPr sz="1250">
+              <a:solidFill>
+                <a:schemeClr val="dk1"/>
+              </a:solidFill>
+            </a:endParaRPr>
+          </a:p>
+          <a:p>
+            <a:pPr marL="0" lvl="0" indent="0" algn="l" rtl="0">
+              <a:spcBef>
+                <a:spcPts val="0"/>
+              </a:spcBef>
+              <a:spcAft>
+                <a:spcPts val="0"/>
+              </a:spcAft>
               <a:buNone/>
             </a:pPr>
             <a:endParaRPr/>
@@ -1366,7 +1490,7 @@
   <p:cSld>
     <p:spTree>
       <p:nvGrpSpPr>
-        <p:cNvPr id="1" name="Shape 144"/>
+        <p:cNvPr id="1" name="Shape 145"/>
         <p:cNvGrpSpPr/>
         <p:nvPr/>
       </p:nvGrpSpPr>
@@ -1380,7 +1504,7 @@
       </p:grpSpPr>
       <p:sp>
         <p:nvSpPr>
-          <p:cNvPr id="145" name="Google Shape;145;gc78378ac2d_0_19:notes"/>
+          <p:cNvPr id="146" name="Google Shape;146;gc78378ac2d_0_0:notes"/>
           <p:cNvSpPr>
             <a:spLocks noGrp="1" noRot="1" noChangeAspect="1"/>
           </p:cNvSpPr>
@@ -1421,7 +1545,7 @@
       </p:sp>
       <p:sp>
         <p:nvSpPr>
-          <p:cNvPr id="146" name="Google Shape;146;gc78378ac2d_0_19:notes"/>
+          <p:cNvPr id="147" name="Google Shape;147;gc78378ac2d_0_0:notes"/>
           <p:cNvSpPr txBox="1">
             <a:spLocks noGrp="1"/>
           </p:cNvSpPr>
@@ -1451,6 +1575,85 @@
               <a:spcAft>
                 <a:spcPts val="0"/>
               </a:spcAft>
+              <a:buClr>
+                <a:schemeClr val="dk1"/>
+              </a:buClr>
+              <a:buSzPts val="1100"/>
+              <a:buFont typeface="Arial"/>
+              <a:buNone/>
+            </a:pPr>
+            <a:r>
+              <a:rPr lang="en" sz="1250">
+                <a:solidFill>
+                  <a:schemeClr val="dk1"/>
+                </a:solidFill>
+              </a:rPr>
+              <a:t>Brittany</a:t>
+            </a:r>
+            <a:endParaRPr sz="1250">
+              <a:solidFill>
+                <a:schemeClr val="dk1"/>
+              </a:solidFill>
+            </a:endParaRPr>
+          </a:p>
+          <a:p>
+            <a:pPr marL="0" lvl="0" indent="0" algn="l" rtl="0">
+              <a:spcBef>
+                <a:spcPts val="0"/>
+              </a:spcBef>
+              <a:spcAft>
+                <a:spcPts val="0"/>
+              </a:spcAft>
+              <a:buClr>
+                <a:schemeClr val="dk1"/>
+              </a:buClr>
+              <a:buSzPts val="1100"/>
+              <a:buFont typeface="Arial"/>
+              <a:buNone/>
+            </a:pPr>
+            <a:endParaRPr sz="1250">
+              <a:solidFill>
+                <a:schemeClr val="dk1"/>
+              </a:solidFill>
+            </a:endParaRPr>
+          </a:p>
+          <a:p>
+            <a:pPr marL="0" lvl="0" indent="0" algn="l" rtl="0">
+              <a:spcBef>
+                <a:spcPts val="0"/>
+              </a:spcBef>
+              <a:spcAft>
+                <a:spcPts val="0"/>
+              </a:spcAft>
+              <a:buClr>
+                <a:schemeClr val="dk1"/>
+              </a:buClr>
+              <a:buSzPts val="1100"/>
+              <a:buFont typeface="Arial"/>
+              <a:buNone/>
+            </a:pPr>
+            <a:r>
+              <a:rPr lang="en" sz="1250">
+                <a:solidFill>
+                  <a:schemeClr val="dk1"/>
+                </a:solidFill>
+              </a:rPr>
+              <a:t>Based on the Logistic Regression Learning Model we have an accuracy score of 70%. For this machine learning model we used sklearn.preprocessing.</a:t>
+            </a:r>
+            <a:endParaRPr sz="1250">
+              <a:solidFill>
+                <a:schemeClr val="dk1"/>
+              </a:solidFill>
+            </a:endParaRPr>
+          </a:p>
+          <a:p>
+            <a:pPr marL="0" lvl="0" indent="0" algn="l" rtl="0">
+              <a:spcBef>
+                <a:spcPts val="0"/>
+              </a:spcBef>
+              <a:spcAft>
+                <a:spcPts val="0"/>
+              </a:spcAft>
               <a:buNone/>
             </a:pPr>
             <a:endParaRPr/>
@@ -1465,12 +1668,12 @@
 </p:notes>
 </file>
 
-<file path=ppt/notesSlides/notesSlide2.xml><?xml version="1.0" encoding="utf-8"?>
+<file path=ppt/notesSlides/notesSlide15.xml><?xml version="1.0" encoding="utf-8"?>
 <p:notes xmlns:a="http://schemas.openxmlformats.org/drawingml/2006/main" xmlns:r="http://schemas.openxmlformats.org/officeDocument/2006/relationships" xmlns:p="http://schemas.openxmlformats.org/presentationml/2006/main" showMasterSp="0" showMasterPhAnim="0">
   <p:cSld>
     <p:spTree>
       <p:nvGrpSpPr>
-        <p:cNvPr id="1" name="Shape 62"/>
+        <p:cNvPr id="1" name="Shape 152"/>
         <p:cNvGrpSpPr/>
         <p:nvPr/>
       </p:nvGrpSpPr>
@@ -1484,7 +1687,7 @@
       </p:grpSpPr>
       <p:sp>
         <p:nvSpPr>
-          <p:cNvPr id="63" name="Google Shape;63;gc50ab1f7be_0_51:notes"/>
+          <p:cNvPr id="153" name="Google Shape;153;gc8f4e2c049_2_6:notes"/>
           <p:cNvSpPr>
             <a:spLocks noGrp="1" noRot="1" noChangeAspect="1"/>
           </p:cNvSpPr>
@@ -1525,7 +1728,7 @@
       </p:sp>
       <p:sp>
         <p:nvSpPr>
-          <p:cNvPr id="64" name="Google Shape;64;gc50ab1f7be_0_51:notes"/>
+          <p:cNvPr id="154" name="Google Shape;154;gc8f4e2c049_2_6:notes"/>
           <p:cNvSpPr txBox="1">
             <a:spLocks noGrp="1"/>
           </p:cNvSpPr>
@@ -1555,6 +1758,85 @@
               <a:spcAft>
                 <a:spcPts val="0"/>
               </a:spcAft>
+              <a:buClr>
+                <a:schemeClr val="dk1"/>
+              </a:buClr>
+              <a:buSzPts val="1100"/>
+              <a:buFont typeface="Arial"/>
+              <a:buNone/>
+            </a:pPr>
+            <a:r>
+              <a:rPr lang="en" sz="1250">
+                <a:solidFill>
+                  <a:schemeClr val="dk1"/>
+                </a:solidFill>
+              </a:rPr>
+              <a:t>Brittany</a:t>
+            </a:r>
+            <a:endParaRPr sz="1250">
+              <a:solidFill>
+                <a:schemeClr val="dk1"/>
+              </a:solidFill>
+            </a:endParaRPr>
+          </a:p>
+          <a:p>
+            <a:pPr marL="0" lvl="0" indent="0" algn="l" rtl="0">
+              <a:spcBef>
+                <a:spcPts val="0"/>
+              </a:spcBef>
+              <a:spcAft>
+                <a:spcPts val="0"/>
+              </a:spcAft>
+              <a:buClr>
+                <a:schemeClr val="dk1"/>
+              </a:buClr>
+              <a:buSzPts val="1100"/>
+              <a:buFont typeface="Arial"/>
+              <a:buNone/>
+            </a:pPr>
+            <a:endParaRPr sz="1250">
+              <a:solidFill>
+                <a:schemeClr val="dk1"/>
+              </a:solidFill>
+            </a:endParaRPr>
+          </a:p>
+          <a:p>
+            <a:pPr marL="0" lvl="0" indent="0" algn="l" rtl="0">
+              <a:spcBef>
+                <a:spcPts val="0"/>
+              </a:spcBef>
+              <a:spcAft>
+                <a:spcPts val="0"/>
+              </a:spcAft>
+              <a:buClr>
+                <a:schemeClr val="dk1"/>
+              </a:buClr>
+              <a:buSzPts val="1100"/>
+              <a:buFont typeface="Arial"/>
+              <a:buNone/>
+            </a:pPr>
+            <a:r>
+              <a:rPr lang="en" sz="1250">
+                <a:solidFill>
+                  <a:schemeClr val="dk1"/>
+                </a:solidFill>
+              </a:rPr>
+              <a:t>Based on the Logistic Regression Learning Model we have an accuracy score of 70%. For this machine learning model we used sklearn.preprocessing.</a:t>
+            </a:r>
+            <a:endParaRPr sz="1250">
+              <a:solidFill>
+                <a:schemeClr val="dk1"/>
+              </a:solidFill>
+            </a:endParaRPr>
+          </a:p>
+          <a:p>
+            <a:pPr marL="0" lvl="0" indent="0" algn="l" rtl="0">
+              <a:spcBef>
+                <a:spcPts val="0"/>
+              </a:spcBef>
+              <a:spcAft>
+                <a:spcPts val="0"/>
+              </a:spcAft>
               <a:buNone/>
             </a:pPr>
             <a:endParaRPr/>
@@ -1569,12 +1851,12 @@
 </p:notes>
 </file>
 
-<file path=ppt/notesSlides/notesSlide3.xml><?xml version="1.0" encoding="utf-8"?>
+<file path=ppt/notesSlides/notesSlide16.xml><?xml version="1.0" encoding="utf-8"?>
 <p:notes xmlns:a="http://schemas.openxmlformats.org/drawingml/2006/main" xmlns:r="http://schemas.openxmlformats.org/officeDocument/2006/relationships" xmlns:p="http://schemas.openxmlformats.org/presentationml/2006/main" showMasterSp="0" showMasterPhAnim="0">
   <p:cSld>
     <p:spTree>
       <p:nvGrpSpPr>
-        <p:cNvPr id="1" name="Shape 69"/>
+        <p:cNvPr id="1" name="Shape 160"/>
         <p:cNvGrpSpPr/>
         <p:nvPr/>
       </p:nvGrpSpPr>
@@ -1588,7 +1870,7 @@
       </p:grpSpPr>
       <p:sp>
         <p:nvSpPr>
-          <p:cNvPr id="70" name="Google Shape;70;gc50ab1f7be_0_57:notes"/>
+          <p:cNvPr id="161" name="Google Shape;161;gc78378ac2d_0_7:notes"/>
           <p:cNvSpPr>
             <a:spLocks noGrp="1" noRot="1" noChangeAspect="1"/>
           </p:cNvSpPr>
@@ -1629,7 +1911,7 @@
       </p:sp>
       <p:sp>
         <p:nvSpPr>
-          <p:cNvPr id="71" name="Google Shape;71;gc50ab1f7be_0_57:notes"/>
+          <p:cNvPr id="162" name="Google Shape;162;gc78378ac2d_0_7:notes"/>
           <p:cNvSpPr txBox="1">
             <a:spLocks noGrp="1"/>
           </p:cNvSpPr>
@@ -1659,6 +1941,35 @@
               <a:spcAft>
                 <a:spcPts val="0"/>
               </a:spcAft>
+              <a:buClr>
+                <a:schemeClr val="dk1"/>
+              </a:buClr>
+              <a:buSzPts val="1100"/>
+              <a:buFont typeface="Arial"/>
+              <a:buNone/>
+            </a:pPr>
+            <a:r>
+              <a:rPr lang="en" sz="1250">
+                <a:solidFill>
+                  <a:schemeClr val="dk1"/>
+                </a:solidFill>
+              </a:rPr>
+              <a:t>Brittany</a:t>
+            </a:r>
+            <a:endParaRPr sz="1250">
+              <a:solidFill>
+                <a:schemeClr val="dk1"/>
+              </a:solidFill>
+            </a:endParaRPr>
+          </a:p>
+          <a:p>
+            <a:pPr marL="0" lvl="0" indent="0" algn="l" rtl="0">
+              <a:spcBef>
+                <a:spcPts val="0"/>
+              </a:spcBef>
+              <a:spcAft>
+                <a:spcPts val="0"/>
+              </a:spcAft>
               <a:buNone/>
             </a:pPr>
             <a:endParaRPr/>
@@ -1673,12 +1984,12 @@
 </p:notes>
 </file>
 
-<file path=ppt/notesSlides/notesSlide4.xml><?xml version="1.0" encoding="utf-8"?>
+<file path=ppt/notesSlides/notesSlide17.xml><?xml version="1.0" encoding="utf-8"?>
 <p:notes xmlns:a="http://schemas.openxmlformats.org/drawingml/2006/main" xmlns:r="http://schemas.openxmlformats.org/officeDocument/2006/relationships" xmlns:p="http://schemas.openxmlformats.org/presentationml/2006/main" showMasterSp="0" showMasterPhAnim="0">
   <p:cSld>
     <p:spTree>
       <p:nvGrpSpPr>
-        <p:cNvPr id="1" name="Shape 75"/>
+        <p:cNvPr id="1" name="Shape 167"/>
         <p:cNvGrpSpPr/>
         <p:nvPr/>
       </p:nvGrpSpPr>
@@ -1692,7 +2003,7 @@
       </p:grpSpPr>
       <p:sp>
         <p:nvSpPr>
-          <p:cNvPr id="76" name="Google Shape;76;gc50ab1f7be_0_64:notes"/>
+          <p:cNvPr id="168" name="Google Shape;168;gc50ab1f7be_0_75:notes"/>
           <p:cNvSpPr>
             <a:spLocks noGrp="1" noRot="1" noChangeAspect="1"/>
           </p:cNvSpPr>
@@ -1733,7 +2044,7 @@
       </p:sp>
       <p:sp>
         <p:nvSpPr>
-          <p:cNvPr id="77" name="Google Shape;77;gc50ab1f7be_0_64:notes"/>
+          <p:cNvPr id="169" name="Google Shape;169;gc50ab1f7be_0_75:notes"/>
           <p:cNvSpPr txBox="1">
             <a:spLocks noGrp="1"/>
           </p:cNvSpPr>
@@ -1765,6 +2076,583 @@
               </a:spcAft>
               <a:buNone/>
             </a:pPr>
+            <a:r>
+              <a:rPr lang="en" u="sng">
+                <a:solidFill>
+                  <a:schemeClr val="hlink"/>
+                </a:solidFill>
+                <a:hlinkClick r:id="rId3"/>
+              </a:rPr>
+              <a:t>Storm Strike Dashboard Link</a:t>
+            </a:r>
+            <a:endParaRPr/>
+          </a:p>
+          <a:p>
+            <a:pPr marL="0" lvl="0" indent="0" algn="l" rtl="0">
+              <a:spcBef>
+                <a:spcPts val="0"/>
+              </a:spcBef>
+              <a:spcAft>
+                <a:spcPts val="0"/>
+              </a:spcAft>
+              <a:buNone/>
+            </a:pPr>
+            <a:endParaRPr/>
+          </a:p>
+          <a:p>
+            <a:pPr marL="0" lvl="0" indent="0" algn="l" rtl="0">
+              <a:spcBef>
+                <a:spcPts val="0"/>
+              </a:spcBef>
+              <a:spcAft>
+                <a:spcPts val="0"/>
+              </a:spcAft>
+              <a:buNone/>
+            </a:pPr>
+            <a:r>
+              <a:rPr lang="en"/>
+              <a:t>Danielle</a:t>
+            </a:r>
+            <a:endParaRPr/>
+          </a:p>
+        </p:txBody>
+      </p:sp>
+    </p:spTree>
+  </p:cSld>
+  <p:clrMapOvr>
+    <a:masterClrMapping/>
+  </p:clrMapOvr>
+</p:notes>
+</file>
+
+<file path=ppt/notesSlides/notesSlide18.xml><?xml version="1.0" encoding="utf-8"?>
+<p:notes xmlns:a="http://schemas.openxmlformats.org/drawingml/2006/main" xmlns:r="http://schemas.openxmlformats.org/officeDocument/2006/relationships" xmlns:p="http://schemas.openxmlformats.org/presentationml/2006/main" showMasterSp="0" showMasterPhAnim="0">
+  <p:cSld>
+    <p:spTree>
+      <p:nvGrpSpPr>
+        <p:cNvPr id="1" name="Shape 174"/>
+        <p:cNvGrpSpPr/>
+        <p:nvPr/>
+      </p:nvGrpSpPr>
+      <p:grpSpPr>
+        <a:xfrm>
+          <a:off x="0" y="0"/>
+          <a:ext cx="0" cy="0"/>
+          <a:chOff x="0" y="0"/>
+          <a:chExt cx="0" cy="0"/>
+        </a:xfrm>
+      </p:grpSpPr>
+      <p:sp>
+        <p:nvSpPr>
+          <p:cNvPr id="175" name="Google Shape;175;gc78378ac2d_0_14:notes"/>
+          <p:cNvSpPr>
+            <a:spLocks noGrp="1" noRot="1" noChangeAspect="1"/>
+          </p:cNvSpPr>
+          <p:nvPr>
+            <p:ph type="sldImg" idx="2"/>
+          </p:nvPr>
+        </p:nvSpPr>
+        <p:spPr>
+          <a:xfrm>
+            <a:off x="381300" y="685800"/>
+            <a:ext cx="6096000" cy="3429000"/>
+          </a:xfrm>
+          <a:custGeom>
+            <a:avLst/>
+            <a:gdLst/>
+            <a:ahLst/>
+            <a:cxnLst/>
+            <a:rect l="l" t="t" r="r" b="b"/>
+            <a:pathLst>
+              <a:path w="120000" h="120000" extrusionOk="0">
+                <a:moveTo>
+                  <a:pt x="0" y="0"/>
+                </a:moveTo>
+                <a:lnTo>
+                  <a:pt x="120000" y="0"/>
+                </a:lnTo>
+                <a:lnTo>
+                  <a:pt x="120000" y="120000"/>
+                </a:lnTo>
+                <a:lnTo>
+                  <a:pt x="0" y="120000"/>
+                </a:lnTo>
+                <a:close/>
+              </a:path>
+            </a:pathLst>
+          </a:custGeom>
+        </p:spPr>
+      </p:sp>
+      <p:sp>
+        <p:nvSpPr>
+          <p:cNvPr id="176" name="Google Shape;176;gc78378ac2d_0_14:notes"/>
+          <p:cNvSpPr txBox="1">
+            <a:spLocks noGrp="1"/>
+          </p:cNvSpPr>
+          <p:nvPr>
+            <p:ph type="body" idx="1"/>
+          </p:nvPr>
+        </p:nvSpPr>
+        <p:spPr>
+          <a:xfrm>
+            <a:off x="685800" y="4343400"/>
+            <a:ext cx="5486400" cy="4114800"/>
+          </a:xfrm>
+          <a:prstGeom prst="rect">
+            <a:avLst/>
+          </a:prstGeom>
+        </p:spPr>
+        <p:txBody>
+          <a:bodyPr spcFirstLastPara="1" wrap="square" lIns="91425" tIns="91425" rIns="91425" bIns="91425" anchor="t" anchorCtr="0">
+            <a:noAutofit/>
+          </a:bodyPr>
+          <a:lstStyle/>
+          <a:p>
+            <a:pPr marL="0" lvl="0" indent="0" algn="l" rtl="0">
+              <a:spcBef>
+                <a:spcPts val="0"/>
+              </a:spcBef>
+              <a:spcAft>
+                <a:spcPts val="0"/>
+              </a:spcAft>
+              <a:buNone/>
+            </a:pPr>
+            <a:r>
+              <a:rPr lang="en"/>
+              <a:t>Danielle</a:t>
+            </a:r>
+            <a:endParaRPr/>
+          </a:p>
+        </p:txBody>
+      </p:sp>
+    </p:spTree>
+  </p:cSld>
+  <p:clrMapOvr>
+    <a:masterClrMapping/>
+  </p:clrMapOvr>
+</p:notes>
+</file>
+
+<file path=ppt/notesSlides/notesSlide19.xml><?xml version="1.0" encoding="utf-8"?>
+<p:notes xmlns:a="http://schemas.openxmlformats.org/drawingml/2006/main" xmlns:r="http://schemas.openxmlformats.org/officeDocument/2006/relationships" xmlns:p="http://schemas.openxmlformats.org/presentationml/2006/main" showMasterSp="0" showMasterPhAnim="0">
+  <p:cSld>
+    <p:spTree>
+      <p:nvGrpSpPr>
+        <p:cNvPr id="1" name="Shape 180"/>
+        <p:cNvGrpSpPr/>
+        <p:nvPr/>
+      </p:nvGrpSpPr>
+      <p:grpSpPr>
+        <a:xfrm>
+          <a:off x="0" y="0"/>
+          <a:ext cx="0" cy="0"/>
+          <a:chOff x="0" y="0"/>
+          <a:chExt cx="0" cy="0"/>
+        </a:xfrm>
+      </p:grpSpPr>
+      <p:sp>
+        <p:nvSpPr>
+          <p:cNvPr id="181" name="Google Shape;181;gc78378ac2d_0_19:notes"/>
+          <p:cNvSpPr>
+            <a:spLocks noGrp="1" noRot="1" noChangeAspect="1"/>
+          </p:cNvSpPr>
+          <p:nvPr>
+            <p:ph type="sldImg" idx="2"/>
+          </p:nvPr>
+        </p:nvSpPr>
+        <p:spPr>
+          <a:xfrm>
+            <a:off x="381300" y="685800"/>
+            <a:ext cx="6096000" cy="3429000"/>
+          </a:xfrm>
+          <a:custGeom>
+            <a:avLst/>
+            <a:gdLst/>
+            <a:ahLst/>
+            <a:cxnLst/>
+            <a:rect l="l" t="t" r="r" b="b"/>
+            <a:pathLst>
+              <a:path w="120000" h="120000" extrusionOk="0">
+                <a:moveTo>
+                  <a:pt x="0" y="0"/>
+                </a:moveTo>
+                <a:lnTo>
+                  <a:pt x="120000" y="0"/>
+                </a:lnTo>
+                <a:lnTo>
+                  <a:pt x="120000" y="120000"/>
+                </a:lnTo>
+                <a:lnTo>
+                  <a:pt x="0" y="120000"/>
+                </a:lnTo>
+                <a:close/>
+              </a:path>
+            </a:pathLst>
+          </a:custGeom>
+        </p:spPr>
+      </p:sp>
+      <p:sp>
+        <p:nvSpPr>
+          <p:cNvPr id="182" name="Google Shape;182;gc78378ac2d_0_19:notes"/>
+          <p:cNvSpPr txBox="1">
+            <a:spLocks noGrp="1"/>
+          </p:cNvSpPr>
+          <p:nvPr>
+            <p:ph type="body" idx="1"/>
+          </p:nvPr>
+        </p:nvSpPr>
+        <p:spPr>
+          <a:xfrm>
+            <a:off x="685800" y="4343400"/>
+            <a:ext cx="5486400" cy="4114800"/>
+          </a:xfrm>
+          <a:prstGeom prst="rect">
+            <a:avLst/>
+          </a:prstGeom>
+        </p:spPr>
+        <p:txBody>
+          <a:bodyPr spcFirstLastPara="1" wrap="square" lIns="91425" tIns="91425" rIns="91425" bIns="91425" anchor="t" anchorCtr="0">
+            <a:noAutofit/>
+          </a:bodyPr>
+          <a:lstStyle/>
+          <a:p>
+            <a:pPr marL="0" lvl="0" indent="0" algn="l" rtl="0">
+              <a:spcBef>
+                <a:spcPts val="0"/>
+              </a:spcBef>
+              <a:spcAft>
+                <a:spcPts val="0"/>
+              </a:spcAft>
+              <a:buNone/>
+            </a:pPr>
+            <a:r>
+              <a:rPr lang="en"/>
+              <a:t>Danielle </a:t>
+            </a:r>
+            <a:endParaRPr/>
+          </a:p>
+        </p:txBody>
+      </p:sp>
+    </p:spTree>
+  </p:cSld>
+  <p:clrMapOvr>
+    <a:masterClrMapping/>
+  </p:clrMapOvr>
+</p:notes>
+</file>
+
+<file path=ppt/notesSlides/notesSlide2.xml><?xml version="1.0" encoding="utf-8"?>
+<p:notes xmlns:a="http://schemas.openxmlformats.org/drawingml/2006/main" xmlns:r="http://schemas.openxmlformats.org/officeDocument/2006/relationships" xmlns:p="http://schemas.openxmlformats.org/presentationml/2006/main" showMasterSp="0" showMasterPhAnim="0">
+  <p:cSld>
+    <p:spTree>
+      <p:nvGrpSpPr>
+        <p:cNvPr id="1" name="Shape 61"/>
+        <p:cNvGrpSpPr/>
+        <p:nvPr/>
+      </p:nvGrpSpPr>
+      <p:grpSpPr>
+        <a:xfrm>
+          <a:off x="0" y="0"/>
+          <a:ext cx="0" cy="0"/>
+          <a:chOff x="0" y="0"/>
+          <a:chExt cx="0" cy="0"/>
+        </a:xfrm>
+      </p:grpSpPr>
+      <p:sp>
+        <p:nvSpPr>
+          <p:cNvPr id="62" name="Google Shape;62;gc50ab1f7be_0_51:notes"/>
+          <p:cNvSpPr>
+            <a:spLocks noGrp="1" noRot="1" noChangeAspect="1"/>
+          </p:cNvSpPr>
+          <p:nvPr>
+            <p:ph type="sldImg" idx="2"/>
+          </p:nvPr>
+        </p:nvSpPr>
+        <p:spPr>
+          <a:xfrm>
+            <a:off x="381300" y="685800"/>
+            <a:ext cx="6096000" cy="3429000"/>
+          </a:xfrm>
+          <a:custGeom>
+            <a:avLst/>
+            <a:gdLst/>
+            <a:ahLst/>
+            <a:cxnLst/>
+            <a:rect l="l" t="t" r="r" b="b"/>
+            <a:pathLst>
+              <a:path w="120000" h="120000" extrusionOk="0">
+                <a:moveTo>
+                  <a:pt x="0" y="0"/>
+                </a:moveTo>
+                <a:lnTo>
+                  <a:pt x="120000" y="0"/>
+                </a:lnTo>
+                <a:lnTo>
+                  <a:pt x="120000" y="120000"/>
+                </a:lnTo>
+                <a:lnTo>
+                  <a:pt x="0" y="120000"/>
+                </a:lnTo>
+                <a:close/>
+              </a:path>
+            </a:pathLst>
+          </a:custGeom>
+        </p:spPr>
+      </p:sp>
+      <p:sp>
+        <p:nvSpPr>
+          <p:cNvPr id="63" name="Google Shape;63;gc50ab1f7be_0_51:notes"/>
+          <p:cNvSpPr txBox="1">
+            <a:spLocks noGrp="1"/>
+          </p:cNvSpPr>
+          <p:nvPr>
+            <p:ph type="body" idx="1"/>
+          </p:nvPr>
+        </p:nvSpPr>
+        <p:spPr>
+          <a:xfrm>
+            <a:off x="685800" y="4343400"/>
+            <a:ext cx="5486400" cy="4114800"/>
+          </a:xfrm>
+          <a:prstGeom prst="rect">
+            <a:avLst/>
+          </a:prstGeom>
+        </p:spPr>
+        <p:txBody>
+          <a:bodyPr spcFirstLastPara="1" wrap="square" lIns="91425" tIns="91425" rIns="91425" bIns="91425" anchor="t" anchorCtr="0">
+            <a:noAutofit/>
+          </a:bodyPr>
+          <a:lstStyle/>
+          <a:p>
+            <a:pPr marL="0" lvl="0" indent="0" algn="l" rtl="0">
+              <a:spcBef>
+                <a:spcPts val="0"/>
+              </a:spcBef>
+              <a:spcAft>
+                <a:spcPts val="0"/>
+              </a:spcAft>
+              <a:buNone/>
+            </a:pPr>
+            <a:r>
+              <a:rPr lang="en"/>
+              <a:t>Lekenia</a:t>
+            </a:r>
+            <a:endParaRPr/>
+          </a:p>
+        </p:txBody>
+      </p:sp>
+    </p:spTree>
+  </p:cSld>
+  <p:clrMapOvr>
+    <a:masterClrMapping/>
+  </p:clrMapOvr>
+</p:notes>
+</file>
+
+<file path=ppt/notesSlides/notesSlide3.xml><?xml version="1.0" encoding="utf-8"?>
+<p:notes xmlns:a="http://schemas.openxmlformats.org/drawingml/2006/main" xmlns:r="http://schemas.openxmlformats.org/officeDocument/2006/relationships" xmlns:p="http://schemas.openxmlformats.org/presentationml/2006/main" showMasterSp="0" showMasterPhAnim="0">
+  <p:cSld>
+    <p:spTree>
+      <p:nvGrpSpPr>
+        <p:cNvPr id="1" name="Shape 68"/>
+        <p:cNvGrpSpPr/>
+        <p:nvPr/>
+      </p:nvGrpSpPr>
+      <p:grpSpPr>
+        <a:xfrm>
+          <a:off x="0" y="0"/>
+          <a:ext cx="0" cy="0"/>
+          <a:chOff x="0" y="0"/>
+          <a:chExt cx="0" cy="0"/>
+        </a:xfrm>
+      </p:grpSpPr>
+      <p:sp>
+        <p:nvSpPr>
+          <p:cNvPr id="69" name="Google Shape;69;gca5a1e77f0_1_5:notes"/>
+          <p:cNvSpPr>
+            <a:spLocks noGrp="1" noRot="1" noChangeAspect="1"/>
+          </p:cNvSpPr>
+          <p:nvPr>
+            <p:ph type="sldImg" idx="2"/>
+          </p:nvPr>
+        </p:nvSpPr>
+        <p:spPr>
+          <a:xfrm>
+            <a:off x="381300" y="685800"/>
+            <a:ext cx="6096000" cy="3429000"/>
+          </a:xfrm>
+          <a:custGeom>
+            <a:avLst/>
+            <a:gdLst/>
+            <a:ahLst/>
+            <a:cxnLst/>
+            <a:rect l="l" t="t" r="r" b="b"/>
+            <a:pathLst>
+              <a:path w="120000" h="120000" extrusionOk="0">
+                <a:moveTo>
+                  <a:pt x="0" y="0"/>
+                </a:moveTo>
+                <a:lnTo>
+                  <a:pt x="120000" y="0"/>
+                </a:lnTo>
+                <a:lnTo>
+                  <a:pt x="120000" y="120000"/>
+                </a:lnTo>
+                <a:lnTo>
+                  <a:pt x="0" y="120000"/>
+                </a:lnTo>
+                <a:close/>
+              </a:path>
+            </a:pathLst>
+          </a:custGeom>
+        </p:spPr>
+      </p:sp>
+      <p:sp>
+        <p:nvSpPr>
+          <p:cNvPr id="70" name="Google Shape;70;gca5a1e77f0_1_5:notes"/>
+          <p:cNvSpPr txBox="1">
+            <a:spLocks noGrp="1"/>
+          </p:cNvSpPr>
+          <p:nvPr>
+            <p:ph type="body" idx="1"/>
+          </p:nvPr>
+        </p:nvSpPr>
+        <p:spPr>
+          <a:xfrm>
+            <a:off x="685800" y="4343400"/>
+            <a:ext cx="5486400" cy="4114800"/>
+          </a:xfrm>
+          <a:prstGeom prst="rect">
+            <a:avLst/>
+          </a:prstGeom>
+        </p:spPr>
+        <p:txBody>
+          <a:bodyPr spcFirstLastPara="1" wrap="square" lIns="91425" tIns="91425" rIns="91425" bIns="91425" anchor="t" anchorCtr="0">
+            <a:noAutofit/>
+          </a:bodyPr>
+          <a:lstStyle/>
+          <a:p>
+            <a:pPr marL="0" lvl="0" indent="0" algn="l" rtl="0">
+              <a:spcBef>
+                <a:spcPts val="0"/>
+              </a:spcBef>
+              <a:spcAft>
+                <a:spcPts val="0"/>
+              </a:spcAft>
+              <a:buNone/>
+            </a:pPr>
+            <a:r>
+              <a:rPr lang="en"/>
+              <a:t>Lekenia</a:t>
+            </a:r>
+            <a:endParaRPr/>
+          </a:p>
+        </p:txBody>
+      </p:sp>
+    </p:spTree>
+  </p:cSld>
+  <p:clrMapOvr>
+    <a:masterClrMapping/>
+  </p:clrMapOvr>
+</p:notes>
+</file>
+
+<file path=ppt/notesSlides/notesSlide4.xml><?xml version="1.0" encoding="utf-8"?>
+<p:notes xmlns:a="http://schemas.openxmlformats.org/drawingml/2006/main" xmlns:r="http://schemas.openxmlformats.org/officeDocument/2006/relationships" xmlns:p="http://schemas.openxmlformats.org/presentationml/2006/main" showMasterSp="0" showMasterPhAnim="0">
+  <p:cSld>
+    <p:spTree>
+      <p:nvGrpSpPr>
+        <p:cNvPr id="1" name="Shape 75"/>
+        <p:cNvGrpSpPr/>
+        <p:nvPr/>
+      </p:nvGrpSpPr>
+      <p:grpSpPr>
+        <a:xfrm>
+          <a:off x="0" y="0"/>
+          <a:ext cx="0" cy="0"/>
+          <a:chOff x="0" y="0"/>
+          <a:chExt cx="0" cy="0"/>
+        </a:xfrm>
+      </p:grpSpPr>
+      <p:sp>
+        <p:nvSpPr>
+          <p:cNvPr id="76" name="Google Shape;76;gc50ab1f7be_0_57:notes"/>
+          <p:cNvSpPr>
+            <a:spLocks noGrp="1" noRot="1" noChangeAspect="1"/>
+          </p:cNvSpPr>
+          <p:nvPr>
+            <p:ph type="sldImg" idx="2"/>
+          </p:nvPr>
+        </p:nvSpPr>
+        <p:spPr>
+          <a:xfrm>
+            <a:off x="381300" y="685800"/>
+            <a:ext cx="6096000" cy="3429000"/>
+          </a:xfrm>
+          <a:custGeom>
+            <a:avLst/>
+            <a:gdLst/>
+            <a:ahLst/>
+            <a:cxnLst/>
+            <a:rect l="l" t="t" r="r" b="b"/>
+            <a:pathLst>
+              <a:path w="120000" h="120000" extrusionOk="0">
+                <a:moveTo>
+                  <a:pt x="0" y="0"/>
+                </a:moveTo>
+                <a:lnTo>
+                  <a:pt x="120000" y="0"/>
+                </a:lnTo>
+                <a:lnTo>
+                  <a:pt x="120000" y="120000"/>
+                </a:lnTo>
+                <a:lnTo>
+                  <a:pt x="0" y="120000"/>
+                </a:lnTo>
+                <a:close/>
+              </a:path>
+            </a:pathLst>
+          </a:custGeom>
+        </p:spPr>
+      </p:sp>
+      <p:sp>
+        <p:nvSpPr>
+          <p:cNvPr id="77" name="Google Shape;77;gc50ab1f7be_0_57:notes"/>
+          <p:cNvSpPr txBox="1">
+            <a:spLocks noGrp="1"/>
+          </p:cNvSpPr>
+          <p:nvPr>
+            <p:ph type="body" idx="1"/>
+          </p:nvPr>
+        </p:nvSpPr>
+        <p:spPr>
+          <a:xfrm>
+            <a:off x="685800" y="4343400"/>
+            <a:ext cx="5486400" cy="4114800"/>
+          </a:xfrm>
+          <a:prstGeom prst="rect">
+            <a:avLst/>
+          </a:prstGeom>
+        </p:spPr>
+        <p:txBody>
+          <a:bodyPr spcFirstLastPara="1" wrap="square" lIns="91425" tIns="91425" rIns="91425" bIns="91425" anchor="t" anchorCtr="0">
+            <a:noAutofit/>
+          </a:bodyPr>
+          <a:lstStyle/>
+          <a:p>
+            <a:pPr marL="0" lvl="0" indent="0" algn="l" rtl="0">
+              <a:spcBef>
+                <a:spcPts val="0"/>
+              </a:spcBef>
+              <a:spcAft>
+                <a:spcPts val="0"/>
+              </a:spcAft>
+              <a:buNone/>
+            </a:pPr>
+            <a:r>
+              <a:rPr lang="en"/>
+              <a:t>Lekenia </a:t>
+            </a:r>
             <a:endParaRPr/>
           </a:p>
         </p:txBody>
@@ -1869,6 +2757,42 @@
               </a:spcAft>
               <a:buNone/>
             </a:pPr>
+            <a:r>
+              <a:rPr lang="en"/>
+              <a:t>John</a:t>
+            </a:r>
+            <a:endParaRPr/>
+          </a:p>
+          <a:p>
+            <a:pPr marL="0" lvl="0" indent="0" algn="l" rtl="0">
+              <a:spcBef>
+                <a:spcPts val="0"/>
+              </a:spcBef>
+              <a:spcAft>
+                <a:spcPts val="0"/>
+              </a:spcAft>
+              <a:buNone/>
+            </a:pPr>
+            <a:r>
+              <a:rPr lang="en"/>
+              <a:t>Storm DB all tropical storms since 1980, has a row for each storm every 3 hours, data includes year, basin, time, nature, lat, long, speed, direction.</a:t>
+            </a:r>
+            <a:endParaRPr/>
+          </a:p>
+          <a:p>
+            <a:pPr marL="0" lvl="0" indent="0" algn="l" rtl="0">
+              <a:spcBef>
+                <a:spcPts val="0"/>
+              </a:spcBef>
+              <a:spcAft>
+                <a:spcPts val="0"/>
+              </a:spcAft>
+              <a:buNone/>
+            </a:pPr>
+            <a:r>
+              <a:rPr lang="en"/>
+              <a:t>Target geojson is Florida. NOAA - National Oceanic and Atmospheric Administration</a:t>
+            </a:r>
             <a:endParaRPr/>
           </a:p>
         </p:txBody>
@@ -1973,6 +2897,26 @@
               </a:spcAft>
               <a:buNone/>
             </a:pPr>
+            <a:r>
+              <a:rPr lang="en"/>
+              <a:t>John</a:t>
+            </a:r>
+            <a:endParaRPr/>
+          </a:p>
+          <a:p>
+            <a:pPr marL="0" lvl="0" indent="0" algn="l" rtl="0">
+              <a:spcBef>
+                <a:spcPts val="0"/>
+              </a:spcBef>
+              <a:spcAft>
+                <a:spcPts val="0"/>
+              </a:spcAft>
+              <a:buNone/>
+            </a:pPr>
+            <a:r>
+              <a:rPr lang="en"/>
+              <a:t>Geohash levels go up to 12.  Level 12 - 18.6mm, level 5,000 km</a:t>
+            </a:r>
             <a:endParaRPr/>
           </a:p>
         </p:txBody>
@@ -2077,6 +3021,10 @@
               </a:spcAft>
               <a:buNone/>
             </a:pPr>
+            <a:r>
+              <a:rPr lang="en"/>
+              <a:t>John</a:t>
+            </a:r>
             <a:endParaRPr/>
           </a:p>
         </p:txBody>
@@ -2181,6 +3129,10 @@
               </a:spcAft>
               <a:buNone/>
             </a:pPr>
+            <a:r>
+              <a:rPr lang="en"/>
+              <a:t>John</a:t>
+            </a:r>
             <a:endParaRPr/>
           </a:p>
         </p:txBody>
@@ -2198,7 +3150,7 @@
   <p:cSld>
     <p:spTree>
       <p:nvGrpSpPr>
-        <p:cNvPr id="1" name="Shape 110"/>
+        <p:cNvPr id="1" name="Shape 111"/>
         <p:cNvGrpSpPr/>
         <p:nvPr/>
       </p:nvGrpSpPr>
@@ -2212,7 +3164,7 @@
       </p:grpSpPr>
       <p:sp>
         <p:nvSpPr>
-          <p:cNvPr id="111" name="Google Shape;111;gc50ab1f7be_0_75:notes"/>
+          <p:cNvPr id="112" name="Google Shape;112;gca5a1e77f0_2_5:notes"/>
           <p:cNvSpPr>
             <a:spLocks noGrp="1" noRot="1" noChangeAspect="1"/>
           </p:cNvSpPr>
@@ -2253,7 +3205,7 @@
       </p:sp>
       <p:sp>
         <p:nvSpPr>
-          <p:cNvPr id="112" name="Google Shape;112;gc50ab1f7be_0_75:notes"/>
+          <p:cNvPr id="113" name="Google Shape;113;gca5a1e77f0_2_5:notes"/>
           <p:cNvSpPr txBox="1">
             <a:spLocks noGrp="1"/>
           </p:cNvSpPr>
@@ -2283,17 +3235,87 @@
               <a:spcAft>
                 <a:spcPts val="0"/>
               </a:spcAft>
+              <a:buClr>
+                <a:schemeClr val="dk1"/>
+              </a:buClr>
+              <a:buSzPts val="1100"/>
+              <a:buFont typeface="Arial"/>
               <a:buNone/>
             </a:pPr>
             <a:r>
-              <a:rPr lang="en" u="sng">
+              <a:rPr lang="en" sz="1250">
                 <a:solidFill>
-                  <a:schemeClr val="hlink"/>
+                  <a:schemeClr val="dk1"/>
                 </a:solidFill>
-                <a:hlinkClick r:id="rId3"/>
               </a:rPr>
-              <a:t>Storm Strike Dashboard Link</a:t>
+              <a:t>John</a:t>
             </a:r>
+            <a:endParaRPr sz="1250">
+              <a:solidFill>
+                <a:schemeClr val="dk1"/>
+              </a:solidFill>
+            </a:endParaRPr>
+          </a:p>
+          <a:p>
+            <a:pPr marL="0" lvl="0" indent="0" algn="l" rtl="0">
+              <a:spcBef>
+                <a:spcPts val="0"/>
+              </a:spcBef>
+              <a:spcAft>
+                <a:spcPts val="0"/>
+              </a:spcAft>
+              <a:buClr>
+                <a:schemeClr val="dk1"/>
+              </a:buClr>
+              <a:buSzPts val="1100"/>
+              <a:buFont typeface="Arial"/>
+              <a:buNone/>
+            </a:pPr>
+            <a:endParaRPr sz="1250">
+              <a:solidFill>
+                <a:schemeClr val="dk1"/>
+              </a:solidFill>
+            </a:endParaRPr>
+          </a:p>
+          <a:p>
+            <a:pPr marL="0" lvl="0" indent="0" algn="l" rtl="0">
+              <a:spcBef>
+                <a:spcPts val="0"/>
+              </a:spcBef>
+              <a:spcAft>
+                <a:spcPts val="0"/>
+              </a:spcAft>
+              <a:buClr>
+                <a:schemeClr val="dk1"/>
+              </a:buClr>
+              <a:buSzPts val="1100"/>
+              <a:buFont typeface="Arial"/>
+              <a:buNone/>
+            </a:pPr>
+            <a:r>
+              <a:rPr lang="en" sz="1250">
+                <a:solidFill>
+                  <a:schemeClr val="dk1"/>
+                </a:solidFill>
+              </a:rPr>
+              <a:t>Inner join on geohash to determine storms that strike the target area.</a:t>
+            </a:r>
+            <a:endParaRPr sz="1250">
+              <a:solidFill>
+                <a:schemeClr val="dk1"/>
+              </a:solidFill>
+            </a:endParaRPr>
+          </a:p>
+          <a:p>
+            <a:pPr marL="0" lvl="0" indent="0" algn="l" rtl="0">
+              <a:spcBef>
+                <a:spcPts val="0"/>
+              </a:spcBef>
+              <a:spcAft>
+                <a:spcPts val="0"/>
+              </a:spcAft>
+              <a:buNone/>
+            </a:pPr>
             <a:endParaRPr/>
           </a:p>
         </p:txBody>
@@ -7626,6 +8648,19 @@
 <file path=ppt/slides/slide1.xml><?xml version="1.0" encoding="utf-8"?>
 <p:sld xmlns:a="http://schemas.openxmlformats.org/drawingml/2006/main" xmlns:r="http://schemas.openxmlformats.org/officeDocument/2006/relationships" xmlns:p="http://schemas.openxmlformats.org/presentationml/2006/main">
   <p:cSld>
+    <p:bg>
+      <p:bgPr>
+        <a:blipFill>
+          <a:blip r:embed="rId3">
+            <a:alphaModFix/>
+          </a:blip>
+          <a:stretch>
+            <a:fillRect/>
+          </a:stretch>
+        </a:blipFill>
+        <a:effectLst/>
+      </p:bgPr>
+    </p:bg>
     <p:spTree>
       <p:nvGrpSpPr>
         <p:cNvPr id="1" name="Shape 58"/>
@@ -7740,34 +8775,6 @@
           </a:p>
         </p:txBody>
       </p:sp>
-      <p:pic>
-        <p:nvPicPr>
-          <p:cNvPr id="61" name="Google Shape;61;p13"/>
-          <p:cNvPicPr preferRelativeResize="0"/>
-          <p:nvPr/>
-        </p:nvPicPr>
-        <p:blipFill>
-          <a:blip r:embed="rId3">
-            <a:alphaModFix/>
-          </a:blip>
-          <a:stretch>
-            <a:fillRect/>
-          </a:stretch>
-        </p:blipFill>
-        <p:spPr>
-          <a:xfrm>
-            <a:off x="471174" y="188225"/>
-            <a:ext cx="2116350" cy="1373275"/>
-          </a:xfrm>
-          <a:prstGeom prst="rect">
-            <a:avLst/>
-          </a:prstGeom>
-          <a:noFill/>
-          <a:ln>
-            <a:noFill/>
-          </a:ln>
-        </p:spPr>
-      </p:pic>
     </p:spTree>
   </p:cSld>
   <p:clrMapOvr>
@@ -7876,7 +8883,7 @@
   <p:cSld>
     <p:spTree>
       <p:nvGrpSpPr>
-        <p:cNvPr id="1" name="Shape 120"/>
+        <p:cNvPr id="1" name="Shape 121"/>
         <p:cNvGrpSpPr/>
         <p:nvPr/>
       </p:nvGrpSpPr>
@@ -7890,7 +8897,7 @@
       </p:grpSpPr>
       <p:sp>
         <p:nvSpPr>
-          <p:cNvPr id="121" name="Google Shape;121;p22"/>
+          <p:cNvPr id="122" name="Google Shape;122;p22"/>
           <p:cNvSpPr txBox="1">
             <a:spLocks noGrp="1"/>
           </p:cNvSpPr>
@@ -7924,7 +8931,7 @@
             </a:pPr>
             <a:r>
               <a:rPr lang="en"/>
-              <a:t>Data Analysis</a:t>
+              <a:t>Database Structure</a:t>
             </a:r>
             <a:endParaRPr/>
           </a:p>
@@ -7932,7 +8939,7 @@
       </p:sp>
       <p:sp>
         <p:nvSpPr>
-          <p:cNvPr id="122" name="Google Shape;122;p22"/>
+          <p:cNvPr id="123" name="Google Shape;123;p22"/>
           <p:cNvSpPr txBox="1">
             <a:spLocks noGrp="1"/>
           </p:cNvSpPr>
@@ -7942,8 +8949,8 @@
         </p:nvSpPr>
         <p:spPr>
           <a:xfrm>
-            <a:off x="311700" y="1152475"/>
-            <a:ext cx="8520600" cy="3416400"/>
+            <a:off x="217900" y="1127025"/>
+            <a:ext cx="8520600" cy="2629800"/>
           </a:xfrm>
           <a:prstGeom prst="rect">
             <a:avLst/>
@@ -7951,18 +8958,19 @@
         </p:spPr>
         <p:txBody>
           <a:bodyPr spcFirstLastPara="1" wrap="square" lIns="91425" tIns="91425" rIns="91425" bIns="91425" anchor="t" anchorCtr="0">
-            <a:normAutofit/>
+            <a:normAutofit fontScale="77500" lnSpcReduction="20000"/>
           </a:bodyPr>
           <a:lstStyle/>
           <a:p>
-            <a:pPr marL="0" lvl="0" indent="0" algn="l" rtl="0">
-              <a:spcBef>
-                <a:spcPts val="0"/>
-              </a:spcBef>
-              <a:spcAft>
-                <a:spcPts val="0"/>
-              </a:spcAft>
-              <a:buNone/>
+            <a:pPr marL="457200" lvl="0" indent="-317182" algn="l" rtl="0">
+              <a:spcBef>
+                <a:spcPts val="0"/>
+              </a:spcBef>
+              <a:spcAft>
+                <a:spcPts val="0"/>
+              </a:spcAft>
+              <a:buSzPct val="100000"/>
+              <a:buChar char="●"/>
             </a:pPr>
             <a:r>
               <a:rPr lang="en"/>
@@ -7976,6 +8984,71 @@
                 <a:spcPts val="1200"/>
               </a:spcBef>
               <a:spcAft>
+                <a:spcPts val="0"/>
+              </a:spcAft>
+              <a:buNone/>
+            </a:pPr>
+            <a:endParaRPr/>
+          </a:p>
+          <a:p>
+            <a:pPr marL="0" lvl="0" indent="0" algn="l" rtl="0">
+              <a:spcBef>
+                <a:spcPts val="1200"/>
+              </a:spcBef>
+              <a:spcAft>
+                <a:spcPts val="0"/>
+              </a:spcAft>
+              <a:buNone/>
+            </a:pPr>
+            <a:endParaRPr/>
+          </a:p>
+          <a:p>
+            <a:pPr marL="0" lvl="0" indent="0" algn="l" rtl="0">
+              <a:spcBef>
+                <a:spcPts val="1200"/>
+              </a:spcBef>
+              <a:spcAft>
+                <a:spcPts val="0"/>
+              </a:spcAft>
+              <a:buNone/>
+            </a:pPr>
+            <a:endParaRPr/>
+          </a:p>
+          <a:p>
+            <a:pPr marL="0" lvl="0" indent="0" algn="l" rtl="0">
+              <a:spcBef>
+                <a:spcPts val="1200"/>
+              </a:spcBef>
+              <a:spcAft>
+                <a:spcPts val="0"/>
+              </a:spcAft>
+              <a:buNone/>
+            </a:pPr>
+            <a:endParaRPr/>
+          </a:p>
+          <a:p>
+            <a:pPr marL="457200" lvl="0" indent="-317182" algn="l" rtl="0">
+              <a:spcBef>
+                <a:spcPts val="1200"/>
+              </a:spcBef>
+              <a:spcAft>
+                <a:spcPts val="0"/>
+              </a:spcAft>
+              <a:buSzPct val="100000"/>
+              <a:buChar char="●"/>
+            </a:pPr>
+            <a:r>
+              <a:rPr lang="en"/>
+              <a:t>Origin_end_time</a:t>
+            </a:r>
+            <a:endParaRPr/>
+          </a:p>
+          <a:p>
+            <a:pPr marL="0" lvl="0" indent="0" algn="l" rtl="0">
+              <a:spcBef>
+                <a:spcPts val="1200"/>
+              </a:spcBef>
+              <a:spcAft>
                 <a:spcPts val="1200"/>
               </a:spcAft>
               <a:buNone/>
@@ -7986,7 +9059,7 @@
       </p:sp>
       <p:pic>
         <p:nvPicPr>
-          <p:cNvPr id="123" name="Google Shape;123;p22"/>
+          <p:cNvPr id="124" name="Google Shape;124;p22"/>
           <p:cNvPicPr preferRelativeResize="0"/>
           <p:nvPr/>
         </p:nvPicPr>
@@ -8000,8 +9073,36 @@
         </p:blipFill>
         <p:spPr>
           <a:xfrm>
-            <a:off x="311700" y="1765450"/>
-            <a:ext cx="8832299" cy="1557630"/>
+            <a:off x="174950" y="1655175"/>
+            <a:ext cx="7234523" cy="1081875"/>
+          </a:xfrm>
+          <a:prstGeom prst="rect">
+            <a:avLst/>
+          </a:prstGeom>
+          <a:noFill/>
+          <a:ln>
+            <a:noFill/>
+          </a:ln>
+        </p:spPr>
+      </p:pic>
+      <p:pic>
+        <p:nvPicPr>
+          <p:cNvPr id="125" name="Google Shape;125;p22"/>
+          <p:cNvPicPr preferRelativeResize="0"/>
+          <p:nvPr/>
+        </p:nvPicPr>
+        <p:blipFill>
+          <a:blip r:embed="rId4">
+            <a:alphaModFix/>
+          </a:blip>
+          <a:stretch>
+            <a:fillRect/>
+          </a:stretch>
+        </p:blipFill>
+        <p:spPr>
+          <a:xfrm>
+            <a:off x="217900" y="3374500"/>
+            <a:ext cx="7292376" cy="1528250"/>
           </a:xfrm>
           <a:prstGeom prst="rect">
             <a:avLst/>
@@ -8025,7 +9126,7 @@
   <p:cSld>
     <p:spTree>
       <p:nvGrpSpPr>
-        <p:cNvPr id="1" name="Shape 127"/>
+        <p:cNvPr id="1" name="Shape 129"/>
         <p:cNvGrpSpPr/>
         <p:nvPr/>
       </p:nvGrpSpPr>
@@ -8039,7 +9140,7 @@
       </p:grpSpPr>
       <p:sp>
         <p:nvSpPr>
-          <p:cNvPr id="128" name="Google Shape;128;p23"/>
+          <p:cNvPr id="130" name="Google Shape;130;p23"/>
           <p:cNvSpPr txBox="1">
             <a:spLocks noGrp="1"/>
           </p:cNvSpPr>
@@ -8073,7 +9174,7 @@
             </a:pPr>
             <a:r>
               <a:rPr lang="en"/>
-              <a:t>Data Analysis</a:t>
+              <a:t>Database Structure</a:t>
             </a:r>
             <a:endParaRPr/>
           </a:p>
@@ -8081,7 +9182,7 @@
       </p:sp>
       <p:sp>
         <p:nvSpPr>
-          <p:cNvPr id="129" name="Google Shape;129;p23"/>
+          <p:cNvPr id="131" name="Google Shape;131;p23"/>
           <p:cNvSpPr txBox="1">
             <a:spLocks noGrp="1"/>
           </p:cNvSpPr>
@@ -8091,8 +9192,8 @@
         </p:nvSpPr>
         <p:spPr>
           <a:xfrm>
-            <a:off x="311700" y="1152475"/>
-            <a:ext cx="8520600" cy="3416400"/>
+            <a:off x="217925" y="1060400"/>
+            <a:ext cx="8566800" cy="2958300"/>
           </a:xfrm>
           <a:prstGeom prst="rect">
             <a:avLst/>
@@ -8100,23 +9201,101 @@
         </p:spPr>
         <p:txBody>
           <a:bodyPr spcFirstLastPara="1" wrap="square" lIns="91425" tIns="91425" rIns="91425" bIns="91425" anchor="t" anchorCtr="0">
-            <a:normAutofit/>
+            <a:normAutofit fontScale="85000" lnSpcReduction="20000"/>
           </a:bodyPr>
           <a:lstStyle/>
           <a:p>
-            <a:pPr marL="0" lvl="0" indent="0" algn="l" rtl="0">
-              <a:spcBef>
-                <a:spcPts val="0"/>
-              </a:spcBef>
-              <a:spcAft>
-                <a:spcPts val="0"/>
-              </a:spcAft>
-              <a:buNone/>
+            <a:pPr marL="457200" lvl="0" indent="-325755" algn="l" rtl="0">
+              <a:spcBef>
+                <a:spcPts val="0"/>
+              </a:spcBef>
+              <a:spcAft>
+                <a:spcPts val="0"/>
+              </a:spcAft>
+              <a:buSzPct val="100000"/>
+              <a:buChar char="●"/>
             </a:pPr>
             <a:r>
               <a:rPr lang="en"/>
-              <a:t>Logistic Regression Model</a:t>
+              <a:t>NA_storms_summary</a:t>
             </a:r>
+            <a:endParaRPr/>
+          </a:p>
+          <a:p>
+            <a:pPr marL="457200" lvl="0" indent="-325755" algn="l" rtl="0">
+              <a:spcBef>
+                <a:spcPts val="0"/>
+              </a:spcBef>
+              <a:spcAft>
+                <a:spcPts val="0"/>
+              </a:spcAft>
+              <a:buSzPct val="100000"/>
+              <a:buChar char="●"/>
+            </a:pPr>
+            <a:r>
+              <a:rPr lang="en"/>
+              <a:t>NA_storms_summary_endtime</a:t>
+            </a:r>
+            <a:endParaRPr/>
+          </a:p>
+          <a:p>
+            <a:pPr marL="0" lvl="0" indent="0" algn="l" rtl="0">
+              <a:spcBef>
+                <a:spcPts val="1200"/>
+              </a:spcBef>
+              <a:spcAft>
+                <a:spcPts val="0"/>
+              </a:spcAft>
+              <a:buNone/>
+            </a:pPr>
+            <a:endParaRPr/>
+          </a:p>
+          <a:p>
+            <a:pPr marL="0" lvl="0" indent="0" algn="l" rtl="0">
+              <a:spcBef>
+                <a:spcPts val="1200"/>
+              </a:spcBef>
+              <a:spcAft>
+                <a:spcPts val="0"/>
+              </a:spcAft>
+              <a:buNone/>
+            </a:pPr>
+            <a:endParaRPr/>
+          </a:p>
+          <a:p>
+            <a:pPr marL="0" lvl="0" indent="0" algn="l" rtl="0">
+              <a:spcBef>
+                <a:spcPts val="1200"/>
+              </a:spcBef>
+              <a:spcAft>
+                <a:spcPts val="0"/>
+              </a:spcAft>
+              <a:buNone/>
+            </a:pPr>
+            <a:endParaRPr/>
+          </a:p>
+          <a:p>
+            <a:pPr marL="0" lvl="0" indent="0" algn="l" rtl="0">
+              <a:spcBef>
+                <a:spcPts val="1200"/>
+              </a:spcBef>
+              <a:spcAft>
+                <a:spcPts val="0"/>
+              </a:spcAft>
+              <a:buNone/>
+            </a:pPr>
+            <a:endParaRPr/>
+          </a:p>
+          <a:p>
+            <a:pPr marL="457200" lvl="0" indent="0" algn="l" rtl="0">
+              <a:spcBef>
+                <a:spcPts val="1200"/>
+              </a:spcBef>
+              <a:spcAft>
+                <a:spcPts val="0"/>
+              </a:spcAft>
+              <a:buNone/>
+            </a:pPr>
             <a:endParaRPr/>
           </a:p>
           <a:p>
@@ -8135,7 +9314,7 @@
       </p:sp>
       <p:pic>
         <p:nvPicPr>
-          <p:cNvPr id="130" name="Google Shape;130;p23"/>
+          <p:cNvPr id="132" name="Google Shape;132;p23"/>
           <p:cNvPicPr preferRelativeResize="0"/>
           <p:nvPr/>
         </p:nvPicPr>
@@ -8149,8 +9328,8 @@
         </p:blipFill>
         <p:spPr>
           <a:xfrm>
-            <a:off x="1786125" y="2200275"/>
-            <a:ext cx="5546375" cy="1144500"/>
+            <a:off x="577250" y="1938775"/>
+            <a:ext cx="6980625" cy="2805075"/>
           </a:xfrm>
           <a:prstGeom prst="rect">
             <a:avLst/>
@@ -8174,7 +9353,7 @@
   <p:cSld>
     <p:spTree>
       <p:nvGrpSpPr>
-        <p:cNvPr id="1" name="Shape 134"/>
+        <p:cNvPr id="1" name="Shape 136"/>
         <p:cNvGrpSpPr/>
         <p:nvPr/>
       </p:nvGrpSpPr>
@@ -8188,7 +9367,7 @@
       </p:grpSpPr>
       <p:sp>
         <p:nvSpPr>
-          <p:cNvPr id="135" name="Google Shape;135;p24"/>
+          <p:cNvPr id="137" name="Google Shape;137;p24"/>
           <p:cNvSpPr txBox="1">
             <a:spLocks noGrp="1"/>
           </p:cNvSpPr>
@@ -8222,69 +9401,15 @@
             </a:pPr>
             <a:r>
               <a:rPr lang="en"/>
-              <a:t>Data Analysis</a:t>
+              <a:t>Machine Learning Pipeline</a:t>
             </a:r>
-            <a:endParaRPr/>
-          </a:p>
-        </p:txBody>
-      </p:sp>
-      <p:sp>
-        <p:nvSpPr>
-          <p:cNvPr id="136" name="Google Shape;136;p24"/>
-          <p:cNvSpPr txBox="1">
-            <a:spLocks noGrp="1"/>
-          </p:cNvSpPr>
-          <p:nvPr>
-            <p:ph type="body" idx="1"/>
-          </p:nvPr>
-        </p:nvSpPr>
-        <p:spPr>
-          <a:xfrm>
-            <a:off x="311700" y="1152475"/>
-            <a:ext cx="8520600" cy="3416400"/>
-          </a:xfrm>
-          <a:prstGeom prst="rect">
-            <a:avLst/>
-          </a:prstGeom>
-        </p:spPr>
-        <p:txBody>
-          <a:bodyPr spcFirstLastPara="1" wrap="square" lIns="91425" tIns="91425" rIns="91425" bIns="91425" anchor="t" anchorCtr="0">
-            <a:normAutofit/>
-          </a:bodyPr>
-          <a:lstStyle/>
-          <a:p>
-            <a:pPr marL="0" lvl="0" indent="0" algn="l" rtl="0">
-              <a:spcBef>
-                <a:spcPts val="0"/>
-              </a:spcBef>
-              <a:spcAft>
-                <a:spcPts val="0"/>
-              </a:spcAft>
-              <a:buNone/>
-            </a:pPr>
-            <a:r>
-              <a:rPr lang="en"/>
-              <a:t>Cont’d Logistic Regression Model</a:t>
-            </a:r>
-            <a:endParaRPr/>
-          </a:p>
-          <a:p>
-            <a:pPr marL="0" lvl="0" indent="0" algn="l" rtl="0">
-              <a:spcBef>
-                <a:spcPts val="1200"/>
-              </a:spcBef>
-              <a:spcAft>
-                <a:spcPts val="1200"/>
-              </a:spcAft>
-              <a:buNone/>
-            </a:pPr>
             <a:endParaRPr/>
           </a:p>
         </p:txBody>
       </p:sp>
       <p:pic>
         <p:nvPicPr>
-          <p:cNvPr id="137" name="Google Shape;137;p24"/>
+          <p:cNvPr id="138" name="Google Shape;138;p24"/>
           <p:cNvPicPr preferRelativeResize="0"/>
           <p:nvPr/>
         </p:nvPicPr>
@@ -8298,8 +9423,8 @@
         </p:blipFill>
         <p:spPr>
           <a:xfrm>
-            <a:off x="1544402" y="1854302"/>
-            <a:ext cx="5712050" cy="2525450"/>
+            <a:off x="1280145" y="1175500"/>
+            <a:ext cx="6245781" cy="3749151"/>
           </a:xfrm>
           <a:prstGeom prst="rect">
             <a:avLst/>
@@ -8323,7 +9448,7 @@
   <p:cSld>
     <p:spTree>
       <p:nvGrpSpPr>
-        <p:cNvPr id="1" name="Shape 141"/>
+        <p:cNvPr id="1" name="Shape 142"/>
         <p:cNvGrpSpPr/>
         <p:nvPr/>
       </p:nvGrpSpPr>
@@ -8337,7 +9462,7 @@
       </p:grpSpPr>
       <p:sp>
         <p:nvSpPr>
-          <p:cNvPr id="142" name="Google Shape;142;p25"/>
+          <p:cNvPr id="143" name="Google Shape;143;p25"/>
           <p:cNvSpPr txBox="1">
             <a:spLocks noGrp="1"/>
           </p:cNvSpPr>
@@ -8371,7 +9496,7 @@
             </a:pPr>
             <a:r>
               <a:rPr lang="en"/>
-              <a:t>Tools Used</a:t>
+              <a:t>Data Analysis</a:t>
             </a:r>
             <a:endParaRPr/>
           </a:p>
@@ -8379,7 +9504,1223 @@
       </p:sp>
       <p:sp>
         <p:nvSpPr>
-          <p:cNvPr id="143" name="Google Shape;143;p25"/>
+          <p:cNvPr id="144" name="Google Shape;144;p25"/>
+          <p:cNvSpPr txBox="1">
+            <a:spLocks noGrp="1"/>
+          </p:cNvSpPr>
+          <p:nvPr>
+            <p:ph type="body" idx="1"/>
+          </p:nvPr>
+        </p:nvSpPr>
+        <p:spPr>
+          <a:xfrm>
+            <a:off x="311700" y="1152475"/>
+            <a:ext cx="8520600" cy="3416400"/>
+          </a:xfrm>
+          <a:prstGeom prst="rect">
+            <a:avLst/>
+          </a:prstGeom>
+        </p:spPr>
+        <p:txBody>
+          <a:bodyPr spcFirstLastPara="1" wrap="square" lIns="91425" tIns="91425" rIns="91425" bIns="91425" anchor="t" anchorCtr="0">
+            <a:normAutofit fontScale="92500" lnSpcReduction="20000"/>
+          </a:bodyPr>
+          <a:lstStyle/>
+          <a:p>
+            <a:pPr marL="0" lvl="0" indent="0" algn="l" rtl="0">
+              <a:lnSpc>
+                <a:spcPct val="100000"/>
+              </a:lnSpc>
+              <a:spcBef>
+                <a:spcPts val="0"/>
+              </a:spcBef>
+              <a:spcAft>
+                <a:spcPts val="0"/>
+              </a:spcAft>
+              <a:buNone/>
+            </a:pPr>
+            <a:r>
+              <a:rPr lang="en" sz="2500">
+                <a:solidFill>
+                  <a:schemeClr val="dk1"/>
+                </a:solidFill>
+              </a:rPr>
+              <a:t>Machine Learning Model </a:t>
+            </a:r>
+            <a:endParaRPr/>
+          </a:p>
+          <a:p>
+            <a:pPr marL="0" lvl="0" indent="0" algn="l" rtl="0">
+              <a:lnSpc>
+                <a:spcPct val="7000"/>
+              </a:lnSpc>
+              <a:spcBef>
+                <a:spcPts val="1200"/>
+              </a:spcBef>
+              <a:spcAft>
+                <a:spcPts val="0"/>
+              </a:spcAft>
+              <a:buNone/>
+            </a:pPr>
+            <a:r>
+              <a:rPr lang="en" sz="1300">
+                <a:solidFill>
+                  <a:schemeClr val="dk1"/>
+                </a:solidFill>
+              </a:rPr>
+              <a:t>Steps in Logistic Regression : Below steps are required in development of our model</a:t>
+            </a:r>
+            <a:endParaRPr sz="1300">
+              <a:solidFill>
+                <a:schemeClr val="dk1"/>
+              </a:solidFill>
+            </a:endParaRPr>
+          </a:p>
+          <a:p>
+            <a:pPr marL="0" lvl="0" indent="0" algn="l" rtl="0">
+              <a:lnSpc>
+                <a:spcPct val="150000"/>
+              </a:lnSpc>
+              <a:spcBef>
+                <a:spcPts val="0"/>
+              </a:spcBef>
+              <a:spcAft>
+                <a:spcPts val="0"/>
+              </a:spcAft>
+              <a:buNone/>
+            </a:pPr>
+            <a:endParaRPr sz="1400">
+              <a:solidFill>
+                <a:schemeClr val="dk1"/>
+              </a:solidFill>
+            </a:endParaRPr>
+          </a:p>
+          <a:p>
+            <a:pPr marL="0" lvl="0" indent="0" algn="l" rtl="0">
+              <a:lnSpc>
+                <a:spcPct val="150000"/>
+              </a:lnSpc>
+              <a:spcBef>
+                <a:spcPts val="0"/>
+              </a:spcBef>
+              <a:spcAft>
+                <a:spcPts val="0"/>
+              </a:spcAft>
+              <a:buNone/>
+            </a:pPr>
+            <a:r>
+              <a:rPr lang="en" sz="1400">
+                <a:solidFill>
+                  <a:schemeClr val="dk1"/>
+                </a:solidFill>
+              </a:rPr>
+              <a:t>●Data Preprocessing</a:t>
+            </a:r>
+            <a:endParaRPr sz="1400">
+              <a:solidFill>
+                <a:schemeClr val="dk1"/>
+              </a:solidFill>
+            </a:endParaRPr>
+          </a:p>
+          <a:p>
+            <a:pPr marL="0" lvl="0" indent="0" algn="l" rtl="0">
+              <a:lnSpc>
+                <a:spcPct val="150000"/>
+              </a:lnSpc>
+              <a:spcBef>
+                <a:spcPts val="0"/>
+              </a:spcBef>
+              <a:spcAft>
+                <a:spcPts val="0"/>
+              </a:spcAft>
+              <a:buNone/>
+            </a:pPr>
+            <a:r>
+              <a:rPr lang="en" sz="1400">
+                <a:solidFill>
+                  <a:schemeClr val="dk1"/>
+                </a:solidFill>
+              </a:rPr>
+              <a:t>●Exploratory Data Analysis</a:t>
+            </a:r>
+            <a:endParaRPr sz="1400">
+              <a:solidFill>
+                <a:schemeClr val="dk1"/>
+              </a:solidFill>
+            </a:endParaRPr>
+          </a:p>
+          <a:p>
+            <a:pPr marL="0" lvl="0" indent="0" algn="l" rtl="0">
+              <a:lnSpc>
+                <a:spcPct val="150000"/>
+              </a:lnSpc>
+              <a:spcBef>
+                <a:spcPts val="0"/>
+              </a:spcBef>
+              <a:spcAft>
+                <a:spcPts val="0"/>
+              </a:spcAft>
+              <a:buNone/>
+            </a:pPr>
+            <a:r>
+              <a:rPr lang="en" sz="1400">
+                <a:solidFill>
+                  <a:schemeClr val="dk1"/>
+                </a:solidFill>
+              </a:rPr>
+              <a:t>●Feature Scaling</a:t>
+            </a:r>
+            <a:endParaRPr sz="1400">
+              <a:solidFill>
+                <a:schemeClr val="dk1"/>
+              </a:solidFill>
+            </a:endParaRPr>
+          </a:p>
+          <a:p>
+            <a:pPr marL="0" lvl="0" indent="0" algn="l" rtl="0">
+              <a:lnSpc>
+                <a:spcPct val="150000"/>
+              </a:lnSpc>
+              <a:spcBef>
+                <a:spcPts val="0"/>
+              </a:spcBef>
+              <a:spcAft>
+                <a:spcPts val="0"/>
+              </a:spcAft>
+              <a:buNone/>
+            </a:pPr>
+            <a:r>
+              <a:rPr lang="en" sz="1400">
+                <a:solidFill>
+                  <a:schemeClr val="dk1"/>
+                </a:solidFill>
+              </a:rPr>
+              <a:t>●Logistic Regression</a:t>
+            </a:r>
+            <a:endParaRPr sz="1400">
+              <a:solidFill>
+                <a:schemeClr val="dk1"/>
+              </a:solidFill>
+            </a:endParaRPr>
+          </a:p>
+          <a:p>
+            <a:pPr marL="0" lvl="0" indent="0" algn="l" rtl="0">
+              <a:lnSpc>
+                <a:spcPct val="150000"/>
+              </a:lnSpc>
+              <a:spcBef>
+                <a:spcPts val="0"/>
+              </a:spcBef>
+              <a:spcAft>
+                <a:spcPts val="0"/>
+              </a:spcAft>
+              <a:buNone/>
+            </a:pPr>
+            <a:r>
+              <a:rPr lang="en" sz="1400">
+                <a:solidFill>
+                  <a:schemeClr val="dk1"/>
+                </a:solidFill>
+              </a:rPr>
+              <a:t>●Predicting the Test Result</a:t>
+            </a:r>
+            <a:endParaRPr sz="1400">
+              <a:solidFill>
+                <a:schemeClr val="dk1"/>
+              </a:solidFill>
+            </a:endParaRPr>
+          </a:p>
+          <a:p>
+            <a:pPr marL="0" lvl="0" indent="0" algn="l" rtl="0">
+              <a:lnSpc>
+                <a:spcPct val="150000"/>
+              </a:lnSpc>
+              <a:spcBef>
+                <a:spcPts val="0"/>
+              </a:spcBef>
+              <a:spcAft>
+                <a:spcPts val="0"/>
+              </a:spcAft>
+              <a:buNone/>
+            </a:pPr>
+            <a:r>
+              <a:rPr lang="en" sz="1400">
+                <a:solidFill>
+                  <a:schemeClr val="dk1"/>
+                </a:solidFill>
+              </a:rPr>
+              <a:t>●Test Accuracy of Model</a:t>
+            </a:r>
+            <a:endParaRPr sz="1400">
+              <a:solidFill>
+                <a:schemeClr val="dk1"/>
+              </a:solidFill>
+            </a:endParaRPr>
+          </a:p>
+          <a:p>
+            <a:pPr marL="0" lvl="0" indent="0" algn="l" rtl="0">
+              <a:spcBef>
+                <a:spcPts val="1200"/>
+              </a:spcBef>
+              <a:spcAft>
+                <a:spcPts val="0"/>
+              </a:spcAft>
+              <a:buNone/>
+            </a:pPr>
+            <a:r>
+              <a:rPr lang="en" sz="1700">
+                <a:solidFill>
+                  <a:schemeClr val="dk1"/>
+                </a:solidFill>
+              </a:rPr>
+              <a:t>Our data has been prepared in earlier slide, we perform few additional steps to enable our dataset fit in to the model </a:t>
+            </a:r>
+            <a:endParaRPr/>
+          </a:p>
+          <a:p>
+            <a:pPr marL="0" lvl="0" indent="0" algn="l" rtl="0">
+              <a:spcBef>
+                <a:spcPts val="0"/>
+              </a:spcBef>
+              <a:spcAft>
+                <a:spcPts val="1200"/>
+              </a:spcAft>
+              <a:buNone/>
+            </a:pPr>
+            <a:endParaRPr/>
+          </a:p>
+        </p:txBody>
+      </p:sp>
+    </p:spTree>
+  </p:cSld>
+  <p:clrMapOvr>
+    <a:masterClrMapping/>
+  </p:clrMapOvr>
+</p:sld>
+</file>
+
+<file path=ppt/slides/slide14.xml><?xml version="1.0" encoding="utf-8"?>
+<p:sld xmlns:a="http://schemas.openxmlformats.org/drawingml/2006/main" xmlns:r="http://schemas.openxmlformats.org/officeDocument/2006/relationships" xmlns:p="http://schemas.openxmlformats.org/presentationml/2006/main">
+  <p:cSld>
+    <p:spTree>
+      <p:nvGrpSpPr>
+        <p:cNvPr id="1" name="Shape 148"/>
+        <p:cNvGrpSpPr/>
+        <p:nvPr/>
+      </p:nvGrpSpPr>
+      <p:grpSpPr>
+        <a:xfrm>
+          <a:off x="0" y="0"/>
+          <a:ext cx="0" cy="0"/>
+          <a:chOff x="0" y="0"/>
+          <a:chExt cx="0" cy="0"/>
+        </a:xfrm>
+      </p:grpSpPr>
+      <p:sp>
+        <p:nvSpPr>
+          <p:cNvPr id="149" name="Google Shape;149;p26"/>
+          <p:cNvSpPr txBox="1">
+            <a:spLocks noGrp="1"/>
+          </p:cNvSpPr>
+          <p:nvPr>
+            <p:ph type="title"/>
+          </p:nvPr>
+        </p:nvSpPr>
+        <p:spPr>
+          <a:xfrm>
+            <a:off x="311700" y="445025"/>
+            <a:ext cx="8520600" cy="572700"/>
+          </a:xfrm>
+          <a:prstGeom prst="rect">
+            <a:avLst/>
+          </a:prstGeom>
+        </p:spPr>
+        <p:txBody>
+          <a:bodyPr spcFirstLastPara="1" wrap="square" lIns="91425" tIns="91425" rIns="91425" bIns="91425" anchor="t" anchorCtr="0">
+            <a:normAutofit fontScale="90000"/>
+          </a:bodyPr>
+          <a:lstStyle/>
+          <a:p>
+            <a:pPr marL="0" lvl="0" indent="0" algn="l" rtl="0">
+              <a:spcBef>
+                <a:spcPts val="0"/>
+              </a:spcBef>
+              <a:spcAft>
+                <a:spcPts val="0"/>
+              </a:spcAft>
+              <a:buNone/>
+            </a:pPr>
+            <a:r>
+              <a:rPr lang="en"/>
+              <a:t>Data Analysis</a:t>
+            </a:r>
+            <a:endParaRPr/>
+          </a:p>
+        </p:txBody>
+      </p:sp>
+      <p:sp>
+        <p:nvSpPr>
+          <p:cNvPr id="150" name="Google Shape;150;p26"/>
+          <p:cNvSpPr txBox="1">
+            <a:spLocks noGrp="1"/>
+          </p:cNvSpPr>
+          <p:nvPr>
+            <p:ph type="body" idx="1"/>
+          </p:nvPr>
+        </p:nvSpPr>
+        <p:spPr>
+          <a:xfrm>
+            <a:off x="311700" y="1152475"/>
+            <a:ext cx="8520600" cy="3416400"/>
+          </a:xfrm>
+          <a:prstGeom prst="rect">
+            <a:avLst/>
+          </a:prstGeom>
+        </p:spPr>
+        <p:txBody>
+          <a:bodyPr spcFirstLastPara="1" wrap="square" lIns="91425" tIns="91425" rIns="91425" bIns="91425" anchor="t" anchorCtr="0">
+            <a:normAutofit/>
+          </a:bodyPr>
+          <a:lstStyle/>
+          <a:p>
+            <a:pPr marL="0" lvl="0" indent="0" algn="l" rtl="0">
+              <a:spcBef>
+                <a:spcPts val="0"/>
+              </a:spcBef>
+              <a:spcAft>
+                <a:spcPts val="0"/>
+              </a:spcAft>
+              <a:buNone/>
+            </a:pPr>
+            <a:r>
+              <a:rPr lang="en"/>
+              <a:t>Feature Scaling</a:t>
+            </a:r>
+            <a:endParaRPr/>
+          </a:p>
+          <a:p>
+            <a:pPr marL="0" lvl="0" indent="0" algn="l" rtl="0">
+              <a:lnSpc>
+                <a:spcPct val="7000"/>
+              </a:lnSpc>
+              <a:spcBef>
+                <a:spcPts val="1200"/>
+              </a:spcBef>
+              <a:spcAft>
+                <a:spcPts val="0"/>
+              </a:spcAft>
+              <a:buNone/>
+            </a:pPr>
+            <a:r>
+              <a:rPr lang="en" sz="1400">
+                <a:solidFill>
+                  <a:schemeClr val="dk1"/>
+                </a:solidFill>
+              </a:rPr>
+              <a:t>Helps to normalize range of our features in our data.</a:t>
+            </a:r>
+            <a:endParaRPr sz="1400">
+              <a:solidFill>
+                <a:schemeClr val="dk1"/>
+              </a:solidFill>
+            </a:endParaRPr>
+          </a:p>
+          <a:p>
+            <a:pPr marL="0" lvl="0" indent="0" algn="l" rtl="0">
+              <a:lnSpc>
+                <a:spcPct val="7000"/>
+              </a:lnSpc>
+              <a:spcBef>
+                <a:spcPts val="1200"/>
+              </a:spcBef>
+              <a:spcAft>
+                <a:spcPts val="0"/>
+              </a:spcAft>
+              <a:buNone/>
+            </a:pPr>
+            <a:r>
+              <a:rPr lang="en" sz="1400">
+                <a:solidFill>
+                  <a:schemeClr val="dk1"/>
+                </a:solidFill>
+              </a:rPr>
+              <a:t>Need to scale the data so our machine learning model can interpret these features on the same scale</a:t>
+            </a:r>
+            <a:endParaRPr sz="1400">
+              <a:solidFill>
+                <a:schemeClr val="dk1"/>
+              </a:solidFill>
+            </a:endParaRPr>
+          </a:p>
+          <a:p>
+            <a:pPr marL="0" lvl="0" indent="0" algn="l" rtl="0">
+              <a:lnSpc>
+                <a:spcPct val="7000"/>
+              </a:lnSpc>
+              <a:spcBef>
+                <a:spcPts val="1200"/>
+              </a:spcBef>
+              <a:spcAft>
+                <a:spcPts val="0"/>
+              </a:spcAft>
+              <a:buNone/>
+            </a:pPr>
+            <a:endParaRPr sz="1400">
+              <a:solidFill>
+                <a:schemeClr val="dk1"/>
+              </a:solidFill>
+            </a:endParaRPr>
+          </a:p>
+          <a:p>
+            <a:pPr marL="0" lvl="0" indent="0" algn="l" rtl="0">
+              <a:spcBef>
+                <a:spcPts val="0"/>
+              </a:spcBef>
+              <a:spcAft>
+                <a:spcPts val="1200"/>
+              </a:spcAft>
+              <a:buNone/>
+            </a:pPr>
+            <a:endParaRPr/>
+          </a:p>
+        </p:txBody>
+      </p:sp>
+      <p:pic>
+        <p:nvPicPr>
+          <p:cNvPr id="151" name="Google Shape;151;p26"/>
+          <p:cNvPicPr preferRelativeResize="0"/>
+          <p:nvPr/>
+        </p:nvPicPr>
+        <p:blipFill>
+          <a:blip r:embed="rId3">
+            <a:alphaModFix/>
+          </a:blip>
+          <a:stretch>
+            <a:fillRect/>
+          </a:stretch>
+        </p:blipFill>
+        <p:spPr>
+          <a:xfrm>
+            <a:off x="404513" y="2373350"/>
+            <a:ext cx="7629525" cy="1447800"/>
+          </a:xfrm>
+          <a:prstGeom prst="rect">
+            <a:avLst/>
+          </a:prstGeom>
+          <a:noFill/>
+          <a:ln>
+            <a:noFill/>
+          </a:ln>
+        </p:spPr>
+      </p:pic>
+    </p:spTree>
+  </p:cSld>
+  <p:clrMapOvr>
+    <a:masterClrMapping/>
+  </p:clrMapOvr>
+</p:sld>
+</file>
+
+<file path=ppt/slides/slide15.xml><?xml version="1.0" encoding="utf-8"?>
+<p:sld xmlns:a="http://schemas.openxmlformats.org/drawingml/2006/main" xmlns:r="http://schemas.openxmlformats.org/officeDocument/2006/relationships" xmlns:p="http://schemas.openxmlformats.org/presentationml/2006/main">
+  <p:cSld>
+    <p:spTree>
+      <p:nvGrpSpPr>
+        <p:cNvPr id="1" name="Shape 155"/>
+        <p:cNvGrpSpPr/>
+        <p:nvPr/>
+      </p:nvGrpSpPr>
+      <p:grpSpPr>
+        <a:xfrm>
+          <a:off x="0" y="0"/>
+          <a:ext cx="0" cy="0"/>
+          <a:chOff x="0" y="0"/>
+          <a:chExt cx="0" cy="0"/>
+        </a:xfrm>
+      </p:grpSpPr>
+      <p:sp>
+        <p:nvSpPr>
+          <p:cNvPr id="156" name="Google Shape;156;p27"/>
+          <p:cNvSpPr txBox="1">
+            <a:spLocks noGrp="1"/>
+          </p:cNvSpPr>
+          <p:nvPr>
+            <p:ph type="title"/>
+          </p:nvPr>
+        </p:nvSpPr>
+        <p:spPr>
+          <a:xfrm>
+            <a:off x="311700" y="445025"/>
+            <a:ext cx="8520600" cy="572700"/>
+          </a:xfrm>
+          <a:prstGeom prst="rect">
+            <a:avLst/>
+          </a:prstGeom>
+        </p:spPr>
+        <p:txBody>
+          <a:bodyPr spcFirstLastPara="1" wrap="square" lIns="91425" tIns="91425" rIns="91425" bIns="91425" anchor="t" anchorCtr="0">
+            <a:normAutofit fontScale="90000"/>
+          </a:bodyPr>
+          <a:lstStyle/>
+          <a:p>
+            <a:pPr marL="0" lvl="0" indent="0" algn="l" rtl="0">
+              <a:spcBef>
+                <a:spcPts val="0"/>
+              </a:spcBef>
+              <a:spcAft>
+                <a:spcPts val="0"/>
+              </a:spcAft>
+              <a:buNone/>
+            </a:pPr>
+            <a:r>
+              <a:rPr lang="en"/>
+              <a:t>Data Analysis</a:t>
+            </a:r>
+            <a:endParaRPr/>
+          </a:p>
+        </p:txBody>
+      </p:sp>
+      <p:sp>
+        <p:nvSpPr>
+          <p:cNvPr id="157" name="Google Shape;157;p27"/>
+          <p:cNvSpPr txBox="1">
+            <a:spLocks noGrp="1"/>
+          </p:cNvSpPr>
+          <p:nvPr>
+            <p:ph type="body" idx="1"/>
+          </p:nvPr>
+        </p:nvSpPr>
+        <p:spPr>
+          <a:xfrm>
+            <a:off x="214875" y="953500"/>
+            <a:ext cx="8617500" cy="3615300"/>
+          </a:xfrm>
+          <a:prstGeom prst="rect">
+            <a:avLst/>
+          </a:prstGeom>
+        </p:spPr>
+        <p:txBody>
+          <a:bodyPr spcFirstLastPara="1" wrap="square" lIns="91425" tIns="91425" rIns="91425" bIns="91425" anchor="t" anchorCtr="0">
+            <a:normAutofit/>
+          </a:bodyPr>
+          <a:lstStyle/>
+          <a:p>
+            <a:pPr marL="0" lvl="0" indent="0" algn="l" rtl="0">
+              <a:spcBef>
+                <a:spcPts val="0"/>
+              </a:spcBef>
+              <a:spcAft>
+                <a:spcPts val="0"/>
+              </a:spcAft>
+              <a:buNone/>
+            </a:pPr>
+            <a:r>
+              <a:rPr lang="en"/>
+              <a:t>Logistic Regression Model</a:t>
+            </a:r>
+            <a:endParaRPr/>
+          </a:p>
+          <a:p>
+            <a:pPr marL="0" lvl="0" indent="0" algn="l" rtl="0">
+              <a:spcBef>
+                <a:spcPts val="1200"/>
+              </a:spcBef>
+              <a:spcAft>
+                <a:spcPts val="0"/>
+              </a:spcAft>
+              <a:buNone/>
+            </a:pPr>
+            <a:r>
+              <a:rPr lang="en"/>
+              <a:t>Split Data</a:t>
+            </a:r>
+            <a:endParaRPr/>
+          </a:p>
+          <a:p>
+            <a:pPr marL="0" lvl="0" indent="0" algn="l" rtl="0">
+              <a:spcBef>
+                <a:spcPts val="1200"/>
+              </a:spcBef>
+              <a:spcAft>
+                <a:spcPts val="0"/>
+              </a:spcAft>
+              <a:buNone/>
+            </a:pPr>
+            <a:endParaRPr/>
+          </a:p>
+          <a:p>
+            <a:pPr marL="0" lvl="0" indent="0" algn="l" rtl="0">
+              <a:spcBef>
+                <a:spcPts val="1200"/>
+              </a:spcBef>
+              <a:spcAft>
+                <a:spcPts val="0"/>
+              </a:spcAft>
+              <a:buNone/>
+            </a:pPr>
+            <a:endParaRPr>
+              <a:solidFill>
+                <a:schemeClr val="dk1"/>
+              </a:solidFill>
+              <a:latin typeface="Arial"/>
+              <a:ea typeface="Arial"/>
+              <a:cs typeface="Arial"/>
+              <a:sym typeface="Arial"/>
+            </a:endParaRPr>
+          </a:p>
+          <a:p>
+            <a:pPr marL="0" lvl="0" indent="0" algn="l" rtl="0">
+              <a:spcBef>
+                <a:spcPts val="0"/>
+              </a:spcBef>
+              <a:spcAft>
+                <a:spcPts val="0"/>
+              </a:spcAft>
+              <a:buNone/>
+            </a:pPr>
+            <a:r>
+              <a:rPr lang="en">
+                <a:solidFill>
+                  <a:schemeClr val="dk1"/>
+                </a:solidFill>
+              </a:rPr>
+              <a:t>Model</a:t>
+            </a:r>
+            <a:endParaRPr>
+              <a:solidFill>
+                <a:schemeClr val="dk1"/>
+              </a:solidFill>
+            </a:endParaRPr>
+          </a:p>
+          <a:p>
+            <a:pPr marL="0" lvl="0" indent="0" algn="l" rtl="0">
+              <a:spcBef>
+                <a:spcPts val="0"/>
+              </a:spcBef>
+              <a:spcAft>
+                <a:spcPts val="0"/>
+              </a:spcAft>
+              <a:buNone/>
+            </a:pPr>
+            <a:r>
+              <a:rPr lang="en" sz="1400">
+                <a:solidFill>
+                  <a:schemeClr val="dk1"/>
+                </a:solidFill>
+              </a:rPr>
+              <a:t>Accuracy of logistic regression classifier is 70 percent</a:t>
+            </a:r>
+            <a:endParaRPr sz="1400">
+              <a:solidFill>
+                <a:schemeClr val="dk1"/>
+              </a:solidFill>
+            </a:endParaRPr>
+          </a:p>
+          <a:p>
+            <a:pPr marL="0" lvl="0" indent="0" algn="l" rtl="0">
+              <a:spcBef>
+                <a:spcPts val="0"/>
+              </a:spcBef>
+              <a:spcAft>
+                <a:spcPts val="0"/>
+              </a:spcAft>
+              <a:buNone/>
+            </a:pPr>
+            <a:endParaRPr sz="1400">
+              <a:solidFill>
+                <a:schemeClr val="dk1"/>
+              </a:solidFill>
+            </a:endParaRPr>
+          </a:p>
+          <a:p>
+            <a:pPr marL="0" lvl="0" indent="0" algn="l" rtl="0">
+              <a:spcBef>
+                <a:spcPts val="0"/>
+              </a:spcBef>
+              <a:spcAft>
+                <a:spcPts val="0"/>
+              </a:spcAft>
+              <a:buNone/>
+            </a:pPr>
+            <a:endParaRPr sz="1400">
+              <a:solidFill>
+                <a:schemeClr val="dk1"/>
+              </a:solidFill>
+            </a:endParaRPr>
+          </a:p>
+        </p:txBody>
+      </p:sp>
+      <p:pic>
+        <p:nvPicPr>
+          <p:cNvPr id="158" name="Google Shape;158;p27"/>
+          <p:cNvPicPr preferRelativeResize="0"/>
+          <p:nvPr/>
+        </p:nvPicPr>
+        <p:blipFill rotWithShape="1">
+          <a:blip r:embed="rId3">
+            <a:alphaModFix/>
+          </a:blip>
+          <a:srcRect t="-6129" b="6130"/>
+          <a:stretch/>
+        </p:blipFill>
+        <p:spPr>
+          <a:xfrm>
+            <a:off x="338138" y="2092513"/>
+            <a:ext cx="8467725" cy="600075"/>
+          </a:xfrm>
+          <a:prstGeom prst="rect">
+            <a:avLst/>
+          </a:prstGeom>
+          <a:noFill/>
+          <a:ln>
+            <a:noFill/>
+          </a:ln>
+        </p:spPr>
+      </p:pic>
+      <p:pic>
+        <p:nvPicPr>
+          <p:cNvPr id="159" name="Google Shape;159;p27"/>
+          <p:cNvPicPr preferRelativeResize="0"/>
+          <p:nvPr/>
+        </p:nvPicPr>
+        <p:blipFill>
+          <a:blip r:embed="rId4">
+            <a:alphaModFix/>
+          </a:blip>
+          <a:stretch>
+            <a:fillRect/>
+          </a:stretch>
+        </p:blipFill>
+        <p:spPr>
+          <a:xfrm>
+            <a:off x="872925" y="3302400"/>
+            <a:ext cx="6687874" cy="1699825"/>
+          </a:xfrm>
+          <a:prstGeom prst="rect">
+            <a:avLst/>
+          </a:prstGeom>
+          <a:noFill/>
+          <a:ln>
+            <a:noFill/>
+          </a:ln>
+        </p:spPr>
+      </p:pic>
+    </p:spTree>
+  </p:cSld>
+  <p:clrMapOvr>
+    <a:masterClrMapping/>
+  </p:clrMapOvr>
+</p:sld>
+</file>
+
+<file path=ppt/slides/slide16.xml><?xml version="1.0" encoding="utf-8"?>
+<p:sld xmlns:a="http://schemas.openxmlformats.org/drawingml/2006/main" xmlns:r="http://schemas.openxmlformats.org/officeDocument/2006/relationships" xmlns:p="http://schemas.openxmlformats.org/presentationml/2006/main">
+  <p:cSld>
+    <p:spTree>
+      <p:nvGrpSpPr>
+        <p:cNvPr id="1" name="Shape 163"/>
+        <p:cNvGrpSpPr/>
+        <p:nvPr/>
+      </p:nvGrpSpPr>
+      <p:grpSpPr>
+        <a:xfrm>
+          <a:off x="0" y="0"/>
+          <a:ext cx="0" cy="0"/>
+          <a:chOff x="0" y="0"/>
+          <a:chExt cx="0" cy="0"/>
+        </a:xfrm>
+      </p:grpSpPr>
+      <p:sp>
+        <p:nvSpPr>
+          <p:cNvPr id="164" name="Google Shape;164;p28"/>
+          <p:cNvSpPr txBox="1">
+            <a:spLocks noGrp="1"/>
+          </p:cNvSpPr>
+          <p:nvPr>
+            <p:ph type="title"/>
+          </p:nvPr>
+        </p:nvSpPr>
+        <p:spPr>
+          <a:xfrm>
+            <a:off x="311700" y="445025"/>
+            <a:ext cx="8520600" cy="572700"/>
+          </a:xfrm>
+          <a:prstGeom prst="rect">
+            <a:avLst/>
+          </a:prstGeom>
+        </p:spPr>
+        <p:txBody>
+          <a:bodyPr spcFirstLastPara="1" wrap="square" lIns="91425" tIns="91425" rIns="91425" bIns="91425" anchor="t" anchorCtr="0">
+            <a:normAutofit fontScale="90000"/>
+          </a:bodyPr>
+          <a:lstStyle/>
+          <a:p>
+            <a:pPr marL="0" lvl="0" indent="0" algn="l" rtl="0">
+              <a:spcBef>
+                <a:spcPts val="0"/>
+              </a:spcBef>
+              <a:spcAft>
+                <a:spcPts val="0"/>
+              </a:spcAft>
+              <a:buNone/>
+            </a:pPr>
+            <a:r>
+              <a:rPr lang="en"/>
+              <a:t>Data Analysis</a:t>
+            </a:r>
+            <a:endParaRPr/>
+          </a:p>
+        </p:txBody>
+      </p:sp>
+      <p:sp>
+        <p:nvSpPr>
+          <p:cNvPr id="165" name="Google Shape;165;p28"/>
+          <p:cNvSpPr txBox="1">
+            <a:spLocks noGrp="1"/>
+          </p:cNvSpPr>
+          <p:nvPr>
+            <p:ph type="body" idx="1"/>
+          </p:nvPr>
+        </p:nvSpPr>
+        <p:spPr>
+          <a:xfrm>
+            <a:off x="311700" y="1152475"/>
+            <a:ext cx="8520600" cy="3416400"/>
+          </a:xfrm>
+          <a:prstGeom prst="rect">
+            <a:avLst/>
+          </a:prstGeom>
+        </p:spPr>
+        <p:txBody>
+          <a:bodyPr spcFirstLastPara="1" wrap="square" lIns="91425" tIns="91425" rIns="91425" bIns="91425" anchor="t" anchorCtr="0">
+            <a:normAutofit/>
+          </a:bodyPr>
+          <a:lstStyle/>
+          <a:p>
+            <a:pPr marL="0" lvl="0" indent="0" algn="l" rtl="0">
+              <a:spcBef>
+                <a:spcPts val="0"/>
+              </a:spcBef>
+              <a:spcAft>
+                <a:spcPts val="0"/>
+              </a:spcAft>
+              <a:buNone/>
+            </a:pPr>
+            <a:r>
+              <a:rPr lang="en">
+                <a:solidFill>
+                  <a:schemeClr val="dk1"/>
+                </a:solidFill>
+              </a:rPr>
+              <a:t>Testing Accuracy of Model</a:t>
+            </a:r>
+            <a:endParaRPr>
+              <a:solidFill>
+                <a:schemeClr val="dk1"/>
+              </a:solidFill>
+            </a:endParaRPr>
+          </a:p>
+          <a:p>
+            <a:pPr marL="0" lvl="0" indent="0" algn="l" rtl="0">
+              <a:spcBef>
+                <a:spcPts val="0"/>
+              </a:spcBef>
+              <a:spcAft>
+                <a:spcPts val="0"/>
+              </a:spcAft>
+              <a:buNone/>
+            </a:pPr>
+            <a:r>
+              <a:rPr lang="en">
+                <a:solidFill>
+                  <a:schemeClr val="dk1"/>
+                </a:solidFill>
+              </a:rPr>
+              <a:t>Confusion matrix was used to test accuracy of our classification</a:t>
+            </a:r>
+            <a:endParaRPr/>
+          </a:p>
+          <a:p>
+            <a:pPr marL="0" lvl="0" indent="0" algn="l" rtl="0">
+              <a:spcBef>
+                <a:spcPts val="0"/>
+              </a:spcBef>
+              <a:spcAft>
+                <a:spcPts val="1200"/>
+              </a:spcAft>
+              <a:buNone/>
+            </a:pPr>
+            <a:endParaRPr/>
+          </a:p>
+        </p:txBody>
+      </p:sp>
+      <p:pic>
+        <p:nvPicPr>
+          <p:cNvPr id="166" name="Google Shape;166;p28"/>
+          <p:cNvPicPr preferRelativeResize="0"/>
+          <p:nvPr/>
+        </p:nvPicPr>
+        <p:blipFill>
+          <a:blip r:embed="rId3">
+            <a:alphaModFix/>
+          </a:blip>
+          <a:stretch>
+            <a:fillRect/>
+          </a:stretch>
+        </p:blipFill>
+        <p:spPr>
+          <a:xfrm>
+            <a:off x="1141500" y="2121850"/>
+            <a:ext cx="7131074" cy="2364825"/>
+          </a:xfrm>
+          <a:prstGeom prst="rect">
+            <a:avLst/>
+          </a:prstGeom>
+          <a:noFill/>
+          <a:ln>
+            <a:noFill/>
+          </a:ln>
+        </p:spPr>
+      </p:pic>
+    </p:spTree>
+  </p:cSld>
+  <p:clrMapOvr>
+    <a:masterClrMapping/>
+  </p:clrMapOvr>
+</p:sld>
+</file>
+
+<file path=ppt/slides/slide17.xml><?xml version="1.0" encoding="utf-8"?>
+<p:sld xmlns:a="http://schemas.openxmlformats.org/drawingml/2006/main" xmlns:r="http://schemas.openxmlformats.org/officeDocument/2006/relationships" xmlns:p="http://schemas.openxmlformats.org/presentationml/2006/main">
+  <p:cSld>
+    <p:spTree>
+      <p:nvGrpSpPr>
+        <p:cNvPr id="1" name="Shape 170"/>
+        <p:cNvGrpSpPr/>
+        <p:nvPr/>
+      </p:nvGrpSpPr>
+      <p:grpSpPr>
+        <a:xfrm>
+          <a:off x="0" y="0"/>
+          <a:ext cx="0" cy="0"/>
+          <a:chOff x="0" y="0"/>
+          <a:chExt cx="0" cy="0"/>
+        </a:xfrm>
+      </p:grpSpPr>
+      <p:sp>
+        <p:nvSpPr>
+          <p:cNvPr id="171" name="Google Shape;171;p29"/>
+          <p:cNvSpPr txBox="1">
+            <a:spLocks noGrp="1"/>
+          </p:cNvSpPr>
+          <p:nvPr>
+            <p:ph type="title"/>
+          </p:nvPr>
+        </p:nvSpPr>
+        <p:spPr>
+          <a:xfrm>
+            <a:off x="311700" y="445025"/>
+            <a:ext cx="8520600" cy="572700"/>
+          </a:xfrm>
+          <a:prstGeom prst="rect">
+            <a:avLst/>
+          </a:prstGeom>
+        </p:spPr>
+        <p:txBody>
+          <a:bodyPr spcFirstLastPara="1" wrap="square" lIns="91425" tIns="91425" rIns="91425" bIns="91425" anchor="t" anchorCtr="0">
+            <a:normAutofit fontScale="90000"/>
+          </a:bodyPr>
+          <a:lstStyle/>
+          <a:p>
+            <a:pPr marL="0" lvl="0" indent="0" algn="l" rtl="0">
+              <a:spcBef>
+                <a:spcPts val="0"/>
+              </a:spcBef>
+              <a:spcAft>
+                <a:spcPts val="0"/>
+              </a:spcAft>
+              <a:buNone/>
+            </a:pPr>
+            <a:r>
+              <a:rPr lang="en"/>
+              <a:t>Data Analysis</a:t>
+            </a:r>
+            <a:endParaRPr/>
+          </a:p>
+        </p:txBody>
+      </p:sp>
+      <p:sp>
+        <p:nvSpPr>
+          <p:cNvPr id="172" name="Google Shape;172;p29"/>
+          <p:cNvSpPr txBox="1">
+            <a:spLocks noGrp="1"/>
+          </p:cNvSpPr>
+          <p:nvPr>
+            <p:ph type="body" idx="1"/>
+          </p:nvPr>
+        </p:nvSpPr>
+        <p:spPr>
+          <a:xfrm>
+            <a:off x="311700" y="1017725"/>
+            <a:ext cx="8520600" cy="3416400"/>
+          </a:xfrm>
+          <a:prstGeom prst="rect">
+            <a:avLst/>
+          </a:prstGeom>
+        </p:spPr>
+        <p:txBody>
+          <a:bodyPr spcFirstLastPara="1" wrap="square" lIns="91425" tIns="91425" rIns="91425" bIns="91425" anchor="t" anchorCtr="0">
+            <a:normAutofit/>
+          </a:bodyPr>
+          <a:lstStyle/>
+          <a:p>
+            <a:pPr marL="457200" lvl="0" indent="-342900" algn="l" rtl="0">
+              <a:spcBef>
+                <a:spcPts val="0"/>
+              </a:spcBef>
+              <a:spcAft>
+                <a:spcPts val="0"/>
+              </a:spcAft>
+              <a:buSzPts val="1800"/>
+              <a:buChar char="-"/>
+            </a:pPr>
+            <a:r>
+              <a:rPr lang="en"/>
+              <a:t>Visualize the Data</a:t>
+            </a:r>
+            <a:endParaRPr/>
+          </a:p>
+          <a:p>
+            <a:pPr marL="0" lvl="0" indent="0" algn="ctr" rtl="0">
+              <a:spcBef>
+                <a:spcPts val="1200"/>
+              </a:spcBef>
+              <a:spcAft>
+                <a:spcPts val="1200"/>
+              </a:spcAft>
+              <a:buNone/>
+            </a:pPr>
+            <a:r>
+              <a:rPr lang="en" b="1" u="sng">
+                <a:solidFill>
+                  <a:srgbClr val="EFEFEF"/>
+                </a:solidFill>
+                <a:hlinkClick r:id="rId3">
+                  <a:extLst>
+                    <a:ext uri="{A12FA001-AC4F-418D-AE19-62706E023703}">
+                      <ahyp:hlinkClr xmlns:ahyp="http://schemas.microsoft.com/office/drawing/2018/hyperlinkcolor" val="tx"/>
+                    </a:ext>
+                  </a:extLst>
+                </a:hlinkClick>
+              </a:rPr>
+              <a:t>Tableau Dashboard</a:t>
+            </a:r>
+            <a:endParaRPr b="1" u="sng">
+              <a:solidFill>
+                <a:srgbClr val="EFEFEF"/>
+              </a:solidFill>
+            </a:endParaRPr>
+          </a:p>
+        </p:txBody>
+      </p:sp>
+      <p:pic>
+        <p:nvPicPr>
+          <p:cNvPr id="173" name="Google Shape;173;p29"/>
+          <p:cNvPicPr preferRelativeResize="0"/>
+          <p:nvPr/>
+        </p:nvPicPr>
+        <p:blipFill>
+          <a:blip r:embed="rId4">
+            <a:alphaModFix/>
+          </a:blip>
+          <a:stretch>
+            <a:fillRect/>
+          </a:stretch>
+        </p:blipFill>
+        <p:spPr>
+          <a:xfrm>
+            <a:off x="1847850" y="1966151"/>
+            <a:ext cx="5777424" cy="2914100"/>
+          </a:xfrm>
+          <a:prstGeom prst="rect">
+            <a:avLst/>
+          </a:prstGeom>
+          <a:noFill/>
+          <a:ln>
+            <a:noFill/>
+          </a:ln>
+        </p:spPr>
+      </p:pic>
+    </p:spTree>
+  </p:cSld>
+  <p:clrMapOvr>
+    <a:masterClrMapping/>
+  </p:clrMapOvr>
+</p:sld>
+</file>
+
+<file path=ppt/slides/slide18.xml><?xml version="1.0" encoding="utf-8"?>
+<p:sld xmlns:a="http://schemas.openxmlformats.org/drawingml/2006/main" xmlns:r="http://schemas.openxmlformats.org/officeDocument/2006/relationships" xmlns:p="http://schemas.openxmlformats.org/presentationml/2006/main">
+  <p:cSld>
+    <p:spTree>
+      <p:nvGrpSpPr>
+        <p:cNvPr id="1" name="Shape 177"/>
+        <p:cNvGrpSpPr/>
+        <p:nvPr/>
+      </p:nvGrpSpPr>
+      <p:grpSpPr>
+        <a:xfrm>
+          <a:off x="0" y="0"/>
+          <a:ext cx="0" cy="0"/>
+          <a:chOff x="0" y="0"/>
+          <a:chExt cx="0" cy="0"/>
+        </a:xfrm>
+      </p:grpSpPr>
+      <p:sp>
+        <p:nvSpPr>
+          <p:cNvPr id="178" name="Google Shape;178;p30"/>
+          <p:cNvSpPr txBox="1">
+            <a:spLocks noGrp="1"/>
+          </p:cNvSpPr>
+          <p:nvPr>
+            <p:ph type="title"/>
+          </p:nvPr>
+        </p:nvSpPr>
+        <p:spPr>
+          <a:xfrm>
+            <a:off x="311700" y="445025"/>
+            <a:ext cx="8520600" cy="572700"/>
+          </a:xfrm>
+          <a:prstGeom prst="rect">
+            <a:avLst/>
+          </a:prstGeom>
+        </p:spPr>
+        <p:txBody>
+          <a:bodyPr spcFirstLastPara="1" wrap="square" lIns="91425" tIns="91425" rIns="91425" bIns="91425" anchor="t" anchorCtr="0">
+            <a:normAutofit fontScale="90000"/>
+          </a:bodyPr>
+          <a:lstStyle/>
+          <a:p>
+            <a:pPr marL="0" lvl="0" indent="0" algn="l" rtl="0">
+              <a:spcBef>
+                <a:spcPts val="0"/>
+              </a:spcBef>
+              <a:spcAft>
+                <a:spcPts val="0"/>
+              </a:spcAft>
+              <a:buNone/>
+            </a:pPr>
+            <a:r>
+              <a:rPr lang="en"/>
+              <a:t>Tools Used</a:t>
+            </a:r>
+            <a:endParaRPr/>
+          </a:p>
+        </p:txBody>
+      </p:sp>
+      <p:sp>
+        <p:nvSpPr>
+          <p:cNvPr id="179" name="Google Shape;179;p30"/>
           <p:cNvSpPr txBox="1">
             <a:spLocks noGrp="1"/>
           </p:cNvSpPr>
@@ -8852,12 +11193,12 @@
 </p:sld>
 </file>
 
-<file path=ppt/slides/slide14.xml><?xml version="1.0" encoding="utf-8"?>
+<file path=ppt/slides/slide19.xml><?xml version="1.0" encoding="utf-8"?>
 <p:sld xmlns:a="http://schemas.openxmlformats.org/drawingml/2006/main" xmlns:r="http://schemas.openxmlformats.org/officeDocument/2006/relationships" xmlns:p="http://schemas.openxmlformats.org/presentationml/2006/main">
   <p:cSld>
     <p:spTree>
       <p:nvGrpSpPr>
-        <p:cNvPr id="1" name="Shape 147"/>
+        <p:cNvPr id="1" name="Shape 183"/>
         <p:cNvGrpSpPr/>
         <p:nvPr/>
       </p:nvGrpSpPr>
@@ -8871,7 +11212,7 @@
       </p:grpSpPr>
       <p:sp>
         <p:nvSpPr>
-          <p:cNvPr id="148" name="Google Shape;148;p26"/>
+          <p:cNvPr id="184" name="Google Shape;184;p31"/>
           <p:cNvSpPr txBox="1">
             <a:spLocks noGrp="1"/>
           </p:cNvSpPr>
@@ -8913,7 +11254,7 @@
       </p:sp>
       <p:sp>
         <p:nvSpPr>
-          <p:cNvPr id="149" name="Google Shape;149;p26"/>
+          <p:cNvPr id="185" name="Google Shape;185;p31"/>
           <p:cNvSpPr txBox="1">
             <a:spLocks noGrp="1"/>
           </p:cNvSpPr>
@@ -8984,7 +11325,7 @@
   <p:cSld>
     <p:spTree>
       <p:nvGrpSpPr>
-        <p:cNvPr id="1" name="Shape 65"/>
+        <p:cNvPr id="1" name="Shape 64"/>
         <p:cNvGrpSpPr/>
         <p:nvPr/>
       </p:nvGrpSpPr>
@@ -8998,7 +11339,7 @@
       </p:grpSpPr>
       <p:sp>
         <p:nvSpPr>
-          <p:cNvPr id="66" name="Google Shape;66;p14"/>
+          <p:cNvPr id="65" name="Google Shape;65;p14"/>
           <p:cNvSpPr txBox="1">
             <a:spLocks noGrp="1"/>
           </p:cNvSpPr>
@@ -9032,7 +11373,7 @@
             </a:pPr>
             <a:r>
               <a:rPr lang="en" sz="3600"/>
-              <a:t>Purpose</a:t>
+              <a:t>Agenda</a:t>
             </a:r>
             <a:endParaRPr sz="3600"/>
           </a:p>
@@ -9040,7 +11381,7 @@
       </p:sp>
       <p:sp>
         <p:nvSpPr>
-          <p:cNvPr id="67" name="Google Shape;67;p14"/>
+          <p:cNvPr id="66" name="Google Shape;66;p14"/>
           <p:cNvSpPr txBox="1">
             <a:spLocks noGrp="1"/>
           </p:cNvSpPr>
@@ -9050,7 +11391,7 @@
         </p:nvSpPr>
         <p:spPr>
           <a:xfrm>
-            <a:off x="311700" y="2161525"/>
+            <a:off x="230300" y="1584275"/>
             <a:ext cx="8264400" cy="2226300"/>
           </a:xfrm>
           <a:prstGeom prst="rect">
@@ -9075,6 +11416,324 @@
             </a:pPr>
             <a:r>
               <a:rPr lang="en"/>
+              <a:t>Purpose &amp; Data Exploration</a:t>
+            </a:r>
+            <a:endParaRPr/>
+          </a:p>
+          <a:p>
+            <a:pPr marL="457200" lvl="0" indent="-342900" algn="l" rtl="0">
+              <a:spcBef>
+                <a:spcPts val="0"/>
+              </a:spcBef>
+              <a:spcAft>
+                <a:spcPts val="0"/>
+              </a:spcAft>
+              <a:buSzPts val="1800"/>
+              <a:buChar char="-"/>
+            </a:pPr>
+            <a:r>
+              <a:rPr lang="en"/>
+              <a:t>Data Preprocessing &amp; Structure</a:t>
+            </a:r>
+            <a:endParaRPr/>
+          </a:p>
+          <a:p>
+            <a:pPr marL="457200" lvl="0" indent="-342900" algn="l" rtl="0">
+              <a:spcBef>
+                <a:spcPts val="0"/>
+              </a:spcBef>
+              <a:spcAft>
+                <a:spcPts val="0"/>
+              </a:spcAft>
+              <a:buSzPts val="1800"/>
+              <a:buChar char="-"/>
+            </a:pPr>
+            <a:r>
+              <a:rPr lang="en"/>
+              <a:t>Database Structure &amp; Creation </a:t>
+            </a:r>
+            <a:endParaRPr/>
+          </a:p>
+          <a:p>
+            <a:pPr marL="457200" lvl="0" indent="-342900" algn="l" rtl="0">
+              <a:spcBef>
+                <a:spcPts val="0"/>
+              </a:spcBef>
+              <a:spcAft>
+                <a:spcPts val="0"/>
+              </a:spcAft>
+              <a:buSzPts val="1800"/>
+              <a:buChar char="-"/>
+            </a:pPr>
+            <a:r>
+              <a:rPr lang="en"/>
+              <a:t>Data Analysis &amp; Machine Learning</a:t>
+            </a:r>
+            <a:endParaRPr/>
+          </a:p>
+          <a:p>
+            <a:pPr marL="457200" lvl="0" indent="-342900" algn="l" rtl="0">
+              <a:spcBef>
+                <a:spcPts val="0"/>
+              </a:spcBef>
+              <a:spcAft>
+                <a:spcPts val="0"/>
+              </a:spcAft>
+              <a:buSzPts val="1800"/>
+              <a:buChar char="-"/>
+            </a:pPr>
+            <a:r>
+              <a:rPr lang="en"/>
+              <a:t>Visualizations and Dashboard</a:t>
+            </a:r>
+            <a:endParaRPr/>
+          </a:p>
+          <a:p>
+            <a:pPr marL="457200" lvl="0" indent="-342900" algn="l" rtl="0">
+              <a:spcBef>
+                <a:spcPts val="0"/>
+              </a:spcBef>
+              <a:spcAft>
+                <a:spcPts val="0"/>
+              </a:spcAft>
+              <a:buSzPts val="1800"/>
+              <a:buChar char="-"/>
+            </a:pPr>
+            <a:r>
+              <a:rPr lang="en"/>
+              <a:t>Tools &amp; Recommendations</a:t>
+            </a:r>
+            <a:endParaRPr/>
+          </a:p>
+        </p:txBody>
+      </p:sp>
+      <p:pic>
+        <p:nvPicPr>
+          <p:cNvPr id="67" name="Google Shape;67;p14"/>
+          <p:cNvPicPr preferRelativeResize="0"/>
+          <p:nvPr/>
+        </p:nvPicPr>
+        <p:blipFill>
+          <a:blip r:embed="rId3">
+            <a:alphaModFix/>
+          </a:blip>
+          <a:stretch>
+            <a:fillRect/>
+          </a:stretch>
+        </p:blipFill>
+        <p:spPr>
+          <a:xfrm>
+            <a:off x="4682300" y="789150"/>
+            <a:ext cx="3994575" cy="3328829"/>
+          </a:xfrm>
+          <a:prstGeom prst="rect">
+            <a:avLst/>
+          </a:prstGeom>
+          <a:noFill/>
+          <a:ln>
+            <a:noFill/>
+          </a:ln>
+        </p:spPr>
+      </p:pic>
+    </p:spTree>
+  </p:cSld>
+  <p:clrMapOvr>
+    <a:masterClrMapping/>
+  </p:clrMapOvr>
+  <mc:AlternateContent xmlns:mc="http://schemas.openxmlformats.org/markup-compatibility/2006" xmlns:p14="http://schemas.microsoft.com/office/powerpoint/2010/main">
+    <mc:Choice Requires="p14">
+      <p:transition spd="slow">
+        <p14:flip dir="l"/>
+      </p:transition>
+    </mc:Choice>
+    <mc:Fallback xmlns:ahyp="http://schemas.microsoft.com/office/drawing/2018/hyperlinkcolor" xmlns:p15="http://schemas.microsoft.com/office/powerpoint/2012/main" xmlns:com="http://schemas.openxmlformats.org/drawingml/2006/compatibility" xmlns:pvml="urn:schemas-microsoft-com:office:powerpoint" xmlns:v="urn:schemas-microsoft-com:vml" xmlns:o="urn:schemas-microsoft-com:office:office" xmlns:dgm="http://schemas.openxmlformats.org/drawingml/2006/diagram" xmlns:c="http://schemas.openxmlformats.org/drawingml/2006/chart" xmlns:mv="urn:schemas-microsoft-com:mac:vml" xmlns="">
+      <p:transition spd="slow">
+        <p:fade/>
+      </p:transition>
+    </mc:Fallback>
+  </mc:AlternateContent>
+  <p:timing>
+    <p:tnLst>
+      <p:par>
+        <p:cTn id="1" dur="indefinite" restart="never" nodeType="tmRoot">
+          <p:childTnLst>
+            <p:seq concurrent="1" nextAc="seek">
+              <p:cTn id="2" dur="indefinite" nodeType="mainSeq">
+                <p:childTnLst>
+                  <p:par>
+                    <p:cTn id="3" fill="hold">
+                      <p:stCondLst>
+                        <p:cond delay="indefinite"/>
+                      </p:stCondLst>
+                      <p:childTnLst>
+                        <p:par>
+                          <p:cTn id="4" fill="hold">
+                            <p:stCondLst>
+                              <p:cond delay="0"/>
+                            </p:stCondLst>
+                            <p:childTnLst>
+                              <p:par>
+                                <p:cTn id="5" presetID="10" presetClass="entr" presetSubtype="0" fill="hold" nodeType="clickEffect">
+                                  <p:stCondLst>
+                                    <p:cond delay="0"/>
+                                  </p:stCondLst>
+                                  <p:childTnLst>
+                                    <p:set>
+                                      <p:cBhvr>
+                                        <p:cTn id="6" dur="1" fill="hold">
+                                          <p:stCondLst>
+                                            <p:cond delay="0"/>
+                                          </p:stCondLst>
+                                        </p:cTn>
+                                        <p:tgtEl>
+                                          <p:spTgt spid="66"/>
+                                        </p:tgtEl>
+                                        <p:attrNameLst>
+                                          <p:attrName>style.visibility</p:attrName>
+                                        </p:attrNameLst>
+                                      </p:cBhvr>
+                                      <p:to>
+                                        <p:strVal val="visible"/>
+                                      </p:to>
+                                    </p:set>
+                                    <p:animEffect transition="in" filter="fade">
+                                      <p:cBhvr>
+                                        <p:cTn id="7" dur="1000"/>
+                                        <p:tgtEl>
+                                          <p:spTgt spid="66"/>
+                                        </p:tgtEl>
+                                      </p:cBhvr>
+                                    </p:animEffect>
+                                  </p:childTnLst>
+                                </p:cTn>
+                              </p:par>
+                            </p:childTnLst>
+                          </p:cTn>
+                        </p:par>
+                      </p:childTnLst>
+                    </p:cTn>
+                  </p:par>
+                </p:childTnLst>
+              </p:cTn>
+              <p:prevCondLst>
+                <p:cond evt="onPrev" delay="0">
+                  <p:tgtEl>
+                    <p:sldTgt/>
+                  </p:tgtEl>
+                </p:cond>
+              </p:prevCondLst>
+              <p:nextCondLst>
+                <p:cond evt="onNext" delay="0">
+                  <p:tgtEl>
+                    <p:sldTgt/>
+                  </p:tgtEl>
+                </p:cond>
+              </p:nextCondLst>
+            </p:seq>
+          </p:childTnLst>
+        </p:cTn>
+      </p:par>
+    </p:tnLst>
+  </p:timing>
+</p:sld>
+</file>
+
+<file path=ppt/slides/slide3.xml><?xml version="1.0" encoding="utf-8"?>
+<p:sld xmlns:a="http://schemas.openxmlformats.org/drawingml/2006/main" xmlns:r="http://schemas.openxmlformats.org/officeDocument/2006/relationships" xmlns:p="http://schemas.openxmlformats.org/presentationml/2006/main">
+  <p:cSld>
+    <p:spTree>
+      <p:nvGrpSpPr>
+        <p:cNvPr id="1" name="Shape 71"/>
+        <p:cNvGrpSpPr/>
+        <p:nvPr/>
+      </p:nvGrpSpPr>
+      <p:grpSpPr>
+        <a:xfrm>
+          <a:off x="0" y="0"/>
+          <a:ext cx="0" cy="0"/>
+          <a:chOff x="0" y="0"/>
+          <a:chExt cx="0" cy="0"/>
+        </a:xfrm>
+      </p:grpSpPr>
+      <p:sp>
+        <p:nvSpPr>
+          <p:cNvPr id="72" name="Google Shape;72;p15"/>
+          <p:cNvSpPr txBox="1">
+            <a:spLocks noGrp="1"/>
+          </p:cNvSpPr>
+          <p:nvPr>
+            <p:ph type="title"/>
+          </p:nvPr>
+        </p:nvSpPr>
+        <p:spPr>
+          <a:xfrm>
+            <a:off x="311700" y="445025"/>
+            <a:ext cx="8520600" cy="738900"/>
+          </a:xfrm>
+          <a:prstGeom prst="rect">
+            <a:avLst/>
+          </a:prstGeom>
+        </p:spPr>
+        <p:txBody>
+          <a:bodyPr spcFirstLastPara="1" wrap="square" lIns="91425" tIns="91425" rIns="91425" bIns="91425" anchor="t" anchorCtr="0">
+            <a:spAutoFit/>
+          </a:bodyPr>
+          <a:lstStyle/>
+          <a:p>
+            <a:pPr marL="0" lvl="0" indent="0" algn="l" rtl="0">
+              <a:spcBef>
+                <a:spcPts val="0"/>
+              </a:spcBef>
+              <a:spcAft>
+                <a:spcPts val="0"/>
+              </a:spcAft>
+              <a:buNone/>
+            </a:pPr>
+            <a:r>
+              <a:rPr lang="en" sz="3600"/>
+              <a:t>Purpose</a:t>
+            </a:r>
+            <a:endParaRPr sz="3600"/>
+          </a:p>
+        </p:txBody>
+      </p:sp>
+      <p:sp>
+        <p:nvSpPr>
+          <p:cNvPr id="73" name="Google Shape;73;p15"/>
+          <p:cNvSpPr txBox="1">
+            <a:spLocks noGrp="1"/>
+          </p:cNvSpPr>
+          <p:nvPr>
+            <p:ph type="body" idx="1"/>
+          </p:nvPr>
+        </p:nvSpPr>
+        <p:spPr>
+          <a:xfrm>
+            <a:off x="311700" y="1835900"/>
+            <a:ext cx="8264400" cy="2226300"/>
+          </a:xfrm>
+          <a:prstGeom prst="rect">
+            <a:avLst/>
+          </a:prstGeom>
+        </p:spPr>
+        <p:txBody>
+          <a:bodyPr spcFirstLastPara="1" wrap="square" lIns="91425" tIns="91425" rIns="91425" bIns="91425" anchor="t" anchorCtr="0">
+            <a:normAutofit/>
+          </a:bodyPr>
+          <a:lstStyle/>
+          <a:p>
+            <a:pPr marL="457200" lvl="0" indent="-342900" algn="l" rtl="0">
+              <a:spcBef>
+                <a:spcPts val="0"/>
+              </a:spcBef>
+              <a:spcAft>
+                <a:spcPts val="0"/>
+              </a:spcAft>
+              <a:buSzPts val="1800"/>
+              <a:buChar char="-"/>
+            </a:pPr>
+            <a:r>
+              <a:rPr lang="en"/>
               <a:t>Analyze weather patterns among the east coast</a:t>
             </a:r>
             <a:endParaRPr/>
@@ -9134,7 +11793,7 @@
       </p:sp>
       <p:pic>
         <p:nvPicPr>
-          <p:cNvPr id="68" name="Google Shape;68;p14"/>
+          <p:cNvPr id="74" name="Google Shape;74;p15"/>
           <p:cNvPicPr preferRelativeResize="0"/>
           <p:nvPr/>
         </p:nvPicPr>
@@ -9211,7 +11870,7 @@
                                           </p:stCondLst>
                                         </p:cTn>
                                         <p:tgtEl>
-                                          <p:spTgt spid="67"/>
+                                          <p:spTgt spid="73"/>
                                         </p:tgtEl>
                                         <p:attrNameLst>
                                           <p:attrName>style.visibility</p:attrName>
@@ -9225,7 +11884,7 @@
                                       <p:cBhvr>
                                         <p:cTn id="7" dur="1000"/>
                                         <p:tgtEl>
-                                          <p:spTgt spid="67"/>
+                                          <p:spTgt spid="73"/>
                                         </p:tgtEl>
                                       </p:cBhvr>
                                     </p:animEffect>
@@ -9260,230 +11919,6 @@
       </p:par>
     </p:tnLst>
   </p:timing>
-</p:sld>
-</file>
-
-<file path=ppt/slides/slide3.xml><?xml version="1.0" encoding="utf-8"?>
-<p:sld xmlns:a="http://schemas.openxmlformats.org/drawingml/2006/main" xmlns:r="http://schemas.openxmlformats.org/officeDocument/2006/relationships" xmlns:p="http://schemas.openxmlformats.org/presentationml/2006/main">
-  <p:cSld>
-    <p:spTree>
-      <p:nvGrpSpPr>
-        <p:cNvPr id="1" name="Shape 72"/>
-        <p:cNvGrpSpPr/>
-        <p:nvPr/>
-      </p:nvGrpSpPr>
-      <p:grpSpPr>
-        <a:xfrm>
-          <a:off x="0" y="0"/>
-          <a:ext cx="0" cy="0"/>
-          <a:chOff x="0" y="0"/>
-          <a:chExt cx="0" cy="0"/>
-        </a:xfrm>
-      </p:grpSpPr>
-      <p:sp>
-        <p:nvSpPr>
-          <p:cNvPr id="73" name="Google Shape;73;p15"/>
-          <p:cNvSpPr txBox="1">
-            <a:spLocks noGrp="1"/>
-          </p:cNvSpPr>
-          <p:nvPr>
-            <p:ph type="title"/>
-          </p:nvPr>
-        </p:nvSpPr>
-        <p:spPr>
-          <a:xfrm>
-            <a:off x="311700" y="445025"/>
-            <a:ext cx="8520600" cy="572700"/>
-          </a:xfrm>
-          <a:prstGeom prst="rect">
-            <a:avLst/>
-          </a:prstGeom>
-        </p:spPr>
-        <p:txBody>
-          <a:bodyPr spcFirstLastPara="1" wrap="square" lIns="91425" tIns="91425" rIns="91425" bIns="91425" anchor="t" anchorCtr="0">
-            <a:normAutofit fontScale="90000"/>
-          </a:bodyPr>
-          <a:lstStyle/>
-          <a:p>
-            <a:pPr marL="0" lvl="0" indent="0" algn="l" rtl="0">
-              <a:spcBef>
-                <a:spcPts val="0"/>
-              </a:spcBef>
-              <a:spcAft>
-                <a:spcPts val="0"/>
-              </a:spcAft>
-              <a:buNone/>
-            </a:pPr>
-            <a:r>
-              <a:rPr lang="en"/>
-              <a:t>Data Exploration Phase</a:t>
-            </a:r>
-            <a:endParaRPr/>
-          </a:p>
-        </p:txBody>
-      </p:sp>
-      <p:sp>
-        <p:nvSpPr>
-          <p:cNvPr id="74" name="Google Shape;74;p15"/>
-          <p:cNvSpPr txBox="1">
-            <a:spLocks noGrp="1"/>
-          </p:cNvSpPr>
-          <p:nvPr>
-            <p:ph type="body" idx="1"/>
-          </p:nvPr>
-        </p:nvSpPr>
-        <p:spPr>
-          <a:xfrm>
-            <a:off x="311700" y="1120925"/>
-            <a:ext cx="8520600" cy="3416400"/>
-          </a:xfrm>
-          <a:prstGeom prst="rect">
-            <a:avLst/>
-          </a:prstGeom>
-        </p:spPr>
-        <p:txBody>
-          <a:bodyPr spcFirstLastPara="1" wrap="square" lIns="91425" tIns="91425" rIns="91425" bIns="91425" anchor="t" anchorCtr="0">
-            <a:normAutofit/>
-          </a:bodyPr>
-          <a:lstStyle/>
-          <a:p>
-            <a:pPr marL="457200" lvl="0" indent="-361950" algn="l" rtl="0">
-              <a:spcBef>
-                <a:spcPts val="0"/>
-              </a:spcBef>
-              <a:spcAft>
-                <a:spcPts val="0"/>
-              </a:spcAft>
-              <a:buSzPts val="2100"/>
-              <a:buChar char="-"/>
-            </a:pPr>
-            <a:r>
-              <a:rPr lang="en" sz="2100"/>
-              <a:t>Questions we want to answer</a:t>
-            </a:r>
-            <a:endParaRPr sz="2100"/>
-          </a:p>
-          <a:p>
-            <a:pPr marL="914400" lvl="1" indent="-361950" algn="l" rtl="0">
-              <a:spcBef>
-                <a:spcPts val="0"/>
-              </a:spcBef>
-              <a:spcAft>
-                <a:spcPts val="0"/>
-              </a:spcAft>
-              <a:buSzPts val="2100"/>
-              <a:buChar char="-"/>
-            </a:pPr>
-            <a:r>
-              <a:rPr lang="en" sz="2100"/>
-              <a:t>What factors contribute to storm strikes in Florida?</a:t>
-            </a:r>
-            <a:endParaRPr sz="2100"/>
-          </a:p>
-          <a:p>
-            <a:pPr marL="914400" lvl="1" indent="-361950" algn="l" rtl="0">
-              <a:spcBef>
-                <a:spcPts val="0"/>
-              </a:spcBef>
-              <a:spcAft>
-                <a:spcPts val="0"/>
-              </a:spcAft>
-              <a:buSzPts val="2100"/>
-              <a:buChar char="-"/>
-            </a:pPr>
-            <a:r>
-              <a:rPr lang="en" sz="2100"/>
-              <a:t>What weather patterns do we observe with our data?</a:t>
-            </a:r>
-            <a:endParaRPr sz="2100"/>
-          </a:p>
-          <a:p>
-            <a:pPr marL="457200" lvl="0" indent="0" algn="l" rtl="0">
-              <a:spcBef>
-                <a:spcPts val="1200"/>
-              </a:spcBef>
-              <a:spcAft>
-                <a:spcPts val="0"/>
-              </a:spcAft>
-              <a:buNone/>
-            </a:pPr>
-            <a:endParaRPr sz="2100"/>
-          </a:p>
-          <a:p>
-            <a:pPr marL="457200" lvl="0" indent="-361950" algn="l" rtl="0">
-              <a:spcBef>
-                <a:spcPts val="1200"/>
-              </a:spcBef>
-              <a:spcAft>
-                <a:spcPts val="0"/>
-              </a:spcAft>
-              <a:buSzPts val="2100"/>
-              <a:buChar char="-"/>
-            </a:pPr>
-            <a:r>
-              <a:rPr lang="en" sz="2100"/>
-              <a:t>Finding the best data that fits our needs</a:t>
-            </a:r>
-            <a:endParaRPr sz="2100"/>
-          </a:p>
-          <a:p>
-            <a:pPr marL="914400" lvl="1" indent="-361950" algn="l" rtl="0">
-              <a:spcBef>
-                <a:spcPts val="0"/>
-              </a:spcBef>
-              <a:spcAft>
-                <a:spcPts val="0"/>
-              </a:spcAft>
-              <a:buSzPts val="2100"/>
-              <a:buChar char="-"/>
-            </a:pPr>
-            <a:r>
-              <a:rPr lang="en" sz="2100"/>
-              <a:t>How do we filter our data to suit our analysis?</a:t>
-            </a:r>
-            <a:endParaRPr sz="2100"/>
-          </a:p>
-          <a:p>
-            <a:pPr marL="914400" lvl="1" indent="-361950" algn="l" rtl="0">
-              <a:spcBef>
-                <a:spcPts val="0"/>
-              </a:spcBef>
-              <a:spcAft>
-                <a:spcPts val="0"/>
-              </a:spcAft>
-              <a:buSzPts val="2100"/>
-              <a:buChar char="-"/>
-            </a:pPr>
-            <a:r>
-              <a:rPr lang="en" sz="2100"/>
-              <a:t>What database structure can we use to present our findings?</a:t>
-            </a:r>
-            <a:endParaRPr sz="2100"/>
-          </a:p>
-          <a:p>
-            <a:pPr marL="914400" lvl="1" indent="-361950" algn="l" rtl="0">
-              <a:spcBef>
-                <a:spcPts val="0"/>
-              </a:spcBef>
-              <a:spcAft>
-                <a:spcPts val="0"/>
-              </a:spcAft>
-              <a:buSzPts val="2100"/>
-              <a:buChar char="-"/>
-            </a:pPr>
-            <a:r>
-              <a:rPr lang="en" sz="2100"/>
-              <a:t>What are the optimal tools to present our data?</a:t>
-            </a:r>
-            <a:endParaRPr sz="2100"/>
-          </a:p>
-        </p:txBody>
-      </p:sp>
-    </p:spTree>
-  </p:cSld>
-  <p:clrMapOvr>
-    <a:masterClrMapping/>
-  </p:clrMapOvr>
 </p:sld>
 </file>
 
@@ -9540,40 +11975,169 @@
             </a:pPr>
             <a:r>
               <a:rPr lang="en"/>
-              <a:t>Machine Learning Pipeline</a:t>
+              <a:t>Data Exploration Phase</a:t>
             </a:r>
             <a:endParaRPr/>
           </a:p>
         </p:txBody>
       </p:sp>
-      <p:pic>
-        <p:nvPicPr>
+      <p:sp>
+        <p:nvSpPr>
           <p:cNvPr id="80" name="Google Shape;80;p16"/>
-          <p:cNvPicPr preferRelativeResize="0"/>
-          <p:nvPr/>
-        </p:nvPicPr>
-        <p:blipFill>
-          <a:blip r:embed="rId3">
-            <a:alphaModFix/>
-          </a:blip>
-          <a:stretch>
-            <a:fillRect/>
-          </a:stretch>
-        </p:blipFill>
+          <p:cNvSpPr txBox="1">
+            <a:spLocks noGrp="1"/>
+          </p:cNvSpPr>
+          <p:nvPr>
+            <p:ph type="body" idx="1"/>
+          </p:nvPr>
+        </p:nvSpPr>
         <p:spPr>
           <a:xfrm>
-            <a:off x="1280145" y="1175500"/>
-            <a:ext cx="6245781" cy="3749151"/>
+            <a:off x="311700" y="1120925"/>
+            <a:ext cx="8520600" cy="3416400"/>
           </a:xfrm>
           <a:prstGeom prst="rect">
             <a:avLst/>
           </a:prstGeom>
-          <a:noFill/>
-          <a:ln>
-            <a:noFill/>
-          </a:ln>
         </p:spPr>
-      </p:pic>
+        <p:txBody>
+          <a:bodyPr spcFirstLastPara="1" wrap="square" lIns="91425" tIns="91425" rIns="91425" bIns="91425" anchor="t" anchorCtr="0">
+            <a:normAutofit/>
+          </a:bodyPr>
+          <a:lstStyle/>
+          <a:p>
+            <a:pPr marL="457200" lvl="0" indent="-361950" algn="l" rtl="0">
+              <a:spcBef>
+                <a:spcPts val="0"/>
+              </a:spcBef>
+              <a:spcAft>
+                <a:spcPts val="0"/>
+              </a:spcAft>
+              <a:buSzPts val="2100"/>
+              <a:buChar char="-"/>
+            </a:pPr>
+            <a:r>
+              <a:rPr lang="en" sz="2100"/>
+              <a:t>Questions we want to answer</a:t>
+            </a:r>
+            <a:endParaRPr sz="2100"/>
+          </a:p>
+          <a:p>
+            <a:pPr marL="914400" lvl="1" indent="-361950" algn="l" rtl="0">
+              <a:spcBef>
+                <a:spcPts val="0"/>
+              </a:spcBef>
+              <a:spcAft>
+                <a:spcPts val="0"/>
+              </a:spcAft>
+              <a:buSzPts val="2100"/>
+              <a:buChar char="-"/>
+            </a:pPr>
+            <a:r>
+              <a:rPr lang="en" sz="2100"/>
+              <a:t>What factors contribute to storm strikes in Florida?</a:t>
+            </a:r>
+            <a:endParaRPr sz="2100"/>
+          </a:p>
+          <a:p>
+            <a:pPr marL="914400" lvl="1" indent="-361950" algn="l" rtl="0">
+              <a:spcBef>
+                <a:spcPts val="0"/>
+              </a:spcBef>
+              <a:spcAft>
+                <a:spcPts val="0"/>
+              </a:spcAft>
+              <a:buSzPts val="2100"/>
+              <a:buChar char="-"/>
+            </a:pPr>
+            <a:r>
+              <a:rPr lang="en" sz="2100"/>
+              <a:t>What weather patterns do we observe with our data?</a:t>
+            </a:r>
+            <a:endParaRPr sz="2100"/>
+          </a:p>
+          <a:p>
+            <a:pPr marL="457200" lvl="0" indent="0" algn="l" rtl="0">
+              <a:spcBef>
+                <a:spcPts val="1200"/>
+              </a:spcBef>
+              <a:spcAft>
+                <a:spcPts val="0"/>
+              </a:spcAft>
+              <a:buNone/>
+            </a:pPr>
+            <a:endParaRPr sz="2100"/>
+          </a:p>
+          <a:p>
+            <a:pPr marL="457200" lvl="0" indent="-361950" algn="l" rtl="0">
+              <a:spcBef>
+                <a:spcPts val="1200"/>
+              </a:spcBef>
+              <a:spcAft>
+                <a:spcPts val="0"/>
+              </a:spcAft>
+              <a:buSzPts val="2100"/>
+              <a:buChar char="-"/>
+            </a:pPr>
+            <a:r>
+              <a:rPr lang="en" sz="2100"/>
+              <a:t>Finding the best data that fits our needs</a:t>
+            </a:r>
+            <a:endParaRPr sz="2100"/>
+          </a:p>
+          <a:p>
+            <a:pPr marL="914400" lvl="1" indent="-361950" algn="l" rtl="0">
+              <a:spcBef>
+                <a:spcPts val="0"/>
+              </a:spcBef>
+              <a:spcAft>
+                <a:spcPts val="0"/>
+              </a:spcAft>
+              <a:buSzPts val="2100"/>
+              <a:buChar char="-"/>
+            </a:pPr>
+            <a:r>
+              <a:rPr lang="en" sz="2100"/>
+              <a:t>How do we filter our data to suit our analysis?</a:t>
+            </a:r>
+            <a:endParaRPr sz="2100"/>
+          </a:p>
+          <a:p>
+            <a:pPr marL="914400" lvl="1" indent="-361950" algn="l" rtl="0">
+              <a:spcBef>
+                <a:spcPts val="0"/>
+              </a:spcBef>
+              <a:spcAft>
+                <a:spcPts val="0"/>
+              </a:spcAft>
+              <a:buSzPts val="2100"/>
+              <a:buChar char="-"/>
+            </a:pPr>
+            <a:r>
+              <a:rPr lang="en" sz="2100"/>
+              <a:t>What database structure can we use to present our findings?</a:t>
+            </a:r>
+            <a:endParaRPr sz="2100"/>
+          </a:p>
+          <a:p>
+            <a:pPr marL="914400" lvl="1" indent="-361950" algn="l" rtl="0">
+              <a:spcBef>
+                <a:spcPts val="0"/>
+              </a:spcBef>
+              <a:spcAft>
+                <a:spcPts val="0"/>
+              </a:spcAft>
+              <a:buSzPts val="2100"/>
+              <a:buChar char="-"/>
+            </a:pPr>
+            <a:r>
+              <a:rPr lang="en" sz="2100"/>
+              <a:t>What are the optimal tools to present our data?</a:t>
+            </a:r>
+            <a:endParaRPr sz="2100"/>
+          </a:p>
+        </p:txBody>
+      </p:sp>
     </p:spTree>
   </p:cSld>
   <p:clrMapOvr>
@@ -9662,7 +12226,7 @@
         </p:spPr>
         <p:txBody>
           <a:bodyPr spcFirstLastPara="1" wrap="square" lIns="91425" tIns="91425" rIns="91425" bIns="91425" anchor="t" anchorCtr="0">
-            <a:normAutofit lnSpcReduction="20000"/>
+            <a:normAutofit lnSpcReduction="10000"/>
           </a:bodyPr>
           <a:lstStyle/>
           <a:p>
@@ -9746,26 +12310,6 @@
             </a:endParaRPr>
           </a:p>
           <a:p>
-            <a:pPr marL="457200" lvl="0" indent="-342900" algn="l" rtl="0">
-              <a:spcBef>
-                <a:spcPts val="0"/>
-              </a:spcBef>
-              <a:spcAft>
-                <a:spcPts val="0"/>
-              </a:spcAft>
-              <a:buClr>
-                <a:srgbClr val="EFEFEF"/>
-              </a:buClr>
-              <a:buSzPts val="1800"/>
-              <a:buChar char="●"/>
-            </a:pPr>
-            <a:endParaRPr>
-              <a:solidFill>
-                <a:srgbClr val="EFEFEF"/>
-              </a:solidFill>
-            </a:endParaRPr>
-          </a:p>
-          <a:p>
             <a:pPr marL="0" lvl="0" indent="0" algn="l" rtl="0">
               <a:spcBef>
                 <a:spcPts val="1200"/>
@@ -9809,7 +12353,7 @@
                   <a:srgbClr val="EFEFEF"/>
                 </a:solidFill>
               </a:rPr>
-              <a:t>Data files are imported to Pandas dataframes</a:t>
+              <a:t>Data files are imported to Pandas dataframes.</a:t>
             </a:r>
             <a:endParaRPr>
               <a:solidFill>
@@ -10070,7 +12614,7 @@
                   <a:srgbClr val="EFEFEF"/>
                 </a:solidFill>
               </a:rPr>
-              <a:t>Geohash columns are created for latitude and longitude coordinates.</a:t>
+              <a:t>Geohash columns are created for latitude and longitude coordinates using pygeohash.</a:t>
             </a:r>
             <a:endParaRPr>
               <a:solidFill>
@@ -10267,7 +12811,7 @@
           <p:nvPr/>
         </p:nvGraphicFramePr>
         <p:xfrm>
-          <a:off x="877525" y="3840150"/>
+          <a:off x="1234425" y="3840150"/>
           <a:ext cx="3000000" cy="3000000"/>
         </p:xfrm>
         <a:graphic>
@@ -10275,24 +12819,24 @@
             <a:tbl>
               <a:tblPr>
                 <a:noFill/>
-                <a:tableStyleId>{2F9FC517-79E4-4CCD-AFA4-E367639205B0}</a:tableStyleId>
+                <a:tableStyleId>{CE5B2975-C1E3-4482-88C8-5CA300691798}</a:tableStyleId>
               </a:tblPr>
               <a:tblGrid>
-                <a:gridCol w="1977350">
+                <a:gridCol w="733125">
                   <a:extLst>
                     <a:ext uri="{9D8B030D-6E8A-4147-A177-3AD203B41FA5}">
                       <a16:colId xmlns:a16="http://schemas.microsoft.com/office/drawing/2014/main" val="20000"/>
                     </a:ext>
                   </a:extLst>
                 </a:gridCol>
-                <a:gridCol w="1615300">
+                <a:gridCol w="1003850">
                   <a:extLst>
                     <a:ext uri="{9D8B030D-6E8A-4147-A177-3AD203B41FA5}">
                       <a16:colId xmlns:a16="http://schemas.microsoft.com/office/drawing/2014/main" val="20001"/>
                     </a:ext>
                   </a:extLst>
                 </a:gridCol>
-                <a:gridCol w="1728525">
+                <a:gridCol w="1397750">
                   <a:extLst>
                     <a:ext uri="{9D8B030D-6E8A-4147-A177-3AD203B41FA5}">
                       <a16:colId xmlns:a16="http://schemas.microsoft.com/office/drawing/2014/main" val="20002"/>
@@ -11034,8 +13578,8 @@
         </p:nvSpPr>
         <p:spPr>
           <a:xfrm>
-            <a:off x="311700" y="2366650"/>
-            <a:ext cx="8520600" cy="2202300"/>
+            <a:off x="311700" y="1167550"/>
+            <a:ext cx="8520600" cy="3401400"/>
           </a:xfrm>
           <a:prstGeom prst="rect">
             <a:avLst/>
@@ -11052,7 +13596,7 @@
                 <a:spcPts val="0"/>
               </a:spcBef>
               <a:spcAft>
-                <a:spcPts val="1200"/>
+                <a:spcPts val="0"/>
               </a:spcAft>
               <a:buNone/>
             </a:pPr>
@@ -11077,8 +13621,52 @@
               </a:solidFill>
             </a:endParaRPr>
           </a:p>
+          <a:p>
+            <a:pPr marL="0" lvl="0" indent="0" algn="ctr" rtl="0">
+              <a:spcBef>
+                <a:spcPts val="1200"/>
+              </a:spcBef>
+              <a:spcAft>
+                <a:spcPts val="1200"/>
+              </a:spcAft>
+              <a:buNone/>
+            </a:pPr>
+            <a:endParaRPr b="1" u="sng">
+              <a:solidFill>
+                <a:srgbClr val="EFEFEF"/>
+              </a:solidFill>
+            </a:endParaRPr>
+          </a:p>
         </p:txBody>
       </p:sp>
+      <p:pic>
+        <p:nvPicPr>
+          <p:cNvPr id="110" name="Google Shape;110;p20"/>
+          <p:cNvPicPr preferRelativeResize="0"/>
+          <p:nvPr/>
+        </p:nvPicPr>
+        <p:blipFill>
+          <a:blip r:embed="rId4">
+            <a:alphaModFix/>
+          </a:blip>
+          <a:stretch>
+            <a:fillRect/>
+          </a:stretch>
+        </p:blipFill>
+        <p:spPr>
+          <a:xfrm>
+            <a:off x="1972200" y="1735549"/>
+            <a:ext cx="5568600" cy="3140374"/>
+          </a:xfrm>
+          <a:prstGeom prst="rect">
+            <a:avLst/>
+          </a:prstGeom>
+          <a:noFill/>
+          <a:ln>
+            <a:noFill/>
+          </a:ln>
+        </p:spPr>
+      </p:pic>
     </p:spTree>
   </p:cSld>
   <p:clrMapOvr>
@@ -11092,7 +13680,7 @@
   <p:cSld>
     <p:spTree>
       <p:nvGrpSpPr>
-        <p:cNvPr id="1" name="Shape 113"/>
+        <p:cNvPr id="1" name="Shape 114"/>
         <p:cNvGrpSpPr/>
         <p:nvPr/>
       </p:nvGrpSpPr>
@@ -11106,7 +13694,7 @@
       </p:grpSpPr>
       <p:sp>
         <p:nvSpPr>
-          <p:cNvPr id="114" name="Google Shape;114;p21"/>
+          <p:cNvPr id="115" name="Google Shape;115;p21"/>
           <p:cNvSpPr txBox="1">
             <a:spLocks noGrp="1"/>
           </p:cNvSpPr>
@@ -11140,7 +13728,7 @@
             </a:pPr>
             <a:r>
               <a:rPr lang="en"/>
-              <a:t>Data Analysis</a:t>
+              <a:t>Database Structure</a:t>
             </a:r>
             <a:endParaRPr/>
           </a:p>
@@ -11148,7 +13736,7 @@
       </p:sp>
       <p:sp>
         <p:nvSpPr>
-          <p:cNvPr id="115" name="Google Shape;115;p21"/>
+          <p:cNvPr id="116" name="Google Shape;116;p21"/>
           <p:cNvSpPr txBox="1">
             <a:spLocks noGrp="1"/>
           </p:cNvSpPr>
@@ -11158,8 +13746,8 @@
         </p:nvSpPr>
         <p:spPr>
           <a:xfrm>
-            <a:off x="311700" y="1017725"/>
-            <a:ext cx="8520600" cy="3416400"/>
+            <a:off x="217900" y="1127025"/>
+            <a:ext cx="8520600" cy="2629800"/>
           </a:xfrm>
           <a:prstGeom prst="rect">
             <a:avLst/>
@@ -11179,16 +13767,33 @@
                 <a:spcPts val="0"/>
               </a:spcAft>
               <a:buSzPts val="1800"/>
-              <a:buChar char="-"/>
+              <a:buChar char="●"/>
             </a:pPr>
             <a:r>
               <a:rPr lang="en"/>
-              <a:t>Visualize the Data</a:t>
+              <a:t>NA_Storms and Target tables are imported from Pandas</a:t>
             </a:r>
             <a:endParaRPr/>
           </a:p>
           <a:p>
-            <a:pPr marL="0" lvl="0" indent="0" algn="ctr" rtl="0">
+            <a:pPr marL="457200" lvl="0" indent="-342900" algn="l" rtl="0">
+              <a:spcBef>
+                <a:spcPts val="0"/>
+              </a:spcBef>
+              <a:spcAft>
+                <a:spcPts val="0"/>
+              </a:spcAft>
+              <a:buSzPts val="1800"/>
+              <a:buChar char="●"/>
+            </a:pPr>
+            <a:r>
+              <a:rPr lang="en"/>
+              <a:t>Fl_storms - created with the following query</a:t>
+            </a:r>
+            <a:endParaRPr/>
+          </a:p>
+          <a:p>
+            <a:pPr marL="457200" lvl="0" indent="0" algn="l" rtl="0">
               <a:spcBef>
                 <a:spcPts val="1200"/>
               </a:spcBef>
@@ -11197,37 +13802,18 @@
               </a:spcAft>
               <a:buNone/>
             </a:pPr>
-            <a:r>
-              <a:rPr lang="en" b="1" u="sng">
-                <a:solidFill>
-                  <a:srgbClr val="EFEFEF"/>
-                </a:solidFill>
-                <a:hlinkClick r:id="rId3">
-                  <a:extLst>
-                    <a:ext uri="{A12FA001-AC4F-418D-AE19-62706E023703}">
-                      <ahyp:hlinkClr xmlns:ahyp="http://schemas.microsoft.com/office/drawing/2018/hyperlinkcolor" val="tx"/>
-                    </a:ext>
-                  </a:extLst>
-                </a:hlinkClick>
-              </a:rPr>
-              <a:t>Tableau Dashboard</a:t>
-            </a:r>
-            <a:endParaRPr b="1" u="sng">
-              <a:solidFill>
-                <a:srgbClr val="EFEFEF"/>
-              </a:solidFill>
-            </a:endParaRPr>
+            <a:endParaRPr/>
           </a:p>
         </p:txBody>
       </p:sp>
       <p:pic>
         <p:nvPicPr>
-          <p:cNvPr id="116" name="Google Shape;116;p21"/>
+          <p:cNvPr id="117" name="Google Shape;117;p21"/>
           <p:cNvPicPr preferRelativeResize="0"/>
           <p:nvPr/>
         </p:nvPicPr>
         <p:blipFill>
-          <a:blip r:embed="rId4">
+          <a:blip r:embed="rId3">
             <a:alphaModFix/>
           </a:blip>
           <a:stretch>
@@ -11236,8 +13822,8 @@
         </p:blipFill>
         <p:spPr>
           <a:xfrm>
-            <a:off x="1847850" y="1966151"/>
-            <a:ext cx="5777424" cy="2914100"/>
+            <a:off x="535325" y="2143448"/>
+            <a:ext cx="6940699" cy="2511625"/>
           </a:xfrm>
           <a:prstGeom prst="rect">
             <a:avLst/>

--- a/Weather Patterns.pptx
+++ b/Weather Patterns.pptx
@@ -39,6 +39,13 @@
       <p:font typeface="Oswald" panose="020B0604020202020204" charset="0"/>
       <p:regular r:id="rId23"/>
       <p:bold r:id="rId24"/>
+    </p:embeddedFont>
+    <p:embeddedFont>
+      <p:font typeface="Roboto" panose="020B0604020202020204" charset="0"/>
+      <p:regular r:id="rId25"/>
+      <p:bold r:id="rId26"/>
+      <p:italic r:id="rId27"/>
+      <p:boldItalic r:id="rId28"/>
     </p:embeddedFont>
   </p:embeddedFontLst>
   <p:defaultTextStyle>
@@ -824,7 +831,7 @@
             </a:pPr>
             <a:r>
               <a:rPr lang="en"/>
-              <a:t>Lekenia </a:t>
+              <a:t>Lakenia </a:t>
             </a:r>
             <a:endParaRPr/>
           </a:p>
@@ -1337,10 +1344,388 @@
               <a:buNone/>
             </a:pPr>
             <a:r>
-              <a:rPr lang="en"/>
+              <a:rPr lang="en" sz="1200"/>
               <a:t>Brittany</a:t>
             </a:r>
-            <a:endParaRPr/>
+            <a:endParaRPr sz="1200"/>
+          </a:p>
+          <a:p>
+            <a:pPr marL="0" lvl="0" indent="0" algn="l" rtl="0">
+              <a:spcBef>
+                <a:spcPts val="0"/>
+              </a:spcBef>
+              <a:spcAft>
+                <a:spcPts val="0"/>
+              </a:spcAft>
+              <a:buNone/>
+            </a:pPr>
+            <a:endParaRPr sz="1200"/>
+          </a:p>
+          <a:p>
+            <a:pPr marL="0" lvl="0" indent="0" algn="l" rtl="0">
+              <a:spcBef>
+                <a:spcPts val="0"/>
+              </a:spcBef>
+              <a:spcAft>
+                <a:spcPts val="0"/>
+              </a:spcAft>
+              <a:buNone/>
+            </a:pPr>
+            <a:r>
+              <a:rPr lang="en" sz="1300">
+                <a:solidFill>
+                  <a:srgbClr val="202124"/>
+                </a:solidFill>
+                <a:highlight>
+                  <a:srgbClr val="FFFFFF"/>
+                </a:highlight>
+                <a:latin typeface="Roboto"/>
+                <a:ea typeface="Roboto"/>
+                <a:cs typeface="Roboto"/>
+                <a:sym typeface="Roboto"/>
+              </a:rPr>
+              <a:t>Machine learning is a method of data analysis that automates analytical model building</a:t>
+            </a:r>
+            <a:endParaRPr sz="1300">
+              <a:solidFill>
+                <a:srgbClr val="202124"/>
+              </a:solidFill>
+              <a:highlight>
+                <a:srgbClr val="FFFFFF"/>
+              </a:highlight>
+              <a:latin typeface="Roboto"/>
+              <a:ea typeface="Roboto"/>
+              <a:cs typeface="Roboto"/>
+              <a:sym typeface="Roboto"/>
+            </a:endParaRPr>
+          </a:p>
+          <a:p>
+            <a:pPr marL="0" lvl="0" indent="0" algn="l" rtl="0">
+              <a:spcBef>
+                <a:spcPts val="0"/>
+              </a:spcBef>
+              <a:spcAft>
+                <a:spcPts val="0"/>
+              </a:spcAft>
+              <a:buNone/>
+            </a:pPr>
+            <a:endParaRPr sz="1300">
+              <a:solidFill>
+                <a:srgbClr val="202124"/>
+              </a:solidFill>
+              <a:highlight>
+                <a:srgbClr val="FFFFFF"/>
+              </a:highlight>
+              <a:latin typeface="Roboto"/>
+              <a:ea typeface="Roboto"/>
+              <a:cs typeface="Roboto"/>
+              <a:sym typeface="Roboto"/>
+            </a:endParaRPr>
+          </a:p>
+          <a:p>
+            <a:pPr marL="0" lvl="0" indent="0" algn="l" rtl="0">
+              <a:spcBef>
+                <a:spcPts val="0"/>
+              </a:spcBef>
+              <a:spcAft>
+                <a:spcPts val="0"/>
+              </a:spcAft>
+              <a:buNone/>
+            </a:pPr>
+            <a:r>
+              <a:rPr lang="en" sz="1300">
+                <a:solidFill>
+                  <a:srgbClr val="202124"/>
+                </a:solidFill>
+                <a:highlight>
+                  <a:srgbClr val="FFFFFF"/>
+                </a:highlight>
+                <a:latin typeface="Roboto"/>
+                <a:ea typeface="Roboto"/>
+                <a:cs typeface="Roboto"/>
+                <a:sym typeface="Roboto"/>
+              </a:rPr>
+              <a:t>So here we have the machine learning pipeline. </a:t>
+            </a:r>
+            <a:endParaRPr sz="1300">
+              <a:solidFill>
+                <a:srgbClr val="202124"/>
+              </a:solidFill>
+              <a:highlight>
+                <a:srgbClr val="FFFFFF"/>
+              </a:highlight>
+              <a:latin typeface="Roboto"/>
+              <a:ea typeface="Roboto"/>
+              <a:cs typeface="Roboto"/>
+              <a:sym typeface="Roboto"/>
+            </a:endParaRPr>
+          </a:p>
+          <a:p>
+            <a:pPr marL="0" lvl="0" indent="0" algn="l" rtl="0">
+              <a:spcBef>
+                <a:spcPts val="0"/>
+              </a:spcBef>
+              <a:spcAft>
+                <a:spcPts val="0"/>
+              </a:spcAft>
+              <a:buNone/>
+            </a:pPr>
+            <a:endParaRPr sz="1300">
+              <a:solidFill>
+                <a:srgbClr val="202124"/>
+              </a:solidFill>
+              <a:highlight>
+                <a:srgbClr val="FFFFFF"/>
+              </a:highlight>
+              <a:latin typeface="Roboto"/>
+              <a:ea typeface="Roboto"/>
+              <a:cs typeface="Roboto"/>
+              <a:sym typeface="Roboto"/>
+            </a:endParaRPr>
+          </a:p>
+          <a:p>
+            <a:pPr marL="0" lvl="0" indent="0" algn="l" rtl="0">
+              <a:spcBef>
+                <a:spcPts val="0"/>
+              </a:spcBef>
+              <a:spcAft>
+                <a:spcPts val="0"/>
+              </a:spcAft>
+              <a:buNone/>
+            </a:pPr>
+            <a:r>
+              <a:rPr lang="en" sz="1300">
+                <a:solidFill>
+                  <a:srgbClr val="202124"/>
+                </a:solidFill>
+                <a:highlight>
+                  <a:srgbClr val="FFFFFF"/>
+                </a:highlight>
+                <a:latin typeface="Roboto"/>
+                <a:ea typeface="Roboto"/>
+                <a:cs typeface="Roboto"/>
+                <a:sym typeface="Roboto"/>
+              </a:rPr>
+              <a:t>1st- we prepare the data by understanding the data process, and data cleansing . </a:t>
+            </a:r>
+            <a:endParaRPr sz="1300">
+              <a:solidFill>
+                <a:srgbClr val="202124"/>
+              </a:solidFill>
+              <a:highlight>
+                <a:srgbClr val="FFFFFF"/>
+              </a:highlight>
+              <a:latin typeface="Roboto"/>
+              <a:ea typeface="Roboto"/>
+              <a:cs typeface="Roboto"/>
+              <a:sym typeface="Roboto"/>
+            </a:endParaRPr>
+          </a:p>
+          <a:p>
+            <a:pPr marL="0" lvl="0" indent="0" algn="l" rtl="0">
+              <a:spcBef>
+                <a:spcPts val="0"/>
+              </a:spcBef>
+              <a:spcAft>
+                <a:spcPts val="0"/>
+              </a:spcAft>
+              <a:buNone/>
+            </a:pPr>
+            <a:endParaRPr sz="1300">
+              <a:solidFill>
+                <a:srgbClr val="202124"/>
+              </a:solidFill>
+              <a:highlight>
+                <a:srgbClr val="FFFFFF"/>
+              </a:highlight>
+              <a:latin typeface="Roboto"/>
+              <a:ea typeface="Roboto"/>
+              <a:cs typeface="Roboto"/>
+              <a:sym typeface="Roboto"/>
+            </a:endParaRPr>
+          </a:p>
+          <a:p>
+            <a:pPr marL="0" lvl="0" indent="0" algn="l" rtl="0">
+              <a:spcBef>
+                <a:spcPts val="0"/>
+              </a:spcBef>
+              <a:spcAft>
+                <a:spcPts val="0"/>
+              </a:spcAft>
+              <a:buNone/>
+            </a:pPr>
+            <a:r>
+              <a:rPr lang="en" sz="1300">
+                <a:solidFill>
+                  <a:srgbClr val="202124"/>
+                </a:solidFill>
+                <a:highlight>
+                  <a:srgbClr val="FFFFFF"/>
+                </a:highlight>
+                <a:latin typeface="Roboto"/>
+                <a:ea typeface="Roboto"/>
+                <a:cs typeface="Roboto"/>
+                <a:sym typeface="Roboto"/>
+              </a:rPr>
+              <a:t>2nd- Is the engineer features this is the process where you do selection process to identify important features of our models. </a:t>
+            </a:r>
+            <a:endParaRPr sz="1300">
+              <a:solidFill>
+                <a:srgbClr val="202124"/>
+              </a:solidFill>
+              <a:highlight>
+                <a:srgbClr val="FFFFFF"/>
+              </a:highlight>
+              <a:latin typeface="Roboto"/>
+              <a:ea typeface="Roboto"/>
+              <a:cs typeface="Roboto"/>
+              <a:sym typeface="Roboto"/>
+            </a:endParaRPr>
+          </a:p>
+          <a:p>
+            <a:pPr marL="0" lvl="0" indent="0" algn="l" rtl="0">
+              <a:spcBef>
+                <a:spcPts val="0"/>
+              </a:spcBef>
+              <a:spcAft>
+                <a:spcPts val="0"/>
+              </a:spcAft>
+              <a:buNone/>
+            </a:pPr>
+            <a:endParaRPr sz="1300">
+              <a:solidFill>
+                <a:srgbClr val="202124"/>
+              </a:solidFill>
+              <a:highlight>
+                <a:srgbClr val="FFFFFF"/>
+              </a:highlight>
+              <a:latin typeface="Roboto"/>
+              <a:ea typeface="Roboto"/>
+              <a:cs typeface="Roboto"/>
+              <a:sym typeface="Roboto"/>
+            </a:endParaRPr>
+          </a:p>
+          <a:p>
+            <a:pPr marL="0" lvl="0" indent="0" algn="l" rtl="0">
+              <a:spcBef>
+                <a:spcPts val="0"/>
+              </a:spcBef>
+              <a:spcAft>
+                <a:spcPts val="0"/>
+              </a:spcAft>
+              <a:buNone/>
+            </a:pPr>
+            <a:r>
+              <a:rPr lang="en" sz="1300">
+                <a:solidFill>
+                  <a:srgbClr val="202124"/>
+                </a:solidFill>
+                <a:highlight>
+                  <a:srgbClr val="FFFFFF"/>
+                </a:highlight>
+                <a:latin typeface="Roboto"/>
+                <a:ea typeface="Roboto"/>
+                <a:cs typeface="Roboto"/>
+                <a:sym typeface="Roboto"/>
+              </a:rPr>
+              <a:t>3rd-  Train, build, and Test  and this is where you perform the model</a:t>
+            </a:r>
+            <a:endParaRPr sz="1300">
+              <a:solidFill>
+                <a:srgbClr val="202124"/>
+              </a:solidFill>
+              <a:highlight>
+                <a:srgbClr val="FFFFFF"/>
+              </a:highlight>
+              <a:latin typeface="Roboto"/>
+              <a:ea typeface="Roboto"/>
+              <a:cs typeface="Roboto"/>
+              <a:sym typeface="Roboto"/>
+            </a:endParaRPr>
+          </a:p>
+          <a:p>
+            <a:pPr marL="0" lvl="0" indent="0" algn="l" rtl="0">
+              <a:spcBef>
+                <a:spcPts val="0"/>
+              </a:spcBef>
+              <a:spcAft>
+                <a:spcPts val="0"/>
+              </a:spcAft>
+              <a:buNone/>
+            </a:pPr>
+            <a:endParaRPr sz="1300">
+              <a:solidFill>
+                <a:srgbClr val="202124"/>
+              </a:solidFill>
+              <a:highlight>
+                <a:srgbClr val="FFFFFF"/>
+              </a:highlight>
+              <a:latin typeface="Roboto"/>
+              <a:ea typeface="Roboto"/>
+              <a:cs typeface="Roboto"/>
+              <a:sym typeface="Roboto"/>
+            </a:endParaRPr>
+          </a:p>
+          <a:p>
+            <a:pPr marL="0" lvl="0" indent="0" algn="l" rtl="0">
+              <a:spcBef>
+                <a:spcPts val="0"/>
+              </a:spcBef>
+              <a:spcAft>
+                <a:spcPts val="0"/>
+              </a:spcAft>
+              <a:buNone/>
+            </a:pPr>
+            <a:r>
+              <a:rPr lang="en" sz="1300">
+                <a:solidFill>
+                  <a:srgbClr val="202124"/>
+                </a:solidFill>
+                <a:highlight>
+                  <a:srgbClr val="FFFFFF"/>
+                </a:highlight>
+                <a:latin typeface="Roboto"/>
+                <a:ea typeface="Roboto"/>
+                <a:cs typeface="Roboto"/>
+                <a:sym typeface="Roboto"/>
+              </a:rPr>
+              <a:t>And last you will deploy your best performing model.</a:t>
+            </a:r>
+            <a:endParaRPr sz="1300">
+              <a:solidFill>
+                <a:srgbClr val="202124"/>
+              </a:solidFill>
+              <a:highlight>
+                <a:srgbClr val="FFFFFF"/>
+              </a:highlight>
+              <a:latin typeface="Roboto"/>
+              <a:ea typeface="Roboto"/>
+              <a:cs typeface="Roboto"/>
+              <a:sym typeface="Roboto"/>
+            </a:endParaRPr>
+          </a:p>
+          <a:p>
+            <a:pPr marL="0" lvl="0" indent="0" algn="l" rtl="0">
+              <a:spcBef>
+                <a:spcPts val="0"/>
+              </a:spcBef>
+              <a:spcAft>
+                <a:spcPts val="0"/>
+              </a:spcAft>
+              <a:buNone/>
+            </a:pPr>
+            <a:endParaRPr sz="1300">
+              <a:solidFill>
+                <a:srgbClr val="202124"/>
+              </a:solidFill>
+              <a:highlight>
+                <a:srgbClr val="FFFFFF"/>
+              </a:highlight>
+              <a:latin typeface="Roboto"/>
+              <a:ea typeface="Roboto"/>
+              <a:cs typeface="Roboto"/>
+              <a:sym typeface="Roboto"/>
+            </a:endParaRPr>
           </a:p>
         </p:txBody>
       </p:sp>
@@ -1473,7 +1858,95 @@
               </a:spcAft>
               <a:buNone/>
             </a:pPr>
-            <a:endParaRPr/>
+            <a:r>
+              <a:rPr lang="en" sz="1300"/>
+              <a:t>For our Data Analysis </a:t>
+            </a:r>
+            <a:endParaRPr sz="1300"/>
+          </a:p>
+          <a:p>
+            <a:pPr marL="0" lvl="0" indent="0" algn="l" rtl="0">
+              <a:spcBef>
+                <a:spcPts val="0"/>
+              </a:spcBef>
+              <a:spcAft>
+                <a:spcPts val="0"/>
+              </a:spcAft>
+              <a:buNone/>
+            </a:pPr>
+            <a:endParaRPr sz="1300"/>
+          </a:p>
+          <a:p>
+            <a:pPr marL="0" lvl="0" indent="0" algn="l" rtl="0">
+              <a:spcBef>
+                <a:spcPts val="0"/>
+              </a:spcBef>
+              <a:spcAft>
+                <a:spcPts val="0"/>
+              </a:spcAft>
+              <a:buNone/>
+            </a:pPr>
+            <a:r>
+              <a:rPr lang="en" sz="1300"/>
+              <a:t>The steps below are required in development of our model. </a:t>
+            </a:r>
+            <a:endParaRPr sz="1300"/>
+          </a:p>
+          <a:p>
+            <a:pPr marL="0" lvl="0" indent="0" algn="l" rtl="0">
+              <a:spcBef>
+                <a:spcPts val="0"/>
+              </a:spcBef>
+              <a:spcAft>
+                <a:spcPts val="0"/>
+              </a:spcAft>
+              <a:buNone/>
+            </a:pPr>
+            <a:endParaRPr sz="1300"/>
+          </a:p>
+          <a:p>
+            <a:pPr marL="0" lvl="0" indent="0" algn="l" rtl="0">
+              <a:spcBef>
+                <a:spcPts val="0"/>
+              </a:spcBef>
+              <a:spcAft>
+                <a:spcPts val="0"/>
+              </a:spcAft>
+              <a:buNone/>
+            </a:pPr>
+            <a:r>
+              <a:rPr lang="en" sz="1300"/>
+              <a:t>These steps include (read bullet points)</a:t>
+            </a:r>
+            <a:endParaRPr sz="1300"/>
+          </a:p>
+          <a:p>
+            <a:pPr marL="0" lvl="0" indent="0" algn="l" rtl="0">
+              <a:spcBef>
+                <a:spcPts val="0"/>
+              </a:spcBef>
+              <a:spcAft>
+                <a:spcPts val="0"/>
+              </a:spcAft>
+              <a:buNone/>
+            </a:pPr>
+            <a:endParaRPr sz="1300"/>
+          </a:p>
+          <a:p>
+            <a:pPr marL="0" lvl="0" indent="0" algn="l" rtl="0">
+              <a:spcBef>
+                <a:spcPts val="0"/>
+              </a:spcBef>
+              <a:spcAft>
+                <a:spcPts val="0"/>
+              </a:spcAft>
+              <a:buNone/>
+            </a:pPr>
+            <a:r>
+              <a:rPr lang="en" sz="1300"/>
+              <a:t>I will go a little more in detail in the next few slides. </a:t>
+            </a:r>
+            <a:endParaRPr sz="1300"/>
           </a:p>
         </p:txBody>
       </p:sp>
@@ -1611,34 +2084,133 @@
               <a:buFont typeface="Arial"/>
               <a:buNone/>
             </a:pPr>
-            <a:endParaRPr sz="1250">
-              <a:solidFill>
-                <a:schemeClr val="dk1"/>
-              </a:solidFill>
-            </a:endParaRPr>
-          </a:p>
-          <a:p>
-            <a:pPr marL="0" lvl="0" indent="0" algn="l" rtl="0">
-              <a:spcBef>
-                <a:spcPts val="0"/>
-              </a:spcBef>
-              <a:spcAft>
-                <a:spcPts val="0"/>
-              </a:spcAft>
-              <a:buClr>
-                <a:schemeClr val="dk1"/>
-              </a:buClr>
-              <a:buSzPts val="1100"/>
-              <a:buFont typeface="Arial"/>
-              <a:buNone/>
-            </a:pPr>
             <a:r>
               <a:rPr lang="en" sz="1250">
                 <a:solidFill>
                   <a:schemeClr val="dk1"/>
                 </a:solidFill>
               </a:rPr>
-              <a:t>Based on the Logistic Regression Learning Model we have an accuracy score of 70%. For this machine learning model we used sklearn.preprocessing.</a:t>
+              <a:t>Feature scaling helps normalize the range of our features in our data </a:t>
+            </a:r>
+            <a:endParaRPr sz="1250">
+              <a:solidFill>
+                <a:schemeClr val="dk1"/>
+              </a:solidFill>
+            </a:endParaRPr>
+          </a:p>
+          <a:p>
+            <a:pPr marL="0" lvl="0" indent="0" algn="l" rtl="0">
+              <a:spcBef>
+                <a:spcPts val="0"/>
+              </a:spcBef>
+              <a:spcAft>
+                <a:spcPts val="0"/>
+              </a:spcAft>
+              <a:buClr>
+                <a:schemeClr val="dk1"/>
+              </a:buClr>
+              <a:buSzPts val="1100"/>
+              <a:buFont typeface="Arial"/>
+              <a:buNone/>
+            </a:pPr>
+            <a:endParaRPr sz="1250">
+              <a:solidFill>
+                <a:schemeClr val="dk1"/>
+              </a:solidFill>
+            </a:endParaRPr>
+          </a:p>
+          <a:p>
+            <a:pPr marL="0" lvl="0" indent="0" algn="l" rtl="0">
+              <a:spcBef>
+                <a:spcPts val="0"/>
+              </a:spcBef>
+              <a:spcAft>
+                <a:spcPts val="0"/>
+              </a:spcAft>
+              <a:buClr>
+                <a:schemeClr val="dk1"/>
+              </a:buClr>
+              <a:buSzPts val="1100"/>
+              <a:buFont typeface="Arial"/>
+              <a:buNone/>
+            </a:pPr>
+            <a:r>
+              <a:rPr lang="en" sz="1250">
+                <a:solidFill>
+                  <a:schemeClr val="dk1"/>
+                </a:solidFill>
+              </a:rPr>
+              <a:t>f</a:t>
+            </a:r>
+            <a:r>
+              <a:rPr lang="en" sz="1200">
+                <a:solidFill>
+                  <a:srgbClr val="24292E"/>
+                </a:solidFill>
+                <a:highlight>
+                  <a:srgbClr val="FFFFFF"/>
+                </a:highlight>
+              </a:rPr>
+              <a:t>eature scaling is important  because we want accurate results of predictions.  We need to scale the data so our machine learning model can interpret the features on the same scale.</a:t>
+            </a:r>
+            <a:endParaRPr sz="1200">
+              <a:solidFill>
+                <a:srgbClr val="24292E"/>
+              </a:solidFill>
+              <a:highlight>
+                <a:srgbClr val="FFFFFF"/>
+              </a:highlight>
+            </a:endParaRPr>
+          </a:p>
+          <a:p>
+            <a:pPr marL="0" lvl="0" indent="0" algn="l" rtl="0">
+              <a:spcBef>
+                <a:spcPts val="0"/>
+              </a:spcBef>
+              <a:spcAft>
+                <a:spcPts val="0"/>
+              </a:spcAft>
+              <a:buClr>
+                <a:schemeClr val="dk1"/>
+              </a:buClr>
+              <a:buSzPts val="1100"/>
+              <a:buFont typeface="Arial"/>
+              <a:buNone/>
+            </a:pPr>
+            <a:endParaRPr sz="1200">
+              <a:solidFill>
+                <a:srgbClr val="24292E"/>
+              </a:solidFill>
+              <a:highlight>
+                <a:srgbClr val="FFFFFF"/>
+              </a:highlight>
+            </a:endParaRPr>
+          </a:p>
+          <a:p>
+            <a:pPr marL="0" lvl="0" indent="0" algn="l" rtl="0">
+              <a:spcBef>
+                <a:spcPts val="0"/>
+              </a:spcBef>
+              <a:spcAft>
+                <a:spcPts val="0"/>
+              </a:spcAft>
+              <a:buClr>
+                <a:schemeClr val="dk1"/>
+              </a:buClr>
+              <a:buSzPts val="1100"/>
+              <a:buFont typeface="Arial"/>
+              <a:buNone/>
+            </a:pPr>
+            <a:r>
+              <a:rPr lang="en" sz="1200">
+                <a:solidFill>
+                  <a:srgbClr val="24292E"/>
+                </a:solidFill>
+                <a:highlight>
+                  <a:srgbClr val="FFFFFF"/>
+                </a:highlight>
+              </a:rPr>
+              <a:t>So we will only scale the independent variable because our dependent variable has only 0 and 1 values.</a:t>
             </a:r>
             <a:endParaRPr sz="1250">
               <a:solidFill>
@@ -1766,14 +2338,14 @@
               <a:buNone/>
             </a:pPr>
             <a:r>
-              <a:rPr lang="en" sz="1250">
+              <a:rPr lang="en" sz="1400">
                 <a:solidFill>
                   <a:schemeClr val="dk1"/>
                 </a:solidFill>
               </a:rPr>
               <a:t>Brittany</a:t>
             </a:r>
-            <a:endParaRPr sz="1250">
+            <a:endParaRPr sz="1400">
               <a:solidFill>
                 <a:schemeClr val="dk1"/>
               </a:solidFill>
@@ -1794,7 +2366,7 @@
               <a:buFont typeface="Arial"/>
               <a:buNone/>
             </a:pPr>
-            <a:endParaRPr sz="1250">
+            <a:endParaRPr sz="1400">
               <a:solidFill>
                 <a:schemeClr val="dk1"/>
               </a:solidFill>
@@ -1816,13 +2388,193 @@
               <a:buNone/>
             </a:pPr>
             <a:r>
-              <a:rPr lang="en" sz="1250">
+              <a:rPr lang="en" sz="1400">
                 <a:solidFill>
                   <a:schemeClr val="dk1"/>
                 </a:solidFill>
               </a:rPr>
-              <a:t>Based on the Logistic Regression Learning Model we have an accuracy score of 70%. For this machine learning model we used sklearn.preprocessing.</a:t>
+              <a:t>Continuing on we have to split and test the dataset</a:t>
             </a:r>
+            <a:r>
+              <a:rPr lang="en" sz="1400">
+                <a:solidFill>
+                  <a:srgbClr val="24292E"/>
+                </a:solidFill>
+                <a:highlight>
+                  <a:srgbClr val="FFFFFF"/>
+                </a:highlight>
+              </a:rPr>
+              <a:t>. This step is necessary for performance.</a:t>
+            </a:r>
+            <a:endParaRPr sz="1400">
+              <a:solidFill>
+                <a:srgbClr val="24292E"/>
+              </a:solidFill>
+              <a:highlight>
+                <a:srgbClr val="FFFFFF"/>
+              </a:highlight>
+            </a:endParaRPr>
+          </a:p>
+          <a:p>
+            <a:pPr marL="0" lvl="0" indent="0" algn="l" rtl="0">
+              <a:spcBef>
+                <a:spcPts val="0"/>
+              </a:spcBef>
+              <a:spcAft>
+                <a:spcPts val="0"/>
+              </a:spcAft>
+              <a:buClr>
+                <a:schemeClr val="dk1"/>
+              </a:buClr>
+              <a:buSzPts val="1100"/>
+              <a:buFont typeface="Arial"/>
+              <a:buNone/>
+            </a:pPr>
+            <a:endParaRPr sz="1400">
+              <a:solidFill>
+                <a:srgbClr val="24292E"/>
+              </a:solidFill>
+              <a:highlight>
+                <a:srgbClr val="FFFFFF"/>
+              </a:highlight>
+            </a:endParaRPr>
+          </a:p>
+          <a:p>
+            <a:pPr marL="0" lvl="0" indent="0" algn="l" rtl="0">
+              <a:spcBef>
+                <a:spcPts val="0"/>
+              </a:spcBef>
+              <a:spcAft>
+                <a:spcPts val="0"/>
+              </a:spcAft>
+              <a:buClr>
+                <a:schemeClr val="dk1"/>
+              </a:buClr>
+              <a:buSzPts val="1100"/>
+              <a:buFont typeface="Arial"/>
+              <a:buNone/>
+            </a:pPr>
+            <a:r>
+              <a:rPr lang="en" sz="1400">
+                <a:solidFill>
+                  <a:srgbClr val="24292E"/>
+                </a:solidFill>
+                <a:highlight>
+                  <a:srgbClr val="FFFFFF"/>
+                </a:highlight>
+              </a:rPr>
+              <a:t> We used train test split from sklearn to divide our data into training and testing groups</a:t>
+            </a:r>
+            <a:endParaRPr sz="1400">
+              <a:solidFill>
+                <a:srgbClr val="24292E"/>
+              </a:solidFill>
+              <a:highlight>
+                <a:srgbClr val="FFFFFF"/>
+              </a:highlight>
+            </a:endParaRPr>
+          </a:p>
+          <a:p>
+            <a:pPr marL="0" lvl="0" indent="0" algn="l" rtl="0">
+              <a:lnSpc>
+                <a:spcPct val="115000"/>
+              </a:lnSpc>
+              <a:spcBef>
+                <a:spcPts val="0"/>
+              </a:spcBef>
+              <a:spcAft>
+                <a:spcPts val="0"/>
+              </a:spcAft>
+              <a:buClr>
+                <a:schemeClr val="dk1"/>
+              </a:buClr>
+              <a:buSzPts val="1100"/>
+              <a:buFont typeface="Arial"/>
+              <a:buNone/>
+            </a:pPr>
+            <a:r>
+              <a:rPr lang="en" sz="1400">
+                <a:solidFill>
+                  <a:srgbClr val="24292E"/>
+                </a:solidFill>
+                <a:highlight>
+                  <a:srgbClr val="FFFFFF"/>
+                </a:highlight>
+              </a:rPr>
+              <a:t>Then we ran the logistic regression classifier for 500 iterations. The regression analysis produced an accuracy score of 70%.</a:t>
+            </a:r>
+            <a:endParaRPr sz="1400">
+              <a:solidFill>
+                <a:srgbClr val="24292E"/>
+              </a:solidFill>
+              <a:highlight>
+                <a:srgbClr val="FFFFFF"/>
+              </a:highlight>
+            </a:endParaRPr>
+          </a:p>
+          <a:p>
+            <a:pPr marL="0" lvl="0" indent="0" algn="l" rtl="0">
+              <a:lnSpc>
+                <a:spcPct val="115000"/>
+              </a:lnSpc>
+              <a:spcBef>
+                <a:spcPts val="1200"/>
+              </a:spcBef>
+              <a:spcAft>
+                <a:spcPts val="0"/>
+              </a:spcAft>
+              <a:buClr>
+                <a:schemeClr val="dk1"/>
+              </a:buClr>
+              <a:buSzPts val="1100"/>
+              <a:buFont typeface="Arial"/>
+              <a:buNone/>
+            </a:pPr>
+            <a:endParaRPr>
+              <a:solidFill>
+                <a:schemeClr val="dk1"/>
+              </a:solidFill>
+            </a:endParaRPr>
+          </a:p>
+          <a:p>
+            <a:pPr marL="0" lvl="0" indent="0" algn="l" rtl="0">
+              <a:lnSpc>
+                <a:spcPct val="115000"/>
+              </a:lnSpc>
+              <a:spcBef>
+                <a:spcPts val="0"/>
+              </a:spcBef>
+              <a:spcAft>
+                <a:spcPts val="0"/>
+              </a:spcAft>
+              <a:buClr>
+                <a:schemeClr val="dk1"/>
+              </a:buClr>
+              <a:buSzPts val="1100"/>
+              <a:buFont typeface="Arial"/>
+              <a:buNone/>
+            </a:pPr>
+            <a:endParaRPr>
+              <a:solidFill>
+                <a:schemeClr val="dk1"/>
+              </a:solidFill>
+            </a:endParaRPr>
+          </a:p>
+          <a:p>
+            <a:pPr marL="0" lvl="0" indent="0" algn="l" rtl="0">
+              <a:spcBef>
+                <a:spcPts val="0"/>
+              </a:spcBef>
+              <a:spcAft>
+                <a:spcPts val="0"/>
+              </a:spcAft>
+              <a:buClr>
+                <a:schemeClr val="dk1"/>
+              </a:buClr>
+              <a:buSzPts val="1100"/>
+              <a:buFont typeface="Arial"/>
+              <a:buNone/>
+            </a:pPr>
             <a:endParaRPr sz="1250">
               <a:solidFill>
                 <a:schemeClr val="dk1"/>
@@ -1974,6 +2726,29 @@
             </a:pPr>
             <a:endParaRPr/>
           </a:p>
+          <a:p>
+            <a:pPr marL="0" lvl="0" indent="0" algn="l" rtl="0">
+              <a:spcBef>
+                <a:spcPts val="0"/>
+              </a:spcBef>
+              <a:spcAft>
+                <a:spcPts val="0"/>
+              </a:spcAft>
+              <a:buNone/>
+            </a:pPr>
+            <a:r>
+              <a:rPr lang="en" sz="1400">
+                <a:solidFill>
+                  <a:srgbClr val="24292E"/>
+                </a:solidFill>
+                <a:highlight>
+                  <a:srgbClr val="FFFFFF"/>
+                </a:highlight>
+              </a:rPr>
+              <a:t>We created confusion matrix to check accuracy of our classification of storm target. We used confusion_matrix function of the sklearn library. After importing the function, we called it a new variable cm. The function accepts two parameters, mainly the actual values and predicted values.</a:t>
+            </a:r>
+            <a:endParaRPr sz="1300"/>
+          </a:p>
         </p:txBody>
       </p:sp>
     </p:spTree>
@@ -2115,6 +2890,90 @@
             </a:r>
             <a:endParaRPr/>
           </a:p>
+          <a:p>
+            <a:pPr marL="0" lvl="0" indent="0" algn="l" rtl="0">
+              <a:spcBef>
+                <a:spcPts val="0"/>
+              </a:spcBef>
+              <a:spcAft>
+                <a:spcPts val="0"/>
+              </a:spcAft>
+              <a:buNone/>
+            </a:pPr>
+            <a:endParaRPr/>
+          </a:p>
+          <a:p>
+            <a:pPr marL="0" lvl="0" indent="0" algn="l" rtl="0">
+              <a:spcBef>
+                <a:spcPts val="0"/>
+              </a:spcBef>
+              <a:spcAft>
+                <a:spcPts val="0"/>
+              </a:spcAft>
+              <a:buNone/>
+            </a:pPr>
+            <a:r>
+              <a:rPr lang="en"/>
+              <a:t>Majority and FL strikes - First we wanted to see when are the majority of storms happening per year as well as during which month - Looking at the data, August and September have the majority of storms with strikes to Florida and in 2005 we saw our best year yet </a:t>
+            </a:r>
+            <a:endParaRPr/>
+          </a:p>
+          <a:p>
+            <a:pPr marL="0" lvl="0" indent="0" algn="l" rtl="0">
+              <a:spcBef>
+                <a:spcPts val="0"/>
+              </a:spcBef>
+              <a:spcAft>
+                <a:spcPts val="0"/>
+              </a:spcAft>
+              <a:buNone/>
+            </a:pPr>
+            <a:endParaRPr/>
+          </a:p>
+          <a:p>
+            <a:pPr marL="0" lvl="0" indent="0" algn="l" rtl="0">
+              <a:spcBef>
+                <a:spcPts val="0"/>
+              </a:spcBef>
+              <a:spcAft>
+                <a:spcPts val="0"/>
+              </a:spcAft>
+              <a:buNone/>
+            </a:pPr>
+            <a:r>
+              <a:rPr lang="en"/>
+              <a:t>I then filtered the data by Origin of storm and end of storm to see if there was a pattern or correlation. Looking at the different visuals “end of storm” has a lot more storm ending coordinates than the origin graph. While I am unsure of why this is, you can see in red which storms actually hit florida from where they began to where they ended. </a:t>
+            </a:r>
+            <a:endParaRPr/>
+          </a:p>
+          <a:p>
+            <a:pPr marL="0" lvl="0" indent="0" algn="l" rtl="0">
+              <a:spcBef>
+                <a:spcPts val="0"/>
+              </a:spcBef>
+              <a:spcAft>
+                <a:spcPts val="0"/>
+              </a:spcAft>
+              <a:buNone/>
+            </a:pPr>
+            <a:endParaRPr/>
+          </a:p>
+          <a:p>
+            <a:pPr marL="0" lvl="0" indent="0" algn="l" rtl="0">
+              <a:spcBef>
+                <a:spcPts val="0"/>
+              </a:spcBef>
+              <a:spcAft>
+                <a:spcPts val="0"/>
+              </a:spcAft>
+              <a:buNone/>
+            </a:pPr>
+            <a:r>
+              <a:rPr lang="en"/>
+              <a:t>Our last visual represents the type or storm or nature of the storm. If we hover over the different ones, we can see based on the storm type what hit Florida. The storm natures differ depending on where the storm came from. So extratropical also known as nor’easters and blizzards come from the north. While sub tropical tend to grow in to tropical storms which can end up as Hurricanes.  </a:t>
+            </a:r>
+            <a:endParaRPr/>
+          </a:p>
         </p:txBody>
       </p:sp>
     </p:spTree>
@@ -2223,6 +3082,34 @@
             </a:r>
             <a:endParaRPr/>
           </a:p>
+          <a:p>
+            <a:pPr marL="0" lvl="0" indent="0" algn="l" rtl="0">
+              <a:spcBef>
+                <a:spcPts val="0"/>
+              </a:spcBef>
+              <a:spcAft>
+                <a:spcPts val="0"/>
+              </a:spcAft>
+              <a:buNone/>
+            </a:pPr>
+            <a:endParaRPr/>
+          </a:p>
+          <a:p>
+            <a:pPr marL="0" lvl="0" indent="0" algn="l" rtl="0">
+              <a:spcBef>
+                <a:spcPts val="0"/>
+              </a:spcBef>
+              <a:spcAft>
+                <a:spcPts val="0"/>
+              </a:spcAft>
+              <a:buNone/>
+            </a:pPr>
+            <a:r>
+              <a:rPr lang="en"/>
+              <a:t>Just read slide </a:t>
+            </a:r>
+            <a:endParaRPr/>
+          </a:p>
         </p:txBody>
       </p:sp>
     </p:spTree>
@@ -2238,7 +3125,7 @@
   <p:cSld>
     <p:spTree>
       <p:nvGrpSpPr>
-        <p:cNvPr id="1" name="Shape 180"/>
+        <p:cNvPr id="1" name="Shape 181"/>
         <p:cNvGrpSpPr/>
         <p:nvPr/>
       </p:nvGrpSpPr>
@@ -2252,7 +3139,7 @@
       </p:grpSpPr>
       <p:sp>
         <p:nvSpPr>
-          <p:cNvPr id="181" name="Google Shape;181;gc78378ac2d_0_19:notes"/>
+          <p:cNvPr id="182" name="Google Shape;182;gc78378ac2d_0_19:notes"/>
           <p:cNvSpPr>
             <a:spLocks noGrp="1" noRot="1" noChangeAspect="1"/>
           </p:cNvSpPr>
@@ -2293,7 +3180,7 @@
       </p:sp>
       <p:sp>
         <p:nvSpPr>
-          <p:cNvPr id="182" name="Google Shape;182;gc78378ac2d_0_19:notes"/>
+          <p:cNvPr id="183" name="Google Shape;183;gc78378ac2d_0_19:notes"/>
           <p:cNvSpPr txBox="1">
             <a:spLocks noGrp="1"/>
           </p:cNvSpPr>
@@ -2328,6 +3215,34 @@
             <a:r>
               <a:rPr lang="en"/>
               <a:t>Danielle </a:t>
+            </a:r>
+            <a:endParaRPr/>
+          </a:p>
+          <a:p>
+            <a:pPr marL="0" lvl="0" indent="0" algn="l" rtl="0">
+              <a:spcBef>
+                <a:spcPts val="0"/>
+              </a:spcBef>
+              <a:spcAft>
+                <a:spcPts val="0"/>
+              </a:spcAft>
+              <a:buNone/>
+            </a:pPr>
+            <a:endParaRPr/>
+          </a:p>
+          <a:p>
+            <a:pPr marL="0" lvl="0" indent="0" algn="l" rtl="0">
+              <a:spcBef>
+                <a:spcPts val="0"/>
+              </a:spcBef>
+              <a:spcAft>
+                <a:spcPts val="0"/>
+              </a:spcAft>
+              <a:buNone/>
+            </a:pPr>
+            <a:r>
+              <a:rPr lang="en"/>
+              <a:t>Our recommendations for future analysis would be to explore other features that possibly would correlate to our ending goal. We could have also took in to consideration different analysis based on severity of the storms, so really taking a look at storm natures and categories more closely. Lastly, we can look at using a different machine learning model than the one that we used to see if our results differ. </a:t>
             </a:r>
             <a:endParaRPr/>
           </a:p>
@@ -2435,7 +3350,7 @@
             </a:pPr>
             <a:r>
               <a:rPr lang="en"/>
-              <a:t>Lekenia</a:t>
+              <a:t>Lakenia</a:t>
             </a:r>
             <a:endParaRPr/>
           </a:p>
@@ -2543,7 +3458,7 @@
             </a:pPr>
             <a:r>
               <a:rPr lang="en"/>
-              <a:t>Lekenia</a:t>
+              <a:t>Lakenia</a:t>
             </a:r>
             <a:endParaRPr/>
           </a:p>
@@ -2651,7 +3566,7 @@
             </a:pPr>
             <a:r>
               <a:rPr lang="en"/>
-              <a:t>Lekenia </a:t>
+              <a:t>Lakenia </a:t>
             </a:r>
             <a:endParaRPr/>
           </a:p>
@@ -8752,10 +9667,18 @@
               <a:buNone/>
             </a:pPr>
             <a:r>
-              <a:rPr lang="en"/>
+              <a:rPr lang="en">
+                <a:solidFill>
+                  <a:srgbClr val="000000"/>
+                </a:solidFill>
+              </a:rPr>
               <a:t>Data Analytics and Visualization Final Project</a:t>
             </a:r>
-            <a:endParaRPr/>
+            <a:endParaRPr>
+              <a:solidFill>
+                <a:srgbClr val="000000"/>
+              </a:solidFill>
+            </a:endParaRPr>
           </a:p>
           <a:p>
             <a:pPr marL="0" lvl="0" indent="0" algn="ctr" rtl="0">
@@ -8768,10 +9691,18 @@
               <a:buNone/>
             </a:pPr>
             <a:r>
-              <a:rPr lang="en"/>
+              <a:rPr lang="en">
+                <a:solidFill>
+                  <a:srgbClr val="000000"/>
+                </a:solidFill>
+              </a:rPr>
               <a:t>John Bates | Brittany Woolard | Danielle Duce | Lakenia Manago</a:t>
             </a:r>
-            <a:endParaRPr/>
+            <a:endParaRPr>
+              <a:solidFill>
+                <a:srgbClr val="000000"/>
+              </a:solidFill>
+            </a:endParaRPr>
           </a:p>
         </p:txBody>
       </p:sp>
@@ -9401,7 +10332,7 @@
             </a:pPr>
             <a:r>
               <a:rPr lang="en"/>
-              <a:t>Machine Learning Pipeline</a:t>
+              <a:t>Machine Learning &amp; Pipeline</a:t>
             </a:r>
             <a:endParaRPr/>
           </a:p>
@@ -9472,7 +10403,7 @@
         </p:nvSpPr>
         <p:spPr>
           <a:xfrm>
-            <a:off x="311700" y="445025"/>
+            <a:off x="263925" y="458650"/>
             <a:ext cx="8520600" cy="572700"/>
           </a:xfrm>
           <a:prstGeom prst="rect">
@@ -9523,7 +10454,7 @@
         </p:spPr>
         <p:txBody>
           <a:bodyPr spcFirstLastPara="1" wrap="square" lIns="91425" tIns="91425" rIns="91425" bIns="91425" anchor="t" anchorCtr="0">
-            <a:normAutofit fontScale="92500" lnSpcReduction="20000"/>
+            <a:normAutofit lnSpcReduction="20000"/>
           </a:bodyPr>
           <a:lstStyle/>
           <a:p>
@@ -9641,7 +10572,7 @@
                   <a:schemeClr val="dk1"/>
                 </a:solidFill>
               </a:rPr>
-              <a:t>●Exploratory Data Analysis</a:t>
+              <a:t>●Exploratory Data Analysis                                                 </a:t>
             </a:r>
             <a:endParaRPr sz="1400">
               <a:solidFill>
@@ -9773,7 +10704,7 @@
                   <a:schemeClr val="dk1"/>
                 </a:solidFill>
               </a:rPr>
-              <a:t>Our data has been prepared in earlier slide, we perform few additional steps to enable our dataset fit in to the model </a:t>
+              <a:t> </a:t>
             </a:r>
             <a:endParaRPr/>
           </a:p>
@@ -10639,8 +11570,8 @@
         </p:blipFill>
         <p:spPr>
           <a:xfrm>
-            <a:off x="1847850" y="1966151"/>
-            <a:ext cx="5777424" cy="2914100"/>
+            <a:off x="1766050" y="2159853"/>
+            <a:ext cx="5509876" cy="2564850"/>
           </a:xfrm>
           <a:prstGeom prst="rect">
             <a:avLst/>
@@ -11185,6 +12116,34 @@
           </a:p>
         </p:txBody>
       </p:sp>
+      <p:pic>
+        <p:nvPicPr>
+          <p:cNvPr id="180" name="Google Shape;180;p30"/>
+          <p:cNvPicPr preferRelativeResize="0"/>
+          <p:nvPr/>
+        </p:nvPicPr>
+        <p:blipFill>
+          <a:blip r:embed="rId3">
+            <a:alphaModFix/>
+          </a:blip>
+          <a:stretch>
+            <a:fillRect/>
+          </a:stretch>
+        </p:blipFill>
+        <p:spPr>
+          <a:xfrm>
+            <a:off x="4225625" y="810375"/>
+            <a:ext cx="4244849" cy="3280425"/>
+          </a:xfrm>
+          <a:prstGeom prst="rect">
+            <a:avLst/>
+          </a:prstGeom>
+          <a:noFill/>
+          <a:ln>
+            <a:noFill/>
+          </a:ln>
+        </p:spPr>
+      </p:pic>
     </p:spTree>
   </p:cSld>
   <p:clrMapOvr>
@@ -11198,7 +12157,7 @@
   <p:cSld>
     <p:spTree>
       <p:nvGrpSpPr>
-        <p:cNvPr id="1" name="Shape 183"/>
+        <p:cNvPr id="1" name="Shape 184"/>
         <p:cNvGrpSpPr/>
         <p:nvPr/>
       </p:nvGrpSpPr>
@@ -11212,7 +12171,7 @@
       </p:grpSpPr>
       <p:sp>
         <p:nvSpPr>
-          <p:cNvPr id="184" name="Google Shape;184;p31"/>
+          <p:cNvPr id="185" name="Google Shape;185;p31"/>
           <p:cNvSpPr txBox="1">
             <a:spLocks noGrp="1"/>
           </p:cNvSpPr>
@@ -11254,7 +12213,7 @@
       </p:sp>
       <p:sp>
         <p:nvSpPr>
-          <p:cNvPr id="185" name="Google Shape;185;p31"/>
+          <p:cNvPr id="186" name="Google Shape;186;p31"/>
           <p:cNvSpPr txBox="1">
             <a:spLocks noGrp="1"/>
           </p:cNvSpPr>
@@ -11310,8 +12269,53 @@
             </a:r>
             <a:endParaRPr/>
           </a:p>
+          <a:p>
+            <a:pPr marL="457200" lvl="0" indent="-342900" algn="l" rtl="0">
+              <a:spcBef>
+                <a:spcPts val="0"/>
+              </a:spcBef>
+              <a:spcAft>
+                <a:spcPts val="0"/>
+              </a:spcAft>
+              <a:buSzPts val="1800"/>
+              <a:buChar char="-"/>
+            </a:pPr>
+            <a:r>
+              <a:rPr lang="en"/>
+              <a:t>Explore a different machine learning model to achieve different results</a:t>
+            </a:r>
+            <a:endParaRPr/>
+          </a:p>
         </p:txBody>
       </p:sp>
+      <p:pic>
+        <p:nvPicPr>
+          <p:cNvPr id="187" name="Google Shape;187;p31"/>
+          <p:cNvPicPr preferRelativeResize="0"/>
+          <p:nvPr/>
+        </p:nvPicPr>
+        <p:blipFill>
+          <a:blip r:embed="rId3">
+            <a:alphaModFix/>
+          </a:blip>
+          <a:stretch>
+            <a:fillRect/>
+          </a:stretch>
+        </p:blipFill>
+        <p:spPr>
+          <a:xfrm>
+            <a:off x="2111125" y="2369697"/>
+            <a:ext cx="4493475" cy="2526675"/>
+          </a:xfrm>
+          <a:prstGeom prst="rect">
+            <a:avLst/>
+          </a:prstGeom>
+          <a:noFill/>
+          <a:ln>
+            <a:noFill/>
+          </a:ln>
+        </p:spPr>
+      </p:pic>
     </p:spTree>
   </p:cSld>
   <p:clrMapOvr>
@@ -12052,7 +13056,7 @@
             </a:pPr>
             <a:r>
               <a:rPr lang="en" sz="2100"/>
-              <a:t>What weather patterns do we observe with our data?</a:t>
+              <a:t>What weather patterns did we observe with our data?</a:t>
             </a:r>
             <a:endParaRPr sz="2100"/>
           </a:p>
@@ -12819,7 +13823,7 @@
             <a:tbl>
               <a:tblPr>
                 <a:noFill/>
-                <a:tableStyleId>{CE5B2975-C1E3-4482-88C8-5CA300691798}</a:tableStyleId>
+                <a:tableStyleId>{53E8FF1C-02E8-4BE4-8CFC-B101146369F7}</a:tableStyleId>
               </a:tblPr>
               <a:tblGrid>
                 <a:gridCol w="733125">
